--- a/presentation/presentation.pptx
+++ b/presentation/presentation.pptx
@@ -4,17 +4,22 @@
   <p:sldMasterIdLst>
     <p:sldMasterId id="2147483648" r:id="rId1"/>
   </p:sldMasterIdLst>
+  <p:notesMasterIdLst>
+    <p:notesMasterId r:id="rId14"/>
+  </p:notesMasterIdLst>
   <p:sldIdLst>
     <p:sldId id="256" r:id="rId2"/>
     <p:sldId id="257" r:id="rId3"/>
     <p:sldId id="260" r:id="rId4"/>
     <p:sldId id="261" r:id="rId5"/>
     <p:sldId id="262" r:id="rId6"/>
-    <p:sldId id="263" r:id="rId7"/>
-    <p:sldId id="264" r:id="rId8"/>
-    <p:sldId id="265" r:id="rId9"/>
-    <p:sldId id="259" r:id="rId10"/>
-    <p:sldId id="258" r:id="rId11"/>
+    <p:sldId id="266" r:id="rId7"/>
+    <p:sldId id="267" r:id="rId8"/>
+    <p:sldId id="263" r:id="rId9"/>
+    <p:sldId id="264" r:id="rId10"/>
+    <p:sldId id="265" r:id="rId11"/>
+    <p:sldId id="259" r:id="rId12"/>
+    <p:sldId id="258" r:id="rId13"/>
   </p:sldIdLst>
   <p:sldSz cx="12192000" cy="6858000"/>
   <p:notesSz cx="6858000" cy="9144000"/>
@@ -113,7 +118,3906 @@
       </a:defRPr>
     </a:lvl9pPr>
   </p:defaultTextStyle>
+  <p:extLst>
+    <p:ext uri="{EFAFB233-063F-42B5-8137-9DF3F51BA10A}">
+      <p15:sldGuideLst xmlns:p15="http://schemas.microsoft.com/office/powerpoint/2012/main"/>
+    </p:ext>
+  </p:extLst>
 </p:presentation>
+</file>
+
+<file path=ppt/commentAuthors.xml><?xml version="1.0" encoding="utf-8"?>
+<p:cmAuthorLst xmlns:a="http://schemas.openxmlformats.org/drawingml/2006/main" xmlns:r="http://schemas.openxmlformats.org/officeDocument/2006/relationships" xmlns:p="http://schemas.openxmlformats.org/presentationml/2006/main">
+  <p:cmAuthor id="1" name="Hausberger, Felix" initials="HF" lastIdx="2" clrIdx="0">
+    <p:extLst>
+      <p:ext uri="{19B8F6BF-5375-455C-9EA6-DF929625EA0E}">
+        <p15:presenceInfo xmlns:p15="http://schemas.microsoft.com/office/powerpoint/2012/main" userId="S::felix.hausberger@sap.com::77fedd31-404f-4285-9bc1-2baf000a3915" providerId="AD"/>
+      </p:ext>
+    </p:extLst>
+  </p:cmAuthor>
+</p:cmAuthorLst>
+</file>
+
+<file path=ppt/notesMasters/notesMaster1.xml><?xml version="1.0" encoding="utf-8"?>
+<p:notesMaster xmlns:a="http://schemas.openxmlformats.org/drawingml/2006/main" xmlns:r="http://schemas.openxmlformats.org/officeDocument/2006/relationships" xmlns:p="http://schemas.openxmlformats.org/presentationml/2006/main">
+  <p:cSld>
+    <p:bg>
+      <p:bgRef idx="1001">
+        <a:schemeClr val="bg1"/>
+      </p:bgRef>
+    </p:bg>
+    <p:spTree>
+      <p:nvGrpSpPr>
+        <p:cNvPr id="1" name=""/>
+        <p:cNvGrpSpPr/>
+        <p:nvPr/>
+      </p:nvGrpSpPr>
+      <p:grpSpPr>
+        <a:xfrm>
+          <a:off x="0" y="0"/>
+          <a:ext cx="0" cy="0"/>
+          <a:chOff x="0" y="0"/>
+          <a:chExt cx="0" cy="0"/>
+        </a:xfrm>
+      </p:grpSpPr>
+      <p:sp>
+        <p:nvSpPr>
+          <p:cNvPr id="2" name="Header Placeholder 1"/>
+          <p:cNvSpPr>
+            <a:spLocks noGrp="1"/>
+          </p:cNvSpPr>
+          <p:nvPr>
+            <p:ph type="hdr" sz="quarter"/>
+          </p:nvPr>
+        </p:nvSpPr>
+        <p:spPr>
+          <a:xfrm>
+            <a:off x="0" y="0"/>
+            <a:ext cx="2971800" cy="458788"/>
+          </a:xfrm>
+          <a:prstGeom prst="rect">
+            <a:avLst/>
+          </a:prstGeom>
+        </p:spPr>
+        <p:txBody>
+          <a:bodyPr vert="horz" lIns="91440" tIns="45720" rIns="91440" bIns="45720" rtlCol="0"/>
+          <a:lstStyle>
+            <a:lvl1pPr algn="l">
+              <a:defRPr sz="1200"/>
+            </a:lvl1pPr>
+          </a:lstStyle>
+          <a:p>
+            <a:endParaRPr lang="en-US"/>
+          </a:p>
+        </p:txBody>
+      </p:sp>
+      <p:sp>
+        <p:nvSpPr>
+          <p:cNvPr id="3" name="Date Placeholder 2"/>
+          <p:cNvSpPr>
+            <a:spLocks noGrp="1"/>
+          </p:cNvSpPr>
+          <p:nvPr>
+            <p:ph type="dt" idx="1"/>
+          </p:nvPr>
+        </p:nvSpPr>
+        <p:spPr>
+          <a:xfrm>
+            <a:off x="3884613" y="0"/>
+            <a:ext cx="2971800" cy="458788"/>
+          </a:xfrm>
+          <a:prstGeom prst="rect">
+            <a:avLst/>
+          </a:prstGeom>
+        </p:spPr>
+        <p:txBody>
+          <a:bodyPr vert="horz" lIns="91440" tIns="45720" rIns="91440" bIns="45720" rtlCol="0"/>
+          <a:lstStyle>
+            <a:lvl1pPr algn="r">
+              <a:defRPr sz="1200"/>
+            </a:lvl1pPr>
+          </a:lstStyle>
+          <a:p>
+            <a:fld id="{50CFD496-02FF-4BBF-91A8-BA14311B48A2}" type="datetimeFigureOut">
+              <a:rPr lang="en-US" smtClean="0"/>
+              <a:t>5/28/2021</a:t>
+            </a:fld>
+            <a:endParaRPr lang="en-US"/>
+          </a:p>
+        </p:txBody>
+      </p:sp>
+      <p:sp>
+        <p:nvSpPr>
+          <p:cNvPr id="4" name="Slide Image Placeholder 3"/>
+          <p:cNvSpPr>
+            <a:spLocks noGrp="1" noRot="1" noChangeAspect="1"/>
+          </p:cNvSpPr>
+          <p:nvPr>
+            <p:ph type="sldImg" idx="2"/>
+          </p:nvPr>
+        </p:nvSpPr>
+        <p:spPr>
+          <a:xfrm>
+            <a:off x="685800" y="1143000"/>
+            <a:ext cx="5486400" cy="3086100"/>
+          </a:xfrm>
+          <a:prstGeom prst="rect">
+            <a:avLst/>
+          </a:prstGeom>
+          <a:noFill/>
+          <a:ln w="12700">
+            <a:solidFill>
+              <a:prstClr val="black"/>
+            </a:solidFill>
+          </a:ln>
+        </p:spPr>
+        <p:txBody>
+          <a:bodyPr vert="horz" lIns="91440" tIns="45720" rIns="91440" bIns="45720" rtlCol="0" anchor="ctr"/>
+          <a:lstStyle/>
+          <a:p>
+            <a:endParaRPr lang="en-US"/>
+          </a:p>
+        </p:txBody>
+      </p:sp>
+      <p:sp>
+        <p:nvSpPr>
+          <p:cNvPr id="5" name="Notes Placeholder 4"/>
+          <p:cNvSpPr>
+            <a:spLocks noGrp="1"/>
+          </p:cNvSpPr>
+          <p:nvPr>
+            <p:ph type="body" sz="quarter" idx="3"/>
+          </p:nvPr>
+        </p:nvSpPr>
+        <p:spPr>
+          <a:xfrm>
+            <a:off x="685800" y="4400550"/>
+            <a:ext cx="5486400" cy="3600450"/>
+          </a:xfrm>
+          <a:prstGeom prst="rect">
+            <a:avLst/>
+          </a:prstGeom>
+        </p:spPr>
+        <p:txBody>
+          <a:bodyPr vert="horz" lIns="91440" tIns="45720" rIns="91440" bIns="45720" rtlCol="0"/>
+          <a:lstStyle/>
+          <a:p>
+            <a:pPr lvl="0"/>
+            <a:r>
+              <a:rPr lang="en-US"/>
+              <a:t>Click to edit Master text styles</a:t>
+            </a:r>
+          </a:p>
+          <a:p>
+            <a:pPr lvl="1"/>
+            <a:r>
+              <a:rPr lang="en-US"/>
+              <a:t>Second level</a:t>
+            </a:r>
+          </a:p>
+          <a:p>
+            <a:pPr lvl="2"/>
+            <a:r>
+              <a:rPr lang="en-US"/>
+              <a:t>Third level</a:t>
+            </a:r>
+          </a:p>
+          <a:p>
+            <a:pPr lvl="3"/>
+            <a:r>
+              <a:rPr lang="en-US"/>
+              <a:t>Fourth level</a:t>
+            </a:r>
+          </a:p>
+          <a:p>
+            <a:pPr lvl="4"/>
+            <a:r>
+              <a:rPr lang="en-US"/>
+              <a:t>Fifth level</a:t>
+            </a:r>
+          </a:p>
+        </p:txBody>
+      </p:sp>
+      <p:sp>
+        <p:nvSpPr>
+          <p:cNvPr id="6" name="Footer Placeholder 5"/>
+          <p:cNvSpPr>
+            <a:spLocks noGrp="1"/>
+          </p:cNvSpPr>
+          <p:nvPr>
+            <p:ph type="ftr" sz="quarter" idx="4"/>
+          </p:nvPr>
+        </p:nvSpPr>
+        <p:spPr>
+          <a:xfrm>
+            <a:off x="0" y="8685213"/>
+            <a:ext cx="2971800" cy="458787"/>
+          </a:xfrm>
+          <a:prstGeom prst="rect">
+            <a:avLst/>
+          </a:prstGeom>
+        </p:spPr>
+        <p:txBody>
+          <a:bodyPr vert="horz" lIns="91440" tIns="45720" rIns="91440" bIns="45720" rtlCol="0" anchor="b"/>
+          <a:lstStyle>
+            <a:lvl1pPr algn="l">
+              <a:defRPr sz="1200"/>
+            </a:lvl1pPr>
+          </a:lstStyle>
+          <a:p>
+            <a:endParaRPr lang="en-US"/>
+          </a:p>
+        </p:txBody>
+      </p:sp>
+      <p:sp>
+        <p:nvSpPr>
+          <p:cNvPr id="7" name="Slide Number Placeholder 6"/>
+          <p:cNvSpPr>
+            <a:spLocks noGrp="1"/>
+          </p:cNvSpPr>
+          <p:nvPr>
+            <p:ph type="sldNum" sz="quarter" idx="5"/>
+          </p:nvPr>
+        </p:nvSpPr>
+        <p:spPr>
+          <a:xfrm>
+            <a:off x="3884613" y="8685213"/>
+            <a:ext cx="2971800" cy="458787"/>
+          </a:xfrm>
+          <a:prstGeom prst="rect">
+            <a:avLst/>
+          </a:prstGeom>
+        </p:spPr>
+        <p:txBody>
+          <a:bodyPr vert="horz" lIns="91440" tIns="45720" rIns="91440" bIns="45720" rtlCol="0" anchor="b"/>
+          <a:lstStyle>
+            <a:lvl1pPr algn="r">
+              <a:defRPr sz="1200"/>
+            </a:lvl1pPr>
+          </a:lstStyle>
+          <a:p>
+            <a:fld id="{6D172734-61C0-4E94-B507-0920723C809C}" type="slidenum">
+              <a:rPr lang="en-US" smtClean="0"/>
+              <a:t>‹#›</a:t>
+            </a:fld>
+            <a:endParaRPr lang="en-US"/>
+          </a:p>
+        </p:txBody>
+      </p:sp>
+    </p:spTree>
+    <p:extLst>
+      <p:ext uri="{BB962C8B-B14F-4D97-AF65-F5344CB8AC3E}">
+        <p14:creationId xmlns:p14="http://schemas.microsoft.com/office/powerpoint/2010/main" val="1881906578"/>
+      </p:ext>
+    </p:extLst>
+  </p:cSld>
+  <p:clrMap bg1="lt1" tx1="dk1" bg2="lt2" tx2="dk2" accent1="accent1" accent2="accent2" accent3="accent3" accent4="accent4" accent5="accent5" accent6="accent6" hlink="hlink" folHlink="folHlink"/>
+  <p:notesStyle>
+    <a:lvl1pPr marL="0" algn="l" defTabSz="914400" rtl="0" eaLnBrk="1" latinLnBrk="0" hangingPunct="1">
+      <a:defRPr sz="1200" kern="1200">
+        <a:solidFill>
+          <a:schemeClr val="tx1"/>
+        </a:solidFill>
+        <a:latin typeface="+mn-lt"/>
+        <a:ea typeface="+mn-ea"/>
+        <a:cs typeface="+mn-cs"/>
+      </a:defRPr>
+    </a:lvl1pPr>
+    <a:lvl2pPr marL="457200" algn="l" defTabSz="914400" rtl="0" eaLnBrk="1" latinLnBrk="0" hangingPunct="1">
+      <a:defRPr sz="1200" kern="1200">
+        <a:solidFill>
+          <a:schemeClr val="tx1"/>
+        </a:solidFill>
+        <a:latin typeface="+mn-lt"/>
+        <a:ea typeface="+mn-ea"/>
+        <a:cs typeface="+mn-cs"/>
+      </a:defRPr>
+    </a:lvl2pPr>
+    <a:lvl3pPr marL="914400" algn="l" defTabSz="914400" rtl="0" eaLnBrk="1" latinLnBrk="0" hangingPunct="1">
+      <a:defRPr sz="1200" kern="1200">
+        <a:solidFill>
+          <a:schemeClr val="tx1"/>
+        </a:solidFill>
+        <a:latin typeface="+mn-lt"/>
+        <a:ea typeface="+mn-ea"/>
+        <a:cs typeface="+mn-cs"/>
+      </a:defRPr>
+    </a:lvl3pPr>
+    <a:lvl4pPr marL="1371600" algn="l" defTabSz="914400" rtl="0" eaLnBrk="1" latinLnBrk="0" hangingPunct="1">
+      <a:defRPr sz="1200" kern="1200">
+        <a:solidFill>
+          <a:schemeClr val="tx1"/>
+        </a:solidFill>
+        <a:latin typeface="+mn-lt"/>
+        <a:ea typeface="+mn-ea"/>
+        <a:cs typeface="+mn-cs"/>
+      </a:defRPr>
+    </a:lvl4pPr>
+    <a:lvl5pPr marL="1828800" algn="l" defTabSz="914400" rtl="0" eaLnBrk="1" latinLnBrk="0" hangingPunct="1">
+      <a:defRPr sz="1200" kern="1200">
+        <a:solidFill>
+          <a:schemeClr val="tx1"/>
+        </a:solidFill>
+        <a:latin typeface="+mn-lt"/>
+        <a:ea typeface="+mn-ea"/>
+        <a:cs typeface="+mn-cs"/>
+      </a:defRPr>
+    </a:lvl5pPr>
+    <a:lvl6pPr marL="2286000" algn="l" defTabSz="914400" rtl="0" eaLnBrk="1" latinLnBrk="0" hangingPunct="1">
+      <a:defRPr sz="1200" kern="1200">
+        <a:solidFill>
+          <a:schemeClr val="tx1"/>
+        </a:solidFill>
+        <a:latin typeface="+mn-lt"/>
+        <a:ea typeface="+mn-ea"/>
+        <a:cs typeface="+mn-cs"/>
+      </a:defRPr>
+    </a:lvl6pPr>
+    <a:lvl7pPr marL="2743200" algn="l" defTabSz="914400" rtl="0" eaLnBrk="1" latinLnBrk="0" hangingPunct="1">
+      <a:defRPr sz="1200" kern="1200">
+        <a:solidFill>
+          <a:schemeClr val="tx1"/>
+        </a:solidFill>
+        <a:latin typeface="+mn-lt"/>
+        <a:ea typeface="+mn-ea"/>
+        <a:cs typeface="+mn-cs"/>
+      </a:defRPr>
+    </a:lvl7pPr>
+    <a:lvl8pPr marL="3200400" algn="l" defTabSz="914400" rtl="0" eaLnBrk="1" latinLnBrk="0" hangingPunct="1">
+      <a:defRPr sz="1200" kern="1200">
+        <a:solidFill>
+          <a:schemeClr val="tx1"/>
+        </a:solidFill>
+        <a:latin typeface="+mn-lt"/>
+        <a:ea typeface="+mn-ea"/>
+        <a:cs typeface="+mn-cs"/>
+      </a:defRPr>
+    </a:lvl8pPr>
+    <a:lvl9pPr marL="3657600" algn="l" defTabSz="914400" rtl="0" eaLnBrk="1" latinLnBrk="0" hangingPunct="1">
+      <a:defRPr sz="1200" kern="1200">
+        <a:solidFill>
+          <a:schemeClr val="tx1"/>
+        </a:solidFill>
+        <a:latin typeface="+mn-lt"/>
+        <a:ea typeface="+mn-ea"/>
+        <a:cs typeface="+mn-cs"/>
+      </a:defRPr>
+    </a:lvl9pPr>
+  </p:notesStyle>
+</p:notesMaster>
+</file>
+
+<file path=ppt/notesSlides/notesSlide1.xml><?xml version="1.0" encoding="utf-8"?>
+<p:notes xmlns:a="http://schemas.openxmlformats.org/drawingml/2006/main" xmlns:r="http://schemas.openxmlformats.org/officeDocument/2006/relationships" xmlns:p="http://schemas.openxmlformats.org/presentationml/2006/main">
+  <p:cSld>
+    <p:spTree>
+      <p:nvGrpSpPr>
+        <p:cNvPr id="1" name=""/>
+        <p:cNvGrpSpPr/>
+        <p:nvPr/>
+      </p:nvGrpSpPr>
+      <p:grpSpPr>
+        <a:xfrm>
+          <a:off x="0" y="0"/>
+          <a:ext cx="0" cy="0"/>
+          <a:chOff x="0" y="0"/>
+          <a:chExt cx="0" cy="0"/>
+        </a:xfrm>
+      </p:grpSpPr>
+      <p:sp>
+        <p:nvSpPr>
+          <p:cNvPr id="2" name="Slide Image Placeholder 1"/>
+          <p:cNvSpPr>
+            <a:spLocks noGrp="1" noRot="1" noChangeAspect="1"/>
+          </p:cNvSpPr>
+          <p:nvPr>
+            <p:ph type="sldImg"/>
+          </p:nvPr>
+        </p:nvSpPr>
+        <p:spPr/>
+      </p:sp>
+      <p:sp>
+        <p:nvSpPr>
+          <p:cNvPr id="3" name="Notes Placeholder 2"/>
+          <p:cNvSpPr>
+            <a:spLocks noGrp="1"/>
+          </p:cNvSpPr>
+          <p:nvPr>
+            <p:ph type="body" idx="1"/>
+          </p:nvPr>
+        </p:nvSpPr>
+        <p:spPr/>
+        <p:txBody>
+          <a:bodyPr/>
+          <a:lstStyle/>
+          <a:p>
+            <a:pPr marL="171450" indent="-171450">
+              <a:buFont typeface="Arial" panose="020B0604020202020204" pitchFamily="34" charset="0"/>
+              <a:buChar char="•"/>
+            </a:pPr>
+            <a:r>
+              <a:rPr lang="de-DE" dirty="0" err="1"/>
+              <a:t>Three</a:t>
+            </a:r>
+            <a:r>
+              <a:rPr lang="de-DE" dirty="0"/>
+              <a:t> </a:t>
+            </a:r>
+            <a:r>
+              <a:rPr lang="de-DE" dirty="0" err="1"/>
+              <a:t>reasons</a:t>
+            </a:r>
+            <a:r>
+              <a:rPr lang="de-DE" dirty="0"/>
+              <a:t> </a:t>
+            </a:r>
+            <a:r>
+              <a:rPr lang="de-DE" dirty="0" err="1"/>
+              <a:t>for</a:t>
+            </a:r>
+            <a:r>
+              <a:rPr lang="de-DE" dirty="0"/>
+              <a:t> </a:t>
+            </a:r>
+            <a:r>
+              <a:rPr lang="de-DE" dirty="0" err="1"/>
+              <a:t>using</a:t>
+            </a:r>
+            <a:r>
+              <a:rPr lang="de-DE" dirty="0"/>
+              <a:t> simple and </a:t>
+            </a:r>
+            <a:r>
+              <a:rPr lang="de-DE" dirty="0" err="1"/>
+              <a:t>plain</a:t>
+            </a:r>
+            <a:r>
+              <a:rPr lang="de-DE" dirty="0"/>
+              <a:t> </a:t>
+            </a:r>
+            <a:r>
+              <a:rPr lang="de-DE" dirty="0" err="1"/>
+              <a:t>convolutional</a:t>
+            </a:r>
+            <a:r>
+              <a:rPr lang="de-DE" dirty="0"/>
+              <a:t> </a:t>
+            </a:r>
+            <a:r>
+              <a:rPr lang="de-DE" dirty="0" err="1"/>
+              <a:t>networks</a:t>
+            </a:r>
+            <a:r>
+              <a:rPr lang="en-US" dirty="0"/>
+              <a:t>: </a:t>
+            </a:r>
+          </a:p>
+          <a:p>
+            <a:pPr marL="628650" lvl="1" indent="-171450">
+              <a:buFont typeface="Arial" panose="020B0604020202020204" pitchFamily="34" charset="0"/>
+              <a:buChar char="•"/>
+            </a:pPr>
+            <a:r>
+              <a:rPr lang="en-US" dirty="0"/>
+              <a:t>Fast:</a:t>
+            </a:r>
+          </a:p>
+          <a:p>
+            <a:pPr marL="1085850" lvl="2" indent="-171450">
+              <a:buFont typeface="Arial" panose="020B0604020202020204" pitchFamily="34" charset="0"/>
+              <a:buChar char="•"/>
+            </a:pPr>
+            <a:r>
+              <a:rPr lang="de-DE" dirty="0"/>
+              <a:t>Speed </a:t>
+            </a:r>
+            <a:r>
+              <a:rPr lang="de-DE" dirty="0" err="1"/>
+              <a:t>cannot</a:t>
+            </a:r>
+            <a:r>
+              <a:rPr lang="de-DE" dirty="0"/>
+              <a:t> </a:t>
+            </a:r>
+            <a:r>
+              <a:rPr lang="de-DE" dirty="0" err="1"/>
+              <a:t>be</a:t>
+            </a:r>
+            <a:r>
+              <a:rPr lang="de-DE" dirty="0"/>
+              <a:t> </a:t>
+            </a:r>
+            <a:r>
+              <a:rPr lang="de-DE" dirty="0" err="1"/>
+              <a:t>approximated</a:t>
+            </a:r>
+            <a:r>
+              <a:rPr lang="de-DE" dirty="0"/>
+              <a:t> </a:t>
+            </a:r>
+            <a:r>
+              <a:rPr lang="de-DE" dirty="0" err="1"/>
+              <a:t>with</a:t>
+            </a:r>
+            <a:r>
+              <a:rPr lang="de-DE" dirty="0"/>
+              <a:t> FLOPS: (</a:t>
+            </a:r>
+            <a:r>
+              <a:rPr lang="de-DE" dirty="0" err="1"/>
+              <a:t>Winograd</a:t>
+            </a:r>
+            <a:r>
+              <a:rPr lang="de-DE" dirty="0"/>
+              <a:t> </a:t>
+            </a:r>
+            <a:r>
+              <a:rPr lang="de-DE" dirty="0" err="1"/>
+              <a:t>conv</a:t>
+            </a:r>
+            <a:r>
+              <a:rPr lang="de-DE" dirty="0"/>
+              <a:t> (</a:t>
+            </a:r>
+            <a:r>
+              <a:rPr lang="de-DE" dirty="0" err="1"/>
+              <a:t>reduces</a:t>
+            </a:r>
+            <a:r>
+              <a:rPr lang="de-DE" dirty="0"/>
+              <a:t> </a:t>
+            </a:r>
+            <a:r>
+              <a:rPr lang="de-DE" dirty="0" err="1"/>
+              <a:t>flops</a:t>
+            </a:r>
+            <a:r>
+              <a:rPr lang="de-DE" dirty="0"/>
+              <a:t>))</a:t>
+            </a:r>
+          </a:p>
+          <a:p>
+            <a:pPr marL="1543050" lvl="3" indent="-171450">
+              <a:buFont typeface="Arial" panose="020B0604020202020204" pitchFamily="34" charset="0"/>
+              <a:buChar char="•"/>
+            </a:pPr>
+            <a:r>
+              <a:rPr lang="de-DE" dirty="0"/>
+              <a:t>Memory Access </a:t>
+            </a:r>
+            <a:r>
+              <a:rPr lang="de-DE" dirty="0" err="1"/>
+              <a:t>Cost</a:t>
+            </a:r>
+            <a:r>
+              <a:rPr lang="de-DE" dirty="0"/>
+              <a:t> (MAC): high </a:t>
+            </a:r>
+            <a:r>
+              <a:rPr lang="de-DE" dirty="0" err="1"/>
+              <a:t>for</a:t>
+            </a:r>
+            <a:r>
+              <a:rPr lang="de-DE" dirty="0"/>
+              <a:t> </a:t>
+            </a:r>
+            <a:r>
+              <a:rPr lang="de-DE" dirty="0" err="1"/>
+              <a:t>branch</a:t>
+            </a:r>
+            <a:r>
+              <a:rPr lang="de-DE" dirty="0"/>
+              <a:t> </a:t>
+            </a:r>
+            <a:r>
+              <a:rPr lang="de-DE" dirty="0" err="1"/>
+              <a:t>additions</a:t>
+            </a:r>
+            <a:r>
+              <a:rPr lang="de-DE" dirty="0"/>
+              <a:t>/</a:t>
+            </a:r>
+            <a:r>
+              <a:rPr lang="de-DE" dirty="0" err="1"/>
+              <a:t>concatenations</a:t>
+            </a:r>
+            <a:r>
+              <a:rPr lang="de-DE" dirty="0"/>
+              <a:t>, </a:t>
+            </a:r>
+            <a:r>
+              <a:rPr lang="de-DE" dirty="0" err="1"/>
+              <a:t>groupwise</a:t>
+            </a:r>
+            <a:r>
+              <a:rPr lang="de-DE" dirty="0"/>
+              <a:t> </a:t>
+            </a:r>
+            <a:r>
+              <a:rPr lang="de-DE" dirty="0" err="1"/>
+              <a:t>convolution</a:t>
+            </a:r>
+            <a:endParaRPr lang="de-DE" dirty="0"/>
+          </a:p>
+          <a:p>
+            <a:pPr marL="1543050" lvl="3" indent="-171450">
+              <a:buFont typeface="Arial" panose="020B0604020202020204" pitchFamily="34" charset="0"/>
+              <a:buChar char="•"/>
+            </a:pPr>
+            <a:r>
+              <a:rPr lang="de-DE" dirty="0" err="1"/>
+              <a:t>Degree</a:t>
+            </a:r>
+            <a:r>
+              <a:rPr lang="de-DE" dirty="0"/>
+              <a:t> </a:t>
+            </a:r>
+            <a:r>
+              <a:rPr lang="de-DE" dirty="0" err="1"/>
+              <a:t>of</a:t>
+            </a:r>
+            <a:r>
+              <a:rPr lang="de-DE" dirty="0"/>
+              <a:t> </a:t>
+            </a:r>
+            <a:r>
+              <a:rPr lang="de-DE" dirty="0" err="1"/>
+              <a:t>parallelism</a:t>
+            </a:r>
+            <a:r>
+              <a:rPr lang="de-DE" dirty="0"/>
+              <a:t>: high </a:t>
+            </a:r>
+            <a:r>
+              <a:rPr lang="de-DE" dirty="0" err="1"/>
+              <a:t>number</a:t>
+            </a:r>
+            <a:r>
+              <a:rPr lang="de-DE" dirty="0"/>
+              <a:t> </a:t>
+            </a:r>
+            <a:r>
+              <a:rPr lang="de-DE" dirty="0" err="1"/>
+              <a:t>of</a:t>
+            </a:r>
+            <a:r>
+              <a:rPr lang="de-DE" dirty="0"/>
+              <a:t> </a:t>
+            </a:r>
+            <a:r>
+              <a:rPr lang="de-DE" dirty="0" err="1"/>
+              <a:t>fragmented</a:t>
+            </a:r>
+            <a:r>
+              <a:rPr lang="de-DE" dirty="0"/>
+              <a:t> </a:t>
+            </a:r>
+            <a:r>
+              <a:rPr lang="de-DE" dirty="0" err="1"/>
+              <a:t>operators</a:t>
+            </a:r>
+            <a:r>
+              <a:rPr lang="de-DE" dirty="0"/>
+              <a:t> (i.e. </a:t>
+            </a:r>
+            <a:r>
+              <a:rPr lang="de-DE" dirty="0" err="1"/>
+              <a:t>number</a:t>
+            </a:r>
+            <a:r>
+              <a:rPr lang="de-DE" dirty="0"/>
+              <a:t> </a:t>
+            </a:r>
+            <a:r>
+              <a:rPr lang="de-DE" dirty="0" err="1"/>
+              <a:t>of</a:t>
+            </a:r>
+            <a:r>
+              <a:rPr lang="de-DE" dirty="0"/>
+              <a:t> individual </a:t>
+            </a:r>
+            <a:r>
+              <a:rPr lang="de-DE" dirty="0" err="1"/>
+              <a:t>conv</a:t>
+            </a:r>
+            <a:r>
+              <a:rPr lang="de-DE" dirty="0"/>
+              <a:t> </a:t>
+            </a:r>
+            <a:r>
+              <a:rPr lang="de-DE" dirty="0" err="1"/>
+              <a:t>or</a:t>
+            </a:r>
+            <a:r>
+              <a:rPr lang="de-DE" dirty="0"/>
+              <a:t> </a:t>
+            </a:r>
+            <a:r>
+              <a:rPr lang="de-DE" dirty="0" err="1"/>
+              <a:t>pooling</a:t>
+            </a:r>
+            <a:r>
+              <a:rPr lang="de-DE" dirty="0"/>
+              <a:t> </a:t>
+            </a:r>
+            <a:r>
+              <a:rPr lang="de-DE" dirty="0" err="1"/>
+              <a:t>operations</a:t>
+            </a:r>
+            <a:r>
+              <a:rPr lang="de-DE" dirty="0"/>
+              <a:t> in </a:t>
+            </a:r>
+            <a:r>
+              <a:rPr lang="de-DE" dirty="0" err="1"/>
+              <a:t>one</a:t>
+            </a:r>
+            <a:r>
+              <a:rPr lang="de-DE" dirty="0"/>
+              <a:t> </a:t>
+            </a:r>
+            <a:r>
+              <a:rPr lang="de-DE" dirty="0" err="1"/>
+              <a:t>building</a:t>
+            </a:r>
+            <a:r>
+              <a:rPr lang="de-DE" dirty="0"/>
+              <a:t> block) </a:t>
+            </a:r>
+            <a:r>
+              <a:rPr lang="de-DE" dirty="0" err="1"/>
+              <a:t>introduces</a:t>
+            </a:r>
+            <a:r>
+              <a:rPr lang="de-DE" dirty="0"/>
+              <a:t> extra </a:t>
+            </a:r>
+            <a:r>
+              <a:rPr lang="de-DE" dirty="0" err="1"/>
+              <a:t>overheads</a:t>
+            </a:r>
+            <a:r>
+              <a:rPr lang="de-DE" dirty="0"/>
+              <a:t> like </a:t>
+            </a:r>
+            <a:r>
+              <a:rPr lang="de-DE" dirty="0" err="1"/>
+              <a:t>kernel</a:t>
+            </a:r>
+            <a:r>
+              <a:rPr lang="de-DE" dirty="0"/>
+              <a:t> </a:t>
+            </a:r>
+            <a:r>
+              <a:rPr lang="de-DE" dirty="0" err="1"/>
+              <a:t>launching</a:t>
+            </a:r>
+            <a:r>
+              <a:rPr lang="de-DE" dirty="0"/>
+              <a:t> and </a:t>
+            </a:r>
+            <a:r>
+              <a:rPr lang="de-DE" dirty="0" err="1"/>
+              <a:t>synchronization</a:t>
+            </a:r>
+            <a:endParaRPr lang="de-DE" dirty="0"/>
+          </a:p>
+          <a:p>
+            <a:pPr marL="628650" lvl="1" indent="-171450">
+              <a:buFont typeface="Arial" panose="020B0604020202020204" pitchFamily="34" charset="0"/>
+              <a:buChar char="•"/>
+            </a:pPr>
+            <a:r>
+              <a:rPr lang="de-DE" dirty="0"/>
+              <a:t>Memory-</a:t>
+            </a:r>
+            <a:r>
+              <a:rPr lang="de-DE" dirty="0" err="1"/>
+              <a:t>economical</a:t>
+            </a:r>
+            <a:r>
+              <a:rPr lang="de-DE" dirty="0"/>
+              <a:t>: </a:t>
+            </a:r>
+          </a:p>
+          <a:p>
+            <a:pPr marL="1085850" lvl="2" indent="-171450">
+              <a:buFont typeface="Arial" panose="020B0604020202020204" pitchFamily="34" charset="0"/>
+              <a:buChar char="•"/>
+            </a:pPr>
+            <a:r>
+              <a:rPr lang="de-DE" dirty="0"/>
+              <a:t>Multi-</a:t>
+            </a:r>
+            <a:r>
+              <a:rPr lang="de-DE" dirty="0" err="1"/>
+              <a:t>branch</a:t>
+            </a:r>
+            <a:r>
+              <a:rPr lang="de-DE" dirty="0"/>
+              <a:t> </a:t>
+            </a:r>
+            <a:r>
+              <a:rPr lang="de-DE" dirty="0" err="1"/>
+              <a:t>topology</a:t>
+            </a:r>
+            <a:r>
+              <a:rPr lang="de-DE" dirty="0"/>
+              <a:t> like residual </a:t>
+            </a:r>
+            <a:r>
+              <a:rPr lang="de-DE" dirty="0" err="1"/>
+              <a:t>architectures</a:t>
+            </a:r>
+            <a:r>
+              <a:rPr lang="de-DE" dirty="0"/>
+              <a:t>: </a:t>
+            </a:r>
+            <a:r>
+              <a:rPr lang="de-DE" dirty="0" err="1"/>
+              <a:t>keep</a:t>
+            </a:r>
+            <a:r>
+              <a:rPr lang="de-DE" dirty="0"/>
+              <a:t> </a:t>
+            </a:r>
+            <a:r>
+              <a:rPr lang="de-DE" dirty="0" err="1"/>
+              <a:t>results</a:t>
+            </a:r>
+            <a:r>
+              <a:rPr lang="de-DE" dirty="0"/>
+              <a:t> </a:t>
+            </a:r>
+            <a:r>
+              <a:rPr lang="de-DE" dirty="0" err="1"/>
+              <a:t>of</a:t>
+            </a:r>
+            <a:r>
+              <a:rPr lang="de-DE" dirty="0"/>
+              <a:t> </a:t>
+            </a:r>
+            <a:r>
+              <a:rPr lang="de-DE" dirty="0" err="1"/>
+              <a:t>every</a:t>
+            </a:r>
+            <a:r>
+              <a:rPr lang="de-DE" dirty="0"/>
+              <a:t> </a:t>
+            </a:r>
+            <a:r>
+              <a:rPr lang="de-DE" dirty="0" err="1"/>
+              <a:t>branch</a:t>
+            </a:r>
+            <a:r>
+              <a:rPr lang="de-DE" dirty="0"/>
+              <a:t> </a:t>
+            </a:r>
+            <a:r>
+              <a:rPr lang="de-DE" dirty="0" err="1"/>
+              <a:t>until</a:t>
+            </a:r>
+            <a:r>
+              <a:rPr lang="de-DE" dirty="0"/>
+              <a:t> </a:t>
+            </a:r>
+            <a:r>
+              <a:rPr lang="de-DE" dirty="0" err="1"/>
+              <a:t>addition</a:t>
+            </a:r>
+            <a:r>
+              <a:rPr lang="de-DE" dirty="0"/>
+              <a:t>/</a:t>
+            </a:r>
+            <a:r>
+              <a:rPr lang="de-DE" dirty="0" err="1"/>
+              <a:t>concatenation</a:t>
+            </a:r>
+            <a:endParaRPr lang="de-DE" dirty="0"/>
+          </a:p>
+          <a:p>
+            <a:pPr marL="1085850" lvl="2" indent="-171450">
+              <a:buFont typeface="Arial" panose="020B0604020202020204" pitchFamily="34" charset="0"/>
+              <a:buChar char="•"/>
+            </a:pPr>
+            <a:r>
+              <a:rPr lang="de-DE" dirty="0" err="1"/>
+              <a:t>Plain</a:t>
+            </a:r>
+            <a:r>
+              <a:rPr lang="de-DE" dirty="0"/>
+              <a:t> </a:t>
+            </a:r>
+            <a:r>
+              <a:rPr lang="de-DE" dirty="0" err="1"/>
+              <a:t>ConvNet</a:t>
+            </a:r>
+            <a:r>
+              <a:rPr lang="de-DE" dirty="0"/>
+              <a:t>: </a:t>
+            </a:r>
+            <a:r>
+              <a:rPr lang="de-DE" dirty="0" err="1"/>
+              <a:t>allows</a:t>
+            </a:r>
+            <a:r>
+              <a:rPr lang="de-DE" dirty="0"/>
+              <a:t> </a:t>
+            </a:r>
+            <a:r>
+              <a:rPr lang="de-DE" dirty="0" err="1"/>
+              <a:t>deep</a:t>
+            </a:r>
+            <a:r>
+              <a:rPr lang="de-DE" dirty="0"/>
+              <a:t> </a:t>
+            </a:r>
+            <a:r>
+              <a:rPr lang="de-DE" dirty="0" err="1"/>
+              <a:t>memory</a:t>
+            </a:r>
+            <a:r>
+              <a:rPr lang="de-DE" dirty="0"/>
+              <a:t> </a:t>
+            </a:r>
+            <a:r>
+              <a:rPr lang="de-DE" dirty="0" err="1"/>
+              <a:t>optimizations</a:t>
+            </a:r>
+            <a:r>
+              <a:rPr lang="de-DE" dirty="0"/>
+              <a:t> and </a:t>
+            </a:r>
+            <a:r>
+              <a:rPr lang="de-DE" dirty="0" err="1"/>
+              <a:t>reduces</a:t>
+            </a:r>
+            <a:r>
+              <a:rPr lang="de-DE" dirty="0"/>
+              <a:t> </a:t>
+            </a:r>
+            <a:r>
+              <a:rPr lang="de-DE" dirty="0" err="1"/>
+              <a:t>memory</a:t>
+            </a:r>
+            <a:r>
+              <a:rPr lang="de-DE" dirty="0"/>
+              <a:t> </a:t>
+            </a:r>
+            <a:r>
+              <a:rPr lang="de-DE" dirty="0" err="1"/>
+              <a:t>costs</a:t>
+            </a:r>
+            <a:r>
+              <a:rPr lang="de-DE" dirty="0"/>
+              <a:t> =&gt; </a:t>
+            </a:r>
+            <a:r>
+              <a:rPr lang="de-DE" dirty="0" err="1"/>
+              <a:t>more</a:t>
+            </a:r>
+            <a:r>
+              <a:rPr lang="de-DE" dirty="0"/>
+              <a:t> </a:t>
+            </a:r>
+            <a:r>
+              <a:rPr lang="de-DE" dirty="0" err="1"/>
+              <a:t>computing</a:t>
+            </a:r>
+            <a:r>
+              <a:rPr lang="de-DE" dirty="0"/>
+              <a:t> </a:t>
+            </a:r>
+            <a:r>
+              <a:rPr lang="de-DE" dirty="0" err="1"/>
+              <a:t>units</a:t>
+            </a:r>
+            <a:r>
+              <a:rPr lang="de-DE" dirty="0"/>
+              <a:t> </a:t>
+            </a:r>
+            <a:r>
+              <a:rPr lang="de-DE" dirty="0" err="1"/>
+              <a:t>onto</a:t>
+            </a:r>
+            <a:r>
+              <a:rPr lang="de-DE" dirty="0"/>
+              <a:t> </a:t>
+            </a:r>
+            <a:r>
+              <a:rPr lang="de-DE" dirty="0" err="1"/>
+              <a:t>the</a:t>
+            </a:r>
+            <a:r>
+              <a:rPr lang="de-DE" dirty="0"/>
+              <a:t> </a:t>
+            </a:r>
+            <a:r>
+              <a:rPr lang="de-DE" dirty="0" err="1"/>
+              <a:t>chip</a:t>
+            </a:r>
+            <a:endParaRPr lang="de-DE" dirty="0"/>
+          </a:p>
+          <a:p>
+            <a:pPr marL="628650" lvl="1" indent="-171450">
+              <a:buFont typeface="Arial" panose="020B0604020202020204" pitchFamily="34" charset="0"/>
+              <a:buChar char="•"/>
+            </a:pPr>
+            <a:r>
+              <a:rPr lang="de-DE" dirty="0"/>
+              <a:t>Flexible: </a:t>
+            </a:r>
+          </a:p>
+          <a:p>
+            <a:pPr marL="1085850" lvl="2" indent="-171450">
+              <a:buFont typeface="Arial" panose="020B0604020202020204" pitchFamily="34" charset="0"/>
+              <a:buChar char="•"/>
+            </a:pPr>
+            <a:r>
+              <a:rPr lang="de-DE" dirty="0"/>
+              <a:t>Multi-</a:t>
+            </a:r>
+            <a:r>
+              <a:rPr lang="de-DE" dirty="0" err="1"/>
+              <a:t>branch</a:t>
+            </a:r>
+            <a:r>
+              <a:rPr lang="de-DE" dirty="0"/>
+              <a:t> </a:t>
+            </a:r>
+            <a:r>
+              <a:rPr lang="de-DE" dirty="0" err="1"/>
+              <a:t>architectures</a:t>
+            </a:r>
+            <a:endParaRPr lang="de-DE" dirty="0"/>
+          </a:p>
+          <a:p>
+            <a:pPr marL="1543050" lvl="3" indent="-171450">
+              <a:buFont typeface="Arial" panose="020B0604020202020204" pitchFamily="34" charset="0"/>
+              <a:buChar char="•"/>
+            </a:pPr>
+            <a:r>
+              <a:rPr lang="de-DE" dirty="0" err="1"/>
+              <a:t>introduce</a:t>
+            </a:r>
+            <a:r>
+              <a:rPr lang="de-DE" dirty="0"/>
+              <a:t> </a:t>
+            </a:r>
+            <a:r>
+              <a:rPr lang="de-DE" dirty="0" err="1"/>
+              <a:t>architectural</a:t>
+            </a:r>
+            <a:r>
+              <a:rPr lang="de-DE" dirty="0"/>
+              <a:t> </a:t>
+            </a:r>
+            <a:r>
+              <a:rPr lang="de-DE" dirty="0" err="1"/>
+              <a:t>constraints</a:t>
+            </a:r>
+            <a:r>
+              <a:rPr lang="de-DE" dirty="0"/>
+              <a:t>: residual block </a:t>
+            </a:r>
+            <a:r>
+              <a:rPr lang="de-DE" dirty="0" err="1"/>
+              <a:t>need</a:t>
+            </a:r>
+            <a:r>
+              <a:rPr lang="de-DE" dirty="0"/>
+              <a:t> </a:t>
+            </a:r>
+            <a:r>
+              <a:rPr lang="de-DE" dirty="0" err="1"/>
+              <a:t>to</a:t>
+            </a:r>
+            <a:r>
+              <a:rPr lang="de-DE" dirty="0"/>
+              <a:t> </a:t>
+            </a:r>
+            <a:r>
+              <a:rPr lang="de-DE" dirty="0" err="1"/>
+              <a:t>produce</a:t>
+            </a:r>
+            <a:r>
+              <a:rPr lang="de-DE" dirty="0"/>
+              <a:t> </a:t>
+            </a:r>
+            <a:r>
+              <a:rPr lang="de-DE" dirty="0" err="1"/>
+              <a:t>tensors</a:t>
+            </a:r>
+            <a:r>
+              <a:rPr lang="de-DE" dirty="0"/>
+              <a:t> </a:t>
+            </a:r>
+            <a:r>
+              <a:rPr lang="de-DE" dirty="0" err="1"/>
+              <a:t>of</a:t>
+            </a:r>
+            <a:r>
+              <a:rPr lang="de-DE" dirty="0"/>
+              <a:t> </a:t>
+            </a:r>
+            <a:r>
+              <a:rPr lang="de-DE" dirty="0" err="1"/>
+              <a:t>the</a:t>
+            </a:r>
+            <a:r>
+              <a:rPr lang="de-DE" dirty="0"/>
+              <a:t> same </a:t>
+            </a:r>
+            <a:r>
+              <a:rPr lang="de-DE" dirty="0" err="1"/>
+              <a:t>shape</a:t>
+            </a:r>
+            <a:r>
+              <a:rPr lang="de-DE" dirty="0"/>
+              <a:t> </a:t>
+            </a:r>
+            <a:r>
+              <a:rPr lang="de-DE" dirty="0" err="1"/>
+              <a:t>for</a:t>
+            </a:r>
+            <a:r>
+              <a:rPr lang="de-DE" dirty="0"/>
+              <a:t> </a:t>
+            </a:r>
+            <a:r>
+              <a:rPr lang="de-DE" dirty="0" err="1"/>
+              <a:t>the</a:t>
+            </a:r>
+            <a:r>
+              <a:rPr lang="de-DE" dirty="0"/>
+              <a:t> </a:t>
+            </a:r>
+            <a:r>
+              <a:rPr lang="de-DE" dirty="0" err="1"/>
+              <a:t>addition</a:t>
+            </a:r>
+            <a:endParaRPr lang="de-DE" dirty="0"/>
+          </a:p>
+          <a:p>
+            <a:pPr marL="1543050" lvl="3" indent="-171450">
+              <a:buFont typeface="Arial" panose="020B0604020202020204" pitchFamily="34" charset="0"/>
+              <a:buChar char="•"/>
+            </a:pPr>
+            <a:r>
+              <a:rPr lang="de-DE" dirty="0" err="1"/>
+              <a:t>limit</a:t>
+            </a:r>
+            <a:r>
+              <a:rPr lang="de-DE" dirty="0"/>
+              <a:t> </a:t>
+            </a:r>
+            <a:r>
+              <a:rPr lang="de-DE" dirty="0" err="1"/>
+              <a:t>the</a:t>
+            </a:r>
+            <a:r>
+              <a:rPr lang="de-DE" dirty="0"/>
+              <a:t> </a:t>
+            </a:r>
+            <a:r>
+              <a:rPr lang="de-DE" dirty="0" err="1"/>
+              <a:t>application</a:t>
+            </a:r>
+            <a:r>
+              <a:rPr lang="de-DE" dirty="0"/>
+              <a:t> </a:t>
+            </a:r>
+            <a:r>
+              <a:rPr lang="de-DE" dirty="0" err="1"/>
+              <a:t>of</a:t>
+            </a:r>
+            <a:r>
+              <a:rPr lang="de-DE" dirty="0"/>
+              <a:t> </a:t>
+            </a:r>
+            <a:r>
+              <a:rPr lang="de-DE" dirty="0" err="1"/>
+              <a:t>channel</a:t>
+            </a:r>
+            <a:r>
+              <a:rPr lang="de-DE" dirty="0"/>
+              <a:t> </a:t>
+            </a:r>
+            <a:r>
+              <a:rPr lang="de-DE" dirty="0" err="1"/>
+              <a:t>pruning</a:t>
+            </a:r>
+            <a:r>
+              <a:rPr lang="de-DE" dirty="0"/>
+              <a:t> (</a:t>
+            </a:r>
+            <a:r>
+              <a:rPr lang="de-DE" dirty="0" err="1"/>
+              <a:t>removal</a:t>
+            </a:r>
+            <a:r>
+              <a:rPr lang="de-DE" dirty="0"/>
+              <a:t> </a:t>
+            </a:r>
+            <a:r>
+              <a:rPr lang="de-DE" dirty="0" err="1"/>
+              <a:t>of</a:t>
+            </a:r>
+            <a:r>
+              <a:rPr lang="de-DE" dirty="0"/>
+              <a:t> </a:t>
+            </a:r>
+            <a:r>
+              <a:rPr lang="de-DE" dirty="0" err="1"/>
+              <a:t>unimportant</a:t>
+            </a:r>
+            <a:r>
+              <a:rPr lang="de-DE" dirty="0"/>
+              <a:t> </a:t>
+            </a:r>
+            <a:r>
+              <a:rPr lang="de-DE" dirty="0" err="1"/>
+              <a:t>channels</a:t>
+            </a:r>
+            <a:r>
+              <a:rPr lang="de-DE" dirty="0"/>
+              <a:t> </a:t>
+            </a:r>
+            <a:r>
+              <a:rPr lang="de-DE" dirty="0" err="1"/>
+              <a:t>by</a:t>
+            </a:r>
+            <a:r>
+              <a:rPr lang="de-DE" dirty="0"/>
+              <a:t> </a:t>
+            </a:r>
+            <a:r>
+              <a:rPr lang="de-DE" dirty="0" err="1"/>
+              <a:t>sparse</a:t>
+            </a:r>
+            <a:r>
+              <a:rPr lang="de-DE" dirty="0"/>
+              <a:t> </a:t>
+            </a:r>
+            <a:r>
+              <a:rPr lang="de-DE" dirty="0" err="1"/>
+              <a:t>parameter</a:t>
+            </a:r>
+            <a:r>
+              <a:rPr lang="de-DE" dirty="0"/>
+              <a:t> </a:t>
+            </a:r>
+            <a:r>
+              <a:rPr lang="de-DE" dirty="0" err="1"/>
+              <a:t>tensors</a:t>
+            </a:r>
+            <a:r>
+              <a:rPr lang="de-DE" dirty="0"/>
+              <a:t>, </a:t>
+            </a:r>
+            <a:r>
+              <a:rPr lang="de-DE" dirty="0" err="1"/>
+              <a:t>then</a:t>
+            </a:r>
+            <a:r>
+              <a:rPr lang="de-DE" dirty="0"/>
+              <a:t> </a:t>
+            </a:r>
+            <a:r>
+              <a:rPr lang="de-DE" dirty="0" err="1"/>
+              <a:t>drop</a:t>
+            </a:r>
+            <a:r>
+              <a:rPr lang="de-DE" dirty="0"/>
+              <a:t> </a:t>
+            </a:r>
+            <a:r>
+              <a:rPr lang="de-DE" dirty="0" err="1"/>
+              <a:t>unnecessary</a:t>
+            </a:r>
+            <a:r>
+              <a:rPr lang="de-DE" dirty="0"/>
+              <a:t> </a:t>
+            </a:r>
+            <a:r>
+              <a:rPr lang="de-DE" dirty="0" err="1"/>
+              <a:t>filters</a:t>
+            </a:r>
+            <a:r>
+              <a:rPr lang="de-DE" dirty="0"/>
+              <a:t>)</a:t>
+            </a:r>
+          </a:p>
+          <a:p>
+            <a:pPr marL="1543050" lvl="3" indent="-171450">
+              <a:buFont typeface="Arial" panose="020B0604020202020204" pitchFamily="34" charset="0"/>
+              <a:buChar char="•"/>
+            </a:pPr>
+            <a:r>
+              <a:rPr lang="de-DE" dirty="0" err="1"/>
+              <a:t>Automatic</a:t>
+            </a:r>
+            <a:r>
+              <a:rPr lang="de-DE" dirty="0"/>
+              <a:t> </a:t>
+            </a:r>
+            <a:r>
+              <a:rPr lang="de-DE" dirty="0" err="1"/>
+              <a:t>discovery</a:t>
+            </a:r>
+            <a:r>
+              <a:rPr lang="de-DE" dirty="0"/>
+              <a:t> </a:t>
+            </a:r>
+            <a:r>
+              <a:rPr lang="de-DE" dirty="0" err="1"/>
+              <a:t>of</a:t>
+            </a:r>
+            <a:r>
+              <a:rPr lang="de-DE" dirty="0"/>
+              <a:t> </a:t>
+            </a:r>
+            <a:r>
+              <a:rPr lang="de-DE" dirty="0" err="1"/>
+              <a:t>appropriate</a:t>
+            </a:r>
+            <a:r>
+              <a:rPr lang="de-DE" dirty="0"/>
+              <a:t> </a:t>
+            </a:r>
+            <a:r>
+              <a:rPr lang="de-DE" dirty="0" err="1"/>
+              <a:t>layer</a:t>
+            </a:r>
+            <a:r>
+              <a:rPr lang="de-DE" dirty="0"/>
+              <a:t> </a:t>
+            </a:r>
+            <a:r>
+              <a:rPr lang="de-DE" dirty="0" err="1"/>
+              <a:t>width</a:t>
+            </a:r>
+            <a:r>
+              <a:rPr lang="de-DE" dirty="0"/>
+              <a:t> </a:t>
+            </a:r>
+            <a:r>
+              <a:rPr lang="de-DE" dirty="0" err="1"/>
+              <a:t>cannot</a:t>
+            </a:r>
+            <a:r>
+              <a:rPr lang="de-DE" dirty="0"/>
+              <a:t> </a:t>
+            </a:r>
+            <a:r>
+              <a:rPr lang="de-DE" dirty="0" err="1"/>
+              <a:t>be</a:t>
+            </a:r>
+            <a:r>
+              <a:rPr lang="de-DE" dirty="0"/>
+              <a:t> </a:t>
+            </a:r>
+            <a:r>
+              <a:rPr lang="de-DE" dirty="0" err="1"/>
+              <a:t>applied</a:t>
+            </a:r>
+            <a:endParaRPr lang="de-DE" dirty="0"/>
+          </a:p>
+          <a:p>
+            <a:pPr marL="1085850" lvl="2" indent="-171450">
+              <a:buFont typeface="Arial" panose="020B0604020202020204" pitchFamily="34" charset="0"/>
+              <a:buChar char="•"/>
+            </a:pPr>
+            <a:r>
+              <a:rPr lang="de-DE" dirty="0" err="1"/>
+              <a:t>Plain</a:t>
+            </a:r>
+            <a:r>
+              <a:rPr lang="de-DE" dirty="0"/>
+              <a:t> </a:t>
+            </a:r>
+            <a:r>
+              <a:rPr lang="de-DE" dirty="0" err="1"/>
+              <a:t>architectures</a:t>
+            </a:r>
+            <a:r>
+              <a:rPr lang="de-DE" dirty="0"/>
+              <a:t> do not </a:t>
+            </a:r>
+            <a:r>
+              <a:rPr lang="de-DE" dirty="0" err="1"/>
+              <a:t>have</a:t>
+            </a:r>
+            <a:r>
+              <a:rPr lang="de-DE" dirty="0"/>
+              <a:t> such </a:t>
+            </a:r>
+            <a:r>
+              <a:rPr lang="de-DE" dirty="0" err="1"/>
+              <a:t>constraints</a:t>
+            </a:r>
+            <a:r>
+              <a:rPr lang="de-DE" dirty="0"/>
+              <a:t> -&gt; </a:t>
+            </a:r>
+            <a:r>
+              <a:rPr lang="de-DE" dirty="0" err="1"/>
+              <a:t>freely</a:t>
+            </a:r>
+            <a:r>
+              <a:rPr lang="de-DE" dirty="0"/>
+              <a:t> </a:t>
+            </a:r>
+            <a:r>
+              <a:rPr lang="de-DE" dirty="0" err="1"/>
+              <a:t>configure</a:t>
+            </a:r>
+            <a:r>
+              <a:rPr lang="de-DE" dirty="0"/>
+              <a:t> </a:t>
+            </a:r>
+            <a:r>
+              <a:rPr lang="de-DE" dirty="0" err="1"/>
+              <a:t>everything</a:t>
+            </a:r>
+            <a:r>
+              <a:rPr lang="de-DE" dirty="0"/>
+              <a:t>, </a:t>
+            </a:r>
+            <a:r>
+              <a:rPr lang="de-DE" dirty="0" err="1"/>
+              <a:t>channel</a:t>
+            </a:r>
+            <a:r>
+              <a:rPr lang="de-DE" dirty="0"/>
+              <a:t> </a:t>
+            </a:r>
+            <a:r>
+              <a:rPr lang="de-DE" dirty="0" err="1"/>
+              <a:t>pruning</a:t>
+            </a:r>
+            <a:r>
+              <a:rPr lang="de-DE" dirty="0"/>
+              <a:t> (</a:t>
+            </a:r>
+            <a:r>
+              <a:rPr lang="de-DE" dirty="0" err="1"/>
+              <a:t>better</a:t>
+            </a:r>
+            <a:r>
+              <a:rPr lang="de-DE" dirty="0"/>
+              <a:t> performance-efficiency </a:t>
+            </a:r>
+            <a:r>
+              <a:rPr lang="de-DE" dirty="0" err="1"/>
+              <a:t>tradeoff</a:t>
+            </a:r>
+            <a:r>
+              <a:rPr lang="de-DE" dirty="0"/>
+              <a:t>)</a:t>
+            </a:r>
+          </a:p>
+        </p:txBody>
+      </p:sp>
+      <p:sp>
+        <p:nvSpPr>
+          <p:cNvPr id="4" name="Slide Number Placeholder 3"/>
+          <p:cNvSpPr>
+            <a:spLocks noGrp="1"/>
+          </p:cNvSpPr>
+          <p:nvPr>
+            <p:ph type="sldNum" sz="quarter" idx="5"/>
+          </p:nvPr>
+        </p:nvSpPr>
+        <p:spPr/>
+        <p:txBody>
+          <a:bodyPr/>
+          <a:lstStyle/>
+          <a:p>
+            <a:fld id="{6D172734-61C0-4E94-B507-0920723C809C}" type="slidenum">
+              <a:rPr lang="en-US" smtClean="0"/>
+              <a:t>5</a:t>
+            </a:fld>
+            <a:endParaRPr lang="en-US"/>
+          </a:p>
+        </p:txBody>
+      </p:sp>
+    </p:spTree>
+    <p:extLst>
+      <p:ext uri="{BB962C8B-B14F-4D97-AF65-F5344CB8AC3E}">
+        <p14:creationId xmlns:p14="http://schemas.microsoft.com/office/powerpoint/2010/main" val="2957648622"/>
+      </p:ext>
+    </p:extLst>
+  </p:cSld>
+  <p:clrMapOvr>
+    <a:masterClrMapping/>
+  </p:clrMapOvr>
+</p:notes>
+</file>
+
+<file path=ppt/notesSlides/notesSlide2.xml><?xml version="1.0" encoding="utf-8"?>
+<p:notes xmlns:a="http://schemas.openxmlformats.org/drawingml/2006/main" xmlns:r="http://schemas.openxmlformats.org/officeDocument/2006/relationships" xmlns:p="http://schemas.openxmlformats.org/presentationml/2006/main">
+  <p:cSld>
+    <p:spTree>
+      <p:nvGrpSpPr>
+        <p:cNvPr id="1" name=""/>
+        <p:cNvGrpSpPr/>
+        <p:nvPr/>
+      </p:nvGrpSpPr>
+      <p:grpSpPr>
+        <a:xfrm>
+          <a:off x="0" y="0"/>
+          <a:ext cx="0" cy="0"/>
+          <a:chOff x="0" y="0"/>
+          <a:chExt cx="0" cy="0"/>
+        </a:xfrm>
+      </p:grpSpPr>
+      <p:sp>
+        <p:nvSpPr>
+          <p:cNvPr id="2" name="Slide Image Placeholder 1"/>
+          <p:cNvSpPr>
+            <a:spLocks noGrp="1" noRot="1" noChangeAspect="1"/>
+          </p:cNvSpPr>
+          <p:nvPr>
+            <p:ph type="sldImg"/>
+          </p:nvPr>
+        </p:nvSpPr>
+        <p:spPr/>
+      </p:sp>
+      <p:sp>
+        <p:nvSpPr>
+          <p:cNvPr id="3" name="Notes Placeholder 2"/>
+          <p:cNvSpPr>
+            <a:spLocks noGrp="1"/>
+          </p:cNvSpPr>
+          <p:nvPr>
+            <p:ph type="body" idx="1"/>
+          </p:nvPr>
+        </p:nvSpPr>
+        <p:spPr/>
+        <p:txBody>
+          <a:bodyPr/>
+          <a:lstStyle/>
+          <a:p>
+            <a:pPr marL="171450" indent="-171450">
+              <a:buFont typeface="Arial" panose="020B0604020202020204" pitchFamily="34" charset="0"/>
+              <a:buChar char="•"/>
+            </a:pPr>
+            <a:r>
+              <a:rPr lang="de-DE" dirty="0"/>
+              <a:t>Training-time Multi-</a:t>
+            </a:r>
+            <a:r>
+              <a:rPr lang="de-DE" dirty="0" err="1"/>
+              <a:t>branch</a:t>
+            </a:r>
+            <a:r>
+              <a:rPr lang="de-DE" dirty="0"/>
+              <a:t> </a:t>
+            </a:r>
+            <a:r>
+              <a:rPr lang="de-DE" dirty="0" err="1"/>
+              <a:t>Architecture</a:t>
+            </a:r>
+            <a:endParaRPr lang="de-DE" dirty="0"/>
+          </a:p>
+          <a:p>
+            <a:pPr marL="628650" lvl="1" indent="-171450">
+              <a:buFont typeface="Arial" panose="020B0604020202020204" pitchFamily="34" charset="0"/>
+              <a:buChar char="•"/>
+            </a:pPr>
+            <a:r>
+              <a:rPr lang="de-DE" dirty="0" err="1"/>
+              <a:t>Inspired</a:t>
+            </a:r>
+            <a:r>
+              <a:rPr lang="de-DE" dirty="0"/>
+              <a:t> </a:t>
+            </a:r>
+            <a:r>
+              <a:rPr lang="de-DE" dirty="0" err="1"/>
+              <a:t>by</a:t>
+            </a:r>
+            <a:r>
+              <a:rPr lang="de-DE" dirty="0"/>
+              <a:t> </a:t>
+            </a:r>
+            <a:r>
+              <a:rPr lang="de-DE" dirty="0" err="1"/>
+              <a:t>ResNet</a:t>
+            </a:r>
+            <a:r>
+              <a:rPr lang="de-DE" dirty="0"/>
+              <a:t>: multi-</a:t>
+            </a:r>
+            <a:r>
+              <a:rPr lang="de-DE" dirty="0" err="1"/>
+              <a:t>branch</a:t>
+            </a:r>
+            <a:r>
+              <a:rPr lang="de-DE" dirty="0"/>
+              <a:t> </a:t>
+            </a:r>
+            <a:r>
+              <a:rPr lang="de-DE" dirty="0" err="1"/>
+              <a:t>architecture</a:t>
+            </a:r>
+            <a:r>
+              <a:rPr lang="de-DE" dirty="0"/>
+              <a:t> </a:t>
+            </a:r>
+            <a:r>
+              <a:rPr lang="de-DE" dirty="0" err="1"/>
+              <a:t>makes</a:t>
+            </a:r>
+            <a:r>
+              <a:rPr lang="de-DE" dirty="0"/>
+              <a:t> </a:t>
+            </a:r>
+            <a:r>
+              <a:rPr lang="de-DE" dirty="0" err="1"/>
+              <a:t>the</a:t>
+            </a:r>
+            <a:r>
+              <a:rPr lang="de-DE" dirty="0"/>
+              <a:t> </a:t>
+            </a:r>
+            <a:r>
+              <a:rPr lang="de-DE" dirty="0" err="1"/>
+              <a:t>model</a:t>
+            </a:r>
+            <a:r>
+              <a:rPr lang="de-DE" dirty="0"/>
+              <a:t> an </a:t>
+            </a:r>
+            <a:r>
+              <a:rPr lang="de-DE" dirty="0" err="1"/>
+              <a:t>implicit</a:t>
+            </a:r>
+            <a:r>
+              <a:rPr lang="de-DE" dirty="0"/>
+              <a:t> </a:t>
+            </a:r>
+            <a:r>
+              <a:rPr lang="de-DE" dirty="0" err="1"/>
+              <a:t>ensemble</a:t>
+            </a:r>
+            <a:r>
+              <a:rPr lang="de-DE" dirty="0"/>
+              <a:t> </a:t>
+            </a:r>
+            <a:r>
+              <a:rPr lang="de-DE" dirty="0" err="1"/>
+              <a:t>of</a:t>
+            </a:r>
+            <a:r>
+              <a:rPr lang="de-DE" dirty="0"/>
+              <a:t> </a:t>
+            </a:r>
+            <a:r>
+              <a:rPr lang="de-DE" dirty="0" err="1"/>
+              <a:t>numerous</a:t>
+            </a:r>
+            <a:r>
+              <a:rPr lang="de-DE" dirty="0"/>
+              <a:t> </a:t>
+            </a:r>
+            <a:r>
+              <a:rPr lang="de-DE" dirty="0" err="1"/>
+              <a:t>shallower</a:t>
+            </a:r>
+            <a:r>
+              <a:rPr lang="de-DE" dirty="0"/>
+              <a:t> </a:t>
+            </a:r>
+            <a:r>
+              <a:rPr lang="de-DE" dirty="0" err="1"/>
+              <a:t>models</a:t>
+            </a:r>
+            <a:r>
+              <a:rPr lang="de-DE" dirty="0"/>
+              <a:t> (n block =&gt; 2^n </a:t>
+            </a:r>
+            <a:r>
+              <a:rPr lang="de-DE" dirty="0" err="1"/>
+              <a:t>models</a:t>
+            </a:r>
+            <a:r>
+              <a:rPr lang="de-DE" dirty="0"/>
+              <a:t>)</a:t>
+            </a:r>
+          </a:p>
+          <a:p>
+            <a:pPr marL="628650" lvl="1" indent="-171450">
+              <a:buFont typeface="Arial" panose="020B0604020202020204" pitchFamily="34" charset="0"/>
+              <a:buChar char="•"/>
+            </a:pPr>
+            <a:r>
+              <a:rPr lang="de-DE" dirty="0" err="1"/>
+              <a:t>Here</a:t>
+            </a:r>
+            <a:r>
+              <a:rPr lang="de-DE" dirty="0"/>
+              <a:t>: </a:t>
+            </a:r>
+            <a:r>
+              <a:rPr lang="de-DE" dirty="0" err="1"/>
+              <a:t>Would</a:t>
+            </a:r>
+            <a:r>
+              <a:rPr lang="de-DE" dirty="0"/>
+              <a:t> </a:t>
+            </a:r>
+            <a:r>
+              <a:rPr lang="de-DE" dirty="0" err="1"/>
+              <a:t>have</a:t>
+            </a:r>
+            <a:r>
+              <a:rPr lang="de-DE" dirty="0"/>
+              <a:t> </a:t>
+            </a:r>
+            <a:r>
+              <a:rPr lang="de-DE" dirty="0" err="1"/>
+              <a:t>the</a:t>
+            </a:r>
+            <a:r>
+              <a:rPr lang="de-DE" dirty="0"/>
+              <a:t> </a:t>
+            </a:r>
+            <a:r>
+              <a:rPr lang="de-DE" dirty="0" err="1"/>
+              <a:t>mentioned</a:t>
+            </a:r>
+            <a:r>
+              <a:rPr lang="de-DE" dirty="0"/>
+              <a:t> </a:t>
+            </a:r>
+            <a:r>
+              <a:rPr lang="de-DE" dirty="0" err="1"/>
+              <a:t>drawbacks</a:t>
+            </a:r>
+            <a:r>
+              <a:rPr lang="de-DE" dirty="0"/>
+              <a:t> </a:t>
+            </a:r>
+            <a:r>
+              <a:rPr lang="de-DE" dirty="0" err="1"/>
+              <a:t>during</a:t>
+            </a:r>
+            <a:r>
+              <a:rPr lang="de-DE" dirty="0"/>
+              <a:t> </a:t>
+            </a:r>
+            <a:r>
+              <a:rPr lang="de-DE" dirty="0" err="1"/>
+              <a:t>inference</a:t>
+            </a:r>
+            <a:r>
+              <a:rPr lang="de-DE" dirty="0"/>
+              <a:t>, </a:t>
+            </a:r>
+            <a:r>
+              <a:rPr lang="de-DE" dirty="0" err="1"/>
+              <a:t>therefore</a:t>
+            </a:r>
+            <a:r>
+              <a:rPr lang="de-DE" dirty="0"/>
+              <a:t> </a:t>
+            </a:r>
+            <a:r>
+              <a:rPr lang="de-DE" dirty="0" err="1"/>
+              <a:t>only</a:t>
+            </a:r>
+            <a:r>
+              <a:rPr lang="de-DE" dirty="0"/>
+              <a:t> </a:t>
+            </a:r>
+            <a:r>
+              <a:rPr lang="de-DE" dirty="0" err="1"/>
+              <a:t>training</a:t>
+            </a:r>
+            <a:r>
+              <a:rPr lang="de-DE" dirty="0"/>
+              <a:t> time </a:t>
+            </a:r>
+            <a:r>
+              <a:rPr lang="de-DE" dirty="0" err="1"/>
+              <a:t>model</a:t>
+            </a:r>
+            <a:endParaRPr lang="de-DE" dirty="0"/>
+          </a:p>
+          <a:p>
+            <a:pPr marL="628650" lvl="1" indent="-171450">
+              <a:buFont typeface="Arial" panose="020B0604020202020204" pitchFamily="34" charset="0"/>
+              <a:buChar char="•"/>
+            </a:pPr>
+            <a:r>
+              <a:rPr lang="de-DE" dirty="0"/>
+              <a:t>Stack </a:t>
+            </a:r>
+            <a:r>
+              <a:rPr lang="de-DE" dirty="0" err="1"/>
+              <a:t>several</a:t>
+            </a:r>
+            <a:r>
+              <a:rPr lang="de-DE" dirty="0"/>
+              <a:t> x + g(x) + f(x) </a:t>
+            </a:r>
+            <a:r>
+              <a:rPr lang="de-DE" dirty="0" err="1"/>
+              <a:t>blocks</a:t>
+            </a:r>
+            <a:r>
+              <a:rPr lang="de-DE" dirty="0"/>
+              <a:t> </a:t>
+            </a:r>
+            <a:r>
+              <a:rPr lang="de-DE" dirty="0" err="1"/>
+              <a:t>to</a:t>
+            </a:r>
+            <a:r>
+              <a:rPr lang="de-DE" dirty="0"/>
+              <a:t> an </a:t>
+            </a:r>
+            <a:r>
+              <a:rPr lang="de-DE" dirty="0" err="1"/>
+              <a:t>ensemble</a:t>
+            </a:r>
+            <a:r>
+              <a:rPr lang="de-DE" dirty="0"/>
+              <a:t> (3^n </a:t>
+            </a:r>
+            <a:r>
+              <a:rPr lang="de-DE" dirty="0" err="1"/>
+              <a:t>models</a:t>
+            </a:r>
+            <a:r>
+              <a:rPr lang="de-DE" dirty="0"/>
+              <a:t>) (x: </a:t>
+            </a:r>
+            <a:r>
+              <a:rPr lang="de-DE" dirty="0" err="1"/>
+              <a:t>ResNet</a:t>
+            </a:r>
+            <a:r>
+              <a:rPr lang="de-DE" dirty="0"/>
+              <a:t> like </a:t>
+            </a:r>
+            <a:r>
+              <a:rPr lang="de-DE" dirty="0" err="1"/>
+              <a:t>identity</a:t>
+            </a:r>
+            <a:r>
+              <a:rPr lang="de-DE" dirty="0"/>
+              <a:t> in </a:t>
+            </a:r>
+            <a:r>
+              <a:rPr lang="de-DE" dirty="0" err="1"/>
+              <a:t>case</a:t>
+            </a:r>
+            <a:r>
+              <a:rPr lang="de-DE" dirty="0"/>
+              <a:t> </a:t>
+            </a:r>
+            <a:r>
+              <a:rPr lang="de-DE" dirty="0" err="1"/>
+              <a:t>dimensions</a:t>
+            </a:r>
+            <a:r>
+              <a:rPr lang="de-DE" dirty="0"/>
+              <a:t> </a:t>
+            </a:r>
+            <a:r>
+              <a:rPr lang="de-DE" dirty="0" err="1"/>
+              <a:t>match</a:t>
+            </a:r>
+            <a:r>
+              <a:rPr lang="de-DE" dirty="0"/>
+              <a:t>, g(x): 1x1 </a:t>
+            </a:r>
+            <a:r>
+              <a:rPr lang="de-DE" dirty="0" err="1"/>
+              <a:t>conv</a:t>
+            </a:r>
+            <a:r>
+              <a:rPr lang="de-DE" dirty="0"/>
+              <a:t> in </a:t>
+            </a:r>
+            <a:r>
+              <a:rPr lang="de-DE" dirty="0" err="1"/>
+              <a:t>case</a:t>
+            </a:r>
+            <a:r>
+              <a:rPr lang="de-DE" dirty="0"/>
+              <a:t> </a:t>
+            </a:r>
+            <a:r>
+              <a:rPr lang="de-DE" dirty="0" err="1"/>
+              <a:t>dimensions</a:t>
+            </a:r>
+            <a:r>
+              <a:rPr lang="de-DE" dirty="0"/>
+              <a:t> do not </a:t>
+            </a:r>
+            <a:r>
+              <a:rPr lang="de-DE" dirty="0" err="1"/>
+              <a:t>match</a:t>
+            </a:r>
+            <a:r>
+              <a:rPr lang="de-DE" dirty="0"/>
+              <a:t>, f(x): residual </a:t>
+            </a:r>
+            <a:r>
+              <a:rPr lang="de-DE" dirty="0" err="1"/>
+              <a:t>function</a:t>
+            </a:r>
+            <a:r>
+              <a:rPr lang="de-DE" dirty="0"/>
+              <a:t>)</a:t>
+            </a:r>
+          </a:p>
+          <a:p>
+            <a:pPr marL="628650" lvl="1" indent="-171450">
+              <a:buFont typeface="Arial" panose="020B0604020202020204" pitchFamily="34" charset="0"/>
+              <a:buChar char="•"/>
+            </a:pPr>
+            <a:r>
+              <a:rPr lang="de-DE" dirty="0" err="1"/>
+              <a:t>Apply</a:t>
+            </a:r>
+            <a:r>
+              <a:rPr lang="de-DE" dirty="0"/>
+              <a:t> </a:t>
+            </a:r>
+            <a:r>
+              <a:rPr lang="de-DE" dirty="0" err="1"/>
+              <a:t>batch</a:t>
+            </a:r>
+            <a:r>
+              <a:rPr lang="de-DE" dirty="0"/>
+              <a:t> </a:t>
+            </a:r>
+            <a:r>
+              <a:rPr lang="de-DE" dirty="0" err="1"/>
+              <a:t>normalization</a:t>
+            </a:r>
+            <a:r>
+              <a:rPr lang="de-DE" dirty="0"/>
+              <a:t> </a:t>
+            </a:r>
+            <a:r>
+              <a:rPr lang="de-DE" dirty="0" err="1"/>
+              <a:t>before</a:t>
+            </a:r>
+            <a:r>
+              <a:rPr lang="de-DE" dirty="0"/>
+              <a:t> </a:t>
+            </a:r>
+            <a:r>
+              <a:rPr lang="de-DE" dirty="0" err="1"/>
+              <a:t>the</a:t>
+            </a:r>
+            <a:r>
+              <a:rPr lang="de-DE" dirty="0"/>
+              <a:t> </a:t>
+            </a:r>
+            <a:r>
+              <a:rPr lang="de-DE" dirty="0" err="1"/>
+              <a:t>addition</a:t>
+            </a:r>
+            <a:r>
+              <a:rPr lang="de-DE" dirty="0"/>
+              <a:t> (</a:t>
+            </a:r>
+            <a:r>
+              <a:rPr lang="de-DE" dirty="0" err="1"/>
+              <a:t>output</a:t>
+            </a:r>
+            <a:r>
+              <a:rPr lang="de-DE" dirty="0"/>
+              <a:t> </a:t>
+            </a:r>
+            <a:r>
+              <a:rPr lang="de-DE" dirty="0" err="1"/>
+              <a:t>channel</a:t>
+            </a:r>
+            <a:r>
+              <a:rPr lang="de-DE" dirty="0"/>
+              <a:t> </a:t>
+            </a:r>
+            <a:r>
+              <a:rPr lang="de-DE" dirty="0" err="1"/>
+              <a:t>wise</a:t>
+            </a:r>
+            <a:r>
+              <a:rPr lang="de-DE" dirty="0"/>
+              <a:t>)</a:t>
+            </a:r>
+          </a:p>
+          <a:p>
+            <a:pPr marL="628650" lvl="1" indent="-171450">
+              <a:buFont typeface="Arial" panose="020B0604020202020204" pitchFamily="34" charset="0"/>
+              <a:buChar char="•"/>
+            </a:pPr>
+            <a:r>
+              <a:rPr lang="de-DE" dirty="0" err="1"/>
+              <a:t>Omit</a:t>
+            </a:r>
+            <a:r>
+              <a:rPr lang="de-DE" dirty="0"/>
+              <a:t> </a:t>
+            </a:r>
+            <a:r>
+              <a:rPr lang="de-DE" dirty="0" err="1"/>
+              <a:t>identity</a:t>
+            </a:r>
+            <a:r>
+              <a:rPr lang="de-DE" dirty="0"/>
+              <a:t> </a:t>
+            </a:r>
+            <a:r>
+              <a:rPr lang="de-DE" dirty="0" err="1"/>
+              <a:t>branch</a:t>
+            </a:r>
+            <a:r>
+              <a:rPr lang="de-DE" dirty="0"/>
+              <a:t> in </a:t>
+            </a:r>
+            <a:r>
+              <a:rPr lang="de-DE" dirty="0" err="1"/>
+              <a:t>case</a:t>
+            </a:r>
+            <a:r>
+              <a:rPr lang="de-DE" dirty="0"/>
+              <a:t> </a:t>
+            </a:r>
+            <a:r>
+              <a:rPr lang="de-DE" dirty="0" err="1"/>
+              <a:t>the</a:t>
+            </a:r>
+            <a:r>
+              <a:rPr lang="de-DE" dirty="0"/>
+              <a:t> </a:t>
+            </a:r>
+            <a:r>
+              <a:rPr lang="de-DE" dirty="0" err="1"/>
+              <a:t>channel</a:t>
+            </a:r>
+            <a:r>
+              <a:rPr lang="de-DE" dirty="0"/>
+              <a:t> </a:t>
+            </a:r>
+            <a:r>
+              <a:rPr lang="de-DE" dirty="0" err="1"/>
+              <a:t>dimensions</a:t>
+            </a:r>
+            <a:r>
+              <a:rPr lang="de-DE" dirty="0"/>
+              <a:t> do not </a:t>
+            </a:r>
+            <a:r>
+              <a:rPr lang="de-DE" dirty="0" err="1"/>
+              <a:t>match</a:t>
+            </a:r>
+            <a:endParaRPr lang="de-DE" dirty="0"/>
+          </a:p>
+        </p:txBody>
+      </p:sp>
+      <p:sp>
+        <p:nvSpPr>
+          <p:cNvPr id="4" name="Slide Number Placeholder 3"/>
+          <p:cNvSpPr>
+            <a:spLocks noGrp="1"/>
+          </p:cNvSpPr>
+          <p:nvPr>
+            <p:ph type="sldNum" sz="quarter" idx="5"/>
+          </p:nvPr>
+        </p:nvSpPr>
+        <p:spPr/>
+        <p:txBody>
+          <a:bodyPr/>
+          <a:lstStyle/>
+          <a:p>
+            <a:fld id="{6D172734-61C0-4E94-B507-0920723C809C}" type="slidenum">
+              <a:rPr lang="en-US" smtClean="0"/>
+              <a:t>6</a:t>
+            </a:fld>
+            <a:endParaRPr lang="en-US"/>
+          </a:p>
+        </p:txBody>
+      </p:sp>
+    </p:spTree>
+    <p:extLst>
+      <p:ext uri="{BB962C8B-B14F-4D97-AF65-F5344CB8AC3E}">
+        <p14:creationId xmlns:p14="http://schemas.microsoft.com/office/powerpoint/2010/main" val="2570994507"/>
+      </p:ext>
+    </p:extLst>
+  </p:cSld>
+  <p:clrMapOvr>
+    <a:masterClrMapping/>
+  </p:clrMapOvr>
+</p:notes>
+</file>
+
+<file path=ppt/notesSlides/notesSlide3.xml><?xml version="1.0" encoding="utf-8"?>
+<p:notes xmlns:a="http://schemas.openxmlformats.org/drawingml/2006/main" xmlns:r="http://schemas.openxmlformats.org/officeDocument/2006/relationships" xmlns:p="http://schemas.openxmlformats.org/presentationml/2006/main">
+  <p:cSld>
+    <p:spTree>
+      <p:nvGrpSpPr>
+        <p:cNvPr id="1" name=""/>
+        <p:cNvGrpSpPr/>
+        <p:nvPr/>
+      </p:nvGrpSpPr>
+      <p:grpSpPr>
+        <a:xfrm>
+          <a:off x="0" y="0"/>
+          <a:ext cx="0" cy="0"/>
+          <a:chOff x="0" y="0"/>
+          <a:chExt cx="0" cy="0"/>
+        </a:xfrm>
+      </p:grpSpPr>
+      <p:sp>
+        <p:nvSpPr>
+          <p:cNvPr id="2" name="Slide Image Placeholder 1"/>
+          <p:cNvSpPr>
+            <a:spLocks noGrp="1" noRot="1" noChangeAspect="1"/>
+          </p:cNvSpPr>
+          <p:nvPr>
+            <p:ph type="sldImg"/>
+          </p:nvPr>
+        </p:nvSpPr>
+        <p:spPr/>
+      </p:sp>
+      <p:sp>
+        <p:nvSpPr>
+          <p:cNvPr id="3" name="Notes Placeholder 2"/>
+          <p:cNvSpPr>
+            <a:spLocks noGrp="1"/>
+          </p:cNvSpPr>
+          <p:nvPr>
+            <p:ph type="body" idx="1"/>
+          </p:nvPr>
+        </p:nvSpPr>
+        <p:spPr/>
+        <p:txBody>
+          <a:bodyPr/>
+          <a:lstStyle/>
+          <a:p>
+            <a:pPr marL="171450" indent="-171450">
+              <a:buFont typeface="Arial" panose="020B0604020202020204" pitchFamily="34" charset="0"/>
+              <a:buChar char="•"/>
+            </a:pPr>
+            <a:r>
+              <a:rPr lang="de-DE" dirty="0" err="1"/>
+              <a:t>Convert</a:t>
+            </a:r>
+            <a:r>
+              <a:rPr lang="de-DE" dirty="0"/>
+              <a:t> </a:t>
+            </a:r>
+            <a:r>
+              <a:rPr lang="de-DE" dirty="0" err="1"/>
+              <a:t>every</a:t>
+            </a:r>
+            <a:r>
+              <a:rPr lang="de-DE" dirty="0"/>
+              <a:t> BN and ist </a:t>
+            </a:r>
+            <a:r>
+              <a:rPr lang="de-DE" dirty="0" err="1"/>
+              <a:t>preceding</a:t>
+            </a:r>
+            <a:r>
+              <a:rPr lang="de-DE" dirty="0"/>
+              <a:t> </a:t>
+            </a:r>
+            <a:r>
+              <a:rPr lang="de-DE" dirty="0" err="1"/>
+              <a:t>conv</a:t>
+            </a:r>
+            <a:r>
+              <a:rPr lang="de-DE" dirty="0"/>
+              <a:t> </a:t>
+            </a:r>
+            <a:r>
+              <a:rPr lang="de-DE" dirty="0" err="1"/>
+              <a:t>layer</a:t>
+            </a:r>
+            <a:r>
+              <a:rPr lang="de-DE" dirty="0"/>
+              <a:t> </a:t>
+            </a:r>
+            <a:r>
+              <a:rPr lang="de-DE" dirty="0" err="1"/>
+              <a:t>into</a:t>
+            </a:r>
+            <a:r>
+              <a:rPr lang="de-DE" dirty="0"/>
+              <a:t> a </a:t>
+            </a:r>
+            <a:r>
+              <a:rPr lang="de-DE" dirty="0" err="1"/>
+              <a:t>conv</a:t>
+            </a:r>
+            <a:r>
+              <a:rPr lang="de-DE" dirty="0"/>
+              <a:t> </a:t>
+            </a:r>
+            <a:r>
+              <a:rPr lang="de-DE" dirty="0" err="1"/>
+              <a:t>with</a:t>
+            </a:r>
+            <a:r>
+              <a:rPr lang="de-DE" dirty="0"/>
+              <a:t> a </a:t>
+            </a:r>
+            <a:r>
+              <a:rPr lang="de-DE" dirty="0" err="1"/>
+              <a:t>bias</a:t>
+            </a:r>
+            <a:r>
+              <a:rPr lang="de-DE" dirty="0"/>
+              <a:t> </a:t>
+            </a:r>
+            <a:r>
+              <a:rPr lang="de-DE" dirty="0" err="1"/>
+              <a:t>vector</a:t>
+            </a:r>
+            <a:endParaRPr lang="de-DE" dirty="0"/>
+          </a:p>
+          <a:p>
+            <a:pPr marL="171450" indent="-171450">
+              <a:buFont typeface="Arial" panose="020B0604020202020204" pitchFamily="34" charset="0"/>
+              <a:buChar char="•"/>
+            </a:pPr>
+            <a:r>
+              <a:rPr lang="de-DE" dirty="0"/>
+              <a:t>W‘, B‘ </a:t>
+            </a:r>
+            <a:r>
+              <a:rPr lang="de-DE" dirty="0" err="1"/>
+              <a:t>new</a:t>
+            </a:r>
+            <a:r>
+              <a:rPr lang="de-DE" dirty="0"/>
+              <a:t> </a:t>
+            </a:r>
+            <a:r>
+              <a:rPr lang="de-DE" dirty="0" err="1"/>
+              <a:t>kernel</a:t>
+            </a:r>
+            <a:r>
+              <a:rPr lang="de-DE" dirty="0"/>
+              <a:t> and </a:t>
+            </a:r>
+            <a:r>
+              <a:rPr lang="de-DE" dirty="0" err="1"/>
+              <a:t>bias</a:t>
+            </a:r>
+            <a:r>
+              <a:rPr lang="de-DE" dirty="0"/>
+              <a:t> </a:t>
+            </a:r>
+            <a:r>
+              <a:rPr lang="de-DE" dirty="0" err="1"/>
+              <a:t>vector</a:t>
+            </a:r>
+            <a:endParaRPr lang="de-DE" dirty="0"/>
+          </a:p>
+          <a:p>
+            <a:pPr marL="171450" indent="-171450">
+              <a:buFont typeface="Arial" panose="020B0604020202020204" pitchFamily="34" charset="0"/>
+              <a:buChar char="•"/>
+            </a:pPr>
+            <a:r>
+              <a:rPr lang="de-DE" dirty="0"/>
+              <a:t>Identity: 1x1 </a:t>
+            </a:r>
+            <a:r>
+              <a:rPr lang="de-DE" dirty="0" err="1"/>
+              <a:t>conv</a:t>
+            </a:r>
+            <a:r>
+              <a:rPr lang="de-DE" dirty="0"/>
+              <a:t> </a:t>
+            </a:r>
+            <a:r>
+              <a:rPr lang="de-DE" dirty="0" err="1"/>
+              <a:t>with</a:t>
+            </a:r>
+            <a:r>
+              <a:rPr lang="de-DE" dirty="0"/>
+              <a:t> </a:t>
+            </a:r>
+            <a:r>
+              <a:rPr lang="de-DE" dirty="0" err="1"/>
+              <a:t>identity</a:t>
+            </a:r>
+            <a:r>
+              <a:rPr lang="de-DE" dirty="0"/>
+              <a:t> </a:t>
+            </a:r>
+            <a:r>
+              <a:rPr lang="de-DE" dirty="0" err="1"/>
+              <a:t>matrix</a:t>
+            </a:r>
+            <a:r>
+              <a:rPr lang="de-DE" dirty="0"/>
+              <a:t> </a:t>
+            </a:r>
+            <a:r>
+              <a:rPr lang="de-DE" dirty="0" err="1"/>
+              <a:t>as</a:t>
+            </a:r>
+            <a:r>
+              <a:rPr lang="de-DE" dirty="0"/>
+              <a:t> </a:t>
+            </a:r>
+            <a:r>
+              <a:rPr lang="de-DE" dirty="0" err="1"/>
+              <a:t>kernel</a:t>
+            </a:r>
+            <a:endParaRPr lang="de-DE" dirty="0"/>
+          </a:p>
+          <a:p>
+            <a:pPr marL="171450" indent="-171450">
+              <a:buFont typeface="Arial" panose="020B0604020202020204" pitchFamily="34" charset="0"/>
+              <a:buChar char="•"/>
+            </a:pPr>
+            <a:r>
+              <a:rPr lang="de-DE" dirty="0"/>
+              <a:t>Add </a:t>
+            </a:r>
+            <a:r>
+              <a:rPr lang="de-DE" dirty="0" err="1"/>
+              <a:t>up</a:t>
+            </a:r>
+            <a:r>
+              <a:rPr lang="de-DE" dirty="0"/>
+              <a:t> </a:t>
+            </a:r>
+            <a:r>
+              <a:rPr lang="de-DE" dirty="0" err="1"/>
+              <a:t>three</a:t>
+            </a:r>
+            <a:r>
+              <a:rPr lang="de-DE" dirty="0"/>
+              <a:t> </a:t>
+            </a:r>
+            <a:r>
+              <a:rPr lang="de-DE" dirty="0" err="1"/>
+              <a:t>bias</a:t>
+            </a:r>
+            <a:r>
+              <a:rPr lang="de-DE" dirty="0"/>
+              <a:t> </a:t>
+            </a:r>
+            <a:r>
+              <a:rPr lang="de-DE" dirty="0" err="1"/>
+              <a:t>vectors</a:t>
+            </a:r>
+            <a:r>
+              <a:rPr lang="de-DE" dirty="0"/>
+              <a:t>, </a:t>
+            </a:r>
+            <a:r>
+              <a:rPr lang="de-DE" dirty="0" err="1"/>
+              <a:t>zeo</a:t>
+            </a:r>
+            <a:r>
+              <a:rPr lang="de-DE" dirty="0"/>
+              <a:t>-pad </a:t>
+            </a:r>
+            <a:r>
+              <a:rPr lang="de-DE" dirty="0" err="1"/>
+              <a:t>the</a:t>
+            </a:r>
+            <a:r>
+              <a:rPr lang="de-DE" dirty="0"/>
+              <a:t> 1x1 </a:t>
+            </a:r>
+            <a:r>
+              <a:rPr lang="de-DE" dirty="0" err="1"/>
+              <a:t>conv</a:t>
+            </a:r>
+            <a:r>
+              <a:rPr lang="de-DE" dirty="0"/>
+              <a:t> </a:t>
+            </a:r>
+            <a:r>
+              <a:rPr lang="de-DE" dirty="0" err="1"/>
+              <a:t>to</a:t>
+            </a:r>
+            <a:r>
+              <a:rPr lang="de-DE" dirty="0"/>
+              <a:t> 3x3 and </a:t>
+            </a:r>
+            <a:r>
+              <a:rPr lang="de-DE" dirty="0" err="1"/>
+              <a:t>add</a:t>
+            </a:r>
+            <a:r>
+              <a:rPr lang="de-DE" dirty="0"/>
+              <a:t> all </a:t>
+            </a:r>
+            <a:r>
+              <a:rPr lang="de-DE" dirty="0" err="1"/>
+              <a:t>three</a:t>
+            </a:r>
+            <a:r>
+              <a:rPr lang="de-DE" dirty="0"/>
+              <a:t> 3x3 </a:t>
+            </a:r>
+            <a:r>
+              <a:rPr lang="de-DE" dirty="0" err="1"/>
+              <a:t>together</a:t>
+            </a:r>
+            <a:endParaRPr lang="de-DE" dirty="0"/>
+          </a:p>
+          <a:p>
+            <a:pPr marL="171450" indent="-171450">
+              <a:buFont typeface="Arial" panose="020B0604020202020204" pitchFamily="34" charset="0"/>
+              <a:buChar char="•"/>
+            </a:pPr>
+            <a:r>
+              <a:rPr lang="de-DE" dirty="0"/>
+              <a:t>But: all </a:t>
+            </a:r>
+            <a:r>
+              <a:rPr lang="de-DE" dirty="0" err="1"/>
+              <a:t>layers</a:t>
+            </a:r>
+            <a:r>
+              <a:rPr lang="de-DE" dirty="0"/>
+              <a:t> </a:t>
+            </a:r>
+            <a:r>
+              <a:rPr lang="de-DE" dirty="0" err="1"/>
+              <a:t>need</a:t>
+            </a:r>
+            <a:r>
+              <a:rPr lang="de-DE" dirty="0"/>
+              <a:t> </a:t>
+            </a:r>
+            <a:r>
+              <a:rPr lang="de-DE" dirty="0" err="1"/>
+              <a:t>to</a:t>
+            </a:r>
+            <a:r>
+              <a:rPr lang="de-DE" dirty="0"/>
+              <a:t> </a:t>
+            </a:r>
+            <a:r>
+              <a:rPr lang="de-DE" dirty="0" err="1"/>
+              <a:t>have</a:t>
+            </a:r>
+            <a:r>
+              <a:rPr lang="de-DE" dirty="0"/>
+              <a:t> </a:t>
+            </a:r>
+            <a:r>
+              <a:rPr lang="de-DE" dirty="0" err="1"/>
+              <a:t>the</a:t>
+            </a:r>
+            <a:r>
+              <a:rPr lang="de-DE" dirty="0"/>
+              <a:t> same </a:t>
+            </a:r>
+            <a:r>
+              <a:rPr lang="de-DE" dirty="0" err="1"/>
+              <a:t>stride</a:t>
+            </a:r>
+            <a:r>
+              <a:rPr lang="de-DE" dirty="0"/>
+              <a:t>, </a:t>
+            </a:r>
+            <a:r>
+              <a:rPr lang="de-DE" dirty="0" err="1"/>
+              <a:t>padding</a:t>
+            </a:r>
+            <a:r>
+              <a:rPr lang="de-DE" dirty="0"/>
+              <a:t> </a:t>
+            </a:r>
+            <a:r>
+              <a:rPr lang="de-DE" dirty="0" err="1"/>
+              <a:t>configuration</a:t>
+            </a:r>
+            <a:r>
+              <a:rPr lang="de-DE" dirty="0"/>
+              <a:t> </a:t>
+            </a:r>
+            <a:r>
+              <a:rPr lang="de-DE" dirty="0" err="1"/>
+              <a:t>of</a:t>
+            </a:r>
+            <a:r>
+              <a:rPr lang="de-DE" dirty="0"/>
+              <a:t> 1x1 </a:t>
+            </a:r>
+            <a:r>
+              <a:rPr lang="de-DE" dirty="0" err="1"/>
+              <a:t>one</a:t>
+            </a:r>
+            <a:r>
+              <a:rPr lang="de-DE" dirty="0"/>
+              <a:t> </a:t>
+            </a:r>
+            <a:r>
+              <a:rPr lang="de-DE" dirty="0" err="1"/>
+              <a:t>pixel</a:t>
+            </a:r>
+            <a:r>
+              <a:rPr lang="de-DE" dirty="0"/>
+              <a:t> </a:t>
+            </a:r>
+            <a:r>
+              <a:rPr lang="de-DE" dirty="0" err="1"/>
+              <a:t>less</a:t>
+            </a:r>
+            <a:r>
+              <a:rPr lang="de-DE" dirty="0"/>
+              <a:t> </a:t>
+            </a:r>
+            <a:r>
+              <a:rPr lang="de-DE" dirty="0" err="1"/>
+              <a:t>than</a:t>
+            </a:r>
+            <a:r>
+              <a:rPr lang="de-DE" dirty="0"/>
+              <a:t> 3x3. </a:t>
+            </a:r>
+          </a:p>
+        </p:txBody>
+      </p:sp>
+      <p:sp>
+        <p:nvSpPr>
+          <p:cNvPr id="4" name="Slide Number Placeholder 3"/>
+          <p:cNvSpPr>
+            <a:spLocks noGrp="1"/>
+          </p:cNvSpPr>
+          <p:nvPr>
+            <p:ph type="sldNum" sz="quarter" idx="5"/>
+          </p:nvPr>
+        </p:nvSpPr>
+        <p:spPr/>
+        <p:txBody>
+          <a:bodyPr/>
+          <a:lstStyle/>
+          <a:p>
+            <a:fld id="{6D172734-61C0-4E94-B507-0920723C809C}" type="slidenum">
+              <a:rPr lang="en-US" smtClean="0"/>
+              <a:t>7</a:t>
+            </a:fld>
+            <a:endParaRPr lang="en-US"/>
+          </a:p>
+        </p:txBody>
+      </p:sp>
+    </p:spTree>
+    <p:extLst>
+      <p:ext uri="{BB962C8B-B14F-4D97-AF65-F5344CB8AC3E}">
+        <p14:creationId xmlns:p14="http://schemas.microsoft.com/office/powerpoint/2010/main" val="377549559"/>
+      </p:ext>
+    </p:extLst>
+  </p:cSld>
+  <p:clrMapOvr>
+    <a:masterClrMapping/>
+  </p:clrMapOvr>
+</p:notes>
+</file>
+
+<file path=ppt/notesSlides/notesSlide4.xml><?xml version="1.0" encoding="utf-8"?>
+<p:notes xmlns:a="http://schemas.openxmlformats.org/drawingml/2006/main" xmlns:r="http://schemas.openxmlformats.org/officeDocument/2006/relationships" xmlns:p="http://schemas.openxmlformats.org/presentationml/2006/main">
+  <p:cSld>
+    <p:spTree>
+      <p:nvGrpSpPr>
+        <p:cNvPr id="1" name=""/>
+        <p:cNvGrpSpPr/>
+        <p:nvPr/>
+      </p:nvGrpSpPr>
+      <p:grpSpPr>
+        <a:xfrm>
+          <a:off x="0" y="0"/>
+          <a:ext cx="0" cy="0"/>
+          <a:chOff x="0" y="0"/>
+          <a:chExt cx="0" cy="0"/>
+        </a:xfrm>
+      </p:grpSpPr>
+      <p:sp>
+        <p:nvSpPr>
+          <p:cNvPr id="2" name="Slide Image Placeholder 1"/>
+          <p:cNvSpPr>
+            <a:spLocks noGrp="1" noRot="1" noChangeAspect="1"/>
+          </p:cNvSpPr>
+          <p:nvPr>
+            <p:ph type="sldImg"/>
+          </p:nvPr>
+        </p:nvSpPr>
+        <p:spPr/>
+      </p:sp>
+      <p:sp>
+        <p:nvSpPr>
+          <p:cNvPr id="3" name="Notes Placeholder 2"/>
+          <p:cNvSpPr>
+            <a:spLocks noGrp="1"/>
+          </p:cNvSpPr>
+          <p:nvPr>
+            <p:ph type="body" idx="1"/>
+          </p:nvPr>
+        </p:nvSpPr>
+        <p:spPr/>
+        <p:txBody>
+          <a:bodyPr/>
+          <a:lstStyle/>
+          <a:p>
+            <a:pPr marL="171450" indent="-171450">
+              <a:buFont typeface="Arial" panose="020B0604020202020204" pitchFamily="34" charset="0"/>
+              <a:buChar char="•"/>
+            </a:pPr>
+            <a:r>
+              <a:rPr lang="de-DE" dirty="0"/>
+              <a:t>VGG-style: </a:t>
+            </a:r>
+            <a:r>
+              <a:rPr lang="de-DE" dirty="0" err="1"/>
+              <a:t>adopts</a:t>
+            </a:r>
+            <a:r>
+              <a:rPr lang="de-DE" dirty="0"/>
+              <a:t> </a:t>
+            </a:r>
+            <a:r>
+              <a:rPr lang="de-DE" dirty="0" err="1"/>
+              <a:t>plain</a:t>
+            </a:r>
+            <a:r>
+              <a:rPr lang="de-DE" dirty="0"/>
+              <a:t> </a:t>
+            </a:r>
+            <a:r>
+              <a:rPr lang="de-DE" dirty="0" err="1"/>
+              <a:t>topology</a:t>
+            </a:r>
+            <a:r>
+              <a:rPr lang="de-DE" dirty="0"/>
+              <a:t> and </a:t>
+            </a:r>
+            <a:r>
+              <a:rPr lang="de-DE" dirty="0" err="1"/>
+              <a:t>heavily</a:t>
+            </a:r>
+            <a:r>
+              <a:rPr lang="de-DE" dirty="0"/>
+              <a:t> </a:t>
+            </a:r>
+            <a:r>
+              <a:rPr lang="de-DE" dirty="0" err="1"/>
+              <a:t>uses</a:t>
+            </a:r>
+            <a:r>
+              <a:rPr lang="de-DE" dirty="0"/>
+              <a:t> 3x3 </a:t>
+            </a:r>
+            <a:r>
+              <a:rPr lang="de-DE" dirty="0" err="1"/>
+              <a:t>conv</a:t>
+            </a:r>
+            <a:r>
+              <a:rPr lang="de-DE" dirty="0"/>
+              <a:t>, </a:t>
+            </a:r>
+            <a:r>
+              <a:rPr lang="de-DE" dirty="0" err="1"/>
+              <a:t>no</a:t>
+            </a:r>
+            <a:r>
+              <a:rPr lang="de-DE" dirty="0"/>
+              <a:t> </a:t>
+            </a:r>
+            <a:r>
+              <a:rPr lang="de-DE" dirty="0" err="1"/>
+              <a:t>max</a:t>
+            </a:r>
+            <a:r>
+              <a:rPr lang="de-DE" dirty="0"/>
+              <a:t> </a:t>
+            </a:r>
+            <a:r>
+              <a:rPr lang="de-DE" dirty="0" err="1"/>
+              <a:t>pooling</a:t>
+            </a:r>
+            <a:r>
+              <a:rPr lang="de-DE" dirty="0"/>
+              <a:t> like VGG </a:t>
+            </a:r>
+            <a:r>
+              <a:rPr lang="de-DE" dirty="0" err="1"/>
+              <a:t>as</a:t>
+            </a:r>
+            <a:r>
+              <a:rPr lang="de-DE" dirty="0"/>
+              <a:t> </a:t>
+            </a:r>
+            <a:r>
+              <a:rPr lang="de-DE" dirty="0" err="1"/>
+              <a:t>body</a:t>
+            </a:r>
+            <a:r>
+              <a:rPr lang="de-DE" dirty="0"/>
+              <a:t> </a:t>
+            </a:r>
+            <a:r>
+              <a:rPr lang="de-DE" dirty="0" err="1"/>
+              <a:t>should</a:t>
+            </a:r>
+            <a:r>
+              <a:rPr lang="de-DE" dirty="0"/>
+              <a:t> </a:t>
+            </a:r>
+            <a:r>
+              <a:rPr lang="de-DE" dirty="0" err="1"/>
+              <a:t>only</a:t>
+            </a:r>
+            <a:r>
+              <a:rPr lang="de-DE" dirty="0"/>
+              <a:t> </a:t>
+            </a:r>
+            <a:r>
+              <a:rPr lang="de-DE" dirty="0" err="1"/>
+              <a:t>have</a:t>
+            </a:r>
+            <a:r>
+              <a:rPr lang="de-DE" dirty="0"/>
+              <a:t> </a:t>
+            </a:r>
+            <a:r>
+              <a:rPr lang="de-DE" dirty="0" err="1"/>
+              <a:t>one</a:t>
+            </a:r>
+            <a:r>
+              <a:rPr lang="de-DE" dirty="0"/>
+              <a:t> type </a:t>
+            </a:r>
+            <a:r>
+              <a:rPr lang="de-DE" dirty="0" err="1"/>
+              <a:t>of</a:t>
+            </a:r>
+            <a:r>
+              <a:rPr lang="de-DE" dirty="0"/>
+              <a:t> </a:t>
+            </a:r>
+            <a:r>
+              <a:rPr lang="de-DE" dirty="0" err="1"/>
+              <a:t>operator</a:t>
+            </a:r>
+            <a:endParaRPr lang="de-DE" dirty="0"/>
+          </a:p>
+          <a:p>
+            <a:pPr marL="171450" indent="-171450">
+              <a:buFont typeface="Arial" panose="020B0604020202020204" pitchFamily="34" charset="0"/>
+              <a:buChar char="•"/>
+            </a:pPr>
+            <a:r>
+              <a:rPr lang="de-DE" dirty="0"/>
+              <a:t>1st </a:t>
+            </a:r>
+            <a:r>
+              <a:rPr lang="de-DE" dirty="0" err="1"/>
+              <a:t>layer</a:t>
+            </a:r>
+            <a:r>
+              <a:rPr lang="de-DE" dirty="0"/>
+              <a:t> </a:t>
+            </a:r>
+            <a:r>
+              <a:rPr lang="de-DE" dirty="0" err="1"/>
+              <a:t>of</a:t>
+            </a:r>
+            <a:r>
+              <a:rPr lang="de-DE" dirty="0"/>
+              <a:t> </a:t>
+            </a:r>
+            <a:r>
+              <a:rPr lang="de-DE" dirty="0" err="1"/>
+              <a:t>each</a:t>
+            </a:r>
+            <a:r>
+              <a:rPr lang="de-DE" dirty="0"/>
+              <a:t> </a:t>
+            </a:r>
+            <a:r>
+              <a:rPr lang="de-DE" dirty="0" err="1"/>
+              <a:t>stages</a:t>
+            </a:r>
+            <a:r>
+              <a:rPr lang="de-DE" dirty="0"/>
+              <a:t> </a:t>
+            </a:r>
+            <a:r>
+              <a:rPr lang="de-DE" dirty="0" err="1"/>
+              <a:t>downsamples</a:t>
+            </a:r>
+            <a:r>
+              <a:rPr lang="de-DE" dirty="0"/>
+              <a:t> </a:t>
+            </a:r>
+            <a:r>
+              <a:rPr lang="de-DE" dirty="0" err="1"/>
+              <a:t>with</a:t>
+            </a:r>
+            <a:r>
+              <a:rPr lang="de-DE" dirty="0"/>
+              <a:t> </a:t>
+            </a:r>
+            <a:r>
+              <a:rPr lang="de-DE" dirty="0" err="1"/>
+              <a:t>stride</a:t>
+            </a:r>
+            <a:r>
+              <a:rPr lang="de-DE" dirty="0"/>
+              <a:t> 2</a:t>
+            </a:r>
+          </a:p>
+          <a:p>
+            <a:pPr marL="171450" indent="-171450">
+              <a:buFont typeface="Arial" panose="020B0604020202020204" pitchFamily="34" charset="0"/>
+              <a:buChar char="•"/>
+            </a:pPr>
+            <a:r>
+              <a:rPr lang="de-DE" dirty="0"/>
+              <a:t>Task </a:t>
+            </a:r>
+            <a:r>
+              <a:rPr lang="de-DE" dirty="0" err="1"/>
+              <a:t>specific</a:t>
+            </a:r>
+            <a:r>
+              <a:rPr lang="de-DE" dirty="0"/>
+              <a:t> </a:t>
+            </a:r>
+            <a:r>
+              <a:rPr lang="de-DE" dirty="0" err="1"/>
+              <a:t>heads</a:t>
+            </a:r>
+            <a:endParaRPr lang="de-DE" dirty="0"/>
+          </a:p>
+          <a:p>
+            <a:pPr marL="171450" indent="-171450">
+              <a:buFont typeface="Arial" panose="020B0604020202020204" pitchFamily="34" charset="0"/>
+              <a:buChar char="•"/>
+            </a:pPr>
+            <a:r>
+              <a:rPr lang="de-DE" dirty="0"/>
+              <a:t>First </a:t>
+            </a:r>
+            <a:r>
+              <a:rPr lang="de-DE" dirty="0" err="1"/>
+              <a:t>stage</a:t>
+            </a:r>
+            <a:r>
+              <a:rPr lang="de-DE" dirty="0"/>
+              <a:t> </a:t>
+            </a:r>
+            <a:r>
+              <a:rPr lang="de-DE" dirty="0" err="1"/>
+              <a:t>has</a:t>
+            </a:r>
+            <a:r>
+              <a:rPr lang="de-DE" dirty="0"/>
+              <a:t> </a:t>
+            </a:r>
+            <a:r>
+              <a:rPr lang="de-DE" dirty="0" err="1"/>
+              <a:t>only</a:t>
+            </a:r>
+            <a:r>
+              <a:rPr lang="de-DE" dirty="0"/>
+              <a:t> </a:t>
+            </a:r>
+            <a:r>
+              <a:rPr lang="de-DE" dirty="0" err="1"/>
+              <a:t>one</a:t>
+            </a:r>
+            <a:r>
+              <a:rPr lang="de-DE" dirty="0"/>
+              <a:t> </a:t>
+            </a:r>
+            <a:r>
+              <a:rPr lang="de-DE" dirty="0" err="1"/>
+              <a:t>layer</a:t>
+            </a:r>
+            <a:r>
+              <a:rPr lang="de-DE" dirty="0"/>
+              <a:t>: </a:t>
+            </a:r>
+            <a:r>
+              <a:rPr lang="de-DE" dirty="0" err="1"/>
+              <a:t>lower</a:t>
+            </a:r>
+            <a:r>
+              <a:rPr lang="de-DE" dirty="0"/>
+              <a:t> </a:t>
+            </a:r>
+            <a:r>
+              <a:rPr lang="de-DE" dirty="0" err="1"/>
+              <a:t>latency</a:t>
+            </a:r>
+            <a:r>
+              <a:rPr lang="de-DE" dirty="0"/>
+              <a:t> </a:t>
+            </a:r>
+            <a:r>
+              <a:rPr lang="de-DE" dirty="0" err="1"/>
+              <a:t>as</a:t>
+            </a:r>
+            <a:r>
+              <a:rPr lang="de-DE" dirty="0"/>
+              <a:t> </a:t>
+            </a:r>
+            <a:r>
+              <a:rPr lang="de-DE" dirty="0" err="1"/>
+              <a:t>operates</a:t>
+            </a:r>
+            <a:r>
+              <a:rPr lang="de-DE" dirty="0"/>
+              <a:t> </a:t>
+            </a:r>
+            <a:r>
+              <a:rPr lang="de-DE" dirty="0" err="1"/>
+              <a:t>with</a:t>
+            </a:r>
+            <a:r>
+              <a:rPr lang="de-DE" dirty="0"/>
+              <a:t> high </a:t>
+            </a:r>
+            <a:r>
+              <a:rPr lang="de-DE" dirty="0" err="1"/>
+              <a:t>resolutions</a:t>
+            </a:r>
+            <a:endParaRPr lang="de-DE" dirty="0"/>
+          </a:p>
+          <a:p>
+            <a:pPr marL="171450" indent="-171450">
+              <a:buFont typeface="Arial" panose="020B0604020202020204" pitchFamily="34" charset="0"/>
+              <a:buChar char="•"/>
+            </a:pPr>
+            <a:r>
+              <a:rPr lang="de-DE" dirty="0"/>
+              <a:t>Last </a:t>
+            </a:r>
+            <a:r>
+              <a:rPr lang="de-DE" dirty="0" err="1"/>
+              <a:t>stage</a:t>
+            </a:r>
+            <a:r>
+              <a:rPr lang="de-DE" dirty="0"/>
+              <a:t> </a:t>
+            </a:r>
+            <a:r>
+              <a:rPr lang="de-DE" dirty="0" err="1"/>
+              <a:t>should</a:t>
+            </a:r>
+            <a:r>
+              <a:rPr lang="de-DE" dirty="0"/>
+              <a:t> </a:t>
+            </a:r>
+            <a:r>
+              <a:rPr lang="de-DE" dirty="0" err="1"/>
+              <a:t>have</a:t>
+            </a:r>
+            <a:r>
+              <a:rPr lang="de-DE" dirty="0"/>
+              <a:t> </a:t>
+            </a:r>
+            <a:r>
+              <a:rPr lang="de-DE" dirty="0" err="1"/>
+              <a:t>more</a:t>
+            </a:r>
+            <a:r>
+              <a:rPr lang="de-DE" dirty="0"/>
+              <a:t> </a:t>
+            </a:r>
+            <a:r>
+              <a:rPr lang="de-DE" dirty="0" err="1"/>
+              <a:t>channels</a:t>
+            </a:r>
+            <a:r>
+              <a:rPr lang="de-DE" dirty="0"/>
+              <a:t> =&gt; </a:t>
+            </a:r>
+            <a:r>
+              <a:rPr lang="de-DE" dirty="0" err="1"/>
+              <a:t>use</a:t>
+            </a:r>
+            <a:r>
+              <a:rPr lang="de-DE" dirty="0"/>
+              <a:t> </a:t>
+            </a:r>
+            <a:r>
+              <a:rPr lang="de-DE" dirty="0" err="1"/>
+              <a:t>only</a:t>
+            </a:r>
+            <a:r>
+              <a:rPr lang="de-DE" dirty="0"/>
+              <a:t> </a:t>
+            </a:r>
+            <a:r>
+              <a:rPr lang="de-DE" dirty="0" err="1"/>
+              <a:t>one</a:t>
+            </a:r>
+            <a:r>
+              <a:rPr lang="de-DE" dirty="0"/>
+              <a:t> </a:t>
+            </a:r>
+            <a:r>
+              <a:rPr lang="de-DE" dirty="0" err="1"/>
+              <a:t>layer</a:t>
+            </a:r>
+            <a:r>
+              <a:rPr lang="de-DE" dirty="0"/>
+              <a:t> </a:t>
+            </a:r>
+            <a:r>
+              <a:rPr lang="de-DE" dirty="0" err="1"/>
+              <a:t>to</a:t>
+            </a:r>
+            <a:r>
+              <a:rPr lang="de-DE" dirty="0"/>
+              <a:t> save </a:t>
+            </a:r>
+            <a:r>
+              <a:rPr lang="de-DE" dirty="0" err="1"/>
+              <a:t>the</a:t>
+            </a:r>
+            <a:r>
+              <a:rPr lang="de-DE" dirty="0"/>
+              <a:t> </a:t>
+            </a:r>
+            <a:r>
+              <a:rPr lang="de-DE" dirty="0" err="1"/>
+              <a:t>parameters</a:t>
+            </a:r>
+            <a:endParaRPr lang="de-DE" dirty="0"/>
+          </a:p>
+          <a:p>
+            <a:pPr marL="171450" indent="-171450">
+              <a:buFont typeface="Arial" panose="020B0604020202020204" pitchFamily="34" charset="0"/>
+              <a:buChar char="•"/>
+            </a:pPr>
+            <a:r>
+              <a:rPr lang="de-DE" dirty="0"/>
+              <a:t>Most </a:t>
+            </a:r>
+            <a:r>
+              <a:rPr lang="de-DE" dirty="0" err="1"/>
+              <a:t>layers</a:t>
+            </a:r>
+            <a:r>
+              <a:rPr lang="de-DE" dirty="0"/>
+              <a:t> in </a:t>
+            </a:r>
+            <a:r>
+              <a:rPr lang="de-DE" dirty="0" err="1"/>
+              <a:t>stage</a:t>
+            </a:r>
+            <a:r>
+              <a:rPr lang="de-DE" dirty="0"/>
+              <a:t> 4 </a:t>
+            </a:r>
+            <a:r>
+              <a:rPr lang="de-DE" dirty="0" err="1"/>
+              <a:t>following</a:t>
+            </a:r>
+            <a:r>
+              <a:rPr lang="de-DE" dirty="0"/>
+              <a:t> </a:t>
+            </a:r>
+            <a:r>
+              <a:rPr lang="de-DE" dirty="0" err="1"/>
+              <a:t>ResNet</a:t>
+            </a:r>
+            <a:r>
+              <a:rPr lang="de-DE" dirty="0"/>
+              <a:t> and ist </a:t>
+            </a:r>
+            <a:r>
+              <a:rPr lang="de-DE" dirty="0" err="1"/>
+              <a:t>variants</a:t>
+            </a:r>
+            <a:endParaRPr lang="de-DE" dirty="0"/>
+          </a:p>
+          <a:p>
+            <a:pPr marL="171450" indent="-171450">
+              <a:buFont typeface="Arial" panose="020B0604020202020204" pitchFamily="34" charset="0"/>
+              <a:buChar char="•"/>
+            </a:pPr>
+            <a:r>
+              <a:rPr lang="de-DE" dirty="0" err="1"/>
+              <a:t>RepVGG</a:t>
+            </a:r>
+            <a:r>
+              <a:rPr lang="de-DE" dirty="0"/>
+              <a:t>-A </a:t>
+            </a:r>
+            <a:r>
+              <a:rPr lang="de-DE" dirty="0" err="1"/>
+              <a:t>vs</a:t>
+            </a:r>
+            <a:r>
+              <a:rPr lang="de-DE" dirty="0"/>
+              <a:t> </a:t>
+            </a:r>
+            <a:r>
+              <a:rPr lang="de-DE" dirty="0" err="1"/>
+              <a:t>lightweight</a:t>
+            </a:r>
+            <a:r>
+              <a:rPr lang="de-DE" dirty="0"/>
+              <a:t>/</a:t>
+            </a:r>
+            <a:r>
+              <a:rPr lang="de-DE" dirty="0" err="1"/>
+              <a:t>middleweight</a:t>
+            </a:r>
+            <a:r>
+              <a:rPr lang="de-DE" dirty="0"/>
+              <a:t> </a:t>
+            </a:r>
+            <a:r>
+              <a:rPr lang="de-DE" dirty="0" err="1"/>
+              <a:t>models</a:t>
+            </a:r>
+            <a:r>
+              <a:rPr lang="de-DE" dirty="0"/>
+              <a:t> (ResNet-18/34/50)</a:t>
+            </a:r>
+          </a:p>
+          <a:p>
+            <a:pPr marL="171450" indent="-171450">
+              <a:buFont typeface="Arial" panose="020B0604020202020204" pitchFamily="34" charset="0"/>
+              <a:buChar char="•"/>
+            </a:pPr>
+            <a:r>
+              <a:rPr lang="de-DE" dirty="0" err="1"/>
+              <a:t>RepVGG</a:t>
+            </a:r>
+            <a:r>
+              <a:rPr lang="de-DE" dirty="0"/>
+              <a:t>-B </a:t>
+            </a:r>
+            <a:r>
+              <a:rPr lang="de-DE" dirty="0" err="1"/>
+              <a:t>vs</a:t>
+            </a:r>
+            <a:r>
+              <a:rPr lang="de-DE" dirty="0"/>
+              <a:t> high </a:t>
+            </a:r>
+            <a:r>
+              <a:rPr lang="de-DE" dirty="0" err="1"/>
+              <a:t>performance</a:t>
+            </a:r>
+            <a:r>
+              <a:rPr lang="de-DE" dirty="0"/>
+              <a:t> </a:t>
+            </a:r>
+            <a:r>
+              <a:rPr lang="de-DE" dirty="0" err="1"/>
+              <a:t>models</a:t>
+            </a:r>
+            <a:r>
+              <a:rPr lang="de-DE" dirty="0"/>
+              <a:t> (ResNet-18/34/50)</a:t>
+            </a:r>
+          </a:p>
+          <a:p>
+            <a:pPr marL="171450" indent="-171450">
+              <a:buFont typeface="Arial" panose="020B0604020202020204" pitchFamily="34" charset="0"/>
+              <a:buChar char="•"/>
+            </a:pPr>
+            <a:r>
+              <a:rPr lang="de-DE" dirty="0"/>
+              <a:t>Width </a:t>
+            </a:r>
+            <a:r>
+              <a:rPr lang="de-DE" dirty="0" err="1"/>
+              <a:t>setting</a:t>
+            </a:r>
+            <a:r>
+              <a:rPr lang="de-DE" dirty="0"/>
+              <a:t> </a:t>
+            </a:r>
+            <a:r>
+              <a:rPr lang="de-DE" dirty="0" err="1"/>
+              <a:t>from</a:t>
+            </a:r>
+            <a:r>
+              <a:rPr lang="de-DE" dirty="0"/>
+              <a:t> VGG and </a:t>
+            </a:r>
+            <a:r>
+              <a:rPr lang="de-DE" dirty="0" err="1"/>
+              <a:t>ResNet</a:t>
+            </a:r>
+            <a:r>
+              <a:rPr lang="de-DE" dirty="0"/>
+              <a:t> (uniform </a:t>
+            </a:r>
+            <a:r>
+              <a:rPr lang="de-DE" dirty="0" err="1"/>
+              <a:t>scaling</a:t>
+            </a:r>
+            <a:r>
+              <a:rPr lang="de-DE" dirty="0"/>
+              <a:t>)</a:t>
+            </a:r>
+          </a:p>
+          <a:p>
+            <a:pPr marL="171450" indent="-171450">
+              <a:buFont typeface="Arial" panose="020B0604020202020204" pitchFamily="34" charset="0"/>
+              <a:buChar char="•"/>
+            </a:pPr>
+            <a:r>
+              <a:rPr lang="de-DE" dirty="0" err="1"/>
+              <a:t>Sacling</a:t>
+            </a:r>
+            <a:r>
+              <a:rPr lang="de-DE" dirty="0"/>
+              <a:t> </a:t>
+            </a:r>
+            <a:r>
+              <a:rPr lang="de-DE" dirty="0" err="1"/>
+              <a:t>factors</a:t>
+            </a:r>
+            <a:r>
+              <a:rPr lang="de-DE" dirty="0"/>
+              <a:t> b&gt;a (</a:t>
+            </a:r>
+            <a:r>
+              <a:rPr lang="de-DE" dirty="0" err="1"/>
+              <a:t>richer</a:t>
+            </a:r>
+            <a:r>
+              <a:rPr lang="de-DE" dirty="0"/>
+              <a:t> </a:t>
+            </a:r>
+            <a:r>
+              <a:rPr lang="de-DE" dirty="0" err="1"/>
+              <a:t>features</a:t>
+            </a:r>
+            <a:r>
+              <a:rPr lang="de-DE" dirty="0"/>
+              <a:t> </a:t>
+            </a:r>
+            <a:r>
+              <a:rPr lang="de-DE" dirty="0" err="1"/>
+              <a:t>for</a:t>
+            </a:r>
+            <a:r>
+              <a:rPr lang="de-DE" dirty="0"/>
+              <a:t> </a:t>
+            </a:r>
+            <a:r>
+              <a:rPr lang="de-DE" dirty="0" err="1"/>
+              <a:t>the</a:t>
+            </a:r>
+            <a:r>
+              <a:rPr lang="de-DE" dirty="0"/>
+              <a:t> </a:t>
+            </a:r>
+            <a:r>
+              <a:rPr lang="de-DE" dirty="0" err="1"/>
+              <a:t>classification</a:t>
+            </a:r>
+            <a:r>
+              <a:rPr lang="de-DE" dirty="0"/>
+              <a:t> </a:t>
+            </a:r>
+            <a:r>
+              <a:rPr lang="de-DE" dirty="0" err="1"/>
+              <a:t>or</a:t>
+            </a:r>
+            <a:r>
+              <a:rPr lang="de-DE" dirty="0"/>
+              <a:t> </a:t>
+            </a:r>
+            <a:r>
+              <a:rPr lang="de-DE" dirty="0" err="1"/>
+              <a:t>other</a:t>
+            </a:r>
+            <a:r>
+              <a:rPr lang="de-DE" dirty="0"/>
+              <a:t> </a:t>
+            </a:r>
+            <a:r>
+              <a:rPr lang="de-DE" dirty="0" err="1"/>
+              <a:t>downstream</a:t>
+            </a:r>
+            <a:r>
+              <a:rPr lang="de-DE" dirty="0"/>
+              <a:t> </a:t>
+            </a:r>
+            <a:r>
+              <a:rPr lang="de-DE" dirty="0" err="1"/>
+              <a:t>tasks</a:t>
+            </a:r>
+            <a:r>
+              <a:rPr lang="de-DE" dirty="0"/>
+              <a:t>)</a:t>
+            </a:r>
+          </a:p>
+          <a:p>
+            <a:pPr marL="171450" indent="-171450">
+              <a:buFont typeface="Arial" panose="020B0604020202020204" pitchFamily="34" charset="0"/>
+              <a:buChar char="•"/>
+            </a:pPr>
+            <a:r>
+              <a:rPr lang="de-DE" dirty="0"/>
+              <a:t>As last </a:t>
+            </a:r>
+            <a:r>
+              <a:rPr lang="de-DE" dirty="0" err="1"/>
+              <a:t>stage</a:t>
+            </a:r>
+            <a:r>
+              <a:rPr lang="de-DE" dirty="0"/>
+              <a:t> </a:t>
+            </a:r>
+            <a:r>
+              <a:rPr lang="de-DE" dirty="0" err="1"/>
+              <a:t>has</a:t>
+            </a:r>
+            <a:r>
+              <a:rPr lang="de-DE" dirty="0"/>
+              <a:t> </a:t>
+            </a:r>
+            <a:r>
+              <a:rPr lang="de-DE" dirty="0" err="1"/>
+              <a:t>only</a:t>
+            </a:r>
+            <a:r>
+              <a:rPr lang="de-DE" dirty="0"/>
+              <a:t> </a:t>
+            </a:r>
+            <a:r>
+              <a:rPr lang="de-DE" dirty="0" err="1"/>
+              <a:t>one</a:t>
+            </a:r>
+            <a:r>
+              <a:rPr lang="de-DE" dirty="0"/>
+              <a:t> </a:t>
+            </a:r>
+            <a:r>
+              <a:rPr lang="de-DE" dirty="0" err="1"/>
+              <a:t>layer</a:t>
+            </a:r>
+            <a:r>
+              <a:rPr lang="de-DE" dirty="0"/>
+              <a:t>: large b </a:t>
+            </a:r>
+            <a:r>
+              <a:rPr lang="de-DE" dirty="0" err="1"/>
+              <a:t>does</a:t>
+            </a:r>
+            <a:r>
+              <a:rPr lang="de-DE" dirty="0"/>
+              <a:t> not </a:t>
+            </a:r>
+            <a:r>
+              <a:rPr lang="de-DE" dirty="0" err="1"/>
+              <a:t>introduce</a:t>
+            </a:r>
+            <a:r>
+              <a:rPr lang="de-DE" dirty="0"/>
+              <a:t> </a:t>
+            </a:r>
+            <a:r>
+              <a:rPr lang="de-DE" dirty="0" err="1"/>
+              <a:t>much</a:t>
+            </a:r>
+            <a:r>
+              <a:rPr lang="de-DE" dirty="0"/>
+              <a:t> </a:t>
+            </a:r>
+            <a:r>
+              <a:rPr lang="de-DE" dirty="0" err="1"/>
+              <a:t>latency</a:t>
+            </a:r>
+            <a:r>
+              <a:rPr lang="de-DE" dirty="0"/>
+              <a:t> </a:t>
+            </a:r>
+            <a:r>
+              <a:rPr lang="de-DE" dirty="0" err="1"/>
+              <a:t>orfar</a:t>
+            </a:r>
+            <a:r>
+              <a:rPr lang="de-DE" dirty="0"/>
+              <a:t> </a:t>
+            </a:r>
+            <a:r>
+              <a:rPr lang="de-DE" dirty="0" err="1"/>
+              <a:t>more</a:t>
+            </a:r>
+            <a:r>
+              <a:rPr lang="de-DE" dirty="0"/>
+              <a:t> </a:t>
+            </a:r>
+            <a:r>
+              <a:rPr lang="de-DE" dirty="0" err="1"/>
+              <a:t>amount</a:t>
+            </a:r>
+            <a:r>
+              <a:rPr lang="de-DE" dirty="0"/>
+              <a:t> </a:t>
+            </a:r>
+            <a:r>
+              <a:rPr lang="de-DE" dirty="0" err="1"/>
+              <a:t>of</a:t>
+            </a:r>
+            <a:r>
+              <a:rPr lang="de-DE" dirty="0"/>
+              <a:t> </a:t>
+            </a:r>
+            <a:r>
+              <a:rPr lang="de-DE" dirty="0" err="1"/>
+              <a:t>parameters</a:t>
+            </a:r>
+            <a:endParaRPr lang="de-DE" dirty="0"/>
+          </a:p>
+          <a:p>
+            <a:pPr marL="171450" indent="-171450">
+              <a:buFont typeface="Arial" panose="020B0604020202020204" pitchFamily="34" charset="0"/>
+              <a:buChar char="•"/>
+            </a:pPr>
+            <a:r>
+              <a:rPr lang="de-DE" dirty="0" err="1"/>
+              <a:t>Avoid</a:t>
+            </a:r>
+            <a:r>
+              <a:rPr lang="de-DE" dirty="0"/>
+              <a:t> large </a:t>
+            </a:r>
+            <a:r>
+              <a:rPr lang="de-DE" dirty="0" err="1"/>
+              <a:t>scale</a:t>
+            </a:r>
+            <a:r>
+              <a:rPr lang="de-DE" dirty="0"/>
+              <a:t> </a:t>
+            </a:r>
+            <a:r>
+              <a:rPr lang="de-DE" dirty="0" err="1"/>
+              <a:t>conv</a:t>
+            </a:r>
+            <a:r>
+              <a:rPr lang="de-DE" dirty="0"/>
+              <a:t> in </a:t>
+            </a:r>
+            <a:r>
+              <a:rPr lang="de-DE" dirty="0" err="1"/>
+              <a:t>first</a:t>
+            </a:r>
+            <a:r>
+              <a:rPr lang="de-DE" dirty="0"/>
+              <a:t> </a:t>
+            </a:r>
+            <a:r>
+              <a:rPr lang="de-DE" dirty="0" err="1"/>
+              <a:t>layer</a:t>
+            </a:r>
+            <a:endParaRPr lang="de-DE" dirty="0"/>
+          </a:p>
+          <a:p>
+            <a:pPr marL="171450" indent="-171450">
+              <a:buFont typeface="Arial" panose="020B0604020202020204" pitchFamily="34" charset="0"/>
+              <a:buChar char="•"/>
+            </a:pPr>
+            <a:r>
+              <a:rPr lang="de-DE" dirty="0" err="1"/>
+              <a:t>Interleave</a:t>
+            </a:r>
+            <a:r>
+              <a:rPr lang="de-DE" dirty="0"/>
+              <a:t> </a:t>
+            </a:r>
+            <a:r>
+              <a:rPr lang="de-DE" dirty="0" err="1"/>
+              <a:t>groupwise</a:t>
+            </a:r>
+            <a:r>
+              <a:rPr lang="de-DE" dirty="0"/>
+              <a:t> 3x3 </a:t>
+            </a:r>
+            <a:r>
+              <a:rPr lang="de-DE" dirty="0" err="1"/>
+              <a:t>conv</a:t>
+            </a:r>
+            <a:r>
+              <a:rPr lang="de-DE" dirty="0"/>
+              <a:t> </a:t>
+            </a:r>
+            <a:r>
+              <a:rPr lang="de-DE" dirty="0" err="1"/>
+              <a:t>layers</a:t>
+            </a:r>
+            <a:r>
+              <a:rPr lang="de-DE" dirty="0"/>
+              <a:t> </a:t>
+            </a:r>
+            <a:r>
+              <a:rPr lang="de-DE" dirty="0" err="1"/>
+              <a:t>every</a:t>
+            </a:r>
+            <a:r>
+              <a:rPr lang="de-DE" dirty="0"/>
+              <a:t> </a:t>
+            </a:r>
+            <a:r>
+              <a:rPr lang="de-DE" dirty="0" err="1"/>
+              <a:t>two</a:t>
+            </a:r>
+            <a:r>
+              <a:rPr lang="de-DE" dirty="0"/>
+              <a:t> </a:t>
+            </a:r>
+            <a:r>
+              <a:rPr lang="de-DE" dirty="0" err="1"/>
+              <a:t>layers</a:t>
+            </a:r>
+            <a:r>
+              <a:rPr lang="de-DE" dirty="0"/>
+              <a:t>: </a:t>
+            </a:r>
+            <a:r>
+              <a:rPr lang="de-DE" dirty="0" err="1"/>
+              <a:t>trade</a:t>
+            </a:r>
+            <a:r>
+              <a:rPr lang="de-DE" dirty="0"/>
+              <a:t> </a:t>
+            </a:r>
+            <a:r>
+              <a:rPr lang="de-DE" dirty="0" err="1"/>
+              <a:t>accuracy</a:t>
+            </a:r>
+            <a:r>
+              <a:rPr lang="de-DE" dirty="0"/>
+              <a:t> </a:t>
+            </a:r>
+            <a:r>
+              <a:rPr lang="de-DE" dirty="0" err="1"/>
+              <a:t>for</a:t>
+            </a:r>
+            <a:r>
+              <a:rPr lang="de-DE" dirty="0"/>
+              <a:t> </a:t>
+            </a:r>
+            <a:r>
+              <a:rPr lang="de-DE" dirty="0" err="1"/>
+              <a:t>efficiency</a:t>
+            </a:r>
+            <a:r>
+              <a:rPr lang="de-DE" dirty="0"/>
+              <a:t> but still </a:t>
+            </a:r>
+            <a:r>
+              <a:rPr lang="de-DE" dirty="0" err="1"/>
+              <a:t>maintain</a:t>
+            </a:r>
+            <a:r>
+              <a:rPr lang="de-DE" dirty="0"/>
+              <a:t> inter-</a:t>
+            </a:r>
+            <a:r>
+              <a:rPr lang="de-DE" dirty="0" err="1"/>
+              <a:t>channel</a:t>
+            </a:r>
+            <a:r>
+              <a:rPr lang="de-DE" dirty="0"/>
+              <a:t> </a:t>
+            </a:r>
+            <a:r>
+              <a:rPr lang="de-DE" dirty="0" err="1"/>
+              <a:t>information</a:t>
+            </a:r>
+            <a:r>
+              <a:rPr lang="de-DE" dirty="0"/>
+              <a:t> </a:t>
+            </a:r>
+            <a:r>
+              <a:rPr lang="de-DE" dirty="0" err="1"/>
+              <a:t>exchange</a:t>
+            </a:r>
+            <a:r>
+              <a:rPr lang="de-DE" dirty="0"/>
+              <a:t> (</a:t>
+            </a:r>
+            <a:r>
+              <a:rPr lang="de-DE" dirty="0" err="1"/>
+              <a:t>otherwise</a:t>
+            </a:r>
+            <a:r>
+              <a:rPr lang="de-DE" dirty="0"/>
+              <a:t> </a:t>
+            </a:r>
+            <a:r>
+              <a:rPr lang="de-DE" dirty="0" err="1"/>
+              <a:t>channel</a:t>
+            </a:r>
+            <a:r>
+              <a:rPr lang="de-DE" dirty="0"/>
+              <a:t> </a:t>
+            </a:r>
+            <a:r>
+              <a:rPr lang="de-DE" dirty="0" err="1"/>
+              <a:t>outout</a:t>
+            </a:r>
+            <a:r>
+              <a:rPr lang="de-DE" dirty="0"/>
+              <a:t> </a:t>
+            </a:r>
+            <a:r>
+              <a:rPr lang="de-DE" dirty="0" err="1"/>
+              <a:t>only</a:t>
+            </a:r>
+            <a:r>
+              <a:rPr lang="de-DE" dirty="0"/>
+              <a:t> </a:t>
+            </a:r>
+            <a:r>
+              <a:rPr lang="de-DE" dirty="0" err="1"/>
+              <a:t>derived</a:t>
+            </a:r>
+            <a:r>
+              <a:rPr lang="de-DE" dirty="0"/>
+              <a:t> </a:t>
+            </a:r>
+            <a:r>
+              <a:rPr lang="de-DE" dirty="0" err="1"/>
+              <a:t>from</a:t>
+            </a:r>
+            <a:r>
+              <a:rPr lang="de-DE" dirty="0"/>
+              <a:t> </a:t>
+            </a:r>
+            <a:r>
+              <a:rPr lang="de-DE" dirty="0" err="1"/>
+              <a:t>fraction</a:t>
+            </a:r>
+            <a:r>
+              <a:rPr lang="de-DE" dirty="0"/>
+              <a:t> </a:t>
+            </a:r>
+            <a:r>
+              <a:rPr lang="de-DE" dirty="0" err="1"/>
+              <a:t>of</a:t>
+            </a:r>
+            <a:r>
+              <a:rPr lang="de-DE" dirty="0"/>
+              <a:t> </a:t>
+            </a:r>
+            <a:r>
+              <a:rPr lang="de-DE" dirty="0" err="1"/>
+              <a:t>input</a:t>
+            </a:r>
+            <a:r>
+              <a:rPr lang="de-DE" dirty="0"/>
+              <a:t> </a:t>
+            </a:r>
+            <a:r>
+              <a:rPr lang="de-DE" dirty="0" err="1"/>
+              <a:t>channels</a:t>
+            </a:r>
+            <a:r>
+              <a:rPr lang="de-DE" dirty="0"/>
+              <a:t>) (g </a:t>
+            </a:r>
+            <a:r>
+              <a:rPr lang="de-DE" dirty="0" err="1"/>
+              <a:t>factor</a:t>
+            </a:r>
+            <a:r>
+              <a:rPr lang="de-DE" dirty="0"/>
+              <a:t>: 1,2 </a:t>
+            </a:r>
+            <a:r>
+              <a:rPr lang="de-DE" dirty="0" err="1"/>
+              <a:t>or</a:t>
+            </a:r>
+            <a:r>
+              <a:rPr lang="de-DE" dirty="0"/>
+              <a:t> 4)</a:t>
+            </a:r>
+          </a:p>
+        </p:txBody>
+      </p:sp>
+      <p:sp>
+        <p:nvSpPr>
+          <p:cNvPr id="4" name="Slide Number Placeholder 3"/>
+          <p:cNvSpPr>
+            <a:spLocks noGrp="1"/>
+          </p:cNvSpPr>
+          <p:nvPr>
+            <p:ph type="sldNum" sz="quarter" idx="5"/>
+          </p:nvPr>
+        </p:nvSpPr>
+        <p:spPr/>
+        <p:txBody>
+          <a:bodyPr/>
+          <a:lstStyle/>
+          <a:p>
+            <a:fld id="{6D172734-61C0-4E94-B507-0920723C809C}" type="slidenum">
+              <a:rPr lang="en-US" smtClean="0"/>
+              <a:t>8</a:t>
+            </a:fld>
+            <a:endParaRPr lang="en-US"/>
+          </a:p>
+        </p:txBody>
+      </p:sp>
+    </p:spTree>
+    <p:extLst>
+      <p:ext uri="{BB962C8B-B14F-4D97-AF65-F5344CB8AC3E}">
+        <p14:creationId xmlns:p14="http://schemas.microsoft.com/office/powerpoint/2010/main" val="3916957712"/>
+      </p:ext>
+    </p:extLst>
+  </p:cSld>
+  <p:clrMapOvr>
+    <a:masterClrMapping/>
+  </p:clrMapOvr>
+</p:notes>
+</file>
+
+<file path=ppt/notesSlides/notesSlide5.xml><?xml version="1.0" encoding="utf-8"?>
+<p:notes xmlns:a="http://schemas.openxmlformats.org/drawingml/2006/main" xmlns:r="http://schemas.openxmlformats.org/officeDocument/2006/relationships" xmlns:p="http://schemas.openxmlformats.org/presentationml/2006/main">
+  <p:cSld>
+    <p:spTree>
+      <p:nvGrpSpPr>
+        <p:cNvPr id="1" name=""/>
+        <p:cNvGrpSpPr/>
+        <p:nvPr/>
+      </p:nvGrpSpPr>
+      <p:grpSpPr>
+        <a:xfrm>
+          <a:off x="0" y="0"/>
+          <a:ext cx="0" cy="0"/>
+          <a:chOff x="0" y="0"/>
+          <a:chExt cx="0" cy="0"/>
+        </a:xfrm>
+      </p:grpSpPr>
+      <p:sp>
+        <p:nvSpPr>
+          <p:cNvPr id="2" name="Slide Image Placeholder 1"/>
+          <p:cNvSpPr>
+            <a:spLocks noGrp="1" noRot="1" noChangeAspect="1"/>
+          </p:cNvSpPr>
+          <p:nvPr>
+            <p:ph type="sldImg"/>
+          </p:nvPr>
+        </p:nvSpPr>
+        <p:spPr/>
+      </p:sp>
+      <p:sp>
+        <p:nvSpPr>
+          <p:cNvPr id="3" name="Notes Placeholder 2"/>
+          <p:cNvSpPr>
+            <a:spLocks noGrp="1"/>
+          </p:cNvSpPr>
+          <p:nvPr>
+            <p:ph type="body" idx="1"/>
+          </p:nvPr>
+        </p:nvSpPr>
+        <p:spPr/>
+        <p:txBody>
+          <a:bodyPr/>
+          <a:lstStyle/>
+          <a:p>
+            <a:pPr marL="171450" indent="-171450">
+              <a:buFont typeface="Arial" panose="020B0604020202020204" pitchFamily="34" charset="0"/>
+              <a:buChar char="•"/>
+            </a:pPr>
+            <a:r>
+              <a:rPr lang="de-DE" dirty="0"/>
+              <a:t>Also </a:t>
+            </a:r>
+            <a:r>
+              <a:rPr lang="de-DE" dirty="0" err="1"/>
+              <a:t>has</a:t>
+            </a:r>
+            <a:r>
+              <a:rPr lang="de-DE" dirty="0"/>
+              <a:t> </a:t>
+            </a:r>
+            <a:r>
+              <a:rPr lang="de-DE" dirty="0" err="1"/>
+              <a:t>restrictions</a:t>
+            </a:r>
+            <a:r>
+              <a:rPr lang="de-DE" dirty="0"/>
+              <a:t>: </a:t>
+            </a:r>
+            <a:r>
+              <a:rPr lang="de-DE" dirty="0" err="1"/>
+              <a:t>only</a:t>
+            </a:r>
+            <a:r>
+              <a:rPr lang="de-DE" dirty="0"/>
+              <a:t> 3x3 </a:t>
+            </a:r>
+            <a:r>
+              <a:rPr lang="de-DE" dirty="0" err="1"/>
+              <a:t>conv</a:t>
+            </a:r>
+            <a:r>
+              <a:rPr lang="de-DE" dirty="0"/>
+              <a:t>, </a:t>
+            </a:r>
+            <a:r>
+              <a:rPr lang="de-DE" dirty="0" err="1"/>
+              <a:t>equal</a:t>
+            </a:r>
+            <a:r>
+              <a:rPr lang="de-DE" dirty="0"/>
+              <a:t> </a:t>
+            </a:r>
+            <a:r>
+              <a:rPr lang="de-DE" dirty="0" err="1"/>
+              <a:t>stride</a:t>
+            </a:r>
+            <a:r>
+              <a:rPr lang="de-DE" dirty="0"/>
+              <a:t>, </a:t>
+            </a:r>
+            <a:r>
+              <a:rPr lang="de-DE" dirty="0" err="1"/>
+              <a:t>padding</a:t>
+            </a:r>
+            <a:r>
+              <a:rPr lang="de-DE" dirty="0"/>
+              <a:t> </a:t>
+            </a:r>
+            <a:r>
+              <a:rPr lang="de-DE" dirty="0" err="1"/>
+              <a:t>restruction</a:t>
+            </a:r>
+            <a:endParaRPr lang="en-US" dirty="0"/>
+          </a:p>
+        </p:txBody>
+      </p:sp>
+      <p:sp>
+        <p:nvSpPr>
+          <p:cNvPr id="4" name="Slide Number Placeholder 3"/>
+          <p:cNvSpPr>
+            <a:spLocks noGrp="1"/>
+          </p:cNvSpPr>
+          <p:nvPr>
+            <p:ph type="sldNum" sz="quarter" idx="5"/>
+          </p:nvPr>
+        </p:nvSpPr>
+        <p:spPr/>
+        <p:txBody>
+          <a:bodyPr/>
+          <a:lstStyle/>
+          <a:p>
+            <a:fld id="{6D172734-61C0-4E94-B507-0920723C809C}" type="slidenum">
+              <a:rPr lang="en-US" smtClean="0"/>
+              <a:t>9</a:t>
+            </a:fld>
+            <a:endParaRPr lang="en-US"/>
+          </a:p>
+        </p:txBody>
+      </p:sp>
+    </p:spTree>
+    <p:extLst>
+      <p:ext uri="{BB962C8B-B14F-4D97-AF65-F5344CB8AC3E}">
+        <p14:creationId xmlns:p14="http://schemas.microsoft.com/office/powerpoint/2010/main" val="3785136268"/>
+      </p:ext>
+    </p:extLst>
+  </p:cSld>
+  <p:clrMapOvr>
+    <a:masterClrMapping/>
+  </p:clrMapOvr>
+</p:notes>
 </file>
 
 <file path=ppt/slideLayouts/slideLayout1.xml><?xml version="1.0" encoding="utf-8"?>
@@ -4028,6 +7932,180 @@
           <a:lstStyle/>
           <a:p>
             <a:r>
+              <a:rPr lang="de-DE" dirty="0" err="1"/>
+              <a:t>Conclusion</a:t>
+            </a:r>
+            <a:endParaRPr lang="en-US" dirty="0"/>
+          </a:p>
+        </p:txBody>
+      </p:sp>
+      <p:sp>
+        <p:nvSpPr>
+          <p:cNvPr id="3" name="Content Placeholder 2">
+            <a:extLst>
+              <a:ext uri="{FF2B5EF4-FFF2-40B4-BE49-F238E27FC236}">
+                <a16:creationId xmlns:a16="http://schemas.microsoft.com/office/drawing/2014/main" id="{AAA6737D-88F2-417D-86D8-44F3687C5F16}"/>
+              </a:ext>
+            </a:extLst>
+          </p:cNvPr>
+          <p:cNvSpPr>
+            <a:spLocks noGrp="1"/>
+          </p:cNvSpPr>
+          <p:nvPr>
+            <p:ph idx="1"/>
+          </p:nvPr>
+        </p:nvSpPr>
+        <p:spPr/>
+        <p:txBody>
+          <a:bodyPr/>
+          <a:lstStyle/>
+          <a:p>
+            <a:pPr marL="0" indent="0">
+              <a:buNone/>
+            </a:pPr>
+            <a:endParaRPr lang="en-US" dirty="0"/>
+          </a:p>
+        </p:txBody>
+      </p:sp>
+    </p:spTree>
+    <p:extLst>
+      <p:ext uri="{BB962C8B-B14F-4D97-AF65-F5344CB8AC3E}">
+        <p14:creationId xmlns:p14="http://schemas.microsoft.com/office/powerpoint/2010/main" val="1341937478"/>
+      </p:ext>
+    </p:extLst>
+  </p:cSld>
+  <p:clrMapOvr>
+    <a:masterClrMapping/>
+  </p:clrMapOvr>
+</p:sld>
+</file>
+
+<file path=ppt/slides/slide11.xml><?xml version="1.0" encoding="utf-8"?>
+<p:sld xmlns:a="http://schemas.openxmlformats.org/drawingml/2006/main" xmlns:r="http://schemas.openxmlformats.org/officeDocument/2006/relationships" xmlns:p="http://schemas.openxmlformats.org/presentationml/2006/main">
+  <p:cSld>
+    <p:spTree>
+      <p:nvGrpSpPr>
+        <p:cNvPr id="1" name=""/>
+        <p:cNvGrpSpPr/>
+        <p:nvPr/>
+      </p:nvGrpSpPr>
+      <p:grpSpPr>
+        <a:xfrm>
+          <a:off x="0" y="0"/>
+          <a:ext cx="0" cy="0"/>
+          <a:chOff x="0" y="0"/>
+          <a:chExt cx="0" cy="0"/>
+        </a:xfrm>
+      </p:grpSpPr>
+      <p:sp>
+        <p:nvSpPr>
+          <p:cNvPr id="2" name="Title 1">
+            <a:extLst>
+              <a:ext uri="{FF2B5EF4-FFF2-40B4-BE49-F238E27FC236}">
+                <a16:creationId xmlns:a16="http://schemas.microsoft.com/office/drawing/2014/main" id="{C9367E9B-E787-46FF-BA60-42CE9D071DEA}"/>
+              </a:ext>
+            </a:extLst>
+          </p:cNvPr>
+          <p:cNvSpPr>
+            <a:spLocks noGrp="1"/>
+          </p:cNvSpPr>
+          <p:nvPr>
+            <p:ph type="title"/>
+          </p:nvPr>
+        </p:nvSpPr>
+        <p:spPr/>
+        <p:txBody>
+          <a:bodyPr/>
+          <a:lstStyle/>
+          <a:p>
+            <a:r>
+              <a:rPr lang="de-DE" dirty="0" err="1"/>
+              <a:t>Bibliography</a:t>
+            </a:r>
+            <a:endParaRPr lang="en-US" dirty="0"/>
+          </a:p>
+        </p:txBody>
+      </p:sp>
+      <p:sp>
+        <p:nvSpPr>
+          <p:cNvPr id="3" name="Content Placeholder 2">
+            <a:extLst>
+              <a:ext uri="{FF2B5EF4-FFF2-40B4-BE49-F238E27FC236}">
+                <a16:creationId xmlns:a16="http://schemas.microsoft.com/office/drawing/2014/main" id="{AAA6737D-88F2-417D-86D8-44F3687C5F16}"/>
+              </a:ext>
+            </a:extLst>
+          </p:cNvPr>
+          <p:cNvSpPr>
+            <a:spLocks noGrp="1"/>
+          </p:cNvSpPr>
+          <p:nvPr>
+            <p:ph idx="1"/>
+          </p:nvPr>
+        </p:nvSpPr>
+        <p:spPr/>
+        <p:txBody>
+          <a:bodyPr/>
+          <a:lstStyle/>
+          <a:p>
+            <a:pPr marL="0" indent="0">
+              <a:buNone/>
+            </a:pPr>
+            <a:endParaRPr lang="en-US" dirty="0"/>
+          </a:p>
+        </p:txBody>
+      </p:sp>
+    </p:spTree>
+    <p:extLst>
+      <p:ext uri="{BB962C8B-B14F-4D97-AF65-F5344CB8AC3E}">
+        <p14:creationId xmlns:p14="http://schemas.microsoft.com/office/powerpoint/2010/main" val="3390127214"/>
+      </p:ext>
+    </p:extLst>
+  </p:cSld>
+  <p:clrMapOvr>
+    <a:masterClrMapping/>
+  </p:clrMapOvr>
+</p:sld>
+</file>
+
+<file path=ppt/slides/slide12.xml><?xml version="1.0" encoding="utf-8"?>
+<p:sld xmlns:a="http://schemas.openxmlformats.org/drawingml/2006/main" xmlns:r="http://schemas.openxmlformats.org/officeDocument/2006/relationships" xmlns:p="http://schemas.openxmlformats.org/presentationml/2006/main">
+  <p:cSld>
+    <p:spTree>
+      <p:nvGrpSpPr>
+        <p:cNvPr id="1" name=""/>
+        <p:cNvGrpSpPr/>
+        <p:nvPr/>
+      </p:nvGrpSpPr>
+      <p:grpSpPr>
+        <a:xfrm>
+          <a:off x="0" y="0"/>
+          <a:ext cx="0" cy="0"/>
+          <a:chOff x="0" y="0"/>
+          <a:chExt cx="0" cy="0"/>
+        </a:xfrm>
+      </p:grpSpPr>
+      <p:sp>
+        <p:nvSpPr>
+          <p:cNvPr id="2" name="Title 1">
+            <a:extLst>
+              <a:ext uri="{FF2B5EF4-FFF2-40B4-BE49-F238E27FC236}">
+                <a16:creationId xmlns:a16="http://schemas.microsoft.com/office/drawing/2014/main" id="{C9367E9B-E787-46FF-BA60-42CE9D071DEA}"/>
+              </a:ext>
+            </a:extLst>
+          </p:cNvPr>
+          <p:cNvSpPr>
+            <a:spLocks noGrp="1"/>
+          </p:cNvSpPr>
+          <p:nvPr>
+            <p:ph type="title"/>
+          </p:nvPr>
+        </p:nvSpPr>
+        <p:spPr/>
+        <p:txBody>
+          <a:bodyPr/>
+          <a:lstStyle/>
+          <a:p>
+            <a:r>
               <a:rPr lang="de-DE" dirty="0"/>
               <a:t>TODO</a:t>
             </a:r>
@@ -4688,9 +8766,6 @@
           <a:bodyPr/>
           <a:lstStyle/>
           <a:p>
-            <a:pPr marL="0" indent="0">
-              <a:buNone/>
-            </a:pPr>
             <a:endParaRPr lang="en-US" dirty="0"/>
           </a:p>
         </p:txBody>
@@ -4748,44 +8823,86 @@
           <a:p>
             <a:r>
               <a:rPr lang="de-DE" dirty="0"/>
-              <a:t>Experiments</a:t>
+              <a:t>Training-time </a:t>
+            </a:r>
+            <a:r>
+              <a:rPr lang="de-DE" dirty="0" err="1"/>
+              <a:t>model</a:t>
             </a:r>
             <a:endParaRPr lang="en-US" dirty="0"/>
           </a:p>
         </p:txBody>
       </p:sp>
-      <p:sp>
-        <p:nvSpPr>
-          <p:cNvPr id="3" name="Content Placeholder 2">
+      <p:pic>
+        <p:nvPicPr>
+          <p:cNvPr id="6" name="Picture 5">
             <a:extLst>
               <a:ext uri="{FF2B5EF4-FFF2-40B4-BE49-F238E27FC236}">
-                <a16:creationId xmlns:a16="http://schemas.microsoft.com/office/drawing/2014/main" id="{AAA6737D-88F2-417D-86D8-44F3687C5F16}"/>
+                <a16:creationId xmlns:a16="http://schemas.microsoft.com/office/drawing/2014/main" id="{9CD44295-5F79-488D-8C2C-36F9360BCC6F}"/>
               </a:ext>
             </a:extLst>
           </p:cNvPr>
-          <p:cNvSpPr>
-            <a:spLocks noGrp="1"/>
-          </p:cNvSpPr>
-          <p:nvPr>
-            <p:ph idx="1"/>
-          </p:nvPr>
-        </p:nvSpPr>
-        <p:spPr/>
-        <p:txBody>
-          <a:bodyPr/>
+          <p:cNvPicPr>
+            <a:picLocks noChangeAspect="1"/>
+          </p:cNvPicPr>
+          <p:nvPr/>
+        </p:nvPicPr>
+        <p:blipFill>
+          <a:blip r:embed="rId3"/>
+          <a:stretch>
+            <a:fillRect/>
+          </a:stretch>
+        </p:blipFill>
+        <p:spPr>
+          <a:xfrm>
+            <a:off x="838200" y="1546289"/>
+            <a:ext cx="4261268" cy="4946586"/>
+          </a:xfrm>
+          <a:prstGeom prst="rect">
+            <a:avLst/>
+          </a:prstGeom>
+        </p:spPr>
+      </p:pic>
+      <p:sp>
+        <p:nvSpPr>
+          <p:cNvPr id="9" name="TextBox 8">
+            <a:extLst>
+              <a:ext uri="{FF2B5EF4-FFF2-40B4-BE49-F238E27FC236}">
+                <a16:creationId xmlns:a16="http://schemas.microsoft.com/office/drawing/2014/main" id="{CC1DF9B3-5F81-47CF-A705-9384D033D780}"/>
+              </a:ext>
+            </a:extLst>
+          </p:cNvPr>
+          <p:cNvSpPr txBox="1"/>
+          <p:nvPr/>
+        </p:nvSpPr>
+        <p:spPr>
+          <a:xfrm>
+            <a:off x="5632864" y="1885494"/>
+            <a:ext cx="2593769" cy="523220"/>
+          </a:xfrm>
+          <a:prstGeom prst="rect">
+            <a:avLst/>
+          </a:prstGeom>
+          <a:noFill/>
+        </p:spPr>
+        <p:txBody>
+          <a:bodyPr wrap="square" rtlCol="0">
+            <a:spAutoFit/>
+          </a:bodyPr>
           <a:lstStyle/>
           <a:p>
-            <a:pPr marL="0" indent="0">
-              <a:buNone/>
-            </a:pPr>
-            <a:endParaRPr lang="en-US" dirty="0"/>
+            <a:r>
+              <a:rPr lang="de-DE" sz="2800" i="1" dirty="0"/>
+              <a:t>y = x + g(x) + f(x)</a:t>
+            </a:r>
+            <a:endParaRPr lang="en-US" sz="2800" i="1" dirty="0"/>
           </a:p>
         </p:txBody>
       </p:sp>
     </p:spTree>
     <p:extLst>
       <p:ext uri="{BB962C8B-B14F-4D97-AF65-F5344CB8AC3E}">
-        <p14:creationId xmlns:p14="http://schemas.microsoft.com/office/powerpoint/2010/main" val="329221388"/>
+        <p14:creationId xmlns:p14="http://schemas.microsoft.com/office/powerpoint/2010/main" val="1103598980"/>
       </p:ext>
     </p:extLst>
   </p:cSld>
@@ -4834,49 +8951,175 @@
           <a:lstStyle/>
           <a:p>
             <a:r>
-              <a:rPr lang="de-DE" dirty="0"/>
-              <a:t>Evaluation</a:t>
+              <a:rPr lang="de-DE" dirty="0" err="1"/>
+              <a:t>Structural</a:t>
+            </a:r>
+            <a:r>
+              <a:rPr lang="de-DE" dirty="0"/>
+              <a:t> </a:t>
+            </a:r>
+            <a:r>
+              <a:rPr lang="de-DE" dirty="0" err="1"/>
+              <a:t>re-parameterization</a:t>
             </a:r>
             <a:endParaRPr lang="en-US" dirty="0"/>
           </a:p>
         </p:txBody>
       </p:sp>
-      <p:sp>
-        <p:nvSpPr>
-          <p:cNvPr id="3" name="Content Placeholder 2">
+      <p:pic>
+        <p:nvPicPr>
+          <p:cNvPr id="15" name="Picture 14">
             <a:extLst>
               <a:ext uri="{FF2B5EF4-FFF2-40B4-BE49-F238E27FC236}">
-                <a16:creationId xmlns:a16="http://schemas.microsoft.com/office/drawing/2014/main" id="{AAA6737D-88F2-417D-86D8-44F3687C5F16}"/>
+                <a16:creationId xmlns:a16="http://schemas.microsoft.com/office/drawing/2014/main" id="{1D74E3E6-C18E-4E97-9FD0-2FCB43FB4CF4}"/>
               </a:ext>
             </a:extLst>
           </p:cNvPr>
-          <p:cNvSpPr>
-            <a:spLocks noGrp="1"/>
-          </p:cNvSpPr>
-          <p:nvPr>
-            <p:ph idx="1"/>
-          </p:nvPr>
-        </p:nvSpPr>
-        <p:spPr/>
-        <p:txBody>
-          <a:bodyPr/>
-          <a:lstStyle/>
-          <a:p>
-            <a:pPr marL="0" indent="0">
-              <a:buNone/>
-            </a:pPr>
-            <a:r>
-              <a:rPr lang="de-DE"/>
-              <a:t>Konkurrenzpaper?</a:t>
-            </a:r>
-            <a:endParaRPr lang="en-US" dirty="0"/>
-          </a:p>
-        </p:txBody>
-      </p:sp>
+          <p:cNvPicPr>
+            <a:picLocks noChangeAspect="1"/>
+          </p:cNvPicPr>
+          <p:nvPr/>
+        </p:nvPicPr>
+        <p:blipFill>
+          <a:blip r:embed="rId3"/>
+          <a:stretch>
+            <a:fillRect/>
+          </a:stretch>
+        </p:blipFill>
+        <p:spPr>
+          <a:xfrm>
+            <a:off x="5099468" y="1546527"/>
+            <a:ext cx="5474833" cy="1146179"/>
+          </a:xfrm>
+          <a:prstGeom prst="rect">
+            <a:avLst/>
+          </a:prstGeom>
+        </p:spPr>
+      </p:pic>
+      <p:pic>
+        <p:nvPicPr>
+          <p:cNvPr id="16" name="Picture 15">
+            <a:extLst>
+              <a:ext uri="{FF2B5EF4-FFF2-40B4-BE49-F238E27FC236}">
+                <a16:creationId xmlns:a16="http://schemas.microsoft.com/office/drawing/2014/main" id="{BC986FB5-0D5E-4D60-88EC-5F1D86D02082}"/>
+              </a:ext>
+            </a:extLst>
+          </p:cNvPr>
+          <p:cNvPicPr>
+            <a:picLocks noChangeAspect="1"/>
+          </p:cNvPicPr>
+          <p:nvPr/>
+        </p:nvPicPr>
+        <p:blipFill>
+          <a:blip r:embed="rId4"/>
+          <a:stretch>
+            <a:fillRect/>
+          </a:stretch>
+        </p:blipFill>
+        <p:spPr>
+          <a:xfrm>
+            <a:off x="5362621" y="2854438"/>
+            <a:ext cx="5211680" cy="504918"/>
+          </a:xfrm>
+          <a:prstGeom prst="rect">
+            <a:avLst/>
+          </a:prstGeom>
+        </p:spPr>
+      </p:pic>
+      <p:pic>
+        <p:nvPicPr>
+          <p:cNvPr id="17" name="Picture 16">
+            <a:extLst>
+              <a:ext uri="{FF2B5EF4-FFF2-40B4-BE49-F238E27FC236}">
+                <a16:creationId xmlns:a16="http://schemas.microsoft.com/office/drawing/2014/main" id="{45A1C66A-815F-46C7-BC92-C29CB5F3656B}"/>
+              </a:ext>
+            </a:extLst>
+          </p:cNvPr>
+          <p:cNvPicPr>
+            <a:picLocks noChangeAspect="1"/>
+          </p:cNvPicPr>
+          <p:nvPr/>
+        </p:nvPicPr>
+        <p:blipFill>
+          <a:blip r:embed="rId5"/>
+          <a:stretch>
+            <a:fillRect/>
+          </a:stretch>
+        </p:blipFill>
+        <p:spPr>
+          <a:xfrm>
+            <a:off x="4943336" y="3521088"/>
+            <a:ext cx="5630965" cy="526728"/>
+          </a:xfrm>
+          <a:prstGeom prst="rect">
+            <a:avLst/>
+          </a:prstGeom>
+        </p:spPr>
+      </p:pic>
+      <p:pic>
+        <p:nvPicPr>
+          <p:cNvPr id="18" name="Picture 17">
+            <a:extLst>
+              <a:ext uri="{FF2B5EF4-FFF2-40B4-BE49-F238E27FC236}">
+                <a16:creationId xmlns:a16="http://schemas.microsoft.com/office/drawing/2014/main" id="{3095B1BB-619C-4A76-95F9-1D09C583B5C7}"/>
+              </a:ext>
+            </a:extLst>
+          </p:cNvPr>
+          <p:cNvPicPr>
+            <a:picLocks noChangeAspect="1"/>
+          </p:cNvPicPr>
+          <p:nvPr/>
+        </p:nvPicPr>
+        <p:blipFill>
+          <a:blip r:embed="rId6"/>
+          <a:stretch>
+            <a:fillRect/>
+          </a:stretch>
+        </p:blipFill>
+        <p:spPr>
+          <a:xfrm>
+            <a:off x="4969485" y="4213034"/>
+            <a:ext cx="5604816" cy="299589"/>
+          </a:xfrm>
+          <a:prstGeom prst="rect">
+            <a:avLst/>
+          </a:prstGeom>
+        </p:spPr>
+      </p:pic>
+      <p:pic>
+        <p:nvPicPr>
+          <p:cNvPr id="19" name="Picture 18">
+            <a:extLst>
+              <a:ext uri="{FF2B5EF4-FFF2-40B4-BE49-F238E27FC236}">
+                <a16:creationId xmlns:a16="http://schemas.microsoft.com/office/drawing/2014/main" id="{AC0B1CE8-A8D9-47DD-8EBB-285DC445240E}"/>
+              </a:ext>
+            </a:extLst>
+          </p:cNvPr>
+          <p:cNvPicPr>
+            <a:picLocks noChangeAspect="1"/>
+          </p:cNvPicPr>
+          <p:nvPr/>
+        </p:nvPicPr>
+        <p:blipFill>
+          <a:blip r:embed="rId7"/>
+          <a:stretch>
+            <a:fillRect/>
+          </a:stretch>
+        </p:blipFill>
+        <p:spPr>
+          <a:xfrm>
+            <a:off x="838200" y="1546289"/>
+            <a:ext cx="4261268" cy="4946586"/>
+          </a:xfrm>
+          <a:prstGeom prst="rect">
+            <a:avLst/>
+          </a:prstGeom>
+        </p:spPr>
+      </p:pic>
     </p:spTree>
     <p:extLst>
       <p:ext uri="{BB962C8B-B14F-4D97-AF65-F5344CB8AC3E}">
-        <p14:creationId xmlns:p14="http://schemas.microsoft.com/office/powerpoint/2010/main" val="1077807689"/>
+        <p14:creationId xmlns:p14="http://schemas.microsoft.com/office/powerpoint/2010/main" val="1315252500"/>
       </p:ext>
     </p:extLst>
   </p:cSld>
@@ -4926,44 +9169,48 @@
           <a:p>
             <a:r>
               <a:rPr lang="de-DE" dirty="0" err="1"/>
-              <a:t>Conclusion</a:t>
+              <a:t>Architectures</a:t>
             </a:r>
             <a:endParaRPr lang="en-US" dirty="0"/>
           </a:p>
         </p:txBody>
       </p:sp>
-      <p:sp>
-        <p:nvSpPr>
-          <p:cNvPr id="3" name="Content Placeholder 2">
+      <p:pic>
+        <p:nvPicPr>
+          <p:cNvPr id="4" name="Content Placeholder 3">
             <a:extLst>
               <a:ext uri="{FF2B5EF4-FFF2-40B4-BE49-F238E27FC236}">
-                <a16:creationId xmlns:a16="http://schemas.microsoft.com/office/drawing/2014/main" id="{AAA6737D-88F2-417D-86D8-44F3687C5F16}"/>
+                <a16:creationId xmlns:a16="http://schemas.microsoft.com/office/drawing/2014/main" id="{E0686373-A4EB-42EA-BD05-960E5A2C1297}"/>
               </a:ext>
             </a:extLst>
           </p:cNvPr>
-          <p:cNvSpPr>
-            <a:spLocks noGrp="1"/>
-          </p:cNvSpPr>
+          <p:cNvPicPr>
+            <a:picLocks noGrp="1" noChangeAspect="1"/>
+          </p:cNvPicPr>
           <p:nvPr>
             <p:ph idx="1"/>
           </p:nvPr>
-        </p:nvSpPr>
-        <p:spPr/>
-        <p:txBody>
-          <a:bodyPr/>
-          <a:lstStyle/>
-          <a:p>
-            <a:pPr marL="0" indent="0">
-              <a:buNone/>
-            </a:pPr>
-            <a:endParaRPr lang="en-US" dirty="0"/>
-          </a:p>
-        </p:txBody>
-      </p:sp>
+        </p:nvPicPr>
+        <p:blipFill>
+          <a:blip r:embed="rId3"/>
+          <a:stretch>
+            <a:fillRect/>
+          </a:stretch>
+        </p:blipFill>
+        <p:spPr>
+          <a:xfrm>
+            <a:off x="838200" y="1866698"/>
+            <a:ext cx="7520713" cy="3124603"/>
+          </a:xfrm>
+          <a:prstGeom prst="rect">
+            <a:avLst/>
+          </a:prstGeom>
+        </p:spPr>
+      </p:pic>
     </p:spTree>
     <p:extLst>
       <p:ext uri="{BB962C8B-B14F-4D97-AF65-F5344CB8AC3E}">
-        <p14:creationId xmlns:p14="http://schemas.microsoft.com/office/powerpoint/2010/main" val="1341937478"/>
+        <p14:creationId xmlns:p14="http://schemas.microsoft.com/office/powerpoint/2010/main" val="329221388"/>
       </p:ext>
     </p:extLst>
   </p:cSld>
@@ -5012,8 +9259,8 @@
           <a:lstStyle/>
           <a:p>
             <a:r>
-              <a:rPr lang="de-DE" dirty="0" err="1"/>
-              <a:t>Bibliography</a:t>
+              <a:rPr lang="de-DE" dirty="0"/>
+              <a:t>Evaluation</a:t>
             </a:r>
             <a:endParaRPr lang="en-US" dirty="0"/>
           </a:p>
@@ -5043,6 +9290,10 @@
             <a:pPr marL="0" indent="0">
               <a:buNone/>
             </a:pPr>
+            <a:r>
+              <a:rPr lang="de-DE" dirty="0"/>
+              <a:t>Konkurrenzpaper?</a:t>
+            </a:r>
             <a:endParaRPr lang="en-US" dirty="0"/>
           </a:p>
         </p:txBody>
@@ -5050,7 +9301,7 @@
     </p:spTree>
     <p:extLst>
       <p:ext uri="{BB962C8B-B14F-4D97-AF65-F5344CB8AC3E}">
-        <p14:creationId xmlns:p14="http://schemas.microsoft.com/office/powerpoint/2010/main" val="3390127214"/>
+        <p14:creationId xmlns:p14="http://schemas.microsoft.com/office/powerpoint/2010/main" val="1077807689"/>
       </p:ext>
     </p:extLst>
   </p:cSld>
@@ -5353,4 +9604,299 @@
     </a:ext>
   </a:extLst>
 </a:theme>
+</file>
+
+<file path=ppt/theme/theme2.xml><?xml version="1.0" encoding="utf-8"?>
+<a:theme xmlns:a="http://schemas.openxmlformats.org/drawingml/2006/main" name="Office Theme">
+  <a:themeElements>
+    <a:clrScheme name="Office">
+      <a:dk1>
+        <a:sysClr val="windowText" lastClr="000000"/>
+      </a:dk1>
+      <a:lt1>
+        <a:sysClr val="window" lastClr="FFFFFF"/>
+      </a:lt1>
+      <a:dk2>
+        <a:srgbClr val="44546A"/>
+      </a:dk2>
+      <a:lt2>
+        <a:srgbClr val="E7E6E6"/>
+      </a:lt2>
+      <a:accent1>
+        <a:srgbClr val="4472C4"/>
+      </a:accent1>
+      <a:accent2>
+        <a:srgbClr val="ED7D31"/>
+      </a:accent2>
+      <a:accent3>
+        <a:srgbClr val="A5A5A5"/>
+      </a:accent3>
+      <a:accent4>
+        <a:srgbClr val="FFC000"/>
+      </a:accent4>
+      <a:accent5>
+        <a:srgbClr val="5B9BD5"/>
+      </a:accent5>
+      <a:accent6>
+        <a:srgbClr val="70AD47"/>
+      </a:accent6>
+      <a:hlink>
+        <a:srgbClr val="0563C1"/>
+      </a:hlink>
+      <a:folHlink>
+        <a:srgbClr val="954F72"/>
+      </a:folHlink>
+    </a:clrScheme>
+    <a:fontScheme name="Office">
+      <a:majorFont>
+        <a:latin typeface="Calibri Light" panose="020F0302020204030204"/>
+        <a:ea typeface=""/>
+        <a:cs typeface=""/>
+        <a:font script="Jpan" typeface="游ゴシック Light"/>
+        <a:font script="Hang" typeface="맑은 고딕"/>
+        <a:font script="Hans" typeface="等线 Light"/>
+        <a:font script="Hant" typeface="新細明體"/>
+        <a:font script="Arab" typeface="Times New Roman"/>
+        <a:font script="Hebr" typeface="Times New Roman"/>
+        <a:font script="Thai" typeface="Angsana New"/>
+        <a:font script="Ethi" typeface="Nyala"/>
+        <a:font script="Beng" typeface="Vrinda"/>
+        <a:font script="Gujr" typeface="Shruti"/>
+        <a:font script="Khmr" typeface="MoolBoran"/>
+        <a:font script="Knda" typeface="Tunga"/>
+        <a:font script="Guru" typeface="Raavi"/>
+        <a:font script="Cans" typeface="Euphemia"/>
+        <a:font script="Cher" typeface="Plantagenet Cherokee"/>
+        <a:font script="Yiii" typeface="Microsoft Yi Baiti"/>
+        <a:font script="Tibt" typeface="Microsoft Himalaya"/>
+        <a:font script="Thaa" typeface="MV Boli"/>
+        <a:font script="Deva" typeface="Mangal"/>
+        <a:font script="Telu" typeface="Gautami"/>
+        <a:font script="Taml" typeface="Latha"/>
+        <a:font script="Syrc" typeface="Estrangelo Edessa"/>
+        <a:font script="Orya" typeface="Kalinga"/>
+        <a:font script="Mlym" typeface="Kartika"/>
+        <a:font script="Laoo" typeface="DokChampa"/>
+        <a:font script="Sinh" typeface="Iskoola Pota"/>
+        <a:font script="Mong" typeface="Mongolian Baiti"/>
+        <a:font script="Viet" typeface="Times New Roman"/>
+        <a:font script="Uigh" typeface="Microsoft Uighur"/>
+        <a:font script="Geor" typeface="Sylfaen"/>
+        <a:font script="Armn" typeface="Arial"/>
+        <a:font script="Bugi" typeface="Leelawadee UI"/>
+        <a:font script="Bopo" typeface="Microsoft JhengHei"/>
+        <a:font script="Java" typeface="Javanese Text"/>
+        <a:font script="Lisu" typeface="Segoe UI"/>
+        <a:font script="Mymr" typeface="Myanmar Text"/>
+        <a:font script="Nkoo" typeface="Ebrima"/>
+        <a:font script="Olck" typeface="Nirmala UI"/>
+        <a:font script="Osma" typeface="Ebrima"/>
+        <a:font script="Phag" typeface="Phagspa"/>
+        <a:font script="Syrn" typeface="Estrangelo Edessa"/>
+        <a:font script="Syrj" typeface="Estrangelo Edessa"/>
+        <a:font script="Syre" typeface="Estrangelo Edessa"/>
+        <a:font script="Sora" typeface="Nirmala UI"/>
+        <a:font script="Tale" typeface="Microsoft Tai Le"/>
+        <a:font script="Talu" typeface="Microsoft New Tai Lue"/>
+        <a:font script="Tfng" typeface="Ebrima"/>
+      </a:majorFont>
+      <a:minorFont>
+        <a:latin typeface="Calibri" panose="020F0502020204030204"/>
+        <a:ea typeface=""/>
+        <a:cs typeface=""/>
+        <a:font script="Jpan" typeface="游ゴシック"/>
+        <a:font script="Hang" typeface="맑은 고딕"/>
+        <a:font script="Hans" typeface="等线"/>
+        <a:font script="Hant" typeface="新細明體"/>
+        <a:font script="Arab" typeface="Arial"/>
+        <a:font script="Hebr" typeface="Arial"/>
+        <a:font script="Thai" typeface="Cordia New"/>
+        <a:font script="Ethi" typeface="Nyala"/>
+        <a:font script="Beng" typeface="Vrinda"/>
+        <a:font script="Gujr" typeface="Shruti"/>
+        <a:font script="Khmr" typeface="DaunPenh"/>
+        <a:font script="Knda" typeface="Tunga"/>
+        <a:font script="Guru" typeface="Raavi"/>
+        <a:font script="Cans" typeface="Euphemia"/>
+        <a:font script="Cher" typeface="Plantagenet Cherokee"/>
+        <a:font script="Yiii" typeface="Microsoft Yi Baiti"/>
+        <a:font script="Tibt" typeface="Microsoft Himalaya"/>
+        <a:font script="Thaa" typeface="MV Boli"/>
+        <a:font script="Deva" typeface="Mangal"/>
+        <a:font script="Telu" typeface="Gautami"/>
+        <a:font script="Taml" typeface="Latha"/>
+        <a:font script="Syrc" typeface="Estrangelo Edessa"/>
+        <a:font script="Orya" typeface="Kalinga"/>
+        <a:font script="Mlym" typeface="Kartika"/>
+        <a:font script="Laoo" typeface="DokChampa"/>
+        <a:font script="Sinh" typeface="Iskoola Pota"/>
+        <a:font script="Mong" typeface="Mongolian Baiti"/>
+        <a:font script="Viet" typeface="Arial"/>
+        <a:font script="Uigh" typeface="Microsoft Uighur"/>
+        <a:font script="Geor" typeface="Sylfaen"/>
+        <a:font script="Armn" typeface="Arial"/>
+        <a:font script="Bugi" typeface="Leelawadee UI"/>
+        <a:font script="Bopo" typeface="Microsoft JhengHei"/>
+        <a:font script="Java" typeface="Javanese Text"/>
+        <a:font script="Lisu" typeface="Segoe UI"/>
+        <a:font script="Mymr" typeface="Myanmar Text"/>
+        <a:font script="Nkoo" typeface="Ebrima"/>
+        <a:font script="Olck" typeface="Nirmala UI"/>
+        <a:font script="Osma" typeface="Ebrima"/>
+        <a:font script="Phag" typeface="Phagspa"/>
+        <a:font script="Syrn" typeface="Estrangelo Edessa"/>
+        <a:font script="Syrj" typeface="Estrangelo Edessa"/>
+        <a:font script="Syre" typeface="Estrangelo Edessa"/>
+        <a:font script="Sora" typeface="Nirmala UI"/>
+        <a:font script="Tale" typeface="Microsoft Tai Le"/>
+        <a:font script="Talu" typeface="Microsoft New Tai Lue"/>
+        <a:font script="Tfng" typeface="Ebrima"/>
+      </a:minorFont>
+    </a:fontScheme>
+    <a:fmtScheme name="Office">
+      <a:fillStyleLst>
+        <a:solidFill>
+          <a:schemeClr val="phClr"/>
+        </a:solidFill>
+        <a:gradFill rotWithShape="1">
+          <a:gsLst>
+            <a:gs pos="0">
+              <a:schemeClr val="phClr">
+                <a:lumMod val="110000"/>
+                <a:satMod val="105000"/>
+                <a:tint val="67000"/>
+              </a:schemeClr>
+            </a:gs>
+            <a:gs pos="50000">
+              <a:schemeClr val="phClr">
+                <a:lumMod val="105000"/>
+                <a:satMod val="103000"/>
+                <a:tint val="73000"/>
+              </a:schemeClr>
+            </a:gs>
+            <a:gs pos="100000">
+              <a:schemeClr val="phClr">
+                <a:lumMod val="105000"/>
+                <a:satMod val="109000"/>
+                <a:tint val="81000"/>
+              </a:schemeClr>
+            </a:gs>
+          </a:gsLst>
+          <a:lin ang="5400000" scaled="0"/>
+        </a:gradFill>
+        <a:gradFill rotWithShape="1">
+          <a:gsLst>
+            <a:gs pos="0">
+              <a:schemeClr val="phClr">
+                <a:satMod val="103000"/>
+                <a:lumMod val="102000"/>
+                <a:tint val="94000"/>
+              </a:schemeClr>
+            </a:gs>
+            <a:gs pos="50000">
+              <a:schemeClr val="phClr">
+                <a:satMod val="110000"/>
+                <a:lumMod val="100000"/>
+                <a:shade val="100000"/>
+              </a:schemeClr>
+            </a:gs>
+            <a:gs pos="100000">
+              <a:schemeClr val="phClr">
+                <a:lumMod val="99000"/>
+                <a:satMod val="120000"/>
+                <a:shade val="78000"/>
+              </a:schemeClr>
+            </a:gs>
+          </a:gsLst>
+          <a:lin ang="5400000" scaled="0"/>
+        </a:gradFill>
+      </a:fillStyleLst>
+      <a:lnStyleLst>
+        <a:ln w="6350" cap="flat" cmpd="sng" algn="ctr">
+          <a:solidFill>
+            <a:schemeClr val="phClr"/>
+          </a:solidFill>
+          <a:prstDash val="solid"/>
+          <a:miter lim="800000"/>
+        </a:ln>
+        <a:ln w="12700" cap="flat" cmpd="sng" algn="ctr">
+          <a:solidFill>
+            <a:schemeClr val="phClr"/>
+          </a:solidFill>
+          <a:prstDash val="solid"/>
+          <a:miter lim="800000"/>
+        </a:ln>
+        <a:ln w="19050" cap="flat" cmpd="sng" algn="ctr">
+          <a:solidFill>
+            <a:schemeClr val="phClr"/>
+          </a:solidFill>
+          <a:prstDash val="solid"/>
+          <a:miter lim="800000"/>
+        </a:ln>
+      </a:lnStyleLst>
+      <a:effectStyleLst>
+        <a:effectStyle>
+          <a:effectLst/>
+        </a:effectStyle>
+        <a:effectStyle>
+          <a:effectLst/>
+        </a:effectStyle>
+        <a:effectStyle>
+          <a:effectLst>
+            <a:outerShdw blurRad="57150" dist="19050" dir="5400000" algn="ctr" rotWithShape="0">
+              <a:srgbClr val="000000">
+                <a:alpha val="63000"/>
+              </a:srgbClr>
+            </a:outerShdw>
+          </a:effectLst>
+        </a:effectStyle>
+      </a:effectStyleLst>
+      <a:bgFillStyleLst>
+        <a:solidFill>
+          <a:schemeClr val="phClr"/>
+        </a:solidFill>
+        <a:solidFill>
+          <a:schemeClr val="phClr">
+            <a:tint val="95000"/>
+            <a:satMod val="170000"/>
+          </a:schemeClr>
+        </a:solidFill>
+        <a:gradFill rotWithShape="1">
+          <a:gsLst>
+            <a:gs pos="0">
+              <a:schemeClr val="phClr">
+                <a:tint val="93000"/>
+                <a:satMod val="150000"/>
+                <a:shade val="98000"/>
+                <a:lumMod val="102000"/>
+              </a:schemeClr>
+            </a:gs>
+            <a:gs pos="50000">
+              <a:schemeClr val="phClr">
+                <a:tint val="98000"/>
+                <a:satMod val="130000"/>
+                <a:shade val="90000"/>
+                <a:lumMod val="103000"/>
+              </a:schemeClr>
+            </a:gs>
+            <a:gs pos="100000">
+              <a:schemeClr val="phClr">
+                <a:shade val="63000"/>
+                <a:satMod val="120000"/>
+              </a:schemeClr>
+            </a:gs>
+          </a:gsLst>
+          <a:lin ang="5400000" scaled="0"/>
+        </a:gradFill>
+      </a:bgFillStyleLst>
+    </a:fmtScheme>
+  </a:themeElements>
+  <a:objectDefaults/>
+  <a:extraClrSchemeLst/>
+  <a:extLst>
+    <a:ext uri="{05A4C25C-085E-4340-85A3-A5531E510DB2}">
+      <thm15:themeFamily xmlns:thm15="http://schemas.microsoft.com/office/thememl/2012/main" name="Office Theme" id="{62F939B6-93AF-4DB8-9C6B-D6C7DFDC589F}" vid="{4A3C46E8-61CC-4603-A589-7422A47A8E4A}"/>
+    </a:ext>
+  </a:extLst>
+</a:theme>
 </file>
--- a/presentation/presentation.pptx
+++ b/presentation/presentation.pptx
@@ -5,7 +5,7 @@
     <p:sldMasterId id="2147483648" r:id="rId1"/>
   </p:sldMasterIdLst>
   <p:notesMasterIdLst>
-    <p:notesMasterId r:id="rId14"/>
+    <p:notesMasterId r:id="rId16"/>
   </p:notesMasterIdLst>
   <p:sldIdLst>
     <p:sldId id="256" r:id="rId2"/>
@@ -16,10 +16,12 @@
     <p:sldId id="266" r:id="rId7"/>
     <p:sldId id="267" r:id="rId8"/>
     <p:sldId id="263" r:id="rId9"/>
-    <p:sldId id="264" r:id="rId10"/>
-    <p:sldId id="265" r:id="rId11"/>
-    <p:sldId id="259" r:id="rId12"/>
-    <p:sldId id="258" r:id="rId13"/>
+    <p:sldId id="268" r:id="rId10"/>
+    <p:sldId id="269" r:id="rId11"/>
+    <p:sldId id="264" r:id="rId12"/>
+    <p:sldId id="265" r:id="rId13"/>
+    <p:sldId id="259" r:id="rId14"/>
+    <p:sldId id="258" r:id="rId15"/>
   </p:sldIdLst>
   <p:sldSz cx="12192000" cy="6858000"/>
   <p:notesSz cx="6858000" cy="9144000"/>
@@ -3917,8 +3919,481 @@
               <a:buChar char="•"/>
             </a:pPr>
             <a:r>
-              <a:rPr lang="de-DE" dirty="0"/>
-              <a:t>Also </a:t>
+              <a:rPr lang="de-DE" dirty="0" err="1"/>
+              <a:t>RepVGG</a:t>
+            </a:r>
+            <a:r>
+              <a:rPr lang="de-DE" dirty="0"/>
+              <a:t> </a:t>
+            </a:r>
+            <a:r>
+              <a:rPr lang="de-DE" dirty="0" err="1"/>
+              <a:t>models</a:t>
+            </a:r>
+            <a:r>
+              <a:rPr lang="de-DE" dirty="0"/>
+              <a:t> </a:t>
+            </a:r>
+            <a:r>
+              <a:rPr lang="de-DE" dirty="0" err="1"/>
+              <a:t>with</a:t>
+            </a:r>
+            <a:r>
+              <a:rPr lang="de-DE" dirty="0"/>
+              <a:t> </a:t>
+            </a:r>
+            <a:r>
+              <a:rPr lang="de-DE" dirty="0" err="1"/>
+              <a:t>interleaved</a:t>
+            </a:r>
+            <a:r>
+              <a:rPr lang="de-DE" dirty="0"/>
+              <a:t> </a:t>
+            </a:r>
+            <a:r>
+              <a:rPr lang="de-DE" dirty="0" err="1"/>
+              <a:t>groupwise</a:t>
+            </a:r>
+            <a:r>
+              <a:rPr lang="de-DE" dirty="0"/>
+              <a:t> </a:t>
+            </a:r>
+            <a:r>
+              <a:rPr lang="de-DE" dirty="0" err="1"/>
+              <a:t>layers</a:t>
+            </a:r>
+            <a:r>
+              <a:rPr lang="de-DE" dirty="0"/>
+              <a:t>: </a:t>
+            </a:r>
+            <a:r>
+              <a:rPr lang="de-DE" dirty="0" err="1"/>
+              <a:t>postfix</a:t>
+            </a:r>
+            <a:r>
+              <a:rPr lang="de-DE" dirty="0"/>
+              <a:t> g2/g4</a:t>
+            </a:r>
+          </a:p>
+          <a:p>
+            <a:pPr marL="171450" indent="-171450">
+              <a:buFont typeface="Arial" panose="020B0604020202020204" pitchFamily="34" charset="0"/>
+              <a:buChar char="•"/>
+            </a:pPr>
+            <a:r>
+              <a:rPr lang="de-DE" dirty="0"/>
+              <a:t>Training </a:t>
+            </a:r>
+            <a:r>
+              <a:rPr lang="de-DE" dirty="0" err="1"/>
+              <a:t>the</a:t>
+            </a:r>
+            <a:r>
+              <a:rPr lang="de-DE" dirty="0"/>
+              <a:t> </a:t>
+            </a:r>
+            <a:r>
+              <a:rPr lang="de-DE" dirty="0" err="1"/>
+              <a:t>leight</a:t>
+            </a:r>
+            <a:r>
+              <a:rPr lang="de-DE" dirty="0"/>
+              <a:t>/</a:t>
+            </a:r>
+            <a:r>
+              <a:rPr lang="de-DE" dirty="0" err="1"/>
+              <a:t>middleweight</a:t>
+            </a:r>
+            <a:r>
+              <a:rPr lang="de-DE" dirty="0"/>
+              <a:t> </a:t>
+            </a:r>
+            <a:r>
+              <a:rPr lang="de-DE" dirty="0" err="1"/>
+              <a:t>models</a:t>
+            </a:r>
+            <a:r>
+              <a:rPr lang="de-DE" dirty="0"/>
+              <a:t>: </a:t>
+            </a:r>
+            <a:r>
+              <a:rPr lang="de-DE" dirty="0" err="1"/>
+              <a:t>random</a:t>
+            </a:r>
+            <a:r>
+              <a:rPr lang="de-DE" dirty="0"/>
+              <a:t> </a:t>
+            </a:r>
+            <a:r>
+              <a:rPr lang="de-DE" dirty="0" err="1"/>
+              <a:t>cropping</a:t>
+            </a:r>
+            <a:r>
+              <a:rPr lang="de-DE" dirty="0"/>
+              <a:t>, </a:t>
+            </a:r>
+            <a:r>
+              <a:rPr lang="de-DE" dirty="0" err="1"/>
+              <a:t>left-right</a:t>
+            </a:r>
+            <a:r>
+              <a:rPr lang="de-DE" dirty="0"/>
+              <a:t> </a:t>
+            </a:r>
+            <a:r>
+              <a:rPr lang="de-DE" dirty="0" err="1"/>
+              <a:t>flipping</a:t>
+            </a:r>
+            <a:r>
+              <a:rPr lang="de-DE" dirty="0"/>
+              <a:t>, B=256, 8 GPUs, </a:t>
+            </a:r>
+            <a:r>
+              <a:rPr lang="de-DE" dirty="0" err="1"/>
+              <a:t>lr</a:t>
+            </a:r>
+            <a:r>
+              <a:rPr lang="de-DE" dirty="0"/>
+              <a:t>=0.2, </a:t>
+            </a:r>
+            <a:r>
+              <a:rPr lang="de-DE" dirty="0" err="1"/>
+              <a:t>cosine</a:t>
+            </a:r>
+            <a:r>
+              <a:rPr lang="de-DE" dirty="0"/>
+              <a:t> </a:t>
+            </a:r>
+            <a:r>
+              <a:rPr lang="de-DE" dirty="0" err="1"/>
+              <a:t>annealing</a:t>
+            </a:r>
+            <a:r>
+              <a:rPr lang="de-DE" dirty="0"/>
+              <a:t>=120, SGD, </a:t>
+            </a:r>
+            <a:r>
+              <a:rPr lang="de-DE" dirty="0" err="1"/>
+              <a:t>momemtum</a:t>
+            </a:r>
+            <a:r>
+              <a:rPr lang="de-DE" dirty="0"/>
+              <a:t>=0.9, </a:t>
+            </a:r>
+            <a:r>
+              <a:rPr lang="de-DE" dirty="0" err="1"/>
+              <a:t>weight</a:t>
+            </a:r>
+            <a:r>
+              <a:rPr lang="de-DE" dirty="0"/>
+              <a:t> </a:t>
+            </a:r>
+            <a:r>
+              <a:rPr lang="de-DE" dirty="0" err="1"/>
+              <a:t>decay</a:t>
+            </a:r>
+            <a:r>
+              <a:rPr lang="de-DE" dirty="0"/>
+              <a:t>^=10^-4</a:t>
+            </a:r>
+          </a:p>
+          <a:p>
+            <a:pPr marL="171450" indent="-171450">
+              <a:buFont typeface="Arial" panose="020B0604020202020204" pitchFamily="34" charset="0"/>
+              <a:buChar char="•"/>
+            </a:pPr>
+            <a:r>
+              <a:rPr lang="de-DE" dirty="0"/>
+              <a:t>Training </a:t>
+            </a:r>
+            <a:r>
+              <a:rPr lang="de-DE" dirty="0" err="1"/>
+              <a:t>the</a:t>
+            </a:r>
+            <a:r>
+              <a:rPr lang="de-DE" dirty="0"/>
+              <a:t> </a:t>
+            </a:r>
+            <a:r>
+              <a:rPr lang="de-DE" dirty="0" err="1"/>
+              <a:t>heavyweight</a:t>
+            </a:r>
+            <a:r>
+              <a:rPr lang="de-DE" dirty="0"/>
+              <a:t> </a:t>
+            </a:r>
+            <a:r>
+              <a:rPr lang="de-DE" dirty="0" err="1"/>
+              <a:t>models</a:t>
+            </a:r>
+            <a:r>
+              <a:rPr lang="de-DE" dirty="0"/>
+              <a:t>: 5-epoch </a:t>
+            </a:r>
+            <a:r>
+              <a:rPr lang="de-DE" dirty="0" err="1"/>
+              <a:t>warmup</a:t>
+            </a:r>
+            <a:r>
+              <a:rPr lang="de-DE" dirty="0"/>
+              <a:t>, </a:t>
+            </a:r>
+            <a:r>
+              <a:rPr lang="de-DE" dirty="0" err="1"/>
+              <a:t>cosine-annealing</a:t>
+            </a:r>
+            <a:r>
+              <a:rPr lang="de-DE" dirty="0"/>
+              <a:t>: 200, </a:t>
+            </a:r>
+            <a:r>
+              <a:rPr lang="de-DE" dirty="0" err="1"/>
+              <a:t>label</a:t>
+            </a:r>
+            <a:r>
+              <a:rPr lang="de-DE" dirty="0"/>
+              <a:t> </a:t>
+            </a:r>
+            <a:r>
+              <a:rPr lang="de-DE" dirty="0" err="1"/>
+              <a:t>smoothing</a:t>
+            </a:r>
+            <a:r>
+              <a:rPr lang="de-DE" dirty="0"/>
+              <a:t>, </a:t>
+            </a:r>
+            <a:r>
+              <a:rPr lang="de-DE" dirty="0" err="1"/>
+              <a:t>mixup</a:t>
+            </a:r>
+            <a:r>
+              <a:rPr lang="de-DE" dirty="0"/>
+              <a:t>, </a:t>
+            </a:r>
+            <a:r>
+              <a:rPr lang="de-DE" dirty="0" err="1"/>
+              <a:t>radnom</a:t>
+            </a:r>
+            <a:r>
+              <a:rPr lang="de-DE" dirty="0"/>
+              <a:t> </a:t>
+            </a:r>
+            <a:r>
+              <a:rPr lang="de-DE" dirty="0" err="1"/>
+              <a:t>cropping</a:t>
+            </a:r>
+            <a:r>
+              <a:rPr lang="de-DE" dirty="0"/>
+              <a:t>, </a:t>
+            </a:r>
+            <a:r>
+              <a:rPr lang="de-DE" dirty="0" err="1"/>
+              <a:t>flipping</a:t>
+            </a:r>
+            <a:r>
+              <a:rPr lang="de-DE" dirty="0"/>
+              <a:t>, </a:t>
+            </a:r>
+            <a:r>
+              <a:rPr lang="de-DE" dirty="0" err="1"/>
+              <a:t>data</a:t>
+            </a:r>
+            <a:r>
+              <a:rPr lang="de-DE" dirty="0"/>
+              <a:t> </a:t>
+            </a:r>
+            <a:r>
+              <a:rPr lang="de-DE" dirty="0" err="1"/>
+              <a:t>augmentation</a:t>
+            </a:r>
+            <a:r>
+              <a:rPr lang="de-DE" dirty="0"/>
+              <a:t> </a:t>
+            </a:r>
+            <a:r>
+              <a:rPr lang="de-DE" dirty="0" err="1"/>
+              <a:t>pipeline</a:t>
+            </a:r>
+            <a:endParaRPr lang="en-US" dirty="0"/>
+          </a:p>
+          <a:p>
+            <a:pPr marL="171450" indent="-171450">
+              <a:buFont typeface="Arial" panose="020B0604020202020204" pitchFamily="34" charset="0"/>
+              <a:buChar char="•"/>
+            </a:pPr>
+            <a:r>
+              <a:rPr lang="en-US" dirty="0"/>
+              <a:t>All conv-BN sequences of the baselines are also converted into a conv with bias</a:t>
+            </a:r>
+          </a:p>
+          <a:p>
+            <a:pPr marL="171450" indent="-171450">
+              <a:buFont typeface="Arial" panose="020B0604020202020204" pitchFamily="34" charset="0"/>
+              <a:buChar char="•"/>
+            </a:pPr>
+            <a:endParaRPr lang="de-DE" dirty="0"/>
+          </a:p>
+          <a:p>
+            <a:pPr marL="171450" marR="0" lvl="0" indent="-171450" algn="l" defTabSz="914400" rtl="0" eaLnBrk="1" fontAlgn="auto" latinLnBrk="0" hangingPunct="1">
+              <a:lnSpc>
+                <a:spcPct val="100000"/>
+              </a:lnSpc>
+              <a:spcBef>
+                <a:spcPts val="0"/>
+              </a:spcBef>
+              <a:spcAft>
+                <a:spcPts val="0"/>
+              </a:spcAft>
+              <a:buClrTx/>
+              <a:buSzTx/>
+              <a:buFont typeface="Arial" panose="020B0604020202020204" pitchFamily="34" charset="0"/>
+              <a:buChar char="•"/>
+              <a:tabLst/>
+              <a:defRPr/>
+            </a:pPr>
+            <a:r>
+              <a:rPr lang="de-DE" dirty="0" err="1"/>
+              <a:t>Comparison</a:t>
+            </a:r>
+            <a:r>
+              <a:rPr lang="de-DE" dirty="0"/>
+              <a:t> </a:t>
+            </a:r>
+            <a:r>
+              <a:rPr lang="de-DE" dirty="0" err="1"/>
+              <a:t>against</a:t>
+            </a:r>
+            <a:r>
+              <a:rPr lang="de-DE" dirty="0"/>
+              <a:t> EfficientNet-B0/B3 (</a:t>
+            </a:r>
+            <a:r>
+              <a:rPr lang="de-DE" dirty="0" err="1"/>
+              <a:t>middleweight</a:t>
+            </a:r>
+            <a:r>
+              <a:rPr lang="de-DE" dirty="0"/>
+              <a:t>) and RegNet-3.2GF/12GF (</a:t>
+            </a:r>
+            <a:r>
+              <a:rPr lang="de-DE" dirty="0" err="1"/>
+              <a:t>heavyweight</a:t>
+            </a:r>
+            <a:r>
+              <a:rPr lang="de-DE" dirty="0"/>
+              <a:t>)</a:t>
+            </a:r>
+          </a:p>
+          <a:p>
+            <a:pPr marL="171450" indent="-171450">
+              <a:buFont typeface="Arial" panose="020B0604020202020204" pitchFamily="34" charset="0"/>
+              <a:buChar char="•"/>
+            </a:pPr>
+            <a:r>
+              <a:rPr lang="de-DE" dirty="0" err="1"/>
+              <a:t>Impressive</a:t>
+            </a:r>
+            <a:r>
+              <a:rPr lang="de-DE" dirty="0"/>
+              <a:t> </a:t>
+            </a:r>
+            <a:r>
+              <a:rPr lang="de-DE" dirty="0" err="1"/>
+              <a:t>improvements</a:t>
+            </a:r>
+            <a:r>
+              <a:rPr lang="de-DE" dirty="0"/>
+              <a:t> in </a:t>
+            </a:r>
+            <a:r>
+              <a:rPr lang="de-DE" dirty="0" err="1"/>
+              <a:t>speed</a:t>
+            </a:r>
+            <a:r>
+              <a:rPr lang="de-DE" dirty="0"/>
+              <a:t> (RepVGG-B1 g4 </a:t>
+            </a:r>
+            <a:r>
+              <a:rPr lang="de-DE" dirty="0" err="1"/>
+              <a:t>is</a:t>
+            </a:r>
+            <a:r>
+              <a:rPr lang="de-DE" dirty="0"/>
+              <a:t> 101% </a:t>
+            </a:r>
+            <a:r>
+              <a:rPr lang="de-DE" dirty="0" err="1"/>
+              <a:t>faster</a:t>
+            </a:r>
+            <a:r>
+              <a:rPr lang="de-DE" dirty="0"/>
+              <a:t> </a:t>
+            </a:r>
+            <a:r>
+              <a:rPr lang="de-DE" dirty="0" err="1"/>
+              <a:t>than</a:t>
+            </a:r>
+            <a:r>
+              <a:rPr lang="de-DE" dirty="0"/>
+              <a:t> ResNet-101, RepVGG-B1g2 </a:t>
+            </a:r>
+            <a:r>
+              <a:rPr lang="de-DE" dirty="0" err="1"/>
+              <a:t>is</a:t>
+            </a:r>
+            <a:r>
+              <a:rPr lang="de-DE" dirty="0"/>
+              <a:t> 2.66 </a:t>
+            </a:r>
+            <a:r>
+              <a:rPr lang="de-DE" dirty="0" err="1"/>
+              <a:t>times</a:t>
+            </a:r>
+            <a:r>
+              <a:rPr lang="de-DE" dirty="0"/>
+              <a:t> </a:t>
+            </a:r>
+            <a:r>
+              <a:rPr lang="de-DE" dirty="0" err="1"/>
+              <a:t>faster</a:t>
+            </a:r>
+            <a:r>
+              <a:rPr lang="de-DE" dirty="0"/>
+              <a:t> </a:t>
+            </a:r>
+            <a:r>
+              <a:rPr lang="de-DE" dirty="0" err="1"/>
+              <a:t>than</a:t>
+            </a:r>
+            <a:r>
+              <a:rPr lang="de-DE" dirty="0"/>
+              <a:t> ResNet-152)</a:t>
+            </a:r>
+          </a:p>
+          <a:p>
+            <a:pPr marL="171450" indent="-171450">
+              <a:buFont typeface="Arial" panose="020B0604020202020204" pitchFamily="34" charset="0"/>
+              <a:buChar char="•"/>
+            </a:pPr>
+            <a:r>
+              <a:rPr lang="de-DE" dirty="0"/>
+              <a:t>More </a:t>
+            </a:r>
+            <a:r>
+              <a:rPr lang="de-DE" dirty="0" err="1"/>
+              <a:t>parameter</a:t>
+            </a:r>
+            <a:r>
+              <a:rPr lang="de-DE" dirty="0"/>
+              <a:t> </a:t>
+            </a:r>
+            <a:r>
+              <a:rPr lang="de-DE" dirty="0" err="1"/>
+              <a:t>efficient</a:t>
+            </a:r>
+            <a:r>
+              <a:rPr lang="de-DE" dirty="0"/>
+              <a:t>: RepVGG-B2 </a:t>
             </a:r>
             <a:r>
               <a:rPr lang="de-DE" dirty="0" err="1"/>
@@ -3930,23 +4405,118 @@
             </a:r>
             <a:r>
               <a:rPr lang="de-DE" dirty="0" err="1"/>
-              <a:t>restrictions</a:t>
-            </a:r>
-            <a:r>
-              <a:rPr lang="de-DE" dirty="0"/>
-              <a:t>: </a:t>
-            </a:r>
-            <a:r>
-              <a:rPr lang="de-DE" dirty="0" err="1"/>
               <a:t>only</a:t>
             </a:r>
             <a:r>
               <a:rPr lang="de-DE" dirty="0"/>
-              <a:t> 3x3 </a:t>
-            </a:r>
-            <a:r>
-              <a:rPr lang="de-DE" dirty="0" err="1"/>
-              <a:t>conv</a:t>
+              <a:t> 58% </a:t>
+            </a:r>
+            <a:r>
+              <a:rPr lang="de-DE" dirty="0" err="1"/>
+              <a:t>parameters</a:t>
+            </a:r>
+            <a:r>
+              <a:rPr lang="de-DE" dirty="0"/>
+              <a:t> </a:t>
+            </a:r>
+            <a:r>
+              <a:rPr lang="de-DE" dirty="0" err="1"/>
+              <a:t>compared</a:t>
+            </a:r>
+            <a:r>
+              <a:rPr lang="de-DE" dirty="0"/>
+              <a:t> </a:t>
+            </a:r>
+            <a:r>
+              <a:rPr lang="de-DE" dirty="0" err="1"/>
+              <a:t>to</a:t>
+            </a:r>
+            <a:r>
+              <a:rPr lang="de-DE" dirty="0"/>
+              <a:t> VGG-16, 10% </a:t>
+            </a:r>
+            <a:r>
+              <a:rPr lang="de-DE" dirty="0" err="1"/>
+              <a:t>faster</a:t>
+            </a:r>
+            <a:r>
+              <a:rPr lang="de-DE" dirty="0"/>
+              <a:t>, 6.57% </a:t>
+            </a:r>
+            <a:r>
+              <a:rPr lang="de-DE" dirty="0" err="1"/>
+              <a:t>higher</a:t>
+            </a:r>
+            <a:r>
+              <a:rPr lang="de-DE" dirty="0"/>
+              <a:t> </a:t>
+            </a:r>
+            <a:r>
+              <a:rPr lang="de-DE" dirty="0" err="1"/>
+              <a:t>accuracy</a:t>
+            </a:r>
+            <a:endParaRPr lang="de-DE" dirty="0"/>
+          </a:p>
+          <a:p>
+            <a:pPr marL="171450" indent="-171450">
+              <a:buFont typeface="Arial" panose="020B0604020202020204" pitchFamily="34" charset="0"/>
+              <a:buChar char="•"/>
+            </a:pPr>
+            <a:r>
+              <a:rPr lang="de-DE" dirty="0"/>
+              <a:t>Can </a:t>
+            </a:r>
+            <a:r>
+              <a:rPr lang="de-DE" dirty="0" err="1"/>
+              <a:t>even</a:t>
+            </a:r>
+            <a:r>
+              <a:rPr lang="de-DE" dirty="0"/>
+              <a:t> hold </a:t>
+            </a:r>
+            <a:r>
+              <a:rPr lang="de-DE" dirty="0" err="1"/>
+              <a:t>up</a:t>
+            </a:r>
+            <a:r>
+              <a:rPr lang="de-DE" dirty="0"/>
+              <a:t> </a:t>
+            </a:r>
+            <a:r>
+              <a:rPr lang="de-DE" dirty="0" err="1"/>
+              <a:t>with</a:t>
+            </a:r>
+            <a:r>
+              <a:rPr lang="de-DE" dirty="0"/>
+              <a:t> RegNetX-3.2GF! (</a:t>
+            </a:r>
+            <a:r>
+              <a:rPr lang="de-DE" dirty="0" err="1"/>
+              <a:t>without</a:t>
+            </a:r>
+            <a:r>
+              <a:rPr lang="de-DE" dirty="0"/>
+              <a:t> </a:t>
+            </a:r>
+            <a:r>
+              <a:rPr lang="de-DE" dirty="0" err="1"/>
+              <a:t>designing</a:t>
+            </a:r>
+            <a:r>
+              <a:rPr lang="de-DE" dirty="0"/>
+              <a:t> </a:t>
+            </a:r>
+            <a:r>
+              <a:rPr lang="de-DE" dirty="0" err="1"/>
+              <a:t>network</a:t>
+            </a:r>
+            <a:r>
+              <a:rPr lang="de-DE" dirty="0"/>
+              <a:t> design </a:t>
+            </a:r>
+            <a:r>
+              <a:rPr lang="de-DE" dirty="0" err="1"/>
+              <a:t>spaces</a:t>
             </a:r>
             <a:r>
               <a:rPr lang="de-DE" dirty="0"/>
@@ -3954,33 +4524,159 @@
             </a:r>
             <a:r>
               <a:rPr lang="de-DE" dirty="0" err="1"/>
-              <a:t>equal</a:t>
-            </a:r>
-            <a:r>
-              <a:rPr lang="de-DE" dirty="0"/>
-              <a:t> </a:t>
-            </a:r>
-            <a:r>
-              <a:rPr lang="de-DE" dirty="0" err="1"/>
-              <a:t>stride</a:t>
-            </a:r>
-            <a:r>
-              <a:rPr lang="de-DE" dirty="0"/>
-              <a:t>, </a:t>
-            </a:r>
-            <a:r>
-              <a:rPr lang="de-DE" dirty="0" err="1"/>
-              <a:t>padding</a:t>
-            </a:r>
-            <a:r>
-              <a:rPr lang="de-DE" dirty="0"/>
-              <a:t> </a:t>
-            </a:r>
-            <a:r>
-              <a:rPr lang="de-DE" dirty="0" err="1"/>
-              <a:t>restruction</a:t>
-            </a:r>
-            <a:endParaRPr lang="en-US" dirty="0"/>
+              <a:t>architectural</a:t>
+            </a:r>
+            <a:r>
+              <a:rPr lang="de-DE" dirty="0"/>
+              <a:t> hyper-parameters </a:t>
+            </a:r>
+            <a:r>
+              <a:rPr lang="de-DE" dirty="0" err="1"/>
+              <a:t>are</a:t>
+            </a:r>
+            <a:r>
+              <a:rPr lang="de-DE" dirty="0"/>
+              <a:t> </a:t>
+            </a:r>
+            <a:r>
+              <a:rPr lang="de-DE" dirty="0" err="1"/>
+              <a:t>set</a:t>
+            </a:r>
+            <a:r>
+              <a:rPr lang="de-DE" dirty="0"/>
+              <a:t> </a:t>
+            </a:r>
+            <a:r>
+              <a:rPr lang="de-DE" dirty="0" err="1"/>
+              <a:t>casually</a:t>
+            </a:r>
+            <a:r>
+              <a:rPr lang="de-DE" dirty="0"/>
+              <a:t>)</a:t>
+            </a:r>
+          </a:p>
+          <a:p>
+            <a:pPr marL="171450" indent="-171450">
+              <a:buFont typeface="Arial" panose="020B0604020202020204" pitchFamily="34" charset="0"/>
+              <a:buChar char="•"/>
+            </a:pPr>
+            <a:r>
+              <a:rPr lang="de-DE" dirty="0"/>
+              <a:t>Over 80% </a:t>
+            </a:r>
+            <a:r>
+              <a:rPr lang="de-DE" dirty="0" err="1"/>
+              <a:t>accuracy</a:t>
+            </a:r>
+            <a:r>
+              <a:rPr lang="de-DE" dirty="0"/>
+              <a:t> </a:t>
+            </a:r>
+            <a:r>
+              <a:rPr lang="de-DE" dirty="0" err="1"/>
+              <a:t>with</a:t>
+            </a:r>
+            <a:r>
+              <a:rPr lang="de-DE" dirty="0"/>
+              <a:t> </a:t>
+            </a:r>
+            <a:r>
+              <a:rPr lang="de-DE" dirty="0" err="1"/>
+              <a:t>plain</a:t>
+            </a:r>
+            <a:r>
+              <a:rPr lang="de-DE" dirty="0"/>
+              <a:t> </a:t>
+            </a:r>
+            <a:r>
+              <a:rPr lang="de-DE" dirty="0" err="1"/>
+              <a:t>models</a:t>
+            </a:r>
+            <a:r>
+              <a:rPr lang="de-DE" dirty="0"/>
+              <a:t> </a:t>
+            </a:r>
+            <a:r>
+              <a:rPr lang="de-DE" dirty="0" err="1"/>
+              <a:t>reached</a:t>
+            </a:r>
+            <a:r>
+              <a:rPr lang="de-DE" dirty="0"/>
+              <a:t> (</a:t>
+            </a:r>
+            <a:r>
+              <a:rPr lang="de-DE" dirty="0" err="1"/>
+              <a:t>for</a:t>
+            </a:r>
+            <a:r>
+              <a:rPr lang="de-DE" dirty="0"/>
+              <a:t> </a:t>
+            </a:r>
+            <a:r>
+              <a:rPr lang="de-DE" dirty="0" err="1"/>
+              <a:t>the</a:t>
+            </a:r>
+            <a:r>
+              <a:rPr lang="de-DE" dirty="0"/>
+              <a:t> </a:t>
+            </a:r>
+            <a:r>
+              <a:rPr lang="de-DE" dirty="0" err="1"/>
+              <a:t>first</a:t>
+            </a:r>
+            <a:r>
+              <a:rPr lang="de-DE" dirty="0"/>
+              <a:t> time)</a:t>
+            </a:r>
+          </a:p>
+          <a:p>
+            <a:pPr marL="171450" indent="-171450">
+              <a:buFont typeface="Arial" panose="020B0604020202020204" pitchFamily="34" charset="0"/>
+              <a:buChar char="•"/>
+            </a:pPr>
+            <a:r>
+              <a:rPr lang="de-DE" dirty="0"/>
+              <a:t>FLOPS </a:t>
+            </a:r>
+            <a:r>
+              <a:rPr lang="de-DE" dirty="0" err="1"/>
+              <a:t>vs</a:t>
+            </a:r>
+            <a:r>
+              <a:rPr lang="de-DE" dirty="0"/>
+              <a:t> </a:t>
+            </a:r>
+            <a:r>
+              <a:rPr lang="de-DE" dirty="0" err="1"/>
+              <a:t>Winograd</a:t>
+            </a:r>
+            <a:r>
+              <a:rPr lang="de-DE" dirty="0"/>
+              <a:t> MULTs: VGG-16 </a:t>
+            </a:r>
+            <a:r>
+              <a:rPr lang="de-DE" dirty="0" err="1"/>
+              <a:t>vs</a:t>
+            </a:r>
+            <a:r>
+              <a:rPr lang="de-DE" dirty="0"/>
+              <a:t> ResNet-152 -&gt; Proofs </a:t>
+            </a:r>
+            <a:r>
+              <a:rPr lang="de-DE" dirty="0" err="1"/>
+              <a:t>thesis</a:t>
+            </a:r>
+            <a:r>
+              <a:rPr lang="de-DE" dirty="0"/>
+              <a:t>!</a:t>
+            </a:r>
+          </a:p>
+          <a:p>
+            <a:pPr marL="171450" indent="-171450">
+              <a:buFont typeface="Arial" panose="020B0604020202020204" pitchFamily="34" charset="0"/>
+              <a:buChar char="•"/>
+            </a:pPr>
+            <a:endParaRPr lang="de-DE" dirty="0"/>
           </a:p>
         </p:txBody>
       </p:sp>
@@ -4002,6 +4698,795 @@
             <a:fld id="{6D172734-61C0-4E94-B507-0920723C809C}" type="slidenum">
               <a:rPr lang="en-US" smtClean="0"/>
               <a:t>9</a:t>
+            </a:fld>
+            <a:endParaRPr lang="en-US"/>
+          </a:p>
+        </p:txBody>
+      </p:sp>
+    </p:spTree>
+    <p:extLst>
+      <p:ext uri="{BB962C8B-B14F-4D97-AF65-F5344CB8AC3E}">
+        <p14:creationId xmlns:p14="http://schemas.microsoft.com/office/powerpoint/2010/main" val="1639330881"/>
+      </p:ext>
+    </p:extLst>
+  </p:cSld>
+  <p:clrMapOvr>
+    <a:masterClrMapping/>
+  </p:clrMapOvr>
+</p:notes>
+</file>
+
+<file path=ppt/notesSlides/notesSlide6.xml><?xml version="1.0" encoding="utf-8"?>
+<p:notes xmlns:a="http://schemas.openxmlformats.org/drawingml/2006/main" xmlns:r="http://schemas.openxmlformats.org/officeDocument/2006/relationships" xmlns:p="http://schemas.openxmlformats.org/presentationml/2006/main">
+  <p:cSld>
+    <p:spTree>
+      <p:nvGrpSpPr>
+        <p:cNvPr id="1" name=""/>
+        <p:cNvGrpSpPr/>
+        <p:nvPr/>
+      </p:nvGrpSpPr>
+      <p:grpSpPr>
+        <a:xfrm>
+          <a:off x="0" y="0"/>
+          <a:ext cx="0" cy="0"/>
+          <a:chOff x="0" y="0"/>
+          <a:chExt cx="0" cy="0"/>
+        </a:xfrm>
+      </p:grpSpPr>
+      <p:sp>
+        <p:nvSpPr>
+          <p:cNvPr id="2" name="Slide Image Placeholder 1"/>
+          <p:cNvSpPr>
+            <a:spLocks noGrp="1" noRot="1" noChangeAspect="1"/>
+          </p:cNvSpPr>
+          <p:nvPr>
+            <p:ph type="sldImg"/>
+          </p:nvPr>
+        </p:nvSpPr>
+        <p:spPr/>
+      </p:sp>
+      <p:sp>
+        <p:nvSpPr>
+          <p:cNvPr id="3" name="Notes Placeholder 2"/>
+          <p:cNvSpPr>
+            <a:spLocks noGrp="1"/>
+          </p:cNvSpPr>
+          <p:nvPr>
+            <p:ph type="body" idx="1"/>
+          </p:nvPr>
+        </p:nvSpPr>
+        <p:spPr/>
+        <p:txBody>
+          <a:bodyPr/>
+          <a:lstStyle/>
+          <a:p>
+            <a:pPr marL="171450" indent="-171450">
+              <a:buFont typeface="Arial" panose="020B0604020202020204" pitchFamily="34" charset="0"/>
+              <a:buChar char="•"/>
+            </a:pPr>
+            <a:r>
+              <a:rPr lang="de-DE" dirty="0" err="1"/>
+              <a:t>ReLU</a:t>
+            </a:r>
+            <a:r>
+              <a:rPr lang="de-DE" dirty="0"/>
+              <a:t> after BN and </a:t>
+            </a:r>
+            <a:r>
+              <a:rPr lang="de-DE" dirty="0" err="1"/>
+              <a:t>before</a:t>
+            </a:r>
+            <a:r>
+              <a:rPr lang="de-DE" dirty="0"/>
+              <a:t> </a:t>
+            </a:r>
+            <a:r>
+              <a:rPr lang="de-DE" dirty="0" err="1"/>
+              <a:t>addition</a:t>
+            </a:r>
+            <a:r>
+              <a:rPr lang="de-DE" dirty="0"/>
+              <a:t>: Such a block </a:t>
+            </a:r>
+            <a:r>
+              <a:rPr lang="de-DE" dirty="0" err="1"/>
+              <a:t>cannot</a:t>
+            </a:r>
+            <a:r>
+              <a:rPr lang="de-DE" dirty="0"/>
+              <a:t> </a:t>
+            </a:r>
+            <a:r>
+              <a:rPr lang="de-DE" dirty="0" err="1"/>
+              <a:t>be</a:t>
+            </a:r>
+            <a:r>
+              <a:rPr lang="de-DE" dirty="0"/>
+              <a:t> </a:t>
+            </a:r>
+            <a:r>
+              <a:rPr lang="de-DE" dirty="0" err="1"/>
+              <a:t>converted</a:t>
+            </a:r>
+            <a:r>
+              <a:rPr lang="de-DE" dirty="0"/>
+              <a:t> </a:t>
+            </a:r>
+            <a:r>
+              <a:rPr lang="de-DE" dirty="0" err="1"/>
+              <a:t>into</a:t>
+            </a:r>
+            <a:r>
+              <a:rPr lang="de-DE" dirty="0"/>
+              <a:t> a </a:t>
+            </a:r>
+            <a:r>
+              <a:rPr lang="de-DE" dirty="0" err="1"/>
+              <a:t>single</a:t>
+            </a:r>
+            <a:r>
+              <a:rPr lang="de-DE" dirty="0"/>
+              <a:t> block </a:t>
+            </a:r>
+            <a:r>
+              <a:rPr lang="de-DE" dirty="0" err="1"/>
+              <a:t>anymore</a:t>
+            </a:r>
+            <a:r>
+              <a:rPr lang="de-DE" dirty="0"/>
+              <a:t>!</a:t>
+            </a:r>
+          </a:p>
+          <a:p>
+            <a:pPr marL="171450" indent="-171450">
+              <a:buFont typeface="Arial" panose="020B0604020202020204" pitchFamily="34" charset="0"/>
+              <a:buChar char="•"/>
+            </a:pPr>
+            <a:r>
+              <a:rPr lang="de-DE" dirty="0" err="1"/>
+              <a:t>DiracNet</a:t>
+            </a:r>
+            <a:r>
+              <a:rPr lang="de-DE" dirty="0"/>
+              <a:t>: </a:t>
+            </a:r>
+            <a:r>
+              <a:rPr lang="en-US" dirty="0"/>
+              <a:t>Having a closer look one recognizes that the Dirac weight parameterization and residual networks approximately only differ in the order of non-linearities: y = sigmoid((</a:t>
+            </a:r>
+            <a:r>
+              <a:rPr lang="en-US" dirty="0" err="1"/>
+              <a:t>diag</a:t>
+            </a:r>
+            <a:r>
+              <a:rPr lang="en-US" dirty="0"/>
+              <a:t>(y)</a:t>
+            </a:r>
+            <a:r>
+              <a:rPr lang="en-US" dirty="0" err="1"/>
+              <a:t>I+diag</a:t>
+            </a:r>
+            <a:r>
+              <a:rPr lang="en-US" dirty="0"/>
+              <a:t>(b)</a:t>
+            </a:r>
+            <a:r>
+              <a:rPr lang="en-US" dirty="0" err="1"/>
+              <a:t>Wnorm</a:t>
+            </a:r>
+            <a:r>
+              <a:rPr lang="en-US" dirty="0"/>
+              <a:t>)X) === sigmoid(X + W’X) // y = X + sigmoid(WX)</a:t>
+            </a:r>
+          </a:p>
+          <a:p>
+            <a:pPr marL="171450" indent="-171450">
+              <a:buFont typeface="Arial" panose="020B0604020202020204" pitchFamily="34" charset="0"/>
+              <a:buChar char="•"/>
+            </a:pPr>
+            <a:r>
+              <a:rPr lang="en-US" dirty="0"/>
+              <a:t>Trivial Re-param: Trivial </a:t>
+            </a:r>
+            <a:r>
+              <a:rPr lang="en-US" dirty="0" err="1"/>
+              <a:t>DiracNet</a:t>
+            </a:r>
+            <a:r>
+              <a:rPr lang="en-US" dirty="0"/>
+              <a:t>: W’ = I + W</a:t>
+            </a:r>
+          </a:p>
+          <a:p>
+            <a:pPr marL="171450" indent="-171450">
+              <a:buFont typeface="Arial" panose="020B0604020202020204" pitchFamily="34" charset="0"/>
+              <a:buChar char="•"/>
+            </a:pPr>
+            <a:r>
+              <a:rPr lang="en-US" dirty="0"/>
+              <a:t>ACB: Do improvements come from component-level over-parameterization? 3x3,3x1,1x3 kernels added back together</a:t>
+            </a:r>
+          </a:p>
+          <a:p>
+            <a:pPr marL="171450" indent="-171450">
+              <a:buFont typeface="Arial" panose="020B0604020202020204" pitchFamily="34" charset="0"/>
+              <a:buChar char="•"/>
+            </a:pPr>
+            <a:endParaRPr lang="en-US" dirty="0"/>
+          </a:p>
+          <a:p>
+            <a:pPr marL="171450" indent="-171450">
+              <a:buFont typeface="Arial" panose="020B0604020202020204" pitchFamily="34" charset="0"/>
+              <a:buChar char="•"/>
+            </a:pPr>
+            <a:r>
+              <a:rPr lang="en-US" dirty="0" err="1"/>
+              <a:t>RepVGG</a:t>
+            </a:r>
+            <a:r>
+              <a:rPr lang="en-US" dirty="0"/>
+              <a:t>: concrete structure with nonlinear behavior, </a:t>
+            </a:r>
+            <a:r>
+              <a:rPr lang="en-US" dirty="0" err="1"/>
+              <a:t>DiracNet</a:t>
+            </a:r>
+            <a:r>
+              <a:rPr lang="en-US" dirty="0"/>
+              <a:t> uses another mathematical expression of conv kernels</a:t>
+            </a:r>
+          </a:p>
+          <a:p>
+            <a:pPr marL="171450" indent="-171450">
+              <a:buFont typeface="Arial" panose="020B0604020202020204" pitchFamily="34" charset="0"/>
+              <a:buChar char="•"/>
+            </a:pPr>
+            <a:r>
+              <a:rPr lang="en-US" dirty="0" err="1"/>
+              <a:t>RepVGG</a:t>
+            </a:r>
+            <a:r>
+              <a:rPr lang="en-US" dirty="0"/>
+              <a:t> does not perform well because of over parameterization (even better than ACB, which has even more parameters, ResNet-50 gives same performance with </a:t>
+            </a:r>
+            <a:r>
+              <a:rPr lang="en-US" dirty="0" err="1"/>
+              <a:t>RepVGG</a:t>
+            </a:r>
+            <a:r>
+              <a:rPr lang="en-US" dirty="0"/>
+              <a:t>-blocks) =&gt; methodology critical to train plain networks</a:t>
+            </a:r>
+          </a:p>
+          <a:p>
+            <a:pPr marL="171450" indent="-171450">
+              <a:buFont typeface="Arial" panose="020B0604020202020204" pitchFamily="34" charset="0"/>
+              <a:buChar char="•"/>
+            </a:pPr>
+            <a:r>
+              <a:rPr lang="en-US" dirty="0"/>
+              <a:t>Residual Reorg: same amount of 3x3 conv + additional shortcuts: </a:t>
+            </a:r>
+            <a:r>
+              <a:rPr lang="en-US" dirty="0" err="1"/>
+              <a:t>RegVGG</a:t>
+            </a:r>
+            <a:r>
+              <a:rPr lang="en-US" dirty="0"/>
+              <a:t> still outperforms because of more branches (bigger ensemble)</a:t>
+            </a:r>
+            <a:endParaRPr lang="de-DE" dirty="0"/>
+          </a:p>
+          <a:p>
+            <a:pPr marL="171450" indent="-171450">
+              <a:buFont typeface="Arial" panose="020B0604020202020204" pitchFamily="34" charset="0"/>
+              <a:buChar char="•"/>
+            </a:pPr>
+            <a:endParaRPr lang="de-DE" dirty="0"/>
+          </a:p>
+          <a:p>
+            <a:pPr marL="171450" indent="-171450">
+              <a:buFont typeface="Arial" panose="020B0604020202020204" pitchFamily="34" charset="0"/>
+              <a:buChar char="•"/>
+            </a:pPr>
+            <a:r>
+              <a:rPr lang="de-DE" dirty="0" err="1"/>
+              <a:t>Similar</a:t>
+            </a:r>
+            <a:r>
+              <a:rPr lang="de-DE" dirty="0"/>
+              <a:t> </a:t>
+            </a:r>
+            <a:r>
+              <a:rPr lang="de-DE" dirty="0" err="1"/>
+              <a:t>results</a:t>
+            </a:r>
+            <a:r>
+              <a:rPr lang="de-DE" dirty="0"/>
+              <a:t> in </a:t>
+            </a:r>
+            <a:r>
+              <a:rPr lang="de-DE" dirty="0" err="1"/>
+              <a:t>semantic</a:t>
+            </a:r>
+            <a:r>
+              <a:rPr lang="de-DE" dirty="0"/>
+              <a:t> </a:t>
+            </a:r>
+            <a:r>
+              <a:rPr lang="de-DE" dirty="0" err="1"/>
+              <a:t>segmentation</a:t>
+            </a:r>
+            <a:r>
+              <a:rPr lang="de-DE" dirty="0"/>
+              <a:t> on </a:t>
+            </a:r>
+            <a:r>
+              <a:rPr lang="de-DE" dirty="0" err="1"/>
+              <a:t>Cityscapes</a:t>
+            </a:r>
+            <a:r>
+              <a:rPr lang="de-DE" dirty="0"/>
+              <a:t>: minor </a:t>
+            </a:r>
+            <a:r>
+              <a:rPr lang="de-DE" dirty="0" err="1"/>
+              <a:t>accuracy</a:t>
+            </a:r>
+            <a:r>
+              <a:rPr lang="de-DE" dirty="0"/>
+              <a:t> </a:t>
+            </a:r>
+            <a:r>
+              <a:rPr lang="de-DE" dirty="0" err="1"/>
+              <a:t>increases</a:t>
+            </a:r>
+            <a:r>
+              <a:rPr lang="de-DE" dirty="0"/>
+              <a:t>, but </a:t>
+            </a:r>
+            <a:r>
+              <a:rPr lang="de-DE" dirty="0" err="1"/>
+              <a:t>much</a:t>
+            </a:r>
+            <a:r>
+              <a:rPr lang="de-DE" dirty="0"/>
+              <a:t> </a:t>
+            </a:r>
+            <a:r>
+              <a:rPr lang="de-DE" dirty="0" err="1"/>
+              <a:t>faster</a:t>
+            </a:r>
+            <a:r>
+              <a:rPr lang="de-DE" dirty="0"/>
+              <a:t> (Exchange ResNet-50/101 </a:t>
+            </a:r>
+            <a:r>
+              <a:rPr lang="de-DE" dirty="0" err="1"/>
+              <a:t>backbone</a:t>
+            </a:r>
+            <a:r>
+              <a:rPr lang="de-DE" dirty="0"/>
+              <a:t> </a:t>
+            </a:r>
+            <a:r>
+              <a:rPr lang="de-DE" dirty="0" err="1"/>
+              <a:t>with</a:t>
+            </a:r>
+            <a:r>
+              <a:rPr lang="de-DE" dirty="0"/>
+              <a:t> RepVGG-B1g2/B2)</a:t>
+            </a:r>
+            <a:endParaRPr lang="en-US" dirty="0"/>
+          </a:p>
+        </p:txBody>
+      </p:sp>
+      <p:sp>
+        <p:nvSpPr>
+          <p:cNvPr id="4" name="Slide Number Placeholder 3"/>
+          <p:cNvSpPr>
+            <a:spLocks noGrp="1"/>
+          </p:cNvSpPr>
+          <p:nvPr>
+            <p:ph type="sldNum" sz="quarter" idx="5"/>
+          </p:nvPr>
+        </p:nvSpPr>
+        <p:spPr/>
+        <p:txBody>
+          <a:bodyPr/>
+          <a:lstStyle/>
+          <a:p>
+            <a:fld id="{6D172734-61C0-4E94-B507-0920723C809C}" type="slidenum">
+              <a:rPr lang="en-US" smtClean="0"/>
+              <a:t>10</a:t>
+            </a:fld>
+            <a:endParaRPr lang="en-US"/>
+          </a:p>
+        </p:txBody>
+      </p:sp>
+    </p:spTree>
+    <p:extLst>
+      <p:ext uri="{BB962C8B-B14F-4D97-AF65-F5344CB8AC3E}">
+        <p14:creationId xmlns:p14="http://schemas.microsoft.com/office/powerpoint/2010/main" val="911763882"/>
+      </p:ext>
+    </p:extLst>
+  </p:cSld>
+  <p:clrMapOvr>
+    <a:masterClrMapping/>
+  </p:clrMapOvr>
+</p:notes>
+</file>
+
+<file path=ppt/notesSlides/notesSlide7.xml><?xml version="1.0" encoding="utf-8"?>
+<p:notes xmlns:a="http://schemas.openxmlformats.org/drawingml/2006/main" xmlns:r="http://schemas.openxmlformats.org/officeDocument/2006/relationships" xmlns:p="http://schemas.openxmlformats.org/presentationml/2006/main">
+  <p:cSld>
+    <p:spTree>
+      <p:nvGrpSpPr>
+        <p:cNvPr id="1" name=""/>
+        <p:cNvGrpSpPr/>
+        <p:nvPr/>
+      </p:nvGrpSpPr>
+      <p:grpSpPr>
+        <a:xfrm>
+          <a:off x="0" y="0"/>
+          <a:ext cx="0" cy="0"/>
+          <a:chOff x="0" y="0"/>
+          <a:chExt cx="0" cy="0"/>
+        </a:xfrm>
+      </p:grpSpPr>
+      <p:sp>
+        <p:nvSpPr>
+          <p:cNvPr id="2" name="Slide Image Placeholder 1"/>
+          <p:cNvSpPr>
+            <a:spLocks noGrp="1" noRot="1" noChangeAspect="1"/>
+          </p:cNvSpPr>
+          <p:nvPr>
+            <p:ph type="sldImg"/>
+          </p:nvPr>
+        </p:nvSpPr>
+        <p:spPr/>
+      </p:sp>
+      <p:sp>
+        <p:nvSpPr>
+          <p:cNvPr id="3" name="Notes Placeholder 2"/>
+          <p:cNvSpPr>
+            <a:spLocks noGrp="1"/>
+          </p:cNvSpPr>
+          <p:nvPr>
+            <p:ph type="body" idx="1"/>
+          </p:nvPr>
+        </p:nvSpPr>
+        <p:spPr/>
+        <p:txBody>
+          <a:bodyPr/>
+          <a:lstStyle/>
+          <a:p>
+            <a:pPr marL="171450" indent="-171450">
+              <a:buFont typeface="Arial" panose="020B0604020202020204" pitchFamily="34" charset="0"/>
+              <a:buChar char="•"/>
+            </a:pPr>
+            <a:r>
+              <a:rPr lang="de-DE" dirty="0" err="1"/>
+              <a:t>Limitations</a:t>
+            </a:r>
+            <a:r>
+              <a:rPr lang="de-DE" dirty="0"/>
+              <a:t>: </a:t>
+            </a:r>
+            <a:r>
+              <a:rPr lang="de-DE" dirty="0" err="1"/>
+              <a:t>optimized</a:t>
+            </a:r>
+            <a:r>
+              <a:rPr lang="de-DE" dirty="0"/>
+              <a:t> </a:t>
+            </a:r>
+            <a:r>
+              <a:rPr lang="de-DE" dirty="0" err="1"/>
+              <a:t>for</a:t>
+            </a:r>
+            <a:r>
+              <a:rPr lang="de-DE" dirty="0"/>
+              <a:t> GPU and </a:t>
+            </a:r>
+            <a:r>
+              <a:rPr lang="de-DE" dirty="0" err="1"/>
+              <a:t>specialized</a:t>
+            </a:r>
+            <a:r>
+              <a:rPr lang="de-DE" dirty="0"/>
+              <a:t> </a:t>
+            </a:r>
+            <a:r>
+              <a:rPr lang="de-DE" dirty="0" err="1"/>
+              <a:t>hardware</a:t>
+            </a:r>
+            <a:r>
+              <a:rPr lang="de-DE" dirty="0"/>
+              <a:t>, </a:t>
+            </a:r>
+            <a:r>
+              <a:rPr lang="de-DE" dirty="0" err="1"/>
+              <a:t>less</a:t>
+            </a:r>
+            <a:r>
+              <a:rPr lang="de-DE" dirty="0"/>
+              <a:t> </a:t>
+            </a:r>
+            <a:r>
+              <a:rPr lang="de-DE" dirty="0" err="1"/>
+              <a:t>concerning</a:t>
+            </a:r>
+            <a:r>
+              <a:rPr lang="de-DE" dirty="0"/>
+              <a:t> </a:t>
+            </a:r>
+            <a:r>
+              <a:rPr lang="de-DE" dirty="0" err="1"/>
+              <a:t>the</a:t>
+            </a:r>
+            <a:r>
+              <a:rPr lang="de-DE" dirty="0"/>
+              <a:t> </a:t>
+            </a:r>
+            <a:r>
+              <a:rPr lang="de-DE" dirty="0" err="1"/>
+              <a:t>number</a:t>
+            </a:r>
+            <a:r>
+              <a:rPr lang="de-DE" dirty="0"/>
+              <a:t> </a:t>
+            </a:r>
+            <a:r>
+              <a:rPr lang="de-DE" dirty="0" err="1"/>
+              <a:t>of</a:t>
+            </a:r>
+            <a:r>
+              <a:rPr lang="de-DE" dirty="0"/>
+              <a:t> </a:t>
+            </a:r>
+            <a:r>
+              <a:rPr lang="de-DE" dirty="0" err="1"/>
+              <a:t>parameters</a:t>
+            </a:r>
+            <a:r>
+              <a:rPr lang="de-DE" dirty="0"/>
+              <a:t>, also </a:t>
+            </a:r>
+            <a:r>
+              <a:rPr lang="de-DE" dirty="0" err="1"/>
+              <a:t>less</a:t>
+            </a:r>
+            <a:r>
+              <a:rPr lang="de-DE" dirty="0"/>
+              <a:t> </a:t>
+            </a:r>
+            <a:r>
+              <a:rPr lang="de-DE" dirty="0" err="1"/>
+              <a:t>favored</a:t>
+            </a:r>
+            <a:r>
+              <a:rPr lang="de-DE" dirty="0"/>
+              <a:t> </a:t>
+            </a:r>
+            <a:r>
+              <a:rPr lang="de-DE" dirty="0" err="1"/>
+              <a:t>then</a:t>
+            </a:r>
+            <a:r>
+              <a:rPr lang="de-DE" dirty="0"/>
+              <a:t> mobile-Regime </a:t>
+            </a:r>
+            <a:r>
+              <a:rPr lang="de-DE" dirty="0" err="1"/>
+              <a:t>MobileNets</a:t>
+            </a:r>
+            <a:r>
+              <a:rPr lang="de-DE" dirty="0"/>
+              <a:t> and </a:t>
+            </a:r>
+            <a:r>
+              <a:rPr lang="de-DE" dirty="0" err="1"/>
+              <a:t>ShuffleNets</a:t>
+            </a:r>
+            <a:r>
+              <a:rPr lang="de-DE" dirty="0"/>
+              <a:t> </a:t>
+            </a:r>
+            <a:r>
+              <a:rPr lang="de-DE" dirty="0" err="1"/>
+              <a:t>for</a:t>
+            </a:r>
+            <a:r>
+              <a:rPr lang="de-DE" dirty="0"/>
+              <a:t> </a:t>
+            </a:r>
+            <a:r>
+              <a:rPr lang="de-DE" dirty="0" err="1"/>
+              <a:t>low</a:t>
+            </a:r>
+            <a:r>
+              <a:rPr lang="de-DE" dirty="0"/>
+              <a:t>-power </a:t>
+            </a:r>
+            <a:r>
+              <a:rPr lang="de-DE" dirty="0" err="1"/>
+              <a:t>devices</a:t>
+            </a:r>
+            <a:r>
+              <a:rPr lang="de-DE" dirty="0"/>
+              <a:t>.</a:t>
+            </a:r>
+          </a:p>
+          <a:p>
+            <a:pPr marL="171450" indent="-171450">
+              <a:buFont typeface="Arial" panose="020B0604020202020204" pitchFamily="34" charset="0"/>
+              <a:buChar char="•"/>
+            </a:pPr>
+            <a:endParaRPr lang="de-DE" dirty="0"/>
+          </a:p>
+          <a:p>
+            <a:pPr marL="171450" indent="-171450">
+              <a:buFont typeface="Arial" panose="020B0604020202020204" pitchFamily="34" charset="0"/>
+              <a:buChar char="•"/>
+            </a:pPr>
+            <a:r>
+              <a:rPr lang="de-DE" dirty="0"/>
+              <a:t>Also </a:t>
+            </a:r>
+            <a:r>
+              <a:rPr lang="de-DE" dirty="0" err="1"/>
+              <a:t>has</a:t>
+            </a:r>
+            <a:r>
+              <a:rPr lang="de-DE" dirty="0"/>
+              <a:t> </a:t>
+            </a:r>
+            <a:r>
+              <a:rPr lang="de-DE" dirty="0" err="1"/>
+              <a:t>restrictions</a:t>
+            </a:r>
+            <a:r>
+              <a:rPr lang="de-DE" dirty="0"/>
+              <a:t>: </a:t>
+            </a:r>
+            <a:r>
+              <a:rPr lang="de-DE" dirty="0" err="1"/>
+              <a:t>only</a:t>
+            </a:r>
+            <a:r>
+              <a:rPr lang="de-DE" dirty="0"/>
+              <a:t> 3x3 </a:t>
+            </a:r>
+            <a:r>
+              <a:rPr lang="de-DE" dirty="0" err="1"/>
+              <a:t>conv</a:t>
+            </a:r>
+            <a:r>
+              <a:rPr lang="de-DE" dirty="0"/>
+              <a:t>, </a:t>
+            </a:r>
+            <a:r>
+              <a:rPr lang="de-DE" dirty="0" err="1"/>
+              <a:t>equal</a:t>
+            </a:r>
+            <a:r>
+              <a:rPr lang="de-DE" dirty="0"/>
+              <a:t> </a:t>
+            </a:r>
+            <a:r>
+              <a:rPr lang="de-DE" dirty="0" err="1"/>
+              <a:t>stride</a:t>
+            </a:r>
+            <a:r>
+              <a:rPr lang="de-DE" dirty="0"/>
+              <a:t>, </a:t>
+            </a:r>
+            <a:r>
+              <a:rPr lang="de-DE" dirty="0" err="1"/>
+              <a:t>padding</a:t>
+            </a:r>
+            <a:r>
+              <a:rPr lang="de-DE" dirty="0"/>
+              <a:t> </a:t>
+            </a:r>
+            <a:r>
+              <a:rPr lang="de-DE" dirty="0" err="1"/>
+              <a:t>restruction</a:t>
+            </a:r>
+            <a:endParaRPr lang="de-DE" dirty="0"/>
+          </a:p>
+          <a:p>
+            <a:pPr marL="171450" indent="-171450">
+              <a:buFont typeface="Arial" panose="020B0604020202020204" pitchFamily="34" charset="0"/>
+              <a:buChar char="•"/>
+            </a:pPr>
+            <a:r>
+              <a:rPr lang="de-DE" dirty="0"/>
+              <a:t>Models </a:t>
+            </a:r>
+            <a:r>
+              <a:rPr lang="de-DE" dirty="0" err="1"/>
+              <a:t>they</a:t>
+            </a:r>
+            <a:r>
+              <a:rPr lang="de-DE" dirty="0"/>
+              <a:t> </a:t>
+            </a:r>
+            <a:r>
+              <a:rPr lang="de-DE" dirty="0" err="1"/>
+              <a:t>compare</a:t>
+            </a:r>
+            <a:r>
+              <a:rPr lang="de-DE" dirty="0"/>
+              <a:t> </a:t>
+            </a:r>
+            <a:r>
+              <a:rPr lang="de-DE" dirty="0" err="1"/>
+              <a:t>with</a:t>
+            </a:r>
+            <a:r>
+              <a:rPr lang="de-DE" dirty="0"/>
+              <a:t> an not </a:t>
+            </a:r>
+            <a:r>
+              <a:rPr lang="de-DE" dirty="0" err="1"/>
+              <a:t>really</a:t>
+            </a:r>
+            <a:r>
+              <a:rPr lang="de-DE" dirty="0"/>
+              <a:t> </a:t>
+            </a:r>
+            <a:r>
+              <a:rPr lang="de-DE" dirty="0" err="1"/>
+              <a:t>state</a:t>
+            </a:r>
+            <a:r>
+              <a:rPr lang="de-DE" dirty="0"/>
+              <a:t> </a:t>
+            </a:r>
+            <a:r>
+              <a:rPr lang="de-DE" dirty="0" err="1"/>
+              <a:t>of</a:t>
+            </a:r>
+            <a:r>
+              <a:rPr lang="de-DE" dirty="0"/>
+              <a:t> </a:t>
+            </a:r>
+            <a:r>
+              <a:rPr lang="de-DE" dirty="0" err="1"/>
+              <a:t>the</a:t>
+            </a:r>
+            <a:r>
+              <a:rPr lang="de-DE" dirty="0"/>
+              <a:t> </a:t>
+            </a:r>
+            <a:r>
+              <a:rPr lang="de-DE" dirty="0" err="1"/>
+              <a:t>art</a:t>
+            </a:r>
+            <a:endParaRPr lang="en-US" dirty="0"/>
+          </a:p>
+        </p:txBody>
+      </p:sp>
+      <p:sp>
+        <p:nvSpPr>
+          <p:cNvPr id="4" name="Slide Number Placeholder 3"/>
+          <p:cNvSpPr>
+            <a:spLocks noGrp="1"/>
+          </p:cNvSpPr>
+          <p:nvPr>
+            <p:ph type="sldNum" sz="quarter" idx="5"/>
+          </p:nvPr>
+        </p:nvSpPr>
+        <p:spPr/>
+        <p:txBody>
+          <a:bodyPr/>
+          <a:lstStyle/>
+          <a:p>
+            <a:fld id="{6D172734-61C0-4E94-B507-0920723C809C}" type="slidenum">
+              <a:rPr lang="en-US" smtClean="0"/>
+              <a:t>11</a:t>
             </a:fld>
             <a:endParaRPr lang="en-US"/>
           </a:p>
@@ -7932,45 +9417,77 @@
           <a:lstStyle/>
           <a:p>
             <a:r>
-              <a:rPr lang="de-DE" dirty="0" err="1"/>
-              <a:t>Conclusion</a:t>
+              <a:rPr lang="de-DE" dirty="0"/>
+              <a:t>Experiments</a:t>
             </a:r>
             <a:endParaRPr lang="en-US" dirty="0"/>
           </a:p>
         </p:txBody>
       </p:sp>
-      <p:sp>
-        <p:nvSpPr>
-          <p:cNvPr id="3" name="Content Placeholder 2">
+      <p:pic>
+        <p:nvPicPr>
+          <p:cNvPr id="3" name="Picture 2">
             <a:extLst>
               <a:ext uri="{FF2B5EF4-FFF2-40B4-BE49-F238E27FC236}">
-                <a16:creationId xmlns:a16="http://schemas.microsoft.com/office/drawing/2014/main" id="{AAA6737D-88F2-417D-86D8-44F3687C5F16}"/>
+                <a16:creationId xmlns:a16="http://schemas.microsoft.com/office/drawing/2014/main" id="{0DAF9C32-D256-4871-86DA-18DC78E76004}"/>
               </a:ext>
             </a:extLst>
           </p:cNvPr>
-          <p:cNvSpPr>
-            <a:spLocks noGrp="1"/>
-          </p:cNvSpPr>
-          <p:nvPr>
-            <p:ph idx="1"/>
-          </p:nvPr>
-        </p:nvSpPr>
-        <p:spPr/>
-        <p:txBody>
-          <a:bodyPr/>
-          <a:lstStyle/>
-          <a:p>
-            <a:pPr marL="0" indent="0">
-              <a:buNone/>
-            </a:pPr>
-            <a:endParaRPr lang="en-US" dirty="0"/>
-          </a:p>
-        </p:txBody>
-      </p:sp>
+          <p:cNvPicPr>
+            <a:picLocks noChangeAspect="1"/>
+          </p:cNvPicPr>
+          <p:nvPr/>
+        </p:nvPicPr>
+        <p:blipFill>
+          <a:blip r:embed="rId3"/>
+          <a:stretch>
+            <a:fillRect/>
+          </a:stretch>
+        </p:blipFill>
+        <p:spPr>
+          <a:xfrm>
+            <a:off x="753979" y="2388520"/>
+            <a:ext cx="4901937" cy="2532396"/>
+          </a:xfrm>
+          <a:prstGeom prst="rect">
+            <a:avLst/>
+          </a:prstGeom>
+        </p:spPr>
+      </p:pic>
+      <p:pic>
+        <p:nvPicPr>
+          <p:cNvPr id="7" name="Picture 6">
+            <a:extLst>
+              <a:ext uri="{FF2B5EF4-FFF2-40B4-BE49-F238E27FC236}">
+                <a16:creationId xmlns:a16="http://schemas.microsoft.com/office/drawing/2014/main" id="{0C4F48E6-96C1-42D5-8CC0-A1D8ED7C1EA6}"/>
+              </a:ext>
+            </a:extLst>
+          </p:cNvPr>
+          <p:cNvPicPr>
+            <a:picLocks noChangeAspect="1"/>
+          </p:cNvPicPr>
+          <p:nvPr/>
+        </p:nvPicPr>
+        <p:blipFill>
+          <a:blip r:embed="rId4"/>
+          <a:stretch>
+            <a:fillRect/>
+          </a:stretch>
+        </p:blipFill>
+        <p:spPr>
+          <a:xfrm>
+            <a:off x="6096000" y="2388520"/>
+            <a:ext cx="4788568" cy="2644819"/>
+          </a:xfrm>
+          <a:prstGeom prst="rect">
+            <a:avLst/>
+          </a:prstGeom>
+        </p:spPr>
+      </p:pic>
     </p:spTree>
     <p:extLst>
       <p:ext uri="{BB962C8B-B14F-4D97-AF65-F5344CB8AC3E}">
-        <p14:creationId xmlns:p14="http://schemas.microsoft.com/office/powerpoint/2010/main" val="1341937478"/>
+        <p14:creationId xmlns:p14="http://schemas.microsoft.com/office/powerpoint/2010/main" val="1934292808"/>
       </p:ext>
     </p:extLst>
   </p:cSld>
@@ -8019,8 +9536,8 @@
           <a:lstStyle/>
           <a:p>
             <a:r>
-              <a:rPr lang="de-DE" dirty="0" err="1"/>
-              <a:t>Bibliography</a:t>
+              <a:rPr lang="de-DE" dirty="0"/>
+              <a:t>Evaluation</a:t>
             </a:r>
             <a:endParaRPr lang="en-US" dirty="0"/>
           </a:p>
@@ -8050,6 +9567,10 @@
             <a:pPr marL="0" indent="0">
               <a:buNone/>
             </a:pPr>
+            <a:r>
+              <a:rPr lang="de-DE" dirty="0"/>
+              <a:t>Konkurrenzpaper?</a:t>
+            </a:r>
             <a:endParaRPr lang="en-US" dirty="0"/>
           </a:p>
         </p:txBody>
@@ -8057,7 +9578,7 @@
     </p:spTree>
     <p:extLst>
       <p:ext uri="{BB962C8B-B14F-4D97-AF65-F5344CB8AC3E}">
-        <p14:creationId xmlns:p14="http://schemas.microsoft.com/office/powerpoint/2010/main" val="3390127214"/>
+        <p14:creationId xmlns:p14="http://schemas.microsoft.com/office/powerpoint/2010/main" val="1077807689"/>
       </p:ext>
     </p:extLst>
   </p:cSld>
@@ -8106,8 +9627,8 @@
           <a:lstStyle/>
           <a:p>
             <a:r>
-              <a:rPr lang="de-DE" dirty="0"/>
-              <a:t>TODO</a:t>
+              <a:rPr lang="de-DE" dirty="0" err="1"/>
+              <a:t>Conclusion</a:t>
             </a:r>
             <a:endParaRPr lang="en-US" dirty="0"/>
           </a:p>
@@ -8134,6 +9655,182 @@
           <a:bodyPr/>
           <a:lstStyle/>
           <a:p>
+            <a:pPr marL="0" indent="0">
+              <a:buNone/>
+            </a:pPr>
+            <a:endParaRPr lang="en-US" dirty="0"/>
+          </a:p>
+        </p:txBody>
+      </p:sp>
+    </p:spTree>
+    <p:extLst>
+      <p:ext uri="{BB962C8B-B14F-4D97-AF65-F5344CB8AC3E}">
+        <p14:creationId xmlns:p14="http://schemas.microsoft.com/office/powerpoint/2010/main" val="1341937478"/>
+      </p:ext>
+    </p:extLst>
+  </p:cSld>
+  <p:clrMapOvr>
+    <a:masterClrMapping/>
+  </p:clrMapOvr>
+</p:sld>
+</file>
+
+<file path=ppt/slides/slide13.xml><?xml version="1.0" encoding="utf-8"?>
+<p:sld xmlns:a="http://schemas.openxmlformats.org/drawingml/2006/main" xmlns:r="http://schemas.openxmlformats.org/officeDocument/2006/relationships" xmlns:p="http://schemas.openxmlformats.org/presentationml/2006/main">
+  <p:cSld>
+    <p:spTree>
+      <p:nvGrpSpPr>
+        <p:cNvPr id="1" name=""/>
+        <p:cNvGrpSpPr/>
+        <p:nvPr/>
+      </p:nvGrpSpPr>
+      <p:grpSpPr>
+        <a:xfrm>
+          <a:off x="0" y="0"/>
+          <a:ext cx="0" cy="0"/>
+          <a:chOff x="0" y="0"/>
+          <a:chExt cx="0" cy="0"/>
+        </a:xfrm>
+      </p:grpSpPr>
+      <p:sp>
+        <p:nvSpPr>
+          <p:cNvPr id="2" name="Title 1">
+            <a:extLst>
+              <a:ext uri="{FF2B5EF4-FFF2-40B4-BE49-F238E27FC236}">
+                <a16:creationId xmlns:a16="http://schemas.microsoft.com/office/drawing/2014/main" id="{C9367E9B-E787-46FF-BA60-42CE9D071DEA}"/>
+              </a:ext>
+            </a:extLst>
+          </p:cNvPr>
+          <p:cNvSpPr>
+            <a:spLocks noGrp="1"/>
+          </p:cNvSpPr>
+          <p:nvPr>
+            <p:ph type="title"/>
+          </p:nvPr>
+        </p:nvSpPr>
+        <p:spPr/>
+        <p:txBody>
+          <a:bodyPr/>
+          <a:lstStyle/>
+          <a:p>
+            <a:r>
+              <a:rPr lang="de-DE" dirty="0" err="1"/>
+              <a:t>Bibliography</a:t>
+            </a:r>
+            <a:endParaRPr lang="en-US" dirty="0"/>
+          </a:p>
+        </p:txBody>
+      </p:sp>
+      <p:sp>
+        <p:nvSpPr>
+          <p:cNvPr id="3" name="Content Placeholder 2">
+            <a:extLst>
+              <a:ext uri="{FF2B5EF4-FFF2-40B4-BE49-F238E27FC236}">
+                <a16:creationId xmlns:a16="http://schemas.microsoft.com/office/drawing/2014/main" id="{AAA6737D-88F2-417D-86D8-44F3687C5F16}"/>
+              </a:ext>
+            </a:extLst>
+          </p:cNvPr>
+          <p:cNvSpPr>
+            <a:spLocks noGrp="1"/>
+          </p:cNvSpPr>
+          <p:nvPr>
+            <p:ph idx="1"/>
+          </p:nvPr>
+        </p:nvSpPr>
+        <p:spPr/>
+        <p:txBody>
+          <a:bodyPr/>
+          <a:lstStyle/>
+          <a:p>
+            <a:pPr marL="0" indent="0">
+              <a:buNone/>
+            </a:pPr>
+            <a:endParaRPr lang="en-US" dirty="0"/>
+          </a:p>
+        </p:txBody>
+      </p:sp>
+    </p:spTree>
+    <p:extLst>
+      <p:ext uri="{BB962C8B-B14F-4D97-AF65-F5344CB8AC3E}">
+        <p14:creationId xmlns:p14="http://schemas.microsoft.com/office/powerpoint/2010/main" val="3390127214"/>
+      </p:ext>
+    </p:extLst>
+  </p:cSld>
+  <p:clrMapOvr>
+    <a:masterClrMapping/>
+  </p:clrMapOvr>
+</p:sld>
+</file>
+
+<file path=ppt/slides/slide14.xml><?xml version="1.0" encoding="utf-8"?>
+<p:sld xmlns:a="http://schemas.openxmlformats.org/drawingml/2006/main" xmlns:r="http://schemas.openxmlformats.org/officeDocument/2006/relationships" xmlns:p="http://schemas.openxmlformats.org/presentationml/2006/main">
+  <p:cSld>
+    <p:spTree>
+      <p:nvGrpSpPr>
+        <p:cNvPr id="1" name=""/>
+        <p:cNvGrpSpPr/>
+        <p:nvPr/>
+      </p:nvGrpSpPr>
+      <p:grpSpPr>
+        <a:xfrm>
+          <a:off x="0" y="0"/>
+          <a:ext cx="0" cy="0"/>
+          <a:chOff x="0" y="0"/>
+          <a:chExt cx="0" cy="0"/>
+        </a:xfrm>
+      </p:grpSpPr>
+      <p:sp>
+        <p:nvSpPr>
+          <p:cNvPr id="2" name="Title 1">
+            <a:extLst>
+              <a:ext uri="{FF2B5EF4-FFF2-40B4-BE49-F238E27FC236}">
+                <a16:creationId xmlns:a16="http://schemas.microsoft.com/office/drawing/2014/main" id="{C9367E9B-E787-46FF-BA60-42CE9D071DEA}"/>
+              </a:ext>
+            </a:extLst>
+          </p:cNvPr>
+          <p:cNvSpPr>
+            <a:spLocks noGrp="1"/>
+          </p:cNvSpPr>
+          <p:nvPr>
+            <p:ph type="title"/>
+          </p:nvPr>
+        </p:nvSpPr>
+        <p:spPr/>
+        <p:txBody>
+          <a:bodyPr/>
+          <a:lstStyle/>
+          <a:p>
+            <a:r>
+              <a:rPr lang="de-DE" dirty="0"/>
+              <a:t>TODO</a:t>
+            </a:r>
+            <a:endParaRPr lang="en-US" dirty="0"/>
+          </a:p>
+        </p:txBody>
+      </p:sp>
+      <p:sp>
+        <p:nvSpPr>
+          <p:cNvPr id="3" name="Content Placeholder 2">
+            <a:extLst>
+              <a:ext uri="{FF2B5EF4-FFF2-40B4-BE49-F238E27FC236}">
+                <a16:creationId xmlns:a16="http://schemas.microsoft.com/office/drawing/2014/main" id="{AAA6737D-88F2-417D-86D8-44F3687C5F16}"/>
+              </a:ext>
+            </a:extLst>
+          </p:cNvPr>
+          <p:cNvSpPr>
+            <a:spLocks noGrp="1"/>
+          </p:cNvSpPr>
+          <p:nvPr>
+            <p:ph idx="1"/>
+          </p:nvPr>
+        </p:nvSpPr>
+        <p:spPr/>
+        <p:txBody>
+          <a:bodyPr>
+            <a:normAutofit lnSpcReduction="10000"/>
+          </a:bodyPr>
+          <a:lstStyle/>
+          <a:p>
             <a:pPr marL="514350" indent="-514350">
               <a:buFont typeface="+mj-lt"/>
               <a:buAutoNum type="arabicPeriod"/>
@@ -8268,7 +9965,7 @@
             </a:pPr>
             <a:r>
               <a:rPr lang="en-US" dirty="0"/>
-              <a:t>Citing</a:t>
+              <a:t>Highlight achievements in experiments with rectangles</a:t>
             </a:r>
           </a:p>
           <a:p>
@@ -8278,7 +9975,7 @@
             </a:pPr>
             <a:r>
               <a:rPr lang="en-US" dirty="0"/>
-              <a:t>Agenda on the bottom?</a:t>
+              <a:t>Citing</a:t>
             </a:r>
           </a:p>
           <a:p>
@@ -8288,8 +9985,45 @@
             </a:pPr>
             <a:r>
               <a:rPr lang="en-US" dirty="0"/>
+              <a:t>Agenda on the bottom?</a:t>
+            </a:r>
+          </a:p>
+          <a:p>
+            <a:pPr marL="514350" indent="-514350">
+              <a:buFont typeface="+mj-lt"/>
+              <a:buAutoNum type="arabicPeriod"/>
+            </a:pPr>
+            <a:r>
+              <a:rPr lang="en-US" dirty="0"/>
               <a:t>Send to tutor</a:t>
             </a:r>
+          </a:p>
+          <a:p>
+            <a:pPr marL="514350" indent="-514350">
+              <a:buFont typeface="+mj-lt"/>
+              <a:buAutoNum type="arabicPeriod"/>
+            </a:pPr>
+            <a:r>
+              <a:rPr lang="en-US" dirty="0" err="1"/>
+              <a:t>ResNext</a:t>
+            </a:r>
+            <a:r>
+              <a:rPr lang="en-US" dirty="0"/>
+              <a:t>, </a:t>
+            </a:r>
+            <a:r>
+              <a:rPr lang="en-US" dirty="0" err="1"/>
+              <a:t>PSPNet</a:t>
+            </a:r>
+            <a:r>
+              <a:rPr lang="en-US" dirty="0"/>
+              <a:t> </a:t>
+            </a:r>
+            <a:r>
+              <a:rPr lang="en-US" dirty="0" err="1"/>
+              <a:t>lesen</a:t>
+            </a:r>
+            <a:endParaRPr lang="en-US" dirty="0"/>
           </a:p>
           <a:p>
             <a:pPr marL="514350" indent="-514350">
@@ -9260,48 +10994,106 @@
           <a:p>
             <a:r>
               <a:rPr lang="de-DE" dirty="0"/>
-              <a:t>Evaluation</a:t>
+              <a:t>Experiments</a:t>
             </a:r>
             <a:endParaRPr lang="en-US" dirty="0"/>
           </a:p>
         </p:txBody>
       </p:sp>
-      <p:sp>
-        <p:nvSpPr>
-          <p:cNvPr id="3" name="Content Placeholder 2">
+      <p:pic>
+        <p:nvPicPr>
+          <p:cNvPr id="4" name="Picture 3">
             <a:extLst>
               <a:ext uri="{FF2B5EF4-FFF2-40B4-BE49-F238E27FC236}">
-                <a16:creationId xmlns:a16="http://schemas.microsoft.com/office/drawing/2014/main" id="{AAA6737D-88F2-417D-86D8-44F3687C5F16}"/>
+                <a16:creationId xmlns:a16="http://schemas.microsoft.com/office/drawing/2014/main" id="{0D45557B-3C6C-45FF-9337-FE9FA6D4187E}"/>
               </a:ext>
             </a:extLst>
           </p:cNvPr>
-          <p:cNvSpPr>
-            <a:spLocks noGrp="1"/>
-          </p:cNvSpPr>
-          <p:nvPr>
-            <p:ph idx="1"/>
-          </p:nvPr>
-        </p:nvSpPr>
-        <p:spPr/>
-        <p:txBody>
-          <a:bodyPr/>
-          <a:lstStyle/>
-          <a:p>
-            <a:pPr marL="0" indent="0">
-              <a:buNone/>
-            </a:pPr>
-            <a:r>
-              <a:rPr lang="de-DE" dirty="0"/>
-              <a:t>Konkurrenzpaper?</a:t>
-            </a:r>
-            <a:endParaRPr lang="en-US" dirty="0"/>
-          </a:p>
-        </p:txBody>
-      </p:sp>
+          <p:cNvPicPr>
+            <a:picLocks noChangeAspect="1"/>
+          </p:cNvPicPr>
+          <p:nvPr/>
+        </p:nvPicPr>
+        <p:blipFill>
+          <a:blip r:embed="rId3"/>
+          <a:stretch>
+            <a:fillRect/>
+          </a:stretch>
+        </p:blipFill>
+        <p:spPr>
+          <a:xfrm>
+            <a:off x="672452" y="1825625"/>
+            <a:ext cx="5038538" cy="2403543"/>
+          </a:xfrm>
+          <a:prstGeom prst="rect">
+            <a:avLst/>
+          </a:prstGeom>
+        </p:spPr>
+      </p:pic>
+      <p:pic>
+        <p:nvPicPr>
+          <p:cNvPr id="5" name="Picture 4">
+            <a:extLst>
+              <a:ext uri="{FF2B5EF4-FFF2-40B4-BE49-F238E27FC236}">
+                <a16:creationId xmlns:a16="http://schemas.microsoft.com/office/drawing/2014/main" id="{71B4424D-0C74-4C13-BB67-CE62902BCCA3}"/>
+              </a:ext>
+            </a:extLst>
+          </p:cNvPr>
+          <p:cNvPicPr>
+            <a:picLocks noChangeAspect="1"/>
+          </p:cNvPicPr>
+          <p:nvPr/>
+        </p:nvPicPr>
+        <p:blipFill>
+          <a:blip r:embed="rId4"/>
+          <a:stretch>
+            <a:fillRect/>
+          </a:stretch>
+        </p:blipFill>
+        <p:spPr>
+          <a:xfrm>
+            <a:off x="6749715" y="1468764"/>
+            <a:ext cx="3705727" cy="5024111"/>
+          </a:xfrm>
+          <a:prstGeom prst="rect">
+            <a:avLst/>
+          </a:prstGeom>
+        </p:spPr>
+      </p:pic>
+      <p:pic>
+        <p:nvPicPr>
+          <p:cNvPr id="6" name="Picture 5">
+            <a:extLst>
+              <a:ext uri="{FF2B5EF4-FFF2-40B4-BE49-F238E27FC236}">
+                <a16:creationId xmlns:a16="http://schemas.microsoft.com/office/drawing/2014/main" id="{B96D57A3-9DAC-4C04-929F-BC7FC55E5506}"/>
+              </a:ext>
+            </a:extLst>
+          </p:cNvPr>
+          <p:cNvPicPr>
+            <a:picLocks noChangeAspect="1"/>
+          </p:cNvPicPr>
+          <p:nvPr/>
+        </p:nvPicPr>
+        <p:blipFill>
+          <a:blip r:embed="rId5"/>
+          <a:stretch>
+            <a:fillRect/>
+          </a:stretch>
+        </p:blipFill>
+        <p:spPr>
+          <a:xfrm>
+            <a:off x="672452" y="4311984"/>
+            <a:ext cx="5252805" cy="2180891"/>
+          </a:xfrm>
+          <a:prstGeom prst="rect">
+            <a:avLst/>
+          </a:prstGeom>
+        </p:spPr>
+      </p:pic>
     </p:spTree>
     <p:extLst>
       <p:ext uri="{BB962C8B-B14F-4D97-AF65-F5344CB8AC3E}">
-        <p14:creationId xmlns:p14="http://schemas.microsoft.com/office/powerpoint/2010/main" val="1077807689"/>
+        <p14:creationId xmlns:p14="http://schemas.microsoft.com/office/powerpoint/2010/main" val="4020678722"/>
       </p:ext>
     </p:extLst>
   </p:cSld>

--- a/presentation/presentation.pptx
+++ b/presentation/presentation.pptx
@@ -222,7 +222,7 @@
           <a:p>
             <a:fld id="{50CFD496-02FF-4BBF-91A8-BA14311B48A2}" type="datetimeFigureOut">
               <a:rPr lang="en-US" smtClean="0"/>
-              <a:t>5/28/2021</a:t>
+              <a:t>6/3/2021</a:t>
             </a:fld>
             <a:endParaRPr lang="en-US"/>
           </a:p>
@@ -538,59 +538,412 @@
               <a:buChar char="•"/>
             </a:pPr>
             <a:r>
-              <a:rPr lang="de-DE" dirty="0" err="1"/>
-              <a:t>Three</a:t>
-            </a:r>
-            <a:r>
-              <a:rPr lang="de-DE" dirty="0"/>
-              <a:t> </a:t>
-            </a:r>
-            <a:r>
-              <a:rPr lang="de-DE" dirty="0" err="1"/>
-              <a:t>reasons</a:t>
-            </a:r>
-            <a:r>
-              <a:rPr lang="de-DE" dirty="0"/>
-              <a:t> </a:t>
-            </a:r>
-            <a:r>
-              <a:rPr lang="de-DE" dirty="0" err="1"/>
-              <a:t>for</a:t>
-            </a:r>
-            <a:r>
-              <a:rPr lang="de-DE" dirty="0"/>
-              <a:t> </a:t>
-            </a:r>
-            <a:r>
-              <a:rPr lang="de-DE" dirty="0" err="1"/>
-              <a:t>using</a:t>
-            </a:r>
-            <a:r>
-              <a:rPr lang="de-DE" dirty="0"/>
-              <a:t> simple and </a:t>
-            </a:r>
-            <a:r>
-              <a:rPr lang="de-DE" dirty="0" err="1"/>
-              <a:t>plain</a:t>
-            </a:r>
-            <a:r>
-              <a:rPr lang="de-DE" dirty="0"/>
-              <a:t> </a:t>
-            </a:r>
-            <a:r>
-              <a:rPr lang="de-DE" dirty="0" err="1"/>
-              <a:t>convolutional</a:t>
-            </a:r>
-            <a:r>
-              <a:rPr lang="de-DE" dirty="0"/>
-              <a:t> </a:t>
-            </a:r>
-            <a:r>
-              <a:rPr lang="de-DE" dirty="0" err="1"/>
-              <a:t>networks</a:t>
+              <a:rPr lang="de-DE" dirty="0"/>
+              <a:t>VGG-like </a:t>
+            </a:r>
+            <a:r>
+              <a:rPr lang="de-DE" dirty="0" err="1"/>
+              <a:t>inference</a:t>
+            </a:r>
+            <a:r>
+              <a:rPr lang="de-DE" dirty="0"/>
+              <a:t>-time </a:t>
+            </a:r>
+            <a:r>
+              <a:rPr lang="de-DE" dirty="0" err="1"/>
+              <a:t>body</a:t>
+            </a:r>
+            <a:r>
+              <a:rPr lang="de-DE" dirty="0"/>
+              <a:t> (</a:t>
+            </a:r>
+            <a:r>
+              <a:rPr lang="de-DE" dirty="0" err="1"/>
+              <a:t>stack</a:t>
+            </a:r>
+            <a:r>
+              <a:rPr lang="de-DE" dirty="0"/>
+              <a:t> </a:t>
+            </a:r>
+            <a:r>
+              <a:rPr lang="de-DE" dirty="0" err="1"/>
+              <a:t>of</a:t>
+            </a:r>
+            <a:r>
+              <a:rPr lang="de-DE" dirty="0"/>
+              <a:t> 3x3 </a:t>
+            </a:r>
+            <a:r>
+              <a:rPr lang="de-DE" dirty="0" err="1"/>
+              <a:t>convolution</a:t>
+            </a:r>
+            <a:r>
+              <a:rPr lang="de-DE" dirty="0"/>
+              <a:t> and </a:t>
+            </a:r>
+            <a:r>
+              <a:rPr lang="de-DE" dirty="0" err="1"/>
+              <a:t>ReLU</a:t>
+            </a:r>
+            <a:r>
+              <a:rPr lang="de-DE" dirty="0"/>
+              <a:t>) and </a:t>
+            </a:r>
+            <a:r>
+              <a:rPr lang="de-DE" dirty="0" err="1"/>
+              <a:t>training</a:t>
+            </a:r>
+            <a:r>
+              <a:rPr lang="de-DE" dirty="0"/>
+              <a:t>-time multi-</a:t>
+            </a:r>
+            <a:r>
+              <a:rPr lang="de-DE" dirty="0" err="1"/>
+              <a:t>branch</a:t>
+            </a:r>
+            <a:r>
+              <a:rPr lang="de-DE" dirty="0"/>
+              <a:t> </a:t>
+            </a:r>
+            <a:r>
+              <a:rPr lang="de-DE" dirty="0" err="1"/>
+              <a:t>topology</a:t>
             </a:r>
             <a:r>
               <a:rPr lang="en-US" dirty="0"/>
+              <a:t> by structural re-parameterization technique</a:t>
+            </a:r>
+            <a:r>
+              <a:rPr lang="de-DE" dirty="0"/>
+              <a:t> =&gt; </a:t>
+            </a:r>
+            <a:r>
+              <a:rPr lang="de-DE" dirty="0" err="1"/>
+              <a:t>RepVGG</a:t>
+            </a:r>
+            <a:endParaRPr lang="de-DE" dirty="0"/>
+          </a:p>
+          <a:p>
+            <a:pPr marL="171450" indent="-171450">
+              <a:buFont typeface="Arial" panose="020B0604020202020204" pitchFamily="34" charset="0"/>
+              <a:buChar char="•"/>
+            </a:pPr>
+            <a:r>
+              <a:rPr lang="de-DE" dirty="0"/>
+              <a:t>80% top-1 </a:t>
+            </a:r>
+            <a:r>
+              <a:rPr lang="de-DE" dirty="0" err="1"/>
+              <a:t>accuracy</a:t>
+            </a:r>
+            <a:r>
+              <a:rPr lang="de-DE" dirty="0"/>
+              <a:t> on </a:t>
+            </a:r>
+            <a:r>
+              <a:rPr lang="de-DE" dirty="0" err="1"/>
+              <a:t>ImageNet</a:t>
+            </a:r>
+            <a:r>
+              <a:rPr lang="de-DE" dirty="0"/>
+              <a:t>, 83% </a:t>
+            </a:r>
+            <a:r>
+              <a:rPr lang="de-DE" dirty="0" err="1"/>
+              <a:t>faster</a:t>
+            </a:r>
+            <a:r>
+              <a:rPr lang="de-DE" dirty="0"/>
+              <a:t> </a:t>
+            </a:r>
+            <a:r>
+              <a:rPr lang="de-DE" dirty="0" err="1"/>
+              <a:t>than</a:t>
+            </a:r>
+            <a:r>
+              <a:rPr lang="de-DE" dirty="0"/>
+              <a:t> ResNet-50 </a:t>
+            </a:r>
+            <a:r>
+              <a:rPr lang="de-DE" dirty="0" err="1"/>
+              <a:t>or</a:t>
+            </a:r>
+            <a:r>
+              <a:rPr lang="de-DE" dirty="0"/>
+              <a:t> 101% </a:t>
+            </a:r>
+            <a:r>
+              <a:rPr lang="de-DE" dirty="0" err="1"/>
+              <a:t>faster</a:t>
+            </a:r>
+            <a:r>
+              <a:rPr lang="de-DE" dirty="0"/>
+              <a:t> </a:t>
+            </a:r>
+            <a:r>
+              <a:rPr lang="de-DE" dirty="0" err="1"/>
+              <a:t>than</a:t>
+            </a:r>
+            <a:r>
+              <a:rPr lang="de-DE" dirty="0"/>
+              <a:t> ResNet-101 </a:t>
+            </a:r>
+            <a:r>
+              <a:rPr lang="de-DE" dirty="0" err="1"/>
+              <a:t>with</a:t>
+            </a:r>
+            <a:r>
+              <a:rPr lang="de-DE" dirty="0"/>
+              <a:t> </a:t>
+            </a:r>
+            <a:r>
+              <a:rPr lang="de-DE" dirty="0" err="1"/>
+              <a:t>higher</a:t>
+            </a:r>
+            <a:r>
+              <a:rPr lang="de-DE" dirty="0"/>
+              <a:t> </a:t>
+            </a:r>
+            <a:r>
+              <a:rPr lang="de-DE" dirty="0" err="1"/>
+              <a:t>accuracy</a:t>
+            </a:r>
+            <a:r>
+              <a:rPr lang="de-DE" dirty="0"/>
+              <a:t> </a:t>
+            </a:r>
+          </a:p>
+          <a:p>
+            <a:pPr marL="171450" indent="-171450">
+              <a:buFont typeface="Arial" panose="020B0604020202020204" pitchFamily="34" charset="0"/>
+              <a:buChar char="•"/>
+            </a:pPr>
+            <a:r>
+              <a:rPr lang="de-DE" dirty="0" err="1"/>
+              <a:t>Good</a:t>
+            </a:r>
+            <a:r>
+              <a:rPr lang="de-DE" dirty="0"/>
+              <a:t> </a:t>
+            </a:r>
+            <a:r>
+              <a:rPr lang="de-DE" dirty="0" err="1"/>
+              <a:t>accuracy</a:t>
+            </a:r>
+            <a:r>
+              <a:rPr lang="de-DE" dirty="0"/>
+              <a:t> </a:t>
+            </a:r>
+            <a:r>
+              <a:rPr lang="de-DE" dirty="0" err="1"/>
+              <a:t>speed</a:t>
+            </a:r>
+            <a:r>
+              <a:rPr lang="de-DE" dirty="0"/>
+              <a:t> </a:t>
+            </a:r>
+            <a:r>
+              <a:rPr lang="de-DE" dirty="0" err="1"/>
+              <a:t>trade</a:t>
+            </a:r>
+            <a:r>
+              <a:rPr lang="de-DE" dirty="0"/>
+              <a:t> off</a:t>
+            </a:r>
+          </a:p>
+          <a:p>
+            <a:pPr marL="171450" indent="-171450">
+              <a:buFont typeface="Arial" panose="020B0604020202020204" pitchFamily="34" charset="0"/>
+              <a:buChar char="•"/>
+            </a:pPr>
+            <a:endParaRPr lang="de-DE" dirty="0"/>
+          </a:p>
+          <a:p>
+            <a:pPr marL="0" indent="0">
+              <a:buFont typeface="Arial" panose="020B0604020202020204" pitchFamily="34" charset="0"/>
+              <a:buNone/>
+            </a:pPr>
+            <a:r>
+              <a:rPr lang="de-DE" dirty="0"/>
+              <a:t>Development: </a:t>
+            </a:r>
+          </a:p>
+          <a:p>
+            <a:pPr marL="171450" indent="-171450">
+              <a:buFont typeface="Arial" panose="020B0604020202020204" pitchFamily="34" charset="0"/>
+              <a:buChar char="•"/>
+            </a:pPr>
+            <a:r>
+              <a:rPr lang="de-DE" dirty="0"/>
+              <a:t>VGG: </a:t>
+            </a:r>
+            <a:r>
+              <a:rPr lang="de-DE" dirty="0" err="1"/>
+              <a:t>convolution</a:t>
+            </a:r>
+            <a:r>
+              <a:rPr lang="de-DE" dirty="0"/>
+              <a:t>, </a:t>
+            </a:r>
+            <a:r>
+              <a:rPr lang="de-DE" dirty="0" err="1"/>
+              <a:t>ReLU</a:t>
+            </a:r>
+            <a:r>
+              <a:rPr lang="de-DE" dirty="0"/>
+              <a:t> and </a:t>
+            </a:r>
+            <a:r>
+              <a:rPr lang="de-DE" dirty="0" err="1"/>
+              <a:t>pooling</a:t>
+            </a:r>
+            <a:endParaRPr lang="de-DE" dirty="0"/>
+          </a:p>
+          <a:p>
+            <a:pPr marL="171450" indent="-171450">
+              <a:buFont typeface="Arial" panose="020B0604020202020204" pitchFamily="34" charset="0"/>
+              <a:buChar char="•"/>
+            </a:pPr>
+            <a:r>
+              <a:rPr lang="de-DE" dirty="0" err="1"/>
+              <a:t>Inception</a:t>
+            </a:r>
+            <a:r>
+              <a:rPr lang="de-DE" dirty="0"/>
+              <a:t>, </a:t>
+            </a:r>
+            <a:r>
+              <a:rPr lang="de-DE" dirty="0" err="1"/>
+              <a:t>ResNet</a:t>
+            </a:r>
+            <a:r>
+              <a:rPr lang="de-DE" dirty="0"/>
+              <a:t>, </a:t>
+            </a:r>
+            <a:r>
+              <a:rPr lang="de-DE" dirty="0" err="1"/>
+              <a:t>DenseNet</a:t>
+            </a:r>
+            <a:r>
+              <a:rPr lang="de-DE" dirty="0"/>
+              <a:t>: </a:t>
+            </a:r>
+            <a:r>
+              <a:rPr lang="de-DE" dirty="0" err="1"/>
+              <a:t>well</a:t>
+            </a:r>
+            <a:r>
+              <a:rPr lang="de-DE" dirty="0"/>
+              <a:t> </a:t>
+            </a:r>
+            <a:r>
+              <a:rPr lang="de-DE" dirty="0" err="1"/>
+              <a:t>designed</a:t>
+            </a:r>
+            <a:r>
+              <a:rPr lang="de-DE" dirty="0"/>
+              <a:t> </a:t>
+            </a:r>
+            <a:r>
+              <a:rPr lang="de-DE" dirty="0" err="1"/>
+              <a:t>architectures</a:t>
+            </a:r>
+            <a:r>
+              <a:rPr lang="de-DE" dirty="0"/>
+              <a:t> (</a:t>
+            </a:r>
+            <a:r>
+              <a:rPr lang="de-DE" dirty="0" err="1"/>
+              <a:t>automatic</a:t>
+            </a:r>
+            <a:r>
+              <a:rPr lang="de-DE" dirty="0"/>
+              <a:t> </a:t>
+            </a:r>
+            <a:r>
+              <a:rPr lang="de-DE" dirty="0" err="1"/>
+              <a:t>or</a:t>
+            </a:r>
+            <a:r>
+              <a:rPr lang="de-DE" dirty="0"/>
+              <a:t> </a:t>
+            </a:r>
+            <a:r>
+              <a:rPr lang="de-DE" dirty="0" err="1"/>
+              <a:t>manual</a:t>
+            </a:r>
+            <a:r>
+              <a:rPr lang="de-DE" dirty="0"/>
+              <a:t> </a:t>
+            </a:r>
+            <a:r>
+              <a:rPr lang="de-DE" dirty="0" err="1"/>
+              <a:t>architecture</a:t>
+            </a:r>
+            <a:r>
+              <a:rPr lang="de-DE" dirty="0"/>
+              <a:t> </a:t>
+            </a:r>
+            <a:r>
+              <a:rPr lang="de-DE" dirty="0" err="1"/>
+              <a:t>search</a:t>
+            </a:r>
+            <a:r>
+              <a:rPr lang="de-DE" dirty="0"/>
+              <a:t> </a:t>
+            </a:r>
+            <a:r>
+              <a:rPr lang="de-DE" dirty="0" err="1"/>
+              <a:t>with</a:t>
+            </a:r>
+            <a:r>
+              <a:rPr lang="de-DE" dirty="0"/>
+              <a:t> </a:t>
+            </a:r>
+            <a:r>
+              <a:rPr lang="de-DE" dirty="0" err="1"/>
+              <a:t>searched</a:t>
+            </a:r>
+            <a:r>
+              <a:rPr lang="de-DE" dirty="0"/>
+              <a:t> </a:t>
+            </a:r>
+            <a:r>
+              <a:rPr lang="de-DE" dirty="0" err="1"/>
+              <a:t>compound</a:t>
+            </a:r>
+            <a:r>
+              <a:rPr lang="de-DE" dirty="0"/>
+              <a:t> </a:t>
+            </a:r>
+            <a:r>
+              <a:rPr lang="de-DE" dirty="0" err="1"/>
+              <a:t>scaling</a:t>
+            </a:r>
+            <a:r>
+              <a:rPr lang="de-DE" dirty="0"/>
+              <a:t> </a:t>
+            </a:r>
+            <a:r>
+              <a:rPr lang="de-DE" dirty="0" err="1"/>
+              <a:t>strategy</a:t>
+            </a:r>
+            <a:r>
+              <a:rPr lang="de-DE" dirty="0"/>
+              <a:t>)</a:t>
+            </a:r>
+          </a:p>
+          <a:p>
+            <a:pPr marL="171450" indent="-171450">
+              <a:buFont typeface="Arial" panose="020B0604020202020204" pitchFamily="34" charset="0"/>
+              <a:buChar char="•"/>
+            </a:pPr>
+            <a:r>
+              <a:rPr lang="de-DE" dirty="0" err="1"/>
+              <a:t>Drawbacks</a:t>
+            </a:r>
+            <a:r>
+              <a:rPr lang="de-DE" dirty="0"/>
               <a:t>: </a:t>
             </a:r>
           </a:p>
@@ -600,108 +953,8 @@
               <a:buChar char="•"/>
             </a:pPr>
             <a:r>
-              <a:rPr lang="en-US" dirty="0"/>
-              <a:t>Fast:</a:t>
-            </a:r>
-          </a:p>
-          <a:p>
-            <a:pPr marL="1085850" lvl="2" indent="-171450">
-              <a:buFont typeface="Arial" panose="020B0604020202020204" pitchFamily="34" charset="0"/>
-              <a:buChar char="•"/>
-            </a:pPr>
-            <a:r>
-              <a:rPr lang="de-DE" dirty="0"/>
-              <a:t>Speed </a:t>
-            </a:r>
-            <a:r>
-              <a:rPr lang="de-DE" dirty="0" err="1"/>
-              <a:t>cannot</a:t>
-            </a:r>
-            <a:r>
-              <a:rPr lang="de-DE" dirty="0"/>
-              <a:t> </a:t>
-            </a:r>
-            <a:r>
-              <a:rPr lang="de-DE" dirty="0" err="1"/>
-              <a:t>be</a:t>
-            </a:r>
-            <a:r>
-              <a:rPr lang="de-DE" dirty="0"/>
-              <a:t> </a:t>
-            </a:r>
-            <a:r>
-              <a:rPr lang="de-DE" dirty="0" err="1"/>
-              <a:t>approximated</a:t>
-            </a:r>
-            <a:r>
-              <a:rPr lang="de-DE" dirty="0"/>
-              <a:t> </a:t>
-            </a:r>
-            <a:r>
-              <a:rPr lang="de-DE" dirty="0" err="1"/>
-              <a:t>with</a:t>
-            </a:r>
-            <a:r>
-              <a:rPr lang="de-DE" dirty="0"/>
-              <a:t> FLOPS: (</a:t>
-            </a:r>
-            <a:r>
-              <a:rPr lang="de-DE" dirty="0" err="1"/>
-              <a:t>Winograd</a:t>
-            </a:r>
-            <a:r>
-              <a:rPr lang="de-DE" dirty="0"/>
-              <a:t> </a:t>
-            </a:r>
-            <a:r>
-              <a:rPr lang="de-DE" dirty="0" err="1"/>
-              <a:t>conv</a:t>
-            </a:r>
-            <a:r>
-              <a:rPr lang="de-DE" dirty="0"/>
-              <a:t> (</a:t>
-            </a:r>
-            <a:r>
-              <a:rPr lang="de-DE" dirty="0" err="1"/>
-              <a:t>reduces</a:t>
-            </a:r>
-            <a:r>
-              <a:rPr lang="de-DE" dirty="0"/>
-              <a:t> </a:t>
-            </a:r>
-            <a:r>
-              <a:rPr lang="de-DE" dirty="0" err="1"/>
-              <a:t>flops</a:t>
-            </a:r>
-            <a:r>
-              <a:rPr lang="de-DE" dirty="0"/>
-              <a:t>))</a:t>
-            </a:r>
-          </a:p>
-          <a:p>
-            <a:pPr marL="1543050" lvl="3" indent="-171450">
-              <a:buFont typeface="Arial" panose="020B0604020202020204" pitchFamily="34" charset="0"/>
-              <a:buChar char="•"/>
-            </a:pPr>
-            <a:r>
-              <a:rPr lang="de-DE" dirty="0"/>
-              <a:t>Memory Access </a:t>
-            </a:r>
-            <a:r>
-              <a:rPr lang="de-DE" dirty="0" err="1"/>
-              <a:t>Cost</a:t>
-            </a:r>
-            <a:r>
-              <a:rPr lang="de-DE" dirty="0"/>
-              <a:t> (MAC): high </a:t>
-            </a:r>
-            <a:r>
-              <a:rPr lang="de-DE" dirty="0" err="1"/>
-              <a:t>for</a:t>
-            </a:r>
-            <a:r>
-              <a:rPr lang="de-DE" dirty="0"/>
-              <a:t> </a:t>
+              <a:rPr lang="de-DE" dirty="0"/>
+              <a:t>Multi-</a:t>
             </a:r>
             <a:r>
               <a:rPr lang="de-DE" dirty="0" err="1"/>
@@ -709,19 +962,19 @@
             </a:r>
             <a:r>
               <a:rPr lang="de-DE" dirty="0"/>
-              <a:t> </a:t>
-            </a:r>
-            <a:r>
-              <a:rPr lang="de-DE" dirty="0" err="1"/>
-              <a:t>additions</a:t>
-            </a:r>
-            <a:r>
-              <a:rPr lang="de-DE" dirty="0"/>
-              <a:t>/</a:t>
-            </a:r>
-            <a:r>
-              <a:rPr lang="de-DE" dirty="0" err="1"/>
-              <a:t>concatenations</a:t>
+              <a:t> design (residual </a:t>
+            </a:r>
+            <a:r>
+              <a:rPr lang="de-DE" dirty="0" err="1"/>
+              <a:t>addition</a:t>
+            </a:r>
+            <a:r>
+              <a:rPr lang="de-DE" dirty="0"/>
+              <a:t> </a:t>
+            </a:r>
+            <a:r>
+              <a:rPr lang="de-DE" dirty="0" err="1"/>
+              <a:t>ResNet</a:t>
             </a:r>
             <a:r>
               <a:rPr lang="de-DE" dirty="0"/>
@@ -729,122 +982,7 @@
             </a:r>
             <a:r>
               <a:rPr lang="de-DE" dirty="0" err="1"/>
-              <a:t>groupwise</a:t>
-            </a:r>
-            <a:r>
-              <a:rPr lang="de-DE" dirty="0"/>
-              <a:t> </a:t>
-            </a:r>
-            <a:r>
-              <a:rPr lang="de-DE" dirty="0" err="1"/>
-              <a:t>convolution</a:t>
-            </a:r>
-            <a:endParaRPr lang="de-DE" dirty="0"/>
-          </a:p>
-          <a:p>
-            <a:pPr marL="1543050" lvl="3" indent="-171450">
-              <a:buFont typeface="Arial" panose="020B0604020202020204" pitchFamily="34" charset="0"/>
-              <a:buChar char="•"/>
-            </a:pPr>
-            <a:r>
-              <a:rPr lang="de-DE" dirty="0" err="1"/>
-              <a:t>Degree</a:t>
-            </a:r>
-            <a:r>
-              <a:rPr lang="de-DE" dirty="0"/>
-              <a:t> </a:t>
-            </a:r>
-            <a:r>
-              <a:rPr lang="de-DE" dirty="0" err="1"/>
-              <a:t>of</a:t>
-            </a:r>
-            <a:r>
-              <a:rPr lang="de-DE" dirty="0"/>
-              <a:t> </a:t>
-            </a:r>
-            <a:r>
-              <a:rPr lang="de-DE" dirty="0" err="1"/>
-              <a:t>parallelism</a:t>
-            </a:r>
-            <a:r>
-              <a:rPr lang="de-DE" dirty="0"/>
-              <a:t>: high </a:t>
-            </a:r>
-            <a:r>
-              <a:rPr lang="de-DE" dirty="0" err="1"/>
-              <a:t>number</a:t>
-            </a:r>
-            <a:r>
-              <a:rPr lang="de-DE" dirty="0"/>
-              <a:t> </a:t>
-            </a:r>
-            <a:r>
-              <a:rPr lang="de-DE" dirty="0" err="1"/>
-              <a:t>of</a:t>
-            </a:r>
-            <a:r>
-              <a:rPr lang="de-DE" dirty="0"/>
-              <a:t> </a:t>
-            </a:r>
-            <a:r>
-              <a:rPr lang="de-DE" dirty="0" err="1"/>
-              <a:t>fragmented</a:t>
-            </a:r>
-            <a:r>
-              <a:rPr lang="de-DE" dirty="0"/>
-              <a:t> </a:t>
-            </a:r>
-            <a:r>
-              <a:rPr lang="de-DE" dirty="0" err="1"/>
-              <a:t>operators</a:t>
-            </a:r>
-            <a:r>
-              <a:rPr lang="de-DE" dirty="0"/>
-              <a:t> (i.e. </a:t>
-            </a:r>
-            <a:r>
-              <a:rPr lang="de-DE" dirty="0" err="1"/>
-              <a:t>number</a:t>
-            </a:r>
-            <a:r>
-              <a:rPr lang="de-DE" dirty="0"/>
-              <a:t> </a:t>
-            </a:r>
-            <a:r>
-              <a:rPr lang="de-DE" dirty="0" err="1"/>
-              <a:t>of</a:t>
-            </a:r>
-            <a:r>
-              <a:rPr lang="de-DE" dirty="0"/>
-              <a:t> individual </a:t>
-            </a:r>
-            <a:r>
-              <a:rPr lang="de-DE" dirty="0" err="1"/>
-              <a:t>conv</a:t>
-            </a:r>
-            <a:r>
-              <a:rPr lang="de-DE" dirty="0"/>
-              <a:t> </a:t>
-            </a:r>
-            <a:r>
-              <a:rPr lang="de-DE" dirty="0" err="1"/>
-              <a:t>or</a:t>
-            </a:r>
-            <a:r>
-              <a:rPr lang="de-DE" dirty="0"/>
-              <a:t> </a:t>
-            </a:r>
-            <a:r>
-              <a:rPr lang="de-DE" dirty="0" err="1"/>
-              <a:t>pooling</a:t>
-            </a:r>
-            <a:r>
-              <a:rPr lang="de-DE" dirty="0"/>
-              <a:t> </a:t>
-            </a:r>
-            <a:r>
-              <a:rPr lang="de-DE" dirty="0" err="1"/>
-              <a:t>operations</a:t>
+              <a:t>branch-concatenation</a:t>
             </a:r>
             <a:r>
               <a:rPr lang="de-DE" dirty="0"/>
@@ -852,47 +990,71 @@
             </a:r>
             <a:r>
               <a:rPr lang="de-DE" dirty="0" err="1"/>
-              <a:t>one</a:t>
-            </a:r>
-            <a:r>
-              <a:rPr lang="de-DE" dirty="0"/>
-              <a:t> </a:t>
-            </a:r>
-            <a:r>
-              <a:rPr lang="de-DE" dirty="0" err="1"/>
-              <a:t>building</a:t>
-            </a:r>
-            <a:r>
-              <a:rPr lang="de-DE" dirty="0"/>
-              <a:t> block) </a:t>
-            </a:r>
-            <a:r>
-              <a:rPr lang="de-DE" dirty="0" err="1"/>
-              <a:t>introduces</a:t>
-            </a:r>
-            <a:r>
-              <a:rPr lang="de-DE" dirty="0"/>
-              <a:t> extra </a:t>
-            </a:r>
-            <a:r>
-              <a:rPr lang="de-DE" dirty="0" err="1"/>
-              <a:t>overheads</a:t>
-            </a:r>
-            <a:r>
-              <a:rPr lang="de-DE" dirty="0"/>
-              <a:t> like </a:t>
-            </a:r>
-            <a:r>
-              <a:rPr lang="de-DE" dirty="0" err="1"/>
-              <a:t>kernel</a:t>
-            </a:r>
-            <a:r>
-              <a:rPr lang="de-DE" dirty="0"/>
-              <a:t> </a:t>
-            </a:r>
-            <a:r>
-              <a:rPr lang="de-DE" dirty="0" err="1"/>
-              <a:t>launching</a:t>
+              <a:t>Inception</a:t>
+            </a:r>
+            <a:r>
+              <a:rPr lang="de-DE" dirty="0"/>
+              <a:t>): </a:t>
+            </a:r>
+            <a:r>
+              <a:rPr lang="de-DE" dirty="0" err="1"/>
+              <a:t>slow</a:t>
+            </a:r>
+            <a:r>
+              <a:rPr lang="de-DE" dirty="0"/>
+              <a:t> down </a:t>
+            </a:r>
+            <a:r>
+              <a:rPr lang="de-DE" dirty="0" err="1"/>
+              <a:t>inference</a:t>
+            </a:r>
+            <a:r>
+              <a:rPr lang="de-DE" dirty="0"/>
+              <a:t>, </a:t>
+            </a:r>
+            <a:r>
+              <a:rPr lang="de-DE" dirty="0" err="1"/>
+              <a:t>reduce</a:t>
+            </a:r>
+            <a:r>
+              <a:rPr lang="de-DE" dirty="0"/>
+              <a:t> </a:t>
+            </a:r>
+            <a:r>
+              <a:rPr lang="de-DE" dirty="0" err="1"/>
+              <a:t>memory</a:t>
+            </a:r>
+            <a:r>
+              <a:rPr lang="de-DE" dirty="0"/>
+              <a:t> </a:t>
+            </a:r>
+            <a:r>
+              <a:rPr lang="de-DE" dirty="0" err="1"/>
+              <a:t>utilization</a:t>
+            </a:r>
+            <a:r>
+              <a:rPr lang="de-DE" dirty="0"/>
+              <a:t>, </a:t>
+            </a:r>
+            <a:r>
+              <a:rPr lang="de-DE" dirty="0" err="1"/>
+              <a:t>difficult</a:t>
+            </a:r>
+            <a:r>
+              <a:rPr lang="de-DE" dirty="0"/>
+              <a:t> </a:t>
+            </a:r>
+            <a:r>
+              <a:rPr lang="de-DE" dirty="0" err="1"/>
+              <a:t>to</a:t>
+            </a:r>
+            <a:r>
+              <a:rPr lang="de-DE" dirty="0"/>
+              <a:t> </a:t>
+            </a:r>
+            <a:r>
+              <a:rPr lang="de-DE" dirty="0" err="1"/>
+              <a:t>implement</a:t>
             </a:r>
             <a:r>
               <a:rPr lang="de-DE" dirty="0"/>
@@ -900,7 +1062,7 @@
             </a:r>
             <a:r>
               <a:rPr lang="de-DE" dirty="0" err="1"/>
-              <a:t>synchronization</a:t>
+              <a:t>customize</a:t>
             </a:r>
             <a:endParaRPr lang="de-DE" dirty="0"/>
           </a:p>
@@ -910,235 +1072,128 @@
               <a:buChar char="•"/>
             </a:pPr>
             <a:r>
-              <a:rPr lang="de-DE" dirty="0"/>
-              <a:t>Memory-</a:t>
-            </a:r>
-            <a:r>
-              <a:rPr lang="de-DE" dirty="0" err="1"/>
-              <a:t>economical</a:t>
+              <a:rPr lang="de-DE" dirty="0" err="1"/>
+              <a:t>Depthwise</a:t>
+            </a:r>
+            <a:r>
+              <a:rPr lang="de-DE" dirty="0"/>
+              <a:t> </a:t>
+            </a:r>
+            <a:r>
+              <a:rPr lang="de-DE" dirty="0" err="1"/>
+              <a:t>conv</a:t>
+            </a:r>
+            <a:r>
+              <a:rPr lang="de-DE" dirty="0"/>
+              <a:t> in </a:t>
+            </a:r>
+            <a:r>
+              <a:rPr lang="de-DE" dirty="0" err="1"/>
+              <a:t>Xception</a:t>
+            </a:r>
+            <a:r>
+              <a:rPr lang="de-DE" dirty="0"/>
+              <a:t> and </a:t>
+            </a:r>
+            <a:r>
+              <a:rPr lang="de-DE" dirty="0" err="1"/>
+              <a:t>MobleNets</a:t>
+            </a:r>
+            <a:r>
+              <a:rPr lang="de-DE" dirty="0"/>
+              <a:t>, </a:t>
+            </a:r>
+            <a:r>
+              <a:rPr lang="de-DE" dirty="0" err="1"/>
+              <a:t>channel</a:t>
+            </a:r>
+            <a:r>
+              <a:rPr lang="de-DE" dirty="0"/>
+              <a:t> </a:t>
+            </a:r>
+            <a:r>
+              <a:rPr lang="de-DE" dirty="0" err="1"/>
+              <a:t>shuffle</a:t>
+            </a:r>
+            <a:r>
+              <a:rPr lang="de-DE" dirty="0"/>
+              <a:t> in </a:t>
+            </a:r>
+            <a:r>
+              <a:rPr lang="de-DE" dirty="0" err="1"/>
+              <a:t>ShuffleNets</a:t>
             </a:r>
             <a:r>
               <a:rPr lang="de-DE" dirty="0"/>
               <a:t>: </a:t>
             </a:r>
-          </a:p>
-          <a:p>
-            <a:pPr marL="1085850" lvl="2" indent="-171450">
+            <a:r>
+              <a:rPr lang="de-DE" dirty="0" err="1"/>
+              <a:t>Increase</a:t>
+            </a:r>
+            <a:r>
+              <a:rPr lang="de-DE" dirty="0"/>
+              <a:t> MAC</a:t>
+            </a:r>
+          </a:p>
+          <a:p>
+            <a:pPr marL="171450" lvl="0" indent="-171450">
               <a:buFont typeface="Arial" panose="020B0604020202020204" pitchFamily="34" charset="0"/>
               <a:buChar char="•"/>
             </a:pPr>
             <a:r>
               <a:rPr lang="de-DE" dirty="0"/>
-              <a:t>Multi-</a:t>
-            </a:r>
-            <a:r>
-              <a:rPr lang="de-DE" dirty="0" err="1"/>
-              <a:t>branch</a:t>
-            </a:r>
-            <a:r>
-              <a:rPr lang="de-DE" dirty="0"/>
-              <a:t> </a:t>
-            </a:r>
-            <a:r>
-              <a:rPr lang="de-DE" dirty="0" err="1"/>
-              <a:t>topology</a:t>
-            </a:r>
-            <a:r>
-              <a:rPr lang="de-DE" dirty="0"/>
-              <a:t> like residual </a:t>
-            </a:r>
-            <a:r>
-              <a:rPr lang="de-DE" dirty="0" err="1"/>
-              <a:t>architectures</a:t>
-            </a:r>
-            <a:r>
-              <a:rPr lang="de-DE" dirty="0"/>
-              <a:t>: </a:t>
-            </a:r>
-            <a:r>
-              <a:rPr lang="de-DE" dirty="0" err="1"/>
-              <a:t>keep</a:t>
-            </a:r>
-            <a:r>
-              <a:rPr lang="de-DE" dirty="0"/>
-              <a:t> </a:t>
-            </a:r>
-            <a:r>
-              <a:rPr lang="de-DE" dirty="0" err="1"/>
-              <a:t>results</a:t>
-            </a:r>
-            <a:r>
-              <a:rPr lang="de-DE" dirty="0"/>
-              <a:t> </a:t>
-            </a:r>
-            <a:r>
-              <a:rPr lang="de-DE" dirty="0" err="1"/>
-              <a:t>of</a:t>
-            </a:r>
-            <a:r>
-              <a:rPr lang="de-DE" dirty="0"/>
-              <a:t> </a:t>
-            </a:r>
-            <a:r>
-              <a:rPr lang="de-DE" dirty="0" err="1"/>
-              <a:t>every</a:t>
-            </a:r>
-            <a:r>
-              <a:rPr lang="de-DE" dirty="0"/>
-              <a:t> </a:t>
-            </a:r>
-            <a:r>
-              <a:rPr lang="de-DE" dirty="0" err="1"/>
-              <a:t>branch</a:t>
-            </a:r>
-            <a:r>
-              <a:rPr lang="de-DE" dirty="0"/>
-              <a:t> </a:t>
-            </a:r>
-            <a:r>
-              <a:rPr lang="de-DE" dirty="0" err="1"/>
-              <a:t>until</a:t>
-            </a:r>
-            <a:r>
-              <a:rPr lang="de-DE" dirty="0"/>
-              <a:t> </a:t>
-            </a:r>
-            <a:r>
-              <a:rPr lang="de-DE" dirty="0" err="1"/>
-              <a:t>addition</a:t>
-            </a:r>
-            <a:r>
-              <a:rPr lang="de-DE" dirty="0"/>
-              <a:t>/</a:t>
-            </a:r>
-            <a:r>
-              <a:rPr lang="de-DE" dirty="0" err="1"/>
-              <a:t>concatenation</a:t>
+              <a:t>FLOPs </a:t>
+            </a:r>
+            <a:r>
+              <a:rPr lang="de-DE" dirty="0" err="1"/>
+              <a:t>to</a:t>
+            </a:r>
+            <a:r>
+              <a:rPr lang="de-DE" dirty="0"/>
+              <a:t> not </a:t>
+            </a:r>
+            <a:r>
+              <a:rPr lang="de-DE" dirty="0" err="1"/>
+              <a:t>represent</a:t>
+            </a:r>
+            <a:r>
+              <a:rPr lang="de-DE" dirty="0"/>
+              <a:t> </a:t>
+            </a:r>
+            <a:r>
+              <a:rPr lang="de-DE" dirty="0" err="1"/>
+              <a:t>speed</a:t>
             </a:r>
             <a:endParaRPr lang="de-DE" dirty="0"/>
           </a:p>
           <a:p>
-            <a:pPr marL="1085850" lvl="2" indent="-171450">
+            <a:pPr marL="171450" lvl="0" indent="-171450">
               <a:buFont typeface="Arial" panose="020B0604020202020204" pitchFamily="34" charset="0"/>
               <a:buChar char="•"/>
             </a:pPr>
             <a:r>
-              <a:rPr lang="de-DE" dirty="0" err="1"/>
-              <a:t>Plain</a:t>
-            </a:r>
-            <a:r>
-              <a:rPr lang="de-DE" dirty="0"/>
-              <a:t> </a:t>
-            </a:r>
-            <a:r>
-              <a:rPr lang="de-DE" dirty="0" err="1"/>
-              <a:t>ConvNet</a:t>
+              <a:rPr lang="de-DE" dirty="0"/>
+              <a:t>Image!</a:t>
+            </a:r>
+          </a:p>
+          <a:p>
+            <a:pPr marL="171450" lvl="0" indent="-171450">
+              <a:buFont typeface="Arial" panose="020B0604020202020204" pitchFamily="34" charset="0"/>
+              <a:buChar char="•"/>
+            </a:pPr>
+            <a:r>
+              <a:rPr lang="de-DE" dirty="0"/>
+              <a:t>Advantages </a:t>
+            </a:r>
+            <a:r>
+              <a:rPr lang="de-DE" dirty="0" err="1"/>
+              <a:t>RepVGG</a:t>
             </a:r>
             <a:r>
               <a:rPr lang="de-DE" dirty="0"/>
               <a:t>: </a:t>
             </a:r>
-            <a:r>
-              <a:rPr lang="de-DE" dirty="0" err="1"/>
-              <a:t>allows</a:t>
-            </a:r>
-            <a:r>
-              <a:rPr lang="de-DE" dirty="0"/>
-              <a:t> </a:t>
-            </a:r>
-            <a:r>
-              <a:rPr lang="de-DE" dirty="0" err="1"/>
-              <a:t>deep</a:t>
-            </a:r>
-            <a:r>
-              <a:rPr lang="de-DE" dirty="0"/>
-              <a:t> </a:t>
-            </a:r>
-            <a:r>
-              <a:rPr lang="de-DE" dirty="0" err="1"/>
-              <a:t>memory</a:t>
-            </a:r>
-            <a:r>
-              <a:rPr lang="de-DE" dirty="0"/>
-              <a:t> </a:t>
-            </a:r>
-            <a:r>
-              <a:rPr lang="de-DE" dirty="0" err="1"/>
-              <a:t>optimizations</a:t>
-            </a:r>
-            <a:r>
-              <a:rPr lang="de-DE" dirty="0"/>
-              <a:t> and </a:t>
-            </a:r>
-            <a:r>
-              <a:rPr lang="de-DE" dirty="0" err="1"/>
-              <a:t>reduces</a:t>
-            </a:r>
-            <a:r>
-              <a:rPr lang="de-DE" dirty="0"/>
-              <a:t> </a:t>
-            </a:r>
-            <a:r>
-              <a:rPr lang="de-DE" dirty="0" err="1"/>
-              <a:t>memory</a:t>
-            </a:r>
-            <a:r>
-              <a:rPr lang="de-DE" dirty="0"/>
-              <a:t> </a:t>
-            </a:r>
-            <a:r>
-              <a:rPr lang="de-DE" dirty="0" err="1"/>
-              <a:t>costs</a:t>
-            </a:r>
-            <a:r>
-              <a:rPr lang="de-DE" dirty="0"/>
-              <a:t> =&gt; </a:t>
-            </a:r>
-            <a:r>
-              <a:rPr lang="de-DE" dirty="0" err="1"/>
-              <a:t>more</a:t>
-            </a:r>
-            <a:r>
-              <a:rPr lang="de-DE" dirty="0"/>
-              <a:t> </a:t>
-            </a:r>
-            <a:r>
-              <a:rPr lang="de-DE" dirty="0" err="1"/>
-              <a:t>computing</a:t>
-            </a:r>
-            <a:r>
-              <a:rPr lang="de-DE" dirty="0"/>
-              <a:t> </a:t>
-            </a:r>
-            <a:r>
-              <a:rPr lang="de-DE" dirty="0" err="1"/>
-              <a:t>units</a:t>
-            </a:r>
-            <a:r>
-              <a:rPr lang="de-DE" dirty="0"/>
-              <a:t> </a:t>
-            </a:r>
-            <a:r>
-              <a:rPr lang="de-DE" dirty="0" err="1"/>
-              <a:t>onto</a:t>
-            </a:r>
-            <a:r>
-              <a:rPr lang="de-DE" dirty="0"/>
-              <a:t> </a:t>
-            </a:r>
-            <a:r>
-              <a:rPr lang="de-DE" dirty="0" err="1"/>
-              <a:t>the</a:t>
-            </a:r>
-            <a:r>
-              <a:rPr lang="de-DE" dirty="0"/>
-              <a:t> </a:t>
-            </a:r>
-            <a:r>
-              <a:rPr lang="de-DE" dirty="0" err="1"/>
-              <a:t>chip</a:t>
-            </a:r>
-            <a:endParaRPr lang="de-DE" dirty="0"/>
           </a:p>
           <a:p>
             <a:pPr marL="628650" lvl="1" indent="-171450">
@@ -1147,163 +1202,156 @@
             </a:pPr>
             <a:r>
               <a:rPr lang="de-DE" dirty="0"/>
-              <a:t>Flexible: </a:t>
-            </a:r>
-          </a:p>
-          <a:p>
-            <a:pPr marL="1085850" lvl="2" indent="-171450">
+              <a:t>VGG-like </a:t>
+            </a:r>
+            <a:r>
+              <a:rPr lang="de-DE" dirty="0" err="1"/>
+              <a:t>plain</a:t>
+            </a:r>
+            <a:r>
+              <a:rPr lang="de-DE" dirty="0"/>
+              <a:t> </a:t>
+            </a:r>
+            <a:r>
+              <a:rPr lang="de-DE" dirty="0" err="1"/>
+              <a:t>feed</a:t>
+            </a:r>
+            <a:r>
+              <a:rPr lang="de-DE" dirty="0"/>
+              <a:t>-forward </a:t>
+            </a:r>
+            <a:r>
+              <a:rPr lang="de-DE" dirty="0" err="1"/>
+              <a:t>topology</a:t>
+            </a:r>
+            <a:endParaRPr lang="de-DE" dirty="0"/>
+          </a:p>
+          <a:p>
+            <a:pPr marL="628650" lvl="1" indent="-171450">
               <a:buFont typeface="Arial" panose="020B0604020202020204" pitchFamily="34" charset="0"/>
               <a:buChar char="•"/>
             </a:pPr>
             <a:r>
               <a:rPr lang="de-DE" dirty="0"/>
-              <a:t>Multi-</a:t>
-            </a:r>
-            <a:r>
-              <a:rPr lang="de-DE" dirty="0" err="1"/>
-              <a:t>branch</a:t>
-            </a:r>
-            <a:r>
-              <a:rPr lang="de-DE" dirty="0"/>
-              <a:t> </a:t>
-            </a:r>
-            <a:r>
-              <a:rPr lang="de-DE" dirty="0" err="1"/>
-              <a:t>architectures</a:t>
+              <a:t>3x3 </a:t>
+            </a:r>
+            <a:r>
+              <a:rPr lang="de-DE" dirty="0" err="1"/>
+              <a:t>conv</a:t>
+            </a:r>
+            <a:r>
+              <a:rPr lang="de-DE" dirty="0"/>
+              <a:t> and </a:t>
+            </a:r>
+            <a:r>
+              <a:rPr lang="de-DE" dirty="0" err="1"/>
+              <a:t>ReLU</a:t>
             </a:r>
             <a:endParaRPr lang="de-DE" dirty="0"/>
           </a:p>
           <a:p>
-            <a:pPr marL="1543050" lvl="3" indent="-171450">
+            <a:pPr marL="628650" lvl="1" indent="-171450">
               <a:buFont typeface="Arial" panose="020B0604020202020204" pitchFamily="34" charset="0"/>
               <a:buChar char="•"/>
             </a:pPr>
             <a:r>
               <a:rPr lang="de-DE" dirty="0" err="1"/>
-              <a:t>introduce</a:t>
-            </a:r>
-            <a:r>
-              <a:rPr lang="de-DE" dirty="0"/>
-              <a:t> </a:t>
-            </a:r>
-            <a:r>
-              <a:rPr lang="de-DE" dirty="0" err="1"/>
-              <a:t>architectural</a:t>
-            </a:r>
-            <a:r>
-              <a:rPr lang="de-DE" dirty="0"/>
-              <a:t> </a:t>
-            </a:r>
-            <a:r>
-              <a:rPr lang="de-DE" dirty="0" err="1"/>
-              <a:t>constraints</a:t>
-            </a:r>
-            <a:r>
-              <a:rPr lang="de-DE" dirty="0"/>
-              <a:t>: residual block </a:t>
-            </a:r>
-            <a:r>
-              <a:rPr lang="de-DE" dirty="0" err="1"/>
-              <a:t>need</a:t>
-            </a:r>
-            <a:r>
-              <a:rPr lang="de-DE" dirty="0"/>
-              <a:t> </a:t>
-            </a:r>
-            <a:r>
-              <a:rPr lang="de-DE" dirty="0" err="1"/>
-              <a:t>to</a:t>
-            </a:r>
-            <a:r>
-              <a:rPr lang="de-DE" dirty="0"/>
-              <a:t> </a:t>
-            </a:r>
-            <a:r>
-              <a:rPr lang="de-DE" dirty="0" err="1"/>
-              <a:t>produce</a:t>
-            </a:r>
-            <a:r>
-              <a:rPr lang="de-DE" dirty="0"/>
-              <a:t> </a:t>
-            </a:r>
-            <a:r>
-              <a:rPr lang="de-DE" dirty="0" err="1"/>
-              <a:t>tensors</a:t>
-            </a:r>
-            <a:r>
-              <a:rPr lang="de-DE" dirty="0"/>
-              <a:t> </a:t>
-            </a:r>
-            <a:r>
-              <a:rPr lang="de-DE" dirty="0" err="1"/>
-              <a:t>of</a:t>
-            </a:r>
-            <a:r>
-              <a:rPr lang="de-DE" dirty="0"/>
-              <a:t> </a:t>
-            </a:r>
-            <a:r>
-              <a:rPr lang="de-DE" dirty="0" err="1"/>
-              <a:t>the</a:t>
-            </a:r>
-            <a:r>
-              <a:rPr lang="de-DE" dirty="0"/>
-              <a:t> same </a:t>
-            </a:r>
-            <a:r>
-              <a:rPr lang="de-DE" dirty="0" err="1"/>
-              <a:t>shape</a:t>
-            </a:r>
-            <a:r>
-              <a:rPr lang="de-DE" dirty="0"/>
-              <a:t> </a:t>
-            </a:r>
-            <a:r>
-              <a:rPr lang="de-DE" dirty="0" err="1"/>
-              <a:t>for</a:t>
-            </a:r>
-            <a:r>
-              <a:rPr lang="de-DE" dirty="0"/>
-              <a:t> </a:t>
-            </a:r>
-            <a:r>
-              <a:rPr lang="de-DE" dirty="0" err="1"/>
-              <a:t>the</a:t>
-            </a:r>
-            <a:r>
-              <a:rPr lang="de-DE" dirty="0"/>
-              <a:t> </a:t>
-            </a:r>
-            <a:r>
-              <a:rPr lang="de-DE" dirty="0" err="1"/>
-              <a:t>addition</a:t>
+              <a:t>No</a:t>
+            </a:r>
+            <a:r>
+              <a:rPr lang="de-DE" dirty="0"/>
+              <a:t> </a:t>
+            </a:r>
+            <a:r>
+              <a:rPr lang="de-DE" dirty="0" err="1"/>
+              <a:t>automatic</a:t>
+            </a:r>
+            <a:r>
+              <a:rPr lang="de-DE" dirty="0"/>
+              <a:t> </a:t>
+            </a:r>
+            <a:r>
+              <a:rPr lang="de-DE" dirty="0" err="1"/>
+              <a:t>search</a:t>
+            </a:r>
+            <a:r>
+              <a:rPr lang="de-DE" dirty="0"/>
+              <a:t>, </a:t>
+            </a:r>
+            <a:r>
+              <a:rPr lang="de-DE" dirty="0" err="1"/>
+              <a:t>manual</a:t>
+            </a:r>
+            <a:r>
+              <a:rPr lang="de-DE" dirty="0"/>
+              <a:t> </a:t>
+            </a:r>
+            <a:r>
+              <a:rPr lang="de-DE" dirty="0" err="1"/>
+              <a:t>refinement</a:t>
+            </a:r>
+            <a:r>
+              <a:rPr lang="de-DE" dirty="0"/>
+              <a:t>, </a:t>
+            </a:r>
+            <a:r>
+              <a:rPr lang="de-DE" dirty="0" err="1"/>
+              <a:t>compound</a:t>
+            </a:r>
+            <a:r>
+              <a:rPr lang="de-DE" dirty="0"/>
+              <a:t> </a:t>
+            </a:r>
+            <a:r>
+              <a:rPr lang="de-DE" dirty="0" err="1"/>
+              <a:t>scaling</a:t>
+            </a:r>
+            <a:r>
+              <a:rPr lang="de-DE" dirty="0"/>
+              <a:t> </a:t>
+            </a:r>
+            <a:r>
+              <a:rPr lang="de-DE" dirty="0" err="1"/>
+              <a:t>or</a:t>
+            </a:r>
+            <a:r>
+              <a:rPr lang="de-DE" dirty="0"/>
+              <a:t> </a:t>
+            </a:r>
+            <a:r>
+              <a:rPr lang="de-DE" dirty="0" err="1"/>
+              <a:t>otherheavy</a:t>
+            </a:r>
+            <a:r>
+              <a:rPr lang="de-DE" dirty="0"/>
+              <a:t> </a:t>
+            </a:r>
+            <a:r>
+              <a:rPr lang="de-DE" dirty="0" err="1"/>
+              <a:t>designs</a:t>
             </a:r>
             <a:endParaRPr lang="de-DE" dirty="0"/>
           </a:p>
           <a:p>
-            <a:pPr marL="1543050" lvl="3" indent="-171450">
+            <a:pPr marL="171450" lvl="0" indent="-171450">
               <a:buFont typeface="Arial" panose="020B0604020202020204" pitchFamily="34" charset="0"/>
               <a:buChar char="•"/>
             </a:pPr>
             <a:r>
-              <a:rPr lang="de-DE" dirty="0" err="1"/>
-              <a:t>limit</a:t>
-            </a:r>
-            <a:r>
-              <a:rPr lang="de-DE" dirty="0"/>
-              <a:t> </a:t>
-            </a:r>
-            <a:r>
-              <a:rPr lang="de-DE" dirty="0" err="1"/>
-              <a:t>the</a:t>
-            </a:r>
-            <a:r>
-              <a:rPr lang="de-DE" dirty="0"/>
-              <a:t> </a:t>
-            </a:r>
-            <a:r>
-              <a:rPr lang="de-DE" dirty="0" err="1"/>
-              <a:t>application</a:t>
+              <a:rPr lang="de-DE" dirty="0"/>
+              <a:t>Multi-</a:t>
+            </a:r>
+            <a:r>
+              <a:rPr lang="de-DE" dirty="0" err="1"/>
+              <a:t>branch</a:t>
+            </a:r>
+            <a:r>
+              <a:rPr lang="de-DE" dirty="0"/>
+              <a:t>: </a:t>
+            </a:r>
+            <a:r>
+              <a:rPr lang="de-DE" dirty="0" err="1"/>
+              <a:t>ensemble</a:t>
             </a:r>
             <a:r>
               <a:rPr lang="de-DE" dirty="0"/>
@@ -1315,83 +1363,11 @@
             </a:r>
             <a:r>
               <a:rPr lang="de-DE" dirty="0"/>
-              <a:t> </a:t>
-            </a:r>
-            <a:r>
-              <a:rPr lang="de-DE" dirty="0" err="1"/>
-              <a:t>channel</a:t>
-            </a:r>
-            <a:r>
-              <a:rPr lang="de-DE" dirty="0"/>
-              <a:t> </a:t>
-            </a:r>
-            <a:r>
-              <a:rPr lang="de-DE" dirty="0" err="1"/>
-              <a:t>pruning</a:t>
-            </a:r>
-            <a:r>
-              <a:rPr lang="de-DE" dirty="0"/>
-              <a:t> (</a:t>
-            </a:r>
-            <a:r>
-              <a:rPr lang="de-DE" dirty="0" err="1"/>
-              <a:t>removal</a:t>
-            </a:r>
-            <a:r>
-              <a:rPr lang="de-DE" dirty="0"/>
-              <a:t> </a:t>
-            </a:r>
-            <a:r>
-              <a:rPr lang="de-DE" dirty="0" err="1"/>
-              <a:t>of</a:t>
-            </a:r>
-            <a:r>
-              <a:rPr lang="de-DE" dirty="0"/>
-              <a:t> </a:t>
-            </a:r>
-            <a:r>
-              <a:rPr lang="de-DE" dirty="0" err="1"/>
-              <a:t>unimportant</a:t>
-            </a:r>
-            <a:r>
-              <a:rPr lang="de-DE" dirty="0"/>
-              <a:t> </a:t>
-            </a:r>
-            <a:r>
-              <a:rPr lang="de-DE" dirty="0" err="1"/>
-              <a:t>channels</a:t>
-            </a:r>
-            <a:r>
-              <a:rPr lang="de-DE" dirty="0"/>
-              <a:t> </a:t>
-            </a:r>
-            <a:r>
-              <a:rPr lang="de-DE" dirty="0" err="1"/>
-              <a:t>by</a:t>
-            </a:r>
-            <a:r>
-              <a:rPr lang="de-DE" dirty="0"/>
-              <a:t> </a:t>
-            </a:r>
-            <a:r>
-              <a:rPr lang="de-DE" dirty="0" err="1"/>
-              <a:t>sparse</a:t>
-            </a:r>
-            <a:r>
-              <a:rPr lang="de-DE" dirty="0"/>
-              <a:t> </a:t>
-            </a:r>
-            <a:r>
-              <a:rPr lang="de-DE" dirty="0" err="1"/>
-              <a:t>parameter</a:t>
-            </a:r>
-            <a:r>
-              <a:rPr lang="de-DE" dirty="0"/>
-              <a:t> </a:t>
-            </a:r>
-            <a:r>
-              <a:rPr lang="de-DE" dirty="0" err="1"/>
-              <a:t>tensors</a:t>
+              <a:t> multiple </a:t>
+            </a:r>
+            <a:r>
+              <a:rPr lang="de-DE" dirty="0" err="1"/>
+              <a:t>models</a:t>
             </a:r>
             <a:r>
               <a:rPr lang="de-DE" dirty="0"/>
@@ -1399,53 +1375,166 @@
             </a:r>
             <a:r>
               <a:rPr lang="de-DE" dirty="0" err="1"/>
-              <a:t>then</a:t>
-            </a:r>
-            <a:r>
-              <a:rPr lang="de-DE" dirty="0"/>
-              <a:t> </a:t>
-            </a:r>
-            <a:r>
-              <a:rPr lang="de-DE" dirty="0" err="1"/>
-              <a:t>drop</a:t>
-            </a:r>
-            <a:r>
-              <a:rPr lang="de-DE" dirty="0"/>
-              <a:t> </a:t>
-            </a:r>
-            <a:r>
-              <a:rPr lang="de-DE" dirty="0" err="1"/>
-              <a:t>unnecessary</a:t>
-            </a:r>
-            <a:r>
-              <a:rPr lang="de-DE" dirty="0"/>
-              <a:t> </a:t>
-            </a:r>
-            <a:r>
-              <a:rPr lang="de-DE" dirty="0" err="1"/>
-              <a:t>filters</a:t>
-            </a:r>
-            <a:r>
-              <a:rPr lang="de-DE" dirty="0"/>
-              <a:t>)</a:t>
-            </a:r>
-          </a:p>
-          <a:p>
-            <a:pPr marL="1543050" lvl="3" indent="-171450">
+              <a:t>no</a:t>
+            </a:r>
+            <a:r>
+              <a:rPr lang="de-DE" dirty="0"/>
+              <a:t> </a:t>
+            </a:r>
+            <a:r>
+              <a:rPr lang="de-DE" dirty="0" err="1"/>
+              <a:t>vanishing</a:t>
+            </a:r>
+            <a:r>
+              <a:rPr lang="de-DE" dirty="0"/>
+              <a:t> </a:t>
+            </a:r>
+            <a:r>
+              <a:rPr lang="de-DE" dirty="0" err="1"/>
+              <a:t>gradient</a:t>
+            </a:r>
+            <a:r>
+              <a:rPr lang="de-DE" dirty="0"/>
+              <a:t> </a:t>
+            </a:r>
+            <a:r>
+              <a:rPr lang="de-DE" dirty="0" err="1"/>
+              <a:t>problem</a:t>
+            </a:r>
+            <a:r>
+              <a:rPr lang="de-DE" dirty="0"/>
+              <a:t>: </a:t>
+            </a:r>
+            <a:r>
+              <a:rPr lang="de-DE" dirty="0" err="1"/>
+              <a:t>makes</a:t>
+            </a:r>
+            <a:r>
+              <a:rPr lang="de-DE" dirty="0"/>
+              <a:t> </a:t>
+            </a:r>
+            <a:r>
+              <a:rPr lang="de-DE" dirty="0" err="1"/>
+              <a:t>training</a:t>
+            </a:r>
+            <a:r>
+              <a:rPr lang="de-DE" dirty="0"/>
+              <a:t> a </a:t>
+            </a:r>
+            <a:r>
+              <a:rPr lang="de-DE" dirty="0" err="1"/>
+              <a:t>plain</a:t>
+            </a:r>
+            <a:r>
+              <a:rPr lang="de-DE" dirty="0"/>
+              <a:t> </a:t>
+            </a:r>
+            <a:r>
+              <a:rPr lang="de-DE" dirty="0" err="1"/>
+              <a:t>net</a:t>
+            </a:r>
+            <a:r>
+              <a:rPr lang="de-DE" dirty="0"/>
+              <a:t> </a:t>
+            </a:r>
+            <a:r>
+              <a:rPr lang="de-DE" dirty="0" err="1"/>
+              <a:t>difficult</a:t>
+            </a:r>
+            <a:endParaRPr lang="de-DE" dirty="0"/>
+          </a:p>
+          <a:p>
+            <a:pPr marL="171450" lvl="0" indent="-171450">
               <a:buFont typeface="Arial" panose="020B0604020202020204" pitchFamily="34" charset="0"/>
               <a:buChar char="•"/>
             </a:pPr>
             <a:r>
-              <a:rPr lang="de-DE" dirty="0" err="1"/>
-              <a:t>Automatic</a:t>
-            </a:r>
-            <a:r>
-              <a:rPr lang="de-DE" dirty="0"/>
-              <a:t> </a:t>
-            </a:r>
-            <a:r>
-              <a:rPr lang="de-DE" dirty="0" err="1"/>
-              <a:t>discovery</a:t>
+              <a:rPr lang="de-DE" dirty="0"/>
+              <a:t>=&gt; </a:t>
+            </a:r>
+            <a:r>
+              <a:rPr lang="de-DE" dirty="0" err="1"/>
+              <a:t>Decouple</a:t>
+            </a:r>
+            <a:r>
+              <a:rPr lang="de-DE" dirty="0"/>
+              <a:t> </a:t>
+            </a:r>
+            <a:r>
+              <a:rPr lang="de-DE" dirty="0" err="1"/>
+              <a:t>trainingtime</a:t>
+            </a:r>
+            <a:r>
+              <a:rPr lang="de-DE" dirty="0"/>
+              <a:t> multi-</a:t>
+            </a:r>
+            <a:r>
+              <a:rPr lang="de-DE" dirty="0" err="1"/>
+              <a:t>banch</a:t>
+            </a:r>
+            <a:r>
+              <a:rPr lang="de-DE" dirty="0"/>
+              <a:t> and </a:t>
+            </a:r>
+            <a:r>
+              <a:rPr lang="de-DE" dirty="0" err="1"/>
+              <a:t>inference</a:t>
+            </a:r>
+            <a:r>
+              <a:rPr lang="de-DE" dirty="0"/>
+              <a:t>-time </a:t>
+            </a:r>
+            <a:r>
+              <a:rPr lang="de-DE" dirty="0" err="1"/>
+              <a:t>plain</a:t>
+            </a:r>
+            <a:r>
+              <a:rPr lang="de-DE" dirty="0"/>
+              <a:t> </a:t>
+            </a:r>
+            <a:r>
+              <a:rPr lang="de-DE" dirty="0" err="1"/>
+              <a:t>archiutecture</a:t>
+            </a:r>
+            <a:r>
+              <a:rPr lang="de-DE" dirty="0"/>
+              <a:t> via </a:t>
+            </a:r>
+            <a:r>
+              <a:rPr lang="de-DE" dirty="0" err="1"/>
+              <a:t>structural</a:t>
+            </a:r>
+            <a:r>
+              <a:rPr lang="de-DE" dirty="0"/>
+              <a:t> </a:t>
+            </a:r>
+            <a:r>
+              <a:rPr lang="de-DE" dirty="0" err="1"/>
+              <a:t>re-parameterization</a:t>
+            </a:r>
+            <a:r>
+              <a:rPr lang="de-DE" dirty="0"/>
+              <a:t> (</a:t>
+            </a:r>
+            <a:r>
+              <a:rPr lang="de-DE" dirty="0" err="1"/>
+              <a:t>transform</a:t>
+            </a:r>
+            <a:r>
+              <a:rPr lang="de-DE" dirty="0"/>
+              <a:t> </a:t>
+            </a:r>
+            <a:r>
+              <a:rPr lang="de-DE" dirty="0" err="1"/>
+              <a:t>the</a:t>
+            </a:r>
+            <a:r>
+              <a:rPr lang="de-DE" dirty="0"/>
+              <a:t> </a:t>
+            </a:r>
+            <a:r>
+              <a:rPr lang="de-DE" dirty="0" err="1"/>
+              <a:t>parameters</a:t>
             </a:r>
             <a:r>
               <a:rPr lang="de-DE" dirty="0"/>
@@ -1461,143 +1550,247 @@
             </a:r>
             <a:r>
               <a:rPr lang="de-DE" dirty="0" err="1"/>
-              <a:t>appropriate</a:t>
-            </a:r>
-            <a:r>
-              <a:rPr lang="de-DE" dirty="0"/>
-              <a:t> </a:t>
-            </a:r>
-            <a:r>
-              <a:rPr lang="de-DE" dirty="0" err="1"/>
-              <a:t>layer</a:t>
-            </a:r>
-            <a:r>
-              <a:rPr lang="de-DE" dirty="0"/>
-              <a:t> </a:t>
-            </a:r>
-            <a:r>
-              <a:rPr lang="de-DE" dirty="0" err="1"/>
-              <a:t>width</a:t>
-            </a:r>
-            <a:r>
-              <a:rPr lang="de-DE" dirty="0"/>
-              <a:t> </a:t>
-            </a:r>
-            <a:r>
-              <a:rPr lang="de-DE" dirty="0" err="1"/>
-              <a:t>cannot</a:t>
-            </a:r>
-            <a:r>
-              <a:rPr lang="de-DE" dirty="0"/>
-              <a:t> </a:t>
-            </a:r>
-            <a:r>
-              <a:rPr lang="de-DE" dirty="0" err="1"/>
-              <a:t>be</a:t>
-            </a:r>
-            <a:r>
-              <a:rPr lang="de-DE" dirty="0"/>
-              <a:t> </a:t>
-            </a:r>
-            <a:r>
-              <a:rPr lang="de-DE" dirty="0" err="1"/>
-              <a:t>applied</a:t>
-            </a:r>
-            <a:endParaRPr lang="de-DE" dirty="0"/>
-          </a:p>
-          <a:p>
-            <a:pPr marL="1085850" lvl="2" indent="-171450">
+              <a:t>two</a:t>
+            </a:r>
+            <a:r>
+              <a:rPr lang="de-DE" dirty="0"/>
+              <a:t> </a:t>
+            </a:r>
+            <a:r>
+              <a:rPr lang="de-DE" dirty="0" err="1"/>
+              <a:t>achritectures</a:t>
+            </a:r>
+            <a:r>
+              <a:rPr lang="de-DE" dirty="0"/>
+              <a:t>)</a:t>
+            </a:r>
+          </a:p>
+          <a:p>
+            <a:pPr marL="171450" lvl="0" indent="-171450">
               <a:buFont typeface="Arial" panose="020B0604020202020204" pitchFamily="34" charset="0"/>
               <a:buChar char="•"/>
             </a:pPr>
             <a:r>
-              <a:rPr lang="de-DE" dirty="0" err="1"/>
-              <a:t>Plain</a:t>
-            </a:r>
-            <a:r>
-              <a:rPr lang="de-DE" dirty="0"/>
-              <a:t> </a:t>
-            </a:r>
-            <a:r>
-              <a:rPr lang="de-DE" dirty="0" err="1"/>
-              <a:t>architectures</a:t>
-            </a:r>
-            <a:r>
-              <a:rPr lang="de-DE" dirty="0"/>
-              <a:t> do not </a:t>
-            </a:r>
-            <a:r>
-              <a:rPr lang="de-DE" dirty="0" err="1"/>
-              <a:t>have</a:t>
-            </a:r>
-            <a:r>
-              <a:rPr lang="de-DE" dirty="0"/>
-              <a:t> such </a:t>
-            </a:r>
-            <a:r>
-              <a:rPr lang="de-DE" dirty="0" err="1"/>
-              <a:t>constraints</a:t>
-            </a:r>
-            <a:r>
-              <a:rPr lang="de-DE" dirty="0"/>
-              <a:t> -&gt; </a:t>
-            </a:r>
-            <a:r>
-              <a:rPr lang="de-DE" dirty="0" err="1"/>
-              <a:t>freely</a:t>
-            </a:r>
-            <a:r>
-              <a:rPr lang="de-DE" dirty="0"/>
-              <a:t> </a:t>
-            </a:r>
-            <a:r>
-              <a:rPr lang="de-DE" dirty="0" err="1"/>
-              <a:t>configure</a:t>
-            </a:r>
-            <a:r>
-              <a:rPr lang="de-DE" dirty="0"/>
-              <a:t> </a:t>
-            </a:r>
-            <a:r>
-              <a:rPr lang="de-DE" dirty="0" err="1"/>
-              <a:t>everything</a:t>
-            </a:r>
-            <a:r>
-              <a:rPr lang="de-DE" dirty="0"/>
-              <a:t>, </a:t>
-            </a:r>
-            <a:r>
-              <a:rPr lang="de-DE" dirty="0" err="1"/>
-              <a:t>channel</a:t>
-            </a:r>
-            <a:r>
-              <a:rPr lang="de-DE" dirty="0"/>
-              <a:t> </a:t>
-            </a:r>
-            <a:r>
-              <a:rPr lang="de-DE" dirty="0" err="1"/>
-              <a:t>pruning</a:t>
-            </a:r>
-            <a:r>
-              <a:rPr lang="de-DE" dirty="0"/>
-              <a:t> (</a:t>
-            </a:r>
-            <a:r>
-              <a:rPr lang="de-DE" dirty="0" err="1"/>
-              <a:t>better</a:t>
-            </a:r>
-            <a:r>
-              <a:rPr lang="de-DE" dirty="0"/>
-              <a:t> performance-efficiency </a:t>
-            </a:r>
-            <a:r>
-              <a:rPr lang="de-DE" dirty="0" err="1"/>
-              <a:t>tradeoff</a:t>
-            </a:r>
-            <a:r>
-              <a:rPr lang="de-DE" dirty="0"/>
+              <a:rPr lang="de-DE" dirty="0"/>
+              <a:t>E.g. </a:t>
+            </a:r>
+            <a:r>
+              <a:rPr lang="de-DE" dirty="0" err="1"/>
+              <a:t>conv</a:t>
+            </a:r>
+            <a:r>
+              <a:rPr lang="de-DE" dirty="0"/>
+              <a:t> </a:t>
+            </a:r>
+            <a:r>
+              <a:rPr lang="de-DE" dirty="0" err="1"/>
+              <a:t>layer</a:t>
+            </a:r>
+            <a:r>
+              <a:rPr lang="de-DE" dirty="0"/>
+              <a:t> </a:t>
+            </a:r>
+            <a:r>
+              <a:rPr lang="de-DE" dirty="0" err="1"/>
+              <a:t>is</a:t>
+            </a:r>
+            <a:r>
+              <a:rPr lang="de-DE" dirty="0"/>
+              <a:t> </a:t>
+            </a:r>
+            <a:r>
+              <a:rPr lang="de-DE" dirty="0" err="1"/>
+              <a:t>represented</a:t>
+            </a:r>
+            <a:r>
+              <a:rPr lang="de-DE" dirty="0"/>
+              <a:t> </a:t>
+            </a:r>
+            <a:r>
+              <a:rPr lang="de-DE" dirty="0" err="1"/>
+              <a:t>by</a:t>
+            </a:r>
+            <a:r>
+              <a:rPr lang="de-DE" dirty="0"/>
+              <a:t> a 4th </a:t>
+            </a:r>
+            <a:r>
+              <a:rPr lang="de-DE" dirty="0" err="1"/>
+              <a:t>order</a:t>
+            </a:r>
+            <a:r>
+              <a:rPr lang="de-DE" dirty="0"/>
+              <a:t> </a:t>
+            </a:r>
+            <a:r>
+              <a:rPr lang="de-DE" dirty="0" err="1"/>
+              <a:t>kernel</a:t>
+            </a:r>
+            <a:r>
+              <a:rPr lang="de-DE" dirty="0"/>
+              <a:t> </a:t>
+            </a:r>
+            <a:r>
+              <a:rPr lang="de-DE" dirty="0" err="1"/>
+              <a:t>tensor</a:t>
+            </a:r>
+            <a:endParaRPr lang="de-DE" dirty="0"/>
+          </a:p>
+          <a:p>
+            <a:pPr marL="171450" lvl="0" indent="-171450">
+              <a:buFont typeface="Arial" panose="020B0604020202020204" pitchFamily="34" charset="0"/>
+              <a:buChar char="•"/>
+            </a:pPr>
+            <a:endParaRPr lang="de-DE" dirty="0"/>
+          </a:p>
+          <a:p>
+            <a:pPr marL="171450" lvl="0" indent="-171450">
+              <a:buFont typeface="Arial" panose="020B0604020202020204" pitchFamily="34" charset="0"/>
+              <a:buChar char="•"/>
+            </a:pPr>
+            <a:r>
+              <a:rPr lang="de-DE" dirty="0" err="1"/>
+              <a:t>Idea</a:t>
+            </a:r>
+            <a:r>
+              <a:rPr lang="de-DE" dirty="0"/>
+              <a:t>:</a:t>
+            </a:r>
+            <a:endParaRPr lang="en-US" dirty="0"/>
+          </a:p>
+          <a:p>
+            <a:pPr marL="171450" lvl="0" indent="-171450">
+              <a:buFont typeface="Arial" panose="020B0604020202020204" pitchFamily="34" charset="0"/>
+              <a:buChar char="•"/>
+            </a:pPr>
+            <a:r>
+              <a:rPr lang="en-US" dirty="0"/>
+              <a:t>Training-time </a:t>
+            </a:r>
+            <a:r>
+              <a:rPr lang="en-US" dirty="0" err="1"/>
+              <a:t>RepVGG</a:t>
+            </a:r>
+            <a:r>
+              <a:rPr lang="en-US" dirty="0"/>
+              <a:t>: </a:t>
+            </a:r>
+            <a:r>
+              <a:rPr lang="en-US" dirty="0" err="1"/>
+              <a:t>indentity</a:t>
+            </a:r>
+            <a:r>
+              <a:rPr lang="en-US" dirty="0"/>
+              <a:t> and 1x1 branches (inspired by </a:t>
+            </a:r>
+            <a:r>
+              <a:rPr lang="en-US" dirty="0" err="1"/>
+              <a:t>ResNet</a:t>
+            </a:r>
+            <a:r>
+              <a:rPr lang="en-US" dirty="0"/>
               <a:t>)</a:t>
             </a:r>
+          </a:p>
+          <a:p>
+            <a:pPr marL="171450" lvl="0" indent="-171450">
+              <a:buFont typeface="Arial" panose="020B0604020202020204" pitchFamily="34" charset="0"/>
+              <a:buChar char="•"/>
+            </a:pPr>
+            <a:r>
+              <a:rPr lang="en-US" dirty="0"/>
+              <a:t>Identity = degraded 1x1 conv, 1x1 conv = degraded 3x3 conv</a:t>
+            </a:r>
+          </a:p>
+          <a:p>
+            <a:pPr marL="171450" lvl="0" indent="-171450">
+              <a:buFont typeface="Arial" panose="020B0604020202020204" pitchFamily="34" charset="0"/>
+              <a:buChar char="•"/>
+            </a:pPr>
+            <a:r>
+              <a:rPr lang="en-US" dirty="0"/>
+              <a:t>3x3 conv constructed from trained parameters form 3x3, 1x1, identity and batch normalization =&gt; use for test and deployment</a:t>
+            </a:r>
+          </a:p>
+          <a:p>
+            <a:pPr marL="171450" lvl="0" indent="-171450">
+              <a:buFont typeface="Arial" panose="020B0604020202020204" pitchFamily="34" charset="0"/>
+              <a:buChar char="•"/>
+            </a:pPr>
+            <a:endParaRPr lang="en-US" dirty="0"/>
+          </a:p>
+          <a:p>
+            <a:pPr marL="171450" lvl="0" indent="-171450">
+              <a:buFont typeface="Arial" panose="020B0604020202020204" pitchFamily="34" charset="0"/>
+              <a:buChar char="•"/>
+            </a:pPr>
+            <a:r>
+              <a:rPr lang="en-US" dirty="0" err="1"/>
+              <a:t>RepVGG</a:t>
+            </a:r>
+            <a:r>
+              <a:rPr lang="en-US" dirty="0"/>
+              <a:t> on inference: only 3x3 </a:t>
+            </a:r>
+            <a:r>
+              <a:rPr lang="en-US" dirty="0" err="1"/>
+              <a:t>cov</a:t>
+            </a:r>
+            <a:r>
+              <a:rPr lang="en-US" dirty="0"/>
+              <a:t> and </a:t>
+            </a:r>
+            <a:r>
+              <a:rPr lang="en-US" dirty="0" err="1"/>
+              <a:t>ReLU</a:t>
+            </a:r>
+            <a:endParaRPr lang="en-US" dirty="0"/>
+          </a:p>
+          <a:p>
+            <a:pPr marL="171450" lvl="0" indent="-171450">
+              <a:buFont typeface="Arial" panose="020B0604020202020204" pitchFamily="34" charset="0"/>
+              <a:buChar char="•"/>
+            </a:pPr>
+            <a:r>
+              <a:rPr lang="en-US" dirty="0"/>
+              <a:t>Fewer types of operators we require, the more computing units we can integrate onto the chip</a:t>
+            </a:r>
+          </a:p>
+          <a:p>
+            <a:pPr marL="171450" lvl="0" indent="-171450">
+              <a:buFont typeface="Arial" panose="020B0604020202020204" pitchFamily="34" charset="0"/>
+              <a:buChar char="•"/>
+            </a:pPr>
+            <a:r>
+              <a:rPr lang="en-US" dirty="0"/>
+              <a:t>Chips specialized for </a:t>
+            </a:r>
+            <a:r>
+              <a:rPr lang="en-US" dirty="0" err="1"/>
+              <a:t>RepVGG</a:t>
+            </a:r>
+            <a:r>
+              <a:rPr lang="en-US" dirty="0"/>
+              <a:t> can have an enormous number of 3x3-ReLU units and fewer memory units (as being memory economical) =&gt; higher speed</a:t>
+            </a:r>
+          </a:p>
+          <a:p>
+            <a:pPr marL="171450" lvl="0" indent="-171450">
+              <a:buFont typeface="Arial" panose="020B0604020202020204" pitchFamily="34" charset="0"/>
+              <a:buChar char="•"/>
+            </a:pPr>
+            <a:endParaRPr lang="en-US" dirty="0"/>
+          </a:p>
+          <a:p>
+            <a:pPr marL="171450" lvl="0" indent="-171450">
+              <a:buFont typeface="Arial" panose="020B0604020202020204" pitchFamily="34" charset="0"/>
+              <a:buChar char="•"/>
+            </a:pPr>
+            <a:r>
+              <a:rPr lang="en-US" dirty="0"/>
+              <a:t>speed-accuracy tradeoff, structural re-parameterization, performance on image classification and semantic segmentation</a:t>
+            </a:r>
+            <a:endParaRPr lang="de-DE" dirty="0"/>
           </a:p>
         </p:txBody>
       </p:sp>
@@ -1618,7 +1811,7 @@
           <a:p>
             <a:fld id="{6D172734-61C0-4E94-B507-0920723C809C}" type="slidenum">
               <a:rPr lang="en-US" smtClean="0"/>
-              <a:t>5</a:t>
+              <a:t>3</a:t>
             </a:fld>
             <a:endParaRPr lang="en-US"/>
           </a:p>
@@ -1627,7 +1820,7 @@
     </p:spTree>
     <p:extLst>
       <p:ext uri="{BB962C8B-B14F-4D97-AF65-F5344CB8AC3E}">
-        <p14:creationId xmlns:p14="http://schemas.microsoft.com/office/powerpoint/2010/main" val="2957648622"/>
+        <p14:creationId xmlns:p14="http://schemas.microsoft.com/office/powerpoint/2010/main" val="4212764901"/>
       </p:ext>
     </p:extLst>
   </p:cSld>
@@ -1686,22 +1879,61 @@
               <a:buChar char="•"/>
             </a:pPr>
             <a:r>
-              <a:rPr lang="de-DE" dirty="0"/>
-              <a:t>Training-time Multi-</a:t>
-            </a:r>
-            <a:r>
-              <a:rPr lang="de-DE" dirty="0" err="1"/>
-              <a:t>branch</a:t>
-            </a:r>
-            <a:r>
-              <a:rPr lang="de-DE" dirty="0"/>
-              <a:t> </a:t>
-            </a:r>
-            <a:r>
-              <a:rPr lang="de-DE" dirty="0" err="1"/>
-              <a:t>Architecture</a:t>
-            </a:r>
-            <a:endParaRPr lang="de-DE" dirty="0"/>
+              <a:rPr lang="de-DE" dirty="0" err="1"/>
+              <a:t>Three</a:t>
+            </a:r>
+            <a:r>
+              <a:rPr lang="de-DE" dirty="0"/>
+              <a:t> </a:t>
+            </a:r>
+            <a:r>
+              <a:rPr lang="de-DE" dirty="0" err="1"/>
+              <a:t>reasons</a:t>
+            </a:r>
+            <a:r>
+              <a:rPr lang="de-DE" dirty="0"/>
+              <a:t> </a:t>
+            </a:r>
+            <a:r>
+              <a:rPr lang="de-DE" dirty="0" err="1"/>
+              <a:t>for</a:t>
+            </a:r>
+            <a:r>
+              <a:rPr lang="de-DE" dirty="0"/>
+              <a:t> </a:t>
+            </a:r>
+            <a:r>
+              <a:rPr lang="de-DE" dirty="0" err="1"/>
+              <a:t>using</a:t>
+            </a:r>
+            <a:r>
+              <a:rPr lang="de-DE" dirty="0"/>
+              <a:t> simple and </a:t>
+            </a:r>
+            <a:r>
+              <a:rPr lang="de-DE" dirty="0" err="1"/>
+              <a:t>plain</a:t>
+            </a:r>
+            <a:r>
+              <a:rPr lang="de-DE" dirty="0"/>
+              <a:t> </a:t>
+            </a:r>
+            <a:r>
+              <a:rPr lang="de-DE" dirty="0" err="1"/>
+              <a:t>convolutional</a:t>
+            </a:r>
+            <a:r>
+              <a:rPr lang="de-DE" dirty="0"/>
+              <a:t> </a:t>
+            </a:r>
+            <a:r>
+              <a:rPr lang="de-DE" dirty="0" err="1"/>
+              <a:t>networks</a:t>
+            </a:r>
+            <a:r>
+              <a:rPr lang="en-US" dirty="0"/>
+              <a:t>: </a:t>
+            </a:r>
           </a:p>
           <a:p>
             <a:pPr marL="628650" lvl="1" indent="-171450">
@@ -1709,28 +1941,108 @@
               <a:buChar char="•"/>
             </a:pPr>
             <a:r>
-              <a:rPr lang="de-DE" dirty="0" err="1"/>
-              <a:t>Inspired</a:t>
-            </a:r>
-            <a:r>
-              <a:rPr lang="de-DE" dirty="0"/>
-              <a:t> </a:t>
-            </a:r>
-            <a:r>
-              <a:rPr lang="de-DE" dirty="0" err="1"/>
-              <a:t>by</a:t>
-            </a:r>
-            <a:r>
-              <a:rPr lang="de-DE" dirty="0"/>
-              <a:t> </a:t>
-            </a:r>
-            <a:r>
-              <a:rPr lang="de-DE" dirty="0" err="1"/>
-              <a:t>ResNet</a:t>
-            </a:r>
-            <a:r>
-              <a:rPr lang="de-DE" dirty="0"/>
-              <a:t>: multi-</a:t>
+              <a:rPr lang="en-US" dirty="0"/>
+              <a:t>Fast:</a:t>
+            </a:r>
+          </a:p>
+          <a:p>
+            <a:pPr marL="1085850" lvl="2" indent="-171450">
+              <a:buFont typeface="Arial" panose="020B0604020202020204" pitchFamily="34" charset="0"/>
+              <a:buChar char="•"/>
+            </a:pPr>
+            <a:r>
+              <a:rPr lang="de-DE" dirty="0"/>
+              <a:t>Speed </a:t>
+            </a:r>
+            <a:r>
+              <a:rPr lang="de-DE" dirty="0" err="1"/>
+              <a:t>cannot</a:t>
+            </a:r>
+            <a:r>
+              <a:rPr lang="de-DE" dirty="0"/>
+              <a:t> </a:t>
+            </a:r>
+            <a:r>
+              <a:rPr lang="de-DE" dirty="0" err="1"/>
+              <a:t>be</a:t>
+            </a:r>
+            <a:r>
+              <a:rPr lang="de-DE" dirty="0"/>
+              <a:t> </a:t>
+            </a:r>
+            <a:r>
+              <a:rPr lang="de-DE" dirty="0" err="1"/>
+              <a:t>approximated</a:t>
+            </a:r>
+            <a:r>
+              <a:rPr lang="de-DE" dirty="0"/>
+              <a:t> </a:t>
+            </a:r>
+            <a:r>
+              <a:rPr lang="de-DE" dirty="0" err="1"/>
+              <a:t>with</a:t>
+            </a:r>
+            <a:r>
+              <a:rPr lang="de-DE" dirty="0"/>
+              <a:t> FLOPS: (</a:t>
+            </a:r>
+            <a:r>
+              <a:rPr lang="de-DE" dirty="0" err="1"/>
+              <a:t>Winograd</a:t>
+            </a:r>
+            <a:r>
+              <a:rPr lang="de-DE" dirty="0"/>
+              <a:t> </a:t>
+            </a:r>
+            <a:r>
+              <a:rPr lang="de-DE" dirty="0" err="1"/>
+              <a:t>conv</a:t>
+            </a:r>
+            <a:r>
+              <a:rPr lang="de-DE" dirty="0"/>
+              <a:t> (</a:t>
+            </a:r>
+            <a:r>
+              <a:rPr lang="de-DE" dirty="0" err="1"/>
+              <a:t>reduces</a:t>
+            </a:r>
+            <a:r>
+              <a:rPr lang="de-DE" dirty="0"/>
+              <a:t> </a:t>
+            </a:r>
+            <a:r>
+              <a:rPr lang="de-DE" dirty="0" err="1"/>
+              <a:t>flops</a:t>
+            </a:r>
+            <a:r>
+              <a:rPr lang="de-DE" dirty="0"/>
+              <a:t>))</a:t>
+            </a:r>
+          </a:p>
+          <a:p>
+            <a:pPr marL="1543050" lvl="3" indent="-171450">
+              <a:buFont typeface="Arial" panose="020B0604020202020204" pitchFamily="34" charset="0"/>
+              <a:buChar char="•"/>
+            </a:pPr>
+            <a:r>
+              <a:rPr lang="de-DE" dirty="0"/>
+              <a:t>Memory Access </a:t>
+            </a:r>
+            <a:r>
+              <a:rPr lang="de-DE" dirty="0" err="1"/>
+              <a:t>Cost</a:t>
+            </a:r>
+            <a:r>
+              <a:rPr lang="de-DE" dirty="0"/>
+              <a:t> (MAC): high </a:t>
+            </a:r>
+            <a:r>
+              <a:rPr lang="de-DE" dirty="0" err="1"/>
+              <a:t>for</a:t>
+            </a:r>
+            <a:r>
+              <a:rPr lang="de-DE" dirty="0"/>
+              <a:t> </a:t>
             </a:r>
             <a:r>
               <a:rPr lang="de-DE" dirty="0" err="1"/>
@@ -1742,47 +2054,42 @@
             </a:r>
             <a:r>
               <a:rPr lang="de-DE" dirty="0" err="1"/>
-              <a:t>architecture</a:t>
-            </a:r>
-            <a:r>
-              <a:rPr lang="de-DE" dirty="0"/>
-              <a:t> </a:t>
-            </a:r>
-            <a:r>
-              <a:rPr lang="de-DE" dirty="0" err="1"/>
-              <a:t>makes</a:t>
-            </a:r>
-            <a:r>
-              <a:rPr lang="de-DE" dirty="0"/>
-              <a:t> </a:t>
-            </a:r>
-            <a:r>
-              <a:rPr lang="de-DE" dirty="0" err="1"/>
-              <a:t>the</a:t>
-            </a:r>
-            <a:r>
-              <a:rPr lang="de-DE" dirty="0"/>
-              <a:t> </a:t>
-            </a:r>
-            <a:r>
-              <a:rPr lang="de-DE" dirty="0" err="1"/>
-              <a:t>model</a:t>
-            </a:r>
-            <a:r>
-              <a:rPr lang="de-DE" dirty="0"/>
-              <a:t> an </a:t>
-            </a:r>
-            <a:r>
-              <a:rPr lang="de-DE" dirty="0" err="1"/>
-              <a:t>implicit</a:t>
-            </a:r>
-            <a:r>
-              <a:rPr lang="de-DE" dirty="0"/>
-              <a:t> </a:t>
-            </a:r>
-            <a:r>
-              <a:rPr lang="de-DE" dirty="0" err="1"/>
-              <a:t>ensemble</a:t>
+              <a:t>additions</a:t>
+            </a:r>
+            <a:r>
+              <a:rPr lang="de-DE" dirty="0"/>
+              <a:t>/</a:t>
+            </a:r>
+            <a:r>
+              <a:rPr lang="de-DE" dirty="0" err="1"/>
+              <a:t>concatenations</a:t>
+            </a:r>
+            <a:r>
+              <a:rPr lang="de-DE" dirty="0"/>
+              <a:t>, </a:t>
+            </a:r>
+            <a:r>
+              <a:rPr lang="de-DE" dirty="0" err="1"/>
+              <a:t>groupwise</a:t>
+            </a:r>
+            <a:r>
+              <a:rPr lang="de-DE" dirty="0"/>
+              <a:t> </a:t>
+            </a:r>
+            <a:r>
+              <a:rPr lang="de-DE" dirty="0" err="1"/>
+              <a:t>convolution</a:t>
+            </a:r>
+            <a:endParaRPr lang="de-DE" dirty="0"/>
+          </a:p>
+          <a:p>
+            <a:pPr marL="1543050" lvl="3" indent="-171450">
+              <a:buFont typeface="Arial" panose="020B0604020202020204" pitchFamily="34" charset="0"/>
+              <a:buChar char="•"/>
+            </a:pPr>
+            <a:r>
+              <a:rPr lang="de-DE" dirty="0" err="1"/>
+              <a:t>Degree</a:t>
             </a:r>
             <a:r>
               <a:rPr lang="de-DE" dirty="0"/>
@@ -1798,36 +2105,145 @@
             </a:r>
             <a:r>
               <a:rPr lang="de-DE" dirty="0" err="1"/>
-              <a:t>numerous</a:t>
-            </a:r>
-            <a:r>
-              <a:rPr lang="de-DE" dirty="0"/>
-              <a:t> </a:t>
-            </a:r>
-            <a:r>
-              <a:rPr lang="de-DE" dirty="0" err="1"/>
-              <a:t>shallower</a:t>
-            </a:r>
-            <a:r>
-              <a:rPr lang="de-DE" dirty="0"/>
-              <a:t> </a:t>
-            </a:r>
-            <a:r>
-              <a:rPr lang="de-DE" dirty="0" err="1"/>
-              <a:t>models</a:t>
-            </a:r>
-            <a:r>
-              <a:rPr lang="de-DE" dirty="0"/>
-              <a:t> (n block =&gt; 2^n </a:t>
-            </a:r>
-            <a:r>
-              <a:rPr lang="de-DE" dirty="0" err="1"/>
-              <a:t>models</a:t>
-            </a:r>
-            <a:r>
-              <a:rPr lang="de-DE" dirty="0"/>
-              <a:t>)</a:t>
-            </a:r>
+              <a:t>parallelism</a:t>
+            </a:r>
+            <a:r>
+              <a:rPr lang="de-DE" dirty="0"/>
+              <a:t>: high </a:t>
+            </a:r>
+            <a:r>
+              <a:rPr lang="de-DE" dirty="0" err="1"/>
+              <a:t>number</a:t>
+            </a:r>
+            <a:r>
+              <a:rPr lang="de-DE" dirty="0"/>
+              <a:t> </a:t>
+            </a:r>
+            <a:r>
+              <a:rPr lang="de-DE" dirty="0" err="1"/>
+              <a:t>of</a:t>
+            </a:r>
+            <a:r>
+              <a:rPr lang="de-DE" dirty="0"/>
+              <a:t> </a:t>
+            </a:r>
+            <a:r>
+              <a:rPr lang="de-DE" dirty="0" err="1"/>
+              <a:t>fragmented</a:t>
+            </a:r>
+            <a:r>
+              <a:rPr lang="de-DE" dirty="0"/>
+              <a:t> </a:t>
+            </a:r>
+            <a:r>
+              <a:rPr lang="de-DE" dirty="0" err="1"/>
+              <a:t>operators</a:t>
+            </a:r>
+            <a:r>
+              <a:rPr lang="de-DE" dirty="0"/>
+              <a:t> (i.e. </a:t>
+            </a:r>
+            <a:r>
+              <a:rPr lang="de-DE" dirty="0" err="1"/>
+              <a:t>number</a:t>
+            </a:r>
+            <a:r>
+              <a:rPr lang="de-DE" dirty="0"/>
+              <a:t> </a:t>
+            </a:r>
+            <a:r>
+              <a:rPr lang="de-DE" dirty="0" err="1"/>
+              <a:t>of</a:t>
+            </a:r>
+            <a:r>
+              <a:rPr lang="de-DE" dirty="0"/>
+              <a:t> individual </a:t>
+            </a:r>
+            <a:r>
+              <a:rPr lang="de-DE" dirty="0" err="1"/>
+              <a:t>conv</a:t>
+            </a:r>
+            <a:r>
+              <a:rPr lang="de-DE" dirty="0"/>
+              <a:t> </a:t>
+            </a:r>
+            <a:r>
+              <a:rPr lang="de-DE" dirty="0" err="1"/>
+              <a:t>or</a:t>
+            </a:r>
+            <a:r>
+              <a:rPr lang="de-DE" dirty="0"/>
+              <a:t> </a:t>
+            </a:r>
+            <a:r>
+              <a:rPr lang="de-DE" dirty="0" err="1"/>
+              <a:t>pooling</a:t>
+            </a:r>
+            <a:r>
+              <a:rPr lang="de-DE" dirty="0"/>
+              <a:t> </a:t>
+            </a:r>
+            <a:r>
+              <a:rPr lang="de-DE" dirty="0" err="1"/>
+              <a:t>operations</a:t>
+            </a:r>
+            <a:r>
+              <a:rPr lang="de-DE" dirty="0"/>
+              <a:t> in </a:t>
+            </a:r>
+            <a:r>
+              <a:rPr lang="de-DE" dirty="0" err="1"/>
+              <a:t>one</a:t>
+            </a:r>
+            <a:r>
+              <a:rPr lang="de-DE" dirty="0"/>
+              <a:t> </a:t>
+            </a:r>
+            <a:r>
+              <a:rPr lang="de-DE" dirty="0" err="1"/>
+              <a:t>building</a:t>
+            </a:r>
+            <a:r>
+              <a:rPr lang="de-DE" dirty="0"/>
+              <a:t> block) </a:t>
+            </a:r>
+            <a:r>
+              <a:rPr lang="de-DE" dirty="0" err="1"/>
+              <a:t>introduces</a:t>
+            </a:r>
+            <a:r>
+              <a:rPr lang="de-DE" dirty="0"/>
+              <a:t> extra </a:t>
+            </a:r>
+            <a:r>
+              <a:rPr lang="de-DE" dirty="0" err="1"/>
+              <a:t>overheads</a:t>
+            </a:r>
+            <a:r>
+              <a:rPr lang="de-DE" dirty="0"/>
+              <a:t> like </a:t>
+            </a:r>
+            <a:r>
+              <a:rPr lang="de-DE" dirty="0" err="1"/>
+              <a:t>kernel</a:t>
+            </a:r>
+            <a:r>
+              <a:rPr lang="de-DE" dirty="0"/>
+              <a:t> </a:t>
+            </a:r>
+            <a:r>
+              <a:rPr lang="de-DE" dirty="0" err="1"/>
+              <a:t>launching</a:t>
+            </a:r>
+            <a:r>
+              <a:rPr lang="de-DE" dirty="0"/>
+              <a:t> and </a:t>
+            </a:r>
+            <a:r>
+              <a:rPr lang="de-DE" dirty="0" err="1"/>
+              <a:t>synchronization</a:t>
+            </a:r>
+            <a:endParaRPr lang="de-DE" dirty="0"/>
           </a:p>
           <a:p>
             <a:pPr marL="628650" lvl="1" indent="-171450">
@@ -1835,24 +2251,217 @@
               <a:buChar char="•"/>
             </a:pPr>
             <a:r>
-              <a:rPr lang="de-DE" dirty="0" err="1"/>
-              <a:t>Here</a:t>
+              <a:rPr lang="de-DE" dirty="0"/>
+              <a:t>Memory-</a:t>
+            </a:r>
+            <a:r>
+              <a:rPr lang="de-DE" dirty="0" err="1"/>
+              <a:t>economical</a:t>
             </a:r>
             <a:r>
               <a:rPr lang="de-DE" dirty="0"/>
               <a:t>: </a:t>
             </a:r>
-            <a:r>
-              <a:rPr lang="de-DE" dirty="0" err="1"/>
-              <a:t>Would</a:t>
-            </a:r>
-            <a:r>
-              <a:rPr lang="de-DE" dirty="0"/>
-              <a:t> </a:t>
-            </a:r>
-            <a:r>
-              <a:rPr lang="de-DE" dirty="0" err="1"/>
-              <a:t>have</a:t>
+          </a:p>
+          <a:p>
+            <a:pPr marL="1085850" lvl="2" indent="-171450">
+              <a:buFont typeface="Arial" panose="020B0604020202020204" pitchFamily="34" charset="0"/>
+              <a:buChar char="•"/>
+            </a:pPr>
+            <a:r>
+              <a:rPr lang="de-DE" dirty="0"/>
+              <a:t>Multi-</a:t>
+            </a:r>
+            <a:r>
+              <a:rPr lang="de-DE" dirty="0" err="1"/>
+              <a:t>branch</a:t>
+            </a:r>
+            <a:r>
+              <a:rPr lang="de-DE" dirty="0"/>
+              <a:t> </a:t>
+            </a:r>
+            <a:r>
+              <a:rPr lang="de-DE" dirty="0" err="1"/>
+              <a:t>topology</a:t>
+            </a:r>
+            <a:r>
+              <a:rPr lang="de-DE" dirty="0"/>
+              <a:t> like residual </a:t>
+            </a:r>
+            <a:r>
+              <a:rPr lang="de-DE" dirty="0" err="1"/>
+              <a:t>architectures</a:t>
+            </a:r>
+            <a:r>
+              <a:rPr lang="de-DE" dirty="0"/>
+              <a:t>: </a:t>
+            </a:r>
+            <a:r>
+              <a:rPr lang="de-DE" dirty="0" err="1"/>
+              <a:t>keep</a:t>
+            </a:r>
+            <a:r>
+              <a:rPr lang="de-DE" dirty="0"/>
+              <a:t> </a:t>
+            </a:r>
+            <a:r>
+              <a:rPr lang="de-DE" dirty="0" err="1"/>
+              <a:t>results</a:t>
+            </a:r>
+            <a:r>
+              <a:rPr lang="de-DE" dirty="0"/>
+              <a:t> </a:t>
+            </a:r>
+            <a:r>
+              <a:rPr lang="de-DE" dirty="0" err="1"/>
+              <a:t>of</a:t>
+            </a:r>
+            <a:r>
+              <a:rPr lang="de-DE" dirty="0"/>
+              <a:t> </a:t>
+            </a:r>
+            <a:r>
+              <a:rPr lang="de-DE" dirty="0" err="1"/>
+              <a:t>every</a:t>
+            </a:r>
+            <a:r>
+              <a:rPr lang="de-DE" dirty="0"/>
+              <a:t> </a:t>
+            </a:r>
+            <a:r>
+              <a:rPr lang="de-DE" dirty="0" err="1"/>
+              <a:t>branch</a:t>
+            </a:r>
+            <a:r>
+              <a:rPr lang="de-DE" dirty="0"/>
+              <a:t> </a:t>
+            </a:r>
+            <a:r>
+              <a:rPr lang="de-DE" dirty="0" err="1"/>
+              <a:t>until</a:t>
+            </a:r>
+            <a:r>
+              <a:rPr lang="de-DE" dirty="0"/>
+              <a:t> </a:t>
+            </a:r>
+            <a:r>
+              <a:rPr lang="de-DE" dirty="0" err="1"/>
+              <a:t>addition</a:t>
+            </a:r>
+            <a:r>
+              <a:rPr lang="de-DE" dirty="0"/>
+              <a:t>/</a:t>
+            </a:r>
+            <a:r>
+              <a:rPr lang="de-DE" dirty="0" err="1"/>
+              <a:t>concatenation</a:t>
+            </a:r>
+            <a:endParaRPr lang="de-DE" dirty="0"/>
+          </a:p>
+          <a:p>
+            <a:pPr marL="1085850" lvl="2" indent="-171450">
+              <a:buFont typeface="Arial" panose="020B0604020202020204" pitchFamily="34" charset="0"/>
+              <a:buChar char="•"/>
+            </a:pPr>
+            <a:r>
+              <a:rPr lang="de-DE" dirty="0" err="1"/>
+              <a:t>Plain</a:t>
+            </a:r>
+            <a:r>
+              <a:rPr lang="de-DE" dirty="0"/>
+              <a:t> </a:t>
+            </a:r>
+            <a:r>
+              <a:rPr lang="de-DE" dirty="0" err="1"/>
+              <a:t>ConvNet</a:t>
+            </a:r>
+            <a:r>
+              <a:rPr lang="de-DE" dirty="0"/>
+              <a:t>: </a:t>
+            </a:r>
+            <a:r>
+              <a:rPr lang="de-DE" dirty="0" err="1"/>
+              <a:t>allows</a:t>
+            </a:r>
+            <a:r>
+              <a:rPr lang="de-DE" dirty="0"/>
+              <a:t> </a:t>
+            </a:r>
+            <a:r>
+              <a:rPr lang="de-DE" dirty="0" err="1"/>
+              <a:t>deep</a:t>
+            </a:r>
+            <a:r>
+              <a:rPr lang="de-DE" dirty="0"/>
+              <a:t> </a:t>
+            </a:r>
+            <a:r>
+              <a:rPr lang="de-DE" dirty="0" err="1"/>
+              <a:t>memory</a:t>
+            </a:r>
+            <a:r>
+              <a:rPr lang="de-DE" dirty="0"/>
+              <a:t> </a:t>
+            </a:r>
+            <a:r>
+              <a:rPr lang="de-DE" dirty="0" err="1"/>
+              <a:t>optimizations</a:t>
+            </a:r>
+            <a:r>
+              <a:rPr lang="de-DE" dirty="0"/>
+              <a:t> and </a:t>
+            </a:r>
+            <a:r>
+              <a:rPr lang="de-DE" dirty="0" err="1"/>
+              <a:t>reduces</a:t>
+            </a:r>
+            <a:r>
+              <a:rPr lang="de-DE" dirty="0"/>
+              <a:t> </a:t>
+            </a:r>
+            <a:r>
+              <a:rPr lang="de-DE" dirty="0" err="1"/>
+              <a:t>memory</a:t>
+            </a:r>
+            <a:r>
+              <a:rPr lang="de-DE" dirty="0"/>
+              <a:t> </a:t>
+            </a:r>
+            <a:r>
+              <a:rPr lang="de-DE" dirty="0" err="1"/>
+              <a:t>costs</a:t>
+            </a:r>
+            <a:r>
+              <a:rPr lang="de-DE" dirty="0"/>
+              <a:t> =&gt; </a:t>
+            </a:r>
+            <a:r>
+              <a:rPr lang="de-DE" dirty="0" err="1"/>
+              <a:t>more</a:t>
+            </a:r>
+            <a:r>
+              <a:rPr lang="de-DE" dirty="0"/>
+              <a:t> </a:t>
+            </a:r>
+            <a:r>
+              <a:rPr lang="de-DE" dirty="0" err="1"/>
+              <a:t>computing</a:t>
+            </a:r>
+            <a:r>
+              <a:rPr lang="de-DE" dirty="0"/>
+              <a:t> </a:t>
+            </a:r>
+            <a:r>
+              <a:rPr lang="de-DE" dirty="0" err="1"/>
+              <a:t>units</a:t>
+            </a:r>
+            <a:r>
+              <a:rPr lang="de-DE" dirty="0"/>
+              <a:t> </a:t>
+            </a:r>
+            <a:r>
+              <a:rPr lang="de-DE" dirty="0" err="1"/>
+              <a:t>onto</a:t>
             </a:r>
             <a:r>
               <a:rPr lang="de-DE" dirty="0"/>
@@ -1868,63 +2477,7 @@
             </a:r>
             <a:r>
               <a:rPr lang="de-DE" dirty="0" err="1"/>
-              <a:t>mentioned</a:t>
-            </a:r>
-            <a:r>
-              <a:rPr lang="de-DE" dirty="0"/>
-              <a:t> </a:t>
-            </a:r>
-            <a:r>
-              <a:rPr lang="de-DE" dirty="0" err="1"/>
-              <a:t>drawbacks</a:t>
-            </a:r>
-            <a:r>
-              <a:rPr lang="de-DE" dirty="0"/>
-              <a:t> </a:t>
-            </a:r>
-            <a:r>
-              <a:rPr lang="de-DE" dirty="0" err="1"/>
-              <a:t>during</a:t>
-            </a:r>
-            <a:r>
-              <a:rPr lang="de-DE" dirty="0"/>
-              <a:t> </a:t>
-            </a:r>
-            <a:r>
-              <a:rPr lang="de-DE" dirty="0" err="1"/>
-              <a:t>inference</a:t>
-            </a:r>
-            <a:r>
-              <a:rPr lang="de-DE" dirty="0"/>
-              <a:t>, </a:t>
-            </a:r>
-            <a:r>
-              <a:rPr lang="de-DE" dirty="0" err="1"/>
-              <a:t>therefore</a:t>
-            </a:r>
-            <a:r>
-              <a:rPr lang="de-DE" dirty="0"/>
-              <a:t> </a:t>
-            </a:r>
-            <a:r>
-              <a:rPr lang="de-DE" dirty="0" err="1"/>
-              <a:t>only</a:t>
-            </a:r>
-            <a:r>
-              <a:rPr lang="de-DE" dirty="0"/>
-              <a:t> </a:t>
-            </a:r>
-            <a:r>
-              <a:rPr lang="de-DE" dirty="0" err="1"/>
-              <a:t>training</a:t>
-            </a:r>
-            <a:r>
-              <a:rPr lang="de-DE" dirty="0"/>
-              <a:t> time </a:t>
-            </a:r>
-            <a:r>
-              <a:rPr lang="de-DE" dirty="0" err="1"/>
-              <a:t>model</a:t>
+              <a:t>chip</a:t>
             </a:r>
             <a:endParaRPr lang="de-DE" dirty="0"/>
           </a:p>
@@ -1935,239 +2488,96 @@
             </a:pPr>
             <a:r>
               <a:rPr lang="de-DE" dirty="0"/>
-              <a:t>Stack </a:t>
-            </a:r>
-            <a:r>
-              <a:rPr lang="de-DE" dirty="0" err="1"/>
-              <a:t>several</a:t>
-            </a:r>
-            <a:r>
-              <a:rPr lang="de-DE" dirty="0"/>
-              <a:t> x + g(x) + f(x) </a:t>
-            </a:r>
-            <a:r>
-              <a:rPr lang="de-DE" dirty="0" err="1"/>
-              <a:t>blocks</a:t>
-            </a:r>
-            <a:r>
-              <a:rPr lang="de-DE" dirty="0"/>
-              <a:t> </a:t>
-            </a:r>
-            <a:r>
-              <a:rPr lang="de-DE" dirty="0" err="1"/>
-              <a:t>to</a:t>
-            </a:r>
-            <a:r>
-              <a:rPr lang="de-DE" dirty="0"/>
-              <a:t> an </a:t>
-            </a:r>
-            <a:r>
-              <a:rPr lang="de-DE" dirty="0" err="1"/>
-              <a:t>ensemble</a:t>
-            </a:r>
-            <a:r>
-              <a:rPr lang="de-DE" dirty="0"/>
-              <a:t> (3^n </a:t>
-            </a:r>
-            <a:r>
-              <a:rPr lang="de-DE" dirty="0" err="1"/>
-              <a:t>models</a:t>
-            </a:r>
-            <a:r>
-              <a:rPr lang="de-DE" dirty="0"/>
-              <a:t>) (x: </a:t>
-            </a:r>
-            <a:r>
-              <a:rPr lang="de-DE" dirty="0" err="1"/>
-              <a:t>ResNet</a:t>
-            </a:r>
-            <a:r>
-              <a:rPr lang="de-DE" dirty="0"/>
-              <a:t> like </a:t>
-            </a:r>
-            <a:r>
-              <a:rPr lang="de-DE" dirty="0" err="1"/>
-              <a:t>identity</a:t>
-            </a:r>
-            <a:r>
-              <a:rPr lang="de-DE" dirty="0"/>
-              <a:t> in </a:t>
-            </a:r>
-            <a:r>
-              <a:rPr lang="de-DE" dirty="0" err="1"/>
-              <a:t>case</a:t>
-            </a:r>
-            <a:r>
-              <a:rPr lang="de-DE" dirty="0"/>
-              <a:t> </a:t>
-            </a:r>
-            <a:r>
-              <a:rPr lang="de-DE" dirty="0" err="1"/>
-              <a:t>dimensions</a:t>
-            </a:r>
-            <a:r>
-              <a:rPr lang="de-DE" dirty="0"/>
-              <a:t> </a:t>
-            </a:r>
-            <a:r>
-              <a:rPr lang="de-DE" dirty="0" err="1"/>
-              <a:t>match</a:t>
-            </a:r>
-            <a:r>
-              <a:rPr lang="de-DE" dirty="0"/>
-              <a:t>, g(x): 1x1 </a:t>
-            </a:r>
-            <a:r>
-              <a:rPr lang="de-DE" dirty="0" err="1"/>
-              <a:t>conv</a:t>
-            </a:r>
-            <a:r>
-              <a:rPr lang="de-DE" dirty="0"/>
-              <a:t> in </a:t>
-            </a:r>
-            <a:r>
-              <a:rPr lang="de-DE" dirty="0" err="1"/>
-              <a:t>case</a:t>
-            </a:r>
-            <a:r>
-              <a:rPr lang="de-DE" dirty="0"/>
-              <a:t> </a:t>
-            </a:r>
-            <a:r>
-              <a:rPr lang="de-DE" dirty="0" err="1"/>
-              <a:t>dimensions</a:t>
-            </a:r>
-            <a:r>
-              <a:rPr lang="de-DE" dirty="0"/>
-              <a:t> do not </a:t>
-            </a:r>
-            <a:r>
-              <a:rPr lang="de-DE" dirty="0" err="1"/>
-              <a:t>match</a:t>
-            </a:r>
-            <a:r>
-              <a:rPr lang="de-DE" dirty="0"/>
-              <a:t>, f(x): residual </a:t>
-            </a:r>
-            <a:r>
-              <a:rPr lang="de-DE" dirty="0" err="1"/>
-              <a:t>function</a:t>
-            </a:r>
-            <a:r>
-              <a:rPr lang="de-DE" dirty="0"/>
-              <a:t>)</a:t>
-            </a:r>
-          </a:p>
-          <a:p>
-            <a:pPr marL="628650" lvl="1" indent="-171450">
+              <a:t>Flexible: </a:t>
+            </a:r>
+          </a:p>
+          <a:p>
+            <a:pPr marL="1085850" lvl="2" indent="-171450">
               <a:buFont typeface="Arial" panose="020B0604020202020204" pitchFamily="34" charset="0"/>
               <a:buChar char="•"/>
             </a:pPr>
             <a:r>
-              <a:rPr lang="de-DE" dirty="0" err="1"/>
-              <a:t>Apply</a:t>
-            </a:r>
-            <a:r>
-              <a:rPr lang="de-DE" dirty="0"/>
-              <a:t> </a:t>
-            </a:r>
-            <a:r>
-              <a:rPr lang="de-DE" dirty="0" err="1"/>
-              <a:t>batch</a:t>
-            </a:r>
-            <a:r>
-              <a:rPr lang="de-DE" dirty="0"/>
-              <a:t> </a:t>
-            </a:r>
-            <a:r>
-              <a:rPr lang="de-DE" dirty="0" err="1"/>
-              <a:t>normalization</a:t>
-            </a:r>
-            <a:r>
-              <a:rPr lang="de-DE" dirty="0"/>
-              <a:t> </a:t>
-            </a:r>
-            <a:r>
-              <a:rPr lang="de-DE" dirty="0" err="1"/>
-              <a:t>before</a:t>
-            </a:r>
-            <a:r>
-              <a:rPr lang="de-DE" dirty="0"/>
-              <a:t> </a:t>
-            </a:r>
-            <a:r>
-              <a:rPr lang="de-DE" dirty="0" err="1"/>
-              <a:t>the</a:t>
-            </a:r>
-            <a:r>
-              <a:rPr lang="de-DE" dirty="0"/>
-              <a:t> </a:t>
-            </a:r>
-            <a:r>
-              <a:rPr lang="de-DE" dirty="0" err="1"/>
-              <a:t>addition</a:t>
-            </a:r>
-            <a:r>
-              <a:rPr lang="de-DE" dirty="0"/>
-              <a:t> (</a:t>
-            </a:r>
-            <a:r>
-              <a:rPr lang="de-DE" dirty="0" err="1"/>
-              <a:t>output</a:t>
-            </a:r>
-            <a:r>
-              <a:rPr lang="de-DE" dirty="0"/>
-              <a:t> </a:t>
-            </a:r>
-            <a:r>
-              <a:rPr lang="de-DE" dirty="0" err="1"/>
-              <a:t>channel</a:t>
-            </a:r>
-            <a:r>
-              <a:rPr lang="de-DE" dirty="0"/>
-              <a:t> </a:t>
-            </a:r>
-            <a:r>
-              <a:rPr lang="de-DE" dirty="0" err="1"/>
-              <a:t>wise</a:t>
-            </a:r>
-            <a:r>
-              <a:rPr lang="de-DE" dirty="0"/>
-              <a:t>)</a:t>
-            </a:r>
-          </a:p>
-          <a:p>
-            <a:pPr marL="628650" lvl="1" indent="-171450">
+              <a:rPr lang="de-DE" dirty="0"/>
+              <a:t>Multi-</a:t>
+            </a:r>
+            <a:r>
+              <a:rPr lang="de-DE" dirty="0" err="1"/>
+              <a:t>branch</a:t>
+            </a:r>
+            <a:r>
+              <a:rPr lang="de-DE" dirty="0"/>
+              <a:t> </a:t>
+            </a:r>
+            <a:r>
+              <a:rPr lang="de-DE" dirty="0" err="1"/>
+              <a:t>architectures</a:t>
+            </a:r>
+            <a:endParaRPr lang="de-DE" dirty="0"/>
+          </a:p>
+          <a:p>
+            <a:pPr marL="1543050" lvl="3" indent="-171450">
               <a:buFont typeface="Arial" panose="020B0604020202020204" pitchFamily="34" charset="0"/>
               <a:buChar char="•"/>
             </a:pPr>
             <a:r>
               <a:rPr lang="de-DE" dirty="0" err="1"/>
-              <a:t>Omit</a:t>
-            </a:r>
-            <a:r>
-              <a:rPr lang="de-DE" dirty="0"/>
-              <a:t> </a:t>
-            </a:r>
-            <a:r>
-              <a:rPr lang="de-DE" dirty="0" err="1"/>
-              <a:t>identity</a:t>
-            </a:r>
-            <a:r>
-              <a:rPr lang="de-DE" dirty="0"/>
-              <a:t> </a:t>
-            </a:r>
-            <a:r>
-              <a:rPr lang="de-DE" dirty="0" err="1"/>
-              <a:t>branch</a:t>
-            </a:r>
-            <a:r>
-              <a:rPr lang="de-DE" dirty="0"/>
-              <a:t> in </a:t>
-            </a:r>
-            <a:r>
-              <a:rPr lang="de-DE" dirty="0" err="1"/>
-              <a:t>case</a:t>
+              <a:t>introduce</a:t>
+            </a:r>
+            <a:r>
+              <a:rPr lang="de-DE" dirty="0"/>
+              <a:t> </a:t>
+            </a:r>
+            <a:r>
+              <a:rPr lang="de-DE" dirty="0" err="1"/>
+              <a:t>architectural</a:t>
+            </a:r>
+            <a:r>
+              <a:rPr lang="de-DE" dirty="0"/>
+              <a:t> </a:t>
+            </a:r>
+            <a:r>
+              <a:rPr lang="de-DE" dirty="0" err="1"/>
+              <a:t>constraints</a:t>
+            </a:r>
+            <a:r>
+              <a:rPr lang="de-DE" dirty="0"/>
+              <a:t>: residual block </a:t>
+            </a:r>
+            <a:r>
+              <a:rPr lang="de-DE" dirty="0" err="1"/>
+              <a:t>need</a:t>
+            </a:r>
+            <a:r>
+              <a:rPr lang="de-DE" dirty="0"/>
+              <a:t> </a:t>
+            </a:r>
+            <a:r>
+              <a:rPr lang="de-DE" dirty="0" err="1"/>
+              <a:t>to</a:t>
+            </a:r>
+            <a:r>
+              <a:rPr lang="de-DE" dirty="0"/>
+              <a:t> </a:t>
+            </a:r>
+            <a:r>
+              <a:rPr lang="de-DE" dirty="0" err="1"/>
+              <a:t>produce</a:t>
+            </a:r>
+            <a:r>
+              <a:rPr lang="de-DE" dirty="0"/>
+              <a:t> </a:t>
+            </a:r>
+            <a:r>
+              <a:rPr lang="de-DE" dirty="0" err="1"/>
+              <a:t>tensors</a:t>
+            </a:r>
+            <a:r>
+              <a:rPr lang="de-DE" dirty="0"/>
+              <a:t> </a:t>
+            </a:r>
+            <a:r>
+              <a:rPr lang="de-DE" dirty="0" err="1"/>
+              <a:t>of</a:t>
             </a:r>
             <a:r>
               <a:rPr lang="de-DE" dirty="0"/>
@@ -2179,6 +2589,73 @@
             </a:r>
             <a:r>
               <a:rPr lang="de-DE" dirty="0"/>
+              <a:t> same </a:t>
+            </a:r>
+            <a:r>
+              <a:rPr lang="de-DE" dirty="0" err="1"/>
+              <a:t>shape</a:t>
+            </a:r>
+            <a:r>
+              <a:rPr lang="de-DE" dirty="0"/>
+              <a:t> </a:t>
+            </a:r>
+            <a:r>
+              <a:rPr lang="de-DE" dirty="0" err="1"/>
+              <a:t>for</a:t>
+            </a:r>
+            <a:r>
+              <a:rPr lang="de-DE" dirty="0"/>
+              <a:t> </a:t>
+            </a:r>
+            <a:r>
+              <a:rPr lang="de-DE" dirty="0" err="1"/>
+              <a:t>the</a:t>
+            </a:r>
+            <a:r>
+              <a:rPr lang="de-DE" dirty="0"/>
+              <a:t> </a:t>
+            </a:r>
+            <a:r>
+              <a:rPr lang="de-DE" dirty="0" err="1"/>
+              <a:t>addition</a:t>
+            </a:r>
+            <a:endParaRPr lang="de-DE" dirty="0"/>
+          </a:p>
+          <a:p>
+            <a:pPr marL="1543050" lvl="3" indent="-171450">
+              <a:buFont typeface="Arial" panose="020B0604020202020204" pitchFamily="34" charset="0"/>
+              <a:buChar char="•"/>
+            </a:pPr>
+            <a:r>
+              <a:rPr lang="de-DE" dirty="0" err="1"/>
+              <a:t>limit</a:t>
+            </a:r>
+            <a:r>
+              <a:rPr lang="de-DE" dirty="0"/>
+              <a:t> </a:t>
+            </a:r>
+            <a:r>
+              <a:rPr lang="de-DE" dirty="0" err="1"/>
+              <a:t>the</a:t>
+            </a:r>
+            <a:r>
+              <a:rPr lang="de-DE" dirty="0"/>
+              <a:t> </a:t>
+            </a:r>
+            <a:r>
+              <a:rPr lang="de-DE" dirty="0" err="1"/>
+              <a:t>application</a:t>
+            </a:r>
+            <a:r>
+              <a:rPr lang="de-DE" dirty="0"/>
+              <a:t> </a:t>
+            </a:r>
+            <a:r>
+              <a:rPr lang="de-DE" dirty="0" err="1"/>
+              <a:t>of</a:t>
+            </a:r>
+            <a:r>
+              <a:rPr lang="de-DE" dirty="0"/>
               <a:t> </a:t>
             </a:r>
             <a:r>
@@ -2191,7 +2668,200 @@
             </a:r>
             <a:r>
               <a:rPr lang="de-DE" dirty="0" err="1"/>
-              <a:t>dimensions</a:t>
+              <a:t>pruning</a:t>
+            </a:r>
+            <a:r>
+              <a:rPr lang="de-DE" dirty="0"/>
+              <a:t> (</a:t>
+            </a:r>
+            <a:r>
+              <a:rPr lang="de-DE" dirty="0" err="1"/>
+              <a:t>removal</a:t>
+            </a:r>
+            <a:r>
+              <a:rPr lang="de-DE" dirty="0"/>
+              <a:t> </a:t>
+            </a:r>
+            <a:r>
+              <a:rPr lang="de-DE" dirty="0" err="1"/>
+              <a:t>of</a:t>
+            </a:r>
+            <a:r>
+              <a:rPr lang="de-DE" dirty="0"/>
+              <a:t> </a:t>
+            </a:r>
+            <a:r>
+              <a:rPr lang="de-DE" dirty="0" err="1"/>
+              <a:t>unimportant</a:t>
+            </a:r>
+            <a:r>
+              <a:rPr lang="de-DE" dirty="0"/>
+              <a:t> </a:t>
+            </a:r>
+            <a:r>
+              <a:rPr lang="de-DE" dirty="0" err="1"/>
+              <a:t>channels</a:t>
+            </a:r>
+            <a:r>
+              <a:rPr lang="de-DE" dirty="0"/>
+              <a:t> </a:t>
+            </a:r>
+            <a:r>
+              <a:rPr lang="de-DE" dirty="0" err="1"/>
+              <a:t>by</a:t>
+            </a:r>
+            <a:r>
+              <a:rPr lang="de-DE" dirty="0"/>
+              <a:t> </a:t>
+            </a:r>
+            <a:r>
+              <a:rPr lang="de-DE" dirty="0" err="1"/>
+              <a:t>sparse</a:t>
+            </a:r>
+            <a:r>
+              <a:rPr lang="de-DE" dirty="0"/>
+              <a:t> </a:t>
+            </a:r>
+            <a:r>
+              <a:rPr lang="de-DE" dirty="0" err="1"/>
+              <a:t>parameter</a:t>
+            </a:r>
+            <a:r>
+              <a:rPr lang="de-DE" dirty="0"/>
+              <a:t> </a:t>
+            </a:r>
+            <a:r>
+              <a:rPr lang="de-DE" dirty="0" err="1"/>
+              <a:t>tensors</a:t>
+            </a:r>
+            <a:r>
+              <a:rPr lang="de-DE" dirty="0"/>
+              <a:t>, </a:t>
+            </a:r>
+            <a:r>
+              <a:rPr lang="de-DE" dirty="0" err="1"/>
+              <a:t>then</a:t>
+            </a:r>
+            <a:r>
+              <a:rPr lang="de-DE" dirty="0"/>
+              <a:t> </a:t>
+            </a:r>
+            <a:r>
+              <a:rPr lang="de-DE" dirty="0" err="1"/>
+              <a:t>drop</a:t>
+            </a:r>
+            <a:r>
+              <a:rPr lang="de-DE" dirty="0"/>
+              <a:t> </a:t>
+            </a:r>
+            <a:r>
+              <a:rPr lang="de-DE" dirty="0" err="1"/>
+              <a:t>unnecessary</a:t>
+            </a:r>
+            <a:r>
+              <a:rPr lang="de-DE" dirty="0"/>
+              <a:t> </a:t>
+            </a:r>
+            <a:r>
+              <a:rPr lang="de-DE" dirty="0" err="1"/>
+              <a:t>filters</a:t>
+            </a:r>
+            <a:r>
+              <a:rPr lang="de-DE" dirty="0"/>
+              <a:t>)</a:t>
+            </a:r>
+          </a:p>
+          <a:p>
+            <a:pPr marL="1543050" lvl="3" indent="-171450">
+              <a:buFont typeface="Arial" panose="020B0604020202020204" pitchFamily="34" charset="0"/>
+              <a:buChar char="•"/>
+            </a:pPr>
+            <a:r>
+              <a:rPr lang="de-DE" dirty="0" err="1"/>
+              <a:t>Automatic</a:t>
+            </a:r>
+            <a:r>
+              <a:rPr lang="de-DE" dirty="0"/>
+              <a:t> </a:t>
+            </a:r>
+            <a:r>
+              <a:rPr lang="de-DE" dirty="0" err="1"/>
+              <a:t>discovery</a:t>
+            </a:r>
+            <a:r>
+              <a:rPr lang="de-DE" dirty="0"/>
+              <a:t> </a:t>
+            </a:r>
+            <a:r>
+              <a:rPr lang="de-DE" dirty="0" err="1"/>
+              <a:t>of</a:t>
+            </a:r>
+            <a:r>
+              <a:rPr lang="de-DE" dirty="0"/>
+              <a:t> </a:t>
+            </a:r>
+            <a:r>
+              <a:rPr lang="de-DE" dirty="0" err="1"/>
+              <a:t>appropriate</a:t>
+            </a:r>
+            <a:r>
+              <a:rPr lang="de-DE" dirty="0"/>
+              <a:t> </a:t>
+            </a:r>
+            <a:r>
+              <a:rPr lang="de-DE" dirty="0" err="1"/>
+              <a:t>layer</a:t>
+            </a:r>
+            <a:r>
+              <a:rPr lang="de-DE" dirty="0"/>
+              <a:t> </a:t>
+            </a:r>
+            <a:r>
+              <a:rPr lang="de-DE" dirty="0" err="1"/>
+              <a:t>width</a:t>
+            </a:r>
+            <a:r>
+              <a:rPr lang="de-DE" dirty="0"/>
+              <a:t> </a:t>
+            </a:r>
+            <a:r>
+              <a:rPr lang="de-DE" dirty="0" err="1"/>
+              <a:t>cannot</a:t>
+            </a:r>
+            <a:r>
+              <a:rPr lang="de-DE" dirty="0"/>
+              <a:t> </a:t>
+            </a:r>
+            <a:r>
+              <a:rPr lang="de-DE" dirty="0" err="1"/>
+              <a:t>be</a:t>
+            </a:r>
+            <a:r>
+              <a:rPr lang="de-DE" dirty="0"/>
+              <a:t> </a:t>
+            </a:r>
+            <a:r>
+              <a:rPr lang="de-DE" dirty="0" err="1"/>
+              <a:t>applied</a:t>
+            </a:r>
+            <a:endParaRPr lang="de-DE" dirty="0"/>
+          </a:p>
+          <a:p>
+            <a:pPr marL="1085850" lvl="2" indent="-171450">
+              <a:buFont typeface="Arial" panose="020B0604020202020204" pitchFamily="34" charset="0"/>
+              <a:buChar char="•"/>
+            </a:pPr>
+            <a:r>
+              <a:rPr lang="de-DE" dirty="0" err="1"/>
+              <a:t>Plain</a:t>
+            </a:r>
+            <a:r>
+              <a:rPr lang="de-DE" dirty="0"/>
+              <a:t> </a:t>
+            </a:r>
+            <a:r>
+              <a:rPr lang="de-DE" dirty="0" err="1"/>
+              <a:t>architectures</a:t>
             </a:r>
             <a:r>
               <a:rPr lang="de-DE" dirty="0"/>
@@ -2199,9 +2869,76 @@
             </a:r>
             <a:r>
               <a:rPr lang="de-DE" dirty="0" err="1"/>
-              <a:t>match</a:t>
-            </a:r>
-            <a:endParaRPr lang="de-DE" dirty="0"/>
+              <a:t>have</a:t>
+            </a:r>
+            <a:r>
+              <a:rPr lang="de-DE" dirty="0"/>
+              <a:t> such </a:t>
+            </a:r>
+            <a:r>
+              <a:rPr lang="de-DE" dirty="0" err="1"/>
+              <a:t>constraints</a:t>
+            </a:r>
+            <a:r>
+              <a:rPr lang="de-DE" dirty="0"/>
+              <a:t> -&gt; </a:t>
+            </a:r>
+            <a:r>
+              <a:rPr lang="de-DE" dirty="0" err="1"/>
+              <a:t>freely</a:t>
+            </a:r>
+            <a:r>
+              <a:rPr lang="de-DE" dirty="0"/>
+              <a:t> </a:t>
+            </a:r>
+            <a:r>
+              <a:rPr lang="de-DE" dirty="0" err="1"/>
+              <a:t>configure</a:t>
+            </a:r>
+            <a:r>
+              <a:rPr lang="de-DE" dirty="0"/>
+              <a:t> </a:t>
+            </a:r>
+            <a:r>
+              <a:rPr lang="de-DE" dirty="0" err="1"/>
+              <a:t>everything</a:t>
+            </a:r>
+            <a:r>
+              <a:rPr lang="de-DE" dirty="0"/>
+              <a:t>, </a:t>
+            </a:r>
+            <a:r>
+              <a:rPr lang="de-DE" dirty="0" err="1"/>
+              <a:t>channel</a:t>
+            </a:r>
+            <a:r>
+              <a:rPr lang="de-DE" dirty="0"/>
+              <a:t> </a:t>
+            </a:r>
+            <a:r>
+              <a:rPr lang="de-DE" dirty="0" err="1"/>
+              <a:t>pruning</a:t>
+            </a:r>
+            <a:r>
+              <a:rPr lang="de-DE" dirty="0"/>
+              <a:t> (</a:t>
+            </a:r>
+            <a:r>
+              <a:rPr lang="de-DE" dirty="0" err="1"/>
+              <a:t>better</a:t>
+            </a:r>
+            <a:r>
+              <a:rPr lang="de-DE" dirty="0"/>
+              <a:t> performance-efficiency </a:t>
+            </a:r>
+            <a:r>
+              <a:rPr lang="de-DE" dirty="0" err="1"/>
+              <a:t>tradeoff</a:t>
+            </a:r>
+            <a:r>
+              <a:rPr lang="de-DE" dirty="0"/>
+              <a:t>)</a:t>
+            </a:r>
           </a:p>
         </p:txBody>
       </p:sp>
@@ -2222,7 +2959,7 @@
           <a:p>
             <a:fld id="{6D172734-61C0-4E94-B507-0920723C809C}" type="slidenum">
               <a:rPr lang="en-US" smtClean="0"/>
-              <a:t>6</a:t>
+              <a:t>5</a:t>
             </a:fld>
             <a:endParaRPr lang="en-US"/>
           </a:p>
@@ -2231,7 +2968,7 @@
     </p:spTree>
     <p:extLst>
       <p:ext uri="{BB962C8B-B14F-4D97-AF65-F5344CB8AC3E}">
-        <p14:creationId xmlns:p14="http://schemas.microsoft.com/office/powerpoint/2010/main" val="2570994507"/>
+        <p14:creationId xmlns:p14="http://schemas.microsoft.com/office/powerpoint/2010/main" val="2957648622"/>
       </p:ext>
     </p:extLst>
   </p:cSld>
@@ -2290,233 +3027,336 @@
               <a:buChar char="•"/>
             </a:pPr>
             <a:r>
-              <a:rPr lang="de-DE" dirty="0" err="1"/>
-              <a:t>Convert</a:t>
-            </a:r>
-            <a:r>
-              <a:rPr lang="de-DE" dirty="0"/>
-              <a:t> </a:t>
-            </a:r>
-            <a:r>
-              <a:rPr lang="de-DE" dirty="0" err="1"/>
-              <a:t>every</a:t>
-            </a:r>
-            <a:r>
-              <a:rPr lang="de-DE" dirty="0"/>
-              <a:t> BN and ist </a:t>
-            </a:r>
-            <a:r>
-              <a:rPr lang="de-DE" dirty="0" err="1"/>
-              <a:t>preceding</a:t>
-            </a:r>
-            <a:r>
-              <a:rPr lang="de-DE" dirty="0"/>
-              <a:t> </a:t>
-            </a:r>
-            <a:r>
-              <a:rPr lang="de-DE" dirty="0" err="1"/>
-              <a:t>conv</a:t>
-            </a:r>
-            <a:r>
-              <a:rPr lang="de-DE" dirty="0"/>
-              <a:t> </a:t>
-            </a:r>
-            <a:r>
-              <a:rPr lang="de-DE" dirty="0" err="1"/>
-              <a:t>layer</a:t>
-            </a:r>
-            <a:r>
-              <a:rPr lang="de-DE" dirty="0"/>
-              <a:t> </a:t>
-            </a:r>
-            <a:r>
-              <a:rPr lang="de-DE" dirty="0" err="1"/>
-              <a:t>into</a:t>
-            </a:r>
-            <a:r>
-              <a:rPr lang="de-DE" dirty="0"/>
-              <a:t> a </a:t>
-            </a:r>
-            <a:r>
-              <a:rPr lang="de-DE" dirty="0" err="1"/>
-              <a:t>conv</a:t>
-            </a:r>
-            <a:r>
-              <a:rPr lang="de-DE" dirty="0"/>
-              <a:t> </a:t>
-            </a:r>
-            <a:r>
-              <a:rPr lang="de-DE" dirty="0" err="1"/>
-              <a:t>with</a:t>
-            </a:r>
-            <a:r>
-              <a:rPr lang="de-DE" dirty="0"/>
-              <a:t> a </a:t>
-            </a:r>
-            <a:r>
-              <a:rPr lang="de-DE" dirty="0" err="1"/>
-              <a:t>bias</a:t>
-            </a:r>
-            <a:r>
-              <a:rPr lang="de-DE" dirty="0"/>
-              <a:t> </a:t>
-            </a:r>
-            <a:r>
-              <a:rPr lang="de-DE" dirty="0" err="1"/>
-              <a:t>vector</a:t>
+              <a:rPr lang="de-DE" dirty="0"/>
+              <a:t>Training-time Multi-</a:t>
+            </a:r>
+            <a:r>
+              <a:rPr lang="de-DE" dirty="0" err="1"/>
+              <a:t>branch</a:t>
+            </a:r>
+            <a:r>
+              <a:rPr lang="de-DE" dirty="0"/>
+              <a:t> </a:t>
+            </a:r>
+            <a:r>
+              <a:rPr lang="de-DE" dirty="0" err="1"/>
+              <a:t>Architecture</a:t>
             </a:r>
             <a:endParaRPr lang="de-DE" dirty="0"/>
           </a:p>
           <a:p>
-            <a:pPr marL="171450" indent="-171450">
+            <a:pPr marL="628650" lvl="1" indent="-171450">
               <a:buFont typeface="Arial" panose="020B0604020202020204" pitchFamily="34" charset="0"/>
               <a:buChar char="•"/>
             </a:pPr>
             <a:r>
-              <a:rPr lang="de-DE" dirty="0"/>
-              <a:t>W‘, B‘ </a:t>
-            </a:r>
-            <a:r>
-              <a:rPr lang="de-DE" dirty="0" err="1"/>
-              <a:t>new</a:t>
-            </a:r>
-            <a:r>
-              <a:rPr lang="de-DE" dirty="0"/>
-              <a:t> </a:t>
-            </a:r>
-            <a:r>
-              <a:rPr lang="de-DE" dirty="0" err="1"/>
-              <a:t>kernel</a:t>
-            </a:r>
-            <a:r>
-              <a:rPr lang="de-DE" dirty="0"/>
-              <a:t> and </a:t>
-            </a:r>
-            <a:r>
-              <a:rPr lang="de-DE" dirty="0" err="1"/>
-              <a:t>bias</a:t>
-            </a:r>
-            <a:r>
-              <a:rPr lang="de-DE" dirty="0"/>
-              <a:t> </a:t>
-            </a:r>
-            <a:r>
-              <a:rPr lang="de-DE" dirty="0" err="1"/>
-              <a:t>vector</a:t>
-            </a:r>
-            <a:endParaRPr lang="de-DE" dirty="0"/>
-          </a:p>
-          <a:p>
-            <a:pPr marL="171450" indent="-171450">
+              <a:rPr lang="de-DE" dirty="0" err="1"/>
+              <a:t>Inspired</a:t>
+            </a:r>
+            <a:r>
+              <a:rPr lang="de-DE" dirty="0"/>
+              <a:t> </a:t>
+            </a:r>
+            <a:r>
+              <a:rPr lang="de-DE" dirty="0" err="1"/>
+              <a:t>by</a:t>
+            </a:r>
+            <a:r>
+              <a:rPr lang="de-DE" dirty="0"/>
+              <a:t> </a:t>
+            </a:r>
+            <a:r>
+              <a:rPr lang="de-DE" dirty="0" err="1"/>
+              <a:t>ResNet</a:t>
+            </a:r>
+            <a:r>
+              <a:rPr lang="de-DE" dirty="0"/>
+              <a:t>: multi-</a:t>
+            </a:r>
+            <a:r>
+              <a:rPr lang="de-DE" dirty="0" err="1"/>
+              <a:t>branch</a:t>
+            </a:r>
+            <a:r>
+              <a:rPr lang="de-DE" dirty="0"/>
+              <a:t> </a:t>
+            </a:r>
+            <a:r>
+              <a:rPr lang="de-DE" dirty="0" err="1"/>
+              <a:t>architecture</a:t>
+            </a:r>
+            <a:r>
+              <a:rPr lang="de-DE" dirty="0"/>
+              <a:t> </a:t>
+            </a:r>
+            <a:r>
+              <a:rPr lang="de-DE" dirty="0" err="1"/>
+              <a:t>makes</a:t>
+            </a:r>
+            <a:r>
+              <a:rPr lang="de-DE" dirty="0"/>
+              <a:t> </a:t>
+            </a:r>
+            <a:r>
+              <a:rPr lang="de-DE" dirty="0" err="1"/>
+              <a:t>the</a:t>
+            </a:r>
+            <a:r>
+              <a:rPr lang="de-DE" dirty="0"/>
+              <a:t> </a:t>
+            </a:r>
+            <a:r>
+              <a:rPr lang="de-DE" dirty="0" err="1"/>
+              <a:t>model</a:t>
+            </a:r>
+            <a:r>
+              <a:rPr lang="de-DE" dirty="0"/>
+              <a:t> an </a:t>
+            </a:r>
+            <a:r>
+              <a:rPr lang="de-DE" dirty="0" err="1"/>
+              <a:t>implicit</a:t>
+            </a:r>
+            <a:r>
+              <a:rPr lang="de-DE" dirty="0"/>
+              <a:t> </a:t>
+            </a:r>
+            <a:r>
+              <a:rPr lang="de-DE" dirty="0" err="1"/>
+              <a:t>ensemble</a:t>
+            </a:r>
+            <a:r>
+              <a:rPr lang="de-DE" dirty="0"/>
+              <a:t> </a:t>
+            </a:r>
+            <a:r>
+              <a:rPr lang="de-DE" dirty="0" err="1"/>
+              <a:t>of</a:t>
+            </a:r>
+            <a:r>
+              <a:rPr lang="de-DE" dirty="0"/>
+              <a:t> </a:t>
+            </a:r>
+            <a:r>
+              <a:rPr lang="de-DE" dirty="0" err="1"/>
+              <a:t>numerous</a:t>
+            </a:r>
+            <a:r>
+              <a:rPr lang="de-DE" dirty="0"/>
+              <a:t> </a:t>
+            </a:r>
+            <a:r>
+              <a:rPr lang="de-DE" dirty="0" err="1"/>
+              <a:t>shallower</a:t>
+            </a:r>
+            <a:r>
+              <a:rPr lang="de-DE" dirty="0"/>
+              <a:t> </a:t>
+            </a:r>
+            <a:r>
+              <a:rPr lang="de-DE" dirty="0" err="1"/>
+              <a:t>models</a:t>
+            </a:r>
+            <a:r>
+              <a:rPr lang="de-DE" dirty="0"/>
+              <a:t> (n block =&gt; 2^n </a:t>
+            </a:r>
+            <a:r>
+              <a:rPr lang="de-DE" dirty="0" err="1"/>
+              <a:t>models</a:t>
+            </a:r>
+            <a:r>
+              <a:rPr lang="de-DE" dirty="0"/>
+              <a:t>)</a:t>
+            </a:r>
+          </a:p>
+          <a:p>
+            <a:pPr marL="628650" lvl="1" indent="-171450">
               <a:buFont typeface="Arial" panose="020B0604020202020204" pitchFamily="34" charset="0"/>
               <a:buChar char="•"/>
             </a:pPr>
             <a:r>
-              <a:rPr lang="de-DE" dirty="0"/>
-              <a:t>Identity: 1x1 </a:t>
-            </a:r>
-            <a:r>
-              <a:rPr lang="de-DE" dirty="0" err="1"/>
-              <a:t>conv</a:t>
-            </a:r>
-            <a:r>
-              <a:rPr lang="de-DE" dirty="0"/>
-              <a:t> </a:t>
-            </a:r>
-            <a:r>
-              <a:rPr lang="de-DE" dirty="0" err="1"/>
-              <a:t>with</a:t>
-            </a:r>
-            <a:r>
-              <a:rPr lang="de-DE" dirty="0"/>
-              <a:t> </a:t>
-            </a:r>
-            <a:r>
-              <a:rPr lang="de-DE" dirty="0" err="1"/>
-              <a:t>identity</a:t>
-            </a:r>
-            <a:r>
-              <a:rPr lang="de-DE" dirty="0"/>
-              <a:t> </a:t>
-            </a:r>
-            <a:r>
-              <a:rPr lang="de-DE" dirty="0" err="1"/>
-              <a:t>matrix</a:t>
-            </a:r>
-            <a:r>
-              <a:rPr lang="de-DE" dirty="0"/>
-              <a:t> </a:t>
-            </a:r>
-            <a:r>
-              <a:rPr lang="de-DE" dirty="0" err="1"/>
-              <a:t>as</a:t>
-            </a:r>
-            <a:r>
-              <a:rPr lang="de-DE" dirty="0"/>
-              <a:t> </a:t>
-            </a:r>
-            <a:r>
-              <a:rPr lang="de-DE" dirty="0" err="1"/>
-              <a:t>kernel</a:t>
+              <a:rPr lang="de-DE" dirty="0" err="1"/>
+              <a:t>Here</a:t>
+            </a:r>
+            <a:r>
+              <a:rPr lang="de-DE" dirty="0"/>
+              <a:t>: </a:t>
+            </a:r>
+            <a:r>
+              <a:rPr lang="de-DE" dirty="0" err="1"/>
+              <a:t>Would</a:t>
+            </a:r>
+            <a:r>
+              <a:rPr lang="de-DE" dirty="0"/>
+              <a:t> </a:t>
+            </a:r>
+            <a:r>
+              <a:rPr lang="de-DE" dirty="0" err="1"/>
+              <a:t>have</a:t>
+            </a:r>
+            <a:r>
+              <a:rPr lang="de-DE" dirty="0"/>
+              <a:t> </a:t>
+            </a:r>
+            <a:r>
+              <a:rPr lang="de-DE" dirty="0" err="1"/>
+              <a:t>the</a:t>
+            </a:r>
+            <a:r>
+              <a:rPr lang="de-DE" dirty="0"/>
+              <a:t> </a:t>
+            </a:r>
+            <a:r>
+              <a:rPr lang="de-DE" dirty="0" err="1"/>
+              <a:t>mentioned</a:t>
+            </a:r>
+            <a:r>
+              <a:rPr lang="de-DE" dirty="0"/>
+              <a:t> </a:t>
+            </a:r>
+            <a:r>
+              <a:rPr lang="de-DE" dirty="0" err="1"/>
+              <a:t>drawbacks</a:t>
+            </a:r>
+            <a:r>
+              <a:rPr lang="de-DE" dirty="0"/>
+              <a:t> </a:t>
+            </a:r>
+            <a:r>
+              <a:rPr lang="de-DE" dirty="0" err="1"/>
+              <a:t>during</a:t>
+            </a:r>
+            <a:r>
+              <a:rPr lang="de-DE" dirty="0"/>
+              <a:t> </a:t>
+            </a:r>
+            <a:r>
+              <a:rPr lang="de-DE" dirty="0" err="1"/>
+              <a:t>inference</a:t>
+            </a:r>
+            <a:r>
+              <a:rPr lang="de-DE" dirty="0"/>
+              <a:t>, </a:t>
+            </a:r>
+            <a:r>
+              <a:rPr lang="de-DE" dirty="0" err="1"/>
+              <a:t>therefore</a:t>
+            </a:r>
+            <a:r>
+              <a:rPr lang="de-DE" dirty="0"/>
+              <a:t> </a:t>
+            </a:r>
+            <a:r>
+              <a:rPr lang="de-DE" dirty="0" err="1"/>
+              <a:t>only</a:t>
+            </a:r>
+            <a:r>
+              <a:rPr lang="de-DE" dirty="0"/>
+              <a:t> </a:t>
+            </a:r>
+            <a:r>
+              <a:rPr lang="de-DE" dirty="0" err="1"/>
+              <a:t>training</a:t>
+            </a:r>
+            <a:r>
+              <a:rPr lang="de-DE" dirty="0"/>
+              <a:t> time </a:t>
+            </a:r>
+            <a:r>
+              <a:rPr lang="de-DE" dirty="0" err="1"/>
+              <a:t>model</a:t>
             </a:r>
             <a:endParaRPr lang="de-DE" dirty="0"/>
           </a:p>
           <a:p>
-            <a:pPr marL="171450" indent="-171450">
+            <a:pPr marL="628650" lvl="1" indent="-171450">
               <a:buFont typeface="Arial" panose="020B0604020202020204" pitchFamily="34" charset="0"/>
               <a:buChar char="•"/>
             </a:pPr>
             <a:r>
               <a:rPr lang="de-DE" dirty="0"/>
-              <a:t>Add </a:t>
-            </a:r>
-            <a:r>
-              <a:rPr lang="de-DE" dirty="0" err="1"/>
-              <a:t>up</a:t>
-            </a:r>
-            <a:r>
-              <a:rPr lang="de-DE" dirty="0"/>
-              <a:t> </a:t>
-            </a:r>
-            <a:r>
-              <a:rPr lang="de-DE" dirty="0" err="1"/>
-              <a:t>three</a:t>
-            </a:r>
-            <a:r>
-              <a:rPr lang="de-DE" dirty="0"/>
-              <a:t> </a:t>
-            </a:r>
-            <a:r>
-              <a:rPr lang="de-DE" dirty="0" err="1"/>
-              <a:t>bias</a:t>
-            </a:r>
-            <a:r>
-              <a:rPr lang="de-DE" dirty="0"/>
-              <a:t> </a:t>
-            </a:r>
-            <a:r>
-              <a:rPr lang="de-DE" dirty="0" err="1"/>
-              <a:t>vectors</a:t>
-            </a:r>
-            <a:r>
-              <a:rPr lang="de-DE" dirty="0"/>
-              <a:t>, </a:t>
-            </a:r>
-            <a:r>
-              <a:rPr lang="de-DE" dirty="0" err="1"/>
-              <a:t>zeo</a:t>
-            </a:r>
-            <a:r>
-              <a:rPr lang="de-DE" dirty="0"/>
-              <a:t>-pad </a:t>
-            </a:r>
-            <a:r>
-              <a:rPr lang="de-DE" dirty="0" err="1"/>
-              <a:t>the</a:t>
-            </a:r>
-            <a:r>
-              <a:rPr lang="de-DE" dirty="0"/>
-              <a:t> 1x1 </a:t>
+              <a:t>Stack </a:t>
+            </a:r>
+            <a:r>
+              <a:rPr lang="de-DE" dirty="0" err="1"/>
+              <a:t>several</a:t>
+            </a:r>
+            <a:r>
+              <a:rPr lang="de-DE" dirty="0"/>
+              <a:t> x + g(x) + f(x) </a:t>
+            </a:r>
+            <a:r>
+              <a:rPr lang="de-DE" dirty="0" err="1"/>
+              <a:t>blocks</a:t>
+            </a:r>
+            <a:r>
+              <a:rPr lang="de-DE" dirty="0"/>
+              <a:t> </a:t>
+            </a:r>
+            <a:r>
+              <a:rPr lang="de-DE" dirty="0" err="1"/>
+              <a:t>to</a:t>
+            </a:r>
+            <a:r>
+              <a:rPr lang="de-DE" dirty="0"/>
+              <a:t> an </a:t>
+            </a:r>
+            <a:r>
+              <a:rPr lang="de-DE" dirty="0" err="1"/>
+              <a:t>ensemble</a:t>
+            </a:r>
+            <a:r>
+              <a:rPr lang="de-DE" dirty="0"/>
+              <a:t> (3^n </a:t>
+            </a:r>
+            <a:r>
+              <a:rPr lang="de-DE" dirty="0" err="1"/>
+              <a:t>models</a:t>
+            </a:r>
+            <a:r>
+              <a:rPr lang="de-DE" dirty="0"/>
+              <a:t>) (x: </a:t>
+            </a:r>
+            <a:r>
+              <a:rPr lang="de-DE" dirty="0" err="1"/>
+              <a:t>ResNet</a:t>
+            </a:r>
+            <a:r>
+              <a:rPr lang="de-DE" dirty="0"/>
+              <a:t> like </a:t>
+            </a:r>
+            <a:r>
+              <a:rPr lang="de-DE" dirty="0" err="1"/>
+              <a:t>identity</a:t>
+            </a:r>
+            <a:r>
+              <a:rPr lang="de-DE" dirty="0"/>
+              <a:t> in </a:t>
+            </a:r>
+            <a:r>
+              <a:rPr lang="de-DE" dirty="0" err="1"/>
+              <a:t>case</a:t>
+            </a:r>
+            <a:r>
+              <a:rPr lang="de-DE" dirty="0"/>
+              <a:t> </a:t>
+            </a:r>
+            <a:r>
+              <a:rPr lang="de-DE" dirty="0" err="1"/>
+              <a:t>dimensions</a:t>
+            </a:r>
+            <a:r>
+              <a:rPr lang="de-DE" dirty="0"/>
+              <a:t> </a:t>
+            </a:r>
+            <a:r>
+              <a:rPr lang="de-DE" dirty="0" err="1"/>
+              <a:t>match</a:t>
+            </a:r>
+            <a:r>
+              <a:rPr lang="de-DE" dirty="0"/>
+              <a:t>, g(x): 1x1 </a:t>
             </a:r>
             <a:r>
               <a:rPr lang="de-DE" dirty="0" err="1"/>
@@ -2524,74 +3364,73 @@
             </a:r>
             <a:r>
               <a:rPr lang="de-DE" dirty="0"/>
-              <a:t> </a:t>
-            </a:r>
-            <a:r>
-              <a:rPr lang="de-DE" dirty="0" err="1"/>
-              <a:t>to</a:t>
-            </a:r>
-            <a:r>
-              <a:rPr lang="de-DE" dirty="0"/>
-              <a:t> 3x3 and </a:t>
-            </a:r>
-            <a:r>
-              <a:rPr lang="de-DE" dirty="0" err="1"/>
-              <a:t>add</a:t>
-            </a:r>
-            <a:r>
-              <a:rPr lang="de-DE" dirty="0"/>
-              <a:t> all </a:t>
-            </a:r>
-            <a:r>
-              <a:rPr lang="de-DE" dirty="0" err="1"/>
-              <a:t>three</a:t>
-            </a:r>
-            <a:r>
-              <a:rPr lang="de-DE" dirty="0"/>
-              <a:t> 3x3 </a:t>
-            </a:r>
-            <a:r>
-              <a:rPr lang="de-DE" dirty="0" err="1"/>
-              <a:t>together</a:t>
-            </a:r>
-            <a:endParaRPr lang="de-DE" dirty="0"/>
-          </a:p>
-          <a:p>
-            <a:pPr marL="171450" indent="-171450">
+              <a:t> in </a:t>
+            </a:r>
+            <a:r>
+              <a:rPr lang="de-DE" dirty="0" err="1"/>
+              <a:t>case</a:t>
+            </a:r>
+            <a:r>
+              <a:rPr lang="de-DE" dirty="0"/>
+              <a:t> </a:t>
+            </a:r>
+            <a:r>
+              <a:rPr lang="de-DE" dirty="0" err="1"/>
+              <a:t>dimensions</a:t>
+            </a:r>
+            <a:r>
+              <a:rPr lang="de-DE" dirty="0"/>
+              <a:t> do not </a:t>
+            </a:r>
+            <a:r>
+              <a:rPr lang="de-DE" dirty="0" err="1"/>
+              <a:t>match</a:t>
+            </a:r>
+            <a:r>
+              <a:rPr lang="de-DE" dirty="0"/>
+              <a:t>, f(x): residual </a:t>
+            </a:r>
+            <a:r>
+              <a:rPr lang="de-DE" dirty="0" err="1"/>
+              <a:t>function</a:t>
+            </a:r>
+            <a:r>
+              <a:rPr lang="de-DE" dirty="0"/>
+              <a:t>)</a:t>
+            </a:r>
+          </a:p>
+          <a:p>
+            <a:pPr marL="628650" lvl="1" indent="-171450">
               <a:buFont typeface="Arial" panose="020B0604020202020204" pitchFamily="34" charset="0"/>
               <a:buChar char="•"/>
             </a:pPr>
             <a:r>
-              <a:rPr lang="de-DE" dirty="0"/>
-              <a:t>But: all </a:t>
-            </a:r>
-            <a:r>
-              <a:rPr lang="de-DE" dirty="0" err="1"/>
-              <a:t>layers</a:t>
-            </a:r>
-            <a:r>
-              <a:rPr lang="de-DE" dirty="0"/>
-              <a:t> </a:t>
-            </a:r>
-            <a:r>
-              <a:rPr lang="de-DE" dirty="0" err="1"/>
-              <a:t>need</a:t>
-            </a:r>
-            <a:r>
-              <a:rPr lang="de-DE" dirty="0"/>
-              <a:t> </a:t>
-            </a:r>
-            <a:r>
-              <a:rPr lang="de-DE" dirty="0" err="1"/>
-              <a:t>to</a:t>
-            </a:r>
-            <a:r>
-              <a:rPr lang="de-DE" dirty="0"/>
-              <a:t> </a:t>
-            </a:r>
-            <a:r>
-              <a:rPr lang="de-DE" dirty="0" err="1"/>
-              <a:t>have</a:t>
+              <a:rPr lang="de-DE" dirty="0" err="1"/>
+              <a:t>Apply</a:t>
+            </a:r>
+            <a:r>
+              <a:rPr lang="de-DE" dirty="0"/>
+              <a:t> </a:t>
+            </a:r>
+            <a:r>
+              <a:rPr lang="de-DE" dirty="0" err="1"/>
+              <a:t>batch</a:t>
+            </a:r>
+            <a:r>
+              <a:rPr lang="de-DE" dirty="0"/>
+              <a:t> </a:t>
+            </a:r>
+            <a:r>
+              <a:rPr lang="de-DE" dirty="0" err="1"/>
+              <a:t>normalization</a:t>
+            </a:r>
+            <a:r>
+              <a:rPr lang="de-DE" dirty="0"/>
+              <a:t> </a:t>
+            </a:r>
+            <a:r>
+              <a:rPr lang="de-DE" dirty="0" err="1"/>
+              <a:t>before</a:t>
             </a:r>
             <a:r>
               <a:rPr lang="de-DE" dirty="0"/>
@@ -2603,72 +3442,107 @@
             </a:r>
             <a:r>
               <a:rPr lang="de-DE" dirty="0"/>
-              <a:t> same </a:t>
-            </a:r>
-            <a:r>
-              <a:rPr lang="de-DE" dirty="0" err="1"/>
-              <a:t>stride</a:t>
-            </a:r>
-            <a:r>
-              <a:rPr lang="de-DE" dirty="0"/>
-              <a:t>, </a:t>
-            </a:r>
-            <a:r>
-              <a:rPr lang="de-DE" dirty="0" err="1"/>
-              <a:t>padding</a:t>
-            </a:r>
-            <a:r>
-              <a:rPr lang="de-DE" dirty="0"/>
-              <a:t> </a:t>
-            </a:r>
-            <a:r>
-              <a:rPr lang="de-DE" dirty="0" err="1"/>
-              <a:t>configuration</a:t>
-            </a:r>
-            <a:r>
-              <a:rPr lang="de-DE" dirty="0"/>
-              <a:t> </a:t>
-            </a:r>
-            <a:r>
-              <a:rPr lang="de-DE" dirty="0" err="1"/>
-              <a:t>of</a:t>
-            </a:r>
-            <a:r>
-              <a:rPr lang="de-DE" dirty="0"/>
-              <a:t> 1x1 </a:t>
-            </a:r>
-            <a:r>
-              <a:rPr lang="de-DE" dirty="0" err="1"/>
-              <a:t>one</a:t>
-            </a:r>
-            <a:r>
-              <a:rPr lang="de-DE" dirty="0"/>
-              <a:t> </a:t>
-            </a:r>
-            <a:r>
-              <a:rPr lang="de-DE" dirty="0" err="1"/>
-              <a:t>pixel</a:t>
-            </a:r>
-            <a:r>
-              <a:rPr lang="de-DE" dirty="0"/>
-              <a:t> </a:t>
-            </a:r>
-            <a:r>
-              <a:rPr lang="de-DE" dirty="0" err="1"/>
-              <a:t>less</a:t>
-            </a:r>
-            <a:r>
-              <a:rPr lang="de-DE" dirty="0"/>
-              <a:t> </a:t>
-            </a:r>
-            <a:r>
-              <a:rPr lang="de-DE" dirty="0" err="1"/>
-              <a:t>than</a:t>
-            </a:r>
-            <a:r>
-              <a:rPr lang="de-DE" dirty="0"/>
-              <a:t> 3x3. </a:t>
-            </a:r>
+              <a:t> </a:t>
+            </a:r>
+            <a:r>
+              <a:rPr lang="de-DE" dirty="0" err="1"/>
+              <a:t>addition</a:t>
+            </a:r>
+            <a:r>
+              <a:rPr lang="de-DE" dirty="0"/>
+              <a:t> (</a:t>
+            </a:r>
+            <a:r>
+              <a:rPr lang="de-DE" dirty="0" err="1"/>
+              <a:t>output</a:t>
+            </a:r>
+            <a:r>
+              <a:rPr lang="de-DE" dirty="0"/>
+              <a:t> </a:t>
+            </a:r>
+            <a:r>
+              <a:rPr lang="de-DE" dirty="0" err="1"/>
+              <a:t>channel</a:t>
+            </a:r>
+            <a:r>
+              <a:rPr lang="de-DE" dirty="0"/>
+              <a:t> </a:t>
+            </a:r>
+            <a:r>
+              <a:rPr lang="de-DE" dirty="0" err="1"/>
+              <a:t>wise</a:t>
+            </a:r>
+            <a:r>
+              <a:rPr lang="de-DE" dirty="0"/>
+              <a:t>)</a:t>
+            </a:r>
+          </a:p>
+          <a:p>
+            <a:pPr marL="628650" lvl="1" indent="-171450">
+              <a:buFont typeface="Arial" panose="020B0604020202020204" pitchFamily="34" charset="0"/>
+              <a:buChar char="•"/>
+            </a:pPr>
+            <a:r>
+              <a:rPr lang="de-DE" dirty="0" err="1"/>
+              <a:t>Omit</a:t>
+            </a:r>
+            <a:r>
+              <a:rPr lang="de-DE" dirty="0"/>
+              <a:t> </a:t>
+            </a:r>
+            <a:r>
+              <a:rPr lang="de-DE" dirty="0" err="1"/>
+              <a:t>identity</a:t>
+            </a:r>
+            <a:r>
+              <a:rPr lang="de-DE" dirty="0"/>
+              <a:t> </a:t>
+            </a:r>
+            <a:r>
+              <a:rPr lang="de-DE" dirty="0" err="1"/>
+              <a:t>branch</a:t>
+            </a:r>
+            <a:r>
+              <a:rPr lang="de-DE" dirty="0"/>
+              <a:t> in </a:t>
+            </a:r>
+            <a:r>
+              <a:rPr lang="de-DE" dirty="0" err="1"/>
+              <a:t>case</a:t>
+            </a:r>
+            <a:r>
+              <a:rPr lang="de-DE" dirty="0"/>
+              <a:t> </a:t>
+            </a:r>
+            <a:r>
+              <a:rPr lang="de-DE" dirty="0" err="1"/>
+              <a:t>the</a:t>
+            </a:r>
+            <a:r>
+              <a:rPr lang="de-DE" dirty="0"/>
+              <a:t> </a:t>
+            </a:r>
+            <a:r>
+              <a:rPr lang="de-DE" dirty="0" err="1"/>
+              <a:t>channel</a:t>
+            </a:r>
+            <a:r>
+              <a:rPr lang="de-DE" dirty="0"/>
+              <a:t> </a:t>
+            </a:r>
+            <a:r>
+              <a:rPr lang="de-DE" dirty="0" err="1"/>
+              <a:t>dimensions</a:t>
+            </a:r>
+            <a:r>
+              <a:rPr lang="de-DE" dirty="0"/>
+              <a:t> do not </a:t>
+            </a:r>
+            <a:r>
+              <a:rPr lang="de-DE" dirty="0" err="1"/>
+              <a:t>match</a:t>
+            </a:r>
+            <a:endParaRPr lang="de-DE" dirty="0"/>
           </a:p>
         </p:txBody>
       </p:sp>
@@ -2689,7 +3563,7 @@
           <a:p>
             <a:fld id="{6D172734-61C0-4E94-B507-0920723C809C}" type="slidenum">
               <a:rPr lang="en-US" smtClean="0"/>
-              <a:t>7</a:t>
+              <a:t>6</a:t>
             </a:fld>
             <a:endParaRPr lang="en-US"/>
           </a:p>
@@ -2698,7 +3572,7 @@
     </p:spTree>
     <p:extLst>
       <p:ext uri="{BB962C8B-B14F-4D97-AF65-F5344CB8AC3E}">
-        <p14:creationId xmlns:p14="http://schemas.microsoft.com/office/powerpoint/2010/main" val="377549559"/>
+        <p14:creationId xmlns:p14="http://schemas.microsoft.com/office/powerpoint/2010/main" val="2570994507"/>
       </p:ext>
     </p:extLst>
   </p:cSld>
@@ -2757,48 +3631,28 @@
               <a:buChar char="•"/>
             </a:pPr>
             <a:r>
-              <a:rPr lang="de-DE" dirty="0"/>
-              <a:t>VGG-style: </a:t>
-            </a:r>
-            <a:r>
-              <a:rPr lang="de-DE" dirty="0" err="1"/>
-              <a:t>adopts</a:t>
-            </a:r>
-            <a:r>
-              <a:rPr lang="de-DE" dirty="0"/>
-              <a:t> </a:t>
-            </a:r>
-            <a:r>
-              <a:rPr lang="de-DE" dirty="0" err="1"/>
-              <a:t>plain</a:t>
-            </a:r>
-            <a:r>
-              <a:rPr lang="de-DE" dirty="0"/>
-              <a:t> </a:t>
-            </a:r>
-            <a:r>
-              <a:rPr lang="de-DE" dirty="0" err="1"/>
-              <a:t>topology</a:t>
-            </a:r>
-            <a:r>
-              <a:rPr lang="de-DE" dirty="0"/>
-              <a:t> and </a:t>
-            </a:r>
-            <a:r>
-              <a:rPr lang="de-DE" dirty="0" err="1"/>
-              <a:t>heavily</a:t>
-            </a:r>
-            <a:r>
-              <a:rPr lang="de-DE" dirty="0"/>
-              <a:t> </a:t>
-            </a:r>
-            <a:r>
-              <a:rPr lang="de-DE" dirty="0" err="1"/>
-              <a:t>uses</a:t>
-            </a:r>
-            <a:r>
-              <a:rPr lang="de-DE" dirty="0"/>
-              <a:t> 3x3 </a:t>
+              <a:rPr lang="de-DE" dirty="0" err="1"/>
+              <a:t>Convert</a:t>
+            </a:r>
+            <a:r>
+              <a:rPr lang="de-DE" dirty="0"/>
+              <a:t> </a:t>
+            </a:r>
+            <a:r>
+              <a:rPr lang="de-DE" dirty="0" err="1"/>
+              <a:t>every</a:t>
+            </a:r>
+            <a:r>
+              <a:rPr lang="de-DE" dirty="0"/>
+              <a:t> BN and ist </a:t>
+            </a:r>
+            <a:r>
+              <a:rPr lang="de-DE" dirty="0" err="1"/>
+              <a:t>preceding</a:t>
+            </a:r>
+            <a:r>
+              <a:rPr lang="de-DE" dirty="0"/>
+              <a:t> </a:t>
             </a:r>
             <a:r>
               <a:rPr lang="de-DE" dirty="0" err="1"/>
@@ -2806,91 +3660,51 @@
             </a:r>
             <a:r>
               <a:rPr lang="de-DE" dirty="0"/>
-              <a:t>, </a:t>
-            </a:r>
-            <a:r>
-              <a:rPr lang="de-DE" dirty="0" err="1"/>
-              <a:t>no</a:t>
-            </a:r>
-            <a:r>
-              <a:rPr lang="de-DE" dirty="0"/>
-              <a:t> </a:t>
-            </a:r>
-            <a:r>
-              <a:rPr lang="de-DE" dirty="0" err="1"/>
-              <a:t>max</a:t>
-            </a:r>
-            <a:r>
-              <a:rPr lang="de-DE" dirty="0"/>
-              <a:t> </a:t>
-            </a:r>
-            <a:r>
-              <a:rPr lang="de-DE" dirty="0" err="1"/>
-              <a:t>pooling</a:t>
-            </a:r>
-            <a:r>
-              <a:rPr lang="de-DE" dirty="0"/>
-              <a:t> like VGG </a:t>
-            </a:r>
-            <a:r>
-              <a:rPr lang="de-DE" dirty="0" err="1"/>
-              <a:t>as</a:t>
-            </a:r>
-            <a:r>
-              <a:rPr lang="de-DE" dirty="0"/>
-              <a:t> </a:t>
-            </a:r>
-            <a:r>
-              <a:rPr lang="de-DE" dirty="0" err="1"/>
-              <a:t>body</a:t>
-            </a:r>
-            <a:r>
-              <a:rPr lang="de-DE" dirty="0"/>
-              <a:t> </a:t>
-            </a:r>
-            <a:r>
-              <a:rPr lang="de-DE" dirty="0" err="1"/>
-              <a:t>should</a:t>
-            </a:r>
-            <a:r>
-              <a:rPr lang="de-DE" dirty="0"/>
-              <a:t> </a:t>
-            </a:r>
-            <a:r>
-              <a:rPr lang="de-DE" dirty="0" err="1"/>
-              <a:t>only</a:t>
-            </a:r>
-            <a:r>
-              <a:rPr lang="de-DE" dirty="0"/>
-              <a:t> </a:t>
-            </a:r>
-            <a:r>
-              <a:rPr lang="de-DE" dirty="0" err="1"/>
-              <a:t>have</a:t>
-            </a:r>
-            <a:r>
-              <a:rPr lang="de-DE" dirty="0"/>
-              <a:t> </a:t>
-            </a:r>
-            <a:r>
-              <a:rPr lang="de-DE" dirty="0" err="1"/>
-              <a:t>one</a:t>
-            </a:r>
-            <a:r>
-              <a:rPr lang="de-DE" dirty="0"/>
-              <a:t> type </a:t>
-            </a:r>
-            <a:r>
-              <a:rPr lang="de-DE" dirty="0" err="1"/>
-              <a:t>of</a:t>
-            </a:r>
-            <a:r>
-              <a:rPr lang="de-DE" dirty="0"/>
-              <a:t> </a:t>
-            </a:r>
-            <a:r>
-              <a:rPr lang="de-DE" dirty="0" err="1"/>
-              <a:t>operator</a:t>
+              <a:t> </a:t>
+            </a:r>
+            <a:r>
+              <a:rPr lang="de-DE" dirty="0" err="1"/>
+              <a:t>layer</a:t>
+            </a:r>
+            <a:r>
+              <a:rPr lang="de-DE" dirty="0"/>
+              <a:t> </a:t>
+            </a:r>
+            <a:r>
+              <a:rPr lang="de-DE" dirty="0" err="1"/>
+              <a:t>into</a:t>
+            </a:r>
+            <a:r>
+              <a:rPr lang="de-DE" dirty="0"/>
+              <a:t> a </a:t>
+            </a:r>
+            <a:r>
+              <a:rPr lang="de-DE" dirty="0" err="1"/>
+              <a:t>conv</a:t>
+            </a:r>
+            <a:r>
+              <a:rPr lang="de-DE" dirty="0"/>
+              <a:t> </a:t>
+            </a:r>
+            <a:r>
+              <a:rPr lang="de-DE" dirty="0" err="1"/>
+              <a:t>with</a:t>
+            </a:r>
+            <a:r>
+              <a:rPr lang="de-DE" dirty="0"/>
+              <a:t> a </a:t>
+            </a:r>
+            <a:r>
+              <a:rPr lang="de-DE" dirty="0" err="1"/>
+              <a:t>bias</a:t>
+            </a:r>
+            <a:r>
+              <a:rPr lang="de-DE" dirty="0"/>
+              <a:t> </a:t>
+            </a:r>
+            <a:r>
+              <a:rPr lang="de-DE" dirty="0" err="1"/>
+              <a:t>vector</a:t>
             </a:r>
             <a:endParaRPr lang="de-DE" dirty="0"/>
           </a:p>
@@ -2901,64 +3715,37 @@
             </a:pPr>
             <a:r>
               <a:rPr lang="de-DE" dirty="0"/>
-              <a:t>1st </a:t>
-            </a:r>
-            <a:r>
-              <a:rPr lang="de-DE" dirty="0" err="1"/>
-              <a:t>layer</a:t>
-            </a:r>
-            <a:r>
-              <a:rPr lang="de-DE" dirty="0"/>
-              <a:t> </a:t>
-            </a:r>
-            <a:r>
-              <a:rPr lang="de-DE" dirty="0" err="1"/>
-              <a:t>of</a:t>
-            </a:r>
-            <a:r>
-              <a:rPr lang="de-DE" dirty="0"/>
-              <a:t> </a:t>
-            </a:r>
-            <a:r>
-              <a:rPr lang="de-DE" dirty="0" err="1"/>
-              <a:t>each</a:t>
-            </a:r>
-            <a:r>
-              <a:rPr lang="de-DE" dirty="0"/>
-              <a:t> </a:t>
-            </a:r>
-            <a:r>
-              <a:rPr lang="de-DE" dirty="0" err="1"/>
-              <a:t>stages</a:t>
-            </a:r>
-            <a:r>
-              <a:rPr lang="de-DE" dirty="0"/>
-              <a:t> </a:t>
-            </a:r>
-            <a:r>
-              <a:rPr lang="de-DE" dirty="0" err="1"/>
-              <a:t>downsamples</a:t>
-            </a:r>
-            <a:r>
-              <a:rPr lang="de-DE" dirty="0"/>
-              <a:t> </a:t>
-            </a:r>
-            <a:r>
-              <a:rPr lang="de-DE" dirty="0" err="1"/>
-              <a:t>with</a:t>
-            </a:r>
-            <a:r>
-              <a:rPr lang="de-DE" dirty="0"/>
-              <a:t> </a:t>
-            </a:r>
-            <a:r>
-              <a:rPr lang="de-DE" dirty="0" err="1"/>
-              <a:t>stride</a:t>
-            </a:r>
-            <a:r>
-              <a:rPr lang="de-DE" dirty="0"/>
-              <a:t> 2</a:t>
-            </a:r>
+              <a:t>W‘, B‘ </a:t>
+            </a:r>
+            <a:r>
+              <a:rPr lang="de-DE" dirty="0" err="1"/>
+              <a:t>new</a:t>
+            </a:r>
+            <a:r>
+              <a:rPr lang="de-DE" dirty="0"/>
+              <a:t> </a:t>
+            </a:r>
+            <a:r>
+              <a:rPr lang="de-DE" dirty="0" err="1"/>
+              <a:t>kernel</a:t>
+            </a:r>
+            <a:r>
+              <a:rPr lang="de-DE" dirty="0"/>
+              <a:t> and </a:t>
+            </a:r>
+            <a:r>
+              <a:rPr lang="de-DE" dirty="0" err="1"/>
+              <a:t>bias</a:t>
+            </a:r>
+            <a:r>
+              <a:rPr lang="de-DE" dirty="0"/>
+              <a:t> </a:t>
+            </a:r>
+            <a:r>
+              <a:rPr lang="de-DE" dirty="0" err="1"/>
+              <a:t>vector</a:t>
+            </a:r>
+            <a:endParaRPr lang="de-DE" dirty="0"/>
           </a:p>
           <a:p>
             <a:pPr marL="171450" indent="-171450">
@@ -2967,19 +3754,51 @@
             </a:pPr>
             <a:r>
               <a:rPr lang="de-DE" dirty="0"/>
-              <a:t>Task </a:t>
-            </a:r>
-            <a:r>
-              <a:rPr lang="de-DE" dirty="0" err="1"/>
-              <a:t>specific</a:t>
-            </a:r>
-            <a:r>
-              <a:rPr lang="de-DE" dirty="0"/>
-              <a:t> </a:t>
-            </a:r>
-            <a:r>
-              <a:rPr lang="de-DE" dirty="0" err="1"/>
-              <a:t>heads</a:t>
+              <a:t>Identity: 1x1 </a:t>
+            </a:r>
+            <a:r>
+              <a:rPr lang="de-DE" dirty="0" err="1"/>
+              <a:t>conv</a:t>
+            </a:r>
+            <a:r>
+              <a:rPr lang="de-DE" dirty="0"/>
+              <a:t> </a:t>
+            </a:r>
+            <a:r>
+              <a:rPr lang="de-DE" dirty="0" err="1"/>
+              <a:t>with</a:t>
+            </a:r>
+            <a:r>
+              <a:rPr lang="de-DE" dirty="0"/>
+              <a:t> </a:t>
+            </a:r>
+            <a:r>
+              <a:rPr lang="de-DE" dirty="0" err="1"/>
+              <a:t>identity</a:t>
+            </a:r>
+            <a:r>
+              <a:rPr lang="de-DE" dirty="0"/>
+              <a:t> </a:t>
+            </a:r>
+            <a:r>
+              <a:rPr lang="de-DE" dirty="0" err="1"/>
+              <a:t>matrix</a:t>
+            </a:r>
+            <a:r>
+              <a:rPr lang="de-DE" dirty="0"/>
+              <a:t> </a:t>
+            </a:r>
+            <a:r>
+              <a:rPr lang="de-DE" dirty="0" err="1"/>
+              <a:t>as</a:t>
+            </a:r>
+            <a:r>
+              <a:rPr lang="de-DE" dirty="0"/>
+              <a:t> </a:t>
+            </a:r>
+            <a:r>
+              <a:rPr lang="de-DE" dirty="0" err="1"/>
+              <a:t>kernel</a:t>
             </a:r>
             <a:endParaRPr lang="de-DE" dirty="0"/>
           </a:p>
@@ -2990,91 +3809,91 @@
             </a:pPr>
             <a:r>
               <a:rPr lang="de-DE" dirty="0"/>
-              <a:t>First </a:t>
-            </a:r>
-            <a:r>
-              <a:rPr lang="de-DE" dirty="0" err="1"/>
-              <a:t>stage</a:t>
-            </a:r>
-            <a:r>
-              <a:rPr lang="de-DE" dirty="0"/>
-              <a:t> </a:t>
-            </a:r>
-            <a:r>
-              <a:rPr lang="de-DE" dirty="0" err="1"/>
-              <a:t>has</a:t>
-            </a:r>
-            <a:r>
-              <a:rPr lang="de-DE" dirty="0"/>
-              <a:t> </a:t>
-            </a:r>
-            <a:r>
-              <a:rPr lang="de-DE" dirty="0" err="1"/>
-              <a:t>only</a:t>
-            </a:r>
-            <a:r>
-              <a:rPr lang="de-DE" dirty="0"/>
-              <a:t> </a:t>
-            </a:r>
-            <a:r>
-              <a:rPr lang="de-DE" dirty="0" err="1"/>
-              <a:t>one</a:t>
-            </a:r>
-            <a:r>
-              <a:rPr lang="de-DE" dirty="0"/>
-              <a:t> </a:t>
-            </a:r>
-            <a:r>
-              <a:rPr lang="de-DE" dirty="0" err="1"/>
-              <a:t>layer</a:t>
-            </a:r>
-            <a:r>
-              <a:rPr lang="de-DE" dirty="0"/>
-              <a:t>: </a:t>
-            </a:r>
-            <a:r>
-              <a:rPr lang="de-DE" dirty="0" err="1"/>
-              <a:t>lower</a:t>
-            </a:r>
-            <a:r>
-              <a:rPr lang="de-DE" dirty="0"/>
-              <a:t> </a:t>
-            </a:r>
-            <a:r>
-              <a:rPr lang="de-DE" dirty="0" err="1"/>
-              <a:t>latency</a:t>
-            </a:r>
-            <a:r>
-              <a:rPr lang="de-DE" dirty="0"/>
-              <a:t> </a:t>
-            </a:r>
-            <a:r>
-              <a:rPr lang="de-DE" dirty="0" err="1"/>
-              <a:t>as</a:t>
-            </a:r>
-            <a:r>
-              <a:rPr lang="de-DE" dirty="0"/>
-              <a:t> </a:t>
-            </a:r>
-            <a:r>
-              <a:rPr lang="de-DE" dirty="0" err="1"/>
-              <a:t>operates</a:t>
-            </a:r>
-            <a:r>
-              <a:rPr lang="de-DE" dirty="0"/>
-              <a:t> </a:t>
-            </a:r>
-            <a:r>
-              <a:rPr lang="de-DE" dirty="0" err="1"/>
-              <a:t>with</a:t>
-            </a:r>
-            <a:r>
-              <a:rPr lang="de-DE" dirty="0"/>
-              <a:t> high </a:t>
-            </a:r>
-            <a:r>
-              <a:rPr lang="de-DE" dirty="0" err="1"/>
-              <a:t>resolutions</a:t>
+              <a:t>Add </a:t>
+            </a:r>
+            <a:r>
+              <a:rPr lang="de-DE" dirty="0" err="1"/>
+              <a:t>up</a:t>
+            </a:r>
+            <a:r>
+              <a:rPr lang="de-DE" dirty="0"/>
+              <a:t> </a:t>
+            </a:r>
+            <a:r>
+              <a:rPr lang="de-DE" dirty="0" err="1"/>
+              <a:t>three</a:t>
+            </a:r>
+            <a:r>
+              <a:rPr lang="de-DE" dirty="0"/>
+              <a:t> </a:t>
+            </a:r>
+            <a:r>
+              <a:rPr lang="de-DE" dirty="0" err="1"/>
+              <a:t>bias</a:t>
+            </a:r>
+            <a:r>
+              <a:rPr lang="de-DE" dirty="0"/>
+              <a:t> </a:t>
+            </a:r>
+            <a:r>
+              <a:rPr lang="de-DE" dirty="0" err="1"/>
+              <a:t>vectors</a:t>
+            </a:r>
+            <a:r>
+              <a:rPr lang="de-DE" dirty="0"/>
+              <a:t>, </a:t>
+            </a:r>
+            <a:r>
+              <a:rPr lang="de-DE" dirty="0" err="1"/>
+              <a:t>zeo</a:t>
+            </a:r>
+            <a:r>
+              <a:rPr lang="de-DE" dirty="0"/>
+              <a:t>-pad </a:t>
+            </a:r>
+            <a:r>
+              <a:rPr lang="de-DE" dirty="0" err="1"/>
+              <a:t>the</a:t>
+            </a:r>
+            <a:r>
+              <a:rPr lang="de-DE" dirty="0"/>
+              <a:t> 1x1 </a:t>
+            </a:r>
+            <a:r>
+              <a:rPr lang="de-DE" dirty="0" err="1"/>
+              <a:t>conv</a:t>
+            </a:r>
+            <a:r>
+              <a:rPr lang="de-DE" dirty="0"/>
+              <a:t> </a:t>
+            </a:r>
+            <a:r>
+              <a:rPr lang="de-DE" dirty="0" err="1"/>
+              <a:t>to</a:t>
+            </a:r>
+            <a:r>
+              <a:rPr lang="de-DE" dirty="0"/>
+              <a:t> 3x3 and </a:t>
+            </a:r>
+            <a:r>
+              <a:rPr lang="de-DE" dirty="0" err="1"/>
+              <a:t>add</a:t>
+            </a:r>
+            <a:r>
+              <a:rPr lang="de-DE" dirty="0"/>
+              <a:t> all </a:t>
+            </a:r>
+            <a:r>
+              <a:rPr lang="de-DE" dirty="0" err="1"/>
+              <a:t>three</a:t>
+            </a:r>
+            <a:r>
+              <a:rPr lang="de-DE" dirty="0"/>
+              <a:t> 3x3 </a:t>
+            </a:r>
+            <a:r>
+              <a:rPr lang="de-DE" dirty="0" err="1"/>
+              <a:t>together</a:t>
             </a:r>
             <a:endParaRPr lang="de-DE" dirty="0"/>
           </a:p>
@@ -3085,19 +3904,27 @@
             </a:pPr>
             <a:r>
               <a:rPr lang="de-DE" dirty="0"/>
-              <a:t>Last </a:t>
-            </a:r>
-            <a:r>
-              <a:rPr lang="de-DE" dirty="0" err="1"/>
-              <a:t>stage</a:t>
-            </a:r>
-            <a:r>
-              <a:rPr lang="de-DE" dirty="0"/>
-              <a:t> </a:t>
-            </a:r>
-            <a:r>
-              <a:rPr lang="de-DE" dirty="0" err="1"/>
-              <a:t>should</a:t>
+              <a:t>But: all </a:t>
+            </a:r>
+            <a:r>
+              <a:rPr lang="de-DE" dirty="0" err="1"/>
+              <a:t>layers</a:t>
+            </a:r>
+            <a:r>
+              <a:rPr lang="de-DE" dirty="0"/>
+              <a:t> </a:t>
+            </a:r>
+            <a:r>
+              <a:rPr lang="de-DE" dirty="0" err="1"/>
+              <a:t>need</a:t>
+            </a:r>
+            <a:r>
+              <a:rPr lang="de-DE" dirty="0"/>
+              <a:t> </a:t>
+            </a:r>
+            <a:r>
+              <a:rPr lang="de-DE" dirty="0" err="1"/>
+              <a:t>to</a:t>
             </a:r>
             <a:r>
               <a:rPr lang="de-DE" dirty="0"/>
@@ -3113,35 +3940,43 @@
             </a:r>
             <a:r>
               <a:rPr lang="de-DE" dirty="0" err="1"/>
-              <a:t>more</a:t>
-            </a:r>
-            <a:r>
-              <a:rPr lang="de-DE" dirty="0"/>
-              <a:t> </a:t>
-            </a:r>
-            <a:r>
-              <a:rPr lang="de-DE" dirty="0" err="1"/>
-              <a:t>channels</a:t>
-            </a:r>
-            <a:r>
-              <a:rPr lang="de-DE" dirty="0"/>
-              <a:t> =&gt; </a:t>
-            </a:r>
-            <a:r>
-              <a:rPr lang="de-DE" dirty="0" err="1"/>
-              <a:t>use</a:t>
-            </a:r>
-            <a:r>
-              <a:rPr lang="de-DE" dirty="0"/>
-              <a:t> </a:t>
-            </a:r>
-            <a:r>
-              <a:rPr lang="de-DE" dirty="0" err="1"/>
-              <a:t>only</a:t>
-            </a:r>
-            <a:r>
-              <a:rPr lang="de-DE" dirty="0"/>
-              <a:t> </a:t>
+              <a:t>the</a:t>
+            </a:r>
+            <a:r>
+              <a:rPr lang="de-DE" dirty="0"/>
+              <a:t> same </a:t>
+            </a:r>
+            <a:r>
+              <a:rPr lang="de-DE" dirty="0" err="1"/>
+              <a:t>stride</a:t>
+            </a:r>
+            <a:r>
+              <a:rPr lang="de-DE" dirty="0"/>
+              <a:t>, </a:t>
+            </a:r>
+            <a:r>
+              <a:rPr lang="de-DE" dirty="0" err="1"/>
+              <a:t>padding</a:t>
+            </a:r>
+            <a:r>
+              <a:rPr lang="de-DE" dirty="0"/>
+              <a:t> </a:t>
+            </a:r>
+            <a:r>
+              <a:rPr lang="de-DE" dirty="0" err="1"/>
+              <a:t>configuration</a:t>
+            </a:r>
+            <a:r>
+              <a:rPr lang="de-DE" dirty="0"/>
+              <a:t> </a:t>
+            </a:r>
+            <a:r>
+              <a:rPr lang="de-DE" dirty="0" err="1"/>
+              <a:t>of</a:t>
+            </a:r>
+            <a:r>
+              <a:rPr lang="de-DE" dirty="0"/>
+              <a:t> 1x1 </a:t>
             </a:r>
             <a:r>
               <a:rPr lang="de-DE" dirty="0" err="1"/>
@@ -3153,683 +3988,27 @@
             </a:r>
             <a:r>
               <a:rPr lang="de-DE" dirty="0" err="1"/>
-              <a:t>layer</a:t>
-            </a:r>
-            <a:r>
-              <a:rPr lang="de-DE" dirty="0"/>
-              <a:t> </a:t>
-            </a:r>
-            <a:r>
-              <a:rPr lang="de-DE" dirty="0" err="1"/>
-              <a:t>to</a:t>
-            </a:r>
-            <a:r>
-              <a:rPr lang="de-DE" dirty="0"/>
-              <a:t> save </a:t>
-            </a:r>
-            <a:r>
-              <a:rPr lang="de-DE" dirty="0" err="1"/>
-              <a:t>the</a:t>
-            </a:r>
-            <a:r>
-              <a:rPr lang="de-DE" dirty="0"/>
-              <a:t> </a:t>
-            </a:r>
-            <a:r>
-              <a:rPr lang="de-DE" dirty="0" err="1"/>
-              <a:t>parameters</a:t>
-            </a:r>
-            <a:endParaRPr lang="de-DE" dirty="0"/>
-          </a:p>
-          <a:p>
-            <a:pPr marL="171450" indent="-171450">
-              <a:buFont typeface="Arial" panose="020B0604020202020204" pitchFamily="34" charset="0"/>
-              <a:buChar char="•"/>
-            </a:pPr>
-            <a:r>
-              <a:rPr lang="de-DE" dirty="0"/>
-              <a:t>Most </a:t>
-            </a:r>
-            <a:r>
-              <a:rPr lang="de-DE" dirty="0" err="1"/>
-              <a:t>layers</a:t>
-            </a:r>
-            <a:r>
-              <a:rPr lang="de-DE" dirty="0"/>
-              <a:t> in </a:t>
-            </a:r>
-            <a:r>
-              <a:rPr lang="de-DE" dirty="0" err="1"/>
-              <a:t>stage</a:t>
-            </a:r>
-            <a:r>
-              <a:rPr lang="de-DE" dirty="0"/>
-              <a:t> 4 </a:t>
-            </a:r>
-            <a:r>
-              <a:rPr lang="de-DE" dirty="0" err="1"/>
-              <a:t>following</a:t>
-            </a:r>
-            <a:r>
-              <a:rPr lang="de-DE" dirty="0"/>
-              <a:t> </a:t>
-            </a:r>
-            <a:r>
-              <a:rPr lang="de-DE" dirty="0" err="1"/>
-              <a:t>ResNet</a:t>
-            </a:r>
-            <a:r>
-              <a:rPr lang="de-DE" dirty="0"/>
-              <a:t> and ist </a:t>
-            </a:r>
-            <a:r>
-              <a:rPr lang="de-DE" dirty="0" err="1"/>
-              <a:t>variants</a:t>
-            </a:r>
-            <a:endParaRPr lang="de-DE" dirty="0"/>
-          </a:p>
-          <a:p>
-            <a:pPr marL="171450" indent="-171450">
-              <a:buFont typeface="Arial" panose="020B0604020202020204" pitchFamily="34" charset="0"/>
-              <a:buChar char="•"/>
-            </a:pPr>
-            <a:r>
-              <a:rPr lang="de-DE" dirty="0" err="1"/>
-              <a:t>RepVGG</a:t>
-            </a:r>
-            <a:r>
-              <a:rPr lang="de-DE" dirty="0"/>
-              <a:t>-A </a:t>
-            </a:r>
-            <a:r>
-              <a:rPr lang="de-DE" dirty="0" err="1"/>
-              <a:t>vs</a:t>
-            </a:r>
-            <a:r>
-              <a:rPr lang="de-DE" dirty="0"/>
-              <a:t> </a:t>
-            </a:r>
-            <a:r>
-              <a:rPr lang="de-DE" dirty="0" err="1"/>
-              <a:t>lightweight</a:t>
-            </a:r>
-            <a:r>
-              <a:rPr lang="de-DE" dirty="0"/>
-              <a:t>/</a:t>
-            </a:r>
-            <a:r>
-              <a:rPr lang="de-DE" dirty="0" err="1"/>
-              <a:t>middleweight</a:t>
-            </a:r>
-            <a:r>
-              <a:rPr lang="de-DE" dirty="0"/>
-              <a:t> </a:t>
-            </a:r>
-            <a:r>
-              <a:rPr lang="de-DE" dirty="0" err="1"/>
-              <a:t>models</a:t>
-            </a:r>
-            <a:r>
-              <a:rPr lang="de-DE" dirty="0"/>
-              <a:t> (ResNet-18/34/50)</a:t>
-            </a:r>
-          </a:p>
-          <a:p>
-            <a:pPr marL="171450" indent="-171450">
-              <a:buFont typeface="Arial" panose="020B0604020202020204" pitchFamily="34" charset="0"/>
-              <a:buChar char="•"/>
-            </a:pPr>
-            <a:r>
-              <a:rPr lang="de-DE" dirty="0" err="1"/>
-              <a:t>RepVGG</a:t>
-            </a:r>
-            <a:r>
-              <a:rPr lang="de-DE" dirty="0"/>
-              <a:t>-B </a:t>
-            </a:r>
-            <a:r>
-              <a:rPr lang="de-DE" dirty="0" err="1"/>
-              <a:t>vs</a:t>
-            </a:r>
-            <a:r>
-              <a:rPr lang="de-DE" dirty="0"/>
-              <a:t> high </a:t>
-            </a:r>
-            <a:r>
-              <a:rPr lang="de-DE" dirty="0" err="1"/>
-              <a:t>performance</a:t>
-            </a:r>
-            <a:r>
-              <a:rPr lang="de-DE" dirty="0"/>
-              <a:t> </a:t>
-            </a:r>
-            <a:r>
-              <a:rPr lang="de-DE" dirty="0" err="1"/>
-              <a:t>models</a:t>
-            </a:r>
-            <a:r>
-              <a:rPr lang="de-DE" dirty="0"/>
-              <a:t> (ResNet-18/34/50)</a:t>
-            </a:r>
-          </a:p>
-          <a:p>
-            <a:pPr marL="171450" indent="-171450">
-              <a:buFont typeface="Arial" panose="020B0604020202020204" pitchFamily="34" charset="0"/>
-              <a:buChar char="•"/>
-            </a:pPr>
-            <a:r>
-              <a:rPr lang="de-DE" dirty="0"/>
-              <a:t>Width </a:t>
-            </a:r>
-            <a:r>
-              <a:rPr lang="de-DE" dirty="0" err="1"/>
-              <a:t>setting</a:t>
-            </a:r>
-            <a:r>
-              <a:rPr lang="de-DE" dirty="0"/>
-              <a:t> </a:t>
-            </a:r>
-            <a:r>
-              <a:rPr lang="de-DE" dirty="0" err="1"/>
-              <a:t>from</a:t>
-            </a:r>
-            <a:r>
-              <a:rPr lang="de-DE" dirty="0"/>
-              <a:t> VGG and </a:t>
-            </a:r>
-            <a:r>
-              <a:rPr lang="de-DE" dirty="0" err="1"/>
-              <a:t>ResNet</a:t>
-            </a:r>
-            <a:r>
-              <a:rPr lang="de-DE" dirty="0"/>
-              <a:t> (uniform </a:t>
-            </a:r>
-            <a:r>
-              <a:rPr lang="de-DE" dirty="0" err="1"/>
-              <a:t>scaling</a:t>
-            </a:r>
-            <a:r>
-              <a:rPr lang="de-DE" dirty="0"/>
-              <a:t>)</a:t>
-            </a:r>
-          </a:p>
-          <a:p>
-            <a:pPr marL="171450" indent="-171450">
-              <a:buFont typeface="Arial" panose="020B0604020202020204" pitchFamily="34" charset="0"/>
-              <a:buChar char="•"/>
-            </a:pPr>
-            <a:r>
-              <a:rPr lang="de-DE" dirty="0" err="1"/>
-              <a:t>Sacling</a:t>
-            </a:r>
-            <a:r>
-              <a:rPr lang="de-DE" dirty="0"/>
-              <a:t> </a:t>
-            </a:r>
-            <a:r>
-              <a:rPr lang="de-DE" dirty="0" err="1"/>
-              <a:t>factors</a:t>
-            </a:r>
-            <a:r>
-              <a:rPr lang="de-DE" dirty="0"/>
-              <a:t> b&gt;a (</a:t>
-            </a:r>
-            <a:r>
-              <a:rPr lang="de-DE" dirty="0" err="1"/>
-              <a:t>richer</a:t>
-            </a:r>
-            <a:r>
-              <a:rPr lang="de-DE" dirty="0"/>
-              <a:t> </a:t>
-            </a:r>
-            <a:r>
-              <a:rPr lang="de-DE" dirty="0" err="1"/>
-              <a:t>features</a:t>
-            </a:r>
-            <a:r>
-              <a:rPr lang="de-DE" dirty="0"/>
-              <a:t> </a:t>
-            </a:r>
-            <a:r>
-              <a:rPr lang="de-DE" dirty="0" err="1"/>
-              <a:t>for</a:t>
-            </a:r>
-            <a:r>
-              <a:rPr lang="de-DE" dirty="0"/>
-              <a:t> </a:t>
-            </a:r>
-            <a:r>
-              <a:rPr lang="de-DE" dirty="0" err="1"/>
-              <a:t>the</a:t>
-            </a:r>
-            <a:r>
-              <a:rPr lang="de-DE" dirty="0"/>
-              <a:t> </a:t>
-            </a:r>
-            <a:r>
-              <a:rPr lang="de-DE" dirty="0" err="1"/>
-              <a:t>classification</a:t>
-            </a:r>
-            <a:r>
-              <a:rPr lang="de-DE" dirty="0"/>
-              <a:t> </a:t>
-            </a:r>
-            <a:r>
-              <a:rPr lang="de-DE" dirty="0" err="1"/>
-              <a:t>or</a:t>
-            </a:r>
-            <a:r>
-              <a:rPr lang="de-DE" dirty="0"/>
-              <a:t> </a:t>
-            </a:r>
-            <a:r>
-              <a:rPr lang="de-DE" dirty="0" err="1"/>
-              <a:t>other</a:t>
-            </a:r>
-            <a:r>
-              <a:rPr lang="de-DE" dirty="0"/>
-              <a:t> </a:t>
-            </a:r>
-            <a:r>
-              <a:rPr lang="de-DE" dirty="0" err="1"/>
-              <a:t>downstream</a:t>
-            </a:r>
-            <a:r>
-              <a:rPr lang="de-DE" dirty="0"/>
-              <a:t> </a:t>
-            </a:r>
-            <a:r>
-              <a:rPr lang="de-DE" dirty="0" err="1"/>
-              <a:t>tasks</a:t>
-            </a:r>
-            <a:r>
-              <a:rPr lang="de-DE" dirty="0"/>
-              <a:t>)</a:t>
-            </a:r>
-          </a:p>
-          <a:p>
-            <a:pPr marL="171450" indent="-171450">
-              <a:buFont typeface="Arial" panose="020B0604020202020204" pitchFamily="34" charset="0"/>
-              <a:buChar char="•"/>
-            </a:pPr>
-            <a:r>
-              <a:rPr lang="de-DE" dirty="0"/>
-              <a:t>As last </a:t>
-            </a:r>
-            <a:r>
-              <a:rPr lang="de-DE" dirty="0" err="1"/>
-              <a:t>stage</a:t>
-            </a:r>
-            <a:r>
-              <a:rPr lang="de-DE" dirty="0"/>
-              <a:t> </a:t>
-            </a:r>
-            <a:r>
-              <a:rPr lang="de-DE" dirty="0" err="1"/>
-              <a:t>has</a:t>
-            </a:r>
-            <a:r>
-              <a:rPr lang="de-DE" dirty="0"/>
-              <a:t> </a:t>
-            </a:r>
-            <a:r>
-              <a:rPr lang="de-DE" dirty="0" err="1"/>
-              <a:t>only</a:t>
-            </a:r>
-            <a:r>
-              <a:rPr lang="de-DE" dirty="0"/>
-              <a:t> </a:t>
-            </a:r>
-            <a:r>
-              <a:rPr lang="de-DE" dirty="0" err="1"/>
-              <a:t>one</a:t>
-            </a:r>
-            <a:r>
-              <a:rPr lang="de-DE" dirty="0"/>
-              <a:t> </a:t>
-            </a:r>
-            <a:r>
-              <a:rPr lang="de-DE" dirty="0" err="1"/>
-              <a:t>layer</a:t>
-            </a:r>
-            <a:r>
-              <a:rPr lang="de-DE" dirty="0"/>
-              <a:t>: large b </a:t>
-            </a:r>
-            <a:r>
-              <a:rPr lang="de-DE" dirty="0" err="1"/>
-              <a:t>does</a:t>
-            </a:r>
-            <a:r>
-              <a:rPr lang="de-DE" dirty="0"/>
-              <a:t> not </a:t>
-            </a:r>
-            <a:r>
-              <a:rPr lang="de-DE" dirty="0" err="1"/>
-              <a:t>introduce</a:t>
-            </a:r>
-            <a:r>
-              <a:rPr lang="de-DE" dirty="0"/>
-              <a:t> </a:t>
-            </a:r>
-            <a:r>
-              <a:rPr lang="de-DE" dirty="0" err="1"/>
-              <a:t>much</a:t>
-            </a:r>
-            <a:r>
-              <a:rPr lang="de-DE" dirty="0"/>
-              <a:t> </a:t>
-            </a:r>
-            <a:r>
-              <a:rPr lang="de-DE" dirty="0" err="1"/>
-              <a:t>latency</a:t>
-            </a:r>
-            <a:r>
-              <a:rPr lang="de-DE" dirty="0"/>
-              <a:t> </a:t>
-            </a:r>
-            <a:r>
-              <a:rPr lang="de-DE" dirty="0" err="1"/>
-              <a:t>orfar</a:t>
-            </a:r>
-            <a:r>
-              <a:rPr lang="de-DE" dirty="0"/>
-              <a:t> </a:t>
-            </a:r>
-            <a:r>
-              <a:rPr lang="de-DE" dirty="0" err="1"/>
-              <a:t>more</a:t>
-            </a:r>
-            <a:r>
-              <a:rPr lang="de-DE" dirty="0"/>
-              <a:t> </a:t>
-            </a:r>
-            <a:r>
-              <a:rPr lang="de-DE" dirty="0" err="1"/>
-              <a:t>amount</a:t>
-            </a:r>
-            <a:r>
-              <a:rPr lang="de-DE" dirty="0"/>
-              <a:t> </a:t>
-            </a:r>
-            <a:r>
-              <a:rPr lang="de-DE" dirty="0" err="1"/>
-              <a:t>of</a:t>
-            </a:r>
-            <a:r>
-              <a:rPr lang="de-DE" dirty="0"/>
-              <a:t> </a:t>
-            </a:r>
-            <a:r>
-              <a:rPr lang="de-DE" dirty="0" err="1"/>
-              <a:t>parameters</a:t>
-            </a:r>
-            <a:endParaRPr lang="de-DE" dirty="0"/>
-          </a:p>
-          <a:p>
-            <a:pPr marL="171450" indent="-171450">
-              <a:buFont typeface="Arial" panose="020B0604020202020204" pitchFamily="34" charset="0"/>
-              <a:buChar char="•"/>
-            </a:pPr>
-            <a:r>
-              <a:rPr lang="de-DE" dirty="0" err="1"/>
-              <a:t>Avoid</a:t>
-            </a:r>
-            <a:r>
-              <a:rPr lang="de-DE" dirty="0"/>
-              <a:t> large </a:t>
-            </a:r>
-            <a:r>
-              <a:rPr lang="de-DE" dirty="0" err="1"/>
-              <a:t>scale</a:t>
-            </a:r>
-            <a:r>
-              <a:rPr lang="de-DE" dirty="0"/>
-              <a:t> </a:t>
-            </a:r>
-            <a:r>
-              <a:rPr lang="de-DE" dirty="0" err="1"/>
-              <a:t>conv</a:t>
-            </a:r>
-            <a:r>
-              <a:rPr lang="de-DE" dirty="0"/>
-              <a:t> in </a:t>
-            </a:r>
-            <a:r>
-              <a:rPr lang="de-DE" dirty="0" err="1"/>
-              <a:t>first</a:t>
-            </a:r>
-            <a:r>
-              <a:rPr lang="de-DE" dirty="0"/>
-              <a:t> </a:t>
-            </a:r>
-            <a:r>
-              <a:rPr lang="de-DE" dirty="0" err="1"/>
-              <a:t>layer</a:t>
-            </a:r>
-            <a:endParaRPr lang="de-DE" dirty="0"/>
-          </a:p>
-          <a:p>
-            <a:pPr marL="171450" indent="-171450">
-              <a:buFont typeface="Arial" panose="020B0604020202020204" pitchFamily="34" charset="0"/>
-              <a:buChar char="•"/>
-            </a:pPr>
-            <a:r>
-              <a:rPr lang="de-DE" dirty="0" err="1"/>
-              <a:t>Interleave</a:t>
-            </a:r>
-            <a:r>
-              <a:rPr lang="de-DE" dirty="0"/>
-              <a:t> </a:t>
-            </a:r>
-            <a:r>
-              <a:rPr lang="de-DE" dirty="0" err="1"/>
-              <a:t>groupwise</a:t>
-            </a:r>
-            <a:r>
-              <a:rPr lang="de-DE" dirty="0"/>
-              <a:t> 3x3 </a:t>
-            </a:r>
-            <a:r>
-              <a:rPr lang="de-DE" dirty="0" err="1"/>
-              <a:t>conv</a:t>
-            </a:r>
-            <a:r>
-              <a:rPr lang="de-DE" dirty="0"/>
-              <a:t> </a:t>
-            </a:r>
-            <a:r>
-              <a:rPr lang="de-DE" dirty="0" err="1"/>
-              <a:t>layers</a:t>
-            </a:r>
-            <a:r>
-              <a:rPr lang="de-DE" dirty="0"/>
-              <a:t> </a:t>
-            </a:r>
-            <a:r>
-              <a:rPr lang="de-DE" dirty="0" err="1"/>
-              <a:t>every</a:t>
-            </a:r>
-            <a:r>
-              <a:rPr lang="de-DE" dirty="0"/>
-              <a:t> </a:t>
-            </a:r>
-            <a:r>
-              <a:rPr lang="de-DE" dirty="0" err="1"/>
-              <a:t>two</a:t>
-            </a:r>
-            <a:r>
-              <a:rPr lang="de-DE" dirty="0"/>
-              <a:t> </a:t>
-            </a:r>
-            <a:r>
-              <a:rPr lang="de-DE" dirty="0" err="1"/>
-              <a:t>layers</a:t>
-            </a:r>
-            <a:r>
-              <a:rPr lang="de-DE" dirty="0"/>
-              <a:t>: </a:t>
-            </a:r>
-            <a:r>
-              <a:rPr lang="de-DE" dirty="0" err="1"/>
-              <a:t>trade</a:t>
-            </a:r>
-            <a:r>
-              <a:rPr lang="de-DE" dirty="0"/>
-              <a:t> </a:t>
-            </a:r>
-            <a:r>
-              <a:rPr lang="de-DE" dirty="0" err="1"/>
-              <a:t>accuracy</a:t>
-            </a:r>
-            <a:r>
-              <a:rPr lang="de-DE" dirty="0"/>
-              <a:t> </a:t>
-            </a:r>
-            <a:r>
-              <a:rPr lang="de-DE" dirty="0" err="1"/>
-              <a:t>for</a:t>
-            </a:r>
-            <a:r>
-              <a:rPr lang="de-DE" dirty="0"/>
-              <a:t> </a:t>
-            </a:r>
-            <a:r>
-              <a:rPr lang="de-DE" dirty="0" err="1"/>
-              <a:t>efficiency</a:t>
-            </a:r>
-            <a:r>
-              <a:rPr lang="de-DE" dirty="0"/>
-              <a:t> but still </a:t>
-            </a:r>
-            <a:r>
-              <a:rPr lang="de-DE" dirty="0" err="1"/>
-              <a:t>maintain</a:t>
-            </a:r>
-            <a:r>
-              <a:rPr lang="de-DE" dirty="0"/>
-              <a:t> inter-</a:t>
-            </a:r>
-            <a:r>
-              <a:rPr lang="de-DE" dirty="0" err="1"/>
-              <a:t>channel</a:t>
-            </a:r>
-            <a:r>
-              <a:rPr lang="de-DE" dirty="0"/>
-              <a:t> </a:t>
-            </a:r>
-            <a:r>
-              <a:rPr lang="de-DE" dirty="0" err="1"/>
-              <a:t>information</a:t>
-            </a:r>
-            <a:r>
-              <a:rPr lang="de-DE" dirty="0"/>
-              <a:t> </a:t>
-            </a:r>
-            <a:r>
-              <a:rPr lang="de-DE" dirty="0" err="1"/>
-              <a:t>exchange</a:t>
-            </a:r>
-            <a:r>
-              <a:rPr lang="de-DE" dirty="0"/>
-              <a:t> (</a:t>
-            </a:r>
-            <a:r>
-              <a:rPr lang="de-DE" dirty="0" err="1"/>
-              <a:t>otherwise</a:t>
-            </a:r>
-            <a:r>
-              <a:rPr lang="de-DE" dirty="0"/>
-              <a:t> </a:t>
-            </a:r>
-            <a:r>
-              <a:rPr lang="de-DE" dirty="0" err="1"/>
-              <a:t>channel</a:t>
-            </a:r>
-            <a:r>
-              <a:rPr lang="de-DE" dirty="0"/>
-              <a:t> </a:t>
-            </a:r>
-            <a:r>
-              <a:rPr lang="de-DE" dirty="0" err="1"/>
-              <a:t>outout</a:t>
-            </a:r>
-            <a:r>
-              <a:rPr lang="de-DE" dirty="0"/>
-              <a:t> </a:t>
-            </a:r>
-            <a:r>
-              <a:rPr lang="de-DE" dirty="0" err="1"/>
-              <a:t>only</a:t>
-            </a:r>
-            <a:r>
-              <a:rPr lang="de-DE" dirty="0"/>
-              <a:t> </a:t>
-            </a:r>
-            <a:r>
-              <a:rPr lang="de-DE" dirty="0" err="1"/>
-              <a:t>derived</a:t>
-            </a:r>
-            <a:r>
-              <a:rPr lang="de-DE" dirty="0"/>
-              <a:t> </a:t>
-            </a:r>
-            <a:r>
-              <a:rPr lang="de-DE" dirty="0" err="1"/>
-              <a:t>from</a:t>
-            </a:r>
-            <a:r>
-              <a:rPr lang="de-DE" dirty="0"/>
-              <a:t> </a:t>
-            </a:r>
-            <a:r>
-              <a:rPr lang="de-DE" dirty="0" err="1"/>
-              <a:t>fraction</a:t>
-            </a:r>
-            <a:r>
-              <a:rPr lang="de-DE" dirty="0"/>
-              <a:t> </a:t>
-            </a:r>
-            <a:r>
-              <a:rPr lang="de-DE" dirty="0" err="1"/>
-              <a:t>of</a:t>
-            </a:r>
-            <a:r>
-              <a:rPr lang="de-DE" dirty="0"/>
-              <a:t> </a:t>
-            </a:r>
-            <a:r>
-              <a:rPr lang="de-DE" dirty="0" err="1"/>
-              <a:t>input</a:t>
-            </a:r>
-            <a:r>
-              <a:rPr lang="de-DE" dirty="0"/>
-              <a:t> </a:t>
-            </a:r>
-            <a:r>
-              <a:rPr lang="de-DE" dirty="0" err="1"/>
-              <a:t>channels</a:t>
-            </a:r>
-            <a:r>
-              <a:rPr lang="de-DE" dirty="0"/>
-              <a:t>) (g </a:t>
-            </a:r>
-            <a:r>
-              <a:rPr lang="de-DE" dirty="0" err="1"/>
-              <a:t>factor</a:t>
-            </a:r>
-            <a:r>
-              <a:rPr lang="de-DE" dirty="0"/>
-              <a:t>: 1,2 </a:t>
-            </a:r>
-            <a:r>
-              <a:rPr lang="de-DE" dirty="0" err="1"/>
-              <a:t>or</a:t>
-            </a:r>
-            <a:r>
-              <a:rPr lang="de-DE" dirty="0"/>
-              <a:t> 4)</a:t>
+              <a:t>pixel</a:t>
+            </a:r>
+            <a:r>
+              <a:rPr lang="de-DE" dirty="0"/>
+              <a:t> </a:t>
+            </a:r>
+            <a:r>
+              <a:rPr lang="de-DE" dirty="0" err="1"/>
+              <a:t>less</a:t>
+            </a:r>
+            <a:r>
+              <a:rPr lang="de-DE" dirty="0"/>
+              <a:t> </a:t>
+            </a:r>
+            <a:r>
+              <a:rPr lang="de-DE" dirty="0" err="1"/>
+              <a:t>than</a:t>
+            </a:r>
+            <a:r>
+              <a:rPr lang="de-DE" dirty="0"/>
+              <a:t> 3x3. </a:t>
             </a:r>
           </a:p>
         </p:txBody>
@@ -3851,7 +4030,7 @@
           <a:p>
             <a:fld id="{6D172734-61C0-4E94-B507-0920723C809C}" type="slidenum">
               <a:rPr lang="en-US" smtClean="0"/>
-              <a:t>8</a:t>
+              <a:t>7</a:t>
             </a:fld>
             <a:endParaRPr lang="en-US"/>
           </a:p>
@@ -3860,7 +4039,7 @@
     </p:spTree>
     <p:extLst>
       <p:ext uri="{BB962C8B-B14F-4D97-AF65-F5344CB8AC3E}">
-        <p14:creationId xmlns:p14="http://schemas.microsoft.com/office/powerpoint/2010/main" val="3916957712"/>
+        <p14:creationId xmlns:p14="http://schemas.microsoft.com/office/powerpoint/2010/main" val="377549559"/>
       </p:ext>
     </p:extLst>
   </p:cSld>
@@ -3919,61 +4098,142 @@
               <a:buChar char="•"/>
             </a:pPr>
             <a:r>
-              <a:rPr lang="de-DE" dirty="0" err="1"/>
-              <a:t>RepVGG</a:t>
-            </a:r>
-            <a:r>
-              <a:rPr lang="de-DE" dirty="0"/>
-              <a:t> </a:t>
-            </a:r>
-            <a:r>
-              <a:rPr lang="de-DE" dirty="0" err="1"/>
-              <a:t>models</a:t>
-            </a:r>
-            <a:r>
-              <a:rPr lang="de-DE" dirty="0"/>
-              <a:t> </a:t>
-            </a:r>
-            <a:r>
-              <a:rPr lang="de-DE" dirty="0" err="1"/>
-              <a:t>with</a:t>
-            </a:r>
-            <a:r>
-              <a:rPr lang="de-DE" dirty="0"/>
-              <a:t> </a:t>
-            </a:r>
-            <a:r>
-              <a:rPr lang="de-DE" dirty="0" err="1"/>
-              <a:t>interleaved</a:t>
-            </a:r>
-            <a:r>
-              <a:rPr lang="de-DE" dirty="0"/>
-              <a:t> </a:t>
-            </a:r>
-            <a:r>
-              <a:rPr lang="de-DE" dirty="0" err="1"/>
-              <a:t>groupwise</a:t>
-            </a:r>
-            <a:r>
-              <a:rPr lang="de-DE" dirty="0"/>
-              <a:t> </a:t>
-            </a:r>
-            <a:r>
-              <a:rPr lang="de-DE" dirty="0" err="1"/>
-              <a:t>layers</a:t>
-            </a:r>
-            <a:r>
-              <a:rPr lang="de-DE" dirty="0"/>
-              <a:t>: </a:t>
-            </a:r>
-            <a:r>
-              <a:rPr lang="de-DE" dirty="0" err="1"/>
-              <a:t>postfix</a:t>
-            </a:r>
-            <a:r>
-              <a:rPr lang="de-DE" dirty="0"/>
-              <a:t> g2/g4</a:t>
-            </a:r>
+              <a:rPr lang="de-DE" dirty="0"/>
+              <a:t>VGG-style: </a:t>
+            </a:r>
+            <a:r>
+              <a:rPr lang="de-DE" dirty="0" err="1"/>
+              <a:t>adopts</a:t>
+            </a:r>
+            <a:r>
+              <a:rPr lang="de-DE" dirty="0"/>
+              <a:t> </a:t>
+            </a:r>
+            <a:r>
+              <a:rPr lang="de-DE" dirty="0" err="1"/>
+              <a:t>plain</a:t>
+            </a:r>
+            <a:r>
+              <a:rPr lang="de-DE" dirty="0"/>
+              <a:t> </a:t>
+            </a:r>
+            <a:r>
+              <a:rPr lang="de-DE" dirty="0" err="1"/>
+              <a:t>topology</a:t>
+            </a:r>
+            <a:r>
+              <a:rPr lang="de-DE" dirty="0"/>
+              <a:t> and </a:t>
+            </a:r>
+            <a:r>
+              <a:rPr lang="de-DE" dirty="0" err="1"/>
+              <a:t>heavily</a:t>
+            </a:r>
+            <a:r>
+              <a:rPr lang="de-DE" dirty="0"/>
+              <a:t> </a:t>
+            </a:r>
+            <a:r>
+              <a:rPr lang="de-DE" dirty="0" err="1"/>
+              <a:t>uses</a:t>
+            </a:r>
+            <a:r>
+              <a:rPr lang="de-DE" dirty="0"/>
+              <a:t> 3x3 </a:t>
+            </a:r>
+            <a:r>
+              <a:rPr lang="de-DE" dirty="0" err="1"/>
+              <a:t>conv</a:t>
+            </a:r>
+            <a:r>
+              <a:rPr lang="de-DE" dirty="0"/>
+              <a:t>, </a:t>
+            </a:r>
+            <a:r>
+              <a:rPr lang="de-DE" dirty="0" err="1"/>
+              <a:t>no</a:t>
+            </a:r>
+            <a:r>
+              <a:rPr lang="de-DE" dirty="0"/>
+              <a:t> </a:t>
+            </a:r>
+            <a:r>
+              <a:rPr lang="de-DE" dirty="0" err="1"/>
+              <a:t>max</a:t>
+            </a:r>
+            <a:r>
+              <a:rPr lang="de-DE" dirty="0"/>
+              <a:t> </a:t>
+            </a:r>
+            <a:r>
+              <a:rPr lang="de-DE" dirty="0" err="1"/>
+              <a:t>pooling</a:t>
+            </a:r>
+            <a:r>
+              <a:rPr lang="de-DE" dirty="0"/>
+              <a:t> like VGG </a:t>
+            </a:r>
+            <a:r>
+              <a:rPr lang="de-DE" dirty="0" err="1"/>
+              <a:t>as</a:t>
+            </a:r>
+            <a:r>
+              <a:rPr lang="de-DE" dirty="0"/>
+              <a:t> </a:t>
+            </a:r>
+            <a:r>
+              <a:rPr lang="de-DE" dirty="0" err="1"/>
+              <a:t>body</a:t>
+            </a:r>
+            <a:r>
+              <a:rPr lang="de-DE" dirty="0"/>
+              <a:t> </a:t>
+            </a:r>
+            <a:r>
+              <a:rPr lang="de-DE" dirty="0" err="1"/>
+              <a:t>should</a:t>
+            </a:r>
+            <a:r>
+              <a:rPr lang="de-DE" dirty="0"/>
+              <a:t> </a:t>
+            </a:r>
+            <a:r>
+              <a:rPr lang="de-DE" dirty="0" err="1"/>
+              <a:t>only</a:t>
+            </a:r>
+            <a:r>
+              <a:rPr lang="de-DE" dirty="0"/>
+              <a:t> </a:t>
+            </a:r>
+            <a:r>
+              <a:rPr lang="de-DE" dirty="0" err="1"/>
+              <a:t>have</a:t>
+            </a:r>
+            <a:r>
+              <a:rPr lang="de-DE" dirty="0"/>
+              <a:t> </a:t>
+            </a:r>
+            <a:r>
+              <a:rPr lang="de-DE" dirty="0" err="1"/>
+              <a:t>one</a:t>
+            </a:r>
+            <a:r>
+              <a:rPr lang="de-DE" dirty="0"/>
+              <a:t> type </a:t>
+            </a:r>
+            <a:r>
+              <a:rPr lang="de-DE" dirty="0" err="1"/>
+              <a:t>of</a:t>
+            </a:r>
+            <a:r>
+              <a:rPr lang="de-DE" dirty="0"/>
+              <a:t> </a:t>
+            </a:r>
+            <a:r>
+              <a:rPr lang="de-DE" dirty="0" err="1"/>
+              <a:t>operator</a:t>
+            </a:r>
+            <a:endParaRPr lang="de-DE" dirty="0"/>
           </a:p>
           <a:p>
             <a:pPr marL="171450" indent="-171450">
@@ -3982,119 +4242,63 @@
             </a:pPr>
             <a:r>
               <a:rPr lang="de-DE" dirty="0"/>
-              <a:t>Training </a:t>
-            </a:r>
-            <a:r>
-              <a:rPr lang="de-DE" dirty="0" err="1"/>
-              <a:t>the</a:t>
-            </a:r>
-            <a:r>
-              <a:rPr lang="de-DE" dirty="0"/>
-              <a:t> </a:t>
-            </a:r>
-            <a:r>
-              <a:rPr lang="de-DE" dirty="0" err="1"/>
-              <a:t>leight</a:t>
-            </a:r>
-            <a:r>
-              <a:rPr lang="de-DE" dirty="0"/>
-              <a:t>/</a:t>
-            </a:r>
-            <a:r>
-              <a:rPr lang="de-DE" dirty="0" err="1"/>
-              <a:t>middleweight</a:t>
-            </a:r>
-            <a:r>
-              <a:rPr lang="de-DE" dirty="0"/>
-              <a:t> </a:t>
-            </a:r>
-            <a:r>
-              <a:rPr lang="de-DE" dirty="0" err="1"/>
-              <a:t>models</a:t>
-            </a:r>
-            <a:r>
-              <a:rPr lang="de-DE" dirty="0"/>
-              <a:t>: </a:t>
-            </a:r>
-            <a:r>
-              <a:rPr lang="de-DE" dirty="0" err="1"/>
-              <a:t>random</a:t>
-            </a:r>
-            <a:r>
-              <a:rPr lang="de-DE" dirty="0"/>
-              <a:t> </a:t>
-            </a:r>
-            <a:r>
-              <a:rPr lang="de-DE" dirty="0" err="1"/>
-              <a:t>cropping</a:t>
-            </a:r>
-            <a:r>
-              <a:rPr lang="de-DE" dirty="0"/>
-              <a:t>, </a:t>
-            </a:r>
-            <a:r>
-              <a:rPr lang="de-DE" dirty="0" err="1"/>
-              <a:t>left-right</a:t>
-            </a:r>
-            <a:r>
-              <a:rPr lang="de-DE" dirty="0"/>
-              <a:t> </a:t>
-            </a:r>
-            <a:r>
-              <a:rPr lang="de-DE" dirty="0" err="1"/>
-              <a:t>flipping</a:t>
-            </a:r>
-            <a:r>
-              <a:rPr lang="de-DE" dirty="0"/>
-              <a:t>, B=256, 8 GPUs, </a:t>
-            </a:r>
-            <a:r>
-              <a:rPr lang="de-DE" dirty="0" err="1"/>
-              <a:t>lr</a:t>
-            </a:r>
-            <a:r>
-              <a:rPr lang="de-DE" dirty="0"/>
-              <a:t>=0.2, </a:t>
-            </a:r>
-            <a:r>
-              <a:rPr lang="de-DE" dirty="0" err="1"/>
-              <a:t>cosine</a:t>
-            </a:r>
-            <a:r>
-              <a:rPr lang="de-DE" dirty="0"/>
-              <a:t> </a:t>
-            </a:r>
-            <a:r>
-              <a:rPr lang="de-DE" dirty="0" err="1"/>
-              <a:t>annealing</a:t>
-            </a:r>
-            <a:r>
-              <a:rPr lang="de-DE" dirty="0"/>
-              <a:t>=120, SGD, </a:t>
-            </a:r>
-            <a:r>
-              <a:rPr lang="de-DE" dirty="0" err="1"/>
-              <a:t>momemtum</a:t>
-            </a:r>
-            <a:r>
-              <a:rPr lang="de-DE" dirty="0"/>
-              <a:t>=0.9, </a:t>
-            </a:r>
-            <a:r>
-              <a:rPr lang="de-DE" dirty="0" err="1"/>
-              <a:t>weight</a:t>
-            </a:r>
-            <a:r>
-              <a:rPr lang="de-DE" dirty="0"/>
-              <a:t> </a:t>
-            </a:r>
-            <a:r>
-              <a:rPr lang="de-DE" dirty="0" err="1"/>
-              <a:t>decay</a:t>
-            </a:r>
-            <a:r>
-              <a:rPr lang="de-DE" dirty="0"/>
-              <a:t>^=10^-4</a:t>
+              <a:t>1st </a:t>
+            </a:r>
+            <a:r>
+              <a:rPr lang="de-DE" dirty="0" err="1"/>
+              <a:t>layer</a:t>
+            </a:r>
+            <a:r>
+              <a:rPr lang="de-DE" dirty="0"/>
+              <a:t> </a:t>
+            </a:r>
+            <a:r>
+              <a:rPr lang="de-DE" dirty="0" err="1"/>
+              <a:t>of</a:t>
+            </a:r>
+            <a:r>
+              <a:rPr lang="de-DE" dirty="0"/>
+              <a:t> </a:t>
+            </a:r>
+            <a:r>
+              <a:rPr lang="de-DE" dirty="0" err="1"/>
+              <a:t>each</a:t>
+            </a:r>
+            <a:r>
+              <a:rPr lang="de-DE" dirty="0"/>
+              <a:t> </a:t>
+            </a:r>
+            <a:r>
+              <a:rPr lang="de-DE" dirty="0" err="1"/>
+              <a:t>stages</a:t>
+            </a:r>
+            <a:r>
+              <a:rPr lang="de-DE" dirty="0"/>
+              <a:t> </a:t>
+            </a:r>
+            <a:r>
+              <a:rPr lang="de-DE" dirty="0" err="1"/>
+              <a:t>downsamples</a:t>
+            </a:r>
+            <a:r>
+              <a:rPr lang="de-DE" dirty="0"/>
+              <a:t> </a:t>
+            </a:r>
+            <a:r>
+              <a:rPr lang="de-DE" dirty="0" err="1"/>
+              <a:t>with</a:t>
+            </a:r>
+            <a:r>
+              <a:rPr lang="de-DE" dirty="0"/>
+              <a:t> </a:t>
+            </a:r>
+            <a:r>
+              <a:rPr lang="de-DE" dirty="0" err="1"/>
+              <a:t>stride</a:t>
+            </a:r>
+            <a:r>
+              <a:rPr lang="de-DE" dirty="0"/>
+              <a:t> 2</a:t>
             </a:r>
           </a:p>
           <a:p>
@@ -4104,117 +4308,21 @@
             </a:pPr>
             <a:r>
               <a:rPr lang="de-DE" dirty="0"/>
-              <a:t>Training </a:t>
-            </a:r>
-            <a:r>
-              <a:rPr lang="de-DE" dirty="0" err="1"/>
-              <a:t>the</a:t>
-            </a:r>
-            <a:r>
-              <a:rPr lang="de-DE" dirty="0"/>
-              <a:t> </a:t>
-            </a:r>
-            <a:r>
-              <a:rPr lang="de-DE" dirty="0" err="1"/>
-              <a:t>heavyweight</a:t>
-            </a:r>
-            <a:r>
-              <a:rPr lang="de-DE" dirty="0"/>
-              <a:t> </a:t>
-            </a:r>
-            <a:r>
-              <a:rPr lang="de-DE" dirty="0" err="1"/>
-              <a:t>models</a:t>
-            </a:r>
-            <a:r>
-              <a:rPr lang="de-DE" dirty="0"/>
-              <a:t>: 5-epoch </a:t>
-            </a:r>
-            <a:r>
-              <a:rPr lang="de-DE" dirty="0" err="1"/>
-              <a:t>warmup</a:t>
-            </a:r>
-            <a:r>
-              <a:rPr lang="de-DE" dirty="0"/>
-              <a:t>, </a:t>
-            </a:r>
-            <a:r>
-              <a:rPr lang="de-DE" dirty="0" err="1"/>
-              <a:t>cosine-annealing</a:t>
-            </a:r>
-            <a:r>
-              <a:rPr lang="de-DE" dirty="0"/>
-              <a:t>: 200, </a:t>
-            </a:r>
-            <a:r>
-              <a:rPr lang="de-DE" dirty="0" err="1"/>
-              <a:t>label</a:t>
-            </a:r>
-            <a:r>
-              <a:rPr lang="de-DE" dirty="0"/>
-              <a:t> </a:t>
-            </a:r>
-            <a:r>
-              <a:rPr lang="de-DE" dirty="0" err="1"/>
-              <a:t>smoothing</a:t>
-            </a:r>
-            <a:r>
-              <a:rPr lang="de-DE" dirty="0"/>
-              <a:t>, </a:t>
-            </a:r>
-            <a:r>
-              <a:rPr lang="de-DE" dirty="0" err="1"/>
-              <a:t>mixup</a:t>
-            </a:r>
-            <a:r>
-              <a:rPr lang="de-DE" dirty="0"/>
-              <a:t>, </a:t>
-            </a:r>
-            <a:r>
-              <a:rPr lang="de-DE" dirty="0" err="1"/>
-              <a:t>radnom</a:t>
-            </a:r>
-            <a:r>
-              <a:rPr lang="de-DE" dirty="0"/>
-              <a:t> </a:t>
-            </a:r>
-            <a:r>
-              <a:rPr lang="de-DE" dirty="0" err="1"/>
-              <a:t>cropping</a:t>
-            </a:r>
-            <a:r>
-              <a:rPr lang="de-DE" dirty="0"/>
-              <a:t>, </a:t>
-            </a:r>
-            <a:r>
-              <a:rPr lang="de-DE" dirty="0" err="1"/>
-              <a:t>flipping</a:t>
-            </a:r>
-            <a:r>
-              <a:rPr lang="de-DE" dirty="0"/>
-              <a:t>, </a:t>
-            </a:r>
-            <a:r>
-              <a:rPr lang="de-DE" dirty="0" err="1"/>
-              <a:t>data</a:t>
-            </a:r>
-            <a:r>
-              <a:rPr lang="de-DE" dirty="0"/>
-              <a:t> </a:t>
-            </a:r>
-            <a:r>
-              <a:rPr lang="de-DE" dirty="0" err="1"/>
-              <a:t>augmentation</a:t>
-            </a:r>
-            <a:r>
-              <a:rPr lang="de-DE" dirty="0"/>
-              <a:t> </a:t>
-            </a:r>
-            <a:r>
-              <a:rPr lang="de-DE" dirty="0" err="1"/>
-              <a:t>pipeline</a:t>
-            </a:r>
-            <a:endParaRPr lang="en-US" dirty="0"/>
+              <a:t>Task </a:t>
+            </a:r>
+            <a:r>
+              <a:rPr lang="de-DE" dirty="0" err="1"/>
+              <a:t>specific</a:t>
+            </a:r>
+            <a:r>
+              <a:rPr lang="de-DE" dirty="0"/>
+              <a:t> </a:t>
+            </a:r>
+            <a:r>
+              <a:rPr lang="de-DE" dirty="0" err="1"/>
+              <a:t>heads</a:t>
+            </a:r>
+            <a:endParaRPr lang="de-DE" dirty="0"/>
           </a:p>
           <a:p>
             <a:pPr marL="171450" indent="-171450">
@@ -4222,67 +4330,197 @@
               <a:buChar char="•"/>
             </a:pPr>
             <a:r>
-              <a:rPr lang="en-US" dirty="0"/>
-              <a:t>All conv-BN sequences of the baselines are also converted into a conv with bias</a:t>
-            </a:r>
+              <a:rPr lang="de-DE" dirty="0"/>
+              <a:t>First </a:t>
+            </a:r>
+            <a:r>
+              <a:rPr lang="de-DE" dirty="0" err="1"/>
+              <a:t>stage</a:t>
+            </a:r>
+            <a:r>
+              <a:rPr lang="de-DE" dirty="0"/>
+              <a:t> </a:t>
+            </a:r>
+            <a:r>
+              <a:rPr lang="de-DE" dirty="0" err="1"/>
+              <a:t>has</a:t>
+            </a:r>
+            <a:r>
+              <a:rPr lang="de-DE" dirty="0"/>
+              <a:t> </a:t>
+            </a:r>
+            <a:r>
+              <a:rPr lang="de-DE" dirty="0" err="1"/>
+              <a:t>only</a:t>
+            </a:r>
+            <a:r>
+              <a:rPr lang="de-DE" dirty="0"/>
+              <a:t> </a:t>
+            </a:r>
+            <a:r>
+              <a:rPr lang="de-DE" dirty="0" err="1"/>
+              <a:t>one</a:t>
+            </a:r>
+            <a:r>
+              <a:rPr lang="de-DE" dirty="0"/>
+              <a:t> </a:t>
+            </a:r>
+            <a:r>
+              <a:rPr lang="de-DE" dirty="0" err="1"/>
+              <a:t>layer</a:t>
+            </a:r>
+            <a:r>
+              <a:rPr lang="de-DE" dirty="0"/>
+              <a:t>: </a:t>
+            </a:r>
+            <a:r>
+              <a:rPr lang="de-DE" dirty="0" err="1"/>
+              <a:t>lower</a:t>
+            </a:r>
+            <a:r>
+              <a:rPr lang="de-DE" dirty="0"/>
+              <a:t> </a:t>
+            </a:r>
+            <a:r>
+              <a:rPr lang="de-DE" dirty="0" err="1"/>
+              <a:t>latency</a:t>
+            </a:r>
+            <a:r>
+              <a:rPr lang="de-DE" dirty="0"/>
+              <a:t> </a:t>
+            </a:r>
+            <a:r>
+              <a:rPr lang="de-DE" dirty="0" err="1"/>
+              <a:t>as</a:t>
+            </a:r>
+            <a:r>
+              <a:rPr lang="de-DE" dirty="0"/>
+              <a:t> </a:t>
+            </a:r>
+            <a:r>
+              <a:rPr lang="de-DE" dirty="0" err="1"/>
+              <a:t>operates</a:t>
+            </a:r>
+            <a:r>
+              <a:rPr lang="de-DE" dirty="0"/>
+              <a:t> </a:t>
+            </a:r>
+            <a:r>
+              <a:rPr lang="de-DE" dirty="0" err="1"/>
+              <a:t>with</a:t>
+            </a:r>
+            <a:r>
+              <a:rPr lang="de-DE" dirty="0"/>
+              <a:t> high </a:t>
+            </a:r>
+            <a:r>
+              <a:rPr lang="de-DE" dirty="0" err="1"/>
+              <a:t>resolutions</a:t>
+            </a:r>
+            <a:endParaRPr lang="de-DE" dirty="0"/>
           </a:p>
           <a:p>
             <a:pPr marL="171450" indent="-171450">
               <a:buFont typeface="Arial" panose="020B0604020202020204" pitchFamily="34" charset="0"/>
               <a:buChar char="•"/>
             </a:pPr>
+            <a:r>
+              <a:rPr lang="de-DE" dirty="0"/>
+              <a:t>Last </a:t>
+            </a:r>
+            <a:r>
+              <a:rPr lang="de-DE" dirty="0" err="1"/>
+              <a:t>stage</a:t>
+            </a:r>
+            <a:r>
+              <a:rPr lang="de-DE" dirty="0"/>
+              <a:t> </a:t>
+            </a:r>
+            <a:r>
+              <a:rPr lang="de-DE" dirty="0" err="1"/>
+              <a:t>should</a:t>
+            </a:r>
+            <a:r>
+              <a:rPr lang="de-DE" dirty="0"/>
+              <a:t> </a:t>
+            </a:r>
+            <a:r>
+              <a:rPr lang="de-DE" dirty="0" err="1"/>
+              <a:t>have</a:t>
+            </a:r>
+            <a:r>
+              <a:rPr lang="de-DE" dirty="0"/>
+              <a:t> </a:t>
+            </a:r>
+            <a:r>
+              <a:rPr lang="de-DE" dirty="0" err="1"/>
+              <a:t>more</a:t>
+            </a:r>
+            <a:r>
+              <a:rPr lang="de-DE" dirty="0"/>
+              <a:t> </a:t>
+            </a:r>
+            <a:r>
+              <a:rPr lang="de-DE" dirty="0" err="1"/>
+              <a:t>channels</a:t>
+            </a:r>
+            <a:r>
+              <a:rPr lang="de-DE" dirty="0"/>
+              <a:t> =&gt; </a:t>
+            </a:r>
+            <a:r>
+              <a:rPr lang="de-DE" dirty="0" err="1"/>
+              <a:t>use</a:t>
+            </a:r>
+            <a:r>
+              <a:rPr lang="de-DE" dirty="0"/>
+              <a:t> </a:t>
+            </a:r>
+            <a:r>
+              <a:rPr lang="de-DE" dirty="0" err="1"/>
+              <a:t>only</a:t>
+            </a:r>
+            <a:r>
+              <a:rPr lang="de-DE" dirty="0"/>
+              <a:t> </a:t>
+            </a:r>
+            <a:r>
+              <a:rPr lang="de-DE" dirty="0" err="1"/>
+              <a:t>one</a:t>
+            </a:r>
+            <a:r>
+              <a:rPr lang="de-DE" dirty="0"/>
+              <a:t> </a:t>
+            </a:r>
+            <a:r>
+              <a:rPr lang="de-DE" dirty="0" err="1"/>
+              <a:t>layer</a:t>
+            </a:r>
+            <a:r>
+              <a:rPr lang="de-DE" dirty="0"/>
+              <a:t> </a:t>
+            </a:r>
+            <a:r>
+              <a:rPr lang="de-DE" dirty="0" err="1"/>
+              <a:t>to</a:t>
+            </a:r>
+            <a:r>
+              <a:rPr lang="de-DE" dirty="0"/>
+              <a:t> save </a:t>
+            </a:r>
+            <a:r>
+              <a:rPr lang="de-DE" dirty="0" err="1"/>
+              <a:t>the</a:t>
+            </a:r>
+            <a:r>
+              <a:rPr lang="de-DE" dirty="0"/>
+              <a:t> </a:t>
+            </a:r>
+            <a:r>
+              <a:rPr lang="de-DE" dirty="0" err="1"/>
+              <a:t>parameters</a:t>
+            </a:r>
             <a:endParaRPr lang="de-DE" dirty="0"/>
-          </a:p>
-          <a:p>
-            <a:pPr marL="171450" marR="0" lvl="0" indent="-171450" algn="l" defTabSz="914400" rtl="0" eaLnBrk="1" fontAlgn="auto" latinLnBrk="0" hangingPunct="1">
-              <a:lnSpc>
-                <a:spcPct val="100000"/>
-              </a:lnSpc>
-              <a:spcBef>
-                <a:spcPts val="0"/>
-              </a:spcBef>
-              <a:spcAft>
-                <a:spcPts val="0"/>
-              </a:spcAft>
-              <a:buClrTx/>
-              <a:buSzTx/>
-              <a:buFont typeface="Arial" panose="020B0604020202020204" pitchFamily="34" charset="0"/>
-              <a:buChar char="•"/>
-              <a:tabLst/>
-              <a:defRPr/>
-            </a:pPr>
-            <a:r>
-              <a:rPr lang="de-DE" dirty="0" err="1"/>
-              <a:t>Comparison</a:t>
-            </a:r>
-            <a:r>
-              <a:rPr lang="de-DE" dirty="0"/>
-              <a:t> </a:t>
-            </a:r>
-            <a:r>
-              <a:rPr lang="de-DE" dirty="0" err="1"/>
-              <a:t>against</a:t>
-            </a:r>
-            <a:r>
-              <a:rPr lang="de-DE" dirty="0"/>
-              <a:t> EfficientNet-B0/B3 (</a:t>
-            </a:r>
-            <a:r>
-              <a:rPr lang="de-DE" dirty="0" err="1"/>
-              <a:t>middleweight</a:t>
-            </a:r>
-            <a:r>
-              <a:rPr lang="de-DE" dirty="0"/>
-              <a:t>) and RegNet-3.2GF/12GF (</a:t>
-            </a:r>
-            <a:r>
-              <a:rPr lang="de-DE" dirty="0" err="1"/>
-              <a:t>heavyweight</a:t>
-            </a:r>
-            <a:r>
-              <a:rPr lang="de-DE" dirty="0"/>
-              <a:t>)</a:t>
-            </a:r>
           </a:p>
           <a:p>
             <a:pPr marL="171450" indent="-171450">
@@ -4290,16 +4528,12 @@
               <a:buChar char="•"/>
             </a:pPr>
             <a:r>
-              <a:rPr lang="de-DE" dirty="0" err="1"/>
-              <a:t>Impressive</a:t>
-            </a:r>
-            <a:r>
-              <a:rPr lang="de-DE" dirty="0"/>
-              <a:t> </a:t>
-            </a:r>
-            <a:r>
-              <a:rPr lang="de-DE" dirty="0" err="1"/>
-              <a:t>improvements</a:t>
+              <a:rPr lang="de-DE" dirty="0"/>
+              <a:t>Most </a:t>
+            </a:r>
+            <a:r>
+              <a:rPr lang="de-DE" dirty="0" err="1"/>
+              <a:t>layers</a:t>
             </a:r>
             <a:r>
               <a:rPr lang="de-DE" dirty="0"/>
@@ -4307,68 +4541,33 @@
             </a:r>
             <a:r>
               <a:rPr lang="de-DE" dirty="0" err="1"/>
-              <a:t>speed</a:t>
-            </a:r>
-            <a:r>
-              <a:rPr lang="de-DE" dirty="0"/>
-              <a:t> (RepVGG-B1 g4 </a:t>
-            </a:r>
-            <a:r>
-              <a:rPr lang="de-DE" dirty="0" err="1"/>
-              <a:t>is</a:t>
-            </a:r>
-            <a:r>
-              <a:rPr lang="de-DE" dirty="0"/>
-              <a:t> 101% </a:t>
-            </a:r>
-            <a:r>
-              <a:rPr lang="de-DE" dirty="0" err="1"/>
-              <a:t>faster</a:t>
-            </a:r>
-            <a:r>
-              <a:rPr lang="de-DE" dirty="0"/>
-              <a:t> </a:t>
-            </a:r>
-            <a:r>
-              <a:rPr lang="de-DE" dirty="0" err="1"/>
-              <a:t>than</a:t>
-            </a:r>
-            <a:r>
-              <a:rPr lang="de-DE" dirty="0"/>
-              <a:t> ResNet-101, RepVGG-B1g2 </a:t>
-            </a:r>
-            <a:r>
-              <a:rPr lang="de-DE" dirty="0" err="1"/>
-              <a:t>is</a:t>
-            </a:r>
-            <a:r>
-              <a:rPr lang="de-DE" dirty="0"/>
-              <a:t> 2.66 </a:t>
-            </a:r>
-            <a:r>
-              <a:rPr lang="de-DE" dirty="0" err="1"/>
-              <a:t>times</a:t>
-            </a:r>
-            <a:r>
-              <a:rPr lang="de-DE" dirty="0"/>
-              <a:t> </a:t>
-            </a:r>
-            <a:r>
-              <a:rPr lang="de-DE" dirty="0" err="1"/>
-              <a:t>faster</a:t>
-            </a:r>
-            <a:r>
-              <a:rPr lang="de-DE" dirty="0"/>
-              <a:t> </a:t>
-            </a:r>
-            <a:r>
-              <a:rPr lang="de-DE" dirty="0" err="1"/>
-              <a:t>than</a:t>
-            </a:r>
-            <a:r>
-              <a:rPr lang="de-DE" dirty="0"/>
-              <a:t> ResNet-152)</a:t>
-            </a:r>
+              <a:t>stage</a:t>
+            </a:r>
+            <a:r>
+              <a:rPr lang="de-DE" dirty="0"/>
+              <a:t> 4 </a:t>
+            </a:r>
+            <a:r>
+              <a:rPr lang="de-DE" dirty="0" err="1"/>
+              <a:t>following</a:t>
+            </a:r>
+            <a:r>
+              <a:rPr lang="de-DE" dirty="0"/>
+              <a:t> </a:t>
+            </a:r>
+            <a:r>
+              <a:rPr lang="de-DE" dirty="0" err="1"/>
+              <a:t>ResNet</a:t>
+            </a:r>
+            <a:r>
+              <a:rPr lang="de-DE" dirty="0"/>
+              <a:t> and ist </a:t>
+            </a:r>
+            <a:r>
+              <a:rPr lang="de-DE" dirty="0" err="1"/>
+              <a:t>variants</a:t>
+            </a:r>
+            <a:endParaRPr lang="de-DE" dirty="0"/>
           </a:p>
           <a:p>
             <a:pPr marL="171450" indent="-171450">
@@ -4376,86 +4575,45 @@
               <a:buChar char="•"/>
             </a:pPr>
             <a:r>
-              <a:rPr lang="de-DE" dirty="0"/>
-              <a:t>More </a:t>
-            </a:r>
-            <a:r>
-              <a:rPr lang="de-DE" dirty="0" err="1"/>
-              <a:t>parameter</a:t>
-            </a:r>
-            <a:r>
-              <a:rPr lang="de-DE" dirty="0"/>
-              <a:t> </a:t>
-            </a:r>
-            <a:r>
-              <a:rPr lang="de-DE" dirty="0" err="1"/>
-              <a:t>efficient</a:t>
-            </a:r>
-            <a:r>
-              <a:rPr lang="de-DE" dirty="0"/>
-              <a:t>: RepVGG-B2 </a:t>
-            </a:r>
-            <a:r>
-              <a:rPr lang="de-DE" dirty="0" err="1"/>
-              <a:t>has</a:t>
-            </a:r>
-            <a:r>
-              <a:rPr lang="de-DE" dirty="0"/>
-              <a:t> </a:t>
-            </a:r>
-            <a:r>
-              <a:rPr lang="de-DE" dirty="0" err="1"/>
-              <a:t>only</a:t>
-            </a:r>
-            <a:r>
-              <a:rPr lang="de-DE" dirty="0"/>
-              <a:t> 58% </a:t>
-            </a:r>
-            <a:r>
-              <a:rPr lang="de-DE" dirty="0" err="1"/>
-              <a:t>parameters</a:t>
-            </a:r>
-            <a:r>
-              <a:rPr lang="de-DE" dirty="0"/>
-              <a:t> </a:t>
-            </a:r>
-            <a:r>
-              <a:rPr lang="de-DE" dirty="0" err="1"/>
-              <a:t>compared</a:t>
-            </a:r>
-            <a:r>
-              <a:rPr lang="de-DE" dirty="0"/>
-              <a:t> </a:t>
-            </a:r>
-            <a:r>
-              <a:rPr lang="de-DE" dirty="0" err="1"/>
-              <a:t>to</a:t>
-            </a:r>
-            <a:r>
-              <a:rPr lang="de-DE" dirty="0"/>
-              <a:t> VGG-16, 10% </a:t>
-            </a:r>
-            <a:r>
-              <a:rPr lang="de-DE" dirty="0" err="1"/>
-              <a:t>faster</a:t>
-            </a:r>
-            <a:r>
-              <a:rPr lang="de-DE" dirty="0"/>
-              <a:t>, 6.57% </a:t>
-            </a:r>
-            <a:r>
-              <a:rPr lang="de-DE" dirty="0" err="1"/>
-              <a:t>higher</a:t>
-            </a:r>
-            <a:r>
-              <a:rPr lang="de-DE" dirty="0"/>
-              <a:t> </a:t>
-            </a:r>
-            <a:r>
-              <a:rPr lang="de-DE" dirty="0" err="1"/>
-              <a:t>accuracy</a:t>
-            </a:r>
-            <a:endParaRPr lang="de-DE" dirty="0"/>
+              <a:rPr lang="de-DE" dirty="0" err="1"/>
+              <a:t>RepVGG</a:t>
+            </a:r>
+            <a:r>
+              <a:rPr lang="de-DE" dirty="0"/>
+              <a:t>-A </a:t>
+            </a:r>
+            <a:r>
+              <a:rPr lang="de-DE" dirty="0" err="1"/>
+              <a:t>vs</a:t>
+            </a:r>
+            <a:r>
+              <a:rPr lang="de-DE" dirty="0"/>
+              <a:t> </a:t>
+            </a:r>
+            <a:r>
+              <a:rPr lang="de-DE" dirty="0" err="1"/>
+              <a:t>lightweight</a:t>
+            </a:r>
+            <a:r>
+              <a:rPr lang="de-DE" dirty="0"/>
+              <a:t>/</a:t>
+            </a:r>
+            <a:r>
+              <a:rPr lang="de-DE" dirty="0" err="1"/>
+              <a:t>middleweight</a:t>
+            </a:r>
+            <a:r>
+              <a:rPr lang="de-DE" dirty="0"/>
+              <a:t> </a:t>
+            </a:r>
+            <a:r>
+              <a:rPr lang="de-DE" dirty="0" err="1"/>
+              <a:t>models</a:t>
+            </a:r>
+            <a:r>
+              <a:rPr lang="de-DE" dirty="0"/>
+              <a:t> (ResNet-18/34/50)</a:t>
+            </a:r>
           </a:p>
           <a:p>
             <a:pPr marL="171450" indent="-171450">
@@ -4463,96 +4621,36 @@
               <a:buChar char="•"/>
             </a:pPr>
             <a:r>
-              <a:rPr lang="de-DE" dirty="0"/>
-              <a:t>Can </a:t>
-            </a:r>
-            <a:r>
-              <a:rPr lang="de-DE" dirty="0" err="1"/>
-              <a:t>even</a:t>
-            </a:r>
-            <a:r>
-              <a:rPr lang="de-DE" dirty="0"/>
-              <a:t> hold </a:t>
-            </a:r>
-            <a:r>
-              <a:rPr lang="de-DE" dirty="0" err="1"/>
-              <a:t>up</a:t>
-            </a:r>
-            <a:r>
-              <a:rPr lang="de-DE" dirty="0"/>
-              <a:t> </a:t>
-            </a:r>
-            <a:r>
-              <a:rPr lang="de-DE" dirty="0" err="1"/>
-              <a:t>with</a:t>
-            </a:r>
-            <a:r>
-              <a:rPr lang="de-DE" dirty="0"/>
-              <a:t> RegNetX-3.2GF! (</a:t>
-            </a:r>
-            <a:r>
-              <a:rPr lang="de-DE" dirty="0" err="1"/>
-              <a:t>without</a:t>
-            </a:r>
-            <a:r>
-              <a:rPr lang="de-DE" dirty="0"/>
-              <a:t> </a:t>
-            </a:r>
-            <a:r>
-              <a:rPr lang="de-DE" dirty="0" err="1"/>
-              <a:t>designing</a:t>
-            </a:r>
-            <a:r>
-              <a:rPr lang="de-DE" dirty="0"/>
-              <a:t> </a:t>
-            </a:r>
-            <a:r>
-              <a:rPr lang="de-DE" dirty="0" err="1"/>
-              <a:t>network</a:t>
-            </a:r>
-            <a:r>
-              <a:rPr lang="de-DE" dirty="0"/>
-              <a:t> design </a:t>
-            </a:r>
-            <a:r>
-              <a:rPr lang="de-DE" dirty="0" err="1"/>
-              <a:t>spaces</a:t>
-            </a:r>
-            <a:r>
-              <a:rPr lang="de-DE" dirty="0"/>
-              <a:t>, </a:t>
-            </a:r>
-            <a:r>
-              <a:rPr lang="de-DE" dirty="0" err="1"/>
-              <a:t>architectural</a:t>
-            </a:r>
-            <a:r>
-              <a:rPr lang="de-DE" dirty="0"/>
-              <a:t> hyper-parameters </a:t>
-            </a:r>
-            <a:r>
-              <a:rPr lang="de-DE" dirty="0" err="1"/>
-              <a:t>are</a:t>
-            </a:r>
-            <a:r>
-              <a:rPr lang="de-DE" dirty="0"/>
-              <a:t> </a:t>
-            </a:r>
-            <a:r>
-              <a:rPr lang="de-DE" dirty="0" err="1"/>
-              <a:t>set</a:t>
-            </a:r>
-            <a:r>
-              <a:rPr lang="de-DE" dirty="0"/>
-              <a:t> </a:t>
-            </a:r>
-            <a:r>
-              <a:rPr lang="de-DE" dirty="0" err="1"/>
-              <a:t>casually</a:t>
-            </a:r>
-            <a:r>
-              <a:rPr lang="de-DE" dirty="0"/>
-              <a:t>)</a:t>
+              <a:rPr lang="de-DE" dirty="0" err="1"/>
+              <a:t>RepVGG</a:t>
+            </a:r>
+            <a:r>
+              <a:rPr lang="de-DE" dirty="0"/>
+              <a:t>-B </a:t>
+            </a:r>
+            <a:r>
+              <a:rPr lang="de-DE" dirty="0" err="1"/>
+              <a:t>vs</a:t>
+            </a:r>
+            <a:r>
+              <a:rPr lang="de-DE" dirty="0"/>
+              <a:t> high </a:t>
+            </a:r>
+            <a:r>
+              <a:rPr lang="de-DE" dirty="0" err="1"/>
+              <a:t>performance</a:t>
+            </a:r>
+            <a:r>
+              <a:rPr lang="de-DE" dirty="0"/>
+              <a:t> </a:t>
+            </a:r>
+            <a:r>
+              <a:rPr lang="de-DE" dirty="0" err="1"/>
+              <a:t>models</a:t>
+            </a:r>
+            <a:r>
+              <a:rPr lang="de-DE" dirty="0"/>
+              <a:t> (ResNet-18/34/50)</a:t>
             </a:r>
           </a:p>
           <a:p>
@@ -4562,71 +4660,39 @@
             </a:pPr>
             <a:r>
               <a:rPr lang="de-DE" dirty="0"/>
-              <a:t>Over 80% </a:t>
-            </a:r>
-            <a:r>
-              <a:rPr lang="de-DE" dirty="0" err="1"/>
-              <a:t>accuracy</a:t>
-            </a:r>
-            <a:r>
-              <a:rPr lang="de-DE" dirty="0"/>
-              <a:t> </a:t>
-            </a:r>
-            <a:r>
-              <a:rPr lang="de-DE" dirty="0" err="1"/>
-              <a:t>with</a:t>
-            </a:r>
-            <a:r>
-              <a:rPr lang="de-DE" dirty="0"/>
-              <a:t> </a:t>
-            </a:r>
-            <a:r>
-              <a:rPr lang="de-DE" dirty="0" err="1"/>
-              <a:t>plain</a:t>
-            </a:r>
-            <a:r>
-              <a:rPr lang="de-DE" dirty="0"/>
-              <a:t> </a:t>
-            </a:r>
-            <a:r>
-              <a:rPr lang="de-DE" dirty="0" err="1"/>
-              <a:t>models</a:t>
-            </a:r>
-            <a:r>
-              <a:rPr lang="de-DE" dirty="0"/>
-              <a:t> </a:t>
-            </a:r>
-            <a:r>
-              <a:rPr lang="de-DE" dirty="0" err="1"/>
-              <a:t>reached</a:t>
-            </a:r>
-            <a:r>
-              <a:rPr lang="de-DE" dirty="0"/>
-              <a:t> (</a:t>
-            </a:r>
-            <a:r>
-              <a:rPr lang="de-DE" dirty="0" err="1"/>
-              <a:t>for</a:t>
-            </a:r>
-            <a:r>
-              <a:rPr lang="de-DE" dirty="0"/>
-              <a:t> </a:t>
-            </a:r>
-            <a:r>
-              <a:rPr lang="de-DE" dirty="0" err="1"/>
-              <a:t>the</a:t>
-            </a:r>
-            <a:r>
-              <a:rPr lang="de-DE" dirty="0"/>
-              <a:t> </a:t>
-            </a:r>
-            <a:r>
-              <a:rPr lang="de-DE" dirty="0" err="1"/>
-              <a:t>first</a:t>
-            </a:r>
-            <a:r>
-              <a:rPr lang="de-DE" dirty="0"/>
-              <a:t> time)</a:t>
+              <a:t>Width </a:t>
+            </a:r>
+            <a:r>
+              <a:rPr lang="de-DE" dirty="0" err="1"/>
+              <a:t>setting</a:t>
+            </a:r>
+            <a:r>
+              <a:rPr lang="de-DE" dirty="0"/>
+              <a:t> </a:t>
+            </a:r>
+            <a:r>
+              <a:rPr lang="de-DE" dirty="0" err="1"/>
+              <a:t>from</a:t>
+            </a:r>
+            <a:r>
+              <a:rPr lang="de-DE" dirty="0"/>
+              <a:t> VGG and </a:t>
+            </a:r>
+            <a:r>
+              <a:rPr lang="de-DE" dirty="0" err="1"/>
+              <a:t>ResNet</a:t>
+            </a:r>
+            <a:r>
+              <a:rPr lang="de-DE" dirty="0"/>
+              <a:t> (uniform </a:t>
+            </a:r>
+            <a:r>
+              <a:rPr lang="de-DE" dirty="0" err="1"/>
+              <a:t>scaling</a:t>
+            </a:r>
+            <a:r>
+              <a:rPr lang="de-DE" dirty="0"/>
+              <a:t>)</a:t>
             </a:r>
           </a:p>
           <a:p>
@@ -4635,40 +4701,92 @@
               <a:buChar char="•"/>
             </a:pPr>
             <a:r>
-              <a:rPr lang="de-DE" dirty="0"/>
-              <a:t>FLOPS </a:t>
-            </a:r>
-            <a:r>
-              <a:rPr lang="de-DE" dirty="0" err="1"/>
-              <a:t>vs</a:t>
-            </a:r>
-            <a:r>
-              <a:rPr lang="de-DE" dirty="0"/>
-              <a:t> </a:t>
-            </a:r>
-            <a:r>
-              <a:rPr lang="de-DE" dirty="0" err="1"/>
-              <a:t>Winograd</a:t>
-            </a:r>
-            <a:r>
-              <a:rPr lang="de-DE" dirty="0"/>
-              <a:t> MULTs: VGG-16 </a:t>
-            </a:r>
-            <a:r>
-              <a:rPr lang="de-DE" dirty="0" err="1"/>
-              <a:t>vs</a:t>
-            </a:r>
-            <a:r>
-              <a:rPr lang="de-DE" dirty="0"/>
-              <a:t> ResNet-152 -&gt; Proofs </a:t>
-            </a:r>
-            <a:r>
-              <a:rPr lang="de-DE" dirty="0" err="1"/>
-              <a:t>thesis</a:t>
-            </a:r>
-            <a:r>
-              <a:rPr lang="de-DE" dirty="0"/>
-              <a:t>!</a:t>
+              <a:rPr lang="de-DE" dirty="0" err="1"/>
+              <a:t>Sacling</a:t>
+            </a:r>
+            <a:r>
+              <a:rPr lang="de-DE" dirty="0"/>
+              <a:t> </a:t>
+            </a:r>
+            <a:r>
+              <a:rPr lang="de-DE" dirty="0" err="1"/>
+              <a:t>factors</a:t>
+            </a:r>
+            <a:r>
+              <a:rPr lang="de-DE" dirty="0"/>
+              <a:t> b&gt;a (</a:t>
+            </a:r>
+            <a:r>
+              <a:rPr lang="de-DE" dirty="0" err="1"/>
+              <a:t>richer</a:t>
+            </a:r>
+            <a:r>
+              <a:rPr lang="de-DE" dirty="0"/>
+              <a:t> </a:t>
+            </a:r>
+            <a:r>
+              <a:rPr lang="de-DE" dirty="0" err="1"/>
+              <a:t>features</a:t>
+            </a:r>
+            <a:r>
+              <a:rPr lang="de-DE" dirty="0"/>
+              <a:t> </a:t>
+            </a:r>
+            <a:r>
+              <a:rPr lang="de-DE" dirty="0" err="1"/>
+              <a:t>for</a:t>
+            </a:r>
+            <a:r>
+              <a:rPr lang="de-DE" dirty="0"/>
+              <a:t> </a:t>
+            </a:r>
+            <a:r>
+              <a:rPr lang="de-DE" dirty="0" err="1"/>
+              <a:t>the</a:t>
+            </a:r>
+            <a:r>
+              <a:rPr lang="de-DE" dirty="0"/>
+              <a:t> </a:t>
+            </a:r>
+            <a:r>
+              <a:rPr lang="de-DE" dirty="0" err="1"/>
+              <a:t>classification</a:t>
+            </a:r>
+            <a:r>
+              <a:rPr lang="de-DE" dirty="0"/>
+              <a:t> </a:t>
+            </a:r>
+            <a:r>
+              <a:rPr lang="de-DE" dirty="0" err="1"/>
+              <a:t>or</a:t>
+            </a:r>
+            <a:r>
+              <a:rPr lang="de-DE" dirty="0"/>
+              <a:t> </a:t>
+            </a:r>
+            <a:r>
+              <a:rPr lang="de-DE" dirty="0" err="1"/>
+              <a:t>other</a:t>
+            </a:r>
+            <a:r>
+              <a:rPr lang="de-DE" dirty="0"/>
+              <a:t> </a:t>
+            </a:r>
+            <a:r>
+              <a:rPr lang="de-DE" dirty="0" err="1"/>
+              <a:t>downstream</a:t>
+            </a:r>
+            <a:r>
+              <a:rPr lang="de-DE" dirty="0"/>
+              <a:t> </a:t>
+            </a:r>
+            <a:r>
+              <a:rPr lang="de-DE" dirty="0" err="1"/>
+              <a:t>tasks</a:t>
+            </a:r>
+            <a:r>
+              <a:rPr lang="de-DE" dirty="0"/>
+              <a:t>)</a:t>
             </a:r>
           </a:p>
           <a:p>
@@ -4676,7 +4794,384 @@
               <a:buFont typeface="Arial" panose="020B0604020202020204" pitchFamily="34" charset="0"/>
               <a:buChar char="•"/>
             </a:pPr>
+            <a:r>
+              <a:rPr lang="de-DE" dirty="0"/>
+              <a:t>As last </a:t>
+            </a:r>
+            <a:r>
+              <a:rPr lang="de-DE" dirty="0" err="1"/>
+              <a:t>stage</a:t>
+            </a:r>
+            <a:r>
+              <a:rPr lang="de-DE" dirty="0"/>
+              <a:t> </a:t>
+            </a:r>
+            <a:r>
+              <a:rPr lang="de-DE" dirty="0" err="1"/>
+              <a:t>has</a:t>
+            </a:r>
+            <a:r>
+              <a:rPr lang="de-DE" dirty="0"/>
+              <a:t> </a:t>
+            </a:r>
+            <a:r>
+              <a:rPr lang="de-DE" dirty="0" err="1"/>
+              <a:t>only</a:t>
+            </a:r>
+            <a:r>
+              <a:rPr lang="de-DE" dirty="0"/>
+              <a:t> </a:t>
+            </a:r>
+            <a:r>
+              <a:rPr lang="de-DE" dirty="0" err="1"/>
+              <a:t>one</a:t>
+            </a:r>
+            <a:r>
+              <a:rPr lang="de-DE" dirty="0"/>
+              <a:t> </a:t>
+            </a:r>
+            <a:r>
+              <a:rPr lang="de-DE" dirty="0" err="1"/>
+              <a:t>layer</a:t>
+            </a:r>
+            <a:r>
+              <a:rPr lang="de-DE" dirty="0"/>
+              <a:t>: large b </a:t>
+            </a:r>
+            <a:r>
+              <a:rPr lang="de-DE" dirty="0" err="1"/>
+              <a:t>does</a:t>
+            </a:r>
+            <a:r>
+              <a:rPr lang="de-DE" dirty="0"/>
+              <a:t> not </a:t>
+            </a:r>
+            <a:r>
+              <a:rPr lang="de-DE" dirty="0" err="1"/>
+              <a:t>introduce</a:t>
+            </a:r>
+            <a:r>
+              <a:rPr lang="de-DE" dirty="0"/>
+              <a:t> </a:t>
+            </a:r>
+            <a:r>
+              <a:rPr lang="de-DE" dirty="0" err="1"/>
+              <a:t>much</a:t>
+            </a:r>
+            <a:r>
+              <a:rPr lang="de-DE" dirty="0"/>
+              <a:t> </a:t>
+            </a:r>
+            <a:r>
+              <a:rPr lang="de-DE" dirty="0" err="1"/>
+              <a:t>latency</a:t>
+            </a:r>
+            <a:r>
+              <a:rPr lang="de-DE" dirty="0"/>
+              <a:t> </a:t>
+            </a:r>
+            <a:r>
+              <a:rPr lang="de-DE" dirty="0" err="1"/>
+              <a:t>orfar</a:t>
+            </a:r>
+            <a:r>
+              <a:rPr lang="de-DE" dirty="0"/>
+              <a:t> </a:t>
+            </a:r>
+            <a:r>
+              <a:rPr lang="de-DE" dirty="0" err="1"/>
+              <a:t>more</a:t>
+            </a:r>
+            <a:r>
+              <a:rPr lang="de-DE" dirty="0"/>
+              <a:t> </a:t>
+            </a:r>
+            <a:r>
+              <a:rPr lang="de-DE" dirty="0" err="1"/>
+              <a:t>amount</a:t>
+            </a:r>
+            <a:r>
+              <a:rPr lang="de-DE" dirty="0"/>
+              <a:t> </a:t>
+            </a:r>
+            <a:r>
+              <a:rPr lang="de-DE" dirty="0" err="1"/>
+              <a:t>of</a:t>
+            </a:r>
+            <a:r>
+              <a:rPr lang="de-DE" dirty="0"/>
+              <a:t> </a:t>
+            </a:r>
+            <a:r>
+              <a:rPr lang="de-DE" dirty="0" err="1"/>
+              <a:t>parameters</a:t>
+            </a:r>
             <a:endParaRPr lang="de-DE" dirty="0"/>
+          </a:p>
+          <a:p>
+            <a:pPr marL="171450" indent="-171450">
+              <a:buFont typeface="Arial" panose="020B0604020202020204" pitchFamily="34" charset="0"/>
+              <a:buChar char="•"/>
+            </a:pPr>
+            <a:r>
+              <a:rPr lang="de-DE" dirty="0" err="1"/>
+              <a:t>Avoid</a:t>
+            </a:r>
+            <a:r>
+              <a:rPr lang="de-DE" dirty="0"/>
+              <a:t> large </a:t>
+            </a:r>
+            <a:r>
+              <a:rPr lang="de-DE" dirty="0" err="1"/>
+              <a:t>scale</a:t>
+            </a:r>
+            <a:r>
+              <a:rPr lang="de-DE" dirty="0"/>
+              <a:t> </a:t>
+            </a:r>
+            <a:r>
+              <a:rPr lang="de-DE" dirty="0" err="1"/>
+              <a:t>conv</a:t>
+            </a:r>
+            <a:r>
+              <a:rPr lang="de-DE" dirty="0"/>
+              <a:t> in </a:t>
+            </a:r>
+            <a:r>
+              <a:rPr lang="de-DE" dirty="0" err="1"/>
+              <a:t>first</a:t>
+            </a:r>
+            <a:r>
+              <a:rPr lang="de-DE" dirty="0"/>
+              <a:t> </a:t>
+            </a:r>
+            <a:r>
+              <a:rPr lang="de-DE" dirty="0" err="1"/>
+              <a:t>layer</a:t>
+            </a:r>
+            <a:endParaRPr lang="de-DE" dirty="0"/>
+          </a:p>
+          <a:p>
+            <a:pPr marL="171450" indent="-171450">
+              <a:buFont typeface="Arial" panose="020B0604020202020204" pitchFamily="34" charset="0"/>
+              <a:buChar char="•"/>
+            </a:pPr>
+            <a:r>
+              <a:rPr lang="de-DE" dirty="0" err="1"/>
+              <a:t>Interleave</a:t>
+            </a:r>
+            <a:r>
+              <a:rPr lang="de-DE" dirty="0"/>
+              <a:t> </a:t>
+            </a:r>
+            <a:r>
+              <a:rPr lang="de-DE" dirty="0" err="1"/>
+              <a:t>groupwise</a:t>
+            </a:r>
+            <a:r>
+              <a:rPr lang="de-DE" dirty="0"/>
+              <a:t> 3x3 </a:t>
+            </a:r>
+            <a:r>
+              <a:rPr lang="de-DE" dirty="0" err="1"/>
+              <a:t>conv</a:t>
+            </a:r>
+            <a:r>
+              <a:rPr lang="de-DE" dirty="0"/>
+              <a:t> </a:t>
+            </a:r>
+            <a:r>
+              <a:rPr lang="de-DE" dirty="0" err="1"/>
+              <a:t>layers</a:t>
+            </a:r>
+            <a:r>
+              <a:rPr lang="de-DE" dirty="0"/>
+              <a:t> </a:t>
+            </a:r>
+            <a:r>
+              <a:rPr lang="de-DE" dirty="0" err="1"/>
+              <a:t>every</a:t>
+            </a:r>
+            <a:r>
+              <a:rPr lang="de-DE" dirty="0"/>
+              <a:t> </a:t>
+            </a:r>
+            <a:r>
+              <a:rPr lang="de-DE" dirty="0" err="1"/>
+              <a:t>two</a:t>
+            </a:r>
+            <a:r>
+              <a:rPr lang="de-DE" dirty="0"/>
+              <a:t> </a:t>
+            </a:r>
+            <a:r>
+              <a:rPr lang="de-DE" dirty="0" err="1"/>
+              <a:t>layers</a:t>
+            </a:r>
+            <a:r>
+              <a:rPr lang="de-DE" dirty="0"/>
+              <a:t>: </a:t>
+            </a:r>
+            <a:r>
+              <a:rPr lang="de-DE" dirty="0" err="1"/>
+              <a:t>trade</a:t>
+            </a:r>
+            <a:r>
+              <a:rPr lang="de-DE" dirty="0"/>
+              <a:t> </a:t>
+            </a:r>
+            <a:r>
+              <a:rPr lang="de-DE" dirty="0" err="1"/>
+              <a:t>accuracy</a:t>
+            </a:r>
+            <a:r>
+              <a:rPr lang="de-DE" dirty="0"/>
+              <a:t> </a:t>
+            </a:r>
+            <a:r>
+              <a:rPr lang="de-DE" dirty="0" err="1"/>
+              <a:t>for</a:t>
+            </a:r>
+            <a:r>
+              <a:rPr lang="de-DE" dirty="0"/>
+              <a:t> </a:t>
+            </a:r>
+            <a:r>
+              <a:rPr lang="de-DE" dirty="0" err="1"/>
+              <a:t>efficiency</a:t>
+            </a:r>
+            <a:r>
+              <a:rPr lang="de-DE" dirty="0"/>
+              <a:t> but still </a:t>
+            </a:r>
+            <a:r>
+              <a:rPr lang="de-DE" dirty="0" err="1"/>
+              <a:t>maintain</a:t>
+            </a:r>
+            <a:r>
+              <a:rPr lang="de-DE" dirty="0"/>
+              <a:t> inter-</a:t>
+            </a:r>
+            <a:r>
+              <a:rPr lang="de-DE" dirty="0" err="1"/>
+              <a:t>channel</a:t>
+            </a:r>
+            <a:r>
+              <a:rPr lang="de-DE" dirty="0"/>
+              <a:t> </a:t>
+            </a:r>
+            <a:r>
+              <a:rPr lang="de-DE" dirty="0" err="1"/>
+              <a:t>information</a:t>
+            </a:r>
+            <a:r>
+              <a:rPr lang="de-DE" dirty="0"/>
+              <a:t> </a:t>
+            </a:r>
+            <a:r>
+              <a:rPr lang="de-DE" dirty="0" err="1"/>
+              <a:t>exchange</a:t>
+            </a:r>
+            <a:r>
+              <a:rPr lang="de-DE" dirty="0"/>
+              <a:t> (</a:t>
+            </a:r>
+            <a:r>
+              <a:rPr lang="de-DE" dirty="0" err="1"/>
+              <a:t>otherwise</a:t>
+            </a:r>
+            <a:r>
+              <a:rPr lang="de-DE" dirty="0"/>
+              <a:t> </a:t>
+            </a:r>
+            <a:r>
+              <a:rPr lang="de-DE" dirty="0" err="1"/>
+              <a:t>channel</a:t>
+            </a:r>
+            <a:r>
+              <a:rPr lang="de-DE" dirty="0"/>
+              <a:t> </a:t>
+            </a:r>
+            <a:r>
+              <a:rPr lang="de-DE" dirty="0" err="1"/>
+              <a:t>outout</a:t>
+            </a:r>
+            <a:r>
+              <a:rPr lang="de-DE" dirty="0"/>
+              <a:t> </a:t>
+            </a:r>
+            <a:r>
+              <a:rPr lang="de-DE" dirty="0" err="1"/>
+              <a:t>only</a:t>
+            </a:r>
+            <a:r>
+              <a:rPr lang="de-DE" dirty="0"/>
+              <a:t> </a:t>
+            </a:r>
+            <a:r>
+              <a:rPr lang="de-DE" dirty="0" err="1"/>
+              <a:t>derived</a:t>
+            </a:r>
+            <a:r>
+              <a:rPr lang="de-DE" dirty="0"/>
+              <a:t> </a:t>
+            </a:r>
+            <a:r>
+              <a:rPr lang="de-DE" dirty="0" err="1"/>
+              <a:t>from</a:t>
+            </a:r>
+            <a:r>
+              <a:rPr lang="de-DE" dirty="0"/>
+              <a:t> </a:t>
+            </a:r>
+            <a:r>
+              <a:rPr lang="de-DE" dirty="0" err="1"/>
+              <a:t>fraction</a:t>
+            </a:r>
+            <a:r>
+              <a:rPr lang="de-DE" dirty="0"/>
+              <a:t> </a:t>
+            </a:r>
+            <a:r>
+              <a:rPr lang="de-DE" dirty="0" err="1"/>
+              <a:t>of</a:t>
+            </a:r>
+            <a:r>
+              <a:rPr lang="de-DE" dirty="0"/>
+              <a:t> </a:t>
+            </a:r>
+            <a:r>
+              <a:rPr lang="de-DE" dirty="0" err="1"/>
+              <a:t>input</a:t>
+            </a:r>
+            <a:r>
+              <a:rPr lang="de-DE" dirty="0"/>
+              <a:t> </a:t>
+            </a:r>
+            <a:r>
+              <a:rPr lang="de-DE" dirty="0" err="1"/>
+              <a:t>channels</a:t>
+            </a:r>
+            <a:r>
+              <a:rPr lang="de-DE" dirty="0"/>
+              <a:t>) (g </a:t>
+            </a:r>
+            <a:r>
+              <a:rPr lang="de-DE" dirty="0" err="1"/>
+              <a:t>factor</a:t>
+            </a:r>
+            <a:r>
+              <a:rPr lang="de-DE" dirty="0"/>
+              <a:t>: 1,2 </a:t>
+            </a:r>
+            <a:r>
+              <a:rPr lang="de-DE" dirty="0" err="1"/>
+              <a:t>or</a:t>
+            </a:r>
+            <a:r>
+              <a:rPr lang="de-DE" dirty="0"/>
+              <a:t> 4)</a:t>
+            </a:r>
           </a:p>
         </p:txBody>
       </p:sp>
@@ -4697,7 +5192,7 @@
           <a:p>
             <a:fld id="{6D172734-61C0-4E94-B507-0920723C809C}" type="slidenum">
               <a:rPr lang="en-US" smtClean="0"/>
-              <a:t>9</a:t>
+              <a:t>8</a:t>
             </a:fld>
             <a:endParaRPr lang="en-US"/>
           </a:p>
@@ -4706,7 +5201,7 @@
     </p:spTree>
     <p:extLst>
       <p:ext uri="{BB962C8B-B14F-4D97-AF65-F5344CB8AC3E}">
-        <p14:creationId xmlns:p14="http://schemas.microsoft.com/office/powerpoint/2010/main" val="1639330881"/>
+        <p14:creationId xmlns:p14="http://schemas.microsoft.com/office/powerpoint/2010/main" val="3916957712"/>
       </p:ext>
     </p:extLst>
   </p:cSld>
@@ -4766,75 +5261,59 @@
             </a:pPr>
             <a:r>
               <a:rPr lang="de-DE" dirty="0" err="1"/>
-              <a:t>ReLU</a:t>
-            </a:r>
-            <a:r>
-              <a:rPr lang="de-DE" dirty="0"/>
-              <a:t> after BN and </a:t>
-            </a:r>
-            <a:r>
-              <a:rPr lang="de-DE" dirty="0" err="1"/>
-              <a:t>before</a:t>
-            </a:r>
-            <a:r>
-              <a:rPr lang="de-DE" dirty="0"/>
-              <a:t> </a:t>
-            </a:r>
-            <a:r>
-              <a:rPr lang="de-DE" dirty="0" err="1"/>
-              <a:t>addition</a:t>
-            </a:r>
-            <a:r>
-              <a:rPr lang="de-DE" dirty="0"/>
-              <a:t>: Such a block </a:t>
-            </a:r>
-            <a:r>
-              <a:rPr lang="de-DE" dirty="0" err="1"/>
-              <a:t>cannot</a:t>
-            </a:r>
-            <a:r>
-              <a:rPr lang="de-DE" dirty="0"/>
-              <a:t> </a:t>
-            </a:r>
-            <a:r>
-              <a:rPr lang="de-DE" dirty="0" err="1"/>
-              <a:t>be</a:t>
-            </a:r>
-            <a:r>
-              <a:rPr lang="de-DE" dirty="0"/>
-              <a:t> </a:t>
-            </a:r>
-            <a:r>
-              <a:rPr lang="de-DE" dirty="0" err="1"/>
-              <a:t>converted</a:t>
-            </a:r>
-            <a:r>
-              <a:rPr lang="de-DE" dirty="0"/>
-              <a:t> </a:t>
-            </a:r>
-            <a:r>
-              <a:rPr lang="de-DE" dirty="0" err="1"/>
-              <a:t>into</a:t>
-            </a:r>
-            <a:r>
-              <a:rPr lang="de-DE" dirty="0"/>
-              <a:t> a </a:t>
-            </a:r>
-            <a:r>
-              <a:rPr lang="de-DE" dirty="0" err="1"/>
-              <a:t>single</a:t>
-            </a:r>
-            <a:r>
-              <a:rPr lang="de-DE" dirty="0"/>
-              <a:t> block </a:t>
-            </a:r>
-            <a:r>
-              <a:rPr lang="de-DE" dirty="0" err="1"/>
-              <a:t>anymore</a:t>
-            </a:r>
-            <a:r>
-              <a:rPr lang="de-DE" dirty="0"/>
-              <a:t>!</a:t>
+              <a:t>RepVGG</a:t>
+            </a:r>
+            <a:r>
+              <a:rPr lang="de-DE" dirty="0"/>
+              <a:t> </a:t>
+            </a:r>
+            <a:r>
+              <a:rPr lang="de-DE" dirty="0" err="1"/>
+              <a:t>models</a:t>
+            </a:r>
+            <a:r>
+              <a:rPr lang="de-DE" dirty="0"/>
+              <a:t> </a:t>
+            </a:r>
+            <a:r>
+              <a:rPr lang="de-DE" dirty="0" err="1"/>
+              <a:t>with</a:t>
+            </a:r>
+            <a:r>
+              <a:rPr lang="de-DE" dirty="0"/>
+              <a:t> </a:t>
+            </a:r>
+            <a:r>
+              <a:rPr lang="de-DE" dirty="0" err="1"/>
+              <a:t>interleaved</a:t>
+            </a:r>
+            <a:r>
+              <a:rPr lang="de-DE" dirty="0"/>
+              <a:t> </a:t>
+            </a:r>
+            <a:r>
+              <a:rPr lang="de-DE" dirty="0" err="1"/>
+              <a:t>groupwise</a:t>
+            </a:r>
+            <a:r>
+              <a:rPr lang="de-DE" dirty="0"/>
+              <a:t> </a:t>
+            </a:r>
+            <a:r>
+              <a:rPr lang="de-DE" dirty="0" err="1"/>
+              <a:t>layers</a:t>
+            </a:r>
+            <a:r>
+              <a:rPr lang="de-DE" dirty="0"/>
+              <a:t>: </a:t>
+            </a:r>
+            <a:r>
+              <a:rPr lang="de-DE" dirty="0" err="1"/>
+              <a:t>postfix</a:t>
+            </a:r>
+            <a:r>
+              <a:rPr lang="de-DE" dirty="0"/>
+              <a:t> g2/g4</a:t>
             </a:r>
           </a:p>
           <a:p>
@@ -4843,40 +5322,120 @@
               <a:buChar char="•"/>
             </a:pPr>
             <a:r>
-              <a:rPr lang="de-DE" dirty="0" err="1"/>
-              <a:t>DiracNet</a:t>
+              <a:rPr lang="de-DE" dirty="0"/>
+              <a:t>Training </a:t>
+            </a:r>
+            <a:r>
+              <a:rPr lang="de-DE" dirty="0" err="1"/>
+              <a:t>the</a:t>
+            </a:r>
+            <a:r>
+              <a:rPr lang="de-DE" dirty="0"/>
+              <a:t> </a:t>
+            </a:r>
+            <a:r>
+              <a:rPr lang="de-DE" dirty="0" err="1"/>
+              <a:t>leight</a:t>
+            </a:r>
+            <a:r>
+              <a:rPr lang="de-DE" dirty="0"/>
+              <a:t>/</a:t>
+            </a:r>
+            <a:r>
+              <a:rPr lang="de-DE" dirty="0" err="1"/>
+              <a:t>middleweight</a:t>
+            </a:r>
+            <a:r>
+              <a:rPr lang="de-DE" dirty="0"/>
+              <a:t> </a:t>
+            </a:r>
+            <a:r>
+              <a:rPr lang="de-DE" dirty="0" err="1"/>
+              <a:t>models</a:t>
             </a:r>
             <a:r>
               <a:rPr lang="de-DE" dirty="0"/>
               <a:t>: </a:t>
             </a:r>
             <a:r>
-              <a:rPr lang="en-US" dirty="0"/>
-              <a:t>Having a closer look one recognizes that the Dirac weight parameterization and residual networks approximately only differ in the order of non-linearities: y = sigmoid((</a:t>
-            </a:r>
-            <a:r>
-              <a:rPr lang="en-US" dirty="0" err="1"/>
-              <a:t>diag</a:t>
-            </a:r>
-            <a:r>
-              <a:rPr lang="en-US" dirty="0"/>
-              <a:t>(y)</a:t>
-            </a:r>
-            <a:r>
-              <a:rPr lang="en-US" dirty="0" err="1"/>
-              <a:t>I+diag</a:t>
-            </a:r>
-            <a:r>
-              <a:rPr lang="en-US" dirty="0"/>
-              <a:t>(b)</a:t>
-            </a:r>
-            <a:r>
-              <a:rPr lang="en-US" dirty="0" err="1"/>
-              <a:t>Wnorm</a:t>
-            </a:r>
-            <a:r>
-              <a:rPr lang="en-US" dirty="0"/>
-              <a:t>)X) === sigmoid(X + W’X) // y = X + sigmoid(WX)</a:t>
+              <a:rPr lang="de-DE" dirty="0" err="1"/>
+              <a:t>random</a:t>
+            </a:r>
+            <a:r>
+              <a:rPr lang="de-DE" dirty="0"/>
+              <a:t> </a:t>
+            </a:r>
+            <a:r>
+              <a:rPr lang="de-DE" dirty="0" err="1"/>
+              <a:t>cropping</a:t>
+            </a:r>
+            <a:r>
+              <a:rPr lang="de-DE" dirty="0"/>
+              <a:t>, </a:t>
+            </a:r>
+            <a:r>
+              <a:rPr lang="de-DE" dirty="0" err="1"/>
+              <a:t>left-right</a:t>
+            </a:r>
+            <a:r>
+              <a:rPr lang="de-DE" dirty="0"/>
+              <a:t> </a:t>
+            </a:r>
+            <a:r>
+              <a:rPr lang="de-DE" dirty="0" err="1"/>
+              <a:t>flipping</a:t>
+            </a:r>
+            <a:r>
+              <a:rPr lang="de-DE" dirty="0"/>
+              <a:t>, B=256, 8 GPUs, </a:t>
+            </a:r>
+            <a:r>
+              <a:rPr lang="de-DE" dirty="0" err="1"/>
+              <a:t>lr</a:t>
+            </a:r>
+            <a:r>
+              <a:rPr lang="de-DE" dirty="0"/>
+              <a:t>=0.2, </a:t>
+            </a:r>
+            <a:r>
+              <a:rPr lang="de-DE" dirty="0" err="1"/>
+              <a:t>cosine</a:t>
+            </a:r>
+            <a:r>
+              <a:rPr lang="de-DE" dirty="0"/>
+              <a:t> </a:t>
+            </a:r>
+            <a:r>
+              <a:rPr lang="de-DE" dirty="0" err="1"/>
+              <a:t>annealing</a:t>
+            </a:r>
+            <a:r>
+              <a:rPr lang="de-DE" dirty="0"/>
+              <a:t>=120, SGD, </a:t>
+            </a:r>
+            <a:r>
+              <a:rPr lang="de-DE" dirty="0" err="1"/>
+              <a:t>momemtum</a:t>
+            </a:r>
+            <a:r>
+              <a:rPr lang="de-DE" dirty="0"/>
+              <a:t>=0.9, </a:t>
+            </a:r>
+            <a:r>
+              <a:rPr lang="de-DE" dirty="0" err="1"/>
+              <a:t>weight</a:t>
+            </a:r>
+            <a:r>
+              <a:rPr lang="de-DE" dirty="0"/>
+              <a:t> </a:t>
+            </a:r>
+            <a:r>
+              <a:rPr lang="de-DE" dirty="0" err="1"/>
+              <a:t>decay</a:t>
+            </a:r>
+            <a:r>
+              <a:rPr lang="de-DE" dirty="0"/>
+              <a:t>^=10^-4</a:t>
             </a:r>
           </a:p>
           <a:p>
@@ -4885,17 +5444,118 @@
               <a:buChar char="•"/>
             </a:pPr>
             <a:r>
-              <a:rPr lang="en-US" dirty="0"/>
-              <a:t>Trivial Re-param: Trivial </a:t>
-            </a:r>
-            <a:r>
-              <a:rPr lang="en-US" dirty="0" err="1"/>
-              <a:t>DiracNet</a:t>
-            </a:r>
-            <a:r>
-              <a:rPr lang="en-US" dirty="0"/>
-              <a:t>: W’ = I + W</a:t>
-            </a:r>
+              <a:rPr lang="de-DE" dirty="0"/>
+              <a:t>Training </a:t>
+            </a:r>
+            <a:r>
+              <a:rPr lang="de-DE" dirty="0" err="1"/>
+              <a:t>the</a:t>
+            </a:r>
+            <a:r>
+              <a:rPr lang="de-DE" dirty="0"/>
+              <a:t> </a:t>
+            </a:r>
+            <a:r>
+              <a:rPr lang="de-DE" dirty="0" err="1"/>
+              <a:t>heavyweight</a:t>
+            </a:r>
+            <a:r>
+              <a:rPr lang="de-DE" dirty="0"/>
+              <a:t> </a:t>
+            </a:r>
+            <a:r>
+              <a:rPr lang="de-DE" dirty="0" err="1"/>
+              <a:t>models</a:t>
+            </a:r>
+            <a:r>
+              <a:rPr lang="de-DE" dirty="0"/>
+              <a:t>: 5-epoch </a:t>
+            </a:r>
+            <a:r>
+              <a:rPr lang="de-DE" dirty="0" err="1"/>
+              <a:t>warmup</a:t>
+            </a:r>
+            <a:r>
+              <a:rPr lang="de-DE" dirty="0"/>
+              <a:t>, </a:t>
+            </a:r>
+            <a:r>
+              <a:rPr lang="de-DE" dirty="0" err="1"/>
+              <a:t>cosine-annealing</a:t>
+            </a:r>
+            <a:r>
+              <a:rPr lang="de-DE" dirty="0"/>
+              <a:t>: 200, </a:t>
+            </a:r>
+            <a:r>
+              <a:rPr lang="de-DE" dirty="0" err="1"/>
+              <a:t>label</a:t>
+            </a:r>
+            <a:r>
+              <a:rPr lang="de-DE" dirty="0"/>
+              <a:t> </a:t>
+            </a:r>
+            <a:r>
+              <a:rPr lang="de-DE" dirty="0" err="1"/>
+              <a:t>smoothing</a:t>
+            </a:r>
+            <a:r>
+              <a:rPr lang="de-DE" dirty="0"/>
+              <a:t>, </a:t>
+            </a:r>
+            <a:r>
+              <a:rPr lang="de-DE" dirty="0" err="1"/>
+              <a:t>mixup</a:t>
+            </a:r>
+            <a:r>
+              <a:rPr lang="de-DE" dirty="0"/>
+              <a:t>, </a:t>
+            </a:r>
+            <a:r>
+              <a:rPr lang="de-DE" dirty="0" err="1"/>
+              <a:t>radnom</a:t>
+            </a:r>
+            <a:r>
+              <a:rPr lang="de-DE" dirty="0"/>
+              <a:t> </a:t>
+            </a:r>
+            <a:r>
+              <a:rPr lang="de-DE" dirty="0" err="1"/>
+              <a:t>cropping</a:t>
+            </a:r>
+            <a:r>
+              <a:rPr lang="de-DE" dirty="0"/>
+              <a:t>, </a:t>
+            </a:r>
+            <a:r>
+              <a:rPr lang="de-DE" dirty="0" err="1"/>
+              <a:t>flipping</a:t>
+            </a:r>
+            <a:r>
+              <a:rPr lang="de-DE" dirty="0"/>
+              <a:t>, </a:t>
+            </a:r>
+            <a:r>
+              <a:rPr lang="de-DE" dirty="0" err="1"/>
+              <a:t>data</a:t>
+            </a:r>
+            <a:r>
+              <a:rPr lang="de-DE" dirty="0"/>
+              <a:t> </a:t>
+            </a:r>
+            <a:r>
+              <a:rPr lang="de-DE" dirty="0" err="1"/>
+              <a:t>augmentation</a:t>
+            </a:r>
+            <a:r>
+              <a:rPr lang="de-DE" dirty="0"/>
+              <a:t> </a:t>
+            </a:r>
+            <a:r>
+              <a:rPr lang="de-DE" dirty="0" err="1"/>
+              <a:t>pipeline</a:t>
+            </a:r>
+            <a:endParaRPr lang="en-US" dirty="0"/>
           </a:p>
           <a:p>
             <a:pPr marL="171450" indent="-171450">
@@ -4904,78 +5564,8 @@
             </a:pPr>
             <a:r>
               <a:rPr lang="en-US" dirty="0"/>
-              <a:t>ACB: Do improvements come from component-level over-parameterization? 3x3,3x1,1x3 kernels added back together</a:t>
-            </a:r>
-          </a:p>
-          <a:p>
-            <a:pPr marL="171450" indent="-171450">
-              <a:buFont typeface="Arial" panose="020B0604020202020204" pitchFamily="34" charset="0"/>
-              <a:buChar char="•"/>
-            </a:pPr>
-            <a:endParaRPr lang="en-US" dirty="0"/>
-          </a:p>
-          <a:p>
-            <a:pPr marL="171450" indent="-171450">
-              <a:buFont typeface="Arial" panose="020B0604020202020204" pitchFamily="34" charset="0"/>
-              <a:buChar char="•"/>
-            </a:pPr>
-            <a:r>
-              <a:rPr lang="en-US" dirty="0" err="1"/>
-              <a:t>RepVGG</a:t>
-            </a:r>
-            <a:r>
-              <a:rPr lang="en-US" dirty="0"/>
-              <a:t>: concrete structure with nonlinear behavior, </a:t>
-            </a:r>
-            <a:r>
-              <a:rPr lang="en-US" dirty="0" err="1"/>
-              <a:t>DiracNet</a:t>
-            </a:r>
-            <a:r>
-              <a:rPr lang="en-US" dirty="0"/>
-              <a:t> uses another mathematical expression of conv kernels</a:t>
-            </a:r>
-          </a:p>
-          <a:p>
-            <a:pPr marL="171450" indent="-171450">
-              <a:buFont typeface="Arial" panose="020B0604020202020204" pitchFamily="34" charset="0"/>
-              <a:buChar char="•"/>
-            </a:pPr>
-            <a:r>
-              <a:rPr lang="en-US" dirty="0" err="1"/>
-              <a:t>RepVGG</a:t>
-            </a:r>
-            <a:r>
-              <a:rPr lang="en-US" dirty="0"/>
-              <a:t> does not perform well because of over parameterization (even better than ACB, which has even more parameters, ResNet-50 gives same performance with </a:t>
-            </a:r>
-            <a:r>
-              <a:rPr lang="en-US" dirty="0" err="1"/>
-              <a:t>RepVGG</a:t>
-            </a:r>
-            <a:r>
-              <a:rPr lang="en-US" dirty="0"/>
-              <a:t>-blocks) =&gt; methodology critical to train plain networks</a:t>
-            </a:r>
-          </a:p>
-          <a:p>
-            <a:pPr marL="171450" indent="-171450">
-              <a:buFont typeface="Arial" panose="020B0604020202020204" pitchFamily="34" charset="0"/>
-              <a:buChar char="•"/>
-            </a:pPr>
-            <a:r>
-              <a:rPr lang="en-US" dirty="0"/>
-              <a:t>Residual Reorg: same amount of 3x3 conv + additional shortcuts: </a:t>
-            </a:r>
-            <a:r>
-              <a:rPr lang="en-US" dirty="0" err="1"/>
-              <a:t>RegVGG</a:t>
-            </a:r>
-            <a:r>
-              <a:rPr lang="en-US" dirty="0"/>
-              <a:t> still outperforms because of more branches (bigger ensemble)</a:t>
-            </a:r>
-            <a:endParaRPr lang="de-DE" dirty="0"/>
+              <a:t>All conv-BN sequences of the baselines are also converted into a conv with bias</a:t>
+            </a:r>
           </a:p>
           <a:p>
             <a:pPr marL="171450" indent="-171450">
@@ -4985,21 +5575,72 @@
             <a:endParaRPr lang="de-DE" dirty="0"/>
           </a:p>
           <a:p>
+            <a:pPr marL="171450" marR="0" lvl="0" indent="-171450" algn="l" defTabSz="914400" rtl="0" eaLnBrk="1" fontAlgn="auto" latinLnBrk="0" hangingPunct="1">
+              <a:lnSpc>
+                <a:spcPct val="100000"/>
+              </a:lnSpc>
+              <a:spcBef>
+                <a:spcPts val="0"/>
+              </a:spcBef>
+              <a:spcAft>
+                <a:spcPts val="0"/>
+              </a:spcAft>
+              <a:buClrTx/>
+              <a:buSzTx/>
+              <a:buFont typeface="Arial" panose="020B0604020202020204" pitchFamily="34" charset="0"/>
+              <a:buChar char="•"/>
+              <a:tabLst/>
+              <a:defRPr/>
+            </a:pPr>
+            <a:r>
+              <a:rPr lang="de-DE" dirty="0" err="1"/>
+              <a:t>Comparison</a:t>
+            </a:r>
+            <a:r>
+              <a:rPr lang="de-DE" dirty="0"/>
+              <a:t> </a:t>
+            </a:r>
+            <a:r>
+              <a:rPr lang="de-DE" dirty="0" err="1"/>
+              <a:t>against</a:t>
+            </a:r>
+            <a:r>
+              <a:rPr lang="de-DE" dirty="0"/>
+              <a:t> EfficientNet-B0/B3 (</a:t>
+            </a:r>
+            <a:r>
+              <a:rPr lang="de-DE" dirty="0" err="1"/>
+              <a:t>middleweight</a:t>
+            </a:r>
+            <a:r>
+              <a:rPr lang="de-DE" dirty="0"/>
+              <a:t>) and RegNet-3.2GF/12GF (</a:t>
+            </a:r>
+            <a:r>
+              <a:rPr lang="de-DE" dirty="0" err="1"/>
+              <a:t>heavyweight</a:t>
+            </a:r>
+            <a:r>
+              <a:rPr lang="de-DE" dirty="0"/>
+              <a:t>)</a:t>
+            </a:r>
+          </a:p>
+          <a:p>
             <a:pPr marL="171450" indent="-171450">
               <a:buFont typeface="Arial" panose="020B0604020202020204" pitchFamily="34" charset="0"/>
               <a:buChar char="•"/>
             </a:pPr>
             <a:r>
               <a:rPr lang="de-DE" dirty="0" err="1"/>
-              <a:t>Similar</a:t>
-            </a:r>
-            <a:r>
-              <a:rPr lang="de-DE" dirty="0"/>
-              <a:t> </a:t>
-            </a:r>
-            <a:r>
-              <a:rPr lang="de-DE" dirty="0" err="1"/>
-              <a:t>results</a:t>
+              <a:t>Impressive</a:t>
+            </a:r>
+            <a:r>
+              <a:rPr lang="de-DE" dirty="0"/>
+              <a:t> </a:t>
+            </a:r>
+            <a:r>
+              <a:rPr lang="de-DE" dirty="0" err="1"/>
+              <a:t>improvements</a:t>
             </a:r>
             <a:r>
               <a:rPr lang="de-DE" dirty="0"/>
@@ -5007,63 +5648,176 @@
             </a:r>
             <a:r>
               <a:rPr lang="de-DE" dirty="0" err="1"/>
-              <a:t>semantic</a:t>
-            </a:r>
-            <a:r>
-              <a:rPr lang="de-DE" dirty="0"/>
-              <a:t> </a:t>
-            </a:r>
-            <a:r>
-              <a:rPr lang="de-DE" dirty="0" err="1"/>
-              <a:t>segmentation</a:t>
-            </a:r>
-            <a:r>
-              <a:rPr lang="de-DE" dirty="0"/>
-              <a:t> on </a:t>
-            </a:r>
-            <a:r>
-              <a:rPr lang="de-DE" dirty="0" err="1"/>
-              <a:t>Cityscapes</a:t>
-            </a:r>
-            <a:r>
-              <a:rPr lang="de-DE" dirty="0"/>
-              <a:t>: minor </a:t>
+              <a:t>speed</a:t>
+            </a:r>
+            <a:r>
+              <a:rPr lang="de-DE" dirty="0"/>
+              <a:t> (RepVGG-B1 g4 </a:t>
+            </a:r>
+            <a:r>
+              <a:rPr lang="de-DE" dirty="0" err="1"/>
+              <a:t>is</a:t>
+            </a:r>
+            <a:r>
+              <a:rPr lang="de-DE" dirty="0"/>
+              <a:t> 101% </a:t>
+            </a:r>
+            <a:r>
+              <a:rPr lang="de-DE" dirty="0" err="1"/>
+              <a:t>faster</a:t>
+            </a:r>
+            <a:r>
+              <a:rPr lang="de-DE" dirty="0"/>
+              <a:t> </a:t>
+            </a:r>
+            <a:r>
+              <a:rPr lang="de-DE" dirty="0" err="1"/>
+              <a:t>than</a:t>
+            </a:r>
+            <a:r>
+              <a:rPr lang="de-DE" dirty="0"/>
+              <a:t> ResNet-101, RepVGG-B1g2 </a:t>
+            </a:r>
+            <a:r>
+              <a:rPr lang="de-DE" dirty="0" err="1"/>
+              <a:t>is</a:t>
+            </a:r>
+            <a:r>
+              <a:rPr lang="de-DE" dirty="0"/>
+              <a:t> 2.66 </a:t>
+            </a:r>
+            <a:r>
+              <a:rPr lang="de-DE" dirty="0" err="1"/>
+              <a:t>times</a:t>
+            </a:r>
+            <a:r>
+              <a:rPr lang="de-DE" dirty="0"/>
+              <a:t> </a:t>
+            </a:r>
+            <a:r>
+              <a:rPr lang="de-DE" dirty="0" err="1"/>
+              <a:t>faster</a:t>
+            </a:r>
+            <a:r>
+              <a:rPr lang="de-DE" dirty="0"/>
+              <a:t> </a:t>
+            </a:r>
+            <a:r>
+              <a:rPr lang="de-DE" dirty="0" err="1"/>
+              <a:t>than</a:t>
+            </a:r>
+            <a:r>
+              <a:rPr lang="de-DE" dirty="0"/>
+              <a:t> ResNet-152)</a:t>
+            </a:r>
+          </a:p>
+          <a:p>
+            <a:pPr marL="171450" indent="-171450">
+              <a:buFont typeface="Arial" panose="020B0604020202020204" pitchFamily="34" charset="0"/>
+              <a:buChar char="•"/>
+            </a:pPr>
+            <a:r>
+              <a:rPr lang="de-DE" dirty="0"/>
+              <a:t>More </a:t>
+            </a:r>
+            <a:r>
+              <a:rPr lang="de-DE" dirty="0" err="1"/>
+              <a:t>parameter</a:t>
+            </a:r>
+            <a:r>
+              <a:rPr lang="de-DE" dirty="0"/>
+              <a:t> </a:t>
+            </a:r>
+            <a:r>
+              <a:rPr lang="de-DE" dirty="0" err="1"/>
+              <a:t>efficient</a:t>
+            </a:r>
+            <a:r>
+              <a:rPr lang="de-DE" dirty="0"/>
+              <a:t>: RepVGG-B2 </a:t>
+            </a:r>
+            <a:r>
+              <a:rPr lang="de-DE" dirty="0" err="1"/>
+              <a:t>has</a:t>
+            </a:r>
+            <a:r>
+              <a:rPr lang="de-DE" dirty="0"/>
+              <a:t> </a:t>
+            </a:r>
+            <a:r>
+              <a:rPr lang="de-DE" dirty="0" err="1"/>
+              <a:t>only</a:t>
+            </a:r>
+            <a:r>
+              <a:rPr lang="de-DE" dirty="0"/>
+              <a:t> 58% </a:t>
+            </a:r>
+            <a:r>
+              <a:rPr lang="de-DE" dirty="0" err="1"/>
+              <a:t>parameters</a:t>
+            </a:r>
+            <a:r>
+              <a:rPr lang="de-DE" dirty="0"/>
+              <a:t> </a:t>
+            </a:r>
+            <a:r>
+              <a:rPr lang="de-DE" dirty="0" err="1"/>
+              <a:t>compared</a:t>
+            </a:r>
+            <a:r>
+              <a:rPr lang="de-DE" dirty="0"/>
+              <a:t> </a:t>
+            </a:r>
+            <a:r>
+              <a:rPr lang="de-DE" dirty="0" err="1"/>
+              <a:t>to</a:t>
+            </a:r>
+            <a:r>
+              <a:rPr lang="de-DE" dirty="0"/>
+              <a:t> VGG-16, 10% </a:t>
+            </a:r>
+            <a:r>
+              <a:rPr lang="de-DE" dirty="0" err="1"/>
+              <a:t>faster</a:t>
+            </a:r>
+            <a:r>
+              <a:rPr lang="de-DE" dirty="0"/>
+              <a:t>, 6.57% </a:t>
+            </a:r>
+            <a:r>
+              <a:rPr lang="de-DE" dirty="0" err="1"/>
+              <a:t>higher</a:t>
+            </a:r>
+            <a:r>
+              <a:rPr lang="de-DE" dirty="0"/>
+              <a:t> </a:t>
             </a:r>
             <a:r>
               <a:rPr lang="de-DE" dirty="0" err="1"/>
               <a:t>accuracy</a:t>
             </a:r>
-            <a:r>
-              <a:rPr lang="de-DE" dirty="0"/>
-              <a:t> </a:t>
-            </a:r>
-            <a:r>
-              <a:rPr lang="de-DE" dirty="0" err="1"/>
-              <a:t>increases</a:t>
-            </a:r>
-            <a:r>
-              <a:rPr lang="de-DE" dirty="0"/>
-              <a:t>, but </a:t>
-            </a:r>
-            <a:r>
-              <a:rPr lang="de-DE" dirty="0" err="1"/>
-              <a:t>much</a:t>
-            </a:r>
-            <a:r>
-              <a:rPr lang="de-DE" dirty="0"/>
-              <a:t> </a:t>
-            </a:r>
-            <a:r>
-              <a:rPr lang="de-DE" dirty="0" err="1"/>
-              <a:t>faster</a:t>
-            </a:r>
-            <a:r>
-              <a:rPr lang="de-DE" dirty="0"/>
-              <a:t> (Exchange ResNet-50/101 </a:t>
-            </a:r>
-            <a:r>
-              <a:rPr lang="de-DE" dirty="0" err="1"/>
-              <a:t>backbone</a:t>
+            <a:endParaRPr lang="de-DE" dirty="0"/>
+          </a:p>
+          <a:p>
+            <a:pPr marL="171450" indent="-171450">
+              <a:buFont typeface="Arial" panose="020B0604020202020204" pitchFamily="34" charset="0"/>
+              <a:buChar char="•"/>
+            </a:pPr>
+            <a:r>
+              <a:rPr lang="de-DE" dirty="0"/>
+              <a:t>Can </a:t>
+            </a:r>
+            <a:r>
+              <a:rPr lang="de-DE" dirty="0" err="1"/>
+              <a:t>even</a:t>
+            </a:r>
+            <a:r>
+              <a:rPr lang="de-DE" dirty="0"/>
+              <a:t> hold </a:t>
+            </a:r>
+            <a:r>
+              <a:rPr lang="de-DE" dirty="0" err="1"/>
+              <a:t>up</a:t>
             </a:r>
             <a:r>
               <a:rPr lang="de-DE" dirty="0"/>
@@ -5075,9 +5829,195 @@
             </a:r>
             <a:r>
               <a:rPr lang="de-DE" dirty="0"/>
-              <a:t> RepVGG-B1g2/B2)</a:t>
-            </a:r>
-            <a:endParaRPr lang="en-US" dirty="0"/>
+              <a:t> RegNetX-3.2GF! (</a:t>
+            </a:r>
+            <a:r>
+              <a:rPr lang="de-DE" dirty="0" err="1"/>
+              <a:t>without</a:t>
+            </a:r>
+            <a:r>
+              <a:rPr lang="de-DE" dirty="0"/>
+              <a:t> </a:t>
+            </a:r>
+            <a:r>
+              <a:rPr lang="de-DE" dirty="0" err="1"/>
+              <a:t>designing</a:t>
+            </a:r>
+            <a:r>
+              <a:rPr lang="de-DE" dirty="0"/>
+              <a:t> </a:t>
+            </a:r>
+            <a:r>
+              <a:rPr lang="de-DE" dirty="0" err="1"/>
+              <a:t>network</a:t>
+            </a:r>
+            <a:r>
+              <a:rPr lang="de-DE" dirty="0"/>
+              <a:t> design </a:t>
+            </a:r>
+            <a:r>
+              <a:rPr lang="de-DE" dirty="0" err="1"/>
+              <a:t>spaces</a:t>
+            </a:r>
+            <a:r>
+              <a:rPr lang="de-DE" dirty="0"/>
+              <a:t>, </a:t>
+            </a:r>
+            <a:r>
+              <a:rPr lang="de-DE" dirty="0" err="1"/>
+              <a:t>architectural</a:t>
+            </a:r>
+            <a:r>
+              <a:rPr lang="de-DE" dirty="0"/>
+              <a:t> hyper-parameters </a:t>
+            </a:r>
+            <a:r>
+              <a:rPr lang="de-DE" dirty="0" err="1"/>
+              <a:t>are</a:t>
+            </a:r>
+            <a:r>
+              <a:rPr lang="de-DE" dirty="0"/>
+              <a:t> </a:t>
+            </a:r>
+            <a:r>
+              <a:rPr lang="de-DE" dirty="0" err="1"/>
+              <a:t>set</a:t>
+            </a:r>
+            <a:r>
+              <a:rPr lang="de-DE" dirty="0"/>
+              <a:t> </a:t>
+            </a:r>
+            <a:r>
+              <a:rPr lang="de-DE" dirty="0" err="1"/>
+              <a:t>casually</a:t>
+            </a:r>
+            <a:r>
+              <a:rPr lang="de-DE" dirty="0"/>
+              <a:t>)</a:t>
+            </a:r>
+          </a:p>
+          <a:p>
+            <a:pPr marL="171450" indent="-171450">
+              <a:buFont typeface="Arial" panose="020B0604020202020204" pitchFamily="34" charset="0"/>
+              <a:buChar char="•"/>
+            </a:pPr>
+            <a:r>
+              <a:rPr lang="de-DE" dirty="0"/>
+              <a:t>Over 80% </a:t>
+            </a:r>
+            <a:r>
+              <a:rPr lang="de-DE" dirty="0" err="1"/>
+              <a:t>accuracy</a:t>
+            </a:r>
+            <a:r>
+              <a:rPr lang="de-DE" dirty="0"/>
+              <a:t> </a:t>
+            </a:r>
+            <a:r>
+              <a:rPr lang="de-DE" dirty="0" err="1"/>
+              <a:t>with</a:t>
+            </a:r>
+            <a:r>
+              <a:rPr lang="de-DE" dirty="0"/>
+              <a:t> </a:t>
+            </a:r>
+            <a:r>
+              <a:rPr lang="de-DE" dirty="0" err="1"/>
+              <a:t>plain</a:t>
+            </a:r>
+            <a:r>
+              <a:rPr lang="de-DE" dirty="0"/>
+              <a:t> </a:t>
+            </a:r>
+            <a:r>
+              <a:rPr lang="de-DE" dirty="0" err="1"/>
+              <a:t>models</a:t>
+            </a:r>
+            <a:r>
+              <a:rPr lang="de-DE" dirty="0"/>
+              <a:t> </a:t>
+            </a:r>
+            <a:r>
+              <a:rPr lang="de-DE" dirty="0" err="1"/>
+              <a:t>reached</a:t>
+            </a:r>
+            <a:r>
+              <a:rPr lang="de-DE" dirty="0"/>
+              <a:t> (</a:t>
+            </a:r>
+            <a:r>
+              <a:rPr lang="de-DE" dirty="0" err="1"/>
+              <a:t>for</a:t>
+            </a:r>
+            <a:r>
+              <a:rPr lang="de-DE" dirty="0"/>
+              <a:t> </a:t>
+            </a:r>
+            <a:r>
+              <a:rPr lang="de-DE" dirty="0" err="1"/>
+              <a:t>the</a:t>
+            </a:r>
+            <a:r>
+              <a:rPr lang="de-DE" dirty="0"/>
+              <a:t> </a:t>
+            </a:r>
+            <a:r>
+              <a:rPr lang="de-DE" dirty="0" err="1"/>
+              <a:t>first</a:t>
+            </a:r>
+            <a:r>
+              <a:rPr lang="de-DE" dirty="0"/>
+              <a:t> time)</a:t>
+            </a:r>
+          </a:p>
+          <a:p>
+            <a:pPr marL="171450" indent="-171450">
+              <a:buFont typeface="Arial" panose="020B0604020202020204" pitchFamily="34" charset="0"/>
+              <a:buChar char="•"/>
+            </a:pPr>
+            <a:r>
+              <a:rPr lang="de-DE" dirty="0"/>
+              <a:t>FLOPS </a:t>
+            </a:r>
+            <a:r>
+              <a:rPr lang="de-DE" dirty="0" err="1"/>
+              <a:t>vs</a:t>
+            </a:r>
+            <a:r>
+              <a:rPr lang="de-DE" dirty="0"/>
+              <a:t> </a:t>
+            </a:r>
+            <a:r>
+              <a:rPr lang="de-DE" dirty="0" err="1"/>
+              <a:t>Winograd</a:t>
+            </a:r>
+            <a:r>
+              <a:rPr lang="de-DE" dirty="0"/>
+              <a:t> MULTs: VGG-16 </a:t>
+            </a:r>
+            <a:r>
+              <a:rPr lang="de-DE" dirty="0" err="1"/>
+              <a:t>vs</a:t>
+            </a:r>
+            <a:r>
+              <a:rPr lang="de-DE" dirty="0"/>
+              <a:t> ResNet-152 -&gt; Proofs </a:t>
+            </a:r>
+            <a:r>
+              <a:rPr lang="de-DE" dirty="0" err="1"/>
+              <a:t>thesis</a:t>
+            </a:r>
+            <a:r>
+              <a:rPr lang="de-DE" dirty="0"/>
+              <a:t>!</a:t>
+            </a:r>
+          </a:p>
+          <a:p>
+            <a:pPr marL="171450" indent="-171450">
+              <a:buFont typeface="Arial" panose="020B0604020202020204" pitchFamily="34" charset="0"/>
+              <a:buChar char="•"/>
+            </a:pPr>
+            <a:endParaRPr lang="de-DE" dirty="0"/>
           </a:p>
         </p:txBody>
       </p:sp>
@@ -5098,6 +6038,407 @@
           <a:p>
             <a:fld id="{6D172734-61C0-4E94-B507-0920723C809C}" type="slidenum">
               <a:rPr lang="en-US" smtClean="0"/>
+              <a:t>9</a:t>
+            </a:fld>
+            <a:endParaRPr lang="en-US"/>
+          </a:p>
+        </p:txBody>
+      </p:sp>
+    </p:spTree>
+    <p:extLst>
+      <p:ext uri="{BB962C8B-B14F-4D97-AF65-F5344CB8AC3E}">
+        <p14:creationId xmlns:p14="http://schemas.microsoft.com/office/powerpoint/2010/main" val="1639330881"/>
+      </p:ext>
+    </p:extLst>
+  </p:cSld>
+  <p:clrMapOvr>
+    <a:masterClrMapping/>
+  </p:clrMapOvr>
+</p:notes>
+</file>
+
+<file path=ppt/notesSlides/notesSlide7.xml><?xml version="1.0" encoding="utf-8"?>
+<p:notes xmlns:a="http://schemas.openxmlformats.org/drawingml/2006/main" xmlns:r="http://schemas.openxmlformats.org/officeDocument/2006/relationships" xmlns:p="http://schemas.openxmlformats.org/presentationml/2006/main">
+  <p:cSld>
+    <p:spTree>
+      <p:nvGrpSpPr>
+        <p:cNvPr id="1" name=""/>
+        <p:cNvGrpSpPr/>
+        <p:nvPr/>
+      </p:nvGrpSpPr>
+      <p:grpSpPr>
+        <a:xfrm>
+          <a:off x="0" y="0"/>
+          <a:ext cx="0" cy="0"/>
+          <a:chOff x="0" y="0"/>
+          <a:chExt cx="0" cy="0"/>
+        </a:xfrm>
+      </p:grpSpPr>
+      <p:sp>
+        <p:nvSpPr>
+          <p:cNvPr id="2" name="Slide Image Placeholder 1"/>
+          <p:cNvSpPr>
+            <a:spLocks noGrp="1" noRot="1" noChangeAspect="1"/>
+          </p:cNvSpPr>
+          <p:nvPr>
+            <p:ph type="sldImg"/>
+          </p:nvPr>
+        </p:nvSpPr>
+        <p:spPr/>
+      </p:sp>
+      <p:sp>
+        <p:nvSpPr>
+          <p:cNvPr id="3" name="Notes Placeholder 2"/>
+          <p:cNvSpPr>
+            <a:spLocks noGrp="1"/>
+          </p:cNvSpPr>
+          <p:nvPr>
+            <p:ph type="body" idx="1"/>
+          </p:nvPr>
+        </p:nvSpPr>
+        <p:spPr/>
+        <p:txBody>
+          <a:bodyPr/>
+          <a:lstStyle/>
+          <a:p>
+            <a:pPr marL="171450" indent="-171450">
+              <a:buFont typeface="Arial" panose="020B0604020202020204" pitchFamily="34" charset="0"/>
+              <a:buChar char="•"/>
+            </a:pPr>
+            <a:r>
+              <a:rPr lang="de-DE" dirty="0" err="1"/>
+              <a:t>ReLU</a:t>
+            </a:r>
+            <a:r>
+              <a:rPr lang="de-DE" dirty="0"/>
+              <a:t> after BN and </a:t>
+            </a:r>
+            <a:r>
+              <a:rPr lang="de-DE" dirty="0" err="1"/>
+              <a:t>before</a:t>
+            </a:r>
+            <a:r>
+              <a:rPr lang="de-DE" dirty="0"/>
+              <a:t> </a:t>
+            </a:r>
+            <a:r>
+              <a:rPr lang="de-DE" dirty="0" err="1"/>
+              <a:t>addition</a:t>
+            </a:r>
+            <a:r>
+              <a:rPr lang="de-DE" dirty="0"/>
+              <a:t>: Such a block </a:t>
+            </a:r>
+            <a:r>
+              <a:rPr lang="de-DE" dirty="0" err="1"/>
+              <a:t>cannot</a:t>
+            </a:r>
+            <a:r>
+              <a:rPr lang="de-DE" dirty="0"/>
+              <a:t> </a:t>
+            </a:r>
+            <a:r>
+              <a:rPr lang="de-DE" dirty="0" err="1"/>
+              <a:t>be</a:t>
+            </a:r>
+            <a:r>
+              <a:rPr lang="de-DE" dirty="0"/>
+              <a:t> </a:t>
+            </a:r>
+            <a:r>
+              <a:rPr lang="de-DE" dirty="0" err="1"/>
+              <a:t>converted</a:t>
+            </a:r>
+            <a:r>
+              <a:rPr lang="de-DE" dirty="0"/>
+              <a:t> </a:t>
+            </a:r>
+            <a:r>
+              <a:rPr lang="de-DE" dirty="0" err="1"/>
+              <a:t>into</a:t>
+            </a:r>
+            <a:r>
+              <a:rPr lang="de-DE" dirty="0"/>
+              <a:t> a </a:t>
+            </a:r>
+            <a:r>
+              <a:rPr lang="de-DE" dirty="0" err="1"/>
+              <a:t>single</a:t>
+            </a:r>
+            <a:r>
+              <a:rPr lang="de-DE" dirty="0"/>
+              <a:t> block </a:t>
+            </a:r>
+            <a:r>
+              <a:rPr lang="de-DE" dirty="0" err="1"/>
+              <a:t>anymore</a:t>
+            </a:r>
+            <a:r>
+              <a:rPr lang="de-DE" dirty="0"/>
+              <a:t>!</a:t>
+            </a:r>
+          </a:p>
+          <a:p>
+            <a:pPr marL="171450" indent="-171450">
+              <a:buFont typeface="Arial" panose="020B0604020202020204" pitchFamily="34" charset="0"/>
+              <a:buChar char="•"/>
+            </a:pPr>
+            <a:r>
+              <a:rPr lang="de-DE" dirty="0" err="1"/>
+              <a:t>DiracNet</a:t>
+            </a:r>
+            <a:r>
+              <a:rPr lang="de-DE" dirty="0"/>
+              <a:t>: </a:t>
+            </a:r>
+            <a:r>
+              <a:rPr lang="en-US" dirty="0"/>
+              <a:t>Having a closer look one recognizes that the Dirac weight parameterization and residual networks approximately only differ in the order of non-linearities: y = sigmoid((</a:t>
+            </a:r>
+            <a:r>
+              <a:rPr lang="en-US" dirty="0" err="1"/>
+              <a:t>diag</a:t>
+            </a:r>
+            <a:r>
+              <a:rPr lang="en-US" dirty="0"/>
+              <a:t>(y)</a:t>
+            </a:r>
+            <a:r>
+              <a:rPr lang="en-US" dirty="0" err="1"/>
+              <a:t>I+diag</a:t>
+            </a:r>
+            <a:r>
+              <a:rPr lang="en-US" dirty="0"/>
+              <a:t>(b)</a:t>
+            </a:r>
+            <a:r>
+              <a:rPr lang="en-US" dirty="0" err="1"/>
+              <a:t>Wnorm</a:t>
+            </a:r>
+            <a:r>
+              <a:rPr lang="en-US" dirty="0"/>
+              <a:t>)X) === sigmoid(X + W’X) // y = X + sigmoid(WX)</a:t>
+            </a:r>
+          </a:p>
+          <a:p>
+            <a:pPr marL="171450" indent="-171450">
+              <a:buFont typeface="Arial" panose="020B0604020202020204" pitchFamily="34" charset="0"/>
+              <a:buChar char="•"/>
+            </a:pPr>
+            <a:r>
+              <a:rPr lang="en-US" dirty="0"/>
+              <a:t>Trivial Re-param: Trivial </a:t>
+            </a:r>
+            <a:r>
+              <a:rPr lang="en-US" dirty="0" err="1"/>
+              <a:t>DiracNet</a:t>
+            </a:r>
+            <a:r>
+              <a:rPr lang="en-US" dirty="0"/>
+              <a:t>: W’ = I + W</a:t>
+            </a:r>
+          </a:p>
+          <a:p>
+            <a:pPr marL="171450" indent="-171450">
+              <a:buFont typeface="Arial" panose="020B0604020202020204" pitchFamily="34" charset="0"/>
+              <a:buChar char="•"/>
+            </a:pPr>
+            <a:r>
+              <a:rPr lang="en-US" dirty="0"/>
+              <a:t>ACB: Do improvements come from component-level over-parameterization? 3x3,3x1,1x3 kernels added back together</a:t>
+            </a:r>
+          </a:p>
+          <a:p>
+            <a:pPr marL="171450" indent="-171450">
+              <a:buFont typeface="Arial" panose="020B0604020202020204" pitchFamily="34" charset="0"/>
+              <a:buChar char="•"/>
+            </a:pPr>
+            <a:endParaRPr lang="en-US" dirty="0"/>
+          </a:p>
+          <a:p>
+            <a:pPr marL="171450" indent="-171450">
+              <a:buFont typeface="Arial" panose="020B0604020202020204" pitchFamily="34" charset="0"/>
+              <a:buChar char="•"/>
+            </a:pPr>
+            <a:r>
+              <a:rPr lang="en-US" dirty="0" err="1"/>
+              <a:t>RepVGG</a:t>
+            </a:r>
+            <a:r>
+              <a:rPr lang="en-US" dirty="0"/>
+              <a:t>: concrete structure with nonlinear behavior, </a:t>
+            </a:r>
+            <a:r>
+              <a:rPr lang="en-US" dirty="0" err="1"/>
+              <a:t>DiracNet</a:t>
+            </a:r>
+            <a:r>
+              <a:rPr lang="en-US" dirty="0"/>
+              <a:t> uses another mathematical expression of conv kernels</a:t>
+            </a:r>
+          </a:p>
+          <a:p>
+            <a:pPr marL="171450" indent="-171450">
+              <a:buFont typeface="Arial" panose="020B0604020202020204" pitchFamily="34" charset="0"/>
+              <a:buChar char="•"/>
+            </a:pPr>
+            <a:r>
+              <a:rPr lang="en-US" dirty="0" err="1"/>
+              <a:t>RepVGG</a:t>
+            </a:r>
+            <a:r>
+              <a:rPr lang="en-US" dirty="0"/>
+              <a:t> does not perform well because of over parameterization (even better than ACB, which has even more parameters, ResNet-50 gives same performance with </a:t>
+            </a:r>
+            <a:r>
+              <a:rPr lang="en-US" dirty="0" err="1"/>
+              <a:t>RepVGG</a:t>
+            </a:r>
+            <a:r>
+              <a:rPr lang="en-US" dirty="0"/>
+              <a:t>-blocks) =&gt; methodology critical to train plain networks</a:t>
+            </a:r>
+          </a:p>
+          <a:p>
+            <a:pPr marL="171450" indent="-171450">
+              <a:buFont typeface="Arial" panose="020B0604020202020204" pitchFamily="34" charset="0"/>
+              <a:buChar char="•"/>
+            </a:pPr>
+            <a:r>
+              <a:rPr lang="en-US" dirty="0"/>
+              <a:t>Residual Reorg: same amount of 3x3 conv + additional shortcuts: </a:t>
+            </a:r>
+            <a:r>
+              <a:rPr lang="en-US" dirty="0" err="1"/>
+              <a:t>RegVGG</a:t>
+            </a:r>
+            <a:r>
+              <a:rPr lang="en-US" dirty="0"/>
+              <a:t> still outperforms because of more branches (bigger ensemble)</a:t>
+            </a:r>
+            <a:endParaRPr lang="de-DE" dirty="0"/>
+          </a:p>
+          <a:p>
+            <a:pPr marL="171450" indent="-171450">
+              <a:buFont typeface="Arial" panose="020B0604020202020204" pitchFamily="34" charset="0"/>
+              <a:buChar char="•"/>
+            </a:pPr>
+            <a:endParaRPr lang="de-DE" dirty="0"/>
+          </a:p>
+          <a:p>
+            <a:pPr marL="171450" indent="-171450">
+              <a:buFont typeface="Arial" panose="020B0604020202020204" pitchFamily="34" charset="0"/>
+              <a:buChar char="•"/>
+            </a:pPr>
+            <a:r>
+              <a:rPr lang="de-DE" dirty="0" err="1"/>
+              <a:t>Similar</a:t>
+            </a:r>
+            <a:r>
+              <a:rPr lang="de-DE" dirty="0"/>
+              <a:t> </a:t>
+            </a:r>
+            <a:r>
+              <a:rPr lang="de-DE" dirty="0" err="1"/>
+              <a:t>results</a:t>
+            </a:r>
+            <a:r>
+              <a:rPr lang="de-DE" dirty="0"/>
+              <a:t> in </a:t>
+            </a:r>
+            <a:r>
+              <a:rPr lang="de-DE" dirty="0" err="1"/>
+              <a:t>semantic</a:t>
+            </a:r>
+            <a:r>
+              <a:rPr lang="de-DE" dirty="0"/>
+              <a:t> </a:t>
+            </a:r>
+            <a:r>
+              <a:rPr lang="de-DE" dirty="0" err="1"/>
+              <a:t>segmentation</a:t>
+            </a:r>
+            <a:r>
+              <a:rPr lang="de-DE" dirty="0"/>
+              <a:t> on </a:t>
+            </a:r>
+            <a:r>
+              <a:rPr lang="de-DE" dirty="0" err="1"/>
+              <a:t>Cityscapes</a:t>
+            </a:r>
+            <a:r>
+              <a:rPr lang="de-DE" dirty="0"/>
+              <a:t>: minor </a:t>
+            </a:r>
+            <a:r>
+              <a:rPr lang="de-DE" dirty="0" err="1"/>
+              <a:t>accuracy</a:t>
+            </a:r>
+            <a:r>
+              <a:rPr lang="de-DE" dirty="0"/>
+              <a:t> </a:t>
+            </a:r>
+            <a:r>
+              <a:rPr lang="de-DE" dirty="0" err="1"/>
+              <a:t>increases</a:t>
+            </a:r>
+            <a:r>
+              <a:rPr lang="de-DE" dirty="0"/>
+              <a:t>, but </a:t>
+            </a:r>
+            <a:r>
+              <a:rPr lang="de-DE" dirty="0" err="1"/>
+              <a:t>much</a:t>
+            </a:r>
+            <a:r>
+              <a:rPr lang="de-DE" dirty="0"/>
+              <a:t> </a:t>
+            </a:r>
+            <a:r>
+              <a:rPr lang="de-DE" dirty="0" err="1"/>
+              <a:t>faster</a:t>
+            </a:r>
+            <a:r>
+              <a:rPr lang="de-DE" dirty="0"/>
+              <a:t> (Exchange ResNet-50/101 </a:t>
+            </a:r>
+            <a:r>
+              <a:rPr lang="de-DE" dirty="0" err="1"/>
+              <a:t>backbone</a:t>
+            </a:r>
+            <a:r>
+              <a:rPr lang="de-DE" dirty="0"/>
+              <a:t> </a:t>
+            </a:r>
+            <a:r>
+              <a:rPr lang="de-DE" dirty="0" err="1"/>
+              <a:t>with</a:t>
+            </a:r>
+            <a:r>
+              <a:rPr lang="de-DE" dirty="0"/>
+              <a:t> RepVGG-B1g2/B2)</a:t>
+            </a:r>
+            <a:endParaRPr lang="en-US" dirty="0"/>
+          </a:p>
+        </p:txBody>
+      </p:sp>
+      <p:sp>
+        <p:nvSpPr>
+          <p:cNvPr id="4" name="Slide Number Placeholder 3"/>
+          <p:cNvSpPr>
+            <a:spLocks noGrp="1"/>
+          </p:cNvSpPr>
+          <p:nvPr>
+            <p:ph type="sldNum" sz="quarter" idx="5"/>
+          </p:nvPr>
+        </p:nvSpPr>
+        <p:spPr/>
+        <p:txBody>
+          <a:bodyPr/>
+          <a:lstStyle/>
+          <a:p>
+            <a:fld id="{6D172734-61C0-4E94-B507-0920723C809C}" type="slidenum">
+              <a:rPr lang="en-US" smtClean="0"/>
               <a:t>10</a:t>
             </a:fld>
             <a:endParaRPr lang="en-US"/>
@@ -5117,7 +6458,7 @@
 </p:notes>
 </file>
 
-<file path=ppt/notesSlides/notesSlide7.xml><?xml version="1.0" encoding="utf-8"?>
+<file path=ppt/notesSlides/notesSlide8.xml><?xml version="1.0" encoding="utf-8"?>
 <p:notes xmlns:a="http://schemas.openxmlformats.org/drawingml/2006/main" xmlns:r="http://schemas.openxmlformats.org/officeDocument/2006/relationships" xmlns:p="http://schemas.openxmlformats.org/presentationml/2006/main">
   <p:cSld>
     <p:spTree>
@@ -5652,7 +6993,7 @@
           <a:p>
             <a:fld id="{6459580E-08ED-4286-A9BF-FFB8DF17CFF0}" type="datetimeFigureOut">
               <a:rPr lang="en-US" smtClean="0"/>
-              <a:t>5/28/2021</a:t>
+              <a:t>6/3/2021</a:t>
             </a:fld>
             <a:endParaRPr lang="en-US" dirty="0"/>
           </a:p>
@@ -5858,7 +7199,7 @@
           <a:p>
             <a:fld id="{6459580E-08ED-4286-A9BF-FFB8DF17CFF0}" type="datetimeFigureOut">
               <a:rPr lang="en-US" smtClean="0"/>
-              <a:t>5/28/2021</a:t>
+              <a:t>6/3/2021</a:t>
             </a:fld>
             <a:endParaRPr lang="en-US"/>
           </a:p>
@@ -6074,7 +7415,7 @@
           <a:p>
             <a:fld id="{6459580E-08ED-4286-A9BF-FFB8DF17CFF0}" type="datetimeFigureOut">
               <a:rPr lang="en-US" smtClean="0"/>
-              <a:t>5/28/2021</a:t>
+              <a:t>6/3/2021</a:t>
             </a:fld>
             <a:endParaRPr lang="en-US"/>
           </a:p>
@@ -6280,7 +7621,7 @@
           <a:p>
             <a:fld id="{6459580E-08ED-4286-A9BF-FFB8DF17CFF0}" type="datetimeFigureOut">
               <a:rPr lang="en-US" smtClean="0"/>
-              <a:t>5/28/2021</a:t>
+              <a:t>6/3/2021</a:t>
             </a:fld>
             <a:endParaRPr lang="en-US"/>
           </a:p>
@@ -6563,7 +7904,7 @@
           <a:p>
             <a:fld id="{6459580E-08ED-4286-A9BF-FFB8DF17CFF0}" type="datetimeFigureOut">
               <a:rPr lang="en-US" smtClean="0"/>
-              <a:t>5/28/2021</a:t>
+              <a:t>6/3/2021</a:t>
             </a:fld>
             <a:endParaRPr lang="en-US"/>
           </a:p>
@@ -6836,7 +8177,7 @@
           <a:p>
             <a:fld id="{6459580E-08ED-4286-A9BF-FFB8DF17CFF0}" type="datetimeFigureOut">
               <a:rPr lang="en-US" smtClean="0"/>
-              <a:t>5/28/2021</a:t>
+              <a:t>6/3/2021</a:t>
             </a:fld>
             <a:endParaRPr lang="en-US"/>
           </a:p>
@@ -7256,7 +8597,7 @@
           <a:p>
             <a:fld id="{6459580E-08ED-4286-A9BF-FFB8DF17CFF0}" type="datetimeFigureOut">
               <a:rPr lang="en-US" smtClean="0"/>
-              <a:t>5/28/2021</a:t>
+              <a:t>6/3/2021</a:t>
             </a:fld>
             <a:endParaRPr lang="en-US"/>
           </a:p>
@@ -7405,7 +8746,7 @@
           <a:p>
             <a:fld id="{6459580E-08ED-4286-A9BF-FFB8DF17CFF0}" type="datetimeFigureOut">
               <a:rPr lang="en-US" smtClean="0"/>
-              <a:t>5/28/2021</a:t>
+              <a:t>6/3/2021</a:t>
             </a:fld>
             <a:endParaRPr lang="en-US"/>
           </a:p>
@@ -7526,7 +8867,7 @@
           <a:p>
             <a:fld id="{6459580E-08ED-4286-A9BF-FFB8DF17CFF0}" type="datetimeFigureOut">
               <a:rPr lang="en-US" smtClean="0"/>
-              <a:t>5/28/2021</a:t>
+              <a:t>6/3/2021</a:t>
             </a:fld>
             <a:endParaRPr lang="en-US"/>
           </a:p>
@@ -7845,7 +9186,7 @@
           <a:p>
             <a:fld id="{6459580E-08ED-4286-A9BF-FFB8DF17CFF0}" type="datetimeFigureOut">
               <a:rPr lang="en-US" smtClean="0"/>
-              <a:t>5/28/2021</a:t>
+              <a:t>6/3/2021</a:t>
             </a:fld>
             <a:endParaRPr lang="en-US"/>
           </a:p>
@@ -8141,7 +9482,7 @@
           <a:p>
             <a:fld id="{6459580E-08ED-4286-A9BF-FFB8DF17CFF0}" type="datetimeFigureOut">
               <a:rPr lang="en-US" smtClean="0"/>
-              <a:t>5/28/2021</a:t>
+              <a:t>6/3/2021</a:t>
             </a:fld>
             <a:endParaRPr lang="en-US"/>
           </a:p>
@@ -8393,7 +9734,7 @@
           <a:p>
             <a:fld id="{6459580E-08ED-4286-A9BF-FFB8DF17CFF0}" type="datetimeFigureOut">
               <a:rPr lang="en-US" smtClean="0"/>
-              <a:t>5/28/2021</a:t>
+              <a:t>6/3/2021</a:t>
             </a:fld>
             <a:endParaRPr lang="en-US"/>
           </a:p>

--- a/presentation/presentation.pptx
+++ b/presentation/presentation.pptx
@@ -5,7 +5,7 @@
     <p:sldMasterId id="2147483648" r:id="rId1"/>
   </p:sldMasterIdLst>
   <p:notesMasterIdLst>
-    <p:notesMasterId r:id="rId28"/>
+    <p:notesMasterId r:id="rId30"/>
   </p:notesMasterIdLst>
   <p:sldIdLst>
     <p:sldId id="256" r:id="rId2"/>
@@ -27,13 +27,15 @@
     <p:sldId id="268" r:id="rId18"/>
     <p:sldId id="269" r:id="rId19"/>
     <p:sldId id="285" r:id="rId20"/>
-    <p:sldId id="288" r:id="rId21"/>
-    <p:sldId id="264" r:id="rId22"/>
-    <p:sldId id="291" r:id="rId23"/>
-    <p:sldId id="265" r:id="rId24"/>
-    <p:sldId id="259" r:id="rId25"/>
-    <p:sldId id="283" r:id="rId26"/>
-    <p:sldId id="284" r:id="rId27"/>
+    <p:sldId id="292" r:id="rId21"/>
+    <p:sldId id="288" r:id="rId22"/>
+    <p:sldId id="293" r:id="rId23"/>
+    <p:sldId id="264" r:id="rId24"/>
+    <p:sldId id="291" r:id="rId25"/>
+    <p:sldId id="265" r:id="rId26"/>
+    <p:sldId id="259" r:id="rId27"/>
+    <p:sldId id="283" r:id="rId28"/>
+    <p:sldId id="284" r:id="rId29"/>
   </p:sldIdLst>
   <p:sldSz cx="12192000" cy="6858000"/>
   <p:notesSz cx="10234613" cy="7102475"/>
@@ -368,7 +370,7 @@
           <a:p>
             <a:fld id="{50CFD496-02FF-4BBF-91A8-BA14311B48A2}" type="datetimeFigureOut">
               <a:rPr lang="en-US" smtClean="0"/>
-              <a:t>6/6/2021</a:t>
+              <a:t>6/15/21</a:t>
             </a:fld>
             <a:endParaRPr lang="en-US"/>
           </a:p>
@@ -526,7 +528,7 @@
           <a:p>
             <a:fld id="{6D172734-61C0-4E94-B507-0920723C809C}" type="slidenum">
               <a:rPr lang="en-US" smtClean="0"/>
-              <a:t>‹#›</a:t>
+              <a:t>‹Nr.›</a:t>
             </a:fld>
             <a:endParaRPr lang="en-US"/>
           </a:p>
@@ -679,7 +681,73 @@
           <a:bodyPr/>
           <a:lstStyle/>
           <a:p>
-            <a:endParaRPr lang="en-US"/>
+            <a:pPr marL="171450" indent="-171450">
+              <a:buFont typeface="Arial" panose="020B0604020202020204" pitchFamily="34" charset="0"/>
+              <a:buChar char="•"/>
+            </a:pPr>
+            <a:r>
+              <a:rPr lang="de-DE" dirty="0"/>
+              <a:t>Visual </a:t>
+            </a:r>
+            <a:r>
+              <a:rPr lang="de-DE" dirty="0" err="1"/>
+              <a:t>Geometry</a:t>
+            </a:r>
+            <a:r>
+              <a:rPr lang="de-DE" dirty="0"/>
+              <a:t> Group, Department </a:t>
+            </a:r>
+            <a:r>
+              <a:rPr lang="de-DE" dirty="0" err="1"/>
+              <a:t>of</a:t>
+            </a:r>
+            <a:r>
+              <a:rPr lang="de-DE" dirty="0"/>
+              <a:t> Engineering Science, University </a:t>
+            </a:r>
+            <a:r>
+              <a:rPr lang="de-DE" dirty="0" err="1"/>
+              <a:t>of</a:t>
+            </a:r>
+            <a:r>
+              <a:rPr lang="de-DE" dirty="0"/>
+              <a:t> Oxford</a:t>
+            </a:r>
+          </a:p>
+          <a:p>
+            <a:pPr marL="171450" indent="-171450">
+              <a:buFont typeface="Arial" panose="020B0604020202020204" pitchFamily="34" charset="0"/>
+              <a:buChar char="•"/>
+            </a:pPr>
+            <a:r>
+              <a:rPr lang="de-DE" dirty="0"/>
+              <a:t>This </a:t>
+            </a:r>
+            <a:r>
+              <a:rPr lang="de-DE" dirty="0" err="1"/>
+              <a:t>paper</a:t>
+            </a:r>
+            <a:r>
+              <a:rPr lang="de-DE" dirty="0"/>
+              <a:t> </a:t>
+            </a:r>
+            <a:r>
+              <a:rPr lang="de-DE" dirty="0" err="1"/>
+              <a:t>originates</a:t>
+            </a:r>
+            <a:r>
+              <a:rPr lang="de-DE" dirty="0"/>
+              <a:t> </a:t>
+            </a:r>
+            <a:r>
+              <a:rPr lang="de-DE" dirty="0" err="1"/>
+              <a:t>from</a:t>
+            </a:r>
+            <a:r>
+              <a:rPr lang="de-DE" dirty="0"/>
+              <a:t> Beijing, Hong Kong, UK</a:t>
+            </a:r>
+            <a:endParaRPr lang="en-US" b="1" dirty="0"/>
           </a:p>
         </p:txBody>
       </p:sp>
@@ -2493,7 +2561,7 @@
             </a:r>
             <a:r>
               <a:rPr lang="de-DE" dirty="0" err="1"/>
-              <a:t>stages</a:t>
+              <a:t>stage</a:t>
             </a:r>
             <a:r>
               <a:rPr lang="de-DE" dirty="0"/>
@@ -2828,8 +2896,60 @@
               <a:defRPr/>
             </a:pPr>
             <a:r>
-              <a:rPr lang="de-DE" dirty="0"/>
-              <a:t>Inter-</a:t>
+              <a:rPr lang="de-DE" dirty="0" err="1"/>
+              <a:t>Groupwise</a:t>
+            </a:r>
+            <a:r>
+              <a:rPr lang="de-DE" dirty="0"/>
+              <a:t> </a:t>
+            </a:r>
+            <a:r>
+              <a:rPr lang="de-DE" dirty="0" err="1"/>
+              <a:t>conv</a:t>
+            </a:r>
+            <a:r>
+              <a:rPr lang="de-DE" dirty="0"/>
+              <a:t> </a:t>
+            </a:r>
+            <a:r>
+              <a:rPr lang="de-DE" dirty="0" err="1"/>
+              <a:t>every</a:t>
+            </a:r>
+            <a:r>
+              <a:rPr lang="de-DE" dirty="0"/>
+              <a:t> </a:t>
+            </a:r>
+            <a:r>
+              <a:rPr lang="de-DE" dirty="0" err="1"/>
+              <a:t>two</a:t>
+            </a:r>
+            <a:r>
+              <a:rPr lang="de-DE" dirty="0"/>
+              <a:t> </a:t>
+            </a:r>
+            <a:r>
+              <a:rPr lang="de-DE" dirty="0" err="1"/>
+              <a:t>layers</a:t>
+            </a:r>
+            <a:r>
+              <a:rPr lang="de-DE" dirty="0"/>
+              <a:t> </a:t>
+            </a:r>
+            <a:r>
+              <a:rPr lang="de-DE" dirty="0" err="1"/>
+              <a:t>to</a:t>
+            </a:r>
+            <a:r>
+              <a:rPr lang="de-DE" dirty="0"/>
+              <a:t> </a:t>
+            </a:r>
+            <a:r>
+              <a:rPr lang="de-DE" dirty="0" err="1"/>
+              <a:t>ensure</a:t>
+            </a:r>
+            <a:r>
+              <a:rPr lang="de-DE" dirty="0"/>
+              <a:t> inter-</a:t>
             </a:r>
             <a:r>
               <a:rPr lang="de-DE" dirty="0" err="1"/>
@@ -3035,10 +3155,7 @@
               <a:rPr lang="de-DE" dirty="0" err="1"/>
               <a:t>models</a:t>
             </a:r>
-            <a:r>
-              <a:rPr lang="de-DE" dirty="0"/>
-              <a:t> (ResNet-18/34/50)</a:t>
-            </a:r>
+            <a:endParaRPr lang="de-DE" dirty="0"/>
           </a:p>
           <a:p>
             <a:pPr marL="185749" indent="-185749">
@@ -5266,106 +5383,416 @@
           <a:bodyPr/>
           <a:lstStyle/>
           <a:p>
+            <a:r>
+              <a:rPr lang="de-DE" dirty="0" err="1"/>
+              <a:t>Strutural</a:t>
+            </a:r>
+            <a:r>
+              <a:rPr lang="de-DE" dirty="0"/>
+              <a:t> Re-</a:t>
+            </a:r>
+            <a:r>
+              <a:rPr lang="de-DE" dirty="0" err="1"/>
+              <a:t>parameterization</a:t>
+            </a:r>
+            <a:r>
+              <a:rPr lang="de-DE" dirty="0"/>
+              <a:t> </a:t>
+            </a:r>
+            <a:r>
+              <a:rPr lang="de-DE" dirty="0" err="1"/>
+              <a:t>is</a:t>
+            </a:r>
+            <a:r>
+              <a:rPr lang="de-DE" dirty="0"/>
+              <a:t> </a:t>
+            </a:r>
+            <a:r>
+              <a:rPr lang="de-DE" dirty="0" err="1"/>
+              <a:t>key</a:t>
+            </a:r>
+            <a:r>
+              <a:rPr lang="de-DE" dirty="0"/>
+              <a:t>!:</a:t>
+            </a:r>
+          </a:p>
+          <a:p>
             <a:pPr marL="185749" indent="-185749">
               <a:buFont typeface="Arial" panose="020B0604020202020204" pitchFamily="34" charset="0"/>
               <a:buChar char="•"/>
             </a:pPr>
             <a:r>
-              <a:rPr lang="en-US" dirty="0"/>
-              <a:t>Model Re-parameterization:</a:t>
-            </a:r>
-          </a:p>
-          <a:p>
-            <a:pPr marL="681079" lvl="1" indent="-185749">
+              <a:rPr lang="de-DE" dirty="0" err="1"/>
+              <a:t>Full</a:t>
+            </a:r>
+            <a:r>
+              <a:rPr lang="de-DE" dirty="0"/>
+              <a:t> </a:t>
+            </a:r>
+            <a:r>
+              <a:rPr lang="de-DE" dirty="0" err="1"/>
+              <a:t>featured</a:t>
+            </a:r>
+            <a:r>
+              <a:rPr lang="de-DE" dirty="0"/>
+              <a:t> RepVGG-B0 </a:t>
+            </a:r>
+            <a:r>
+              <a:rPr lang="de-DE" dirty="0" err="1"/>
+              <a:t>is</a:t>
+            </a:r>
+            <a:r>
+              <a:rPr lang="de-DE" dirty="0"/>
+              <a:t> 75.14%, 2.75% </a:t>
+            </a:r>
+            <a:r>
+              <a:rPr lang="de-DE" dirty="0" err="1"/>
+              <a:t>higher</a:t>
+            </a:r>
+            <a:r>
+              <a:rPr lang="de-DE" dirty="0"/>
+              <a:t> </a:t>
+            </a:r>
+            <a:r>
+              <a:rPr lang="de-DE" dirty="0" err="1"/>
+              <a:t>than</a:t>
+            </a:r>
+            <a:r>
+              <a:rPr lang="de-DE" dirty="0"/>
+              <a:t> </a:t>
+            </a:r>
+            <a:r>
+              <a:rPr lang="de-DE" dirty="0" err="1"/>
+              <a:t>ordinary</a:t>
+            </a:r>
+            <a:r>
+              <a:rPr lang="de-DE" dirty="0"/>
+              <a:t> </a:t>
+            </a:r>
+            <a:r>
+              <a:rPr lang="de-DE" dirty="0" err="1"/>
+              <a:t>plain</a:t>
+            </a:r>
+            <a:r>
+              <a:rPr lang="de-DE" dirty="0"/>
+              <a:t> </a:t>
+            </a:r>
+            <a:r>
+              <a:rPr lang="de-DE" dirty="0" err="1"/>
+              <a:t>model</a:t>
+            </a:r>
+            <a:r>
+              <a:rPr lang="de-DE" dirty="0"/>
+              <a:t> (</a:t>
+            </a:r>
+            <a:r>
+              <a:rPr lang="de-DE" dirty="0" err="1"/>
+              <a:t>without</a:t>
+            </a:r>
+            <a:r>
+              <a:rPr lang="de-DE" dirty="0"/>
+              <a:t> 1x1 </a:t>
+            </a:r>
+            <a:r>
+              <a:rPr lang="de-DE" dirty="0" err="1"/>
+              <a:t>conv</a:t>
+            </a:r>
+            <a:r>
+              <a:rPr lang="de-DE" dirty="0"/>
+              <a:t> and </a:t>
+            </a:r>
+            <a:r>
+              <a:rPr lang="de-DE" dirty="0" err="1"/>
+              <a:t>identity</a:t>
+            </a:r>
+            <a:r>
+              <a:rPr lang="de-DE" dirty="0"/>
+              <a:t>)</a:t>
+            </a:r>
+          </a:p>
+          <a:p>
+            <a:pPr marL="185749" indent="-185749">
               <a:buFont typeface="Arial" panose="020B0604020202020204" pitchFamily="34" charset="0"/>
               <a:buChar char="•"/>
             </a:pPr>
-            <a:r>
-              <a:rPr lang="en-US" dirty="0" err="1"/>
-              <a:t>ACNet</a:t>
-            </a:r>
-            <a:r>
-              <a:rPr lang="en-US" dirty="0"/>
-              <a:t>:</a:t>
-            </a:r>
-          </a:p>
-          <a:p>
-            <a:pPr marL="1176410" lvl="2" indent="-185749">
+            <a:endParaRPr lang="de-DE" dirty="0"/>
+          </a:p>
+          <a:p>
+            <a:pPr marL="185749" indent="-185749">
               <a:buFont typeface="Arial" panose="020B0604020202020204" pitchFamily="34" charset="0"/>
               <a:buChar char="•"/>
             </a:pPr>
             <a:r>
-              <a:rPr lang="en-US" dirty="0"/>
-              <a:t>During training time a normal squared 3x3 convolutional kernel is replaced by multi-branch 3x3, 3x1 and 1x3 kernels that are added back together after batch normalization</a:t>
-            </a:r>
-          </a:p>
-          <a:p>
-            <a:pPr marL="1176410" lvl="2" indent="-185749">
+              <a:rPr lang="de-DE" dirty="0" err="1"/>
+              <a:t>ReLU</a:t>
+            </a:r>
+            <a:r>
+              <a:rPr lang="de-DE" dirty="0"/>
+              <a:t> after BN and </a:t>
+            </a:r>
+            <a:r>
+              <a:rPr lang="de-DE" dirty="0" err="1"/>
+              <a:t>before</a:t>
+            </a:r>
+            <a:r>
+              <a:rPr lang="de-DE" dirty="0"/>
+              <a:t> </a:t>
+            </a:r>
+            <a:r>
+              <a:rPr lang="de-DE" dirty="0" err="1"/>
+              <a:t>addition</a:t>
+            </a:r>
+            <a:r>
+              <a:rPr lang="de-DE" dirty="0"/>
+              <a:t>: Such a block </a:t>
+            </a:r>
+            <a:r>
+              <a:rPr lang="de-DE" dirty="0" err="1"/>
+              <a:t>cannot</a:t>
+            </a:r>
+            <a:r>
+              <a:rPr lang="de-DE" dirty="0"/>
+              <a:t> </a:t>
+            </a:r>
+            <a:r>
+              <a:rPr lang="de-DE" dirty="0" err="1"/>
+              <a:t>be</a:t>
+            </a:r>
+            <a:r>
+              <a:rPr lang="de-DE" dirty="0"/>
+              <a:t> </a:t>
+            </a:r>
+            <a:r>
+              <a:rPr lang="de-DE" dirty="0" err="1"/>
+              <a:t>converted</a:t>
+            </a:r>
+            <a:r>
+              <a:rPr lang="de-DE" dirty="0"/>
+              <a:t> </a:t>
+            </a:r>
+            <a:r>
+              <a:rPr lang="de-DE" dirty="0" err="1"/>
+              <a:t>into</a:t>
+            </a:r>
+            <a:r>
+              <a:rPr lang="de-DE" dirty="0"/>
+              <a:t> a </a:t>
+            </a:r>
+            <a:r>
+              <a:rPr lang="de-DE" dirty="0" err="1"/>
+              <a:t>single</a:t>
+            </a:r>
+            <a:r>
+              <a:rPr lang="de-DE" dirty="0"/>
+              <a:t> block </a:t>
+            </a:r>
+            <a:r>
+              <a:rPr lang="de-DE" dirty="0" err="1"/>
+              <a:t>anymore</a:t>
+            </a:r>
+            <a:r>
+              <a:rPr lang="de-DE" dirty="0"/>
+              <a:t>!</a:t>
+            </a:r>
+          </a:p>
+          <a:p>
+            <a:pPr marL="185749" indent="-185749">
               <a:buFont typeface="Arial" panose="020B0604020202020204" pitchFamily="34" charset="0"/>
               <a:buChar char="•"/>
             </a:pPr>
             <a:r>
               <a:rPr lang="en-US" dirty="0"/>
-              <a:t>ACBs are architecture-neutral meaning they can replace normal 3x3 conv layers without having additional hyperparameters to tune, without further assumptions to take about the model and without additional computational complexity induced</a:t>
-            </a:r>
-          </a:p>
-          <a:p>
-            <a:pPr marL="1176410" lvl="2" indent="-185749">
+              <a:t>Trivial Re-param: Trivial </a:t>
+            </a:r>
+            <a:r>
+              <a:rPr lang="en-US" dirty="0" err="1"/>
+              <a:t>DiracNet</a:t>
+            </a:r>
+            <a:r>
+              <a:rPr lang="en-US" dirty="0"/>
+              <a:t>: W’ = I + W</a:t>
+            </a:r>
+          </a:p>
+          <a:p>
+            <a:pPr marL="185749" indent="-185749">
               <a:buFont typeface="Arial" panose="020B0604020202020204" pitchFamily="34" charset="0"/>
               <a:buChar char="•"/>
             </a:pPr>
             <a:r>
               <a:rPr lang="en-US" dirty="0"/>
-              <a:t>Strengthens the skeletons of squared convolutional kernels, but in practice only leads to few but consistent performance improvements</a:t>
-            </a:r>
-          </a:p>
-          <a:p>
-            <a:pPr marL="681079" lvl="1" indent="-185749">
+              <a:t>ACB: Do improvements come from component-level over-parameterization? 3x3,3x1,1x3 kernels added back together</a:t>
+            </a:r>
+          </a:p>
+          <a:p>
+            <a:pPr marL="185749" indent="-185749">
               <a:buFont typeface="Arial" panose="020B0604020202020204" pitchFamily="34" charset="0"/>
               <a:buChar char="•"/>
             </a:pPr>
-            <a:r>
-              <a:rPr lang="en-US" dirty="0"/>
-              <a:t>DO-Conv (</a:t>
-            </a:r>
-            <a:r>
-              <a:rPr lang="en-US" dirty="0" err="1"/>
-              <a:t>depthwise</a:t>
-            </a:r>
-            <a:r>
-              <a:rPr lang="en-US" dirty="0"/>
-              <a:t> over-parameterized) layers</a:t>
-            </a:r>
-          </a:p>
-          <a:p>
-            <a:pPr marL="681079" lvl="1" indent="-185749">
+            <a:endParaRPr lang="en-US" dirty="0"/>
+          </a:p>
+          <a:p>
+            <a:pPr marL="185749" indent="-185749">
               <a:buFont typeface="Arial" panose="020B0604020202020204" pitchFamily="34" charset="0"/>
               <a:buChar char="•"/>
             </a:pPr>
             <a:r>
               <a:rPr lang="en-US" dirty="0" err="1"/>
-              <a:t>ExpandNet</a:t>
+              <a:t>RepVGG</a:t>
             </a:r>
             <a:r>
               <a:rPr lang="en-US" dirty="0"/>
-              <a:t>: additional consecutive linear layers without further non-linearity in between</a:t>
-            </a:r>
-          </a:p>
-          <a:p>
-            <a:pPr marL="681079" lvl="1" indent="-185749">
+              <a:t>: concrete structure with nonlinear behavior, </a:t>
+            </a:r>
+            <a:r>
+              <a:rPr lang="en-US" dirty="0" err="1"/>
+              <a:t>DiracNet</a:t>
+            </a:r>
+            <a:r>
+              <a:rPr lang="en-US" dirty="0"/>
+              <a:t> uses another mathematical expression of conv kernels (“using the params of a structure to parameterize another structure” vs. “computing the params first with another set of params, then using them for other computations”)</a:t>
+            </a:r>
+          </a:p>
+          <a:p>
+            <a:pPr marL="185749" indent="-185749">
               <a:buFont typeface="Arial" panose="020B0604020202020204" pitchFamily="34" charset="0"/>
               <a:buChar char="•"/>
             </a:pPr>
             <a:r>
+              <a:rPr lang="en-US" dirty="0" err="1"/>
+              <a:t>RepVGG</a:t>
+            </a:r>
+            <a:r>
               <a:rPr lang="en-US" dirty="0"/>
-              <a:t>All architectures can also be folded back into the same structure as the original for the inference time (can be used as drop-in replacement, component level improvement)</a:t>
-            </a:r>
-          </a:p>
-          <a:p>
-            <a:pPr marL="681079" lvl="1" indent="-185749">
+              <a:t> does not perform well only because of over parameterization (even better than ACB, which has even more parameters, ResNet-50 gives same performance with </a:t>
+            </a:r>
+            <a:r>
+              <a:rPr lang="en-US" dirty="0" err="1"/>
+              <a:t>RepVGG</a:t>
+            </a:r>
+            <a:r>
+              <a:rPr lang="en-US" dirty="0"/>
+              <a:t>-blocks) =&gt; methodology critical to train plain networks</a:t>
+            </a:r>
+          </a:p>
+          <a:p>
+            <a:pPr marL="185749" indent="-185749">
               <a:buFont typeface="Arial" panose="020B0604020202020204" pitchFamily="34" charset="0"/>
               <a:buChar char="•"/>
             </a:pPr>
+            <a:r>
+              <a:rPr lang="en-US" dirty="0"/>
+              <a:t>Residual Reorg: same amount of 3x3 conv + additional shortcuts: </a:t>
+            </a:r>
+            <a:r>
+              <a:rPr lang="en-US" dirty="0" err="1"/>
+              <a:t>RegVGG</a:t>
+            </a:r>
+            <a:r>
+              <a:rPr lang="en-US" dirty="0"/>
+              <a:t> still outperforms because of more branches (bigger ensemble)</a:t>
+            </a:r>
+            <a:endParaRPr lang="de-DE" dirty="0"/>
+          </a:p>
+          <a:p>
+            <a:pPr marL="185749" indent="-185749">
+              <a:buFont typeface="Arial" panose="020B0604020202020204" pitchFamily="34" charset="0"/>
+              <a:buChar char="•"/>
+            </a:pPr>
+            <a:endParaRPr lang="de-DE" dirty="0"/>
+          </a:p>
+          <a:p>
+            <a:pPr marL="185749" indent="-185749">
+              <a:buFont typeface="Arial" panose="020B0604020202020204" pitchFamily="34" charset="0"/>
+              <a:buChar char="•"/>
+            </a:pPr>
+            <a:r>
+              <a:rPr lang="de-DE" dirty="0" err="1"/>
+              <a:t>Similar</a:t>
+            </a:r>
+            <a:r>
+              <a:rPr lang="de-DE" dirty="0"/>
+              <a:t> </a:t>
+            </a:r>
+            <a:r>
+              <a:rPr lang="de-DE" dirty="0" err="1"/>
+              <a:t>results</a:t>
+            </a:r>
+            <a:r>
+              <a:rPr lang="de-DE" dirty="0"/>
+              <a:t> in </a:t>
+            </a:r>
+            <a:r>
+              <a:rPr lang="de-DE" dirty="0" err="1"/>
+              <a:t>semantic</a:t>
+            </a:r>
+            <a:r>
+              <a:rPr lang="de-DE" dirty="0"/>
+              <a:t> </a:t>
+            </a:r>
+            <a:r>
+              <a:rPr lang="de-DE" dirty="0" err="1"/>
+              <a:t>segmentation</a:t>
+            </a:r>
+            <a:r>
+              <a:rPr lang="de-DE" dirty="0"/>
+              <a:t> on </a:t>
+            </a:r>
+            <a:r>
+              <a:rPr lang="de-DE" dirty="0" err="1"/>
+              <a:t>Cityscapes</a:t>
+            </a:r>
+            <a:r>
+              <a:rPr lang="de-DE" dirty="0"/>
+              <a:t>: minor </a:t>
+            </a:r>
+            <a:r>
+              <a:rPr lang="de-DE" dirty="0" err="1"/>
+              <a:t>accuracy</a:t>
+            </a:r>
+            <a:r>
+              <a:rPr lang="de-DE" dirty="0"/>
+              <a:t> </a:t>
+            </a:r>
+            <a:r>
+              <a:rPr lang="de-DE" dirty="0" err="1"/>
+              <a:t>increases</a:t>
+            </a:r>
+            <a:r>
+              <a:rPr lang="de-DE" dirty="0"/>
+              <a:t>, but </a:t>
+            </a:r>
+            <a:r>
+              <a:rPr lang="de-DE" dirty="0" err="1"/>
+              <a:t>much</a:t>
+            </a:r>
+            <a:r>
+              <a:rPr lang="de-DE" dirty="0"/>
+              <a:t> </a:t>
+            </a:r>
+            <a:r>
+              <a:rPr lang="de-DE" dirty="0" err="1"/>
+              <a:t>faster</a:t>
+            </a:r>
+            <a:r>
+              <a:rPr lang="de-DE" dirty="0"/>
+              <a:t> (Exchange ResNet-50/101 </a:t>
+            </a:r>
+            <a:r>
+              <a:rPr lang="de-DE" dirty="0" err="1"/>
+              <a:t>backbone</a:t>
+            </a:r>
+            <a:r>
+              <a:rPr lang="de-DE" dirty="0"/>
+              <a:t> </a:t>
+            </a:r>
+            <a:r>
+              <a:rPr lang="de-DE" dirty="0" err="1"/>
+              <a:t>with</a:t>
+            </a:r>
+            <a:r>
+              <a:rPr lang="de-DE" dirty="0"/>
+              <a:t> RepVGG-B1g2/B2)</a:t>
+            </a:r>
             <a:endParaRPr lang="en-US" dirty="0"/>
           </a:p>
         </p:txBody>
@@ -5396,7 +5823,7 @@
     </p:spTree>
     <p:extLst>
       <p:ext uri="{BB962C8B-B14F-4D97-AF65-F5344CB8AC3E}">
-        <p14:creationId xmlns:p14="http://schemas.microsoft.com/office/powerpoint/2010/main" val="3634049204"/>
+        <p14:creationId xmlns:p14="http://schemas.microsoft.com/office/powerpoint/2010/main" val="3809559824"/>
       </p:ext>
     </p:extLst>
   </p:cSld>
@@ -5454,6 +5881,102 @@
               <a:buFont typeface="Arial" panose="020B0604020202020204" pitchFamily="34" charset="0"/>
               <a:buChar char="•"/>
             </a:pPr>
+            <a:r>
+              <a:rPr lang="en-US" dirty="0"/>
+              <a:t>Model Re-parameterization:</a:t>
+            </a:r>
+          </a:p>
+          <a:p>
+            <a:pPr marL="681079" lvl="1" indent="-185749">
+              <a:buFont typeface="Arial" panose="020B0604020202020204" pitchFamily="34" charset="0"/>
+              <a:buChar char="•"/>
+            </a:pPr>
+            <a:r>
+              <a:rPr lang="en-US" dirty="0" err="1"/>
+              <a:t>ACNet</a:t>
+            </a:r>
+            <a:r>
+              <a:rPr lang="en-US" dirty="0"/>
+              <a:t>:</a:t>
+            </a:r>
+          </a:p>
+          <a:p>
+            <a:pPr marL="1176410" lvl="2" indent="-185749">
+              <a:buFont typeface="Arial" panose="020B0604020202020204" pitchFamily="34" charset="0"/>
+              <a:buChar char="•"/>
+            </a:pPr>
+            <a:r>
+              <a:rPr lang="en-US" dirty="0"/>
+              <a:t>During training time a normal squared 3x3 convolutional kernel is replaced by multi-branch 3x3, 3x1 and 1x3 kernels that are added back together after batch normalization</a:t>
+            </a:r>
+          </a:p>
+          <a:p>
+            <a:pPr marL="1176410" lvl="2" indent="-185749">
+              <a:buFont typeface="Arial" panose="020B0604020202020204" pitchFamily="34" charset="0"/>
+              <a:buChar char="•"/>
+            </a:pPr>
+            <a:r>
+              <a:rPr lang="en-US" dirty="0"/>
+              <a:t>ACBs are architecture-neutral meaning they can replace normal 3x3 conv layers without having additional hyperparameters to tune, without further assumptions to take about the model and without additional computational complexity induced</a:t>
+            </a:r>
+          </a:p>
+          <a:p>
+            <a:pPr marL="1176410" lvl="2" indent="-185749">
+              <a:buFont typeface="Arial" panose="020B0604020202020204" pitchFamily="34" charset="0"/>
+              <a:buChar char="•"/>
+            </a:pPr>
+            <a:r>
+              <a:rPr lang="en-US" dirty="0"/>
+              <a:t>Strengthens the skeletons of squared convolutional kernels, but in practice only leads to few but consistent performance improvements</a:t>
+            </a:r>
+          </a:p>
+          <a:p>
+            <a:pPr marL="681079" lvl="1" indent="-185749">
+              <a:buFont typeface="Arial" panose="020B0604020202020204" pitchFamily="34" charset="0"/>
+              <a:buChar char="•"/>
+            </a:pPr>
+            <a:r>
+              <a:rPr lang="en-US" dirty="0"/>
+              <a:t>DO-Conv (</a:t>
+            </a:r>
+            <a:r>
+              <a:rPr lang="en-US" dirty="0" err="1"/>
+              <a:t>depthwise</a:t>
+            </a:r>
+            <a:r>
+              <a:rPr lang="en-US" dirty="0"/>
+              <a:t> over-parameterized) layers</a:t>
+            </a:r>
+          </a:p>
+          <a:p>
+            <a:pPr marL="681079" lvl="1" indent="-185749">
+              <a:buFont typeface="Arial" panose="020B0604020202020204" pitchFamily="34" charset="0"/>
+              <a:buChar char="•"/>
+            </a:pPr>
+            <a:r>
+              <a:rPr lang="en-US" dirty="0" err="1"/>
+              <a:t>ExpandNet</a:t>
+            </a:r>
+            <a:r>
+              <a:rPr lang="en-US" dirty="0"/>
+              <a:t>: additional consecutive linear layers without further non-linearity in between</a:t>
+            </a:r>
+          </a:p>
+          <a:p>
+            <a:pPr marL="681079" lvl="1" indent="-185749">
+              <a:buFont typeface="Arial" panose="020B0604020202020204" pitchFamily="34" charset="0"/>
+              <a:buChar char="•"/>
+            </a:pPr>
+            <a:r>
+              <a:rPr lang="en-US" dirty="0"/>
+              <a:t>All architectures can also be folded back into the same structure as the original for the inference time (can be used as drop-in replacement, component level improvement)</a:t>
+            </a:r>
+          </a:p>
+          <a:p>
+            <a:pPr marL="681079" lvl="1" indent="-185749">
+              <a:buFont typeface="Arial" panose="020B0604020202020204" pitchFamily="34" charset="0"/>
+              <a:buChar char="•"/>
+            </a:pPr>
             <a:endParaRPr lang="en-US" dirty="0"/>
           </a:p>
         </p:txBody>
@@ -5484,7 +6007,7 @@
     </p:spTree>
     <p:extLst>
       <p:ext uri="{BB962C8B-B14F-4D97-AF65-F5344CB8AC3E}">
-        <p14:creationId xmlns:p14="http://schemas.microsoft.com/office/powerpoint/2010/main" val="3785136268"/>
+        <p14:creationId xmlns:p14="http://schemas.microsoft.com/office/powerpoint/2010/main" val="3634049204"/>
       </p:ext>
     </p:extLst>
   </p:cSld>
@@ -5538,10 +6061,416 @@
           <a:bodyPr/>
           <a:lstStyle/>
           <a:p>
+            <a:r>
+              <a:rPr lang="de-DE" dirty="0" err="1"/>
+              <a:t>Strutural</a:t>
+            </a:r>
+            <a:r>
+              <a:rPr lang="de-DE" dirty="0"/>
+              <a:t> Re-</a:t>
+            </a:r>
+            <a:r>
+              <a:rPr lang="de-DE" dirty="0" err="1"/>
+              <a:t>parameterization</a:t>
+            </a:r>
+            <a:r>
+              <a:rPr lang="de-DE" dirty="0"/>
+              <a:t> </a:t>
+            </a:r>
+            <a:r>
+              <a:rPr lang="de-DE" dirty="0" err="1"/>
+              <a:t>is</a:t>
+            </a:r>
+            <a:r>
+              <a:rPr lang="de-DE" dirty="0"/>
+              <a:t> </a:t>
+            </a:r>
+            <a:r>
+              <a:rPr lang="de-DE" dirty="0" err="1"/>
+              <a:t>key</a:t>
+            </a:r>
+            <a:r>
+              <a:rPr lang="de-DE" dirty="0"/>
+              <a:t>!:</a:t>
+            </a:r>
+          </a:p>
+          <a:p>
             <a:pPr marL="185749" indent="-185749">
               <a:buFont typeface="Arial" panose="020B0604020202020204" pitchFamily="34" charset="0"/>
               <a:buChar char="•"/>
             </a:pPr>
+            <a:r>
+              <a:rPr lang="de-DE" dirty="0" err="1"/>
+              <a:t>Full</a:t>
+            </a:r>
+            <a:r>
+              <a:rPr lang="de-DE" dirty="0"/>
+              <a:t> </a:t>
+            </a:r>
+            <a:r>
+              <a:rPr lang="de-DE" dirty="0" err="1"/>
+              <a:t>featured</a:t>
+            </a:r>
+            <a:r>
+              <a:rPr lang="de-DE" dirty="0"/>
+              <a:t> RepVGG-B0 </a:t>
+            </a:r>
+            <a:r>
+              <a:rPr lang="de-DE" dirty="0" err="1"/>
+              <a:t>is</a:t>
+            </a:r>
+            <a:r>
+              <a:rPr lang="de-DE" dirty="0"/>
+              <a:t> 75.14%, 2.75% </a:t>
+            </a:r>
+            <a:r>
+              <a:rPr lang="de-DE" dirty="0" err="1"/>
+              <a:t>higher</a:t>
+            </a:r>
+            <a:r>
+              <a:rPr lang="de-DE" dirty="0"/>
+              <a:t> </a:t>
+            </a:r>
+            <a:r>
+              <a:rPr lang="de-DE" dirty="0" err="1"/>
+              <a:t>than</a:t>
+            </a:r>
+            <a:r>
+              <a:rPr lang="de-DE" dirty="0"/>
+              <a:t> </a:t>
+            </a:r>
+            <a:r>
+              <a:rPr lang="de-DE" dirty="0" err="1"/>
+              <a:t>ordinary</a:t>
+            </a:r>
+            <a:r>
+              <a:rPr lang="de-DE" dirty="0"/>
+              <a:t> </a:t>
+            </a:r>
+            <a:r>
+              <a:rPr lang="de-DE" dirty="0" err="1"/>
+              <a:t>plain</a:t>
+            </a:r>
+            <a:r>
+              <a:rPr lang="de-DE" dirty="0"/>
+              <a:t> </a:t>
+            </a:r>
+            <a:r>
+              <a:rPr lang="de-DE" dirty="0" err="1"/>
+              <a:t>model</a:t>
+            </a:r>
+            <a:r>
+              <a:rPr lang="de-DE" dirty="0"/>
+              <a:t> (</a:t>
+            </a:r>
+            <a:r>
+              <a:rPr lang="de-DE" dirty="0" err="1"/>
+              <a:t>without</a:t>
+            </a:r>
+            <a:r>
+              <a:rPr lang="de-DE" dirty="0"/>
+              <a:t> 1x1 </a:t>
+            </a:r>
+            <a:r>
+              <a:rPr lang="de-DE" dirty="0" err="1"/>
+              <a:t>conv</a:t>
+            </a:r>
+            <a:r>
+              <a:rPr lang="de-DE" dirty="0"/>
+              <a:t> and </a:t>
+            </a:r>
+            <a:r>
+              <a:rPr lang="de-DE" dirty="0" err="1"/>
+              <a:t>identity</a:t>
+            </a:r>
+            <a:r>
+              <a:rPr lang="de-DE" dirty="0"/>
+              <a:t>)</a:t>
+            </a:r>
+          </a:p>
+          <a:p>
+            <a:pPr marL="185749" indent="-185749">
+              <a:buFont typeface="Arial" panose="020B0604020202020204" pitchFamily="34" charset="0"/>
+              <a:buChar char="•"/>
+            </a:pPr>
+            <a:endParaRPr lang="de-DE" dirty="0"/>
+          </a:p>
+          <a:p>
+            <a:pPr marL="185749" indent="-185749">
+              <a:buFont typeface="Arial" panose="020B0604020202020204" pitchFamily="34" charset="0"/>
+              <a:buChar char="•"/>
+            </a:pPr>
+            <a:r>
+              <a:rPr lang="de-DE" dirty="0" err="1"/>
+              <a:t>ReLU</a:t>
+            </a:r>
+            <a:r>
+              <a:rPr lang="de-DE" dirty="0"/>
+              <a:t> after BN and </a:t>
+            </a:r>
+            <a:r>
+              <a:rPr lang="de-DE" dirty="0" err="1"/>
+              <a:t>before</a:t>
+            </a:r>
+            <a:r>
+              <a:rPr lang="de-DE" dirty="0"/>
+              <a:t> </a:t>
+            </a:r>
+            <a:r>
+              <a:rPr lang="de-DE" dirty="0" err="1"/>
+              <a:t>addition</a:t>
+            </a:r>
+            <a:r>
+              <a:rPr lang="de-DE" dirty="0"/>
+              <a:t>: Such a block </a:t>
+            </a:r>
+            <a:r>
+              <a:rPr lang="de-DE" dirty="0" err="1"/>
+              <a:t>cannot</a:t>
+            </a:r>
+            <a:r>
+              <a:rPr lang="de-DE" dirty="0"/>
+              <a:t> </a:t>
+            </a:r>
+            <a:r>
+              <a:rPr lang="de-DE" dirty="0" err="1"/>
+              <a:t>be</a:t>
+            </a:r>
+            <a:r>
+              <a:rPr lang="de-DE" dirty="0"/>
+              <a:t> </a:t>
+            </a:r>
+            <a:r>
+              <a:rPr lang="de-DE" dirty="0" err="1"/>
+              <a:t>converted</a:t>
+            </a:r>
+            <a:r>
+              <a:rPr lang="de-DE" dirty="0"/>
+              <a:t> </a:t>
+            </a:r>
+            <a:r>
+              <a:rPr lang="de-DE" dirty="0" err="1"/>
+              <a:t>into</a:t>
+            </a:r>
+            <a:r>
+              <a:rPr lang="de-DE" dirty="0"/>
+              <a:t> a </a:t>
+            </a:r>
+            <a:r>
+              <a:rPr lang="de-DE" dirty="0" err="1"/>
+              <a:t>single</a:t>
+            </a:r>
+            <a:r>
+              <a:rPr lang="de-DE" dirty="0"/>
+              <a:t> block </a:t>
+            </a:r>
+            <a:r>
+              <a:rPr lang="de-DE" dirty="0" err="1"/>
+              <a:t>anymore</a:t>
+            </a:r>
+            <a:r>
+              <a:rPr lang="de-DE" dirty="0"/>
+              <a:t>!</a:t>
+            </a:r>
+          </a:p>
+          <a:p>
+            <a:pPr marL="185749" indent="-185749">
+              <a:buFont typeface="Arial" panose="020B0604020202020204" pitchFamily="34" charset="0"/>
+              <a:buChar char="•"/>
+            </a:pPr>
+            <a:r>
+              <a:rPr lang="en-US" dirty="0"/>
+              <a:t>Trivial Re-param: Trivial </a:t>
+            </a:r>
+            <a:r>
+              <a:rPr lang="en-US" dirty="0" err="1"/>
+              <a:t>DiracNet</a:t>
+            </a:r>
+            <a:r>
+              <a:rPr lang="en-US" dirty="0"/>
+              <a:t>: W’ = I + W</a:t>
+            </a:r>
+          </a:p>
+          <a:p>
+            <a:pPr marL="185749" indent="-185749">
+              <a:buFont typeface="Arial" panose="020B0604020202020204" pitchFamily="34" charset="0"/>
+              <a:buChar char="•"/>
+            </a:pPr>
+            <a:r>
+              <a:rPr lang="en-US" dirty="0"/>
+              <a:t>ACB: Do improvements come from component-level over-parameterization? 3x3,3x1,1x3 kernels added back together</a:t>
+            </a:r>
+          </a:p>
+          <a:p>
+            <a:pPr marL="185749" indent="-185749">
+              <a:buFont typeface="Arial" panose="020B0604020202020204" pitchFamily="34" charset="0"/>
+              <a:buChar char="•"/>
+            </a:pPr>
+            <a:endParaRPr lang="en-US" dirty="0"/>
+          </a:p>
+          <a:p>
+            <a:pPr marL="185749" indent="-185749">
+              <a:buFont typeface="Arial" panose="020B0604020202020204" pitchFamily="34" charset="0"/>
+              <a:buChar char="•"/>
+            </a:pPr>
+            <a:r>
+              <a:rPr lang="en-US" dirty="0" err="1"/>
+              <a:t>RepVGG</a:t>
+            </a:r>
+            <a:r>
+              <a:rPr lang="en-US" dirty="0"/>
+              <a:t>: concrete structure with nonlinear behavior, </a:t>
+            </a:r>
+            <a:r>
+              <a:rPr lang="en-US" dirty="0" err="1"/>
+              <a:t>DiracNet</a:t>
+            </a:r>
+            <a:r>
+              <a:rPr lang="en-US" dirty="0"/>
+              <a:t> uses another mathematical expression of conv kernels (“using the params of a structure to parameterize another structure” vs. “computing the params first with another set of params, then using them for other computations”)</a:t>
+            </a:r>
+          </a:p>
+          <a:p>
+            <a:pPr marL="185749" indent="-185749">
+              <a:buFont typeface="Arial" panose="020B0604020202020204" pitchFamily="34" charset="0"/>
+              <a:buChar char="•"/>
+            </a:pPr>
+            <a:r>
+              <a:rPr lang="en-US" dirty="0" err="1"/>
+              <a:t>RepVGG</a:t>
+            </a:r>
+            <a:r>
+              <a:rPr lang="en-US" dirty="0"/>
+              <a:t> does not perform well only because of over parameterization (even better than ACB, which has even more parameters, ResNet-50 gives same performance with </a:t>
+            </a:r>
+            <a:r>
+              <a:rPr lang="en-US" dirty="0" err="1"/>
+              <a:t>RepVGG</a:t>
+            </a:r>
+            <a:r>
+              <a:rPr lang="en-US" dirty="0"/>
+              <a:t>-blocks) =&gt; methodology critical to train plain networks</a:t>
+            </a:r>
+          </a:p>
+          <a:p>
+            <a:pPr marL="185749" indent="-185749">
+              <a:buFont typeface="Arial" panose="020B0604020202020204" pitchFamily="34" charset="0"/>
+              <a:buChar char="•"/>
+            </a:pPr>
+            <a:r>
+              <a:rPr lang="en-US" dirty="0"/>
+              <a:t>Residual Reorg: same amount of 3x3 conv + additional shortcuts: </a:t>
+            </a:r>
+            <a:r>
+              <a:rPr lang="en-US" dirty="0" err="1"/>
+              <a:t>RegVGG</a:t>
+            </a:r>
+            <a:r>
+              <a:rPr lang="en-US" dirty="0"/>
+              <a:t> still outperforms because of more branches (bigger ensemble)</a:t>
+            </a:r>
+            <a:endParaRPr lang="de-DE" dirty="0"/>
+          </a:p>
+          <a:p>
+            <a:pPr marL="185749" indent="-185749">
+              <a:buFont typeface="Arial" panose="020B0604020202020204" pitchFamily="34" charset="0"/>
+              <a:buChar char="•"/>
+            </a:pPr>
+            <a:endParaRPr lang="de-DE" dirty="0"/>
+          </a:p>
+          <a:p>
+            <a:pPr marL="185749" indent="-185749">
+              <a:buFont typeface="Arial" panose="020B0604020202020204" pitchFamily="34" charset="0"/>
+              <a:buChar char="•"/>
+            </a:pPr>
+            <a:r>
+              <a:rPr lang="de-DE" dirty="0" err="1"/>
+              <a:t>Similar</a:t>
+            </a:r>
+            <a:r>
+              <a:rPr lang="de-DE" dirty="0"/>
+              <a:t> </a:t>
+            </a:r>
+            <a:r>
+              <a:rPr lang="de-DE" dirty="0" err="1"/>
+              <a:t>results</a:t>
+            </a:r>
+            <a:r>
+              <a:rPr lang="de-DE" dirty="0"/>
+              <a:t> in </a:t>
+            </a:r>
+            <a:r>
+              <a:rPr lang="de-DE" dirty="0" err="1"/>
+              <a:t>semantic</a:t>
+            </a:r>
+            <a:r>
+              <a:rPr lang="de-DE" dirty="0"/>
+              <a:t> </a:t>
+            </a:r>
+            <a:r>
+              <a:rPr lang="de-DE" dirty="0" err="1"/>
+              <a:t>segmentation</a:t>
+            </a:r>
+            <a:r>
+              <a:rPr lang="de-DE" dirty="0"/>
+              <a:t> on </a:t>
+            </a:r>
+            <a:r>
+              <a:rPr lang="de-DE" dirty="0" err="1"/>
+              <a:t>Cityscapes</a:t>
+            </a:r>
+            <a:r>
+              <a:rPr lang="de-DE" dirty="0"/>
+              <a:t>: minor </a:t>
+            </a:r>
+            <a:r>
+              <a:rPr lang="de-DE" dirty="0" err="1"/>
+              <a:t>accuracy</a:t>
+            </a:r>
+            <a:r>
+              <a:rPr lang="de-DE" dirty="0"/>
+              <a:t> </a:t>
+            </a:r>
+            <a:r>
+              <a:rPr lang="de-DE" dirty="0" err="1"/>
+              <a:t>increases</a:t>
+            </a:r>
+            <a:r>
+              <a:rPr lang="de-DE" dirty="0"/>
+              <a:t>, but </a:t>
+            </a:r>
+            <a:r>
+              <a:rPr lang="de-DE" dirty="0" err="1"/>
+              <a:t>much</a:t>
+            </a:r>
+            <a:r>
+              <a:rPr lang="de-DE" dirty="0"/>
+              <a:t> </a:t>
+            </a:r>
+            <a:r>
+              <a:rPr lang="de-DE" dirty="0" err="1"/>
+              <a:t>faster</a:t>
+            </a:r>
+            <a:r>
+              <a:rPr lang="de-DE" dirty="0"/>
+              <a:t> (Exchange ResNet-50/101 </a:t>
+            </a:r>
+            <a:r>
+              <a:rPr lang="de-DE" dirty="0" err="1"/>
+              <a:t>backbone</a:t>
+            </a:r>
+            <a:r>
+              <a:rPr lang="de-DE" dirty="0"/>
+              <a:t> </a:t>
+            </a:r>
+            <a:r>
+              <a:rPr lang="de-DE" dirty="0" err="1"/>
+              <a:t>with</a:t>
+            </a:r>
+            <a:r>
+              <a:rPr lang="de-DE" dirty="0"/>
+              <a:t> RepVGG-B1g2/B2)</a:t>
+            </a:r>
             <a:endParaRPr lang="en-US" dirty="0"/>
           </a:p>
         </p:txBody>
@@ -5572,7 +6501,7 @@
     </p:spTree>
     <p:extLst>
       <p:ext uri="{BB962C8B-B14F-4D97-AF65-F5344CB8AC3E}">
-        <p14:creationId xmlns:p14="http://schemas.microsoft.com/office/powerpoint/2010/main" val="1132588707"/>
+        <p14:creationId xmlns:p14="http://schemas.microsoft.com/office/powerpoint/2010/main" val="4029022629"/>
       </p:ext>
     </p:extLst>
   </p:cSld>
@@ -5630,594 +6559,6 @@
               <a:buFont typeface="Arial" panose="020B0604020202020204" pitchFamily="34" charset="0"/>
               <a:buChar char="•"/>
             </a:pPr>
-            <a:r>
-              <a:rPr lang="de-DE" dirty="0" err="1"/>
-              <a:t>Own</a:t>
-            </a:r>
-            <a:r>
-              <a:rPr lang="de-DE" dirty="0"/>
-              <a:t> </a:t>
-            </a:r>
-            <a:r>
-              <a:rPr lang="de-DE" dirty="0" err="1"/>
-              <a:t>thoughts</a:t>
-            </a:r>
-            <a:r>
-              <a:rPr lang="de-DE" dirty="0"/>
-              <a:t>: </a:t>
-            </a:r>
-          </a:p>
-          <a:p>
-            <a:pPr marL="681079" lvl="1" indent="-185749">
-              <a:buFont typeface="Arial" panose="020B0604020202020204" pitchFamily="34" charset="0"/>
-              <a:buChar char="•"/>
-            </a:pPr>
-            <a:r>
-              <a:rPr lang="de-DE" dirty="0"/>
-              <a:t>In </a:t>
-            </a:r>
-            <a:r>
-              <a:rPr lang="de-DE" dirty="0" err="1"/>
-              <a:t>terms</a:t>
-            </a:r>
-            <a:r>
-              <a:rPr lang="de-DE" dirty="0"/>
-              <a:t> </a:t>
-            </a:r>
-            <a:r>
-              <a:rPr lang="de-DE" dirty="0" err="1"/>
-              <a:t>of</a:t>
-            </a:r>
-            <a:r>
-              <a:rPr lang="de-DE" dirty="0"/>
-              <a:t> </a:t>
-            </a:r>
-            <a:r>
-              <a:rPr lang="de-DE" dirty="0" err="1"/>
-              <a:t>introducing</a:t>
-            </a:r>
-            <a:r>
-              <a:rPr lang="de-DE" dirty="0"/>
-              <a:t> a simple </a:t>
-            </a:r>
-            <a:r>
-              <a:rPr lang="de-DE" dirty="0" err="1"/>
-              <a:t>to</a:t>
-            </a:r>
-            <a:r>
-              <a:rPr lang="de-DE" dirty="0"/>
-              <a:t> </a:t>
-            </a:r>
-            <a:r>
-              <a:rPr lang="de-DE" dirty="0" err="1"/>
-              <a:t>implement</a:t>
-            </a:r>
-            <a:r>
-              <a:rPr lang="de-DE" dirty="0"/>
-              <a:t> </a:t>
-            </a:r>
-            <a:r>
-              <a:rPr lang="de-DE" dirty="0" err="1"/>
-              <a:t>model</a:t>
-            </a:r>
-            <a:r>
-              <a:rPr lang="de-DE" dirty="0"/>
-              <a:t> </a:t>
-            </a:r>
-            <a:r>
-              <a:rPr lang="de-DE" dirty="0" err="1"/>
-              <a:t>with</a:t>
-            </a:r>
-            <a:r>
-              <a:rPr lang="de-DE" dirty="0"/>
-              <a:t> a </a:t>
-            </a:r>
-            <a:r>
-              <a:rPr lang="de-DE" dirty="0" err="1"/>
-              <a:t>good</a:t>
-            </a:r>
-            <a:r>
-              <a:rPr lang="de-DE" dirty="0"/>
-              <a:t> </a:t>
-            </a:r>
-            <a:r>
-              <a:rPr lang="de-DE" dirty="0" err="1"/>
-              <a:t>accuracy</a:t>
-            </a:r>
-            <a:r>
-              <a:rPr lang="de-DE" dirty="0"/>
-              <a:t>-speed </a:t>
-            </a:r>
-            <a:r>
-              <a:rPr lang="de-DE" dirty="0" err="1"/>
-              <a:t>tradeoff</a:t>
-            </a:r>
-            <a:r>
-              <a:rPr lang="de-DE" dirty="0"/>
-              <a:t> </a:t>
-            </a:r>
-            <a:r>
-              <a:rPr lang="de-DE" dirty="0" err="1"/>
-              <a:t>very</a:t>
-            </a:r>
-            <a:r>
-              <a:rPr lang="de-DE" dirty="0"/>
-              <a:t> </a:t>
-            </a:r>
-            <a:r>
-              <a:rPr lang="de-DE" dirty="0" err="1"/>
-              <a:t>well</a:t>
-            </a:r>
-            <a:r>
-              <a:rPr lang="de-DE" dirty="0"/>
-              <a:t> </a:t>
-            </a:r>
-            <a:r>
-              <a:rPr lang="de-DE" dirty="0" err="1"/>
-              <a:t>done</a:t>
-            </a:r>
-            <a:endParaRPr lang="de-DE" dirty="0"/>
-          </a:p>
-          <a:p>
-            <a:pPr marL="681079" lvl="1" indent="-185749">
-              <a:buFont typeface="Arial" panose="020B0604020202020204" pitchFamily="34" charset="0"/>
-              <a:buChar char="•"/>
-            </a:pPr>
-            <a:r>
-              <a:rPr lang="de-DE" dirty="0" err="1"/>
-              <a:t>Gives</a:t>
-            </a:r>
-            <a:r>
-              <a:rPr lang="de-DE" dirty="0"/>
-              <a:t> </a:t>
-            </a:r>
-            <a:r>
-              <a:rPr lang="de-DE" dirty="0" err="1"/>
-              <a:t>another</a:t>
-            </a:r>
-            <a:r>
-              <a:rPr lang="de-DE" dirty="0"/>
-              <a:t> </a:t>
-            </a:r>
-            <a:r>
-              <a:rPr lang="de-DE" dirty="0" err="1"/>
-              <a:t>point</a:t>
-            </a:r>
-            <a:r>
-              <a:rPr lang="de-DE" dirty="0"/>
-              <a:t> </a:t>
-            </a:r>
-            <a:r>
-              <a:rPr lang="de-DE" dirty="0" err="1"/>
-              <a:t>of</a:t>
-            </a:r>
-            <a:r>
-              <a:rPr lang="de-DE" dirty="0"/>
-              <a:t> </a:t>
-            </a:r>
-            <a:r>
-              <a:rPr lang="de-DE" dirty="0" err="1"/>
-              <a:t>view</a:t>
-            </a:r>
-            <a:r>
-              <a:rPr lang="de-DE" dirty="0"/>
-              <a:t> </a:t>
-            </a:r>
-            <a:r>
-              <a:rPr lang="de-DE" dirty="0" err="1"/>
-              <a:t>into</a:t>
-            </a:r>
-            <a:r>
-              <a:rPr lang="de-DE" dirty="0"/>
-              <a:t> </a:t>
-            </a:r>
-            <a:r>
-              <a:rPr lang="de-DE" dirty="0" err="1"/>
-              <a:t>image</a:t>
-            </a:r>
-            <a:r>
-              <a:rPr lang="de-DE" dirty="0"/>
-              <a:t> </a:t>
-            </a:r>
-            <a:r>
-              <a:rPr lang="de-DE" dirty="0" err="1"/>
-              <a:t>classification</a:t>
-            </a:r>
-            <a:r>
-              <a:rPr lang="de-DE" dirty="0"/>
-              <a:t> </a:t>
-            </a:r>
-            <a:r>
-              <a:rPr lang="de-DE" dirty="0" err="1"/>
-              <a:t>networks</a:t>
-            </a:r>
-            <a:r>
-              <a:rPr lang="de-DE" dirty="0"/>
-              <a:t> (</a:t>
-            </a:r>
-            <a:r>
-              <a:rPr lang="de-DE" dirty="0" err="1"/>
-              <a:t>hardware</a:t>
-            </a:r>
-            <a:r>
-              <a:rPr lang="de-DE" dirty="0"/>
-              <a:t> </a:t>
-            </a:r>
-            <a:r>
-              <a:rPr lang="de-DE" dirty="0" err="1"/>
-              <a:t>support</a:t>
-            </a:r>
-            <a:r>
-              <a:rPr lang="de-DE" dirty="0"/>
-              <a:t>, </a:t>
-            </a:r>
-            <a:r>
-              <a:rPr lang="de-DE" dirty="0" err="1"/>
-              <a:t>re-parameterization</a:t>
-            </a:r>
-            <a:r>
-              <a:rPr lang="de-DE" dirty="0"/>
-              <a:t> </a:t>
-            </a:r>
-            <a:r>
-              <a:rPr lang="de-DE" dirty="0" err="1"/>
-              <a:t>techniques</a:t>
-            </a:r>
-            <a:r>
-              <a:rPr lang="de-DE" dirty="0"/>
-              <a:t>, </a:t>
-            </a:r>
-            <a:r>
-              <a:rPr lang="de-DE" dirty="0" err="1"/>
-              <a:t>training</a:t>
-            </a:r>
-            <a:r>
-              <a:rPr lang="de-DE" dirty="0"/>
-              <a:t>-time/</a:t>
-            </a:r>
-            <a:r>
-              <a:rPr lang="de-DE" dirty="0" err="1"/>
-              <a:t>inference</a:t>
-            </a:r>
-            <a:r>
-              <a:rPr lang="de-DE" dirty="0"/>
-              <a:t>-time </a:t>
-            </a:r>
-            <a:r>
-              <a:rPr lang="de-DE" dirty="0" err="1"/>
-              <a:t>separation</a:t>
-            </a:r>
-            <a:r>
-              <a:rPr lang="de-DE" dirty="0"/>
-              <a:t>)</a:t>
-            </a:r>
-          </a:p>
-          <a:p>
-            <a:pPr marL="681079" lvl="1" indent="-185749">
-              <a:buFont typeface="Arial" panose="020B0604020202020204" pitchFamily="34" charset="0"/>
-              <a:buChar char="•"/>
-            </a:pPr>
-            <a:r>
-              <a:rPr lang="de-DE" dirty="0"/>
-              <a:t>As </a:t>
-            </a:r>
-            <a:r>
-              <a:rPr lang="de-DE" dirty="0" err="1"/>
-              <a:t>it</a:t>
-            </a:r>
-            <a:r>
-              <a:rPr lang="de-DE" dirty="0"/>
-              <a:t> </a:t>
-            </a:r>
-            <a:r>
-              <a:rPr lang="de-DE" dirty="0" err="1"/>
-              <a:t>is</a:t>
-            </a:r>
-            <a:r>
-              <a:rPr lang="de-DE" dirty="0"/>
-              <a:t> </a:t>
-            </a:r>
-            <a:r>
-              <a:rPr lang="de-DE" dirty="0" err="1"/>
-              <a:t>clearly</a:t>
-            </a:r>
-            <a:r>
-              <a:rPr lang="de-DE" dirty="0"/>
-              <a:t> </a:t>
-            </a:r>
-            <a:r>
-              <a:rPr lang="de-DE" dirty="0" err="1"/>
-              <a:t>positioned</a:t>
-            </a:r>
-            <a:r>
-              <a:rPr lang="de-DE" dirty="0"/>
-              <a:t> and </a:t>
-            </a:r>
-            <a:r>
-              <a:rPr lang="de-DE" dirty="0" err="1"/>
-              <a:t>did</a:t>
-            </a:r>
-            <a:r>
-              <a:rPr lang="de-DE" dirty="0"/>
-              <a:t> not </a:t>
-            </a:r>
-            <a:r>
-              <a:rPr lang="de-DE" dirty="0" err="1"/>
-              <a:t>have</a:t>
-            </a:r>
-            <a:r>
-              <a:rPr lang="de-DE" dirty="0"/>
-              <a:t> </a:t>
-            </a:r>
-            <a:r>
-              <a:rPr lang="de-DE" dirty="0" err="1"/>
-              <a:t>the</a:t>
-            </a:r>
-            <a:r>
-              <a:rPr lang="de-DE" dirty="0"/>
-              <a:t> </a:t>
-            </a:r>
-            <a:r>
-              <a:rPr lang="de-DE" dirty="0" err="1"/>
-              <a:t>intention</a:t>
-            </a:r>
-            <a:r>
-              <a:rPr lang="de-DE" dirty="0"/>
-              <a:t> </a:t>
-            </a:r>
-            <a:r>
-              <a:rPr lang="de-DE" dirty="0" err="1"/>
-              <a:t>to</a:t>
-            </a:r>
-            <a:r>
-              <a:rPr lang="de-DE" dirty="0"/>
-              <a:t> </a:t>
-            </a:r>
-            <a:r>
-              <a:rPr lang="de-DE" dirty="0" err="1"/>
-              <a:t>provide</a:t>
-            </a:r>
-            <a:r>
-              <a:rPr lang="de-DE" dirty="0"/>
-              <a:t> </a:t>
-            </a:r>
-            <a:r>
-              <a:rPr lang="de-DE" dirty="0" err="1"/>
-              <a:t>another</a:t>
-            </a:r>
-            <a:r>
-              <a:rPr lang="de-DE" dirty="0"/>
-              <a:t> </a:t>
-            </a:r>
-            <a:r>
-              <a:rPr lang="de-DE" dirty="0" err="1"/>
-              <a:t>state</a:t>
-            </a:r>
-            <a:r>
-              <a:rPr lang="de-DE" dirty="0"/>
-              <a:t>-</a:t>
-            </a:r>
-            <a:r>
-              <a:rPr lang="de-DE" dirty="0" err="1"/>
-              <a:t>of</a:t>
-            </a:r>
-            <a:r>
-              <a:rPr lang="de-DE" dirty="0"/>
-              <a:t>-</a:t>
-            </a:r>
-            <a:r>
-              <a:rPr lang="de-DE" dirty="0" err="1"/>
-              <a:t>the</a:t>
-            </a:r>
-            <a:r>
-              <a:rPr lang="de-DE" dirty="0"/>
-              <a:t>-art, </a:t>
-            </a:r>
-            <a:r>
-              <a:rPr lang="de-DE" dirty="0" err="1"/>
-              <a:t>it</a:t>
-            </a:r>
-            <a:r>
-              <a:rPr lang="de-DE" dirty="0"/>
-              <a:t> </a:t>
-            </a:r>
-            <a:r>
-              <a:rPr lang="de-DE" dirty="0" err="1"/>
-              <a:t>is</a:t>
-            </a:r>
-            <a:r>
-              <a:rPr lang="de-DE" dirty="0"/>
-              <a:t> a </a:t>
-            </a:r>
-            <a:r>
-              <a:rPr lang="de-DE" dirty="0" err="1"/>
-              <a:t>very</a:t>
-            </a:r>
-            <a:r>
-              <a:rPr lang="de-DE" dirty="0"/>
-              <a:t> </a:t>
-            </a:r>
-            <a:r>
-              <a:rPr lang="de-DE" dirty="0" err="1"/>
-              <a:t>important</a:t>
-            </a:r>
-            <a:r>
-              <a:rPr lang="de-DE" dirty="0"/>
-              <a:t> </a:t>
-            </a:r>
-            <a:r>
-              <a:rPr lang="de-DE" dirty="0" err="1"/>
-              <a:t>contribution</a:t>
-            </a:r>
-            <a:r>
-              <a:rPr lang="de-DE" dirty="0"/>
-              <a:t> </a:t>
-            </a:r>
-            <a:r>
-              <a:rPr lang="de-DE" dirty="0" err="1"/>
-              <a:t>into</a:t>
-            </a:r>
-            <a:r>
-              <a:rPr lang="de-DE" dirty="0"/>
-              <a:t> </a:t>
-            </a:r>
-            <a:r>
-              <a:rPr lang="de-DE" dirty="0" err="1"/>
-              <a:t>this</a:t>
-            </a:r>
-            <a:r>
-              <a:rPr lang="de-DE" dirty="0"/>
-              <a:t> </a:t>
-            </a:r>
-            <a:r>
-              <a:rPr lang="de-DE" dirty="0" err="1"/>
-              <a:t>specific</a:t>
-            </a:r>
-            <a:r>
-              <a:rPr lang="de-DE" dirty="0"/>
-              <a:t> </a:t>
-            </a:r>
-            <a:r>
-              <a:rPr lang="de-DE" dirty="0" err="1"/>
-              <a:t>field</a:t>
-            </a:r>
-            <a:r>
-              <a:rPr lang="de-DE" dirty="0"/>
-              <a:t> </a:t>
-            </a:r>
-            <a:r>
-              <a:rPr lang="de-DE" dirty="0" err="1"/>
-              <a:t>of</a:t>
-            </a:r>
-            <a:r>
-              <a:rPr lang="de-DE" dirty="0"/>
-              <a:t> </a:t>
-            </a:r>
-            <a:r>
-              <a:rPr lang="de-DE" dirty="0" err="1"/>
-              <a:t>research</a:t>
-            </a:r>
-            <a:endParaRPr lang="de-DE" dirty="0"/>
-          </a:p>
-          <a:p>
-            <a:pPr marL="681079" lvl="1" indent="-185749">
-              <a:buFont typeface="Arial" panose="020B0604020202020204" pitchFamily="34" charset="0"/>
-              <a:buChar char="•"/>
-            </a:pPr>
-            <a:r>
-              <a:rPr lang="de-DE" dirty="0"/>
-              <a:t>„Great </a:t>
-            </a:r>
-            <a:r>
-              <a:rPr lang="de-DE" dirty="0" err="1"/>
-              <a:t>again</a:t>
-            </a:r>
-            <a:r>
-              <a:rPr lang="de-DE" dirty="0"/>
-              <a:t>“: In </a:t>
-            </a:r>
-            <a:r>
-              <a:rPr lang="de-DE" dirty="0" err="1"/>
-              <a:t>the</a:t>
-            </a:r>
-            <a:r>
-              <a:rPr lang="de-DE" dirty="0"/>
-              <a:t> end </a:t>
-            </a:r>
-            <a:r>
-              <a:rPr lang="de-DE" dirty="0" err="1"/>
-              <a:t>it</a:t>
-            </a:r>
-            <a:r>
-              <a:rPr lang="de-DE" dirty="0"/>
-              <a:t> </a:t>
-            </a:r>
-            <a:r>
-              <a:rPr lang="de-DE" dirty="0" err="1"/>
-              <a:t>convinces</a:t>
-            </a:r>
-            <a:r>
-              <a:rPr lang="de-DE" dirty="0"/>
-              <a:t> </a:t>
-            </a:r>
-            <a:r>
-              <a:rPr lang="de-DE" dirty="0" err="1"/>
-              <a:t>with</a:t>
-            </a:r>
-            <a:r>
-              <a:rPr lang="de-DE" dirty="0"/>
-              <a:t> </a:t>
-            </a:r>
-            <a:r>
-              <a:rPr lang="de-DE" dirty="0" err="1"/>
-              <a:t>its</a:t>
-            </a:r>
-            <a:r>
-              <a:rPr lang="de-DE" dirty="0"/>
-              <a:t> </a:t>
-            </a:r>
-            <a:r>
-              <a:rPr lang="de-DE" dirty="0" err="1"/>
-              <a:t>speed</a:t>
-            </a:r>
-            <a:r>
-              <a:rPr lang="de-DE" dirty="0"/>
-              <a:t> </a:t>
-            </a:r>
-            <a:r>
-              <a:rPr lang="de-DE" dirty="0" err="1"/>
-              <a:t>gain</a:t>
-            </a:r>
-            <a:r>
-              <a:rPr lang="de-DE" dirty="0"/>
-              <a:t> </a:t>
-            </a:r>
-            <a:r>
-              <a:rPr lang="de-DE" dirty="0" err="1"/>
-              <a:t>instead</a:t>
-            </a:r>
-            <a:r>
-              <a:rPr lang="de-DE" dirty="0"/>
-              <a:t> </a:t>
-            </a:r>
-            <a:r>
-              <a:rPr lang="de-DE" dirty="0" err="1"/>
-              <a:t>of</a:t>
-            </a:r>
-            <a:r>
-              <a:rPr lang="de-DE" dirty="0"/>
-              <a:t> </a:t>
-            </a:r>
-            <a:r>
-              <a:rPr lang="de-DE" dirty="0" err="1"/>
-              <a:t>its</a:t>
-            </a:r>
-            <a:r>
-              <a:rPr lang="de-DE" dirty="0"/>
-              <a:t> </a:t>
-            </a:r>
-            <a:r>
-              <a:rPr lang="de-DE" dirty="0" err="1"/>
-              <a:t>accuarcy</a:t>
-            </a:r>
-            <a:r>
-              <a:rPr lang="de-DE" dirty="0"/>
-              <a:t> </a:t>
-            </a:r>
-            <a:r>
-              <a:rPr lang="de-DE" dirty="0" err="1"/>
-              <a:t>gain</a:t>
-            </a:r>
-            <a:r>
-              <a:rPr lang="de-DE" dirty="0"/>
-              <a:t>!</a:t>
-            </a:r>
-          </a:p>
-          <a:p>
-            <a:pPr marL="681079" lvl="1" indent="-185749">
-              <a:buFont typeface="Arial" panose="020B0604020202020204" pitchFamily="34" charset="0"/>
-              <a:buChar char="•"/>
-            </a:pPr>
             <a:endParaRPr lang="en-US" dirty="0"/>
           </a:p>
         </p:txBody>
@@ -6248,7 +6589,7 @@
     </p:spTree>
     <p:extLst>
       <p:ext uri="{BB962C8B-B14F-4D97-AF65-F5344CB8AC3E}">
-        <p14:creationId xmlns:p14="http://schemas.microsoft.com/office/powerpoint/2010/main" val="2959043097"/>
+        <p14:creationId xmlns:p14="http://schemas.microsoft.com/office/powerpoint/2010/main" val="3785136268"/>
       </p:ext>
     </p:extLst>
   </p:cSld>
@@ -6302,7 +6643,11 @@
           <a:bodyPr/>
           <a:lstStyle/>
           <a:p>
-            <a:endParaRPr lang="en-US"/>
+            <a:pPr marL="185749" indent="-185749">
+              <a:buFont typeface="Arial" panose="020B0604020202020204" pitchFamily="34" charset="0"/>
+              <a:buChar char="•"/>
+            </a:pPr>
+            <a:endParaRPr lang="en-US" dirty="0"/>
           </a:p>
         </p:txBody>
       </p:sp>
@@ -6332,7 +6677,7 @@
     </p:spTree>
     <p:extLst>
       <p:ext uri="{BB962C8B-B14F-4D97-AF65-F5344CB8AC3E}">
-        <p14:creationId xmlns:p14="http://schemas.microsoft.com/office/powerpoint/2010/main" val="24331268"/>
+        <p14:creationId xmlns:p14="http://schemas.microsoft.com/office/powerpoint/2010/main" val="1132588707"/>
       </p:ext>
     </p:extLst>
   </p:cSld>
@@ -6386,7 +6731,599 @@
           <a:bodyPr/>
           <a:lstStyle/>
           <a:p>
-            <a:endParaRPr lang="en-US"/>
+            <a:pPr marL="185749" indent="-185749">
+              <a:buFont typeface="Arial" panose="020B0604020202020204" pitchFamily="34" charset="0"/>
+              <a:buChar char="•"/>
+            </a:pPr>
+            <a:r>
+              <a:rPr lang="de-DE" dirty="0" err="1"/>
+              <a:t>Own</a:t>
+            </a:r>
+            <a:r>
+              <a:rPr lang="de-DE" dirty="0"/>
+              <a:t> </a:t>
+            </a:r>
+            <a:r>
+              <a:rPr lang="de-DE" dirty="0" err="1"/>
+              <a:t>thoughts</a:t>
+            </a:r>
+            <a:r>
+              <a:rPr lang="de-DE" dirty="0"/>
+              <a:t>: </a:t>
+            </a:r>
+          </a:p>
+          <a:p>
+            <a:pPr marL="681079" lvl="1" indent="-185749">
+              <a:buFont typeface="Arial" panose="020B0604020202020204" pitchFamily="34" charset="0"/>
+              <a:buChar char="•"/>
+            </a:pPr>
+            <a:r>
+              <a:rPr lang="de-DE" dirty="0"/>
+              <a:t>In </a:t>
+            </a:r>
+            <a:r>
+              <a:rPr lang="de-DE" dirty="0" err="1"/>
+              <a:t>terms</a:t>
+            </a:r>
+            <a:r>
+              <a:rPr lang="de-DE" dirty="0"/>
+              <a:t> </a:t>
+            </a:r>
+            <a:r>
+              <a:rPr lang="de-DE" dirty="0" err="1"/>
+              <a:t>of</a:t>
+            </a:r>
+            <a:r>
+              <a:rPr lang="de-DE" dirty="0"/>
+              <a:t> </a:t>
+            </a:r>
+            <a:r>
+              <a:rPr lang="de-DE" dirty="0" err="1"/>
+              <a:t>introducing</a:t>
+            </a:r>
+            <a:r>
+              <a:rPr lang="de-DE" dirty="0"/>
+              <a:t> a simple </a:t>
+            </a:r>
+            <a:r>
+              <a:rPr lang="de-DE" dirty="0" err="1"/>
+              <a:t>to</a:t>
+            </a:r>
+            <a:r>
+              <a:rPr lang="de-DE" dirty="0"/>
+              <a:t> </a:t>
+            </a:r>
+            <a:r>
+              <a:rPr lang="de-DE" dirty="0" err="1"/>
+              <a:t>implement</a:t>
+            </a:r>
+            <a:r>
+              <a:rPr lang="de-DE" dirty="0"/>
+              <a:t> </a:t>
+            </a:r>
+            <a:r>
+              <a:rPr lang="de-DE" dirty="0" err="1"/>
+              <a:t>model</a:t>
+            </a:r>
+            <a:r>
+              <a:rPr lang="de-DE" dirty="0"/>
+              <a:t> </a:t>
+            </a:r>
+            <a:r>
+              <a:rPr lang="de-DE" dirty="0" err="1"/>
+              <a:t>with</a:t>
+            </a:r>
+            <a:r>
+              <a:rPr lang="de-DE" dirty="0"/>
+              <a:t> a </a:t>
+            </a:r>
+            <a:r>
+              <a:rPr lang="de-DE" dirty="0" err="1"/>
+              <a:t>good</a:t>
+            </a:r>
+            <a:r>
+              <a:rPr lang="de-DE" dirty="0"/>
+              <a:t> </a:t>
+            </a:r>
+            <a:r>
+              <a:rPr lang="de-DE" dirty="0" err="1"/>
+              <a:t>accuracy</a:t>
+            </a:r>
+            <a:r>
+              <a:rPr lang="de-DE" dirty="0"/>
+              <a:t>-speed </a:t>
+            </a:r>
+            <a:r>
+              <a:rPr lang="de-DE" dirty="0" err="1"/>
+              <a:t>tradeoff</a:t>
+            </a:r>
+            <a:r>
+              <a:rPr lang="de-DE" dirty="0"/>
+              <a:t> </a:t>
+            </a:r>
+            <a:r>
+              <a:rPr lang="de-DE" dirty="0" err="1"/>
+              <a:t>very</a:t>
+            </a:r>
+            <a:r>
+              <a:rPr lang="de-DE" dirty="0"/>
+              <a:t> </a:t>
+            </a:r>
+            <a:r>
+              <a:rPr lang="de-DE" dirty="0" err="1"/>
+              <a:t>well</a:t>
+            </a:r>
+            <a:r>
+              <a:rPr lang="de-DE" dirty="0"/>
+              <a:t> </a:t>
+            </a:r>
+            <a:r>
+              <a:rPr lang="de-DE" dirty="0" err="1"/>
+              <a:t>done</a:t>
+            </a:r>
+            <a:endParaRPr lang="de-DE" dirty="0"/>
+          </a:p>
+          <a:p>
+            <a:pPr marL="681079" lvl="1" indent="-185749">
+              <a:buFont typeface="Arial" panose="020B0604020202020204" pitchFamily="34" charset="0"/>
+              <a:buChar char="•"/>
+            </a:pPr>
+            <a:r>
+              <a:rPr lang="de-DE" dirty="0" err="1"/>
+              <a:t>Gives</a:t>
+            </a:r>
+            <a:r>
+              <a:rPr lang="de-DE" dirty="0"/>
+              <a:t> </a:t>
+            </a:r>
+            <a:r>
+              <a:rPr lang="de-DE" dirty="0" err="1"/>
+              <a:t>another</a:t>
+            </a:r>
+            <a:r>
+              <a:rPr lang="de-DE" dirty="0"/>
+              <a:t> </a:t>
+            </a:r>
+            <a:r>
+              <a:rPr lang="de-DE" dirty="0" err="1"/>
+              <a:t>point</a:t>
+            </a:r>
+            <a:r>
+              <a:rPr lang="de-DE" dirty="0"/>
+              <a:t> </a:t>
+            </a:r>
+            <a:r>
+              <a:rPr lang="de-DE" dirty="0" err="1"/>
+              <a:t>of</a:t>
+            </a:r>
+            <a:r>
+              <a:rPr lang="de-DE" dirty="0"/>
+              <a:t> </a:t>
+            </a:r>
+            <a:r>
+              <a:rPr lang="de-DE" dirty="0" err="1"/>
+              <a:t>view</a:t>
+            </a:r>
+            <a:r>
+              <a:rPr lang="de-DE" dirty="0"/>
+              <a:t> </a:t>
+            </a:r>
+            <a:r>
+              <a:rPr lang="de-DE" dirty="0" err="1"/>
+              <a:t>into</a:t>
+            </a:r>
+            <a:r>
+              <a:rPr lang="de-DE" dirty="0"/>
+              <a:t> </a:t>
+            </a:r>
+            <a:r>
+              <a:rPr lang="de-DE" dirty="0" err="1"/>
+              <a:t>image</a:t>
+            </a:r>
+            <a:r>
+              <a:rPr lang="de-DE" dirty="0"/>
+              <a:t> </a:t>
+            </a:r>
+            <a:r>
+              <a:rPr lang="de-DE" dirty="0" err="1"/>
+              <a:t>classification</a:t>
+            </a:r>
+            <a:r>
+              <a:rPr lang="de-DE" dirty="0"/>
+              <a:t> </a:t>
+            </a:r>
+            <a:r>
+              <a:rPr lang="de-DE" dirty="0" err="1"/>
+              <a:t>networks</a:t>
+            </a:r>
+            <a:r>
+              <a:rPr lang="de-DE" dirty="0"/>
+              <a:t> (</a:t>
+            </a:r>
+            <a:r>
+              <a:rPr lang="de-DE" dirty="0" err="1"/>
+              <a:t>hardware</a:t>
+            </a:r>
+            <a:r>
+              <a:rPr lang="de-DE" dirty="0"/>
+              <a:t> </a:t>
+            </a:r>
+            <a:r>
+              <a:rPr lang="de-DE" dirty="0" err="1"/>
+              <a:t>support</a:t>
+            </a:r>
+            <a:r>
+              <a:rPr lang="de-DE" dirty="0"/>
+              <a:t>, </a:t>
+            </a:r>
+            <a:r>
+              <a:rPr lang="de-DE" dirty="0" err="1"/>
+              <a:t>re-parameterization</a:t>
+            </a:r>
+            <a:r>
+              <a:rPr lang="de-DE" dirty="0"/>
+              <a:t> </a:t>
+            </a:r>
+            <a:r>
+              <a:rPr lang="de-DE" dirty="0" err="1"/>
+              <a:t>techniques</a:t>
+            </a:r>
+            <a:r>
+              <a:rPr lang="de-DE" dirty="0"/>
+              <a:t>, </a:t>
+            </a:r>
+            <a:r>
+              <a:rPr lang="de-DE" dirty="0" err="1"/>
+              <a:t>training</a:t>
+            </a:r>
+            <a:r>
+              <a:rPr lang="de-DE" dirty="0"/>
+              <a:t>-time/</a:t>
+            </a:r>
+            <a:r>
+              <a:rPr lang="de-DE" dirty="0" err="1"/>
+              <a:t>inference</a:t>
+            </a:r>
+            <a:r>
+              <a:rPr lang="de-DE" dirty="0"/>
+              <a:t>-time </a:t>
+            </a:r>
+            <a:r>
+              <a:rPr lang="de-DE" dirty="0" err="1"/>
+              <a:t>separation</a:t>
+            </a:r>
+            <a:r>
+              <a:rPr lang="de-DE" dirty="0"/>
+              <a:t>)</a:t>
+            </a:r>
+          </a:p>
+          <a:p>
+            <a:pPr marL="681079" lvl="1" indent="-185749">
+              <a:buFont typeface="Arial" panose="020B0604020202020204" pitchFamily="34" charset="0"/>
+              <a:buChar char="•"/>
+            </a:pPr>
+            <a:r>
+              <a:rPr lang="de-DE" dirty="0"/>
+              <a:t>As </a:t>
+            </a:r>
+            <a:r>
+              <a:rPr lang="de-DE" dirty="0" err="1"/>
+              <a:t>it</a:t>
+            </a:r>
+            <a:r>
+              <a:rPr lang="de-DE" dirty="0"/>
+              <a:t> </a:t>
+            </a:r>
+            <a:r>
+              <a:rPr lang="de-DE" dirty="0" err="1"/>
+              <a:t>is</a:t>
+            </a:r>
+            <a:r>
+              <a:rPr lang="de-DE" dirty="0"/>
+              <a:t> </a:t>
+            </a:r>
+            <a:r>
+              <a:rPr lang="de-DE" dirty="0" err="1"/>
+              <a:t>clearly</a:t>
+            </a:r>
+            <a:r>
+              <a:rPr lang="de-DE" dirty="0"/>
+              <a:t> </a:t>
+            </a:r>
+            <a:r>
+              <a:rPr lang="de-DE" dirty="0" err="1"/>
+              <a:t>positioned</a:t>
+            </a:r>
+            <a:r>
+              <a:rPr lang="de-DE" dirty="0"/>
+              <a:t> and </a:t>
+            </a:r>
+            <a:r>
+              <a:rPr lang="de-DE" dirty="0" err="1"/>
+              <a:t>did</a:t>
+            </a:r>
+            <a:r>
+              <a:rPr lang="de-DE" dirty="0"/>
+              <a:t> not </a:t>
+            </a:r>
+            <a:r>
+              <a:rPr lang="de-DE" dirty="0" err="1"/>
+              <a:t>have</a:t>
+            </a:r>
+            <a:r>
+              <a:rPr lang="de-DE" dirty="0"/>
+              <a:t> </a:t>
+            </a:r>
+            <a:r>
+              <a:rPr lang="de-DE" dirty="0" err="1"/>
+              <a:t>the</a:t>
+            </a:r>
+            <a:r>
+              <a:rPr lang="de-DE" dirty="0"/>
+              <a:t> </a:t>
+            </a:r>
+            <a:r>
+              <a:rPr lang="de-DE" dirty="0" err="1"/>
+              <a:t>intention</a:t>
+            </a:r>
+            <a:r>
+              <a:rPr lang="de-DE" dirty="0"/>
+              <a:t> </a:t>
+            </a:r>
+            <a:r>
+              <a:rPr lang="de-DE" dirty="0" err="1"/>
+              <a:t>to</a:t>
+            </a:r>
+            <a:r>
+              <a:rPr lang="de-DE" dirty="0"/>
+              <a:t> </a:t>
+            </a:r>
+            <a:r>
+              <a:rPr lang="de-DE" dirty="0" err="1"/>
+              <a:t>provide</a:t>
+            </a:r>
+            <a:r>
+              <a:rPr lang="de-DE" dirty="0"/>
+              <a:t> </a:t>
+            </a:r>
+            <a:r>
+              <a:rPr lang="de-DE" dirty="0" err="1"/>
+              <a:t>another</a:t>
+            </a:r>
+            <a:r>
+              <a:rPr lang="de-DE" dirty="0"/>
+              <a:t> </a:t>
+            </a:r>
+            <a:r>
+              <a:rPr lang="de-DE" dirty="0" err="1"/>
+              <a:t>state</a:t>
+            </a:r>
+            <a:r>
+              <a:rPr lang="de-DE" dirty="0"/>
+              <a:t>-</a:t>
+            </a:r>
+            <a:r>
+              <a:rPr lang="de-DE" dirty="0" err="1"/>
+              <a:t>of</a:t>
+            </a:r>
+            <a:r>
+              <a:rPr lang="de-DE" dirty="0"/>
+              <a:t>-</a:t>
+            </a:r>
+            <a:r>
+              <a:rPr lang="de-DE" dirty="0" err="1"/>
+              <a:t>the</a:t>
+            </a:r>
+            <a:r>
+              <a:rPr lang="de-DE" dirty="0"/>
+              <a:t>-art, </a:t>
+            </a:r>
+            <a:r>
+              <a:rPr lang="de-DE" dirty="0" err="1"/>
+              <a:t>it</a:t>
+            </a:r>
+            <a:r>
+              <a:rPr lang="de-DE" dirty="0"/>
+              <a:t> </a:t>
+            </a:r>
+            <a:r>
+              <a:rPr lang="de-DE" dirty="0" err="1"/>
+              <a:t>is</a:t>
+            </a:r>
+            <a:r>
+              <a:rPr lang="de-DE" dirty="0"/>
+              <a:t> a </a:t>
+            </a:r>
+            <a:r>
+              <a:rPr lang="de-DE" dirty="0" err="1"/>
+              <a:t>very</a:t>
+            </a:r>
+            <a:r>
+              <a:rPr lang="de-DE" dirty="0"/>
+              <a:t> </a:t>
+            </a:r>
+            <a:r>
+              <a:rPr lang="de-DE" dirty="0" err="1"/>
+              <a:t>important</a:t>
+            </a:r>
+            <a:r>
+              <a:rPr lang="de-DE" dirty="0"/>
+              <a:t> </a:t>
+            </a:r>
+            <a:r>
+              <a:rPr lang="de-DE" dirty="0" err="1"/>
+              <a:t>contribution</a:t>
+            </a:r>
+            <a:r>
+              <a:rPr lang="de-DE" dirty="0"/>
+              <a:t> </a:t>
+            </a:r>
+            <a:r>
+              <a:rPr lang="de-DE" dirty="0" err="1"/>
+              <a:t>into</a:t>
+            </a:r>
+            <a:r>
+              <a:rPr lang="de-DE" dirty="0"/>
+              <a:t> </a:t>
+            </a:r>
+            <a:r>
+              <a:rPr lang="de-DE" dirty="0" err="1"/>
+              <a:t>this</a:t>
+            </a:r>
+            <a:r>
+              <a:rPr lang="de-DE" dirty="0"/>
+              <a:t> </a:t>
+            </a:r>
+            <a:r>
+              <a:rPr lang="de-DE" dirty="0" err="1"/>
+              <a:t>specific</a:t>
+            </a:r>
+            <a:r>
+              <a:rPr lang="de-DE" dirty="0"/>
+              <a:t> </a:t>
+            </a:r>
+            <a:r>
+              <a:rPr lang="de-DE" dirty="0" err="1"/>
+              <a:t>field</a:t>
+            </a:r>
+            <a:r>
+              <a:rPr lang="de-DE" dirty="0"/>
+              <a:t> </a:t>
+            </a:r>
+            <a:r>
+              <a:rPr lang="de-DE" dirty="0" err="1"/>
+              <a:t>of</a:t>
+            </a:r>
+            <a:r>
+              <a:rPr lang="de-DE" dirty="0"/>
+              <a:t> </a:t>
+            </a:r>
+            <a:r>
+              <a:rPr lang="de-DE" dirty="0" err="1"/>
+              <a:t>research</a:t>
+            </a:r>
+            <a:endParaRPr lang="de-DE" dirty="0"/>
+          </a:p>
+          <a:p>
+            <a:pPr marL="681079" lvl="1" indent="-185749">
+              <a:buFont typeface="Arial" panose="020B0604020202020204" pitchFamily="34" charset="0"/>
+              <a:buChar char="•"/>
+            </a:pPr>
+            <a:r>
+              <a:rPr lang="de-DE" dirty="0"/>
+              <a:t>„Great </a:t>
+            </a:r>
+            <a:r>
+              <a:rPr lang="de-DE" dirty="0" err="1"/>
+              <a:t>again</a:t>
+            </a:r>
+            <a:r>
+              <a:rPr lang="de-DE" dirty="0"/>
+              <a:t>“: In </a:t>
+            </a:r>
+            <a:r>
+              <a:rPr lang="de-DE" dirty="0" err="1"/>
+              <a:t>the</a:t>
+            </a:r>
+            <a:r>
+              <a:rPr lang="de-DE" dirty="0"/>
+              <a:t> end </a:t>
+            </a:r>
+            <a:r>
+              <a:rPr lang="de-DE" dirty="0" err="1"/>
+              <a:t>it</a:t>
+            </a:r>
+            <a:r>
+              <a:rPr lang="de-DE" dirty="0"/>
+              <a:t> </a:t>
+            </a:r>
+            <a:r>
+              <a:rPr lang="de-DE" dirty="0" err="1"/>
+              <a:t>convinces</a:t>
+            </a:r>
+            <a:r>
+              <a:rPr lang="de-DE" dirty="0"/>
+              <a:t> </a:t>
+            </a:r>
+            <a:r>
+              <a:rPr lang="de-DE" dirty="0" err="1"/>
+              <a:t>with</a:t>
+            </a:r>
+            <a:r>
+              <a:rPr lang="de-DE" dirty="0"/>
+              <a:t> </a:t>
+            </a:r>
+            <a:r>
+              <a:rPr lang="de-DE" dirty="0" err="1"/>
+              <a:t>its</a:t>
+            </a:r>
+            <a:r>
+              <a:rPr lang="de-DE" dirty="0"/>
+              <a:t> </a:t>
+            </a:r>
+            <a:r>
+              <a:rPr lang="de-DE" dirty="0" err="1"/>
+              <a:t>speed</a:t>
+            </a:r>
+            <a:r>
+              <a:rPr lang="de-DE" dirty="0"/>
+              <a:t> </a:t>
+            </a:r>
+            <a:r>
+              <a:rPr lang="de-DE" dirty="0" err="1"/>
+              <a:t>gain</a:t>
+            </a:r>
+            <a:r>
+              <a:rPr lang="de-DE" dirty="0"/>
+              <a:t> </a:t>
+            </a:r>
+            <a:r>
+              <a:rPr lang="de-DE" dirty="0" err="1"/>
+              <a:t>instead</a:t>
+            </a:r>
+            <a:r>
+              <a:rPr lang="de-DE" dirty="0"/>
+              <a:t> </a:t>
+            </a:r>
+            <a:r>
+              <a:rPr lang="de-DE" dirty="0" err="1"/>
+              <a:t>of</a:t>
+            </a:r>
+            <a:r>
+              <a:rPr lang="de-DE" dirty="0"/>
+              <a:t> </a:t>
+            </a:r>
+            <a:r>
+              <a:rPr lang="de-DE" dirty="0" err="1"/>
+              <a:t>its</a:t>
+            </a:r>
+            <a:r>
+              <a:rPr lang="de-DE" dirty="0"/>
+              <a:t> </a:t>
+            </a:r>
+            <a:r>
+              <a:rPr lang="de-DE" dirty="0" err="1"/>
+              <a:t>accuarcy</a:t>
+            </a:r>
+            <a:r>
+              <a:rPr lang="de-DE" dirty="0"/>
+              <a:t> </a:t>
+            </a:r>
+            <a:r>
+              <a:rPr lang="de-DE" dirty="0" err="1"/>
+              <a:t>gain</a:t>
+            </a:r>
+            <a:r>
+              <a:rPr lang="de-DE" dirty="0"/>
+              <a:t>!</a:t>
+            </a:r>
+          </a:p>
+          <a:p>
+            <a:pPr marL="681079" lvl="1" indent="-185749">
+              <a:buFont typeface="Arial" panose="020B0604020202020204" pitchFamily="34" charset="0"/>
+              <a:buChar char="•"/>
+            </a:pPr>
+            <a:endParaRPr lang="en-US" dirty="0"/>
           </a:p>
         </p:txBody>
       </p:sp>
@@ -6416,7 +7353,7 @@
     </p:spTree>
     <p:extLst>
       <p:ext uri="{BB962C8B-B14F-4D97-AF65-F5344CB8AC3E}">
-        <p14:creationId xmlns:p14="http://schemas.microsoft.com/office/powerpoint/2010/main" val="3423684286"/>
+        <p14:creationId xmlns:p14="http://schemas.microsoft.com/office/powerpoint/2010/main" val="2959043097"/>
       </p:ext>
     </p:extLst>
   </p:cSld>
@@ -6492,6 +7429,174 @@
             <a:fld id="{6D172734-61C0-4E94-B507-0920723C809C}" type="slidenum">
               <a:rPr lang="en-US" smtClean="0"/>
               <a:t>26</a:t>
+            </a:fld>
+            <a:endParaRPr lang="en-US"/>
+          </a:p>
+        </p:txBody>
+      </p:sp>
+    </p:spTree>
+    <p:extLst>
+      <p:ext uri="{BB962C8B-B14F-4D97-AF65-F5344CB8AC3E}">
+        <p14:creationId xmlns:p14="http://schemas.microsoft.com/office/powerpoint/2010/main" val="24331268"/>
+      </p:ext>
+    </p:extLst>
+  </p:cSld>
+  <p:clrMapOvr>
+    <a:masterClrMapping/>
+  </p:clrMapOvr>
+</p:notes>
+</file>
+
+<file path=ppt/notesSlides/notesSlide27.xml><?xml version="1.0" encoding="utf-8"?>
+<p:notes xmlns:a="http://schemas.openxmlformats.org/drawingml/2006/main" xmlns:r="http://schemas.openxmlformats.org/officeDocument/2006/relationships" xmlns:p="http://schemas.openxmlformats.org/presentationml/2006/main">
+  <p:cSld>
+    <p:spTree>
+      <p:nvGrpSpPr>
+        <p:cNvPr id="1" name=""/>
+        <p:cNvGrpSpPr/>
+        <p:nvPr/>
+      </p:nvGrpSpPr>
+      <p:grpSpPr>
+        <a:xfrm>
+          <a:off x="0" y="0"/>
+          <a:ext cx="0" cy="0"/>
+          <a:chOff x="0" y="0"/>
+          <a:chExt cx="0" cy="0"/>
+        </a:xfrm>
+      </p:grpSpPr>
+      <p:sp>
+        <p:nvSpPr>
+          <p:cNvPr id="2" name="Slide Image Placeholder 1"/>
+          <p:cNvSpPr>
+            <a:spLocks noGrp="1" noRot="1" noChangeAspect="1"/>
+          </p:cNvSpPr>
+          <p:nvPr>
+            <p:ph type="sldImg"/>
+          </p:nvPr>
+        </p:nvSpPr>
+        <p:spPr/>
+      </p:sp>
+      <p:sp>
+        <p:nvSpPr>
+          <p:cNvPr id="3" name="Notes Placeholder 2"/>
+          <p:cNvSpPr>
+            <a:spLocks noGrp="1"/>
+          </p:cNvSpPr>
+          <p:nvPr>
+            <p:ph type="body" idx="1"/>
+          </p:nvPr>
+        </p:nvSpPr>
+        <p:spPr/>
+        <p:txBody>
+          <a:bodyPr/>
+          <a:lstStyle/>
+          <a:p>
+            <a:endParaRPr lang="en-US"/>
+          </a:p>
+        </p:txBody>
+      </p:sp>
+      <p:sp>
+        <p:nvSpPr>
+          <p:cNvPr id="4" name="Slide Number Placeholder 3"/>
+          <p:cNvSpPr>
+            <a:spLocks noGrp="1"/>
+          </p:cNvSpPr>
+          <p:nvPr>
+            <p:ph type="sldNum" sz="quarter" idx="5"/>
+          </p:nvPr>
+        </p:nvSpPr>
+        <p:spPr/>
+        <p:txBody>
+          <a:bodyPr/>
+          <a:lstStyle/>
+          <a:p>
+            <a:fld id="{6D172734-61C0-4E94-B507-0920723C809C}" type="slidenum">
+              <a:rPr lang="en-US" smtClean="0"/>
+              <a:t>27</a:t>
+            </a:fld>
+            <a:endParaRPr lang="en-US"/>
+          </a:p>
+        </p:txBody>
+      </p:sp>
+    </p:spTree>
+    <p:extLst>
+      <p:ext uri="{BB962C8B-B14F-4D97-AF65-F5344CB8AC3E}">
+        <p14:creationId xmlns:p14="http://schemas.microsoft.com/office/powerpoint/2010/main" val="3423684286"/>
+      </p:ext>
+    </p:extLst>
+  </p:cSld>
+  <p:clrMapOvr>
+    <a:masterClrMapping/>
+  </p:clrMapOvr>
+</p:notes>
+</file>
+
+<file path=ppt/notesSlides/notesSlide28.xml><?xml version="1.0" encoding="utf-8"?>
+<p:notes xmlns:a="http://schemas.openxmlformats.org/drawingml/2006/main" xmlns:r="http://schemas.openxmlformats.org/officeDocument/2006/relationships" xmlns:p="http://schemas.openxmlformats.org/presentationml/2006/main">
+  <p:cSld>
+    <p:spTree>
+      <p:nvGrpSpPr>
+        <p:cNvPr id="1" name=""/>
+        <p:cNvGrpSpPr/>
+        <p:nvPr/>
+      </p:nvGrpSpPr>
+      <p:grpSpPr>
+        <a:xfrm>
+          <a:off x="0" y="0"/>
+          <a:ext cx="0" cy="0"/>
+          <a:chOff x="0" y="0"/>
+          <a:chExt cx="0" cy="0"/>
+        </a:xfrm>
+      </p:grpSpPr>
+      <p:sp>
+        <p:nvSpPr>
+          <p:cNvPr id="2" name="Slide Image Placeholder 1"/>
+          <p:cNvSpPr>
+            <a:spLocks noGrp="1" noRot="1" noChangeAspect="1"/>
+          </p:cNvSpPr>
+          <p:nvPr>
+            <p:ph type="sldImg"/>
+          </p:nvPr>
+        </p:nvSpPr>
+        <p:spPr/>
+      </p:sp>
+      <p:sp>
+        <p:nvSpPr>
+          <p:cNvPr id="3" name="Notes Placeholder 2"/>
+          <p:cNvSpPr>
+            <a:spLocks noGrp="1"/>
+          </p:cNvSpPr>
+          <p:nvPr>
+            <p:ph type="body" idx="1"/>
+          </p:nvPr>
+        </p:nvSpPr>
+        <p:spPr/>
+        <p:txBody>
+          <a:bodyPr/>
+          <a:lstStyle/>
+          <a:p>
+            <a:endParaRPr lang="en-US"/>
+          </a:p>
+        </p:txBody>
+      </p:sp>
+      <p:sp>
+        <p:nvSpPr>
+          <p:cNvPr id="4" name="Slide Number Placeholder 3"/>
+          <p:cNvSpPr>
+            <a:spLocks noGrp="1"/>
+          </p:cNvSpPr>
+          <p:nvPr>
+            <p:ph type="sldNum" sz="quarter" idx="5"/>
+          </p:nvPr>
+        </p:nvSpPr>
+        <p:spPr/>
+        <p:txBody>
+          <a:bodyPr/>
+          <a:lstStyle/>
+          <a:p>
+            <a:fld id="{6D172734-61C0-4E94-B507-0920723C809C}" type="slidenum">
+              <a:rPr lang="en-US" smtClean="0"/>
+              <a:t>28</a:t>
             </a:fld>
             <a:endParaRPr lang="en-US"/>
           </a:p>
@@ -7013,6 +8118,21 @@
             </a:r>
             <a:endParaRPr lang="de-DE" dirty="0"/>
           </a:p>
+          <a:p>
+            <a:pPr marL="1176410" lvl="2" indent="-185749">
+              <a:buFont typeface="Arial" panose="020B0604020202020204" pitchFamily="34" charset="0"/>
+              <a:buChar char="•"/>
+            </a:pPr>
+            <a:r>
+              <a:rPr lang="de-DE" dirty="0"/>
+              <a:t>Split-Transform-</a:t>
+            </a:r>
+            <a:r>
+              <a:rPr lang="de-DE" dirty="0" err="1"/>
+              <a:t>Merge</a:t>
+            </a:r>
+            <a:endParaRPr lang="de-DE" dirty="0"/>
+          </a:p>
         </p:txBody>
       </p:sp>
       <p:sp>
@@ -7263,7 +8383,7 @@
             </a:r>
             <a:r>
               <a:rPr lang="de-DE" dirty="0" err="1"/>
-              <a:t>thorugh</a:t>
+              <a:t>through</a:t>
             </a:r>
             <a:r>
               <a:rPr lang="de-DE" dirty="0"/>
@@ -9047,15 +10167,7 @@
             </a:r>
             <a:r>
               <a:rPr lang="de-DE" dirty="0"/>
-              <a:t>: </a:t>
-            </a:r>
-            <a:r>
-              <a:rPr lang="de-DE" dirty="0" err="1"/>
-              <a:t>alsoe</a:t>
-            </a:r>
-            <a:r>
-              <a:rPr lang="de-DE" dirty="0"/>
-              <a:t> </a:t>
+              <a:t>: also </a:t>
             </a:r>
             <a:r>
               <a:rPr lang="de-DE" dirty="0" err="1"/>
@@ -9391,7 +10503,95 @@
               <a:rPr lang="de-DE" dirty="0" err="1"/>
               <a:t>tradeoff</a:t>
             </a:r>
-            <a:endParaRPr lang="en-US" dirty="0"/>
+            <a:endParaRPr lang="de-DE" dirty="0"/>
+          </a:p>
+          <a:p>
+            <a:pPr marL="185749" marR="0" lvl="0" indent="-185749" algn="l" defTabSz="990661" rtl="0" eaLnBrk="1" fontAlgn="auto" latinLnBrk="0" hangingPunct="1">
+              <a:lnSpc>
+                <a:spcPct val="100000"/>
+              </a:lnSpc>
+              <a:spcBef>
+                <a:spcPts val="0"/>
+              </a:spcBef>
+              <a:spcAft>
+                <a:spcPts val="0"/>
+              </a:spcAft>
+              <a:buClrTx/>
+              <a:buSzTx/>
+              <a:buFont typeface="Arial" panose="020B0604020202020204" pitchFamily="34" charset="0"/>
+              <a:buChar char="•"/>
+              <a:tabLst/>
+              <a:defRPr/>
+            </a:pPr>
+            <a:r>
+              <a:rPr lang="de-DE" dirty="0" err="1"/>
+              <a:t>Automatic</a:t>
+            </a:r>
+            <a:r>
+              <a:rPr lang="de-DE" dirty="0"/>
+              <a:t> </a:t>
+            </a:r>
+            <a:r>
+              <a:rPr lang="de-DE" dirty="0" err="1"/>
+              <a:t>discovery</a:t>
+            </a:r>
+            <a:r>
+              <a:rPr lang="de-DE" dirty="0"/>
+              <a:t> </a:t>
+            </a:r>
+            <a:r>
+              <a:rPr lang="de-DE" dirty="0" err="1"/>
+              <a:t>of</a:t>
+            </a:r>
+            <a:r>
+              <a:rPr lang="de-DE" dirty="0"/>
+              <a:t> </a:t>
+            </a:r>
+            <a:r>
+              <a:rPr lang="de-DE" dirty="0" err="1"/>
+              <a:t>appropriate</a:t>
+            </a:r>
+            <a:r>
+              <a:rPr lang="de-DE" dirty="0"/>
+              <a:t> </a:t>
+            </a:r>
+            <a:r>
+              <a:rPr lang="de-DE" dirty="0" err="1"/>
+              <a:t>layer</a:t>
+            </a:r>
+            <a:r>
+              <a:rPr lang="de-DE" dirty="0"/>
+              <a:t> </a:t>
+            </a:r>
+            <a:r>
+              <a:rPr lang="de-DE" dirty="0" err="1"/>
+              <a:t>width</a:t>
+            </a:r>
+            <a:r>
+              <a:rPr lang="de-DE" dirty="0"/>
+              <a:t> </a:t>
+            </a:r>
+            <a:r>
+              <a:rPr lang="de-DE" dirty="0" err="1"/>
+              <a:t>cannot</a:t>
+            </a:r>
+            <a:r>
+              <a:rPr lang="de-DE" dirty="0"/>
+              <a:t> </a:t>
+            </a:r>
+            <a:r>
+              <a:rPr lang="de-DE" dirty="0" err="1"/>
+              <a:t>be</a:t>
+            </a:r>
+            <a:r>
+              <a:rPr lang="de-DE" dirty="0"/>
+              <a:t> </a:t>
+            </a:r>
+            <a:r>
+              <a:rPr lang="de-DE" dirty="0" err="1"/>
+              <a:t>applied</a:t>
+            </a:r>
+            <a:endParaRPr lang="de-DE" dirty="0"/>
           </a:p>
         </p:txBody>
       </p:sp>
@@ -9578,7 +10778,7 @@
           <a:p>
             <a:fld id="{6459580E-08ED-4286-A9BF-FFB8DF17CFF0}" type="datetimeFigureOut">
               <a:rPr lang="en-US" smtClean="0"/>
-              <a:t>6/6/2021</a:t>
+              <a:t>6/15/21</a:t>
             </a:fld>
             <a:endParaRPr lang="en-US" dirty="0"/>
           </a:p>
@@ -9640,7 +10840,7 @@
           <a:p>
             <a:fld id="{013D3AFF-B6D1-4198-BB21-AD620DCD2E76}" type="slidenum">
               <a:rPr lang="en-US" smtClean="0"/>
-              <a:t>‹#›</a:t>
+              <a:t>‹Nr.›</a:t>
             </a:fld>
             <a:endParaRPr lang="en-US"/>
           </a:p>
@@ -9784,7 +10984,7 @@
           <a:p>
             <a:fld id="{6459580E-08ED-4286-A9BF-FFB8DF17CFF0}" type="datetimeFigureOut">
               <a:rPr lang="en-US" smtClean="0"/>
-              <a:t>6/6/2021</a:t>
+              <a:t>6/15/21</a:t>
             </a:fld>
             <a:endParaRPr lang="en-US"/>
           </a:p>
@@ -9846,7 +11046,7 @@
           <a:p>
             <a:fld id="{013D3AFF-B6D1-4198-BB21-AD620DCD2E76}" type="slidenum">
               <a:rPr lang="en-US" smtClean="0"/>
-              <a:t>‹#›</a:t>
+              <a:t>‹Nr.›</a:t>
             </a:fld>
             <a:endParaRPr lang="en-US"/>
           </a:p>
@@ -10000,7 +11200,7 @@
           <a:p>
             <a:fld id="{6459580E-08ED-4286-A9BF-FFB8DF17CFF0}" type="datetimeFigureOut">
               <a:rPr lang="en-US" smtClean="0"/>
-              <a:t>6/6/2021</a:t>
+              <a:t>6/15/21</a:t>
             </a:fld>
             <a:endParaRPr lang="en-US"/>
           </a:p>
@@ -10062,7 +11262,7 @@
           <a:p>
             <a:fld id="{013D3AFF-B6D1-4198-BB21-AD620DCD2E76}" type="slidenum">
               <a:rPr lang="en-US" smtClean="0"/>
-              <a:t>‹#›</a:t>
+              <a:t>‹Nr.›</a:t>
             </a:fld>
             <a:endParaRPr lang="en-US"/>
           </a:p>
@@ -10206,7 +11406,7 @@
           <a:p>
             <a:fld id="{6459580E-08ED-4286-A9BF-FFB8DF17CFF0}" type="datetimeFigureOut">
               <a:rPr lang="en-US" smtClean="0"/>
-              <a:t>6/6/2021</a:t>
+              <a:t>6/15/21</a:t>
             </a:fld>
             <a:endParaRPr lang="en-US"/>
           </a:p>
@@ -10268,7 +11468,7 @@
           <a:p>
             <a:fld id="{013D3AFF-B6D1-4198-BB21-AD620DCD2E76}" type="slidenum">
               <a:rPr lang="en-US" smtClean="0"/>
-              <a:t>‹#›</a:t>
+              <a:t>‹Nr.›</a:t>
             </a:fld>
             <a:endParaRPr lang="en-US"/>
           </a:p>
@@ -10489,7 +11689,7 @@
           <a:p>
             <a:fld id="{6459580E-08ED-4286-A9BF-FFB8DF17CFF0}" type="datetimeFigureOut">
               <a:rPr lang="en-US" smtClean="0"/>
-              <a:t>6/6/2021</a:t>
+              <a:t>6/15/21</a:t>
             </a:fld>
             <a:endParaRPr lang="en-US"/>
           </a:p>
@@ -10551,7 +11751,7 @@
           <a:p>
             <a:fld id="{013D3AFF-B6D1-4198-BB21-AD620DCD2E76}" type="slidenum">
               <a:rPr lang="en-US" smtClean="0"/>
-              <a:t>‹#›</a:t>
+              <a:t>‹Nr.›</a:t>
             </a:fld>
             <a:endParaRPr lang="en-US"/>
           </a:p>
@@ -10762,7 +11962,7 @@
           <a:p>
             <a:fld id="{6459580E-08ED-4286-A9BF-FFB8DF17CFF0}" type="datetimeFigureOut">
               <a:rPr lang="en-US" smtClean="0"/>
-              <a:t>6/6/2021</a:t>
+              <a:t>6/15/21</a:t>
             </a:fld>
             <a:endParaRPr lang="en-US"/>
           </a:p>
@@ -10824,7 +12024,7 @@
           <a:p>
             <a:fld id="{013D3AFF-B6D1-4198-BB21-AD620DCD2E76}" type="slidenum">
               <a:rPr lang="en-US" smtClean="0"/>
-              <a:t>‹#›</a:t>
+              <a:t>‹Nr.›</a:t>
             </a:fld>
             <a:endParaRPr lang="en-US"/>
           </a:p>
@@ -11182,7 +12382,7 @@
           <a:p>
             <a:fld id="{6459580E-08ED-4286-A9BF-FFB8DF17CFF0}" type="datetimeFigureOut">
               <a:rPr lang="en-US" smtClean="0"/>
-              <a:t>6/6/2021</a:t>
+              <a:t>6/15/21</a:t>
             </a:fld>
             <a:endParaRPr lang="en-US"/>
           </a:p>
@@ -11244,7 +12444,7 @@
           <a:p>
             <a:fld id="{013D3AFF-B6D1-4198-BB21-AD620DCD2E76}" type="slidenum">
               <a:rPr lang="en-US" smtClean="0"/>
-              <a:t>‹#›</a:t>
+              <a:t>‹Nr.›</a:t>
             </a:fld>
             <a:endParaRPr lang="en-US"/>
           </a:p>
@@ -11331,7 +12531,7 @@
           <a:p>
             <a:fld id="{6459580E-08ED-4286-A9BF-FFB8DF17CFF0}" type="datetimeFigureOut">
               <a:rPr lang="en-US" smtClean="0"/>
-              <a:t>6/6/2021</a:t>
+              <a:t>6/15/21</a:t>
             </a:fld>
             <a:endParaRPr lang="en-US"/>
           </a:p>
@@ -11393,7 +12593,7 @@
           <a:p>
             <a:fld id="{013D3AFF-B6D1-4198-BB21-AD620DCD2E76}" type="slidenum">
               <a:rPr lang="en-US" smtClean="0"/>
-              <a:t>‹#›</a:t>
+              <a:t>‹Nr.›</a:t>
             </a:fld>
             <a:endParaRPr lang="en-US"/>
           </a:p>
@@ -11452,7 +12652,7 @@
           <a:p>
             <a:fld id="{6459580E-08ED-4286-A9BF-FFB8DF17CFF0}" type="datetimeFigureOut">
               <a:rPr lang="en-US" smtClean="0"/>
-              <a:t>6/6/2021</a:t>
+              <a:t>6/15/21</a:t>
             </a:fld>
             <a:endParaRPr lang="en-US"/>
           </a:p>
@@ -11514,7 +12714,7 @@
           <a:p>
             <a:fld id="{013D3AFF-B6D1-4198-BB21-AD620DCD2E76}" type="slidenum">
               <a:rPr lang="en-US" smtClean="0"/>
-              <a:t>‹#›</a:t>
+              <a:t>‹Nr.›</a:t>
             </a:fld>
             <a:endParaRPr lang="en-US"/>
           </a:p>
@@ -11771,7 +12971,7 @@
           <a:p>
             <a:fld id="{6459580E-08ED-4286-A9BF-FFB8DF17CFF0}" type="datetimeFigureOut">
               <a:rPr lang="en-US" smtClean="0"/>
-              <a:t>6/6/2021</a:t>
+              <a:t>6/15/21</a:t>
             </a:fld>
             <a:endParaRPr lang="en-US"/>
           </a:p>
@@ -11833,7 +13033,7 @@
           <a:p>
             <a:fld id="{013D3AFF-B6D1-4198-BB21-AD620DCD2E76}" type="slidenum">
               <a:rPr lang="en-US" smtClean="0"/>
-              <a:t>‹#›</a:t>
+              <a:t>‹Nr.›</a:t>
             </a:fld>
             <a:endParaRPr lang="en-US"/>
           </a:p>
@@ -12067,7 +13267,7 @@
           <a:p>
             <a:fld id="{6459580E-08ED-4286-A9BF-FFB8DF17CFF0}" type="datetimeFigureOut">
               <a:rPr lang="en-US" smtClean="0"/>
-              <a:t>6/6/2021</a:t>
+              <a:t>6/15/21</a:t>
             </a:fld>
             <a:endParaRPr lang="en-US"/>
           </a:p>
@@ -12129,7 +13329,7 @@
           <a:p>
             <a:fld id="{013D3AFF-B6D1-4198-BB21-AD620DCD2E76}" type="slidenum">
               <a:rPr lang="en-US" smtClean="0"/>
-              <a:t>‹#›</a:t>
+              <a:t>‹Nr.›</a:t>
             </a:fld>
             <a:endParaRPr lang="en-US"/>
           </a:p>
@@ -12319,7 +13519,7 @@
           <a:p>
             <a:fld id="{6459580E-08ED-4286-A9BF-FFB8DF17CFF0}" type="datetimeFigureOut">
               <a:rPr lang="en-US" smtClean="0"/>
-              <a:t>6/6/2021</a:t>
+              <a:t>6/15/21</a:t>
             </a:fld>
             <a:endParaRPr lang="en-US"/>
           </a:p>
@@ -12599,7 +13799,7 @@
                 </a:solidFill>
               </a:rPr>
               <a:pPr algn="r"/>
-              <a:t>‹#›</a:t>
+              <a:t>‹Nr.›</a:t>
             </a:fld>
             <a:r>
               <a:rPr lang="de-DE" sz="1400" dirty="0">
@@ -12610,7 +13810,7 @@
                   </a:schemeClr>
                 </a:solidFill>
               </a:rPr>
-              <a:t>/26</a:t>
+              <a:t>/28</a:t>
             </a:r>
             <a:endParaRPr lang="en-US" sz="1400" dirty="0">
               <a:solidFill>
@@ -13663,6 +14863,209 @@
   <p:clrMapOvr>
     <a:masterClrMapping/>
   </p:clrMapOvr>
+  <p:timing>
+    <p:tnLst>
+      <p:par>
+        <p:cTn id="1" dur="indefinite" restart="never" nodeType="tmRoot">
+          <p:childTnLst>
+            <p:seq concurrent="1" nextAc="seek">
+              <p:cTn id="2" dur="indefinite" nodeType="mainSeq">
+                <p:childTnLst>
+                  <p:par>
+                    <p:cTn id="3" fill="hold">
+                      <p:stCondLst>
+                        <p:cond delay="indefinite"/>
+                      </p:stCondLst>
+                      <p:childTnLst>
+                        <p:par>
+                          <p:cTn id="4" fill="hold">
+                            <p:stCondLst>
+                              <p:cond delay="0"/>
+                            </p:stCondLst>
+                            <p:childTnLst>
+                              <p:par>
+                                <p:cTn id="5" presetID="1" presetClass="entr" presetSubtype="0" fill="hold" nodeType="clickEffect">
+                                  <p:stCondLst>
+                                    <p:cond delay="0"/>
+                                  </p:stCondLst>
+                                  <p:childTnLst>
+                                    <p:set>
+                                      <p:cBhvr>
+                                        <p:cTn id="6" dur="1" fill="hold">
+                                          <p:stCondLst>
+                                            <p:cond delay="0"/>
+                                          </p:stCondLst>
+                                        </p:cTn>
+                                        <p:tgtEl>
+                                          <p:spTgt spid="3">
+                                            <p:txEl>
+                                              <p:pRg st="4" end="4"/>
+                                            </p:txEl>
+                                          </p:spTgt>
+                                        </p:tgtEl>
+                                        <p:attrNameLst>
+                                          <p:attrName>style.visibility</p:attrName>
+                                        </p:attrNameLst>
+                                      </p:cBhvr>
+                                      <p:to>
+                                        <p:strVal val="visible"/>
+                                      </p:to>
+                                    </p:set>
+                                  </p:childTnLst>
+                                </p:cTn>
+                              </p:par>
+                              <p:par>
+                                <p:cTn id="7" presetID="1" presetClass="entr" presetSubtype="0" fill="hold" nodeType="withEffect">
+                                  <p:stCondLst>
+                                    <p:cond delay="0"/>
+                                  </p:stCondLst>
+                                  <p:childTnLst>
+                                    <p:set>
+                                      <p:cBhvr>
+                                        <p:cTn id="8" dur="1" fill="hold">
+                                          <p:stCondLst>
+                                            <p:cond delay="0"/>
+                                          </p:stCondLst>
+                                        </p:cTn>
+                                        <p:tgtEl>
+                                          <p:spTgt spid="3">
+                                            <p:txEl>
+                                              <p:pRg st="5" end="5"/>
+                                            </p:txEl>
+                                          </p:spTgt>
+                                        </p:tgtEl>
+                                        <p:attrNameLst>
+                                          <p:attrName>style.visibility</p:attrName>
+                                        </p:attrNameLst>
+                                      </p:cBhvr>
+                                      <p:to>
+                                        <p:strVal val="visible"/>
+                                      </p:to>
+                                    </p:set>
+                                  </p:childTnLst>
+                                </p:cTn>
+                              </p:par>
+                              <p:par>
+                                <p:cTn id="9" presetID="1" presetClass="entr" presetSubtype="0" fill="hold" nodeType="withEffect">
+                                  <p:stCondLst>
+                                    <p:cond delay="0"/>
+                                  </p:stCondLst>
+                                  <p:childTnLst>
+                                    <p:set>
+                                      <p:cBhvr>
+                                        <p:cTn id="10" dur="1" fill="hold">
+                                          <p:stCondLst>
+                                            <p:cond delay="0"/>
+                                          </p:stCondLst>
+                                        </p:cTn>
+                                        <p:tgtEl>
+                                          <p:spTgt spid="3">
+                                            <p:txEl>
+                                              <p:pRg st="6" end="6"/>
+                                            </p:txEl>
+                                          </p:spTgt>
+                                        </p:tgtEl>
+                                        <p:attrNameLst>
+                                          <p:attrName>style.visibility</p:attrName>
+                                        </p:attrNameLst>
+                                      </p:cBhvr>
+                                      <p:to>
+                                        <p:strVal val="visible"/>
+                                      </p:to>
+                                    </p:set>
+                                  </p:childTnLst>
+                                </p:cTn>
+                              </p:par>
+                              <p:par>
+                                <p:cTn id="11" presetID="1" presetClass="entr" presetSubtype="0" fill="hold" nodeType="withEffect">
+                                  <p:stCondLst>
+                                    <p:cond delay="0"/>
+                                  </p:stCondLst>
+                                  <p:childTnLst>
+                                    <p:set>
+                                      <p:cBhvr>
+                                        <p:cTn id="12" dur="1" fill="hold">
+                                          <p:stCondLst>
+                                            <p:cond delay="0"/>
+                                          </p:stCondLst>
+                                        </p:cTn>
+                                        <p:tgtEl>
+                                          <p:spTgt spid="3">
+                                            <p:txEl>
+                                              <p:pRg st="7" end="7"/>
+                                            </p:txEl>
+                                          </p:spTgt>
+                                        </p:tgtEl>
+                                        <p:attrNameLst>
+                                          <p:attrName>style.visibility</p:attrName>
+                                        </p:attrNameLst>
+                                      </p:cBhvr>
+                                      <p:to>
+                                        <p:strVal val="visible"/>
+                                      </p:to>
+                                    </p:set>
+                                  </p:childTnLst>
+                                </p:cTn>
+                              </p:par>
+                              <p:par>
+                                <p:cTn id="13" presetID="1" presetClass="entr" presetSubtype="0" fill="hold" nodeType="withEffect">
+                                  <p:stCondLst>
+                                    <p:cond delay="0"/>
+                                  </p:stCondLst>
+                                  <p:childTnLst>
+                                    <p:set>
+                                      <p:cBhvr>
+                                        <p:cTn id="14" dur="1" fill="hold">
+                                          <p:stCondLst>
+                                            <p:cond delay="0"/>
+                                          </p:stCondLst>
+                                        </p:cTn>
+                                        <p:tgtEl>
+                                          <p:spTgt spid="3">
+                                            <p:txEl>
+                                              <p:pRg st="8" end="8"/>
+                                            </p:txEl>
+                                          </p:spTgt>
+                                        </p:tgtEl>
+                                        <p:attrNameLst>
+                                          <p:attrName>style.visibility</p:attrName>
+                                        </p:attrNameLst>
+                                      </p:cBhvr>
+                                      <p:to>
+                                        <p:strVal val="visible"/>
+                                      </p:to>
+                                    </p:set>
+                                  </p:childTnLst>
+                                </p:cTn>
+                              </p:par>
+                            </p:childTnLst>
+                          </p:cTn>
+                        </p:par>
+                      </p:childTnLst>
+                    </p:cTn>
+                  </p:par>
+                </p:childTnLst>
+              </p:cTn>
+              <p:prevCondLst>
+                <p:cond evt="onPrev" delay="0">
+                  <p:tgtEl>
+                    <p:sldTgt/>
+                  </p:tgtEl>
+                </p:cond>
+              </p:prevCondLst>
+              <p:nextCondLst>
+                <p:cond evt="onNext" delay="0">
+                  <p:tgtEl>
+                    <p:sldTgt/>
+                  </p:tgtEl>
+                </p:cond>
+              </p:nextCondLst>
+            </p:seq>
+          </p:childTnLst>
+        </p:cTn>
+      </p:par>
+    </p:tnLst>
+  </p:timing>
 </p:sld>
 </file>
 
@@ -14562,7 +15965,7 @@
             </a:r>
             <a:r>
               <a:rPr lang="de-DE" dirty="0" err="1"/>
-              <a:t>hughly</a:t>
+              <a:t>highly</a:t>
             </a:r>
             <a:r>
               <a:rPr lang="de-DE" dirty="0"/>
@@ -16888,7 +18291,7 @@
 </file>
 
 <file path=ppt/slides/slide19.xml><?xml version="1.0" encoding="utf-8"?>
-<p:sld xmlns:a="http://schemas.openxmlformats.org/drawingml/2006/main" xmlns:r="http://schemas.openxmlformats.org/officeDocument/2006/relationships" xmlns:p="http://schemas.openxmlformats.org/presentationml/2006/main" show="0">
+<p:sld xmlns:a="http://schemas.openxmlformats.org/drawingml/2006/main" xmlns:r="http://schemas.openxmlformats.org/officeDocument/2006/relationships" xmlns:p="http://schemas.openxmlformats.org/presentationml/2006/main">
   <p:cSld>
     <p:spTree>
       <p:nvGrpSpPr>
@@ -17466,7 +18869,7 @@
 </file>
 
 <file path=ppt/slides/slide20.xml><?xml version="1.0" encoding="utf-8"?>
-<p:sld xmlns:a="http://schemas.openxmlformats.org/drawingml/2006/main" xmlns:r="http://schemas.openxmlformats.org/officeDocument/2006/relationships" xmlns:p="http://schemas.openxmlformats.org/presentationml/2006/main" show="0">
+<p:sld xmlns:a="http://schemas.openxmlformats.org/drawingml/2006/main" xmlns:r="http://schemas.openxmlformats.org/officeDocument/2006/relationships" xmlns:p="http://schemas.openxmlformats.org/presentationml/2006/main">
   <p:cSld>
     <p:spTree>
       <p:nvGrpSpPr>
@@ -17504,68 +18907,19 @@
           <a:lstStyle/>
           <a:p>
             <a:r>
-              <a:rPr lang="de-DE" dirty="0" err="1"/>
-              <a:t>Excursus</a:t>
+              <a:rPr lang="de-DE" dirty="0"/>
+              <a:t>Experiments</a:t>
             </a:r>
             <a:endParaRPr lang="en-US" dirty="0"/>
-          </a:p>
-        </p:txBody>
-      </p:sp>
-      <p:sp>
-        <p:nvSpPr>
-          <p:cNvPr id="3" name="Content Placeholder 2">
-            <a:extLst>
-              <a:ext uri="{FF2B5EF4-FFF2-40B4-BE49-F238E27FC236}">
-                <a16:creationId xmlns:a16="http://schemas.microsoft.com/office/drawing/2014/main" id="{AAA6737D-88F2-417D-86D8-44F3687C5F16}"/>
-              </a:ext>
-            </a:extLst>
-          </p:cNvPr>
-          <p:cNvSpPr>
-            <a:spLocks noGrp="1"/>
-          </p:cNvSpPr>
-          <p:nvPr>
-            <p:ph idx="1"/>
-          </p:nvPr>
-        </p:nvSpPr>
-        <p:spPr>
-          <a:xfrm>
-            <a:off x="838200" y="1825625"/>
-            <a:ext cx="10515600" cy="523437"/>
-          </a:xfrm>
-        </p:spPr>
-        <p:txBody>
-          <a:bodyPr/>
-          <a:lstStyle/>
-          <a:p>
-            <a:pPr marL="0" indent="0">
-              <a:buNone/>
-            </a:pPr>
-            <a:r>
-              <a:rPr lang="de-DE" b="1" u="sng" dirty="0" err="1"/>
-              <a:t>Asymmetric</a:t>
-            </a:r>
-            <a:r>
-              <a:rPr lang="de-DE" b="1" u="sng" dirty="0"/>
-              <a:t> </a:t>
-            </a:r>
-            <a:r>
-              <a:rPr lang="de-DE" b="1" u="sng" dirty="0" err="1"/>
-              <a:t>Convolution</a:t>
-            </a:r>
-            <a:r>
-              <a:rPr lang="de-DE" b="1" u="sng" dirty="0"/>
-              <a:t> Block (ACB) [16]:</a:t>
-            </a:r>
-            <a:endParaRPr lang="en-US" b="1" u="sng" dirty="0"/>
           </a:p>
         </p:txBody>
       </p:sp>
       <p:pic>
         <p:nvPicPr>
-          <p:cNvPr id="6" name="Picture 5">
+          <p:cNvPr id="3" name="Picture 2">
             <a:extLst>
               <a:ext uri="{FF2B5EF4-FFF2-40B4-BE49-F238E27FC236}">
-                <a16:creationId xmlns:a16="http://schemas.microsoft.com/office/drawing/2014/main" id="{9106BC68-7940-444F-A323-360D610E121F}"/>
+                <a16:creationId xmlns:a16="http://schemas.microsoft.com/office/drawing/2014/main" id="{0DAF9C32-D256-4871-86DA-18DC78E76004}"/>
               </a:ext>
             </a:extLst>
           </p:cNvPr>
@@ -17582,8 +18936,38 @@
         </p:blipFill>
         <p:spPr>
           <a:xfrm>
-            <a:off x="3609215" y="2483999"/>
-            <a:ext cx="4813008" cy="4044860"/>
+            <a:off x="753979" y="2388520"/>
+            <a:ext cx="4901937" cy="2532396"/>
+          </a:xfrm>
+          <a:prstGeom prst="rect">
+            <a:avLst/>
+          </a:prstGeom>
+        </p:spPr>
+      </p:pic>
+      <p:pic>
+        <p:nvPicPr>
+          <p:cNvPr id="7" name="Picture 6">
+            <a:extLst>
+              <a:ext uri="{FF2B5EF4-FFF2-40B4-BE49-F238E27FC236}">
+                <a16:creationId xmlns:a16="http://schemas.microsoft.com/office/drawing/2014/main" id="{0C4F48E6-96C1-42D5-8CC0-A1D8ED7C1EA6}"/>
+              </a:ext>
+            </a:extLst>
+          </p:cNvPr>
+          <p:cNvPicPr>
+            <a:picLocks noChangeAspect="1"/>
+          </p:cNvPicPr>
+          <p:nvPr/>
+        </p:nvPicPr>
+        <p:blipFill>
+          <a:blip r:embed="rId4"/>
+          <a:stretch>
+            <a:fillRect/>
+          </a:stretch>
+        </p:blipFill>
+        <p:spPr>
+          <a:xfrm>
+            <a:off x="6096000" y="2388520"/>
+            <a:ext cx="4788568" cy="2644819"/>
           </a:xfrm>
           <a:prstGeom prst="rect">
             <a:avLst/>
@@ -17593,7 +18977,7 @@
     </p:spTree>
     <p:extLst>
       <p:ext uri="{BB962C8B-B14F-4D97-AF65-F5344CB8AC3E}">
-        <p14:creationId xmlns:p14="http://schemas.microsoft.com/office/powerpoint/2010/main" val="2664638310"/>
+        <p14:creationId xmlns:p14="http://schemas.microsoft.com/office/powerpoint/2010/main" val="1693980697"/>
       </p:ext>
     </p:extLst>
   </p:cSld>
@@ -17642,12 +19026,8 @@
           <a:lstStyle/>
           <a:p>
             <a:r>
-              <a:rPr lang="de-DE" dirty="0"/>
-              <a:t>Highlights and </a:t>
-            </a:r>
-            <a:r>
-              <a:rPr lang="de-DE" dirty="0" err="1"/>
-              <a:t>Weaknesses</a:t>
+              <a:rPr lang="de-DE" dirty="0" err="1"/>
+              <a:t>Excursus</a:t>
             </a:r>
             <a:endParaRPr lang="en-US" dirty="0"/>
           </a:p>
@@ -17669,7 +19049,12 @@
             <p:ph idx="1"/>
           </p:nvPr>
         </p:nvSpPr>
-        <p:spPr/>
+        <p:spPr>
+          <a:xfrm>
+            <a:off x="838200" y="1825625"/>
+            <a:ext cx="10515600" cy="523437"/>
+          </a:xfrm>
+        </p:spPr>
         <p:txBody>
           <a:bodyPr/>
           <a:lstStyle/>
@@ -17678,182 +19063,59 @@
               <a:buNone/>
             </a:pPr>
             <a:r>
+              <a:rPr lang="de-DE" b="1" u="sng" dirty="0" err="1"/>
+              <a:t>Asymmetric</a:t>
+            </a:r>
+            <a:r>
               <a:rPr lang="de-DE" b="1" u="sng" dirty="0"/>
-              <a:t>Highlights:</a:t>
-            </a:r>
-          </a:p>
-          <a:p>
-            <a:r>
-              <a:rPr lang="de-DE" dirty="0"/>
-              <a:t>Proof </a:t>
-            </a:r>
-            <a:r>
-              <a:rPr lang="de-DE" dirty="0" err="1"/>
-              <a:t>that</a:t>
-            </a:r>
-            <a:r>
-              <a:rPr lang="de-DE" dirty="0"/>
-              <a:t> </a:t>
-            </a:r>
-            <a:r>
-              <a:rPr lang="de-DE" dirty="0" err="1"/>
-              <a:t>plain</a:t>
-            </a:r>
-            <a:r>
-              <a:rPr lang="de-DE" dirty="0"/>
-              <a:t> </a:t>
-            </a:r>
-            <a:r>
-              <a:rPr lang="de-DE" dirty="0" err="1"/>
-              <a:t>ConvNets</a:t>
-            </a:r>
-            <a:r>
-              <a:rPr lang="de-DE" dirty="0"/>
-              <a:t> </a:t>
-            </a:r>
-            <a:r>
-              <a:rPr lang="de-DE" dirty="0" err="1"/>
-              <a:t>can</a:t>
-            </a:r>
-            <a:r>
-              <a:rPr lang="de-DE" dirty="0"/>
-              <a:t> </a:t>
-            </a:r>
-            <a:r>
-              <a:rPr lang="de-DE" dirty="0" err="1"/>
-              <a:t>outperform</a:t>
-            </a:r>
-            <a:r>
-              <a:rPr lang="de-DE" dirty="0"/>
-              <a:t> </a:t>
-            </a:r>
-            <a:r>
-              <a:rPr lang="de-DE" dirty="0" err="1"/>
-              <a:t>ResNet</a:t>
-            </a:r>
-            <a:r>
-              <a:rPr lang="de-DE" dirty="0"/>
-              <a:t>-like </a:t>
-            </a:r>
-            <a:r>
-              <a:rPr lang="de-DE" dirty="0" err="1"/>
-              <a:t>architectures</a:t>
-            </a:r>
-            <a:endParaRPr lang="de-DE" dirty="0"/>
-          </a:p>
-          <a:p>
-            <a:r>
-              <a:rPr lang="de-DE" dirty="0" err="1"/>
-              <a:t>Novel</a:t>
-            </a:r>
-            <a:r>
-              <a:rPr lang="de-DE" dirty="0"/>
-              <a:t> </a:t>
-            </a:r>
-            <a:r>
-              <a:rPr lang="de-DE" dirty="0" err="1"/>
-              <a:t>re-parameterization</a:t>
-            </a:r>
-            <a:r>
-              <a:rPr lang="de-DE" dirty="0"/>
-              <a:t> </a:t>
-            </a:r>
-            <a:r>
-              <a:rPr lang="de-DE" dirty="0" err="1"/>
-              <a:t>technique</a:t>
-            </a:r>
-            <a:r>
-              <a:rPr lang="de-DE" dirty="0"/>
-              <a:t> </a:t>
-            </a:r>
-            <a:r>
-              <a:rPr lang="de-DE" dirty="0" err="1"/>
-              <a:t>based</a:t>
-            </a:r>
-            <a:r>
-              <a:rPr lang="de-DE" dirty="0"/>
-              <a:t> on </a:t>
-            </a:r>
-            <a:r>
-              <a:rPr lang="en-US" dirty="0"/>
-              <a:t>parameters of a structure to parameterize another structure</a:t>
-            </a:r>
-            <a:endParaRPr lang="de-DE" dirty="0"/>
-          </a:p>
-          <a:p>
-            <a:r>
-              <a:rPr lang="de-DE" dirty="0" err="1"/>
-              <a:t>Accuracy</a:t>
-            </a:r>
-            <a:r>
-              <a:rPr lang="de-DE" dirty="0"/>
-              <a:t>-speed trade-off</a:t>
-            </a:r>
-          </a:p>
-          <a:p>
-            <a:r>
-              <a:rPr lang="de-DE" dirty="0" err="1"/>
-              <a:t>Optimized</a:t>
-            </a:r>
-            <a:r>
-              <a:rPr lang="de-DE" dirty="0"/>
-              <a:t> </a:t>
-            </a:r>
-            <a:r>
-              <a:rPr lang="de-DE" dirty="0" err="1"/>
-              <a:t>for</a:t>
-            </a:r>
-            <a:r>
-              <a:rPr lang="de-DE" dirty="0"/>
-              <a:t> GPUs and </a:t>
-            </a:r>
-            <a:r>
-              <a:rPr lang="de-DE" dirty="0" err="1"/>
-              <a:t>other</a:t>
-            </a:r>
-            <a:r>
-              <a:rPr lang="de-DE" dirty="0"/>
-              <a:t> </a:t>
-            </a:r>
-            <a:r>
-              <a:rPr lang="de-DE" dirty="0" err="1"/>
-              <a:t>specialized</a:t>
-            </a:r>
-            <a:r>
-              <a:rPr lang="de-DE" dirty="0"/>
-              <a:t> </a:t>
-            </a:r>
-            <a:r>
-              <a:rPr lang="de-DE" dirty="0" err="1"/>
-              <a:t>hardware</a:t>
-            </a:r>
-            <a:endParaRPr lang="de-DE" dirty="0"/>
-          </a:p>
-          <a:p>
-            <a:r>
-              <a:rPr lang="de-DE" dirty="0"/>
-              <a:t>Simple </a:t>
-            </a:r>
-            <a:r>
-              <a:rPr lang="de-DE" dirty="0" err="1"/>
-              <a:t>to</a:t>
-            </a:r>
-            <a:r>
-              <a:rPr lang="de-DE" dirty="0"/>
-              <a:t> </a:t>
-            </a:r>
-            <a:r>
-              <a:rPr lang="de-DE" dirty="0" err="1"/>
-              <a:t>implement</a:t>
-            </a:r>
-            <a:endParaRPr lang="de-DE" dirty="0"/>
+              <a:t> </a:t>
+            </a:r>
+            <a:r>
+              <a:rPr lang="de-DE" b="1" u="sng" dirty="0" err="1"/>
+              <a:t>Convolution</a:t>
+            </a:r>
+            <a:r>
+              <a:rPr lang="de-DE" b="1" u="sng" dirty="0"/>
+              <a:t> Block (ACB) [16]:</a:t>
+            </a:r>
+            <a:endParaRPr lang="en-US" b="1" u="sng" dirty="0"/>
           </a:p>
         </p:txBody>
       </p:sp>
+      <p:pic>
+        <p:nvPicPr>
+          <p:cNvPr id="6" name="Picture 5">
+            <a:extLst>
+              <a:ext uri="{FF2B5EF4-FFF2-40B4-BE49-F238E27FC236}">
+                <a16:creationId xmlns:a16="http://schemas.microsoft.com/office/drawing/2014/main" id="{9106BC68-7940-444F-A323-360D610E121F}"/>
+              </a:ext>
+            </a:extLst>
+          </p:cNvPr>
+          <p:cNvPicPr>
+            <a:picLocks noChangeAspect="1"/>
+          </p:cNvPicPr>
+          <p:nvPr/>
+        </p:nvPicPr>
+        <p:blipFill>
+          <a:blip r:embed="rId3"/>
+          <a:stretch>
+            <a:fillRect/>
+          </a:stretch>
+        </p:blipFill>
+        <p:spPr>
+          <a:xfrm>
+            <a:off x="3609215" y="2483999"/>
+            <a:ext cx="4813008" cy="4044860"/>
+          </a:xfrm>
+          <a:prstGeom prst="rect">
+            <a:avLst/>
+          </a:prstGeom>
+        </p:spPr>
+      </p:pic>
     </p:spTree>
     <p:extLst>
       <p:ext uri="{BB962C8B-B14F-4D97-AF65-F5344CB8AC3E}">
-        <p14:creationId xmlns:p14="http://schemas.microsoft.com/office/powerpoint/2010/main" val="1077807689"/>
+        <p14:creationId xmlns:p14="http://schemas.microsoft.com/office/powerpoint/2010/main" val="2664638310"/>
       </p:ext>
     </p:extLst>
   </p:cSld>
@@ -17903,300 +19165,76 @@
           <a:p>
             <a:r>
               <a:rPr lang="de-DE" dirty="0"/>
-              <a:t>Highlights and </a:t>
-            </a:r>
-            <a:r>
-              <a:rPr lang="de-DE" dirty="0" err="1"/>
-              <a:t>Weaknesses</a:t>
+              <a:t>Experiments</a:t>
             </a:r>
             <a:endParaRPr lang="en-US" dirty="0"/>
           </a:p>
         </p:txBody>
       </p:sp>
-      <p:sp>
-        <p:nvSpPr>
-          <p:cNvPr id="3" name="Content Placeholder 2">
+      <p:pic>
+        <p:nvPicPr>
+          <p:cNvPr id="3" name="Picture 2">
             <a:extLst>
               <a:ext uri="{FF2B5EF4-FFF2-40B4-BE49-F238E27FC236}">
-                <a16:creationId xmlns:a16="http://schemas.microsoft.com/office/drawing/2014/main" id="{AAA6737D-88F2-417D-86D8-44F3687C5F16}"/>
+                <a16:creationId xmlns:a16="http://schemas.microsoft.com/office/drawing/2014/main" id="{0DAF9C32-D256-4871-86DA-18DC78E76004}"/>
               </a:ext>
             </a:extLst>
           </p:cNvPr>
-          <p:cNvSpPr>
-            <a:spLocks noGrp="1"/>
-          </p:cNvSpPr>
-          <p:nvPr>
-            <p:ph idx="1"/>
-          </p:nvPr>
-        </p:nvSpPr>
-        <p:spPr/>
-        <p:txBody>
-          <a:bodyPr/>
-          <a:lstStyle/>
-          <a:p>
-            <a:pPr marL="0" indent="0">
-              <a:buNone/>
-            </a:pPr>
-            <a:r>
-              <a:rPr lang="de-DE" b="1" u="sng" dirty="0" err="1"/>
-              <a:t>Weaknesses</a:t>
-            </a:r>
-            <a:r>
-              <a:rPr lang="de-DE" b="1" u="sng" dirty="0"/>
-              <a:t>:</a:t>
-            </a:r>
-          </a:p>
-          <a:p>
-            <a:pPr marL="171450" indent="-171450"/>
-            <a:r>
-              <a:rPr lang="de-DE" dirty="0"/>
-              <a:t>Parameter </a:t>
-            </a:r>
-            <a:r>
-              <a:rPr lang="de-DE" dirty="0" err="1"/>
-              <a:t>inefficient</a:t>
-            </a:r>
-            <a:r>
-              <a:rPr lang="de-DE" dirty="0"/>
-              <a:t> </a:t>
-            </a:r>
-            <a:r>
-              <a:rPr lang="de-DE" dirty="0" err="1"/>
-              <a:t>compared</a:t>
-            </a:r>
-            <a:r>
-              <a:rPr lang="de-DE" dirty="0"/>
-              <a:t> </a:t>
-            </a:r>
-            <a:r>
-              <a:rPr lang="de-DE" dirty="0" err="1"/>
-              <a:t>to</a:t>
-            </a:r>
-            <a:r>
-              <a:rPr lang="de-DE" dirty="0"/>
-              <a:t> modern </a:t>
-            </a:r>
-            <a:r>
-              <a:rPr lang="de-DE" dirty="0" err="1"/>
-              <a:t>architectures</a:t>
-            </a:r>
-            <a:r>
-              <a:rPr lang="de-DE" dirty="0"/>
-              <a:t> like </a:t>
-            </a:r>
-            <a:r>
-              <a:rPr lang="de-DE" dirty="0" err="1"/>
-              <a:t>EfficientNet</a:t>
-            </a:r>
-            <a:r>
-              <a:rPr lang="de-DE" dirty="0"/>
-              <a:t> </a:t>
-            </a:r>
-            <a:r>
-              <a:rPr lang="de-DE" dirty="0" err="1"/>
-              <a:t>or</a:t>
-            </a:r>
-            <a:r>
-              <a:rPr lang="de-DE" dirty="0"/>
-              <a:t> </a:t>
-            </a:r>
-            <a:r>
-              <a:rPr lang="de-DE" dirty="0" err="1"/>
-              <a:t>RegNetX</a:t>
-            </a:r>
-            <a:r>
-              <a:rPr lang="de-DE" dirty="0"/>
-              <a:t> (</a:t>
-            </a:r>
-            <a:r>
-              <a:rPr lang="de-DE" dirty="0" err="1"/>
-              <a:t>less</a:t>
-            </a:r>
-            <a:r>
-              <a:rPr lang="de-DE" dirty="0"/>
-              <a:t> </a:t>
-            </a:r>
-            <a:r>
-              <a:rPr lang="de-DE" dirty="0" err="1"/>
-              <a:t>favored</a:t>
-            </a:r>
-            <a:r>
-              <a:rPr lang="de-DE" dirty="0"/>
-              <a:t> </a:t>
-            </a:r>
-            <a:r>
-              <a:rPr lang="de-DE" dirty="0" err="1"/>
-              <a:t>than</a:t>
-            </a:r>
-            <a:r>
-              <a:rPr lang="de-DE" dirty="0"/>
-              <a:t> mobile-regime </a:t>
-            </a:r>
-            <a:r>
-              <a:rPr lang="de-DE" dirty="0" err="1"/>
-              <a:t>MobileNets</a:t>
-            </a:r>
-            <a:r>
-              <a:rPr lang="de-DE" dirty="0"/>
-              <a:t> and </a:t>
-            </a:r>
-            <a:r>
-              <a:rPr lang="de-DE" dirty="0" err="1"/>
-              <a:t>ShuffleNets</a:t>
-            </a:r>
-            <a:r>
-              <a:rPr lang="de-DE" dirty="0"/>
-              <a:t> </a:t>
-            </a:r>
-            <a:r>
-              <a:rPr lang="de-DE" dirty="0" err="1"/>
-              <a:t>for</a:t>
-            </a:r>
-            <a:r>
-              <a:rPr lang="de-DE" dirty="0"/>
-              <a:t> </a:t>
-            </a:r>
-            <a:r>
-              <a:rPr lang="de-DE" dirty="0" err="1"/>
-              <a:t>low</a:t>
-            </a:r>
-            <a:r>
-              <a:rPr lang="de-DE" dirty="0"/>
-              <a:t>-power </a:t>
-            </a:r>
-            <a:r>
-              <a:rPr lang="de-DE" dirty="0" err="1"/>
-              <a:t>devices</a:t>
-            </a:r>
-            <a:r>
-              <a:rPr lang="de-DE" dirty="0"/>
-              <a:t>)</a:t>
-            </a:r>
-          </a:p>
-          <a:p>
-            <a:pPr marL="171450" indent="-171450"/>
-            <a:r>
-              <a:rPr lang="de-DE" dirty="0"/>
-              <a:t>Additional </a:t>
-            </a:r>
-            <a:r>
-              <a:rPr lang="de-DE" dirty="0" err="1"/>
-              <a:t>restrictions</a:t>
-            </a:r>
-            <a:r>
-              <a:rPr lang="de-DE" dirty="0"/>
-              <a:t>: 3x3 </a:t>
-            </a:r>
-            <a:r>
-              <a:rPr lang="de-DE" dirty="0" err="1"/>
-              <a:t>convolutions</a:t>
-            </a:r>
-            <a:r>
-              <a:rPr lang="de-DE" dirty="0"/>
-              <a:t>, </a:t>
-            </a:r>
-            <a:r>
-              <a:rPr lang="de-DE" dirty="0" err="1"/>
-              <a:t>equal</a:t>
-            </a:r>
-            <a:r>
-              <a:rPr lang="de-DE" dirty="0"/>
-              <a:t> </a:t>
-            </a:r>
-            <a:r>
-              <a:rPr lang="de-DE" dirty="0" err="1"/>
-              <a:t>stride</a:t>
-            </a:r>
-            <a:r>
-              <a:rPr lang="de-DE" dirty="0"/>
-              <a:t>, </a:t>
-            </a:r>
-            <a:r>
-              <a:rPr lang="de-DE" dirty="0" err="1"/>
-              <a:t>padding</a:t>
-            </a:r>
-            <a:endParaRPr lang="de-DE" dirty="0"/>
-          </a:p>
-          <a:p>
-            <a:pPr marL="171450" indent="-171450"/>
-            <a:r>
-              <a:rPr lang="de-DE" dirty="0"/>
-              <a:t>Models </a:t>
-            </a:r>
-            <a:r>
-              <a:rPr lang="de-DE" dirty="0" err="1"/>
-              <a:t>they</a:t>
-            </a:r>
-            <a:r>
-              <a:rPr lang="de-DE" dirty="0"/>
-              <a:t> </a:t>
-            </a:r>
-            <a:r>
-              <a:rPr lang="de-DE" dirty="0" err="1"/>
-              <a:t>compare</a:t>
-            </a:r>
-            <a:r>
-              <a:rPr lang="de-DE" dirty="0"/>
-              <a:t> </a:t>
-            </a:r>
-            <a:r>
-              <a:rPr lang="de-DE" dirty="0" err="1"/>
-              <a:t>with</a:t>
-            </a:r>
-            <a:r>
-              <a:rPr lang="de-DE" dirty="0"/>
-              <a:t> </a:t>
-            </a:r>
-            <a:r>
-              <a:rPr lang="de-DE" dirty="0" err="1"/>
-              <a:t>are</a:t>
-            </a:r>
-            <a:r>
-              <a:rPr lang="de-DE" dirty="0"/>
-              <a:t> </a:t>
-            </a:r>
-            <a:r>
-              <a:rPr lang="de-DE" dirty="0" err="1"/>
-              <a:t>biased</a:t>
-            </a:r>
-            <a:r>
-              <a:rPr lang="de-DE" dirty="0"/>
-              <a:t> </a:t>
-            </a:r>
-            <a:r>
-              <a:rPr lang="de-DE" dirty="0" err="1"/>
-              <a:t>for</a:t>
-            </a:r>
-            <a:r>
-              <a:rPr lang="de-DE" dirty="0"/>
-              <a:t> </a:t>
-            </a:r>
-            <a:r>
-              <a:rPr lang="de-DE" dirty="0" err="1"/>
-              <a:t>better</a:t>
-            </a:r>
-            <a:r>
-              <a:rPr lang="de-DE" dirty="0"/>
-              <a:t> </a:t>
-            </a:r>
-            <a:r>
-              <a:rPr lang="de-DE" dirty="0" err="1"/>
-              <a:t>positioning</a:t>
-            </a:r>
-            <a:endParaRPr lang="en-US" dirty="0"/>
-          </a:p>
-          <a:p>
-            <a:pPr marL="0" indent="0">
-              <a:buNone/>
-            </a:pPr>
-            <a:endParaRPr lang="de-DE" b="1" u="sng" dirty="0"/>
-          </a:p>
-        </p:txBody>
-      </p:sp>
+          <p:cNvPicPr>
+            <a:picLocks noChangeAspect="1"/>
+          </p:cNvPicPr>
+          <p:nvPr/>
+        </p:nvPicPr>
+        <p:blipFill>
+          <a:blip r:embed="rId3"/>
+          <a:stretch>
+            <a:fillRect/>
+          </a:stretch>
+        </p:blipFill>
+        <p:spPr>
+          <a:xfrm>
+            <a:off x="753979" y="2388520"/>
+            <a:ext cx="4901937" cy="2532396"/>
+          </a:xfrm>
+          <a:prstGeom prst="rect">
+            <a:avLst/>
+          </a:prstGeom>
+        </p:spPr>
+      </p:pic>
+      <p:pic>
+        <p:nvPicPr>
+          <p:cNvPr id="7" name="Picture 6">
+            <a:extLst>
+              <a:ext uri="{FF2B5EF4-FFF2-40B4-BE49-F238E27FC236}">
+                <a16:creationId xmlns:a16="http://schemas.microsoft.com/office/drawing/2014/main" id="{0C4F48E6-96C1-42D5-8CC0-A1D8ED7C1EA6}"/>
+              </a:ext>
+            </a:extLst>
+          </p:cNvPr>
+          <p:cNvPicPr>
+            <a:picLocks noChangeAspect="1"/>
+          </p:cNvPicPr>
+          <p:nvPr/>
+        </p:nvPicPr>
+        <p:blipFill>
+          <a:blip r:embed="rId4"/>
+          <a:stretch>
+            <a:fillRect/>
+          </a:stretch>
+        </p:blipFill>
+        <p:spPr>
+          <a:xfrm>
+            <a:off x="6096000" y="2388520"/>
+            <a:ext cx="4788568" cy="2644819"/>
+          </a:xfrm>
+          <a:prstGeom prst="rect">
+            <a:avLst/>
+          </a:prstGeom>
+        </p:spPr>
+      </p:pic>
     </p:spTree>
     <p:extLst>
       <p:ext uri="{BB962C8B-B14F-4D97-AF65-F5344CB8AC3E}">
-        <p14:creationId xmlns:p14="http://schemas.microsoft.com/office/powerpoint/2010/main" val="3554169838"/>
+        <p14:creationId xmlns:p14="http://schemas.microsoft.com/office/powerpoint/2010/main" val="450624500"/>
       </p:ext>
     </p:extLst>
   </p:cSld>
@@ -18245,8 +19283,12 @@
           <a:lstStyle/>
           <a:p>
             <a:r>
-              <a:rPr lang="de-DE" dirty="0" err="1"/>
-              <a:t>Conclusion</a:t>
+              <a:rPr lang="de-DE" dirty="0"/>
+              <a:t>Highlights and </a:t>
+            </a:r>
+            <a:r>
+              <a:rPr lang="de-DE" dirty="0" err="1"/>
+              <a:t>Weaknesses</a:t>
             </a:r>
             <a:endParaRPr lang="en-US" dirty="0"/>
           </a:p>
@@ -18268,40 +19310,191 @@
             <p:ph idx="1"/>
           </p:nvPr>
         </p:nvSpPr>
-        <p:spPr>
-          <a:xfrm>
-            <a:off x="838200" y="1825625"/>
-            <a:ext cx="10515600" cy="3346450"/>
-          </a:xfrm>
-        </p:spPr>
+        <p:spPr/>
         <p:txBody>
-          <a:bodyPr anchor="ctr">
-            <a:normAutofit/>
-          </a:bodyPr>
+          <a:bodyPr/>
           <a:lstStyle/>
           <a:p>
-            <a:pPr marL="0" indent="0" algn="ctr">
+            <a:pPr marL="0" indent="0">
               <a:buNone/>
             </a:pPr>
             <a:r>
-              <a:rPr lang="en-US" sz="4000" dirty="0"/>
-              <a:t>Making VGG-style </a:t>
-            </a:r>
-            <a:r>
-              <a:rPr lang="en-US" sz="4000" dirty="0" err="1"/>
+              <a:rPr lang="de-DE" b="1" u="sng" dirty="0"/>
+              <a:t>Highlights:</a:t>
+            </a:r>
+          </a:p>
+          <a:p>
+            <a:r>
+              <a:rPr lang="de-DE" dirty="0"/>
+              <a:t>Proof </a:t>
+            </a:r>
+            <a:r>
+              <a:rPr lang="de-DE" dirty="0" err="1"/>
+              <a:t>that</a:t>
+            </a:r>
+            <a:r>
+              <a:rPr lang="de-DE" dirty="0"/>
+              <a:t> </a:t>
+            </a:r>
+            <a:r>
+              <a:rPr lang="de-DE" dirty="0" err="1"/>
+              <a:t>plain</a:t>
+            </a:r>
+            <a:r>
+              <a:rPr lang="de-DE" dirty="0"/>
+              <a:t> </a:t>
+            </a:r>
+            <a:r>
+              <a:rPr lang="de-DE" dirty="0" err="1"/>
               <a:t>ConvNets</a:t>
             </a:r>
             <a:r>
-              <a:rPr lang="en-US" sz="4000" dirty="0"/>
-              <a:t> Great Again?</a:t>
-            </a:r>
+              <a:rPr lang="de-DE" dirty="0"/>
+              <a:t> </a:t>
+            </a:r>
+            <a:r>
+              <a:rPr lang="de-DE" dirty="0" err="1"/>
+              <a:t>can</a:t>
+            </a:r>
+            <a:r>
+              <a:rPr lang="de-DE" dirty="0"/>
+              <a:t> </a:t>
+            </a:r>
+            <a:r>
+              <a:rPr lang="de-DE" dirty="0" err="1"/>
+              <a:t>outperform</a:t>
+            </a:r>
+            <a:r>
+              <a:rPr lang="de-DE" dirty="0"/>
+              <a:t> </a:t>
+            </a:r>
+            <a:r>
+              <a:rPr lang="de-DE" dirty="0" err="1"/>
+              <a:t>ResNet</a:t>
+            </a:r>
+            <a:r>
+              <a:rPr lang="de-DE" dirty="0"/>
+              <a:t>-like </a:t>
+            </a:r>
+            <a:r>
+              <a:rPr lang="de-DE" dirty="0" err="1"/>
+              <a:t>architectures</a:t>
+            </a:r>
+            <a:endParaRPr lang="de-DE" dirty="0"/>
+          </a:p>
+          <a:p>
+            <a:r>
+              <a:rPr lang="de-DE" dirty="0" err="1"/>
+              <a:t>Novel</a:t>
+            </a:r>
+            <a:r>
+              <a:rPr lang="de-DE" dirty="0"/>
+              <a:t> </a:t>
+            </a:r>
+            <a:r>
+              <a:rPr lang="de-DE" dirty="0" err="1"/>
+              <a:t>re-parameterization</a:t>
+            </a:r>
+            <a:r>
+              <a:rPr lang="de-DE" dirty="0"/>
+              <a:t> </a:t>
+            </a:r>
+            <a:r>
+              <a:rPr lang="de-DE" dirty="0" err="1"/>
+              <a:t>technique</a:t>
+            </a:r>
+            <a:r>
+              <a:rPr lang="de-DE" dirty="0"/>
+              <a:t> </a:t>
+            </a:r>
+            <a:r>
+              <a:rPr lang="de-DE" dirty="0" err="1"/>
+              <a:t>based</a:t>
+            </a:r>
+            <a:r>
+              <a:rPr lang="de-DE" dirty="0"/>
+              <a:t> on </a:t>
+            </a:r>
+            <a:r>
+              <a:rPr lang="en-US" dirty="0"/>
+              <a:t>parameters of a structure to parameterize another structure</a:t>
+            </a:r>
+            <a:endParaRPr lang="de-DE" dirty="0"/>
+          </a:p>
+          <a:p>
+            <a:r>
+              <a:rPr lang="de-DE" dirty="0" err="1"/>
+              <a:t>Accuracy</a:t>
+            </a:r>
+            <a:r>
+              <a:rPr lang="de-DE" dirty="0"/>
+              <a:t>-speed trade-off</a:t>
+            </a:r>
+          </a:p>
+          <a:p>
+            <a:r>
+              <a:rPr lang="de-DE" dirty="0" err="1"/>
+              <a:t>Optimized</a:t>
+            </a:r>
+            <a:r>
+              <a:rPr lang="de-DE" dirty="0"/>
+              <a:t> </a:t>
+            </a:r>
+            <a:r>
+              <a:rPr lang="de-DE" dirty="0" err="1"/>
+              <a:t>for</a:t>
+            </a:r>
+            <a:r>
+              <a:rPr lang="de-DE" dirty="0"/>
+              <a:t> GPUs and </a:t>
+            </a:r>
+            <a:r>
+              <a:rPr lang="de-DE" dirty="0" err="1"/>
+              <a:t>other</a:t>
+            </a:r>
+            <a:r>
+              <a:rPr lang="de-DE" dirty="0"/>
+              <a:t> </a:t>
+            </a:r>
+            <a:r>
+              <a:rPr lang="de-DE" dirty="0" err="1"/>
+              <a:t>specialized</a:t>
+            </a:r>
+            <a:r>
+              <a:rPr lang="de-DE" dirty="0"/>
+              <a:t> </a:t>
+            </a:r>
+            <a:r>
+              <a:rPr lang="de-DE" dirty="0" err="1"/>
+              <a:t>hardware</a:t>
+            </a:r>
+            <a:endParaRPr lang="de-DE" dirty="0"/>
+          </a:p>
+          <a:p>
+            <a:r>
+              <a:rPr lang="de-DE" dirty="0"/>
+              <a:t>Simple </a:t>
+            </a:r>
+            <a:r>
+              <a:rPr lang="de-DE" dirty="0" err="1"/>
+              <a:t>to</a:t>
+            </a:r>
+            <a:r>
+              <a:rPr lang="de-DE" dirty="0"/>
+              <a:t> </a:t>
+            </a:r>
+            <a:r>
+              <a:rPr lang="de-DE" dirty="0" err="1"/>
+              <a:t>implement</a:t>
+            </a:r>
+            <a:endParaRPr lang="de-DE" dirty="0"/>
           </a:p>
         </p:txBody>
       </p:sp>
     </p:spTree>
     <p:extLst>
       <p:ext uri="{BB962C8B-B14F-4D97-AF65-F5344CB8AC3E}">
-        <p14:creationId xmlns:p14="http://schemas.microsoft.com/office/powerpoint/2010/main" val="1341937478"/>
+        <p14:creationId xmlns:p14="http://schemas.microsoft.com/office/powerpoint/2010/main" val="1077807689"/>
       </p:ext>
     </p:extLst>
   </p:cSld>
@@ -18350,8 +19543,12 @@
           <a:lstStyle/>
           <a:p>
             <a:r>
-              <a:rPr lang="de-DE" dirty="0" err="1"/>
-              <a:t>Bibliography</a:t>
+              <a:rPr lang="de-DE" dirty="0"/>
+              <a:t>Highlights and </a:t>
+            </a:r>
+            <a:r>
+              <a:rPr lang="de-DE" dirty="0" err="1"/>
+              <a:t>Weaknesses</a:t>
             </a:r>
             <a:endParaRPr lang="en-US" dirty="0"/>
           </a:p>
@@ -18375,362 +19572,266 @@
         </p:nvSpPr>
         <p:spPr/>
         <p:txBody>
-          <a:bodyPr>
-            <a:normAutofit/>
-          </a:bodyPr>
+          <a:bodyPr/>
           <a:lstStyle/>
           <a:p>
             <a:pPr marL="0" indent="0">
               <a:buNone/>
             </a:pPr>
             <a:r>
-              <a:rPr lang="de-DE" sz="2000" dirty="0"/>
-              <a:t>[1] Andrew </a:t>
-            </a:r>
-            <a:r>
-              <a:rPr lang="de-DE" sz="2000" dirty="0" err="1"/>
-              <a:t>Zisserman</a:t>
-            </a:r>
-            <a:r>
-              <a:rPr lang="de-DE" sz="2000" dirty="0"/>
-              <a:t>, Karen </a:t>
-            </a:r>
-            <a:r>
-              <a:rPr lang="de-DE" sz="2000" dirty="0" err="1"/>
-              <a:t>Simonyan</a:t>
-            </a:r>
-            <a:r>
-              <a:rPr lang="de-DE" sz="2000" dirty="0"/>
-              <a:t>. „</a:t>
-            </a:r>
-            <a:r>
-              <a:rPr lang="en-US" sz="2000" dirty="0"/>
-              <a:t>Very Deep Convolutional Networks for Large-Scale Image Recognition”, 2014. </a:t>
-            </a:r>
-            <a:r>
-              <a:rPr lang="de-DE" sz="2000" dirty="0">
-                <a:hlinkClick r:id="rId3"/>
-              </a:rPr>
-              <a:t>https://arxiv.org/pdf/1409.1556.pdf</a:t>
-            </a:r>
-            <a:r>
-              <a:rPr lang="de-DE" sz="2000" dirty="0"/>
-              <a:t>.</a:t>
-            </a:r>
-          </a:p>
-          <a:p>
-            <a:pPr marL="0" indent="0">
-              <a:buNone/>
-            </a:pPr>
-            <a:r>
-              <a:rPr lang="de-DE" sz="2000" dirty="0"/>
-              <a:t>[2] </a:t>
-            </a:r>
-            <a:r>
-              <a:rPr lang="en-US" sz="2000" dirty="0"/>
-              <a:t>Christian </a:t>
-            </a:r>
-            <a:r>
-              <a:rPr lang="en-US" sz="2000" dirty="0" err="1"/>
-              <a:t>Szegedy</a:t>
-            </a:r>
-            <a:r>
-              <a:rPr lang="en-US" sz="2000" dirty="0"/>
-              <a:t>, Wei Liu, </a:t>
-            </a:r>
-            <a:r>
-              <a:rPr lang="en-US" sz="2000" dirty="0" err="1"/>
-              <a:t>Yangqing</a:t>
-            </a:r>
-            <a:r>
-              <a:rPr lang="en-US" sz="2000" dirty="0"/>
-              <a:t> Jia, Pierre </a:t>
-            </a:r>
-            <a:r>
-              <a:rPr lang="en-US" sz="2000" dirty="0" err="1"/>
-              <a:t>Sermanet</a:t>
-            </a:r>
-            <a:r>
-              <a:rPr lang="en-US" sz="2000" dirty="0"/>
-              <a:t>, Scott Reed, Dragomir </a:t>
-            </a:r>
-            <a:r>
-              <a:rPr lang="en-US" sz="2000" dirty="0" err="1"/>
-              <a:t>Anguelov</a:t>
-            </a:r>
-            <a:r>
-              <a:rPr lang="en-US" sz="2000" dirty="0"/>
-              <a:t>, Dumitru Erhan, Vincent </a:t>
-            </a:r>
-            <a:r>
-              <a:rPr lang="en-US" sz="2000" dirty="0" err="1"/>
-              <a:t>Vanhoucke</a:t>
-            </a:r>
-            <a:r>
-              <a:rPr lang="en-US" sz="2000" dirty="0"/>
-              <a:t>, Andrew </a:t>
-            </a:r>
-            <a:r>
-              <a:rPr lang="en-US" sz="2000" dirty="0" err="1"/>
-              <a:t>Rabinovich</a:t>
-            </a:r>
-            <a:r>
-              <a:rPr lang="en-US" sz="2000" dirty="0"/>
-              <a:t>. </a:t>
-            </a:r>
-            <a:r>
-              <a:rPr lang="de-DE" sz="2000" dirty="0"/>
-              <a:t>„</a:t>
-            </a:r>
-            <a:r>
-              <a:rPr lang="de-DE" sz="2000" dirty="0" err="1"/>
-              <a:t>Going</a:t>
-            </a:r>
-            <a:r>
-              <a:rPr lang="de-DE" sz="2000" dirty="0"/>
-              <a:t> </a:t>
-            </a:r>
-            <a:r>
-              <a:rPr lang="de-DE" sz="2000" dirty="0" err="1"/>
-              <a:t>Deeper</a:t>
-            </a:r>
-            <a:r>
-              <a:rPr lang="de-DE" sz="2000" dirty="0"/>
-              <a:t> </a:t>
-            </a:r>
-            <a:r>
-              <a:rPr lang="de-DE" sz="2000" dirty="0" err="1"/>
+              <a:rPr lang="de-DE" b="1" u="sng" dirty="0" err="1"/>
+              <a:t>Weaknesses</a:t>
+            </a:r>
+            <a:r>
+              <a:rPr lang="de-DE" b="1" u="sng" dirty="0"/>
+              <a:t>:</a:t>
+            </a:r>
+          </a:p>
+          <a:p>
+            <a:pPr marL="171450" indent="-171450"/>
+            <a:r>
+              <a:rPr lang="de-DE" dirty="0"/>
+              <a:t>Parameter </a:t>
+            </a:r>
+            <a:r>
+              <a:rPr lang="de-DE" dirty="0" err="1"/>
+              <a:t>inefficient</a:t>
+            </a:r>
+            <a:r>
+              <a:rPr lang="de-DE" dirty="0"/>
+              <a:t> </a:t>
+            </a:r>
+            <a:r>
+              <a:rPr lang="de-DE" dirty="0" err="1"/>
+              <a:t>compared</a:t>
+            </a:r>
+            <a:r>
+              <a:rPr lang="de-DE" dirty="0"/>
+              <a:t> </a:t>
+            </a:r>
+            <a:r>
+              <a:rPr lang="de-DE" dirty="0" err="1"/>
+              <a:t>to</a:t>
+            </a:r>
+            <a:r>
+              <a:rPr lang="de-DE" dirty="0"/>
+              <a:t> modern </a:t>
+            </a:r>
+            <a:r>
+              <a:rPr lang="de-DE" dirty="0" err="1"/>
+              <a:t>architectures</a:t>
+            </a:r>
+            <a:r>
+              <a:rPr lang="de-DE" dirty="0"/>
+              <a:t> like </a:t>
+            </a:r>
+            <a:r>
+              <a:rPr lang="de-DE" dirty="0" err="1"/>
+              <a:t>EfficientNet</a:t>
+            </a:r>
+            <a:r>
+              <a:rPr lang="de-DE" dirty="0"/>
+              <a:t> </a:t>
+            </a:r>
+            <a:r>
+              <a:rPr lang="de-DE" dirty="0" err="1"/>
+              <a:t>or</a:t>
+            </a:r>
+            <a:r>
+              <a:rPr lang="de-DE" dirty="0"/>
+              <a:t> </a:t>
+            </a:r>
+            <a:r>
+              <a:rPr lang="de-DE" dirty="0" err="1"/>
+              <a:t>RegNetX</a:t>
+            </a:r>
+            <a:r>
+              <a:rPr lang="de-DE" dirty="0"/>
+              <a:t> (</a:t>
+            </a:r>
+            <a:r>
+              <a:rPr lang="de-DE" dirty="0" err="1"/>
+              <a:t>less</a:t>
+            </a:r>
+            <a:r>
+              <a:rPr lang="de-DE" dirty="0"/>
+              <a:t> </a:t>
+            </a:r>
+            <a:r>
+              <a:rPr lang="de-DE" dirty="0" err="1"/>
+              <a:t>favored</a:t>
+            </a:r>
+            <a:r>
+              <a:rPr lang="de-DE" dirty="0"/>
+              <a:t> </a:t>
+            </a:r>
+            <a:r>
+              <a:rPr lang="de-DE" dirty="0" err="1"/>
+              <a:t>than</a:t>
+            </a:r>
+            <a:r>
+              <a:rPr lang="de-DE" dirty="0"/>
+              <a:t> mobile-regime </a:t>
+            </a:r>
+            <a:r>
+              <a:rPr lang="de-DE" dirty="0" err="1"/>
+              <a:t>MobileNets</a:t>
+            </a:r>
+            <a:r>
+              <a:rPr lang="de-DE" dirty="0"/>
+              <a:t> and </a:t>
+            </a:r>
+            <a:r>
+              <a:rPr lang="de-DE" dirty="0" err="1"/>
+              <a:t>ShuffleNets</a:t>
+            </a:r>
+            <a:r>
+              <a:rPr lang="de-DE" dirty="0"/>
+              <a:t> </a:t>
+            </a:r>
+            <a:r>
+              <a:rPr lang="de-DE" dirty="0" err="1"/>
+              <a:t>for</a:t>
+            </a:r>
+            <a:r>
+              <a:rPr lang="de-DE" dirty="0"/>
+              <a:t> </a:t>
+            </a:r>
+            <a:r>
+              <a:rPr lang="de-DE" dirty="0" err="1"/>
+              <a:t>low</a:t>
+            </a:r>
+            <a:r>
+              <a:rPr lang="de-DE" dirty="0"/>
+              <a:t>-power </a:t>
+            </a:r>
+            <a:r>
+              <a:rPr lang="de-DE" dirty="0" err="1"/>
+              <a:t>devices</a:t>
+            </a:r>
+            <a:r>
+              <a:rPr lang="de-DE" dirty="0"/>
+              <a:t>)</a:t>
+            </a:r>
+          </a:p>
+          <a:p>
+            <a:pPr marL="171450" indent="-171450"/>
+            <a:r>
+              <a:rPr lang="de-DE" dirty="0"/>
+              <a:t>Models </a:t>
+            </a:r>
+            <a:r>
+              <a:rPr lang="de-DE" dirty="0" err="1"/>
+              <a:t>they</a:t>
+            </a:r>
+            <a:r>
+              <a:rPr lang="de-DE" dirty="0"/>
+              <a:t> </a:t>
+            </a:r>
+            <a:r>
+              <a:rPr lang="de-DE" dirty="0" err="1"/>
+              <a:t>compare</a:t>
+            </a:r>
+            <a:r>
+              <a:rPr lang="de-DE" dirty="0"/>
+              <a:t> </a:t>
+            </a:r>
+            <a:r>
+              <a:rPr lang="de-DE" dirty="0" err="1"/>
               <a:t>with</a:t>
             </a:r>
             <a:r>
-              <a:rPr lang="de-DE" sz="2000" dirty="0"/>
-              <a:t> </a:t>
-            </a:r>
-            <a:r>
-              <a:rPr lang="de-DE" sz="2000" dirty="0" err="1"/>
-              <a:t>Convolutions</a:t>
-            </a:r>
-            <a:r>
-              <a:rPr lang="de-DE" sz="2000" dirty="0"/>
-              <a:t>“, 2014. </a:t>
-            </a:r>
-            <a:r>
-              <a:rPr lang="de-DE" sz="2000" dirty="0">
-                <a:hlinkClick r:id="rId4"/>
-              </a:rPr>
-              <a:t>https://arxiv.org/pdf/1409.4842.pdf</a:t>
-            </a:r>
-            <a:r>
-              <a:rPr lang="de-DE" sz="2000" dirty="0"/>
-              <a:t>.</a:t>
-            </a:r>
-          </a:p>
-          <a:p>
-            <a:pPr marL="0" indent="0">
-              <a:buNone/>
-            </a:pPr>
-            <a:r>
-              <a:rPr lang="de-DE" sz="2000" dirty="0"/>
-              <a:t>[3] </a:t>
-            </a:r>
-            <a:r>
-              <a:rPr lang="en-US" sz="2000" dirty="0" err="1"/>
-              <a:t>Kaiming</a:t>
-            </a:r>
-            <a:r>
-              <a:rPr lang="en-US" sz="2000" dirty="0"/>
-              <a:t> He, </a:t>
-            </a:r>
-            <a:r>
-              <a:rPr lang="en-US" sz="2000" dirty="0" err="1"/>
-              <a:t>Xiangyu</a:t>
-            </a:r>
-            <a:r>
-              <a:rPr lang="en-US" sz="2000" dirty="0"/>
-              <a:t> Zhang, </a:t>
-            </a:r>
-            <a:r>
-              <a:rPr lang="en-US" sz="2000" dirty="0" err="1"/>
-              <a:t>Shaoqing</a:t>
-            </a:r>
-            <a:r>
-              <a:rPr lang="en-US" sz="2000" dirty="0"/>
-              <a:t> Ren, Jian Sun. </a:t>
-            </a:r>
-            <a:r>
-              <a:rPr lang="de-DE" sz="2000" dirty="0"/>
-              <a:t>„</a:t>
-            </a:r>
-            <a:r>
-              <a:rPr lang="en-US" sz="2000" dirty="0"/>
-              <a:t>Deep Residual Learning for Image Recognition”, 2015. </a:t>
-            </a:r>
-            <a:r>
-              <a:rPr lang="en-US" sz="2000" dirty="0">
-                <a:hlinkClick r:id="rId5"/>
-              </a:rPr>
-              <a:t>https://arxiv.org/pdf/1512.03385.pdf</a:t>
-            </a:r>
-            <a:r>
-              <a:rPr lang="en-US" sz="2000" dirty="0"/>
-              <a:t>.</a:t>
-            </a:r>
-          </a:p>
-          <a:p>
-            <a:pPr marL="0" indent="0">
-              <a:buNone/>
-            </a:pPr>
-            <a:r>
-              <a:rPr lang="en-US" sz="2000" dirty="0"/>
-              <a:t>[4] Gao Huang, Zhuang Liu, Laurens van der </a:t>
-            </a:r>
-            <a:r>
-              <a:rPr lang="en-US" sz="2000" dirty="0" err="1"/>
-              <a:t>Maaten</a:t>
-            </a:r>
-            <a:r>
-              <a:rPr lang="en-US" sz="2000" dirty="0"/>
-              <a:t>, Kilian Q. Weinberger. </a:t>
-            </a:r>
-            <a:r>
-              <a:rPr lang="de-DE" sz="2000" dirty="0"/>
-              <a:t>„</a:t>
-            </a:r>
-            <a:r>
-              <a:rPr lang="en-US" sz="2000" dirty="0"/>
-              <a:t>Densely Connected Convolutional Networks”, 2016. </a:t>
-            </a:r>
-            <a:r>
-              <a:rPr lang="en-US" sz="2000" dirty="0">
-                <a:hlinkClick r:id="rId6"/>
-              </a:rPr>
-              <a:t>https://arxiv.org/pdf/1608.06993.pdf</a:t>
-            </a:r>
-            <a:r>
-              <a:rPr lang="en-US" sz="2000" dirty="0"/>
-              <a:t>.</a:t>
-            </a:r>
-          </a:p>
-          <a:p>
-            <a:pPr marL="0" indent="0">
-              <a:buNone/>
-            </a:pPr>
-            <a:r>
-              <a:rPr lang="en-US" sz="2000" dirty="0"/>
-              <a:t>[5] </a:t>
-            </a:r>
-            <a:r>
-              <a:rPr lang="en-US" sz="2000" dirty="0" err="1"/>
-              <a:t>Saining</a:t>
-            </a:r>
-            <a:r>
-              <a:rPr lang="en-US" sz="2000" dirty="0"/>
-              <a:t> </a:t>
-            </a:r>
-            <a:r>
-              <a:rPr lang="en-US" sz="2000" dirty="0" err="1"/>
-              <a:t>Xie</a:t>
-            </a:r>
-            <a:r>
-              <a:rPr lang="en-US" sz="2000" dirty="0"/>
-              <a:t>, Ross </a:t>
-            </a:r>
-            <a:r>
-              <a:rPr lang="en-US" sz="2000" dirty="0" err="1"/>
-              <a:t>Girshick</a:t>
-            </a:r>
-            <a:r>
-              <a:rPr lang="en-US" sz="2000" dirty="0"/>
-              <a:t>, Piotr </a:t>
-            </a:r>
-            <a:r>
-              <a:rPr lang="en-US" sz="2000" dirty="0" err="1"/>
-              <a:t>Dollár</a:t>
-            </a:r>
-            <a:r>
-              <a:rPr lang="en-US" sz="2000" dirty="0"/>
+              <a:rPr lang="de-DE" dirty="0"/>
+              <a:t> </a:t>
+            </a:r>
+            <a:r>
+              <a:rPr lang="de-DE" dirty="0" err="1"/>
+              <a:t>are</a:t>
+            </a:r>
+            <a:r>
+              <a:rPr lang="de-DE" dirty="0"/>
+              <a:t> </a:t>
+            </a:r>
+            <a:r>
+              <a:rPr lang="de-DE" dirty="0" err="1"/>
+              <a:t>biased</a:t>
+            </a:r>
+            <a:r>
+              <a:rPr lang="de-DE" dirty="0"/>
+              <a:t> </a:t>
+            </a:r>
+            <a:r>
+              <a:rPr lang="de-DE" dirty="0" err="1"/>
+              <a:t>for</a:t>
+            </a:r>
+            <a:r>
+              <a:rPr lang="de-DE" dirty="0"/>
+              <a:t> </a:t>
+            </a:r>
+            <a:r>
+              <a:rPr lang="de-DE" dirty="0" err="1"/>
+              <a:t>better</a:t>
+            </a:r>
+            <a:r>
+              <a:rPr lang="de-DE" dirty="0"/>
+              <a:t> </a:t>
+            </a:r>
+            <a:r>
+              <a:rPr lang="de-DE" dirty="0" err="1"/>
+              <a:t>positioning</a:t>
+            </a:r>
+            <a:endParaRPr lang="de-DE" dirty="0"/>
+          </a:p>
+          <a:p>
+            <a:pPr marL="171450" indent="-171450"/>
+            <a:r>
+              <a:rPr lang="de-DE" dirty="0"/>
+              <a:t>Additional </a:t>
+            </a:r>
+            <a:r>
+              <a:rPr lang="de-DE" dirty="0" err="1"/>
+              <a:t>restrictions</a:t>
+            </a:r>
+            <a:r>
+              <a:rPr lang="de-DE" dirty="0"/>
+              <a:t>: 3x3 </a:t>
+            </a:r>
+            <a:r>
+              <a:rPr lang="de-DE" dirty="0" err="1"/>
+              <a:t>convolutions</a:t>
+            </a:r>
+            <a:r>
+              <a:rPr lang="de-DE" dirty="0"/>
               <a:t>, </a:t>
             </a:r>
             <a:r>
-              <a:rPr lang="en-US" sz="2000" dirty="0" err="1"/>
-              <a:t>Zhuowen</a:t>
-            </a:r>
-            <a:r>
-              <a:rPr lang="en-US" sz="2000" dirty="0"/>
-              <a:t> Tu, </a:t>
-            </a:r>
-            <a:r>
-              <a:rPr lang="en-US" sz="2000" dirty="0" err="1"/>
-              <a:t>Kaiming</a:t>
-            </a:r>
-            <a:r>
-              <a:rPr lang="en-US" sz="2000" dirty="0"/>
-              <a:t> He. </a:t>
-            </a:r>
-            <a:r>
-              <a:rPr lang="de-DE" sz="2000" dirty="0"/>
-              <a:t>„</a:t>
-            </a:r>
-            <a:r>
-              <a:rPr lang="en-US" sz="2000" dirty="0"/>
-              <a:t>Aggregated Residual Transformations for Deep Neural Networks”, 2016. </a:t>
-            </a:r>
-            <a:r>
-              <a:rPr lang="en-US" sz="2000" dirty="0">
-                <a:hlinkClick r:id="rId7"/>
-              </a:rPr>
-              <a:t>https://arxiv.org/pdf/1611.05431.pdf</a:t>
-            </a:r>
-            <a:r>
-              <a:rPr lang="en-US" sz="2000" dirty="0"/>
-              <a:t>.</a:t>
-            </a:r>
-          </a:p>
-          <a:p>
-            <a:pPr marL="0" indent="0">
-              <a:buNone/>
-            </a:pPr>
-            <a:r>
-              <a:rPr lang="en-US" sz="2000" dirty="0"/>
-              <a:t>[6] Quoc V. Le </a:t>
-            </a:r>
-            <a:r>
-              <a:rPr lang="en-US" sz="2000" dirty="0" err="1"/>
-              <a:t>Mingxing</a:t>
-            </a:r>
-            <a:r>
-              <a:rPr lang="en-US" sz="2000" dirty="0"/>
-              <a:t> Tan. </a:t>
-            </a:r>
-            <a:r>
-              <a:rPr lang="de-DE" sz="2000" dirty="0"/>
-              <a:t>„</a:t>
-            </a:r>
-            <a:r>
-              <a:rPr lang="en-US" sz="2000" dirty="0" err="1"/>
-              <a:t>EfficientNet</a:t>
-            </a:r>
-            <a:r>
-              <a:rPr lang="en-US" sz="2000" dirty="0"/>
-              <a:t>: Rethinking Model Scaling for Convolutional Neural Networks”, 2019. </a:t>
-            </a:r>
-            <a:r>
-              <a:rPr lang="en-US" sz="2000" dirty="0">
-                <a:hlinkClick r:id="rId8"/>
-              </a:rPr>
-              <a:t>https://arxiv.org/pdf/1905.11946.pdf</a:t>
-            </a:r>
-            <a:r>
-              <a:rPr lang="en-US" sz="2000" dirty="0"/>
-              <a:t>.</a:t>
-            </a:r>
+              <a:rPr lang="de-DE" dirty="0" err="1"/>
+              <a:t>equal</a:t>
+            </a:r>
+            <a:r>
+              <a:rPr lang="de-DE" dirty="0"/>
+              <a:t> </a:t>
+            </a:r>
+            <a:r>
+              <a:rPr lang="de-DE" dirty="0" err="1"/>
+              <a:t>stride</a:t>
+            </a:r>
+            <a:r>
+              <a:rPr lang="de-DE" dirty="0"/>
+              <a:t>, </a:t>
+            </a:r>
+            <a:r>
+              <a:rPr lang="de-DE" dirty="0" err="1"/>
+              <a:t>padding</a:t>
+            </a:r>
+            <a:endParaRPr lang="de-DE" dirty="0"/>
           </a:p>
         </p:txBody>
       </p:sp>
     </p:spTree>
     <p:extLst>
       <p:ext uri="{BB962C8B-B14F-4D97-AF65-F5344CB8AC3E}">
-        <p14:creationId xmlns:p14="http://schemas.microsoft.com/office/powerpoint/2010/main" val="3390127214"/>
+        <p14:creationId xmlns:p14="http://schemas.microsoft.com/office/powerpoint/2010/main" val="3554169838"/>
       </p:ext>
     </p:extLst>
   </p:cSld>
@@ -18780,6 +19881,111 @@
           <a:p>
             <a:r>
               <a:rPr lang="de-DE" dirty="0" err="1"/>
+              <a:t>Conclusion</a:t>
+            </a:r>
+            <a:endParaRPr lang="en-US" dirty="0"/>
+          </a:p>
+        </p:txBody>
+      </p:sp>
+      <p:sp>
+        <p:nvSpPr>
+          <p:cNvPr id="3" name="Content Placeholder 2">
+            <a:extLst>
+              <a:ext uri="{FF2B5EF4-FFF2-40B4-BE49-F238E27FC236}">
+                <a16:creationId xmlns:a16="http://schemas.microsoft.com/office/drawing/2014/main" id="{AAA6737D-88F2-417D-86D8-44F3687C5F16}"/>
+              </a:ext>
+            </a:extLst>
+          </p:cNvPr>
+          <p:cNvSpPr>
+            <a:spLocks noGrp="1"/>
+          </p:cNvSpPr>
+          <p:nvPr>
+            <p:ph idx="1"/>
+          </p:nvPr>
+        </p:nvSpPr>
+        <p:spPr>
+          <a:xfrm>
+            <a:off x="838200" y="1825625"/>
+            <a:ext cx="10515600" cy="3346450"/>
+          </a:xfrm>
+        </p:spPr>
+        <p:txBody>
+          <a:bodyPr anchor="ctr">
+            <a:normAutofit/>
+          </a:bodyPr>
+          <a:lstStyle/>
+          <a:p>
+            <a:pPr marL="0" indent="0" algn="ctr">
+              <a:buNone/>
+            </a:pPr>
+            <a:r>
+              <a:rPr lang="en-US" sz="4000" dirty="0"/>
+              <a:t>Making VGG-style </a:t>
+            </a:r>
+            <a:r>
+              <a:rPr lang="en-US" sz="4000" dirty="0" err="1"/>
+              <a:t>ConvNets</a:t>
+            </a:r>
+            <a:r>
+              <a:rPr lang="en-US" sz="4000" dirty="0"/>
+              <a:t> Great Again?</a:t>
+            </a:r>
+          </a:p>
+        </p:txBody>
+      </p:sp>
+    </p:spTree>
+    <p:extLst>
+      <p:ext uri="{BB962C8B-B14F-4D97-AF65-F5344CB8AC3E}">
+        <p14:creationId xmlns:p14="http://schemas.microsoft.com/office/powerpoint/2010/main" val="1341937478"/>
+      </p:ext>
+    </p:extLst>
+  </p:cSld>
+  <p:clrMapOvr>
+    <a:masterClrMapping/>
+  </p:clrMapOvr>
+</p:sld>
+</file>
+
+<file path=ppt/slides/slide26.xml><?xml version="1.0" encoding="utf-8"?>
+<p:sld xmlns:a="http://schemas.openxmlformats.org/drawingml/2006/main" xmlns:r="http://schemas.openxmlformats.org/officeDocument/2006/relationships" xmlns:p="http://schemas.openxmlformats.org/presentationml/2006/main">
+  <p:cSld>
+    <p:spTree>
+      <p:nvGrpSpPr>
+        <p:cNvPr id="1" name=""/>
+        <p:cNvGrpSpPr/>
+        <p:nvPr/>
+      </p:nvGrpSpPr>
+      <p:grpSpPr>
+        <a:xfrm>
+          <a:off x="0" y="0"/>
+          <a:ext cx="0" cy="0"/>
+          <a:chOff x="0" y="0"/>
+          <a:chExt cx="0" cy="0"/>
+        </a:xfrm>
+      </p:grpSpPr>
+      <p:sp>
+        <p:nvSpPr>
+          <p:cNvPr id="2" name="Title 1">
+            <a:extLst>
+              <a:ext uri="{FF2B5EF4-FFF2-40B4-BE49-F238E27FC236}">
+                <a16:creationId xmlns:a16="http://schemas.microsoft.com/office/drawing/2014/main" id="{C9367E9B-E787-46FF-BA60-42CE9D071DEA}"/>
+              </a:ext>
+            </a:extLst>
+          </p:cNvPr>
+          <p:cNvSpPr>
+            <a:spLocks noGrp="1"/>
+          </p:cNvSpPr>
+          <p:nvPr>
+            <p:ph type="title"/>
+          </p:nvPr>
+        </p:nvSpPr>
+        <p:spPr/>
+        <p:txBody>
+          <a:bodyPr/>
+          <a:lstStyle/>
+          <a:p>
+            <a:r>
+              <a:rPr lang="de-DE" dirty="0" err="1"/>
               <a:t>Bibliography</a:t>
             </a:r>
             <a:endParaRPr lang="en-US" dirty="0"/>
@@ -18814,6 +20020,435 @@
             </a:pPr>
             <a:r>
               <a:rPr lang="de-DE" sz="2000" dirty="0"/>
+              <a:t>[1] Andrew </a:t>
+            </a:r>
+            <a:r>
+              <a:rPr lang="de-DE" sz="2000" dirty="0" err="1"/>
+              <a:t>Zisserman</a:t>
+            </a:r>
+            <a:r>
+              <a:rPr lang="de-DE" sz="2000" dirty="0"/>
+              <a:t>, Karen </a:t>
+            </a:r>
+            <a:r>
+              <a:rPr lang="de-DE" sz="2000" dirty="0" err="1"/>
+              <a:t>Simonyan</a:t>
+            </a:r>
+            <a:r>
+              <a:rPr lang="de-DE" sz="2000" dirty="0"/>
+              <a:t>. „</a:t>
+            </a:r>
+            <a:r>
+              <a:rPr lang="en-US" sz="2000" dirty="0"/>
+              <a:t>Very Deep Convolutional Networks for Large-Scale Image Recognition”, 2014. </a:t>
+            </a:r>
+            <a:r>
+              <a:rPr lang="de-DE" sz="2000" dirty="0">
+                <a:hlinkClick r:id="rId3"/>
+              </a:rPr>
+              <a:t>https://arxiv.org/pdf/1409.1556.pdf</a:t>
+            </a:r>
+            <a:r>
+              <a:rPr lang="de-DE" sz="2000" dirty="0"/>
+              <a:t>.</a:t>
+            </a:r>
+          </a:p>
+          <a:p>
+            <a:pPr marL="0" indent="0">
+              <a:buNone/>
+            </a:pPr>
+            <a:r>
+              <a:rPr lang="de-DE" sz="2000" dirty="0"/>
+              <a:t>[2] </a:t>
+            </a:r>
+            <a:r>
+              <a:rPr lang="en-US" sz="2000" dirty="0"/>
+              <a:t>Christian </a:t>
+            </a:r>
+            <a:r>
+              <a:rPr lang="en-US" sz="2000" dirty="0" err="1"/>
+              <a:t>Szegedy</a:t>
+            </a:r>
+            <a:r>
+              <a:rPr lang="en-US" sz="2000" dirty="0"/>
+              <a:t>, Wei Liu, </a:t>
+            </a:r>
+            <a:r>
+              <a:rPr lang="en-US" sz="2000" dirty="0" err="1"/>
+              <a:t>Yangqing</a:t>
+            </a:r>
+            <a:r>
+              <a:rPr lang="en-US" sz="2000" dirty="0"/>
+              <a:t> Jia, Pierre </a:t>
+            </a:r>
+            <a:r>
+              <a:rPr lang="en-US" sz="2000" dirty="0" err="1"/>
+              <a:t>Sermanet</a:t>
+            </a:r>
+            <a:r>
+              <a:rPr lang="en-US" sz="2000" dirty="0"/>
+              <a:t>, Scott Reed, Dragomir </a:t>
+            </a:r>
+            <a:r>
+              <a:rPr lang="en-US" sz="2000" dirty="0" err="1"/>
+              <a:t>Anguelov</a:t>
+            </a:r>
+            <a:r>
+              <a:rPr lang="en-US" sz="2000" dirty="0"/>
+              <a:t>, Dumitru Erhan, Vincent </a:t>
+            </a:r>
+            <a:r>
+              <a:rPr lang="en-US" sz="2000" dirty="0" err="1"/>
+              <a:t>Vanhoucke</a:t>
+            </a:r>
+            <a:r>
+              <a:rPr lang="en-US" sz="2000" dirty="0"/>
+              <a:t>, Andrew </a:t>
+            </a:r>
+            <a:r>
+              <a:rPr lang="en-US" sz="2000" dirty="0" err="1"/>
+              <a:t>Rabinovich</a:t>
+            </a:r>
+            <a:r>
+              <a:rPr lang="en-US" sz="2000" dirty="0"/>
+              <a:t>. </a:t>
+            </a:r>
+            <a:r>
+              <a:rPr lang="de-DE" sz="2000" dirty="0"/>
+              <a:t>„</a:t>
+            </a:r>
+            <a:r>
+              <a:rPr lang="de-DE" sz="2000" dirty="0" err="1"/>
+              <a:t>Going</a:t>
+            </a:r>
+            <a:r>
+              <a:rPr lang="de-DE" sz="2000" dirty="0"/>
+              <a:t> </a:t>
+            </a:r>
+            <a:r>
+              <a:rPr lang="de-DE" sz="2000" dirty="0" err="1"/>
+              <a:t>Deeper</a:t>
+            </a:r>
+            <a:r>
+              <a:rPr lang="de-DE" sz="2000" dirty="0"/>
+              <a:t> </a:t>
+            </a:r>
+            <a:r>
+              <a:rPr lang="de-DE" sz="2000" dirty="0" err="1"/>
+              <a:t>with</a:t>
+            </a:r>
+            <a:r>
+              <a:rPr lang="de-DE" sz="2000" dirty="0"/>
+              <a:t> </a:t>
+            </a:r>
+            <a:r>
+              <a:rPr lang="de-DE" sz="2000" dirty="0" err="1"/>
+              <a:t>Convolutions</a:t>
+            </a:r>
+            <a:r>
+              <a:rPr lang="de-DE" sz="2000" dirty="0"/>
+              <a:t>“, 2014. </a:t>
+            </a:r>
+            <a:r>
+              <a:rPr lang="de-DE" sz="2000" dirty="0">
+                <a:hlinkClick r:id="rId4"/>
+              </a:rPr>
+              <a:t>https://arxiv.org/pdf/1409.4842.pdf</a:t>
+            </a:r>
+            <a:r>
+              <a:rPr lang="de-DE" sz="2000" dirty="0"/>
+              <a:t>.</a:t>
+            </a:r>
+          </a:p>
+          <a:p>
+            <a:pPr marL="0" indent="0">
+              <a:buNone/>
+            </a:pPr>
+            <a:r>
+              <a:rPr lang="de-DE" sz="2000" dirty="0"/>
+              <a:t>[3] </a:t>
+            </a:r>
+            <a:r>
+              <a:rPr lang="en-US" sz="2000" dirty="0" err="1"/>
+              <a:t>Kaiming</a:t>
+            </a:r>
+            <a:r>
+              <a:rPr lang="en-US" sz="2000" dirty="0"/>
+              <a:t> He, </a:t>
+            </a:r>
+            <a:r>
+              <a:rPr lang="en-US" sz="2000" dirty="0" err="1"/>
+              <a:t>Xiangyu</a:t>
+            </a:r>
+            <a:r>
+              <a:rPr lang="en-US" sz="2000" dirty="0"/>
+              <a:t> Zhang, </a:t>
+            </a:r>
+            <a:r>
+              <a:rPr lang="en-US" sz="2000" dirty="0" err="1"/>
+              <a:t>Shaoqing</a:t>
+            </a:r>
+            <a:r>
+              <a:rPr lang="en-US" sz="2000" dirty="0"/>
+              <a:t> Ren, Jian Sun. </a:t>
+            </a:r>
+            <a:r>
+              <a:rPr lang="de-DE" sz="2000" dirty="0"/>
+              <a:t>„</a:t>
+            </a:r>
+            <a:r>
+              <a:rPr lang="en-US" sz="2000" dirty="0"/>
+              <a:t>Deep Residual Learning for Image Recognition”, 2015. </a:t>
+            </a:r>
+            <a:r>
+              <a:rPr lang="en-US" sz="2000" dirty="0">
+                <a:hlinkClick r:id="rId5"/>
+              </a:rPr>
+              <a:t>https://arxiv.org/pdf/1512.03385.pdf</a:t>
+            </a:r>
+            <a:r>
+              <a:rPr lang="en-US" sz="2000" dirty="0"/>
+              <a:t>.</a:t>
+            </a:r>
+          </a:p>
+          <a:p>
+            <a:pPr marL="0" indent="0">
+              <a:buNone/>
+            </a:pPr>
+            <a:r>
+              <a:rPr lang="en-US" sz="2000" dirty="0"/>
+              <a:t>[4] Gao Huang, Zhuang Liu, Laurens van der </a:t>
+            </a:r>
+            <a:r>
+              <a:rPr lang="en-US" sz="2000" dirty="0" err="1"/>
+              <a:t>Maaten</a:t>
+            </a:r>
+            <a:r>
+              <a:rPr lang="en-US" sz="2000" dirty="0"/>
+              <a:t>, Kilian Q. Weinberger. </a:t>
+            </a:r>
+            <a:r>
+              <a:rPr lang="de-DE" sz="2000" dirty="0"/>
+              <a:t>„</a:t>
+            </a:r>
+            <a:r>
+              <a:rPr lang="en-US" sz="2000" dirty="0"/>
+              <a:t>Densely Connected Convolutional Networks”, 2016. </a:t>
+            </a:r>
+            <a:r>
+              <a:rPr lang="en-US" sz="2000" dirty="0">
+                <a:hlinkClick r:id="rId6"/>
+              </a:rPr>
+              <a:t>https://arxiv.org/pdf/1608.06993.pdf</a:t>
+            </a:r>
+            <a:r>
+              <a:rPr lang="en-US" sz="2000" dirty="0"/>
+              <a:t>.</a:t>
+            </a:r>
+          </a:p>
+          <a:p>
+            <a:pPr marL="0" indent="0">
+              <a:buNone/>
+            </a:pPr>
+            <a:r>
+              <a:rPr lang="en-US" sz="2000" dirty="0"/>
+              <a:t>[5] </a:t>
+            </a:r>
+            <a:r>
+              <a:rPr lang="en-US" sz="2000" dirty="0" err="1"/>
+              <a:t>Saining</a:t>
+            </a:r>
+            <a:r>
+              <a:rPr lang="en-US" sz="2000" dirty="0"/>
+              <a:t> </a:t>
+            </a:r>
+            <a:r>
+              <a:rPr lang="en-US" sz="2000" dirty="0" err="1"/>
+              <a:t>Xie</a:t>
+            </a:r>
+            <a:r>
+              <a:rPr lang="en-US" sz="2000" dirty="0"/>
+              <a:t>, Ross </a:t>
+            </a:r>
+            <a:r>
+              <a:rPr lang="en-US" sz="2000" dirty="0" err="1"/>
+              <a:t>Girshick</a:t>
+            </a:r>
+            <a:r>
+              <a:rPr lang="en-US" sz="2000" dirty="0"/>
+              <a:t>, Piotr </a:t>
+            </a:r>
+            <a:r>
+              <a:rPr lang="en-US" sz="2000" dirty="0" err="1"/>
+              <a:t>Dollár</a:t>
+            </a:r>
+            <a:r>
+              <a:rPr lang="en-US" sz="2000" dirty="0"/>
+              <a:t>, </a:t>
+            </a:r>
+            <a:r>
+              <a:rPr lang="en-US" sz="2000" dirty="0" err="1"/>
+              <a:t>Zhuowen</a:t>
+            </a:r>
+            <a:r>
+              <a:rPr lang="en-US" sz="2000" dirty="0"/>
+              <a:t> Tu, </a:t>
+            </a:r>
+            <a:r>
+              <a:rPr lang="en-US" sz="2000" dirty="0" err="1"/>
+              <a:t>Kaiming</a:t>
+            </a:r>
+            <a:r>
+              <a:rPr lang="en-US" sz="2000" dirty="0"/>
+              <a:t> He. </a:t>
+            </a:r>
+            <a:r>
+              <a:rPr lang="de-DE" sz="2000" dirty="0"/>
+              <a:t>„</a:t>
+            </a:r>
+            <a:r>
+              <a:rPr lang="en-US" sz="2000" dirty="0"/>
+              <a:t>Aggregated Residual Transformations for Deep Neural Networks”, 2016. </a:t>
+            </a:r>
+            <a:r>
+              <a:rPr lang="en-US" sz="2000" dirty="0">
+                <a:hlinkClick r:id="rId7"/>
+              </a:rPr>
+              <a:t>https://arxiv.org/pdf/1611.05431.pdf</a:t>
+            </a:r>
+            <a:r>
+              <a:rPr lang="en-US" sz="2000" dirty="0"/>
+              <a:t>.</a:t>
+            </a:r>
+          </a:p>
+          <a:p>
+            <a:pPr marL="0" indent="0">
+              <a:buNone/>
+            </a:pPr>
+            <a:r>
+              <a:rPr lang="en-US" sz="2000" dirty="0"/>
+              <a:t>[6] Quoc V. Le </a:t>
+            </a:r>
+            <a:r>
+              <a:rPr lang="en-US" sz="2000" dirty="0" err="1"/>
+              <a:t>Mingxing</a:t>
+            </a:r>
+            <a:r>
+              <a:rPr lang="en-US" sz="2000" dirty="0"/>
+              <a:t> Tan. </a:t>
+            </a:r>
+            <a:r>
+              <a:rPr lang="de-DE" sz="2000" dirty="0"/>
+              <a:t>„</a:t>
+            </a:r>
+            <a:r>
+              <a:rPr lang="en-US" sz="2000" dirty="0" err="1"/>
+              <a:t>EfficientNet</a:t>
+            </a:r>
+            <a:r>
+              <a:rPr lang="en-US" sz="2000" dirty="0"/>
+              <a:t>: Rethinking Model Scaling for Convolutional Neural Networks”, 2019. </a:t>
+            </a:r>
+            <a:r>
+              <a:rPr lang="en-US" sz="2000" dirty="0">
+                <a:hlinkClick r:id="rId8"/>
+              </a:rPr>
+              <a:t>https://arxiv.org/pdf/1905.11946.pdf</a:t>
+            </a:r>
+            <a:r>
+              <a:rPr lang="en-US" sz="2000" dirty="0"/>
+              <a:t>.</a:t>
+            </a:r>
+          </a:p>
+        </p:txBody>
+      </p:sp>
+    </p:spTree>
+    <p:extLst>
+      <p:ext uri="{BB962C8B-B14F-4D97-AF65-F5344CB8AC3E}">
+        <p14:creationId xmlns:p14="http://schemas.microsoft.com/office/powerpoint/2010/main" val="3390127214"/>
+      </p:ext>
+    </p:extLst>
+  </p:cSld>
+  <p:clrMapOvr>
+    <a:masterClrMapping/>
+  </p:clrMapOvr>
+</p:sld>
+</file>
+
+<file path=ppt/slides/slide27.xml><?xml version="1.0" encoding="utf-8"?>
+<p:sld xmlns:a="http://schemas.openxmlformats.org/drawingml/2006/main" xmlns:r="http://schemas.openxmlformats.org/officeDocument/2006/relationships" xmlns:p="http://schemas.openxmlformats.org/presentationml/2006/main">
+  <p:cSld>
+    <p:spTree>
+      <p:nvGrpSpPr>
+        <p:cNvPr id="1" name=""/>
+        <p:cNvGrpSpPr/>
+        <p:nvPr/>
+      </p:nvGrpSpPr>
+      <p:grpSpPr>
+        <a:xfrm>
+          <a:off x="0" y="0"/>
+          <a:ext cx="0" cy="0"/>
+          <a:chOff x="0" y="0"/>
+          <a:chExt cx="0" cy="0"/>
+        </a:xfrm>
+      </p:grpSpPr>
+      <p:sp>
+        <p:nvSpPr>
+          <p:cNvPr id="2" name="Title 1">
+            <a:extLst>
+              <a:ext uri="{FF2B5EF4-FFF2-40B4-BE49-F238E27FC236}">
+                <a16:creationId xmlns:a16="http://schemas.microsoft.com/office/drawing/2014/main" id="{C9367E9B-E787-46FF-BA60-42CE9D071DEA}"/>
+              </a:ext>
+            </a:extLst>
+          </p:cNvPr>
+          <p:cNvSpPr>
+            <a:spLocks noGrp="1"/>
+          </p:cNvSpPr>
+          <p:nvPr>
+            <p:ph type="title"/>
+          </p:nvPr>
+        </p:nvSpPr>
+        <p:spPr/>
+        <p:txBody>
+          <a:bodyPr/>
+          <a:lstStyle/>
+          <a:p>
+            <a:r>
+              <a:rPr lang="de-DE" dirty="0" err="1"/>
+              <a:t>Bibliography</a:t>
+            </a:r>
+            <a:endParaRPr lang="en-US" dirty="0"/>
+          </a:p>
+        </p:txBody>
+      </p:sp>
+      <p:sp>
+        <p:nvSpPr>
+          <p:cNvPr id="3" name="Content Placeholder 2">
+            <a:extLst>
+              <a:ext uri="{FF2B5EF4-FFF2-40B4-BE49-F238E27FC236}">
+                <a16:creationId xmlns:a16="http://schemas.microsoft.com/office/drawing/2014/main" id="{AAA6737D-88F2-417D-86D8-44F3687C5F16}"/>
+              </a:ext>
+            </a:extLst>
+          </p:cNvPr>
+          <p:cNvSpPr>
+            <a:spLocks noGrp="1"/>
+          </p:cNvSpPr>
+          <p:nvPr>
+            <p:ph idx="1"/>
+          </p:nvPr>
+        </p:nvSpPr>
+        <p:spPr/>
+        <p:txBody>
+          <a:bodyPr>
+            <a:normAutofit/>
+          </a:bodyPr>
+          <a:lstStyle/>
+          <a:p>
+            <a:pPr marL="0" indent="0">
+              <a:buNone/>
+            </a:pPr>
+            <a:r>
+              <a:rPr lang="de-DE" sz="2000" dirty="0"/>
               <a:t>[7] </a:t>
             </a:r>
             <a:r>
@@ -19259,7 +20894,7 @@
 </p:sld>
 </file>
 
-<file path=ppt/slides/slide26.xml><?xml version="1.0" encoding="utf-8"?>
+<file path=ppt/slides/slide28.xml><?xml version="1.0" encoding="utf-8"?>
 <p:sld xmlns:a="http://schemas.openxmlformats.org/drawingml/2006/main" xmlns:r="http://schemas.openxmlformats.org/officeDocument/2006/relationships" xmlns:p="http://schemas.openxmlformats.org/presentationml/2006/main">
   <p:cSld>
     <p:spTree>
@@ -21974,77 +23609,6 @@
             <a:endParaRPr lang="de-DE" dirty="0"/>
           </a:p>
           <a:p>
-            <a:r>
-              <a:rPr lang="de-DE" dirty="0" err="1"/>
-              <a:t>Automatic</a:t>
-            </a:r>
-            <a:r>
-              <a:rPr lang="de-DE" dirty="0"/>
-              <a:t> </a:t>
-            </a:r>
-            <a:r>
-              <a:rPr lang="de-DE" dirty="0" err="1"/>
-              <a:t>discovery</a:t>
-            </a:r>
-            <a:r>
-              <a:rPr lang="de-DE" dirty="0"/>
-              <a:t> </a:t>
-            </a:r>
-            <a:r>
-              <a:rPr lang="de-DE" dirty="0" err="1"/>
-              <a:t>of</a:t>
-            </a:r>
-            <a:r>
-              <a:rPr lang="de-DE" dirty="0"/>
-              <a:t> </a:t>
-            </a:r>
-            <a:r>
-              <a:rPr lang="de-DE" dirty="0" err="1"/>
-              <a:t>appropriate</a:t>
-            </a:r>
-            <a:r>
-              <a:rPr lang="de-DE" dirty="0"/>
-              <a:t> </a:t>
-            </a:r>
-            <a:r>
-              <a:rPr lang="de-DE" dirty="0" err="1"/>
-              <a:t>layer</a:t>
-            </a:r>
-            <a:r>
-              <a:rPr lang="de-DE" dirty="0"/>
-              <a:t> </a:t>
-            </a:r>
-            <a:r>
-              <a:rPr lang="de-DE" dirty="0" err="1"/>
-              <a:t>width</a:t>
-            </a:r>
-            <a:r>
-              <a:rPr lang="de-DE" dirty="0"/>
-              <a:t> </a:t>
-            </a:r>
-            <a:r>
-              <a:rPr lang="de-DE" dirty="0" err="1"/>
-              <a:t>cannot</a:t>
-            </a:r>
-            <a:r>
-              <a:rPr lang="de-DE" dirty="0"/>
-              <a:t> </a:t>
-            </a:r>
-            <a:r>
-              <a:rPr lang="de-DE" dirty="0" err="1"/>
-              <a:t>be</a:t>
-            </a:r>
-            <a:r>
-              <a:rPr lang="de-DE" dirty="0"/>
-              <a:t> </a:t>
-            </a:r>
-            <a:r>
-              <a:rPr lang="de-DE" dirty="0" err="1"/>
-              <a:t>applied</a:t>
-            </a:r>
-            <a:endParaRPr lang="de-DE" dirty="0"/>
-          </a:p>
-          <a:p>
             <a:pPr marL="0" indent="0">
               <a:buNone/>
             </a:pPr>
@@ -22098,7 +23662,7 @@
         </p:nvSpPr>
         <p:spPr>
           <a:xfrm>
-            <a:off x="1219200" y="4330407"/>
+            <a:off x="1219200" y="3834463"/>
             <a:ext cx="466165" cy="268941"/>
           </a:xfrm>
           <a:prstGeom prst="rightArrow">

--- a/presentation/presentation.pptx
+++ b/presentation/presentation.pptx
@@ -370,7 +370,7 @@
           <a:p>
             <a:fld id="{50CFD496-02FF-4BBF-91A8-BA14311B48A2}" type="datetimeFigureOut">
               <a:rPr lang="en-US" smtClean="0"/>
-              <a:t>6/15/21</a:t>
+              <a:t>6/16/21</a:t>
             </a:fld>
             <a:endParaRPr lang="en-US"/>
           </a:p>
@@ -10778,7 +10778,7 @@
           <a:p>
             <a:fld id="{6459580E-08ED-4286-A9BF-FFB8DF17CFF0}" type="datetimeFigureOut">
               <a:rPr lang="en-US" smtClean="0"/>
-              <a:t>6/15/21</a:t>
+              <a:t>6/16/21</a:t>
             </a:fld>
             <a:endParaRPr lang="en-US" dirty="0"/>
           </a:p>
@@ -10984,7 +10984,7 @@
           <a:p>
             <a:fld id="{6459580E-08ED-4286-A9BF-FFB8DF17CFF0}" type="datetimeFigureOut">
               <a:rPr lang="en-US" smtClean="0"/>
-              <a:t>6/15/21</a:t>
+              <a:t>6/16/21</a:t>
             </a:fld>
             <a:endParaRPr lang="en-US"/>
           </a:p>
@@ -11200,7 +11200,7 @@
           <a:p>
             <a:fld id="{6459580E-08ED-4286-A9BF-FFB8DF17CFF0}" type="datetimeFigureOut">
               <a:rPr lang="en-US" smtClean="0"/>
-              <a:t>6/15/21</a:t>
+              <a:t>6/16/21</a:t>
             </a:fld>
             <a:endParaRPr lang="en-US"/>
           </a:p>
@@ -11406,7 +11406,7 @@
           <a:p>
             <a:fld id="{6459580E-08ED-4286-A9BF-FFB8DF17CFF0}" type="datetimeFigureOut">
               <a:rPr lang="en-US" smtClean="0"/>
-              <a:t>6/15/21</a:t>
+              <a:t>6/16/21</a:t>
             </a:fld>
             <a:endParaRPr lang="en-US"/>
           </a:p>
@@ -11689,7 +11689,7 @@
           <a:p>
             <a:fld id="{6459580E-08ED-4286-A9BF-FFB8DF17CFF0}" type="datetimeFigureOut">
               <a:rPr lang="en-US" smtClean="0"/>
-              <a:t>6/15/21</a:t>
+              <a:t>6/16/21</a:t>
             </a:fld>
             <a:endParaRPr lang="en-US"/>
           </a:p>
@@ -11962,7 +11962,7 @@
           <a:p>
             <a:fld id="{6459580E-08ED-4286-A9BF-FFB8DF17CFF0}" type="datetimeFigureOut">
               <a:rPr lang="en-US" smtClean="0"/>
-              <a:t>6/15/21</a:t>
+              <a:t>6/16/21</a:t>
             </a:fld>
             <a:endParaRPr lang="en-US"/>
           </a:p>
@@ -12382,7 +12382,7 @@
           <a:p>
             <a:fld id="{6459580E-08ED-4286-A9BF-FFB8DF17CFF0}" type="datetimeFigureOut">
               <a:rPr lang="en-US" smtClean="0"/>
-              <a:t>6/15/21</a:t>
+              <a:t>6/16/21</a:t>
             </a:fld>
             <a:endParaRPr lang="en-US"/>
           </a:p>
@@ -12531,7 +12531,7 @@
           <a:p>
             <a:fld id="{6459580E-08ED-4286-A9BF-FFB8DF17CFF0}" type="datetimeFigureOut">
               <a:rPr lang="en-US" smtClean="0"/>
-              <a:t>6/15/21</a:t>
+              <a:t>6/16/21</a:t>
             </a:fld>
             <a:endParaRPr lang="en-US"/>
           </a:p>
@@ -12652,7 +12652,7 @@
           <a:p>
             <a:fld id="{6459580E-08ED-4286-A9BF-FFB8DF17CFF0}" type="datetimeFigureOut">
               <a:rPr lang="en-US" smtClean="0"/>
-              <a:t>6/15/21</a:t>
+              <a:t>6/16/21</a:t>
             </a:fld>
             <a:endParaRPr lang="en-US"/>
           </a:p>
@@ -12971,7 +12971,7 @@
           <a:p>
             <a:fld id="{6459580E-08ED-4286-A9BF-FFB8DF17CFF0}" type="datetimeFigureOut">
               <a:rPr lang="en-US" smtClean="0"/>
-              <a:t>6/15/21</a:t>
+              <a:t>6/16/21</a:t>
             </a:fld>
             <a:endParaRPr lang="en-US"/>
           </a:p>
@@ -13267,7 +13267,7 @@
           <a:p>
             <a:fld id="{6459580E-08ED-4286-A9BF-FFB8DF17CFF0}" type="datetimeFigureOut">
               <a:rPr lang="en-US" smtClean="0"/>
-              <a:t>6/15/21</a:t>
+              <a:t>6/16/21</a:t>
             </a:fld>
             <a:endParaRPr lang="en-US"/>
           </a:p>
@@ -13519,7 +13519,7 @@
           <a:p>
             <a:fld id="{6459580E-08ED-4286-A9BF-FFB8DF17CFF0}" type="datetimeFigureOut">
               <a:rPr lang="en-US" smtClean="0"/>
-              <a:t>6/15/21</a:t>
+              <a:t>6/16/21</a:t>
             </a:fld>
             <a:endParaRPr lang="en-US"/>
           </a:p>
@@ -19615,7 +19615,7 @@
             </a:r>
             <a:r>
               <a:rPr lang="de-DE" dirty="0"/>
-              <a:t> modern </a:t>
+              <a:t> „modern“ </a:t>
             </a:r>
             <a:r>
               <a:rPr lang="de-DE" dirty="0" err="1"/>

--- a/presentation/presentation.pptx
+++ b/presentation/presentation.pptx
@@ -370,7 +370,7 @@
           <a:p>
             <a:fld id="{50CFD496-02FF-4BBF-91A8-BA14311B48A2}" type="datetimeFigureOut">
               <a:rPr lang="en-US" smtClean="0"/>
-              <a:t>6/16/21</a:t>
+              <a:t>6/17/21</a:t>
             </a:fld>
             <a:endParaRPr lang="en-US"/>
           </a:p>
@@ -9910,32 +9910,13 @@
             </a:pPr>
             <a:r>
               <a:rPr lang="en-US" dirty="0"/>
-              <a:t>Search for suitable design spaces in order to derive a common understanding about important design principles</a:t>
-            </a:r>
-            <a:endParaRPr lang="de-DE" dirty="0"/>
-          </a:p>
-          <a:p>
-            <a:pPr marL="38130" marR="0" lvl="0" indent="0" algn="l" defTabSz="914400" rtl="0" eaLnBrk="1" fontAlgn="auto" latinLnBrk="0" hangingPunct="1">
-              <a:lnSpc>
-                <a:spcPct val="100000"/>
-              </a:lnSpc>
-              <a:spcBef>
-                <a:spcPts val="0"/>
-              </a:spcBef>
-              <a:spcAft>
-                <a:spcPts val="0"/>
-              </a:spcAft>
-              <a:buClrTx/>
-              <a:buSzTx/>
-              <a:buFont typeface="Arial" panose="020B0604020202020204" pitchFamily="34" charset="0"/>
-              <a:buNone/>
-              <a:tabLst/>
-              <a:defRPr/>
-            </a:pPr>
-            <a:r>
-              <a:rPr lang="de-DE"/>
-              <a:t>https://towardsdatascience.com/a-comprehensive-introduction-to-different-types-of-convolutions-in-deep-learning-669281e58215</a:t>
-            </a:r>
+              <a:t>Search for suitable design spaces in order to derive a common understanding about important </a:t>
+            </a:r>
+            <a:r>
+              <a:rPr lang="en-US"/>
+              <a:t>design principles</a:t>
+            </a:r>
+            <a:endParaRPr lang="en-US" dirty="0"/>
           </a:p>
         </p:txBody>
       </p:sp>
@@ -10778,7 +10759,7 @@
           <a:p>
             <a:fld id="{6459580E-08ED-4286-A9BF-FFB8DF17CFF0}" type="datetimeFigureOut">
               <a:rPr lang="en-US" smtClean="0"/>
-              <a:t>6/16/21</a:t>
+              <a:t>6/17/21</a:t>
             </a:fld>
             <a:endParaRPr lang="en-US" dirty="0"/>
           </a:p>
@@ -10984,7 +10965,7 @@
           <a:p>
             <a:fld id="{6459580E-08ED-4286-A9BF-FFB8DF17CFF0}" type="datetimeFigureOut">
               <a:rPr lang="en-US" smtClean="0"/>
-              <a:t>6/16/21</a:t>
+              <a:t>6/17/21</a:t>
             </a:fld>
             <a:endParaRPr lang="en-US"/>
           </a:p>
@@ -11200,7 +11181,7 @@
           <a:p>
             <a:fld id="{6459580E-08ED-4286-A9BF-FFB8DF17CFF0}" type="datetimeFigureOut">
               <a:rPr lang="en-US" smtClean="0"/>
-              <a:t>6/16/21</a:t>
+              <a:t>6/17/21</a:t>
             </a:fld>
             <a:endParaRPr lang="en-US"/>
           </a:p>
@@ -11406,7 +11387,7 @@
           <a:p>
             <a:fld id="{6459580E-08ED-4286-A9BF-FFB8DF17CFF0}" type="datetimeFigureOut">
               <a:rPr lang="en-US" smtClean="0"/>
-              <a:t>6/16/21</a:t>
+              <a:t>6/17/21</a:t>
             </a:fld>
             <a:endParaRPr lang="en-US"/>
           </a:p>
@@ -11689,7 +11670,7 @@
           <a:p>
             <a:fld id="{6459580E-08ED-4286-A9BF-FFB8DF17CFF0}" type="datetimeFigureOut">
               <a:rPr lang="en-US" smtClean="0"/>
-              <a:t>6/16/21</a:t>
+              <a:t>6/17/21</a:t>
             </a:fld>
             <a:endParaRPr lang="en-US"/>
           </a:p>
@@ -11962,7 +11943,7 @@
           <a:p>
             <a:fld id="{6459580E-08ED-4286-A9BF-FFB8DF17CFF0}" type="datetimeFigureOut">
               <a:rPr lang="en-US" smtClean="0"/>
-              <a:t>6/16/21</a:t>
+              <a:t>6/17/21</a:t>
             </a:fld>
             <a:endParaRPr lang="en-US"/>
           </a:p>
@@ -12382,7 +12363,7 @@
           <a:p>
             <a:fld id="{6459580E-08ED-4286-A9BF-FFB8DF17CFF0}" type="datetimeFigureOut">
               <a:rPr lang="en-US" smtClean="0"/>
-              <a:t>6/16/21</a:t>
+              <a:t>6/17/21</a:t>
             </a:fld>
             <a:endParaRPr lang="en-US"/>
           </a:p>
@@ -12531,7 +12512,7 @@
           <a:p>
             <a:fld id="{6459580E-08ED-4286-A9BF-FFB8DF17CFF0}" type="datetimeFigureOut">
               <a:rPr lang="en-US" smtClean="0"/>
-              <a:t>6/16/21</a:t>
+              <a:t>6/17/21</a:t>
             </a:fld>
             <a:endParaRPr lang="en-US"/>
           </a:p>
@@ -12652,7 +12633,7 @@
           <a:p>
             <a:fld id="{6459580E-08ED-4286-A9BF-FFB8DF17CFF0}" type="datetimeFigureOut">
               <a:rPr lang="en-US" smtClean="0"/>
-              <a:t>6/16/21</a:t>
+              <a:t>6/17/21</a:t>
             </a:fld>
             <a:endParaRPr lang="en-US"/>
           </a:p>
@@ -12971,7 +12952,7 @@
           <a:p>
             <a:fld id="{6459580E-08ED-4286-A9BF-FFB8DF17CFF0}" type="datetimeFigureOut">
               <a:rPr lang="en-US" smtClean="0"/>
-              <a:t>6/16/21</a:t>
+              <a:t>6/17/21</a:t>
             </a:fld>
             <a:endParaRPr lang="en-US"/>
           </a:p>
@@ -13267,7 +13248,7 @@
           <a:p>
             <a:fld id="{6459580E-08ED-4286-A9BF-FFB8DF17CFF0}" type="datetimeFigureOut">
               <a:rPr lang="en-US" smtClean="0"/>
-              <a:t>6/16/21</a:t>
+              <a:t>6/17/21</a:t>
             </a:fld>
             <a:endParaRPr lang="en-US"/>
           </a:p>
@@ -13519,7 +13500,7 @@
           <a:p>
             <a:fld id="{6459580E-08ED-4286-A9BF-FFB8DF17CFF0}" type="datetimeFigureOut">
               <a:rPr lang="en-US" smtClean="0"/>
-              <a:t>6/16/21</a:t>
+              <a:t>6/17/21</a:t>
             </a:fld>
             <a:endParaRPr lang="en-US"/>
           </a:p>
